--- a/Source Code/GraspBMPs/GraspCircularPrompts.pptx
+++ b/Source Code/GraspBMPs/GraspCircularPrompts.pptx
@@ -291,7 +291,7 @@
           <a:p>
             <a:fld id="{649FEDF0-7D14-9E44-B4F2-968D163D1479}" type="datetimeFigureOut">
               <a:rPr lang="fr-FR" smtClean="0"/>
-              <a:t>6/26/16</a:t>
+              <a:t>6/27/16</a:t>
             </a:fld>
             <a:endParaRPr lang="en-US"/>
           </a:p>
@@ -461,7 +461,7 @@
           <a:p>
             <a:fld id="{649FEDF0-7D14-9E44-B4F2-968D163D1479}" type="datetimeFigureOut">
               <a:rPr lang="fr-FR" smtClean="0"/>
-              <a:t>6/26/16</a:t>
+              <a:t>6/27/16</a:t>
             </a:fld>
             <a:endParaRPr lang="en-US"/>
           </a:p>
@@ -641,7 +641,7 @@
           <a:p>
             <a:fld id="{649FEDF0-7D14-9E44-B4F2-968D163D1479}" type="datetimeFigureOut">
               <a:rPr lang="fr-FR" smtClean="0"/>
-              <a:t>6/26/16</a:t>
+              <a:t>6/27/16</a:t>
             </a:fld>
             <a:endParaRPr lang="en-US"/>
           </a:p>
@@ -811,7 +811,7 @@
           <a:p>
             <a:fld id="{649FEDF0-7D14-9E44-B4F2-968D163D1479}" type="datetimeFigureOut">
               <a:rPr lang="fr-FR" smtClean="0"/>
-              <a:t>6/26/16</a:t>
+              <a:t>6/27/16</a:t>
             </a:fld>
             <a:endParaRPr lang="en-US"/>
           </a:p>
@@ -1057,7 +1057,7 @@
           <a:p>
             <a:fld id="{649FEDF0-7D14-9E44-B4F2-968D163D1479}" type="datetimeFigureOut">
               <a:rPr lang="fr-FR" smtClean="0"/>
-              <a:t>6/26/16</a:t>
+              <a:t>6/27/16</a:t>
             </a:fld>
             <a:endParaRPr lang="en-US"/>
           </a:p>
@@ -1345,7 +1345,7 @@
           <a:p>
             <a:fld id="{649FEDF0-7D14-9E44-B4F2-968D163D1479}" type="datetimeFigureOut">
               <a:rPr lang="fr-FR" smtClean="0"/>
-              <a:t>6/26/16</a:t>
+              <a:t>6/27/16</a:t>
             </a:fld>
             <a:endParaRPr lang="en-US"/>
           </a:p>
@@ -1767,7 +1767,7 @@
           <a:p>
             <a:fld id="{649FEDF0-7D14-9E44-B4F2-968D163D1479}" type="datetimeFigureOut">
               <a:rPr lang="fr-FR" smtClean="0"/>
-              <a:t>6/26/16</a:t>
+              <a:t>6/27/16</a:t>
             </a:fld>
             <a:endParaRPr lang="en-US"/>
           </a:p>
@@ -1885,7 +1885,7 @@
           <a:p>
             <a:fld id="{649FEDF0-7D14-9E44-B4F2-968D163D1479}" type="datetimeFigureOut">
               <a:rPr lang="fr-FR" smtClean="0"/>
-              <a:t>6/26/16</a:t>
+              <a:t>6/27/16</a:t>
             </a:fld>
             <a:endParaRPr lang="en-US"/>
           </a:p>
@@ -1980,7 +1980,7 @@
           <a:p>
             <a:fld id="{649FEDF0-7D14-9E44-B4F2-968D163D1479}" type="datetimeFigureOut">
               <a:rPr lang="fr-FR" smtClean="0"/>
-              <a:t>6/26/16</a:t>
+              <a:t>6/27/16</a:t>
             </a:fld>
             <a:endParaRPr lang="en-US"/>
           </a:p>
@@ -2257,7 +2257,7 @@
           <a:p>
             <a:fld id="{649FEDF0-7D14-9E44-B4F2-968D163D1479}" type="datetimeFigureOut">
               <a:rPr lang="fr-FR" smtClean="0"/>
-              <a:t>6/26/16</a:t>
+              <a:t>6/27/16</a:t>
             </a:fld>
             <a:endParaRPr lang="en-US"/>
           </a:p>
@@ -2510,7 +2510,7 @@
           <a:p>
             <a:fld id="{649FEDF0-7D14-9E44-B4F2-968D163D1479}" type="datetimeFigureOut">
               <a:rPr lang="fr-FR" smtClean="0"/>
-              <a:t>6/26/16</a:t>
+              <a:t>6/27/16</a:t>
             </a:fld>
             <a:endParaRPr lang="en-US"/>
           </a:p>
@@ -2726,7 +2726,7 @@
           <a:p>
             <a:fld id="{649FEDF0-7D14-9E44-B4F2-968D163D1479}" type="datetimeFigureOut">
               <a:rPr lang="fr-FR" smtClean="0"/>
-              <a:t>6/26/16</a:t>
+              <a:t>6/27/16</a:t>
             </a:fld>
             <a:endParaRPr lang="en-US"/>
           </a:p>

--- a/Source Code/GraspBMPs/GraspCircularPrompts.pptx
+++ b/Source Code/GraspBMPs/GraspCircularPrompts.pptx
@@ -6,9 +6,9 @@
   </p:sldMasterIdLst>
   <p:sldIdLst>
     <p:sldId id="263" r:id="rId2"/>
-    <p:sldId id="267" r:id="rId3"/>
-    <p:sldId id="266" r:id="rId4"/>
-    <p:sldId id="265" r:id="rId5"/>
+    <p:sldId id="268" r:id="rId3"/>
+    <p:sldId id="269" r:id="rId4"/>
+    <p:sldId id="270" r:id="rId5"/>
   </p:sldIdLst>
   <p:sldSz cx="18434050" cy="18434050"/>
   <p:notesSz cx="6858000" cy="9144000"/>
@@ -291,7 +291,7 @@
           <a:p>
             <a:fld id="{649FEDF0-7D14-9E44-B4F2-968D163D1479}" type="datetimeFigureOut">
               <a:rPr lang="fr-FR" smtClean="0"/>
-              <a:t>6/27/16</a:t>
+              <a:t>6/28/16</a:t>
             </a:fld>
             <a:endParaRPr lang="en-US"/>
           </a:p>
@@ -461,7 +461,7 @@
           <a:p>
             <a:fld id="{649FEDF0-7D14-9E44-B4F2-968D163D1479}" type="datetimeFigureOut">
               <a:rPr lang="fr-FR" smtClean="0"/>
-              <a:t>6/27/16</a:t>
+              <a:t>6/28/16</a:t>
             </a:fld>
             <a:endParaRPr lang="en-US"/>
           </a:p>
@@ -641,7 +641,7 @@
           <a:p>
             <a:fld id="{649FEDF0-7D14-9E44-B4F2-968D163D1479}" type="datetimeFigureOut">
               <a:rPr lang="fr-FR" smtClean="0"/>
-              <a:t>6/27/16</a:t>
+              <a:t>6/28/16</a:t>
             </a:fld>
             <a:endParaRPr lang="en-US"/>
           </a:p>
@@ -811,7 +811,7 @@
           <a:p>
             <a:fld id="{649FEDF0-7D14-9E44-B4F2-968D163D1479}" type="datetimeFigureOut">
               <a:rPr lang="fr-FR" smtClean="0"/>
-              <a:t>6/27/16</a:t>
+              <a:t>6/28/16</a:t>
             </a:fld>
             <a:endParaRPr lang="en-US"/>
           </a:p>
@@ -1057,7 +1057,7 @@
           <a:p>
             <a:fld id="{649FEDF0-7D14-9E44-B4F2-968D163D1479}" type="datetimeFigureOut">
               <a:rPr lang="fr-FR" smtClean="0"/>
-              <a:t>6/27/16</a:t>
+              <a:t>6/28/16</a:t>
             </a:fld>
             <a:endParaRPr lang="en-US"/>
           </a:p>
@@ -1345,7 +1345,7 @@
           <a:p>
             <a:fld id="{649FEDF0-7D14-9E44-B4F2-968D163D1479}" type="datetimeFigureOut">
               <a:rPr lang="fr-FR" smtClean="0"/>
-              <a:t>6/27/16</a:t>
+              <a:t>6/28/16</a:t>
             </a:fld>
             <a:endParaRPr lang="en-US"/>
           </a:p>
@@ -1767,7 +1767,7 @@
           <a:p>
             <a:fld id="{649FEDF0-7D14-9E44-B4F2-968D163D1479}" type="datetimeFigureOut">
               <a:rPr lang="fr-FR" smtClean="0"/>
-              <a:t>6/27/16</a:t>
+              <a:t>6/28/16</a:t>
             </a:fld>
             <a:endParaRPr lang="en-US"/>
           </a:p>
@@ -1885,7 +1885,7 @@
           <a:p>
             <a:fld id="{649FEDF0-7D14-9E44-B4F2-968D163D1479}" type="datetimeFigureOut">
               <a:rPr lang="fr-FR" smtClean="0"/>
-              <a:t>6/27/16</a:t>
+              <a:t>6/28/16</a:t>
             </a:fld>
             <a:endParaRPr lang="en-US"/>
           </a:p>
@@ -1980,7 +1980,7 @@
           <a:p>
             <a:fld id="{649FEDF0-7D14-9E44-B4F2-968D163D1479}" type="datetimeFigureOut">
               <a:rPr lang="fr-FR" smtClean="0"/>
-              <a:t>6/27/16</a:t>
+              <a:t>6/28/16</a:t>
             </a:fld>
             <a:endParaRPr lang="en-US"/>
           </a:p>
@@ -2257,7 +2257,7 @@
           <a:p>
             <a:fld id="{649FEDF0-7D14-9E44-B4F2-968D163D1479}" type="datetimeFigureOut">
               <a:rPr lang="fr-FR" smtClean="0"/>
-              <a:t>6/27/16</a:t>
+              <a:t>6/28/16</a:t>
             </a:fld>
             <a:endParaRPr lang="en-US"/>
           </a:p>
@@ -2510,7 +2510,7 @@
           <a:p>
             <a:fld id="{649FEDF0-7D14-9E44-B4F2-968D163D1479}" type="datetimeFigureOut">
               <a:rPr lang="fr-FR" smtClean="0"/>
-              <a:t>6/27/16</a:t>
+              <a:t>6/28/16</a:t>
             </a:fld>
             <a:endParaRPr lang="en-US"/>
           </a:p>
@@ -2726,7 +2726,7 @@
           <a:p>
             <a:fld id="{649FEDF0-7D14-9E44-B4F2-968D163D1479}" type="datetimeFigureOut">
               <a:rPr lang="fr-FR" smtClean="0"/>
-              <a:t>6/27/16</a:t>
+              <a:t>6/28/16</a:t>
             </a:fld>
             <a:endParaRPr lang="en-US"/>
           </a:p>
@@ -3103,22 +3103,28 @@
       </p:grpSpPr>
       <p:sp>
         <p:nvSpPr>
-          <p:cNvPr id="13" name="Ellipse 12"/>
-          <p:cNvSpPr/>
+          <p:cNvPr id="5" name="Bouée 4"/>
+          <p:cNvSpPr>
+            <a:spLocks noChangeAspect="1"/>
+          </p:cNvSpPr>
           <p:nvPr/>
         </p:nvSpPr>
         <p:spPr>
           <a:xfrm>
-            <a:off x="1614253" y="1610486"/>
-            <a:ext cx="15205543" cy="15213071"/>
+            <a:off x="1614253" y="1610484"/>
+            <a:ext cx="15228000" cy="15228000"/>
           </a:xfrm>
-          <a:prstGeom prst="ellipse">
-            <a:avLst/>
+          <a:prstGeom prst="donut">
+            <a:avLst>
+              <a:gd name="adj" fmla="val 30982"/>
+            </a:avLst>
           </a:prstGeom>
           <a:solidFill>
-            <a:srgbClr val="FFFFFF"/>
+            <a:schemeClr val="bg1"/>
           </a:solidFill>
-          <a:ln w="152400" cmpd="sng"/>
+          <a:ln w="76200" cmpd="sng">
+            <a:noFill/>
+          </a:ln>
         </p:spPr>
         <p:style>
           <a:lnRef idx="1">
@@ -3135,11 +3141,15 @@
           </a:fontRef>
         </p:style>
         <p:txBody>
-          <a:bodyPr lIns="210669" tIns="105334" rIns="210669" bIns="105334" rtlCol="0" anchor="ctr"/>
+          <a:bodyPr rtlCol="0" anchor="ctr"/>
           <a:lstStyle/>
           <a:p>
             <a:pPr algn="ctr"/>
-            <a:endParaRPr lang="en-US"/>
+            <a:endParaRPr lang="en-US">
+              <a:solidFill>
+                <a:schemeClr val="tx1"/>
+              </a:solidFill>
+            </a:endParaRPr>
           </a:p>
         </p:txBody>
       </p:sp>
@@ -3153,8 +3163,8 @@
         </p:nvSpPr>
         <p:spPr>
           <a:xfrm rot="16200000">
-            <a:off x="3457025" y="3457026"/>
-            <a:ext cx="11520000" cy="11520000"/>
+            <a:off x="3277028" y="3277028"/>
+            <a:ext cx="11879995" cy="11879995"/>
           </a:xfrm>
           <a:prstGeom prst="rect">
             <a:avLst/>
@@ -3185,7 +3195,21 @@
                   <a:schemeClr val="accent1"/>
                 </a:solidFill>
               </a:rPr>
-              <a:t>Ready to start next trial.</a:t>
+              <a:t>  Ready </a:t>
+            </a:r>
+            <a:r>
+              <a:rPr lang="en-US" sz="23900" b="1" cap="small" spc="600" dirty="0" smtClean="0">
+                <a:ln w="12700">
+                  <a:solidFill>
+                    <a:srgbClr val="FFFFFF"/>
+                  </a:solidFill>
+                  <a:prstDash val="solid"/>
+                </a:ln>
+                <a:solidFill>
+                  <a:schemeClr val="accent1"/>
+                </a:solidFill>
+              </a:rPr>
+              <a:t>to start next trial.</a:t>
             </a:r>
             <a:endParaRPr lang="en-US" sz="23900" b="1" cap="small" spc="600" dirty="0">
               <a:ln w="12700">
@@ -3211,8 +3235,8 @@
         </p:nvSpPr>
         <p:spPr>
           <a:xfrm rot="16200000">
-            <a:off x="5437022" y="5437026"/>
-            <a:ext cx="7560006" cy="7559999"/>
+            <a:off x="5257022" y="5257026"/>
+            <a:ext cx="7920006" cy="7919999"/>
           </a:xfrm>
           <a:prstGeom prst="rect">
             <a:avLst/>
@@ -3232,7 +3256,7 @@
           <a:p>
             <a:pPr algn="ctr"/>
             <a:r>
-              <a:rPr lang="en-US" sz="13800" b="1" cap="small" spc="600" dirty="0" smtClean="0">
+              <a:rPr lang="en-US" sz="13800" b="1" cap="small" spc="300" dirty="0" smtClean="0">
                 <a:ln w="12700">
                   <a:noFill/>
                   <a:prstDash val="solid"/>
@@ -3253,7 +3277,7 @@
               <a:t> Press </a:t>
             </a:r>
             <a:r>
-              <a:rPr lang="en-US" sz="13800" b="1" cap="small" spc="600" dirty="0">
+              <a:rPr lang="en-US" sz="13800" b="1" cap="small" spc="300" dirty="0">
                 <a:ln w="12700">
                   <a:noFill/>
                   <a:prstDash val="solid"/>
@@ -3274,7 +3298,7 @@
               <a:t>a button to continue</a:t>
             </a:r>
             <a:r>
-              <a:rPr lang="en-US" sz="13800" b="1" cap="small" spc="600" dirty="0" smtClean="0">
+              <a:rPr lang="en-US" sz="13800" b="1" cap="small" spc="300" dirty="0" smtClean="0">
                 <a:ln w="12700">
                   <a:noFill/>
                   <a:prstDash val="solid"/>
@@ -3294,7 +3318,7 @@
               </a:rPr>
               <a:t>.</a:t>
             </a:r>
-            <a:endParaRPr lang="en-US" sz="13800" b="1" cap="small" spc="600" dirty="0">
+            <a:endParaRPr lang="en-US" sz="13800" b="1" cap="small" spc="300" dirty="0">
               <a:ln w="12700">
                 <a:noFill/>
                 <a:prstDash val="solid"/>
@@ -3347,22 +3371,28 @@
       </p:grpSpPr>
       <p:sp>
         <p:nvSpPr>
-          <p:cNvPr id="13" name="Ellipse 12"/>
-          <p:cNvSpPr/>
+          <p:cNvPr id="5" name="Bouée 4"/>
+          <p:cNvSpPr>
+            <a:spLocks noChangeAspect="1"/>
+          </p:cNvSpPr>
           <p:nvPr/>
         </p:nvSpPr>
         <p:spPr>
           <a:xfrm>
-            <a:off x="1614253" y="1610486"/>
-            <a:ext cx="15205543" cy="15213071"/>
+            <a:off x="1614253" y="1610484"/>
+            <a:ext cx="15228000" cy="15228000"/>
           </a:xfrm>
-          <a:prstGeom prst="ellipse">
-            <a:avLst/>
+          <a:prstGeom prst="donut">
+            <a:avLst>
+              <a:gd name="adj" fmla="val 30982"/>
+            </a:avLst>
           </a:prstGeom>
           <a:solidFill>
-            <a:srgbClr val="FFFFFF"/>
+            <a:schemeClr val="bg1"/>
           </a:solidFill>
-          <a:ln w="152400" cmpd="sng"/>
+          <a:ln w="76200" cmpd="sng">
+            <a:noFill/>
+          </a:ln>
         </p:spPr>
         <p:style>
           <a:lnRef idx="1">
@@ -3379,11 +3409,15 @@
           </a:fontRef>
         </p:style>
         <p:txBody>
-          <a:bodyPr lIns="210669" tIns="105334" rIns="210669" bIns="105334" rtlCol="0" anchor="ctr"/>
+          <a:bodyPr rtlCol="0" anchor="ctr"/>
           <a:lstStyle/>
           <a:p>
             <a:pPr algn="ctr"/>
-            <a:endParaRPr lang="en-US"/>
+            <a:endParaRPr lang="en-US">
+              <a:solidFill>
+                <a:schemeClr val="tx1"/>
+              </a:solidFill>
+            </a:endParaRPr>
           </a:p>
         </p:txBody>
       </p:sp>
@@ -3397,8 +3431,8 @@
         </p:nvSpPr>
         <p:spPr>
           <a:xfrm rot="16200000">
-            <a:off x="3457025" y="3457026"/>
-            <a:ext cx="11520000" cy="11520000"/>
+            <a:off x="3277028" y="3277028"/>
+            <a:ext cx="11879995" cy="11879995"/>
           </a:xfrm>
           <a:prstGeom prst="rect">
             <a:avLst/>
@@ -3455,8 +3489,8 @@
         </p:nvSpPr>
         <p:spPr>
           <a:xfrm rot="16200000">
-            <a:off x="5437022" y="5437026"/>
-            <a:ext cx="7560006" cy="7559999"/>
+            <a:off x="5257022" y="5257026"/>
+            <a:ext cx="7920006" cy="7919999"/>
           </a:xfrm>
           <a:prstGeom prst="rect">
             <a:avLst/>
@@ -3476,7 +3510,7 @@
           <a:p>
             <a:pPr algn="ctr"/>
             <a:r>
-              <a:rPr lang="en-US" sz="11500" b="1" cap="small" spc="300" dirty="0" smtClean="0">
+              <a:rPr lang="en-US" sz="13800" b="1" cap="small" spc="300" dirty="0" smtClean="0">
                 <a:ln w="12700">
                   <a:noFill/>
                   <a:prstDash val="solid"/>
@@ -3497,7 +3531,7 @@
               <a:t> Press </a:t>
             </a:r>
             <a:r>
-              <a:rPr lang="en-US" sz="11500" b="1" cap="small" spc="300" dirty="0">
+              <a:rPr lang="en-US" sz="13800" b="1" cap="small" spc="300" dirty="0">
                 <a:ln w="12700">
                   <a:noFill/>
                   <a:prstDash val="solid"/>
@@ -3515,10 +3549,10 @@
                   </a:outerShdw>
                 </a:effectLst>
               </a:rPr>
-              <a:t>a button </a:t>
-            </a:r>
-            <a:r>
-              <a:rPr lang="en-US" sz="11500" b="1" cap="small" spc="300" dirty="0" smtClean="0">
+              <a:t>a button to continue</a:t>
+            </a:r>
+            <a:r>
+              <a:rPr lang="en-US" sz="13800" b="1" cap="small" spc="300" dirty="0" smtClean="0">
                 <a:ln w="12700">
                   <a:noFill/>
                   <a:prstDash val="solid"/>
@@ -3536,9 +3570,9 @@
                   </a:outerShdw>
                 </a:effectLst>
               </a:rPr>
-              <a:t>then remove HMD.</a:t>
-            </a:r>
-            <a:endParaRPr lang="en-US" sz="11500" b="1" cap="small" spc="300" dirty="0">
+              <a:t>.</a:t>
+            </a:r>
+            <a:endParaRPr lang="en-US" sz="13800" b="1" cap="small" spc="300" dirty="0">
               <a:ln w="12700">
                 <a:noFill/>
                 <a:prstDash val="solid"/>
@@ -3562,7 +3596,7 @@
     </p:spTree>
     <p:extLst>
       <p:ext uri="{BB962C8B-B14F-4D97-AF65-F5344CB8AC3E}">
-        <p14:creationId xmlns:p14="http://schemas.microsoft.com/office/powerpoint/2010/main" val="809798856"/>
+        <p14:creationId xmlns:p14="http://schemas.microsoft.com/office/powerpoint/2010/main" val="2090264467"/>
       </p:ext>
     </p:extLst>
   </p:cSld>
@@ -3591,22 +3625,28 @@
       </p:grpSpPr>
       <p:sp>
         <p:nvSpPr>
-          <p:cNvPr id="13" name="Ellipse 12"/>
-          <p:cNvSpPr/>
+          <p:cNvPr id="5" name="Bouée 4"/>
+          <p:cNvSpPr>
+            <a:spLocks noChangeAspect="1"/>
+          </p:cNvSpPr>
           <p:nvPr/>
         </p:nvSpPr>
         <p:spPr>
           <a:xfrm>
-            <a:off x="1614253" y="1610486"/>
-            <a:ext cx="15205543" cy="15213071"/>
+            <a:off x="1614253" y="1610484"/>
+            <a:ext cx="15228000" cy="15228000"/>
           </a:xfrm>
-          <a:prstGeom prst="ellipse">
-            <a:avLst/>
+          <a:prstGeom prst="donut">
+            <a:avLst>
+              <a:gd name="adj" fmla="val 30982"/>
+            </a:avLst>
           </a:prstGeom>
           <a:solidFill>
-            <a:srgbClr val="FFFFFF"/>
+            <a:schemeClr val="bg1"/>
           </a:solidFill>
-          <a:ln w="152400" cmpd="sng"/>
+          <a:ln w="76200" cmpd="sng">
+            <a:noFill/>
+          </a:ln>
         </p:spPr>
         <p:style>
           <a:lnRef idx="1">
@@ -3623,11 +3663,15 @@
           </a:fontRef>
         </p:style>
         <p:txBody>
-          <a:bodyPr lIns="210669" tIns="105334" rIns="210669" bIns="105334" rtlCol="0" anchor="ctr"/>
+          <a:bodyPr rtlCol="0" anchor="ctr"/>
           <a:lstStyle/>
           <a:p>
             <a:pPr algn="ctr"/>
-            <a:endParaRPr lang="en-US"/>
+            <a:endParaRPr lang="en-US">
+              <a:solidFill>
+                <a:schemeClr val="tx1"/>
+              </a:solidFill>
+            </a:endParaRPr>
           </a:p>
         </p:txBody>
       </p:sp>
@@ -3641,8 +3685,8 @@
         </p:nvSpPr>
         <p:spPr>
           <a:xfrm rot="16200000">
-            <a:off x="3457025" y="3457026"/>
-            <a:ext cx="11520000" cy="11520000"/>
+            <a:off x="3277028" y="3277028"/>
+            <a:ext cx="11879995" cy="11879995"/>
           </a:xfrm>
           <a:prstGeom prst="rect">
             <a:avLst/>
@@ -3662,7 +3706,7 @@
           <a:p>
             <a:pPr algn="ctr"/>
             <a:r>
-              <a:rPr lang="en-US" sz="23900" b="1" cap="small" dirty="0" smtClean="0">
+              <a:rPr lang="en-US" sz="23900" b="1" cap="small" spc="600" dirty="0" smtClean="0">
                 <a:ln w="12700">
                   <a:solidFill>
                     <a:srgbClr val="FFFFFF"/>
@@ -3675,7 +3719,7 @@
               </a:rPr>
               <a:t>Head tilt was not constant.</a:t>
             </a:r>
-            <a:endParaRPr lang="en-US" sz="23900" b="1" cap="small" dirty="0">
+            <a:endParaRPr lang="en-US" sz="23900" b="1" cap="small" spc="600" dirty="0">
               <a:ln w="12700">
                 <a:solidFill>
                   <a:srgbClr val="FFFFFF"/>
@@ -3699,8 +3743,8 @@
         </p:nvSpPr>
         <p:spPr>
           <a:xfrm rot="16200000">
-            <a:off x="5437022" y="5437026"/>
-            <a:ext cx="7560006" cy="7559999"/>
+            <a:off x="5257022" y="5257026"/>
+            <a:ext cx="7920006" cy="7919999"/>
           </a:xfrm>
           <a:prstGeom prst="rect">
             <a:avLst/>
@@ -3720,7 +3764,7 @@
           <a:p>
             <a:pPr algn="ctr"/>
             <a:r>
-              <a:rPr lang="en-US" sz="13800" b="1" cap="small" spc="600" dirty="0" smtClean="0">
+              <a:rPr lang="en-US" sz="13800" b="1" cap="small" spc="300" dirty="0" smtClean="0">
                 <a:ln w="12700">
                   <a:noFill/>
                   <a:prstDash val="solid"/>
@@ -3741,7 +3785,7 @@
               <a:t> Press </a:t>
             </a:r>
             <a:r>
-              <a:rPr lang="en-US" sz="13800" b="1" cap="small" spc="600" dirty="0">
+              <a:rPr lang="en-US" sz="13800" b="1" cap="small" spc="300" dirty="0">
                 <a:ln w="12700">
                   <a:noFill/>
                   <a:prstDash val="solid"/>
@@ -3762,7 +3806,7 @@
               <a:t>a button to continue</a:t>
             </a:r>
             <a:r>
-              <a:rPr lang="en-US" sz="13800" b="1" cap="small" spc="600" dirty="0" smtClean="0">
+              <a:rPr lang="en-US" sz="13800" b="1" cap="small" spc="300" dirty="0" smtClean="0">
                 <a:ln w="12700">
                   <a:noFill/>
                   <a:prstDash val="solid"/>
@@ -3782,7 +3826,7 @@
               </a:rPr>
               <a:t>.</a:t>
             </a:r>
-            <a:endParaRPr lang="en-US" sz="13800" b="1" cap="small" spc="600" dirty="0">
+            <a:endParaRPr lang="en-US" sz="13800" b="1" cap="small" spc="300" dirty="0">
               <a:ln w="12700">
                 <a:noFill/>
                 <a:prstDash val="solid"/>
@@ -3806,7 +3850,7 @@
     </p:spTree>
     <p:extLst>
       <p:ext uri="{BB962C8B-B14F-4D97-AF65-F5344CB8AC3E}">
-        <p14:creationId xmlns:p14="http://schemas.microsoft.com/office/powerpoint/2010/main" val="3631373981"/>
+        <p14:creationId xmlns:p14="http://schemas.microsoft.com/office/powerpoint/2010/main" val="2090264467"/>
       </p:ext>
     </p:extLst>
   </p:cSld>
@@ -3835,22 +3879,28 @@
       </p:grpSpPr>
       <p:sp>
         <p:nvSpPr>
-          <p:cNvPr id="13" name="Ellipse 12"/>
-          <p:cNvSpPr/>
+          <p:cNvPr id="5" name="Bouée 4"/>
+          <p:cNvSpPr>
+            <a:spLocks noChangeAspect="1"/>
+          </p:cNvSpPr>
           <p:nvPr/>
         </p:nvSpPr>
         <p:spPr>
           <a:xfrm>
-            <a:off x="1614253" y="1610486"/>
-            <a:ext cx="15205543" cy="15213071"/>
+            <a:off x="1614253" y="1610484"/>
+            <a:ext cx="15228000" cy="15228000"/>
           </a:xfrm>
-          <a:prstGeom prst="ellipse">
-            <a:avLst/>
+          <a:prstGeom prst="donut">
+            <a:avLst>
+              <a:gd name="adj" fmla="val 30982"/>
+            </a:avLst>
           </a:prstGeom>
           <a:solidFill>
-            <a:srgbClr val="FFFFFF"/>
+            <a:schemeClr val="bg1"/>
           </a:solidFill>
-          <a:ln w="152400" cmpd="sng"/>
+          <a:ln w="76200" cmpd="sng">
+            <a:noFill/>
+          </a:ln>
         </p:spPr>
         <p:style>
           <a:lnRef idx="1">
@@ -3867,11 +3917,15 @@
           </a:fontRef>
         </p:style>
         <p:txBody>
-          <a:bodyPr lIns="210669" tIns="105334" rIns="210669" bIns="105334" rtlCol="0" anchor="ctr"/>
+          <a:bodyPr rtlCol="0" anchor="ctr"/>
           <a:lstStyle/>
           <a:p>
             <a:pPr algn="ctr"/>
-            <a:endParaRPr lang="en-US"/>
+            <a:endParaRPr lang="en-US">
+              <a:solidFill>
+                <a:schemeClr val="tx1"/>
+              </a:solidFill>
+            </a:endParaRPr>
           </a:p>
         </p:txBody>
       </p:sp>
@@ -3885,8 +3939,8 @@
         </p:nvSpPr>
         <p:spPr>
           <a:xfrm rot="16200000">
-            <a:off x="3457025" y="3457026"/>
-            <a:ext cx="11520000" cy="11520000"/>
+            <a:off x="3277028" y="3277028"/>
+            <a:ext cx="11879995" cy="11879995"/>
           </a:xfrm>
           <a:prstGeom prst="rect">
             <a:avLst/>
@@ -3943,8 +3997,8 @@
         </p:nvSpPr>
         <p:spPr>
           <a:xfrm rot="16200000">
-            <a:off x="5437022" y="5437026"/>
-            <a:ext cx="7560006" cy="7559999"/>
+            <a:off x="5257022" y="5257026"/>
+            <a:ext cx="7920006" cy="7919999"/>
           </a:xfrm>
           <a:prstGeom prst="rect">
             <a:avLst/>
@@ -3964,7 +4018,7 @@
           <a:p>
             <a:pPr algn="ctr"/>
             <a:r>
-              <a:rPr lang="en-US" sz="13800" b="1" cap="small" spc="600" dirty="0" smtClean="0">
+              <a:rPr lang="en-US" sz="13800" b="1" cap="small" spc="300" dirty="0" smtClean="0">
                 <a:ln w="12700">
                   <a:noFill/>
                   <a:prstDash val="solid"/>
@@ -3985,7 +4039,7 @@
               <a:t> Press </a:t>
             </a:r>
             <a:r>
-              <a:rPr lang="en-US" sz="13800" b="1" cap="small" spc="600" dirty="0">
+              <a:rPr lang="en-US" sz="13800" b="1" cap="small" spc="300" dirty="0">
                 <a:ln w="12700">
                   <a:noFill/>
                   <a:prstDash val="solid"/>
@@ -4006,7 +4060,7 @@
               <a:t>a button to continue</a:t>
             </a:r>
             <a:r>
-              <a:rPr lang="en-US" sz="13800" b="1" cap="small" spc="600" dirty="0" smtClean="0">
+              <a:rPr lang="en-US" sz="13800" b="1" cap="small" spc="300" dirty="0" smtClean="0">
                 <a:ln w="12700">
                   <a:noFill/>
                   <a:prstDash val="solid"/>
@@ -4026,7 +4080,7 @@
               </a:rPr>
               <a:t>.</a:t>
             </a:r>
-            <a:endParaRPr lang="en-US" sz="13800" b="1" cap="small" spc="600" dirty="0">
+            <a:endParaRPr lang="en-US" sz="13800" b="1" cap="small" spc="300" dirty="0">
               <a:ln w="12700">
                 <a:noFill/>
                 <a:prstDash val="solid"/>
@@ -4049,7 +4103,7 @@
       </p:sp>
       <p:grpSp>
         <p:nvGrpSpPr>
-          <p:cNvPr id="5" name="Grouper 4"/>
+          <p:cNvPr id="6" name="Grouper 5"/>
           <p:cNvGrpSpPr/>
           <p:nvPr/>
         </p:nvGrpSpPr>
@@ -4063,7 +4117,7 @@
         </p:grpSpPr>
         <p:sp>
           <p:nvSpPr>
-            <p:cNvPr id="6" name="Ellipse 5"/>
+            <p:cNvPr id="7" name="Ellipse 6"/>
             <p:cNvSpPr>
               <a:spLocks noChangeAspect="1"/>
             </p:cNvSpPr>
@@ -4077,6 +4131,11 @@
             <a:prstGeom prst="ellipse">
               <a:avLst/>
             </a:prstGeom>
+            <a:ln>
+              <a:solidFill>
+                <a:schemeClr val="accent2"/>
+              </a:solidFill>
+            </a:ln>
             <a:effectLst>
               <a:outerShdw blurRad="76200" dir="18900000" sy="23000" kx="-1200000" algn="bl" rotWithShape="0">
                 <a:prstClr val="black">
@@ -4110,7 +4169,7 @@
         </p:sp>
         <p:sp>
           <p:nvSpPr>
-            <p:cNvPr id="7" name="Secteurs 6"/>
+            <p:cNvPr id="8" name="Secteurs 7"/>
             <p:cNvSpPr>
               <a:spLocks noChangeAspect="1"/>
             </p:cNvSpPr>
@@ -4130,6 +4189,11 @@
             <a:solidFill>
               <a:srgbClr val="FFFFFF"/>
             </a:solidFill>
+            <a:ln>
+              <a:solidFill>
+                <a:schemeClr val="accent2"/>
+              </a:solidFill>
+            </a:ln>
           </p:spPr>
           <p:style>
             <a:lnRef idx="1">
@@ -4160,9 +4224,9 @@
         </p:sp>
         <p:cxnSp>
           <p:nvCxnSpPr>
-            <p:cNvPr id="8" name="Connecteur droit avec flèche 7"/>
+            <p:cNvPr id="9" name="Connecteur droit avec flèche 8"/>
             <p:cNvCxnSpPr>
-              <a:endCxn id="6" idx="0"/>
+              <a:endCxn id="7" idx="0"/>
             </p:cNvCxnSpPr>
             <p:nvPr/>
           </p:nvCxnSpPr>
@@ -4176,7 +4240,7 @@
             </a:prstGeom>
             <a:ln w="57150" cmpd="sng">
               <a:solidFill>
-                <a:srgbClr val="FF0000"/>
+                <a:schemeClr val="accent2"/>
               </a:solidFill>
               <a:tailEnd type="arrow"/>
             </a:ln>
@@ -4198,7 +4262,7 @@
         </p:cxnSp>
         <p:grpSp>
           <p:nvGrpSpPr>
-            <p:cNvPr id="9" name="Grouper 8"/>
+            <p:cNvPr id="10" name="Grouper 9"/>
             <p:cNvGrpSpPr/>
             <p:nvPr/>
           </p:nvGrpSpPr>
@@ -4227,7 +4291,11 @@
                   <a:gd name="adj2" fmla="val 19010120"/>
                 </a:avLst>
               </a:prstGeom>
-              <a:ln w="38100" cmpd="sng"/>
+              <a:ln w="38100" cmpd="sng">
+                <a:solidFill>
+                  <a:schemeClr val="accent2"/>
+                </a:solidFill>
+              </a:ln>
             </p:spPr>
             <p:style>
               <a:lnRef idx="2">
@@ -4271,7 +4339,11 @@
                   <a:gd name="adj2" fmla="val 19319877"/>
                 </a:avLst>
               </a:prstGeom>
-              <a:ln w="38100" cmpd="sng"/>
+              <a:ln w="38100" cmpd="sng">
+                <a:solidFill>
+                  <a:schemeClr val="accent2"/>
+                </a:solidFill>
+              </a:ln>
             </p:spPr>
             <p:style>
               <a:lnRef idx="2">
@@ -4315,7 +4387,11 @@
                   <a:gd name="adj2" fmla="val 19569505"/>
                 </a:avLst>
               </a:prstGeom>
-              <a:ln w="38100" cmpd="sng"/>
+              <a:ln w="38100" cmpd="sng">
+                <a:solidFill>
+                  <a:schemeClr val="accent2"/>
+                </a:solidFill>
+              </a:ln>
             </p:spPr>
             <p:style>
               <a:lnRef idx="2">
@@ -4349,7 +4425,7 @@
         </p:grpSp>
         <p:grpSp>
           <p:nvGrpSpPr>
-            <p:cNvPr id="10" name="Grouper 9"/>
+            <p:cNvPr id="11" name="Grouper 10"/>
             <p:cNvGrpSpPr/>
             <p:nvPr/>
           </p:nvGrpSpPr>
@@ -4363,7 +4439,7 @@
           </p:grpSpPr>
           <p:sp>
             <p:nvSpPr>
-              <p:cNvPr id="11" name="Arc 10"/>
+              <p:cNvPr id="12" name="Arc 11"/>
               <p:cNvSpPr/>
               <p:nvPr/>
             </p:nvSpPr>
@@ -4378,7 +4454,11 @@
                   <a:gd name="adj2" fmla="val 19010120"/>
                 </a:avLst>
               </a:prstGeom>
-              <a:ln w="38100" cmpd="sng"/>
+              <a:ln w="38100" cmpd="sng">
+                <a:solidFill>
+                  <a:schemeClr val="accent2"/>
+                </a:solidFill>
+              </a:ln>
             </p:spPr>
             <p:style>
               <a:lnRef idx="2">
@@ -4405,7 +4485,7 @@
           </p:sp>
           <p:sp>
             <p:nvSpPr>
-              <p:cNvPr id="12" name="Arc 11"/>
+              <p:cNvPr id="13" name="Arc 12"/>
               <p:cNvSpPr>
                 <a:spLocks noChangeAspect="1"/>
               </p:cNvSpPr>
@@ -4422,7 +4502,11 @@
                   <a:gd name="adj2" fmla="val 19319877"/>
                 </a:avLst>
               </a:prstGeom>
-              <a:ln w="38100" cmpd="sng"/>
+              <a:ln w="38100" cmpd="sng">
+                <a:solidFill>
+                  <a:schemeClr val="accent2"/>
+                </a:solidFill>
+              </a:ln>
             </p:spPr>
             <p:style>
               <a:lnRef idx="2">
@@ -4466,7 +4550,11 @@
                   <a:gd name="adj2" fmla="val 19569505"/>
                 </a:avLst>
               </a:prstGeom>
-              <a:ln w="38100" cmpd="sng"/>
+              <a:ln w="38100" cmpd="sng">
+                <a:solidFill>
+                  <a:schemeClr val="accent2"/>
+                </a:solidFill>
+              </a:ln>
             </p:spPr>
             <p:style>
               <a:lnRef idx="2">
@@ -4502,7 +4590,7 @@
     </p:spTree>
     <p:extLst>
       <p:ext uri="{BB962C8B-B14F-4D97-AF65-F5344CB8AC3E}">
-        <p14:creationId xmlns:p14="http://schemas.microsoft.com/office/powerpoint/2010/main" val="62252854"/>
+        <p14:creationId xmlns:p14="http://schemas.microsoft.com/office/powerpoint/2010/main" val="2090264467"/>
       </p:ext>
     </p:extLst>
   </p:cSld>

--- a/Source Code/GraspBMPs/GraspCircularPrompts.pptx
+++ b/Source Code/GraspBMPs/GraspCircularPrompts.pptx
@@ -3528,49 +3528,7 @@
                   </a:outerShdw>
                 </a:effectLst>
               </a:rPr>
-              <a:t> Press </a:t>
-            </a:r>
-            <a:r>
-              <a:rPr lang="en-US" sz="13800" b="1" cap="small" spc="300" dirty="0">
-                <a:ln w="12700">
-                  <a:noFill/>
-                  <a:prstDash val="solid"/>
-                </a:ln>
-                <a:solidFill>
-                  <a:schemeClr val="accent3">
-                    <a:lumMod val="75000"/>
-                  </a:schemeClr>
-                </a:solidFill>
-                <a:effectLst>
-                  <a:outerShdw blurRad="41275" dist="20320" dir="1800000" algn="tl" rotWithShape="0">
-                    <a:srgbClr val="000000">
-                      <a:alpha val="40000"/>
-                    </a:srgbClr>
-                  </a:outerShdw>
-                </a:effectLst>
-              </a:rPr>
-              <a:t>a button to continue</a:t>
-            </a:r>
-            <a:r>
-              <a:rPr lang="en-US" sz="13800" b="1" cap="small" spc="300" dirty="0" smtClean="0">
-                <a:ln w="12700">
-                  <a:noFill/>
-                  <a:prstDash val="solid"/>
-                </a:ln>
-                <a:solidFill>
-                  <a:schemeClr val="accent3">
-                    <a:lumMod val="75000"/>
-                  </a:schemeClr>
-                </a:solidFill>
-                <a:effectLst>
-                  <a:outerShdw blurRad="41275" dist="20320" dir="1800000" algn="tl" rotWithShape="0">
-                    <a:srgbClr val="000000">
-                      <a:alpha val="40000"/>
-                    </a:srgbClr>
-                  </a:outerShdw>
-                </a:effectLst>
-              </a:rPr>
-              <a:t>.</a:t>
+              <a:t>Doff HMD and press ‘Return’.</a:t>
             </a:r>
             <a:endParaRPr lang="en-US" sz="13800" b="1" cap="small" spc="300" dirty="0">
               <a:ln w="12700">

--- a/Source Code/GraspBMPs/GraspCircularPrompts.pptx
+++ b/Source Code/GraspBMPs/GraspCircularPrompts.pptx
@@ -9,6 +9,10 @@
     <p:sldId id="268" r:id="rId3"/>
     <p:sldId id="269" r:id="rId4"/>
     <p:sldId id="270" r:id="rId5"/>
+    <p:sldId id="271" r:id="rId6"/>
+    <p:sldId id="272" r:id="rId7"/>
+    <p:sldId id="273" r:id="rId8"/>
+    <p:sldId id="274" r:id="rId9"/>
   </p:sldIdLst>
   <p:sldSz cx="18434050" cy="18434050"/>
   <p:notesSz cx="6858000" cy="9144000"/>
@@ -291,7 +295,7 @@
           <a:p>
             <a:fld id="{649FEDF0-7D14-9E44-B4F2-968D163D1479}" type="datetimeFigureOut">
               <a:rPr lang="fr-FR" smtClean="0"/>
-              <a:t>6/28/16</a:t>
+              <a:t>7/2/16</a:t>
             </a:fld>
             <a:endParaRPr lang="en-US"/>
           </a:p>
@@ -461,7 +465,7 @@
           <a:p>
             <a:fld id="{649FEDF0-7D14-9E44-B4F2-968D163D1479}" type="datetimeFigureOut">
               <a:rPr lang="fr-FR" smtClean="0"/>
-              <a:t>6/28/16</a:t>
+              <a:t>7/2/16</a:t>
             </a:fld>
             <a:endParaRPr lang="en-US"/>
           </a:p>
@@ -641,7 +645,7 @@
           <a:p>
             <a:fld id="{649FEDF0-7D14-9E44-B4F2-968D163D1479}" type="datetimeFigureOut">
               <a:rPr lang="fr-FR" smtClean="0"/>
-              <a:t>6/28/16</a:t>
+              <a:t>7/2/16</a:t>
             </a:fld>
             <a:endParaRPr lang="en-US"/>
           </a:p>
@@ -811,7 +815,7 @@
           <a:p>
             <a:fld id="{649FEDF0-7D14-9E44-B4F2-968D163D1479}" type="datetimeFigureOut">
               <a:rPr lang="fr-FR" smtClean="0"/>
-              <a:t>6/28/16</a:t>
+              <a:t>7/2/16</a:t>
             </a:fld>
             <a:endParaRPr lang="en-US"/>
           </a:p>
@@ -1057,7 +1061,7 @@
           <a:p>
             <a:fld id="{649FEDF0-7D14-9E44-B4F2-968D163D1479}" type="datetimeFigureOut">
               <a:rPr lang="fr-FR" smtClean="0"/>
-              <a:t>6/28/16</a:t>
+              <a:t>7/2/16</a:t>
             </a:fld>
             <a:endParaRPr lang="en-US"/>
           </a:p>
@@ -1345,7 +1349,7 @@
           <a:p>
             <a:fld id="{649FEDF0-7D14-9E44-B4F2-968D163D1479}" type="datetimeFigureOut">
               <a:rPr lang="fr-FR" smtClean="0"/>
-              <a:t>6/28/16</a:t>
+              <a:t>7/2/16</a:t>
             </a:fld>
             <a:endParaRPr lang="en-US"/>
           </a:p>
@@ -1767,7 +1771,7 @@
           <a:p>
             <a:fld id="{649FEDF0-7D14-9E44-B4F2-968D163D1479}" type="datetimeFigureOut">
               <a:rPr lang="fr-FR" smtClean="0"/>
-              <a:t>6/28/16</a:t>
+              <a:t>7/2/16</a:t>
             </a:fld>
             <a:endParaRPr lang="en-US"/>
           </a:p>
@@ -1885,7 +1889,7 @@
           <a:p>
             <a:fld id="{649FEDF0-7D14-9E44-B4F2-968D163D1479}" type="datetimeFigureOut">
               <a:rPr lang="fr-FR" smtClean="0"/>
-              <a:t>6/28/16</a:t>
+              <a:t>7/2/16</a:t>
             </a:fld>
             <a:endParaRPr lang="en-US"/>
           </a:p>
@@ -1980,7 +1984,7 @@
           <a:p>
             <a:fld id="{649FEDF0-7D14-9E44-B4F2-968D163D1479}" type="datetimeFigureOut">
               <a:rPr lang="fr-FR" smtClean="0"/>
-              <a:t>6/28/16</a:t>
+              <a:t>7/2/16</a:t>
             </a:fld>
             <a:endParaRPr lang="en-US"/>
           </a:p>
@@ -2257,7 +2261,7 @@
           <a:p>
             <a:fld id="{649FEDF0-7D14-9E44-B4F2-968D163D1479}" type="datetimeFigureOut">
               <a:rPr lang="fr-FR" smtClean="0"/>
-              <a:t>6/28/16</a:t>
+              <a:t>7/2/16</a:t>
             </a:fld>
             <a:endParaRPr lang="en-US"/>
           </a:p>
@@ -2510,7 +2514,7 @@
           <a:p>
             <a:fld id="{649FEDF0-7D14-9E44-B4F2-968D163D1479}" type="datetimeFigureOut">
               <a:rPr lang="fr-FR" smtClean="0"/>
-              <a:t>6/28/16</a:t>
+              <a:t>7/2/16</a:t>
             </a:fld>
             <a:endParaRPr lang="en-US"/>
           </a:p>
@@ -2726,7 +2730,7 @@
           <a:p>
             <a:fld id="{649FEDF0-7D14-9E44-B4F2-968D163D1479}" type="datetimeFigureOut">
               <a:rPr lang="fr-FR" smtClean="0"/>
-              <a:t>6/28/16</a:t>
+              <a:t>7/2/16</a:t>
             </a:fld>
             <a:endParaRPr lang="en-US"/>
           </a:p>
@@ -3192,24 +3196,12 @@
                   <a:prstDash val="solid"/>
                 </a:ln>
                 <a:solidFill>
-                  <a:schemeClr val="accent1"/>
+                  <a:schemeClr val="accent3">
+                    <a:lumMod val="75000"/>
+                  </a:schemeClr>
                 </a:solidFill>
               </a:rPr>
-              <a:t>  Ready </a:t>
-            </a:r>
-            <a:r>
-              <a:rPr lang="en-US" sz="23900" b="1" cap="small" spc="600" dirty="0" smtClean="0">
-                <a:ln w="12700">
-                  <a:solidFill>
-                    <a:srgbClr val="FFFFFF"/>
-                  </a:solidFill>
-                  <a:prstDash val="solid"/>
-                </a:ln>
-                <a:solidFill>
-                  <a:schemeClr val="accent1"/>
-                </a:solidFill>
-              </a:rPr>
-              <a:t>to start next trial.</a:t>
+              <a:t>  Ready to start next trial.</a:t>
             </a:r>
             <a:endParaRPr lang="en-US" sz="23900" b="1" cap="small" spc="600" dirty="0">
               <a:ln w="12700">
@@ -3219,7 +3211,9 @@
                 <a:prstDash val="solid"/>
               </a:ln>
               <a:solidFill>
-                <a:schemeClr val="accent1"/>
+                <a:schemeClr val="accent3">
+                  <a:lumMod val="75000"/>
+                </a:schemeClr>
               </a:solidFill>
             </a:endParaRPr>
           </a:p>
@@ -3262,9 +3256,7 @@
                   <a:prstDash val="solid"/>
                 </a:ln>
                 <a:solidFill>
-                  <a:schemeClr val="accent3">
-                    <a:lumMod val="75000"/>
-                  </a:schemeClr>
+                  <a:schemeClr val="accent1"/>
                 </a:solidFill>
                 <a:effectLst>
                   <a:outerShdw blurRad="41275" dist="20320" dir="1800000" algn="tl" rotWithShape="0">
@@ -3283,9 +3275,7 @@
                   <a:prstDash val="solid"/>
                 </a:ln>
                 <a:solidFill>
-                  <a:schemeClr val="accent3">
-                    <a:lumMod val="75000"/>
-                  </a:schemeClr>
+                  <a:schemeClr val="accent1"/>
                 </a:solidFill>
                 <a:effectLst>
                   <a:outerShdw blurRad="41275" dist="20320" dir="1800000" algn="tl" rotWithShape="0">
@@ -3304,9 +3294,7 @@
                   <a:prstDash val="solid"/>
                 </a:ln>
                 <a:solidFill>
-                  <a:schemeClr val="accent3">
-                    <a:lumMod val="75000"/>
-                  </a:schemeClr>
+                  <a:schemeClr val="accent1"/>
                 </a:solidFill>
                 <a:effectLst>
                   <a:outerShdw blurRad="41275" dist="20320" dir="1800000" algn="tl" rotWithShape="0">
@@ -3324,9 +3312,7 @@
                 <a:prstDash val="solid"/>
               </a:ln>
               <a:solidFill>
-                <a:schemeClr val="accent3">
-                  <a:lumMod val="75000"/>
-                </a:schemeClr>
+                <a:schemeClr val="accent1"/>
               </a:solidFill>
               <a:effectLst>
                 <a:outerShdw blurRad="41275" dist="20320" dir="1800000" algn="tl" rotWithShape="0">
@@ -3460,7 +3446,9 @@
                   <a:prstDash val="solid"/>
                 </a:ln>
                 <a:solidFill>
-                  <a:schemeClr val="accent1"/>
+                  <a:schemeClr val="accent3">
+                    <a:lumMod val="75000"/>
+                  </a:schemeClr>
                 </a:solidFill>
               </a:rPr>
               <a:t>Trial block completed.</a:t>
@@ -3473,7 +3461,9 @@
                 <a:prstDash val="solid"/>
               </a:ln>
               <a:solidFill>
-                <a:schemeClr val="accent1"/>
+                <a:schemeClr val="accent3">
+                  <a:lumMod val="75000"/>
+                </a:schemeClr>
               </a:solidFill>
             </a:endParaRPr>
           </a:p>
@@ -3516,9 +3506,7 @@
                   <a:prstDash val="solid"/>
                 </a:ln>
                 <a:solidFill>
-                  <a:schemeClr val="accent3">
-                    <a:lumMod val="75000"/>
-                  </a:schemeClr>
+                  <a:schemeClr val="accent1"/>
                 </a:solidFill>
                 <a:effectLst>
                   <a:outerShdw blurRad="41275" dist="20320" dir="1800000" algn="tl" rotWithShape="0">
@@ -3536,9 +3524,7 @@
                 <a:prstDash val="solid"/>
               </a:ln>
               <a:solidFill>
-                <a:schemeClr val="accent3">
-                  <a:lumMod val="75000"/>
-                </a:schemeClr>
+                <a:schemeClr val="accent1"/>
               </a:solidFill>
               <a:effectLst>
                 <a:outerShdw blurRad="41275" dist="20320" dir="1800000" algn="tl" rotWithShape="0">
@@ -3672,10 +3658,24 @@
                   <a:prstDash val="solid"/>
                 </a:ln>
                 <a:solidFill>
-                  <a:schemeClr val="accent1"/>
+                  <a:schemeClr val="accent2"/>
                 </a:solidFill>
               </a:rPr>
-              <a:t>Head tilt was not constant.</a:t>
+              <a:t>Head tilt </a:t>
+            </a:r>
+            <a:r>
+              <a:rPr lang="en-US" sz="23900" b="1" cap="small" spc="600" dirty="0" smtClean="0">
+                <a:ln w="12700">
+                  <a:solidFill>
+                    <a:srgbClr val="FFFFFF"/>
+                  </a:solidFill>
+                  <a:prstDash val="solid"/>
+                </a:ln>
+                <a:solidFill>
+                  <a:schemeClr val="accent2"/>
+                </a:solidFill>
+              </a:rPr>
+              <a:t>not maintained.</a:t>
             </a:r>
             <a:endParaRPr lang="en-US" sz="23900" b="1" cap="small" spc="600" dirty="0">
               <a:ln w="12700">
@@ -3685,7 +3685,7 @@
                 <a:prstDash val="solid"/>
               </a:ln>
               <a:solidFill>
-                <a:schemeClr val="accent1"/>
+                <a:schemeClr val="accent2"/>
               </a:solidFill>
             </a:endParaRPr>
           </a:p>
@@ -3728,9 +3728,7 @@
                   <a:prstDash val="solid"/>
                 </a:ln>
                 <a:solidFill>
-                  <a:schemeClr val="accent3">
-                    <a:lumMod val="75000"/>
-                  </a:schemeClr>
+                  <a:schemeClr val="accent1"/>
                 </a:solidFill>
                 <a:effectLst>
                   <a:outerShdw blurRad="41275" dist="20320" dir="1800000" algn="tl" rotWithShape="0">
@@ -3749,9 +3747,7 @@
                   <a:prstDash val="solid"/>
                 </a:ln>
                 <a:solidFill>
-                  <a:schemeClr val="accent3">
-                    <a:lumMod val="75000"/>
-                  </a:schemeClr>
+                  <a:schemeClr val="accent1"/>
                 </a:solidFill>
                 <a:effectLst>
                   <a:outerShdw blurRad="41275" dist="20320" dir="1800000" algn="tl" rotWithShape="0">
@@ -3770,9 +3766,7 @@
                   <a:prstDash val="solid"/>
                 </a:ln>
                 <a:solidFill>
-                  <a:schemeClr val="accent3">
-                    <a:lumMod val="75000"/>
-                  </a:schemeClr>
+                  <a:schemeClr val="accent1"/>
                 </a:solidFill>
                 <a:effectLst>
                   <a:outerShdw blurRad="41275" dist="20320" dir="1800000" algn="tl" rotWithShape="0">
@@ -3790,9 +3784,7 @@
                 <a:prstDash val="solid"/>
               </a:ln>
               <a:solidFill>
-                <a:schemeClr val="accent3">
-                  <a:lumMod val="75000"/>
-                </a:schemeClr>
+                <a:schemeClr val="accent1"/>
               </a:solidFill>
               <a:effectLst>
                 <a:outerShdw blurRad="41275" dist="20320" dir="1800000" algn="tl" rotWithShape="0">
@@ -3926,10 +3918,10 @@
                   <a:prstDash val="solid"/>
                 </a:ln>
                 <a:solidFill>
-                  <a:schemeClr val="accent1"/>
+                  <a:schemeClr val="accent2"/>
                 </a:solidFill>
               </a:rPr>
-              <a:t>Time limit was exceeded.</a:t>
+              <a:t>Time limit exceeded.</a:t>
             </a:r>
             <a:endParaRPr lang="en-US" sz="23900" b="1" cap="small" spc="600" dirty="0">
               <a:ln w="12700">
@@ -3939,7 +3931,7 @@
                 <a:prstDash val="solid"/>
               </a:ln>
               <a:solidFill>
-                <a:schemeClr val="accent1"/>
+                <a:schemeClr val="accent2"/>
               </a:solidFill>
             </a:endParaRPr>
           </a:p>
@@ -3982,9 +3974,7 @@
                   <a:prstDash val="solid"/>
                 </a:ln>
                 <a:solidFill>
-                  <a:schemeClr val="accent3">
-                    <a:lumMod val="75000"/>
-                  </a:schemeClr>
+                  <a:schemeClr val="accent1"/>
                 </a:solidFill>
                 <a:effectLst>
                   <a:outerShdw blurRad="41275" dist="20320" dir="1800000" algn="tl" rotWithShape="0">
@@ -4003,9 +3993,7 @@
                   <a:prstDash val="solid"/>
                 </a:ln>
                 <a:solidFill>
-                  <a:schemeClr val="accent3">
-                    <a:lumMod val="75000"/>
-                  </a:schemeClr>
+                  <a:schemeClr val="accent1"/>
                 </a:solidFill>
                 <a:effectLst>
                   <a:outerShdw blurRad="41275" dist="20320" dir="1800000" algn="tl" rotWithShape="0">
@@ -4024,9 +4012,7 @@
                   <a:prstDash val="solid"/>
                 </a:ln>
                 <a:solidFill>
-                  <a:schemeClr val="accent3">
-                    <a:lumMod val="75000"/>
-                  </a:schemeClr>
+                  <a:schemeClr val="accent1"/>
                 </a:solidFill>
                 <a:effectLst>
                   <a:outerShdw blurRad="41275" dist="20320" dir="1800000" algn="tl" rotWithShape="0">
@@ -4044,9 +4030,7 @@
                 <a:prstDash val="solid"/>
               </a:ln>
               <a:solidFill>
-                <a:schemeClr val="accent3">
-                  <a:lumMod val="75000"/>
-                </a:schemeClr>
+                <a:schemeClr val="accent1"/>
               </a:solidFill>
               <a:effectLst>
                 <a:outerShdw blurRad="41275" dist="20320" dir="1800000" algn="tl" rotWithShape="0">
@@ -4549,6 +4533,3032 @@
     <p:extLst>
       <p:ext uri="{BB962C8B-B14F-4D97-AF65-F5344CB8AC3E}">
         <p14:creationId xmlns:p14="http://schemas.microsoft.com/office/powerpoint/2010/main" val="2090264467"/>
+      </p:ext>
+    </p:extLst>
+  </p:cSld>
+  <p:clrMapOvr>
+    <a:masterClrMapping/>
+  </p:clrMapOvr>
+</p:sld>
+</file>
+
+<file path=ppt/slides/slide5.xml><?xml version="1.0" encoding="utf-8"?>
+<p:sld xmlns:a="http://schemas.openxmlformats.org/drawingml/2006/main" xmlns:r="http://schemas.openxmlformats.org/officeDocument/2006/relationships" xmlns:p="http://schemas.openxmlformats.org/presentationml/2006/main">
+  <p:cSld>
+    <p:spTree>
+      <p:nvGrpSpPr>
+        <p:cNvPr id="1" name=""/>
+        <p:cNvGrpSpPr/>
+        <p:nvPr/>
+      </p:nvGrpSpPr>
+      <p:grpSpPr>
+        <a:xfrm>
+          <a:off x="0" y="0"/>
+          <a:ext cx="0" cy="0"/>
+          <a:chOff x="0" y="0"/>
+          <a:chExt cx="0" cy="0"/>
+        </a:xfrm>
+      </p:grpSpPr>
+      <p:sp>
+        <p:nvSpPr>
+          <p:cNvPr id="5" name="Bouée 4"/>
+          <p:cNvSpPr>
+            <a:spLocks noChangeAspect="1"/>
+          </p:cNvSpPr>
+          <p:nvPr/>
+        </p:nvSpPr>
+        <p:spPr>
+          <a:xfrm>
+            <a:off x="1614253" y="1610484"/>
+            <a:ext cx="15228000" cy="15228000"/>
+          </a:xfrm>
+          <a:prstGeom prst="donut">
+            <a:avLst>
+              <a:gd name="adj" fmla="val 30982"/>
+            </a:avLst>
+          </a:prstGeom>
+          <a:solidFill>
+            <a:schemeClr val="bg1"/>
+          </a:solidFill>
+          <a:ln w="76200" cmpd="sng">
+            <a:noFill/>
+          </a:ln>
+        </p:spPr>
+        <p:style>
+          <a:lnRef idx="1">
+            <a:schemeClr val="accent1"/>
+          </a:lnRef>
+          <a:fillRef idx="3">
+            <a:schemeClr val="accent1"/>
+          </a:fillRef>
+          <a:effectRef idx="2">
+            <a:schemeClr val="accent1"/>
+          </a:effectRef>
+          <a:fontRef idx="minor">
+            <a:schemeClr val="lt1"/>
+          </a:fontRef>
+        </p:style>
+        <p:txBody>
+          <a:bodyPr rtlCol="0" anchor="ctr"/>
+          <a:lstStyle/>
+          <a:p>
+            <a:pPr algn="ctr"/>
+            <a:endParaRPr lang="en-US">
+              <a:solidFill>
+                <a:schemeClr val="tx1"/>
+              </a:solidFill>
+            </a:endParaRPr>
+          </a:p>
+        </p:txBody>
+      </p:sp>
+      <p:sp>
+        <p:nvSpPr>
+          <p:cNvPr id="2" name="Rectangle 1"/>
+          <p:cNvSpPr>
+            <a:spLocks noChangeAspect="1"/>
+          </p:cNvSpPr>
+          <p:nvPr/>
+        </p:nvSpPr>
+        <p:spPr>
+          <a:xfrm rot="16200000">
+            <a:off x="3277028" y="3277028"/>
+            <a:ext cx="11879995" cy="11879995"/>
+          </a:xfrm>
+          <a:prstGeom prst="rect">
+            <a:avLst/>
+          </a:prstGeom>
+          <a:noFill/>
+        </p:spPr>
+        <p:txBody>
+          <a:bodyPr wrap="none" lIns="210669" tIns="105334" rIns="210669" bIns="105334">
+            <a:prstTxWarp prst="textCircle">
+              <a:avLst>
+                <a:gd name="adj" fmla="val 10946467"/>
+              </a:avLst>
+            </a:prstTxWarp>
+            <a:spAutoFit/>
+          </a:bodyPr>
+          <a:lstStyle/>
+          <a:p>
+            <a:pPr algn="ctr"/>
+            <a:r>
+              <a:rPr lang="en-US" sz="23900" b="1" cap="small" spc="600" dirty="0" smtClean="0">
+                <a:ln w="12700">
+                  <a:solidFill>
+                    <a:srgbClr val="FFFFFF"/>
+                  </a:solidFill>
+                  <a:prstDash val="solid"/>
+                </a:ln>
+                <a:solidFill>
+                  <a:schemeClr val="accent2"/>
+                </a:solidFill>
+              </a:rPr>
+              <a:t>Failed to lower </a:t>
+            </a:r>
+            <a:r>
+              <a:rPr lang="en-US" sz="23900" b="1" cap="small" spc="600" dirty="0" smtClean="0">
+                <a:ln w="12700">
+                  <a:solidFill>
+                    <a:srgbClr val="FFFFFF"/>
+                  </a:solidFill>
+                  <a:prstDash val="solid"/>
+                </a:ln>
+                <a:solidFill>
+                  <a:schemeClr val="accent2"/>
+                </a:solidFill>
+              </a:rPr>
+              <a:t>arm in time.</a:t>
+            </a:r>
+            <a:endParaRPr lang="en-US" sz="23900" b="1" cap="small" spc="600" dirty="0">
+              <a:ln w="12700">
+                <a:solidFill>
+                  <a:srgbClr val="FFFFFF"/>
+                </a:solidFill>
+                <a:prstDash val="solid"/>
+              </a:ln>
+              <a:solidFill>
+                <a:schemeClr val="accent2"/>
+              </a:solidFill>
+            </a:endParaRPr>
+          </a:p>
+        </p:txBody>
+      </p:sp>
+      <p:sp>
+        <p:nvSpPr>
+          <p:cNvPr id="3" name="Rectangle 2"/>
+          <p:cNvSpPr>
+            <a:spLocks noChangeAspect="1"/>
+          </p:cNvSpPr>
+          <p:nvPr/>
+        </p:nvSpPr>
+        <p:spPr>
+          <a:xfrm rot="16200000">
+            <a:off x="5257022" y="5257026"/>
+            <a:ext cx="7920006" cy="7919999"/>
+          </a:xfrm>
+          <a:prstGeom prst="rect">
+            <a:avLst/>
+          </a:prstGeom>
+          <a:noFill/>
+        </p:spPr>
+        <p:txBody>
+          <a:bodyPr wrap="none" lIns="210669" tIns="105334" rIns="210669" bIns="105334">
+            <a:prstTxWarp prst="textCircle">
+              <a:avLst>
+                <a:gd name="adj" fmla="val 10916975"/>
+              </a:avLst>
+            </a:prstTxWarp>
+            <a:spAutoFit/>
+          </a:bodyPr>
+          <a:lstStyle/>
+          <a:p>
+            <a:pPr algn="ctr"/>
+            <a:r>
+              <a:rPr lang="en-US" sz="13800" b="1" cap="small" spc="300" dirty="0" smtClean="0">
+                <a:ln w="12700">
+                  <a:noFill/>
+                  <a:prstDash val="solid"/>
+                </a:ln>
+                <a:solidFill>
+                  <a:schemeClr val="accent1"/>
+                </a:solidFill>
+                <a:effectLst>
+                  <a:outerShdw blurRad="41275" dist="20320" dir="1800000" algn="tl" rotWithShape="0">
+                    <a:srgbClr val="000000">
+                      <a:alpha val="40000"/>
+                    </a:srgbClr>
+                  </a:outerShdw>
+                </a:effectLst>
+              </a:rPr>
+              <a:t> Press </a:t>
+            </a:r>
+            <a:r>
+              <a:rPr lang="en-US" sz="13800" b="1" cap="small" spc="300" dirty="0">
+                <a:ln w="12700">
+                  <a:noFill/>
+                  <a:prstDash val="solid"/>
+                </a:ln>
+                <a:solidFill>
+                  <a:schemeClr val="accent1"/>
+                </a:solidFill>
+                <a:effectLst>
+                  <a:outerShdw blurRad="41275" dist="20320" dir="1800000" algn="tl" rotWithShape="0">
+                    <a:srgbClr val="000000">
+                      <a:alpha val="40000"/>
+                    </a:srgbClr>
+                  </a:outerShdw>
+                </a:effectLst>
+              </a:rPr>
+              <a:t>a button to continue</a:t>
+            </a:r>
+            <a:r>
+              <a:rPr lang="en-US" sz="13800" b="1" cap="small" spc="300" dirty="0" smtClean="0">
+                <a:ln w="12700">
+                  <a:noFill/>
+                  <a:prstDash val="solid"/>
+                </a:ln>
+                <a:solidFill>
+                  <a:schemeClr val="accent1"/>
+                </a:solidFill>
+                <a:effectLst>
+                  <a:outerShdw blurRad="41275" dist="20320" dir="1800000" algn="tl" rotWithShape="0">
+                    <a:srgbClr val="000000">
+                      <a:alpha val="40000"/>
+                    </a:srgbClr>
+                  </a:outerShdw>
+                </a:effectLst>
+              </a:rPr>
+              <a:t>.</a:t>
+            </a:r>
+            <a:endParaRPr lang="en-US" sz="13800" b="1" cap="small" spc="300" dirty="0">
+              <a:ln w="12700">
+                <a:noFill/>
+                <a:prstDash val="solid"/>
+              </a:ln>
+              <a:solidFill>
+                <a:schemeClr val="accent1"/>
+              </a:solidFill>
+              <a:effectLst>
+                <a:outerShdw blurRad="41275" dist="20320" dir="1800000" algn="tl" rotWithShape="0">
+                  <a:srgbClr val="000000">
+                    <a:alpha val="40000"/>
+                  </a:srgbClr>
+                </a:outerShdw>
+              </a:effectLst>
+            </a:endParaRPr>
+          </a:p>
+        </p:txBody>
+      </p:sp>
+      <p:grpSp>
+        <p:nvGrpSpPr>
+          <p:cNvPr id="6" name="Grouper 5"/>
+          <p:cNvGrpSpPr/>
+          <p:nvPr/>
+        </p:nvGrpSpPr>
+        <p:grpSpPr>
+          <a:xfrm>
+            <a:off x="6758168" y="6943137"/>
+            <a:ext cx="5001192" cy="5044481"/>
+            <a:chOff x="6494949" y="6943137"/>
+            <a:chExt cx="5001192" cy="5044481"/>
+          </a:xfrm>
+        </p:grpSpPr>
+        <p:sp>
+          <p:nvSpPr>
+            <p:cNvPr id="7" name="Ellipse 6"/>
+            <p:cNvSpPr>
+              <a:spLocks noChangeAspect="1"/>
+            </p:cNvSpPr>
+            <p:nvPr/>
+          </p:nvSpPr>
+          <p:spPr>
+            <a:xfrm>
+              <a:off x="7350417" y="7841894"/>
+              <a:ext cx="3290257" cy="3290257"/>
+            </a:xfrm>
+            <a:prstGeom prst="ellipse">
+              <a:avLst/>
+            </a:prstGeom>
+            <a:ln>
+              <a:solidFill>
+                <a:schemeClr val="accent2"/>
+              </a:solidFill>
+            </a:ln>
+            <a:effectLst>
+              <a:outerShdw blurRad="76200" dir="18900000" sy="23000" kx="-1200000" algn="bl" rotWithShape="0">
+                <a:prstClr val="black">
+                  <a:alpha val="20000"/>
+                </a:prstClr>
+              </a:outerShdw>
+            </a:effectLst>
+          </p:spPr>
+          <p:style>
+            <a:lnRef idx="1">
+              <a:schemeClr val="accent1"/>
+            </a:lnRef>
+            <a:fillRef idx="3">
+              <a:schemeClr val="accent1"/>
+            </a:fillRef>
+            <a:effectRef idx="2">
+              <a:schemeClr val="accent1"/>
+            </a:effectRef>
+            <a:fontRef idx="minor">
+              <a:schemeClr val="lt1"/>
+            </a:fontRef>
+          </p:style>
+          <p:txBody>
+            <a:bodyPr rtlCol="0" anchor="ctr"/>
+            <a:lstStyle/>
+            <a:p>
+              <a:pPr algn="ctr"/>
+              <a:endParaRPr lang="en-US"/>
+            </a:p>
+          </p:txBody>
+        </p:sp>
+        <p:sp>
+          <p:nvSpPr>
+            <p:cNvPr id="8" name="Secteurs 7"/>
+            <p:cNvSpPr>
+              <a:spLocks noChangeAspect="1"/>
+            </p:cNvSpPr>
+            <p:nvPr/>
+          </p:nvSpPr>
+          <p:spPr>
+            <a:xfrm>
+              <a:off x="7371136" y="7841899"/>
+              <a:ext cx="3248819" cy="3290246"/>
+            </a:xfrm>
+            <a:prstGeom prst="pie">
+              <a:avLst>
+                <a:gd name="adj1" fmla="val 17697688"/>
+                <a:gd name="adj2" fmla="val 16200000"/>
+              </a:avLst>
+            </a:prstGeom>
+            <a:solidFill>
+              <a:srgbClr val="FFFFFF"/>
+            </a:solidFill>
+            <a:ln>
+              <a:solidFill>
+                <a:schemeClr val="accent2"/>
+              </a:solidFill>
+            </a:ln>
+          </p:spPr>
+          <p:style>
+            <a:lnRef idx="1">
+              <a:schemeClr val="accent1"/>
+            </a:lnRef>
+            <a:fillRef idx="3">
+              <a:schemeClr val="accent1"/>
+            </a:fillRef>
+            <a:effectRef idx="2">
+              <a:schemeClr val="accent1"/>
+            </a:effectRef>
+            <a:fontRef idx="minor">
+              <a:schemeClr val="lt1"/>
+            </a:fontRef>
+          </p:style>
+          <p:txBody>
+            <a:bodyPr rtlCol="0" anchor="ctr"/>
+            <a:lstStyle/>
+            <a:p>
+              <a:pPr algn="ctr"/>
+              <a:endParaRPr lang="en-US">
+                <a:solidFill>
+                  <a:schemeClr val="tx1"/>
+                </a:solidFill>
+              </a:endParaRPr>
+            </a:p>
+          </p:txBody>
+        </p:sp>
+        <p:cxnSp>
+          <p:nvCxnSpPr>
+            <p:cNvPr id="9" name="Connecteur droit avec flèche 8"/>
+            <p:cNvCxnSpPr>
+              <a:endCxn id="7" idx="0"/>
+            </p:cNvCxnSpPr>
+            <p:nvPr/>
+          </p:nvCxnSpPr>
+          <p:spPr>
+            <a:xfrm flipV="1">
+              <a:off x="8995545" y="7841894"/>
+              <a:ext cx="0" cy="1601840"/>
+            </a:xfrm>
+            <a:prstGeom prst="straightConnector1">
+              <a:avLst/>
+            </a:prstGeom>
+            <a:ln w="57150" cmpd="sng">
+              <a:solidFill>
+                <a:schemeClr val="accent2"/>
+              </a:solidFill>
+              <a:tailEnd type="arrow"/>
+            </a:ln>
+          </p:spPr>
+          <p:style>
+            <a:lnRef idx="2">
+              <a:schemeClr val="accent1"/>
+            </a:lnRef>
+            <a:fillRef idx="0">
+              <a:schemeClr val="accent1"/>
+            </a:fillRef>
+            <a:effectRef idx="1">
+              <a:schemeClr val="accent1"/>
+            </a:effectRef>
+            <a:fontRef idx="minor">
+              <a:schemeClr val="tx1"/>
+            </a:fontRef>
+          </p:style>
+        </p:cxnSp>
+        <p:grpSp>
+          <p:nvGrpSpPr>
+            <p:cNvPr id="10" name="Grouper 9"/>
+            <p:cNvGrpSpPr/>
+            <p:nvPr/>
+          </p:nvGrpSpPr>
+          <p:grpSpPr>
+            <a:xfrm>
+              <a:off x="6494949" y="6986428"/>
+              <a:ext cx="5001192" cy="5001190"/>
+              <a:chOff x="2759620" y="2052934"/>
+              <a:chExt cx="2735998" cy="2735997"/>
+            </a:xfrm>
+          </p:grpSpPr>
+          <p:sp>
+            <p:nvSpPr>
+              <p:cNvPr id="15" name="Arc 14"/>
+              <p:cNvSpPr/>
+              <p:nvPr/>
+            </p:nvSpPr>
+            <p:spPr>
+              <a:xfrm>
+                <a:off x="3119619" y="2340933"/>
+                <a:ext cx="2016000" cy="2159999"/>
+              </a:xfrm>
+              <a:prstGeom prst="arc">
+                <a:avLst>
+                  <a:gd name="adj1" fmla="val 17494394"/>
+                  <a:gd name="adj2" fmla="val 19010120"/>
+                </a:avLst>
+              </a:prstGeom>
+              <a:ln w="38100" cmpd="sng">
+                <a:solidFill>
+                  <a:schemeClr val="accent2"/>
+                </a:solidFill>
+              </a:ln>
+            </p:spPr>
+            <p:style>
+              <a:lnRef idx="2">
+                <a:schemeClr val="accent1"/>
+              </a:lnRef>
+              <a:fillRef idx="0">
+                <a:schemeClr val="accent1"/>
+              </a:fillRef>
+              <a:effectRef idx="1">
+                <a:schemeClr val="accent1"/>
+              </a:effectRef>
+              <a:fontRef idx="minor">
+                <a:schemeClr val="tx1"/>
+              </a:fontRef>
+            </p:style>
+            <p:txBody>
+              <a:bodyPr rtlCol="0" anchor="ctr"/>
+              <a:lstStyle/>
+              <a:p>
+                <a:pPr algn="ctr"/>
+                <a:endParaRPr lang="en-US"/>
+              </a:p>
+            </p:txBody>
+          </p:sp>
+          <p:sp>
+            <p:nvSpPr>
+              <p:cNvPr id="16" name="Arc 15"/>
+              <p:cNvSpPr>
+                <a:spLocks noChangeAspect="1"/>
+              </p:cNvSpPr>
+              <p:nvPr/>
+            </p:nvSpPr>
+            <p:spPr>
+              <a:xfrm>
+                <a:off x="2903620" y="2196933"/>
+                <a:ext cx="2447999" cy="2447998"/>
+              </a:xfrm>
+              <a:prstGeom prst="arc">
+                <a:avLst>
+                  <a:gd name="adj1" fmla="val 17258218"/>
+                  <a:gd name="adj2" fmla="val 19319877"/>
+                </a:avLst>
+              </a:prstGeom>
+              <a:ln w="38100" cmpd="sng">
+                <a:solidFill>
+                  <a:schemeClr val="accent2"/>
+                </a:solidFill>
+              </a:ln>
+            </p:spPr>
+            <p:style>
+              <a:lnRef idx="2">
+                <a:schemeClr val="accent1"/>
+              </a:lnRef>
+              <a:fillRef idx="0">
+                <a:schemeClr val="accent1"/>
+              </a:fillRef>
+              <a:effectRef idx="1">
+                <a:schemeClr val="accent1"/>
+              </a:effectRef>
+              <a:fontRef idx="minor">
+                <a:schemeClr val="tx1"/>
+              </a:fontRef>
+            </p:style>
+            <p:txBody>
+              <a:bodyPr rtlCol="0" anchor="ctr"/>
+              <a:lstStyle/>
+              <a:p>
+                <a:pPr algn="ctr"/>
+                <a:endParaRPr lang="en-US"/>
+              </a:p>
+            </p:txBody>
+          </p:sp>
+          <p:sp>
+            <p:nvSpPr>
+              <p:cNvPr id="17" name="Arc 16"/>
+              <p:cNvSpPr>
+                <a:spLocks noChangeAspect="1"/>
+              </p:cNvSpPr>
+              <p:nvPr/>
+            </p:nvSpPr>
+            <p:spPr>
+              <a:xfrm>
+                <a:off x="2759620" y="2052934"/>
+                <a:ext cx="2735998" cy="2735997"/>
+              </a:xfrm>
+              <a:prstGeom prst="arc">
+                <a:avLst>
+                  <a:gd name="adj1" fmla="val 17058860"/>
+                  <a:gd name="adj2" fmla="val 19569505"/>
+                </a:avLst>
+              </a:prstGeom>
+              <a:ln w="38100" cmpd="sng">
+                <a:solidFill>
+                  <a:schemeClr val="accent2"/>
+                </a:solidFill>
+              </a:ln>
+            </p:spPr>
+            <p:style>
+              <a:lnRef idx="2">
+                <a:schemeClr val="accent1"/>
+              </a:lnRef>
+              <a:fillRef idx="0">
+                <a:schemeClr val="accent1"/>
+              </a:fillRef>
+              <a:effectRef idx="1">
+                <a:schemeClr val="accent1"/>
+              </a:effectRef>
+              <a:fontRef idx="minor">
+                <a:schemeClr val="tx1"/>
+              </a:fontRef>
+            </p:style>
+            <p:txBody>
+              <a:bodyPr rtlCol="0" anchor="ctr"/>
+              <a:lstStyle/>
+              <a:p>
+                <a:pPr algn="ctr"/>
+                <a:endParaRPr lang="en-US">
+                  <a:ln w="38100" cmpd="sng">
+                    <a:solidFill>
+                      <a:srgbClr val="000000"/>
+                    </a:solidFill>
+                  </a:ln>
+                </a:endParaRPr>
+              </a:p>
+            </p:txBody>
+          </p:sp>
+        </p:grpSp>
+        <p:grpSp>
+          <p:nvGrpSpPr>
+            <p:cNvPr id="11" name="Grouper 10"/>
+            <p:cNvGrpSpPr/>
+            <p:nvPr/>
+          </p:nvGrpSpPr>
+          <p:grpSpPr>
+            <a:xfrm flipH="1">
+              <a:off x="6494949" y="6943137"/>
+              <a:ext cx="5001192" cy="5001190"/>
+              <a:chOff x="2759620" y="2052934"/>
+              <a:chExt cx="2735998" cy="2735997"/>
+            </a:xfrm>
+          </p:grpSpPr>
+          <p:sp>
+            <p:nvSpPr>
+              <p:cNvPr id="12" name="Arc 11"/>
+              <p:cNvSpPr/>
+              <p:nvPr/>
+            </p:nvSpPr>
+            <p:spPr>
+              <a:xfrm>
+                <a:off x="3119619" y="2340933"/>
+                <a:ext cx="2016000" cy="2159999"/>
+              </a:xfrm>
+              <a:prstGeom prst="arc">
+                <a:avLst>
+                  <a:gd name="adj1" fmla="val 17494394"/>
+                  <a:gd name="adj2" fmla="val 19010120"/>
+                </a:avLst>
+              </a:prstGeom>
+              <a:ln w="38100" cmpd="sng">
+                <a:solidFill>
+                  <a:schemeClr val="accent2"/>
+                </a:solidFill>
+              </a:ln>
+            </p:spPr>
+            <p:style>
+              <a:lnRef idx="2">
+                <a:schemeClr val="accent1"/>
+              </a:lnRef>
+              <a:fillRef idx="0">
+                <a:schemeClr val="accent1"/>
+              </a:fillRef>
+              <a:effectRef idx="1">
+                <a:schemeClr val="accent1"/>
+              </a:effectRef>
+              <a:fontRef idx="minor">
+                <a:schemeClr val="tx1"/>
+              </a:fontRef>
+            </p:style>
+            <p:txBody>
+              <a:bodyPr rtlCol="0" anchor="ctr"/>
+              <a:lstStyle/>
+              <a:p>
+                <a:pPr algn="ctr"/>
+                <a:endParaRPr lang="en-US"/>
+              </a:p>
+            </p:txBody>
+          </p:sp>
+          <p:sp>
+            <p:nvSpPr>
+              <p:cNvPr id="13" name="Arc 12"/>
+              <p:cNvSpPr>
+                <a:spLocks noChangeAspect="1"/>
+              </p:cNvSpPr>
+              <p:nvPr/>
+            </p:nvSpPr>
+            <p:spPr>
+              <a:xfrm>
+                <a:off x="2903620" y="2196933"/>
+                <a:ext cx="2447999" cy="2447998"/>
+              </a:xfrm>
+              <a:prstGeom prst="arc">
+                <a:avLst>
+                  <a:gd name="adj1" fmla="val 17258218"/>
+                  <a:gd name="adj2" fmla="val 19319877"/>
+                </a:avLst>
+              </a:prstGeom>
+              <a:ln w="38100" cmpd="sng">
+                <a:solidFill>
+                  <a:schemeClr val="accent2"/>
+                </a:solidFill>
+              </a:ln>
+            </p:spPr>
+            <p:style>
+              <a:lnRef idx="2">
+                <a:schemeClr val="accent1"/>
+              </a:lnRef>
+              <a:fillRef idx="0">
+                <a:schemeClr val="accent1"/>
+              </a:fillRef>
+              <a:effectRef idx="1">
+                <a:schemeClr val="accent1"/>
+              </a:effectRef>
+              <a:fontRef idx="minor">
+                <a:schemeClr val="tx1"/>
+              </a:fontRef>
+            </p:style>
+            <p:txBody>
+              <a:bodyPr rtlCol="0" anchor="ctr"/>
+              <a:lstStyle/>
+              <a:p>
+                <a:pPr algn="ctr"/>
+                <a:endParaRPr lang="en-US"/>
+              </a:p>
+            </p:txBody>
+          </p:sp>
+          <p:sp>
+            <p:nvSpPr>
+              <p:cNvPr id="14" name="Arc 13"/>
+              <p:cNvSpPr>
+                <a:spLocks noChangeAspect="1"/>
+              </p:cNvSpPr>
+              <p:nvPr/>
+            </p:nvSpPr>
+            <p:spPr>
+              <a:xfrm>
+                <a:off x="2759620" y="2052934"/>
+                <a:ext cx="2735998" cy="2735997"/>
+              </a:xfrm>
+              <a:prstGeom prst="arc">
+                <a:avLst>
+                  <a:gd name="adj1" fmla="val 17058860"/>
+                  <a:gd name="adj2" fmla="val 19569505"/>
+                </a:avLst>
+              </a:prstGeom>
+              <a:ln w="38100" cmpd="sng">
+                <a:solidFill>
+                  <a:schemeClr val="accent2"/>
+                </a:solidFill>
+              </a:ln>
+            </p:spPr>
+            <p:style>
+              <a:lnRef idx="2">
+                <a:schemeClr val="accent1"/>
+              </a:lnRef>
+              <a:fillRef idx="0">
+                <a:schemeClr val="accent1"/>
+              </a:fillRef>
+              <a:effectRef idx="1">
+                <a:schemeClr val="accent1"/>
+              </a:effectRef>
+              <a:fontRef idx="minor">
+                <a:schemeClr val="tx1"/>
+              </a:fontRef>
+            </p:style>
+            <p:txBody>
+              <a:bodyPr rtlCol="0" anchor="ctr"/>
+              <a:lstStyle/>
+              <a:p>
+                <a:pPr algn="ctr"/>
+                <a:endParaRPr lang="en-US">
+                  <a:ln w="38100" cmpd="sng">
+                    <a:solidFill>
+                      <a:srgbClr val="000000"/>
+                    </a:solidFill>
+                  </a:ln>
+                </a:endParaRPr>
+              </a:p>
+            </p:txBody>
+          </p:sp>
+        </p:grpSp>
+      </p:grpSp>
+    </p:spTree>
+    <p:extLst>
+      <p:ext uri="{BB962C8B-B14F-4D97-AF65-F5344CB8AC3E}">
+        <p14:creationId xmlns:p14="http://schemas.microsoft.com/office/powerpoint/2010/main" val="291435061"/>
+      </p:ext>
+    </p:extLst>
+  </p:cSld>
+  <p:clrMapOvr>
+    <a:masterClrMapping/>
+  </p:clrMapOvr>
+</p:sld>
+</file>
+
+<file path=ppt/slides/slide6.xml><?xml version="1.0" encoding="utf-8"?>
+<p:sld xmlns:a="http://schemas.openxmlformats.org/drawingml/2006/main" xmlns:r="http://schemas.openxmlformats.org/officeDocument/2006/relationships" xmlns:p="http://schemas.openxmlformats.org/presentationml/2006/main">
+  <p:cSld>
+    <p:spTree>
+      <p:nvGrpSpPr>
+        <p:cNvPr id="1" name=""/>
+        <p:cNvGrpSpPr/>
+        <p:nvPr/>
+      </p:nvGrpSpPr>
+      <p:grpSpPr>
+        <a:xfrm>
+          <a:off x="0" y="0"/>
+          <a:ext cx="0" cy="0"/>
+          <a:chOff x="0" y="0"/>
+          <a:chExt cx="0" cy="0"/>
+        </a:xfrm>
+      </p:grpSpPr>
+      <p:sp>
+        <p:nvSpPr>
+          <p:cNvPr id="5" name="Bouée 4"/>
+          <p:cNvSpPr>
+            <a:spLocks noChangeAspect="1"/>
+          </p:cNvSpPr>
+          <p:nvPr/>
+        </p:nvSpPr>
+        <p:spPr>
+          <a:xfrm>
+            <a:off x="1614253" y="1610484"/>
+            <a:ext cx="15228000" cy="15228000"/>
+          </a:xfrm>
+          <a:prstGeom prst="donut">
+            <a:avLst>
+              <a:gd name="adj" fmla="val 30982"/>
+            </a:avLst>
+          </a:prstGeom>
+          <a:solidFill>
+            <a:schemeClr val="bg1"/>
+          </a:solidFill>
+          <a:ln w="76200" cmpd="sng">
+            <a:noFill/>
+          </a:ln>
+        </p:spPr>
+        <p:style>
+          <a:lnRef idx="1">
+            <a:schemeClr val="accent1"/>
+          </a:lnRef>
+          <a:fillRef idx="3">
+            <a:schemeClr val="accent1"/>
+          </a:fillRef>
+          <a:effectRef idx="2">
+            <a:schemeClr val="accent1"/>
+          </a:effectRef>
+          <a:fontRef idx="minor">
+            <a:schemeClr val="lt1"/>
+          </a:fontRef>
+        </p:style>
+        <p:txBody>
+          <a:bodyPr rtlCol="0" anchor="ctr"/>
+          <a:lstStyle/>
+          <a:p>
+            <a:pPr algn="ctr"/>
+            <a:endParaRPr lang="en-US">
+              <a:solidFill>
+                <a:schemeClr val="tx1"/>
+              </a:solidFill>
+            </a:endParaRPr>
+          </a:p>
+        </p:txBody>
+      </p:sp>
+      <p:sp>
+        <p:nvSpPr>
+          <p:cNvPr id="2" name="Rectangle 1"/>
+          <p:cNvSpPr>
+            <a:spLocks noChangeAspect="1"/>
+          </p:cNvSpPr>
+          <p:nvPr/>
+        </p:nvSpPr>
+        <p:spPr>
+          <a:xfrm rot="16200000">
+            <a:off x="3277028" y="3277028"/>
+            <a:ext cx="11879995" cy="11879995"/>
+          </a:xfrm>
+          <a:prstGeom prst="rect">
+            <a:avLst/>
+          </a:prstGeom>
+          <a:noFill/>
+        </p:spPr>
+        <p:txBody>
+          <a:bodyPr wrap="none" lIns="210669" tIns="105334" rIns="210669" bIns="105334">
+            <a:prstTxWarp prst="textCircle">
+              <a:avLst>
+                <a:gd name="adj" fmla="val 10946467"/>
+              </a:avLst>
+            </a:prstTxWarp>
+            <a:spAutoFit/>
+          </a:bodyPr>
+          <a:lstStyle/>
+          <a:p>
+            <a:pPr algn="ctr"/>
+            <a:r>
+              <a:rPr lang="en-US" sz="23900" b="1" cap="small" spc="600" dirty="0" smtClean="0">
+                <a:ln w="12700">
+                  <a:solidFill>
+                    <a:srgbClr val="FFFFFF"/>
+                  </a:solidFill>
+                  <a:prstDash val="solid"/>
+                </a:ln>
+                <a:solidFill>
+                  <a:schemeClr val="accent2"/>
+                </a:solidFill>
+              </a:rPr>
+              <a:t>Failed to </a:t>
+            </a:r>
+            <a:r>
+              <a:rPr lang="en-US" sz="23900" b="1" cap="small" spc="600" dirty="0" smtClean="0">
+                <a:ln w="12700">
+                  <a:solidFill>
+                    <a:srgbClr val="FFFFFF"/>
+                  </a:solidFill>
+                  <a:prstDash val="solid"/>
+                </a:ln>
+                <a:solidFill>
+                  <a:schemeClr val="accent2"/>
+                </a:solidFill>
+              </a:rPr>
+              <a:t>Raise arm in time.</a:t>
+            </a:r>
+            <a:endParaRPr lang="en-US" sz="23900" b="1" cap="small" spc="600" dirty="0">
+              <a:ln w="12700">
+                <a:solidFill>
+                  <a:srgbClr val="FFFFFF"/>
+                </a:solidFill>
+                <a:prstDash val="solid"/>
+              </a:ln>
+              <a:solidFill>
+                <a:schemeClr val="accent2"/>
+              </a:solidFill>
+            </a:endParaRPr>
+          </a:p>
+        </p:txBody>
+      </p:sp>
+      <p:sp>
+        <p:nvSpPr>
+          <p:cNvPr id="3" name="Rectangle 2"/>
+          <p:cNvSpPr>
+            <a:spLocks noChangeAspect="1"/>
+          </p:cNvSpPr>
+          <p:nvPr/>
+        </p:nvSpPr>
+        <p:spPr>
+          <a:xfrm rot="16200000">
+            <a:off x="5257022" y="5257026"/>
+            <a:ext cx="7920006" cy="7919999"/>
+          </a:xfrm>
+          <a:prstGeom prst="rect">
+            <a:avLst/>
+          </a:prstGeom>
+          <a:noFill/>
+        </p:spPr>
+        <p:txBody>
+          <a:bodyPr wrap="none" lIns="210669" tIns="105334" rIns="210669" bIns="105334">
+            <a:prstTxWarp prst="textCircle">
+              <a:avLst>
+                <a:gd name="adj" fmla="val 10916975"/>
+              </a:avLst>
+            </a:prstTxWarp>
+            <a:spAutoFit/>
+          </a:bodyPr>
+          <a:lstStyle/>
+          <a:p>
+            <a:pPr algn="ctr"/>
+            <a:r>
+              <a:rPr lang="en-US" sz="13800" b="1" cap="small" spc="300" dirty="0" smtClean="0">
+                <a:ln w="12700">
+                  <a:noFill/>
+                  <a:prstDash val="solid"/>
+                </a:ln>
+                <a:solidFill>
+                  <a:schemeClr val="accent1"/>
+                </a:solidFill>
+                <a:effectLst>
+                  <a:outerShdw blurRad="41275" dist="20320" dir="1800000" algn="tl" rotWithShape="0">
+                    <a:srgbClr val="000000">
+                      <a:alpha val="40000"/>
+                    </a:srgbClr>
+                  </a:outerShdw>
+                </a:effectLst>
+              </a:rPr>
+              <a:t> Press </a:t>
+            </a:r>
+            <a:r>
+              <a:rPr lang="en-US" sz="13800" b="1" cap="small" spc="300" dirty="0">
+                <a:ln w="12700">
+                  <a:noFill/>
+                  <a:prstDash val="solid"/>
+                </a:ln>
+                <a:solidFill>
+                  <a:schemeClr val="accent1"/>
+                </a:solidFill>
+                <a:effectLst>
+                  <a:outerShdw blurRad="41275" dist="20320" dir="1800000" algn="tl" rotWithShape="0">
+                    <a:srgbClr val="000000">
+                      <a:alpha val="40000"/>
+                    </a:srgbClr>
+                  </a:outerShdw>
+                </a:effectLst>
+              </a:rPr>
+              <a:t>a button to continue</a:t>
+            </a:r>
+            <a:r>
+              <a:rPr lang="en-US" sz="13800" b="1" cap="small" spc="300" dirty="0" smtClean="0">
+                <a:ln w="12700">
+                  <a:noFill/>
+                  <a:prstDash val="solid"/>
+                </a:ln>
+                <a:solidFill>
+                  <a:schemeClr val="accent1"/>
+                </a:solidFill>
+                <a:effectLst>
+                  <a:outerShdw blurRad="41275" dist="20320" dir="1800000" algn="tl" rotWithShape="0">
+                    <a:srgbClr val="000000">
+                      <a:alpha val="40000"/>
+                    </a:srgbClr>
+                  </a:outerShdw>
+                </a:effectLst>
+              </a:rPr>
+              <a:t>.</a:t>
+            </a:r>
+            <a:endParaRPr lang="en-US" sz="13800" b="1" cap="small" spc="300" dirty="0">
+              <a:ln w="12700">
+                <a:noFill/>
+                <a:prstDash val="solid"/>
+              </a:ln>
+              <a:solidFill>
+                <a:schemeClr val="accent1"/>
+              </a:solidFill>
+              <a:effectLst>
+                <a:outerShdw blurRad="41275" dist="20320" dir="1800000" algn="tl" rotWithShape="0">
+                  <a:srgbClr val="000000">
+                    <a:alpha val="40000"/>
+                  </a:srgbClr>
+                </a:outerShdw>
+              </a:effectLst>
+            </a:endParaRPr>
+          </a:p>
+        </p:txBody>
+      </p:sp>
+      <p:grpSp>
+        <p:nvGrpSpPr>
+          <p:cNvPr id="6" name="Grouper 5"/>
+          <p:cNvGrpSpPr/>
+          <p:nvPr/>
+        </p:nvGrpSpPr>
+        <p:grpSpPr>
+          <a:xfrm>
+            <a:off x="6758168" y="6943137"/>
+            <a:ext cx="5001192" cy="5044481"/>
+            <a:chOff x="6494949" y="6943137"/>
+            <a:chExt cx="5001192" cy="5044481"/>
+          </a:xfrm>
+        </p:grpSpPr>
+        <p:sp>
+          <p:nvSpPr>
+            <p:cNvPr id="7" name="Ellipse 6"/>
+            <p:cNvSpPr>
+              <a:spLocks noChangeAspect="1"/>
+            </p:cNvSpPr>
+            <p:nvPr/>
+          </p:nvSpPr>
+          <p:spPr>
+            <a:xfrm>
+              <a:off x="7350417" y="7841894"/>
+              <a:ext cx="3290257" cy="3290257"/>
+            </a:xfrm>
+            <a:prstGeom prst="ellipse">
+              <a:avLst/>
+            </a:prstGeom>
+            <a:ln>
+              <a:solidFill>
+                <a:schemeClr val="accent2"/>
+              </a:solidFill>
+            </a:ln>
+            <a:effectLst>
+              <a:outerShdw blurRad="76200" dir="18900000" sy="23000" kx="-1200000" algn="bl" rotWithShape="0">
+                <a:prstClr val="black">
+                  <a:alpha val="20000"/>
+                </a:prstClr>
+              </a:outerShdw>
+            </a:effectLst>
+          </p:spPr>
+          <p:style>
+            <a:lnRef idx="1">
+              <a:schemeClr val="accent1"/>
+            </a:lnRef>
+            <a:fillRef idx="3">
+              <a:schemeClr val="accent1"/>
+            </a:fillRef>
+            <a:effectRef idx="2">
+              <a:schemeClr val="accent1"/>
+            </a:effectRef>
+            <a:fontRef idx="minor">
+              <a:schemeClr val="lt1"/>
+            </a:fontRef>
+          </p:style>
+          <p:txBody>
+            <a:bodyPr rtlCol="0" anchor="ctr"/>
+            <a:lstStyle/>
+            <a:p>
+              <a:pPr algn="ctr"/>
+              <a:endParaRPr lang="en-US"/>
+            </a:p>
+          </p:txBody>
+        </p:sp>
+        <p:sp>
+          <p:nvSpPr>
+            <p:cNvPr id="8" name="Secteurs 7"/>
+            <p:cNvSpPr>
+              <a:spLocks noChangeAspect="1"/>
+            </p:cNvSpPr>
+            <p:nvPr/>
+          </p:nvSpPr>
+          <p:spPr>
+            <a:xfrm>
+              <a:off x="7371136" y="7841899"/>
+              <a:ext cx="3248819" cy="3290246"/>
+            </a:xfrm>
+            <a:prstGeom prst="pie">
+              <a:avLst>
+                <a:gd name="adj1" fmla="val 17697688"/>
+                <a:gd name="adj2" fmla="val 16200000"/>
+              </a:avLst>
+            </a:prstGeom>
+            <a:solidFill>
+              <a:srgbClr val="FFFFFF"/>
+            </a:solidFill>
+            <a:ln>
+              <a:solidFill>
+                <a:schemeClr val="accent2"/>
+              </a:solidFill>
+            </a:ln>
+          </p:spPr>
+          <p:style>
+            <a:lnRef idx="1">
+              <a:schemeClr val="accent1"/>
+            </a:lnRef>
+            <a:fillRef idx="3">
+              <a:schemeClr val="accent1"/>
+            </a:fillRef>
+            <a:effectRef idx="2">
+              <a:schemeClr val="accent1"/>
+            </a:effectRef>
+            <a:fontRef idx="minor">
+              <a:schemeClr val="lt1"/>
+            </a:fontRef>
+          </p:style>
+          <p:txBody>
+            <a:bodyPr rtlCol="0" anchor="ctr"/>
+            <a:lstStyle/>
+            <a:p>
+              <a:pPr algn="ctr"/>
+              <a:endParaRPr lang="en-US">
+                <a:solidFill>
+                  <a:schemeClr val="tx1"/>
+                </a:solidFill>
+              </a:endParaRPr>
+            </a:p>
+          </p:txBody>
+        </p:sp>
+        <p:cxnSp>
+          <p:nvCxnSpPr>
+            <p:cNvPr id="9" name="Connecteur droit avec flèche 8"/>
+            <p:cNvCxnSpPr>
+              <a:endCxn id="7" idx="0"/>
+            </p:cNvCxnSpPr>
+            <p:nvPr/>
+          </p:nvCxnSpPr>
+          <p:spPr>
+            <a:xfrm flipV="1">
+              <a:off x="8995545" y="7841894"/>
+              <a:ext cx="0" cy="1601840"/>
+            </a:xfrm>
+            <a:prstGeom prst="straightConnector1">
+              <a:avLst/>
+            </a:prstGeom>
+            <a:ln w="57150" cmpd="sng">
+              <a:solidFill>
+                <a:schemeClr val="accent2"/>
+              </a:solidFill>
+              <a:tailEnd type="arrow"/>
+            </a:ln>
+          </p:spPr>
+          <p:style>
+            <a:lnRef idx="2">
+              <a:schemeClr val="accent1"/>
+            </a:lnRef>
+            <a:fillRef idx="0">
+              <a:schemeClr val="accent1"/>
+            </a:fillRef>
+            <a:effectRef idx="1">
+              <a:schemeClr val="accent1"/>
+            </a:effectRef>
+            <a:fontRef idx="minor">
+              <a:schemeClr val="tx1"/>
+            </a:fontRef>
+          </p:style>
+        </p:cxnSp>
+        <p:grpSp>
+          <p:nvGrpSpPr>
+            <p:cNvPr id="10" name="Grouper 9"/>
+            <p:cNvGrpSpPr/>
+            <p:nvPr/>
+          </p:nvGrpSpPr>
+          <p:grpSpPr>
+            <a:xfrm>
+              <a:off x="6494949" y="6986428"/>
+              <a:ext cx="5001192" cy="5001190"/>
+              <a:chOff x="2759620" y="2052934"/>
+              <a:chExt cx="2735998" cy="2735997"/>
+            </a:xfrm>
+          </p:grpSpPr>
+          <p:sp>
+            <p:nvSpPr>
+              <p:cNvPr id="15" name="Arc 14"/>
+              <p:cNvSpPr/>
+              <p:nvPr/>
+            </p:nvSpPr>
+            <p:spPr>
+              <a:xfrm>
+                <a:off x="3119619" y="2340933"/>
+                <a:ext cx="2016000" cy="2159999"/>
+              </a:xfrm>
+              <a:prstGeom prst="arc">
+                <a:avLst>
+                  <a:gd name="adj1" fmla="val 17494394"/>
+                  <a:gd name="adj2" fmla="val 19010120"/>
+                </a:avLst>
+              </a:prstGeom>
+              <a:ln w="38100" cmpd="sng">
+                <a:solidFill>
+                  <a:schemeClr val="accent2"/>
+                </a:solidFill>
+              </a:ln>
+            </p:spPr>
+            <p:style>
+              <a:lnRef idx="2">
+                <a:schemeClr val="accent1"/>
+              </a:lnRef>
+              <a:fillRef idx="0">
+                <a:schemeClr val="accent1"/>
+              </a:fillRef>
+              <a:effectRef idx="1">
+                <a:schemeClr val="accent1"/>
+              </a:effectRef>
+              <a:fontRef idx="minor">
+                <a:schemeClr val="tx1"/>
+              </a:fontRef>
+            </p:style>
+            <p:txBody>
+              <a:bodyPr rtlCol="0" anchor="ctr"/>
+              <a:lstStyle/>
+              <a:p>
+                <a:pPr algn="ctr"/>
+                <a:endParaRPr lang="en-US"/>
+              </a:p>
+            </p:txBody>
+          </p:sp>
+          <p:sp>
+            <p:nvSpPr>
+              <p:cNvPr id="16" name="Arc 15"/>
+              <p:cNvSpPr>
+                <a:spLocks noChangeAspect="1"/>
+              </p:cNvSpPr>
+              <p:nvPr/>
+            </p:nvSpPr>
+            <p:spPr>
+              <a:xfrm>
+                <a:off x="2903620" y="2196933"/>
+                <a:ext cx="2447999" cy="2447998"/>
+              </a:xfrm>
+              <a:prstGeom prst="arc">
+                <a:avLst>
+                  <a:gd name="adj1" fmla="val 17258218"/>
+                  <a:gd name="adj2" fmla="val 19319877"/>
+                </a:avLst>
+              </a:prstGeom>
+              <a:ln w="38100" cmpd="sng">
+                <a:solidFill>
+                  <a:schemeClr val="accent2"/>
+                </a:solidFill>
+              </a:ln>
+            </p:spPr>
+            <p:style>
+              <a:lnRef idx="2">
+                <a:schemeClr val="accent1"/>
+              </a:lnRef>
+              <a:fillRef idx="0">
+                <a:schemeClr val="accent1"/>
+              </a:fillRef>
+              <a:effectRef idx="1">
+                <a:schemeClr val="accent1"/>
+              </a:effectRef>
+              <a:fontRef idx="minor">
+                <a:schemeClr val="tx1"/>
+              </a:fontRef>
+            </p:style>
+            <p:txBody>
+              <a:bodyPr rtlCol="0" anchor="ctr"/>
+              <a:lstStyle/>
+              <a:p>
+                <a:pPr algn="ctr"/>
+                <a:endParaRPr lang="en-US"/>
+              </a:p>
+            </p:txBody>
+          </p:sp>
+          <p:sp>
+            <p:nvSpPr>
+              <p:cNvPr id="17" name="Arc 16"/>
+              <p:cNvSpPr>
+                <a:spLocks noChangeAspect="1"/>
+              </p:cNvSpPr>
+              <p:nvPr/>
+            </p:nvSpPr>
+            <p:spPr>
+              <a:xfrm>
+                <a:off x="2759620" y="2052934"/>
+                <a:ext cx="2735998" cy="2735997"/>
+              </a:xfrm>
+              <a:prstGeom prst="arc">
+                <a:avLst>
+                  <a:gd name="adj1" fmla="val 17058860"/>
+                  <a:gd name="adj2" fmla="val 19569505"/>
+                </a:avLst>
+              </a:prstGeom>
+              <a:ln w="38100" cmpd="sng">
+                <a:solidFill>
+                  <a:schemeClr val="accent2"/>
+                </a:solidFill>
+              </a:ln>
+            </p:spPr>
+            <p:style>
+              <a:lnRef idx="2">
+                <a:schemeClr val="accent1"/>
+              </a:lnRef>
+              <a:fillRef idx="0">
+                <a:schemeClr val="accent1"/>
+              </a:fillRef>
+              <a:effectRef idx="1">
+                <a:schemeClr val="accent1"/>
+              </a:effectRef>
+              <a:fontRef idx="minor">
+                <a:schemeClr val="tx1"/>
+              </a:fontRef>
+            </p:style>
+            <p:txBody>
+              <a:bodyPr rtlCol="0" anchor="ctr"/>
+              <a:lstStyle/>
+              <a:p>
+                <a:pPr algn="ctr"/>
+                <a:endParaRPr lang="en-US">
+                  <a:ln w="38100" cmpd="sng">
+                    <a:solidFill>
+                      <a:srgbClr val="000000"/>
+                    </a:solidFill>
+                  </a:ln>
+                </a:endParaRPr>
+              </a:p>
+            </p:txBody>
+          </p:sp>
+        </p:grpSp>
+        <p:grpSp>
+          <p:nvGrpSpPr>
+            <p:cNvPr id="11" name="Grouper 10"/>
+            <p:cNvGrpSpPr/>
+            <p:nvPr/>
+          </p:nvGrpSpPr>
+          <p:grpSpPr>
+            <a:xfrm flipH="1">
+              <a:off x="6494949" y="6943137"/>
+              <a:ext cx="5001192" cy="5001190"/>
+              <a:chOff x="2759620" y="2052934"/>
+              <a:chExt cx="2735998" cy="2735997"/>
+            </a:xfrm>
+          </p:grpSpPr>
+          <p:sp>
+            <p:nvSpPr>
+              <p:cNvPr id="12" name="Arc 11"/>
+              <p:cNvSpPr/>
+              <p:nvPr/>
+            </p:nvSpPr>
+            <p:spPr>
+              <a:xfrm>
+                <a:off x="3119619" y="2340933"/>
+                <a:ext cx="2016000" cy="2159999"/>
+              </a:xfrm>
+              <a:prstGeom prst="arc">
+                <a:avLst>
+                  <a:gd name="adj1" fmla="val 17494394"/>
+                  <a:gd name="adj2" fmla="val 19010120"/>
+                </a:avLst>
+              </a:prstGeom>
+              <a:ln w="38100" cmpd="sng">
+                <a:solidFill>
+                  <a:schemeClr val="accent2"/>
+                </a:solidFill>
+              </a:ln>
+            </p:spPr>
+            <p:style>
+              <a:lnRef idx="2">
+                <a:schemeClr val="accent1"/>
+              </a:lnRef>
+              <a:fillRef idx="0">
+                <a:schemeClr val="accent1"/>
+              </a:fillRef>
+              <a:effectRef idx="1">
+                <a:schemeClr val="accent1"/>
+              </a:effectRef>
+              <a:fontRef idx="minor">
+                <a:schemeClr val="tx1"/>
+              </a:fontRef>
+            </p:style>
+            <p:txBody>
+              <a:bodyPr rtlCol="0" anchor="ctr"/>
+              <a:lstStyle/>
+              <a:p>
+                <a:pPr algn="ctr"/>
+                <a:endParaRPr lang="en-US"/>
+              </a:p>
+            </p:txBody>
+          </p:sp>
+          <p:sp>
+            <p:nvSpPr>
+              <p:cNvPr id="13" name="Arc 12"/>
+              <p:cNvSpPr>
+                <a:spLocks noChangeAspect="1"/>
+              </p:cNvSpPr>
+              <p:nvPr/>
+            </p:nvSpPr>
+            <p:spPr>
+              <a:xfrm>
+                <a:off x="2903620" y="2196933"/>
+                <a:ext cx="2447999" cy="2447998"/>
+              </a:xfrm>
+              <a:prstGeom prst="arc">
+                <a:avLst>
+                  <a:gd name="adj1" fmla="val 17258218"/>
+                  <a:gd name="adj2" fmla="val 19319877"/>
+                </a:avLst>
+              </a:prstGeom>
+              <a:ln w="38100" cmpd="sng">
+                <a:solidFill>
+                  <a:schemeClr val="accent2"/>
+                </a:solidFill>
+              </a:ln>
+            </p:spPr>
+            <p:style>
+              <a:lnRef idx="2">
+                <a:schemeClr val="accent1"/>
+              </a:lnRef>
+              <a:fillRef idx="0">
+                <a:schemeClr val="accent1"/>
+              </a:fillRef>
+              <a:effectRef idx="1">
+                <a:schemeClr val="accent1"/>
+              </a:effectRef>
+              <a:fontRef idx="minor">
+                <a:schemeClr val="tx1"/>
+              </a:fontRef>
+            </p:style>
+            <p:txBody>
+              <a:bodyPr rtlCol="0" anchor="ctr"/>
+              <a:lstStyle/>
+              <a:p>
+                <a:pPr algn="ctr"/>
+                <a:endParaRPr lang="en-US"/>
+              </a:p>
+            </p:txBody>
+          </p:sp>
+          <p:sp>
+            <p:nvSpPr>
+              <p:cNvPr id="14" name="Arc 13"/>
+              <p:cNvSpPr>
+                <a:spLocks noChangeAspect="1"/>
+              </p:cNvSpPr>
+              <p:nvPr/>
+            </p:nvSpPr>
+            <p:spPr>
+              <a:xfrm>
+                <a:off x="2759620" y="2052934"/>
+                <a:ext cx="2735998" cy="2735997"/>
+              </a:xfrm>
+              <a:prstGeom prst="arc">
+                <a:avLst>
+                  <a:gd name="adj1" fmla="val 17058860"/>
+                  <a:gd name="adj2" fmla="val 19569505"/>
+                </a:avLst>
+              </a:prstGeom>
+              <a:ln w="38100" cmpd="sng">
+                <a:solidFill>
+                  <a:schemeClr val="accent2"/>
+                </a:solidFill>
+              </a:ln>
+            </p:spPr>
+            <p:style>
+              <a:lnRef idx="2">
+                <a:schemeClr val="accent1"/>
+              </a:lnRef>
+              <a:fillRef idx="0">
+                <a:schemeClr val="accent1"/>
+              </a:fillRef>
+              <a:effectRef idx="1">
+                <a:schemeClr val="accent1"/>
+              </a:effectRef>
+              <a:fontRef idx="minor">
+                <a:schemeClr val="tx1"/>
+              </a:fontRef>
+            </p:style>
+            <p:txBody>
+              <a:bodyPr rtlCol="0" anchor="ctr"/>
+              <a:lstStyle/>
+              <a:p>
+                <a:pPr algn="ctr"/>
+                <a:endParaRPr lang="en-US">
+                  <a:ln w="38100" cmpd="sng">
+                    <a:solidFill>
+                      <a:srgbClr val="000000"/>
+                    </a:solidFill>
+                  </a:ln>
+                </a:endParaRPr>
+              </a:p>
+            </p:txBody>
+          </p:sp>
+        </p:grpSp>
+      </p:grpSp>
+    </p:spTree>
+    <p:extLst>
+      <p:ext uri="{BB962C8B-B14F-4D97-AF65-F5344CB8AC3E}">
+        <p14:creationId xmlns:p14="http://schemas.microsoft.com/office/powerpoint/2010/main" val="193441351"/>
+      </p:ext>
+    </p:extLst>
+  </p:cSld>
+  <p:clrMapOvr>
+    <a:masterClrMapping/>
+  </p:clrMapOvr>
+</p:sld>
+</file>
+
+<file path=ppt/slides/slide7.xml><?xml version="1.0" encoding="utf-8"?>
+<p:sld xmlns:a="http://schemas.openxmlformats.org/drawingml/2006/main" xmlns:r="http://schemas.openxmlformats.org/officeDocument/2006/relationships" xmlns:p="http://schemas.openxmlformats.org/presentationml/2006/main">
+  <p:cSld>
+    <p:spTree>
+      <p:nvGrpSpPr>
+        <p:cNvPr id="1" name=""/>
+        <p:cNvGrpSpPr/>
+        <p:nvPr/>
+      </p:nvGrpSpPr>
+      <p:grpSpPr>
+        <a:xfrm>
+          <a:off x="0" y="0"/>
+          <a:ext cx="0" cy="0"/>
+          <a:chOff x="0" y="0"/>
+          <a:chExt cx="0" cy="0"/>
+        </a:xfrm>
+      </p:grpSpPr>
+      <p:sp>
+        <p:nvSpPr>
+          <p:cNvPr id="5" name="Bouée 4"/>
+          <p:cNvSpPr>
+            <a:spLocks noChangeAspect="1"/>
+          </p:cNvSpPr>
+          <p:nvPr/>
+        </p:nvSpPr>
+        <p:spPr>
+          <a:xfrm>
+            <a:off x="1614253" y="1610484"/>
+            <a:ext cx="15228000" cy="15228000"/>
+          </a:xfrm>
+          <a:prstGeom prst="donut">
+            <a:avLst>
+              <a:gd name="adj" fmla="val 30982"/>
+            </a:avLst>
+          </a:prstGeom>
+          <a:solidFill>
+            <a:schemeClr val="bg1"/>
+          </a:solidFill>
+          <a:ln w="76200" cmpd="sng">
+            <a:noFill/>
+          </a:ln>
+        </p:spPr>
+        <p:style>
+          <a:lnRef idx="1">
+            <a:schemeClr val="accent1"/>
+          </a:lnRef>
+          <a:fillRef idx="3">
+            <a:schemeClr val="accent1"/>
+          </a:fillRef>
+          <a:effectRef idx="2">
+            <a:schemeClr val="accent1"/>
+          </a:effectRef>
+          <a:fontRef idx="minor">
+            <a:schemeClr val="lt1"/>
+          </a:fontRef>
+        </p:style>
+        <p:txBody>
+          <a:bodyPr rtlCol="0" anchor="ctr"/>
+          <a:lstStyle/>
+          <a:p>
+            <a:pPr algn="ctr"/>
+            <a:endParaRPr lang="en-US">
+              <a:solidFill>
+                <a:schemeClr val="tx1"/>
+              </a:solidFill>
+            </a:endParaRPr>
+          </a:p>
+        </p:txBody>
+      </p:sp>
+      <p:sp>
+        <p:nvSpPr>
+          <p:cNvPr id="2" name="Rectangle 1"/>
+          <p:cNvSpPr>
+            <a:spLocks noChangeAspect="1"/>
+          </p:cNvSpPr>
+          <p:nvPr/>
+        </p:nvSpPr>
+        <p:spPr>
+          <a:xfrm rot="16200000">
+            <a:off x="3277028" y="3277028"/>
+            <a:ext cx="11879995" cy="11879995"/>
+          </a:xfrm>
+          <a:prstGeom prst="rect">
+            <a:avLst/>
+          </a:prstGeom>
+          <a:noFill/>
+        </p:spPr>
+        <p:txBody>
+          <a:bodyPr wrap="none" lIns="210669" tIns="105334" rIns="210669" bIns="105334">
+            <a:prstTxWarp prst="textCircle">
+              <a:avLst>
+                <a:gd name="adj" fmla="val 10946467"/>
+              </a:avLst>
+            </a:prstTxWarp>
+            <a:spAutoFit/>
+          </a:bodyPr>
+          <a:lstStyle/>
+          <a:p>
+            <a:pPr algn="ctr"/>
+            <a:r>
+              <a:rPr lang="en-US" sz="23900" b="1" cap="small" spc="600" dirty="0" smtClean="0">
+                <a:ln w="12700">
+                  <a:solidFill>
+                    <a:srgbClr val="FFFFFF"/>
+                  </a:solidFill>
+                  <a:prstDash val="solid"/>
+                </a:ln>
+                <a:solidFill>
+                  <a:schemeClr val="accent2"/>
+                </a:solidFill>
+              </a:rPr>
+              <a:t>Time </a:t>
+            </a:r>
+            <a:r>
+              <a:rPr lang="en-US" sz="23900" b="1" cap="small" spc="600" dirty="0" smtClean="0">
+                <a:ln w="12700">
+                  <a:solidFill>
+                    <a:srgbClr val="FFFFFF"/>
+                  </a:solidFill>
+                  <a:prstDash val="solid"/>
+                </a:ln>
+                <a:solidFill>
+                  <a:schemeClr val="accent2"/>
+                </a:solidFill>
+              </a:rPr>
+              <a:t>to tilt head</a:t>
+            </a:r>
+            <a:r>
+              <a:rPr lang="en-US" sz="23900" b="1" cap="small" spc="600" dirty="0" smtClean="0">
+                <a:ln w="12700">
+                  <a:solidFill>
+                    <a:srgbClr val="FFFFFF"/>
+                  </a:solidFill>
+                  <a:prstDash val="solid"/>
+                </a:ln>
+                <a:solidFill>
+                  <a:schemeClr val="accent2"/>
+                </a:solidFill>
+              </a:rPr>
+              <a:t> </a:t>
+            </a:r>
+            <a:r>
+              <a:rPr lang="en-US" sz="23900" b="1" cap="small" spc="600" dirty="0" smtClean="0">
+                <a:ln w="12700">
+                  <a:solidFill>
+                    <a:srgbClr val="FFFFFF"/>
+                  </a:solidFill>
+                  <a:prstDash val="solid"/>
+                </a:ln>
+                <a:solidFill>
+                  <a:schemeClr val="accent2"/>
+                </a:solidFill>
+              </a:rPr>
+              <a:t>exceeded.</a:t>
+            </a:r>
+            <a:endParaRPr lang="en-US" sz="23900" b="1" cap="small" spc="600" dirty="0">
+              <a:ln w="12700">
+                <a:solidFill>
+                  <a:srgbClr val="FFFFFF"/>
+                </a:solidFill>
+                <a:prstDash val="solid"/>
+              </a:ln>
+              <a:solidFill>
+                <a:schemeClr val="accent2"/>
+              </a:solidFill>
+            </a:endParaRPr>
+          </a:p>
+        </p:txBody>
+      </p:sp>
+      <p:sp>
+        <p:nvSpPr>
+          <p:cNvPr id="3" name="Rectangle 2"/>
+          <p:cNvSpPr>
+            <a:spLocks noChangeAspect="1"/>
+          </p:cNvSpPr>
+          <p:nvPr/>
+        </p:nvSpPr>
+        <p:spPr>
+          <a:xfrm rot="16200000">
+            <a:off x="5257022" y="5257026"/>
+            <a:ext cx="7920006" cy="7919999"/>
+          </a:xfrm>
+          <a:prstGeom prst="rect">
+            <a:avLst/>
+          </a:prstGeom>
+          <a:noFill/>
+        </p:spPr>
+        <p:txBody>
+          <a:bodyPr wrap="none" lIns="210669" tIns="105334" rIns="210669" bIns="105334">
+            <a:prstTxWarp prst="textCircle">
+              <a:avLst>
+                <a:gd name="adj" fmla="val 10916975"/>
+              </a:avLst>
+            </a:prstTxWarp>
+            <a:spAutoFit/>
+          </a:bodyPr>
+          <a:lstStyle/>
+          <a:p>
+            <a:pPr algn="ctr"/>
+            <a:r>
+              <a:rPr lang="en-US" sz="13800" b="1" cap="small" spc="300" dirty="0" smtClean="0">
+                <a:ln w="12700">
+                  <a:noFill/>
+                  <a:prstDash val="solid"/>
+                </a:ln>
+                <a:solidFill>
+                  <a:schemeClr val="accent1"/>
+                </a:solidFill>
+                <a:effectLst>
+                  <a:outerShdw blurRad="41275" dist="20320" dir="1800000" algn="tl" rotWithShape="0">
+                    <a:srgbClr val="000000">
+                      <a:alpha val="40000"/>
+                    </a:srgbClr>
+                  </a:outerShdw>
+                </a:effectLst>
+              </a:rPr>
+              <a:t> Press </a:t>
+            </a:r>
+            <a:r>
+              <a:rPr lang="en-US" sz="13800" b="1" cap="small" spc="300" dirty="0">
+                <a:ln w="12700">
+                  <a:noFill/>
+                  <a:prstDash val="solid"/>
+                </a:ln>
+                <a:solidFill>
+                  <a:schemeClr val="accent1"/>
+                </a:solidFill>
+                <a:effectLst>
+                  <a:outerShdw blurRad="41275" dist="20320" dir="1800000" algn="tl" rotWithShape="0">
+                    <a:srgbClr val="000000">
+                      <a:alpha val="40000"/>
+                    </a:srgbClr>
+                  </a:outerShdw>
+                </a:effectLst>
+              </a:rPr>
+              <a:t>a button to continue</a:t>
+            </a:r>
+            <a:r>
+              <a:rPr lang="en-US" sz="13800" b="1" cap="small" spc="300" dirty="0" smtClean="0">
+                <a:ln w="12700">
+                  <a:noFill/>
+                  <a:prstDash val="solid"/>
+                </a:ln>
+                <a:solidFill>
+                  <a:schemeClr val="accent1"/>
+                </a:solidFill>
+                <a:effectLst>
+                  <a:outerShdw blurRad="41275" dist="20320" dir="1800000" algn="tl" rotWithShape="0">
+                    <a:srgbClr val="000000">
+                      <a:alpha val="40000"/>
+                    </a:srgbClr>
+                  </a:outerShdw>
+                </a:effectLst>
+              </a:rPr>
+              <a:t>.</a:t>
+            </a:r>
+            <a:endParaRPr lang="en-US" sz="13800" b="1" cap="small" spc="300" dirty="0">
+              <a:ln w="12700">
+                <a:noFill/>
+                <a:prstDash val="solid"/>
+              </a:ln>
+              <a:solidFill>
+                <a:schemeClr val="accent1"/>
+              </a:solidFill>
+              <a:effectLst>
+                <a:outerShdw blurRad="41275" dist="20320" dir="1800000" algn="tl" rotWithShape="0">
+                  <a:srgbClr val="000000">
+                    <a:alpha val="40000"/>
+                  </a:srgbClr>
+                </a:outerShdw>
+              </a:effectLst>
+            </a:endParaRPr>
+          </a:p>
+        </p:txBody>
+      </p:sp>
+      <p:grpSp>
+        <p:nvGrpSpPr>
+          <p:cNvPr id="6" name="Grouper 5"/>
+          <p:cNvGrpSpPr/>
+          <p:nvPr/>
+        </p:nvGrpSpPr>
+        <p:grpSpPr>
+          <a:xfrm>
+            <a:off x="6758168" y="6943137"/>
+            <a:ext cx="5001192" cy="5044481"/>
+            <a:chOff x="6494949" y="6943137"/>
+            <a:chExt cx="5001192" cy="5044481"/>
+          </a:xfrm>
+        </p:grpSpPr>
+        <p:sp>
+          <p:nvSpPr>
+            <p:cNvPr id="7" name="Ellipse 6"/>
+            <p:cNvSpPr>
+              <a:spLocks noChangeAspect="1"/>
+            </p:cNvSpPr>
+            <p:nvPr/>
+          </p:nvSpPr>
+          <p:spPr>
+            <a:xfrm>
+              <a:off x="7350417" y="7841894"/>
+              <a:ext cx="3290257" cy="3290257"/>
+            </a:xfrm>
+            <a:prstGeom prst="ellipse">
+              <a:avLst/>
+            </a:prstGeom>
+            <a:ln>
+              <a:solidFill>
+                <a:schemeClr val="accent2"/>
+              </a:solidFill>
+            </a:ln>
+            <a:effectLst>
+              <a:outerShdw blurRad="76200" dir="18900000" sy="23000" kx="-1200000" algn="bl" rotWithShape="0">
+                <a:prstClr val="black">
+                  <a:alpha val="20000"/>
+                </a:prstClr>
+              </a:outerShdw>
+            </a:effectLst>
+          </p:spPr>
+          <p:style>
+            <a:lnRef idx="1">
+              <a:schemeClr val="accent1"/>
+            </a:lnRef>
+            <a:fillRef idx="3">
+              <a:schemeClr val="accent1"/>
+            </a:fillRef>
+            <a:effectRef idx="2">
+              <a:schemeClr val="accent1"/>
+            </a:effectRef>
+            <a:fontRef idx="minor">
+              <a:schemeClr val="lt1"/>
+            </a:fontRef>
+          </p:style>
+          <p:txBody>
+            <a:bodyPr rtlCol="0" anchor="ctr"/>
+            <a:lstStyle/>
+            <a:p>
+              <a:pPr algn="ctr"/>
+              <a:endParaRPr lang="en-US"/>
+            </a:p>
+          </p:txBody>
+        </p:sp>
+        <p:sp>
+          <p:nvSpPr>
+            <p:cNvPr id="8" name="Secteurs 7"/>
+            <p:cNvSpPr>
+              <a:spLocks noChangeAspect="1"/>
+            </p:cNvSpPr>
+            <p:nvPr/>
+          </p:nvSpPr>
+          <p:spPr>
+            <a:xfrm>
+              <a:off x="7371136" y="7841899"/>
+              <a:ext cx="3248819" cy="3290246"/>
+            </a:xfrm>
+            <a:prstGeom prst="pie">
+              <a:avLst>
+                <a:gd name="adj1" fmla="val 17697688"/>
+                <a:gd name="adj2" fmla="val 16200000"/>
+              </a:avLst>
+            </a:prstGeom>
+            <a:solidFill>
+              <a:srgbClr val="FFFFFF"/>
+            </a:solidFill>
+            <a:ln>
+              <a:solidFill>
+                <a:schemeClr val="accent2"/>
+              </a:solidFill>
+            </a:ln>
+          </p:spPr>
+          <p:style>
+            <a:lnRef idx="1">
+              <a:schemeClr val="accent1"/>
+            </a:lnRef>
+            <a:fillRef idx="3">
+              <a:schemeClr val="accent1"/>
+            </a:fillRef>
+            <a:effectRef idx="2">
+              <a:schemeClr val="accent1"/>
+            </a:effectRef>
+            <a:fontRef idx="minor">
+              <a:schemeClr val="lt1"/>
+            </a:fontRef>
+          </p:style>
+          <p:txBody>
+            <a:bodyPr rtlCol="0" anchor="ctr"/>
+            <a:lstStyle/>
+            <a:p>
+              <a:pPr algn="ctr"/>
+              <a:endParaRPr lang="en-US">
+                <a:solidFill>
+                  <a:schemeClr val="tx1"/>
+                </a:solidFill>
+              </a:endParaRPr>
+            </a:p>
+          </p:txBody>
+        </p:sp>
+        <p:cxnSp>
+          <p:nvCxnSpPr>
+            <p:cNvPr id="9" name="Connecteur droit avec flèche 8"/>
+            <p:cNvCxnSpPr>
+              <a:endCxn id="7" idx="0"/>
+            </p:cNvCxnSpPr>
+            <p:nvPr/>
+          </p:nvCxnSpPr>
+          <p:spPr>
+            <a:xfrm flipV="1">
+              <a:off x="8995545" y="7841894"/>
+              <a:ext cx="0" cy="1601840"/>
+            </a:xfrm>
+            <a:prstGeom prst="straightConnector1">
+              <a:avLst/>
+            </a:prstGeom>
+            <a:ln w="57150" cmpd="sng">
+              <a:solidFill>
+                <a:schemeClr val="accent2"/>
+              </a:solidFill>
+              <a:tailEnd type="arrow"/>
+            </a:ln>
+          </p:spPr>
+          <p:style>
+            <a:lnRef idx="2">
+              <a:schemeClr val="accent1"/>
+            </a:lnRef>
+            <a:fillRef idx="0">
+              <a:schemeClr val="accent1"/>
+            </a:fillRef>
+            <a:effectRef idx="1">
+              <a:schemeClr val="accent1"/>
+            </a:effectRef>
+            <a:fontRef idx="minor">
+              <a:schemeClr val="tx1"/>
+            </a:fontRef>
+          </p:style>
+        </p:cxnSp>
+        <p:grpSp>
+          <p:nvGrpSpPr>
+            <p:cNvPr id="10" name="Grouper 9"/>
+            <p:cNvGrpSpPr/>
+            <p:nvPr/>
+          </p:nvGrpSpPr>
+          <p:grpSpPr>
+            <a:xfrm>
+              <a:off x="6494949" y="6986428"/>
+              <a:ext cx="5001192" cy="5001190"/>
+              <a:chOff x="2759620" y="2052934"/>
+              <a:chExt cx="2735998" cy="2735997"/>
+            </a:xfrm>
+          </p:grpSpPr>
+          <p:sp>
+            <p:nvSpPr>
+              <p:cNvPr id="15" name="Arc 14"/>
+              <p:cNvSpPr/>
+              <p:nvPr/>
+            </p:nvSpPr>
+            <p:spPr>
+              <a:xfrm>
+                <a:off x="3119619" y="2340933"/>
+                <a:ext cx="2016000" cy="2159999"/>
+              </a:xfrm>
+              <a:prstGeom prst="arc">
+                <a:avLst>
+                  <a:gd name="adj1" fmla="val 17494394"/>
+                  <a:gd name="adj2" fmla="val 19010120"/>
+                </a:avLst>
+              </a:prstGeom>
+              <a:ln w="38100" cmpd="sng">
+                <a:solidFill>
+                  <a:schemeClr val="accent2"/>
+                </a:solidFill>
+              </a:ln>
+            </p:spPr>
+            <p:style>
+              <a:lnRef idx="2">
+                <a:schemeClr val="accent1"/>
+              </a:lnRef>
+              <a:fillRef idx="0">
+                <a:schemeClr val="accent1"/>
+              </a:fillRef>
+              <a:effectRef idx="1">
+                <a:schemeClr val="accent1"/>
+              </a:effectRef>
+              <a:fontRef idx="minor">
+                <a:schemeClr val="tx1"/>
+              </a:fontRef>
+            </p:style>
+            <p:txBody>
+              <a:bodyPr rtlCol="0" anchor="ctr"/>
+              <a:lstStyle/>
+              <a:p>
+                <a:pPr algn="ctr"/>
+                <a:endParaRPr lang="en-US"/>
+              </a:p>
+            </p:txBody>
+          </p:sp>
+          <p:sp>
+            <p:nvSpPr>
+              <p:cNvPr id="16" name="Arc 15"/>
+              <p:cNvSpPr>
+                <a:spLocks noChangeAspect="1"/>
+              </p:cNvSpPr>
+              <p:nvPr/>
+            </p:nvSpPr>
+            <p:spPr>
+              <a:xfrm>
+                <a:off x="2903620" y="2196933"/>
+                <a:ext cx="2447999" cy="2447998"/>
+              </a:xfrm>
+              <a:prstGeom prst="arc">
+                <a:avLst>
+                  <a:gd name="adj1" fmla="val 17258218"/>
+                  <a:gd name="adj2" fmla="val 19319877"/>
+                </a:avLst>
+              </a:prstGeom>
+              <a:ln w="38100" cmpd="sng">
+                <a:solidFill>
+                  <a:schemeClr val="accent2"/>
+                </a:solidFill>
+              </a:ln>
+            </p:spPr>
+            <p:style>
+              <a:lnRef idx="2">
+                <a:schemeClr val="accent1"/>
+              </a:lnRef>
+              <a:fillRef idx="0">
+                <a:schemeClr val="accent1"/>
+              </a:fillRef>
+              <a:effectRef idx="1">
+                <a:schemeClr val="accent1"/>
+              </a:effectRef>
+              <a:fontRef idx="minor">
+                <a:schemeClr val="tx1"/>
+              </a:fontRef>
+            </p:style>
+            <p:txBody>
+              <a:bodyPr rtlCol="0" anchor="ctr"/>
+              <a:lstStyle/>
+              <a:p>
+                <a:pPr algn="ctr"/>
+                <a:endParaRPr lang="en-US"/>
+              </a:p>
+            </p:txBody>
+          </p:sp>
+          <p:sp>
+            <p:nvSpPr>
+              <p:cNvPr id="17" name="Arc 16"/>
+              <p:cNvSpPr>
+                <a:spLocks noChangeAspect="1"/>
+              </p:cNvSpPr>
+              <p:nvPr/>
+            </p:nvSpPr>
+            <p:spPr>
+              <a:xfrm>
+                <a:off x="2759620" y="2052934"/>
+                <a:ext cx="2735998" cy="2735997"/>
+              </a:xfrm>
+              <a:prstGeom prst="arc">
+                <a:avLst>
+                  <a:gd name="adj1" fmla="val 17058860"/>
+                  <a:gd name="adj2" fmla="val 19569505"/>
+                </a:avLst>
+              </a:prstGeom>
+              <a:ln w="38100" cmpd="sng">
+                <a:solidFill>
+                  <a:schemeClr val="accent2"/>
+                </a:solidFill>
+              </a:ln>
+            </p:spPr>
+            <p:style>
+              <a:lnRef idx="2">
+                <a:schemeClr val="accent1"/>
+              </a:lnRef>
+              <a:fillRef idx="0">
+                <a:schemeClr val="accent1"/>
+              </a:fillRef>
+              <a:effectRef idx="1">
+                <a:schemeClr val="accent1"/>
+              </a:effectRef>
+              <a:fontRef idx="minor">
+                <a:schemeClr val="tx1"/>
+              </a:fontRef>
+            </p:style>
+            <p:txBody>
+              <a:bodyPr rtlCol="0" anchor="ctr"/>
+              <a:lstStyle/>
+              <a:p>
+                <a:pPr algn="ctr"/>
+                <a:endParaRPr lang="en-US">
+                  <a:ln w="38100" cmpd="sng">
+                    <a:solidFill>
+                      <a:srgbClr val="000000"/>
+                    </a:solidFill>
+                  </a:ln>
+                </a:endParaRPr>
+              </a:p>
+            </p:txBody>
+          </p:sp>
+        </p:grpSp>
+        <p:grpSp>
+          <p:nvGrpSpPr>
+            <p:cNvPr id="11" name="Grouper 10"/>
+            <p:cNvGrpSpPr/>
+            <p:nvPr/>
+          </p:nvGrpSpPr>
+          <p:grpSpPr>
+            <a:xfrm flipH="1">
+              <a:off x="6494949" y="6943137"/>
+              <a:ext cx="5001192" cy="5001190"/>
+              <a:chOff x="2759620" y="2052934"/>
+              <a:chExt cx="2735998" cy="2735997"/>
+            </a:xfrm>
+          </p:grpSpPr>
+          <p:sp>
+            <p:nvSpPr>
+              <p:cNvPr id="12" name="Arc 11"/>
+              <p:cNvSpPr/>
+              <p:nvPr/>
+            </p:nvSpPr>
+            <p:spPr>
+              <a:xfrm>
+                <a:off x="3119619" y="2340933"/>
+                <a:ext cx="2016000" cy="2159999"/>
+              </a:xfrm>
+              <a:prstGeom prst="arc">
+                <a:avLst>
+                  <a:gd name="adj1" fmla="val 17494394"/>
+                  <a:gd name="adj2" fmla="val 19010120"/>
+                </a:avLst>
+              </a:prstGeom>
+              <a:ln w="38100" cmpd="sng">
+                <a:solidFill>
+                  <a:schemeClr val="accent2"/>
+                </a:solidFill>
+              </a:ln>
+            </p:spPr>
+            <p:style>
+              <a:lnRef idx="2">
+                <a:schemeClr val="accent1"/>
+              </a:lnRef>
+              <a:fillRef idx="0">
+                <a:schemeClr val="accent1"/>
+              </a:fillRef>
+              <a:effectRef idx="1">
+                <a:schemeClr val="accent1"/>
+              </a:effectRef>
+              <a:fontRef idx="minor">
+                <a:schemeClr val="tx1"/>
+              </a:fontRef>
+            </p:style>
+            <p:txBody>
+              <a:bodyPr rtlCol="0" anchor="ctr"/>
+              <a:lstStyle/>
+              <a:p>
+                <a:pPr algn="ctr"/>
+                <a:endParaRPr lang="en-US"/>
+              </a:p>
+            </p:txBody>
+          </p:sp>
+          <p:sp>
+            <p:nvSpPr>
+              <p:cNvPr id="13" name="Arc 12"/>
+              <p:cNvSpPr>
+                <a:spLocks noChangeAspect="1"/>
+              </p:cNvSpPr>
+              <p:nvPr/>
+            </p:nvSpPr>
+            <p:spPr>
+              <a:xfrm>
+                <a:off x="2903620" y="2196933"/>
+                <a:ext cx="2447999" cy="2447998"/>
+              </a:xfrm>
+              <a:prstGeom prst="arc">
+                <a:avLst>
+                  <a:gd name="adj1" fmla="val 17258218"/>
+                  <a:gd name="adj2" fmla="val 19319877"/>
+                </a:avLst>
+              </a:prstGeom>
+              <a:ln w="38100" cmpd="sng">
+                <a:solidFill>
+                  <a:schemeClr val="accent2"/>
+                </a:solidFill>
+              </a:ln>
+            </p:spPr>
+            <p:style>
+              <a:lnRef idx="2">
+                <a:schemeClr val="accent1"/>
+              </a:lnRef>
+              <a:fillRef idx="0">
+                <a:schemeClr val="accent1"/>
+              </a:fillRef>
+              <a:effectRef idx="1">
+                <a:schemeClr val="accent1"/>
+              </a:effectRef>
+              <a:fontRef idx="minor">
+                <a:schemeClr val="tx1"/>
+              </a:fontRef>
+            </p:style>
+            <p:txBody>
+              <a:bodyPr rtlCol="0" anchor="ctr"/>
+              <a:lstStyle/>
+              <a:p>
+                <a:pPr algn="ctr"/>
+                <a:endParaRPr lang="en-US"/>
+              </a:p>
+            </p:txBody>
+          </p:sp>
+          <p:sp>
+            <p:nvSpPr>
+              <p:cNvPr id="14" name="Arc 13"/>
+              <p:cNvSpPr>
+                <a:spLocks noChangeAspect="1"/>
+              </p:cNvSpPr>
+              <p:nvPr/>
+            </p:nvSpPr>
+            <p:spPr>
+              <a:xfrm>
+                <a:off x="2759620" y="2052934"/>
+                <a:ext cx="2735998" cy="2735997"/>
+              </a:xfrm>
+              <a:prstGeom prst="arc">
+                <a:avLst>
+                  <a:gd name="adj1" fmla="val 17058860"/>
+                  <a:gd name="adj2" fmla="val 19569505"/>
+                </a:avLst>
+              </a:prstGeom>
+              <a:ln w="38100" cmpd="sng">
+                <a:solidFill>
+                  <a:schemeClr val="accent2"/>
+                </a:solidFill>
+              </a:ln>
+            </p:spPr>
+            <p:style>
+              <a:lnRef idx="2">
+                <a:schemeClr val="accent1"/>
+              </a:lnRef>
+              <a:fillRef idx="0">
+                <a:schemeClr val="accent1"/>
+              </a:fillRef>
+              <a:effectRef idx="1">
+                <a:schemeClr val="accent1"/>
+              </a:effectRef>
+              <a:fontRef idx="minor">
+                <a:schemeClr val="tx1"/>
+              </a:fontRef>
+            </p:style>
+            <p:txBody>
+              <a:bodyPr rtlCol="0" anchor="ctr"/>
+              <a:lstStyle/>
+              <a:p>
+                <a:pPr algn="ctr"/>
+                <a:endParaRPr lang="en-US">
+                  <a:ln w="38100" cmpd="sng">
+                    <a:solidFill>
+                      <a:srgbClr val="000000"/>
+                    </a:solidFill>
+                  </a:ln>
+                </a:endParaRPr>
+              </a:p>
+            </p:txBody>
+          </p:sp>
+        </p:grpSp>
+      </p:grpSp>
+    </p:spTree>
+    <p:extLst>
+      <p:ext uri="{BB962C8B-B14F-4D97-AF65-F5344CB8AC3E}">
+        <p14:creationId xmlns:p14="http://schemas.microsoft.com/office/powerpoint/2010/main" val="1908434010"/>
+      </p:ext>
+    </p:extLst>
+  </p:cSld>
+  <p:clrMapOvr>
+    <a:masterClrMapping/>
+  </p:clrMapOvr>
+</p:sld>
+</file>
+
+<file path=ppt/slides/slide8.xml><?xml version="1.0" encoding="utf-8"?>
+<p:sld xmlns:a="http://schemas.openxmlformats.org/drawingml/2006/main" xmlns:r="http://schemas.openxmlformats.org/officeDocument/2006/relationships" xmlns:p="http://schemas.openxmlformats.org/presentationml/2006/main">
+  <p:cSld>
+    <p:spTree>
+      <p:nvGrpSpPr>
+        <p:cNvPr id="1" name=""/>
+        <p:cNvGrpSpPr/>
+        <p:nvPr/>
+      </p:nvGrpSpPr>
+      <p:grpSpPr>
+        <a:xfrm>
+          <a:off x="0" y="0"/>
+          <a:ext cx="0" cy="0"/>
+          <a:chOff x="0" y="0"/>
+          <a:chExt cx="0" cy="0"/>
+        </a:xfrm>
+      </p:grpSpPr>
+      <p:sp>
+        <p:nvSpPr>
+          <p:cNvPr id="5" name="Bouée 4"/>
+          <p:cNvSpPr>
+            <a:spLocks noChangeAspect="1"/>
+          </p:cNvSpPr>
+          <p:nvPr/>
+        </p:nvSpPr>
+        <p:spPr>
+          <a:xfrm>
+            <a:off x="1614253" y="1610484"/>
+            <a:ext cx="15228000" cy="15228000"/>
+          </a:xfrm>
+          <a:prstGeom prst="donut">
+            <a:avLst>
+              <a:gd name="adj" fmla="val 30982"/>
+            </a:avLst>
+          </a:prstGeom>
+          <a:solidFill>
+            <a:schemeClr val="bg1"/>
+          </a:solidFill>
+          <a:ln w="76200" cmpd="sng">
+            <a:noFill/>
+          </a:ln>
+        </p:spPr>
+        <p:style>
+          <a:lnRef idx="1">
+            <a:schemeClr val="accent1"/>
+          </a:lnRef>
+          <a:fillRef idx="3">
+            <a:schemeClr val="accent1"/>
+          </a:fillRef>
+          <a:effectRef idx="2">
+            <a:schemeClr val="accent1"/>
+          </a:effectRef>
+          <a:fontRef idx="minor">
+            <a:schemeClr val="lt1"/>
+          </a:fontRef>
+        </p:style>
+        <p:txBody>
+          <a:bodyPr rtlCol="0" anchor="ctr"/>
+          <a:lstStyle/>
+          <a:p>
+            <a:pPr algn="ctr"/>
+            <a:endParaRPr lang="en-US">
+              <a:solidFill>
+                <a:schemeClr val="tx1"/>
+              </a:solidFill>
+            </a:endParaRPr>
+          </a:p>
+        </p:txBody>
+      </p:sp>
+      <p:sp>
+        <p:nvSpPr>
+          <p:cNvPr id="2" name="Rectangle 1"/>
+          <p:cNvSpPr>
+            <a:spLocks noChangeAspect="1"/>
+          </p:cNvSpPr>
+          <p:nvPr/>
+        </p:nvSpPr>
+        <p:spPr>
+          <a:xfrm rot="16200000">
+            <a:off x="3277028" y="3277028"/>
+            <a:ext cx="11879995" cy="11879995"/>
+          </a:xfrm>
+          <a:prstGeom prst="rect">
+            <a:avLst/>
+          </a:prstGeom>
+          <a:noFill/>
+        </p:spPr>
+        <p:txBody>
+          <a:bodyPr wrap="none" lIns="210669" tIns="105334" rIns="210669" bIns="105334">
+            <a:prstTxWarp prst="textCircle">
+              <a:avLst>
+                <a:gd name="adj" fmla="val 10946467"/>
+              </a:avLst>
+            </a:prstTxWarp>
+            <a:spAutoFit/>
+          </a:bodyPr>
+          <a:lstStyle/>
+          <a:p>
+            <a:pPr algn="ctr"/>
+            <a:r>
+              <a:rPr lang="en-US" sz="23900" b="1" cap="small" spc="600" dirty="0" smtClean="0">
+                <a:ln w="12700">
+                  <a:solidFill>
+                    <a:srgbClr val="FFFFFF"/>
+                  </a:solidFill>
+                  <a:prstDash val="solid"/>
+                </a:ln>
+                <a:solidFill>
+                  <a:schemeClr val="accent2"/>
+                </a:solidFill>
+              </a:rPr>
+              <a:t>Time </a:t>
+            </a:r>
+            <a:r>
+              <a:rPr lang="en-US" sz="23900" b="1" cap="small" spc="600" dirty="0" smtClean="0">
+                <a:ln w="12700">
+                  <a:solidFill>
+                    <a:srgbClr val="FFFFFF"/>
+                  </a:solidFill>
+                  <a:prstDash val="solid"/>
+                </a:ln>
+                <a:solidFill>
+                  <a:schemeClr val="accent2"/>
+                </a:solidFill>
+              </a:rPr>
+              <a:t>to respond exceeded</a:t>
+            </a:r>
+            <a:r>
+              <a:rPr lang="en-US" sz="23900" b="1" cap="small" spc="600" dirty="0" smtClean="0">
+                <a:ln w="12700">
+                  <a:solidFill>
+                    <a:srgbClr val="FFFFFF"/>
+                  </a:solidFill>
+                  <a:prstDash val="solid"/>
+                </a:ln>
+                <a:solidFill>
+                  <a:schemeClr val="accent2"/>
+                </a:solidFill>
+              </a:rPr>
+              <a:t>.</a:t>
+            </a:r>
+            <a:endParaRPr lang="en-US" sz="23900" b="1" cap="small" spc="600" dirty="0">
+              <a:ln w="12700">
+                <a:solidFill>
+                  <a:srgbClr val="FFFFFF"/>
+                </a:solidFill>
+                <a:prstDash val="solid"/>
+              </a:ln>
+              <a:solidFill>
+                <a:schemeClr val="accent2"/>
+              </a:solidFill>
+            </a:endParaRPr>
+          </a:p>
+        </p:txBody>
+      </p:sp>
+      <p:sp>
+        <p:nvSpPr>
+          <p:cNvPr id="3" name="Rectangle 2"/>
+          <p:cNvSpPr>
+            <a:spLocks noChangeAspect="1"/>
+          </p:cNvSpPr>
+          <p:nvPr/>
+        </p:nvSpPr>
+        <p:spPr>
+          <a:xfrm rot="16200000">
+            <a:off x="5257022" y="5257026"/>
+            <a:ext cx="7920006" cy="7919999"/>
+          </a:xfrm>
+          <a:prstGeom prst="rect">
+            <a:avLst/>
+          </a:prstGeom>
+          <a:noFill/>
+        </p:spPr>
+        <p:txBody>
+          <a:bodyPr wrap="none" lIns="210669" tIns="105334" rIns="210669" bIns="105334">
+            <a:prstTxWarp prst="textCircle">
+              <a:avLst>
+                <a:gd name="adj" fmla="val 10916975"/>
+              </a:avLst>
+            </a:prstTxWarp>
+            <a:spAutoFit/>
+          </a:bodyPr>
+          <a:lstStyle/>
+          <a:p>
+            <a:pPr algn="ctr"/>
+            <a:r>
+              <a:rPr lang="en-US" sz="13800" b="1" cap="small" spc="300" dirty="0" smtClean="0">
+                <a:ln w="12700">
+                  <a:noFill/>
+                  <a:prstDash val="solid"/>
+                </a:ln>
+                <a:solidFill>
+                  <a:schemeClr val="accent1"/>
+                </a:solidFill>
+                <a:effectLst>
+                  <a:outerShdw blurRad="41275" dist="20320" dir="1800000" algn="tl" rotWithShape="0">
+                    <a:srgbClr val="000000">
+                      <a:alpha val="40000"/>
+                    </a:srgbClr>
+                  </a:outerShdw>
+                </a:effectLst>
+              </a:rPr>
+              <a:t> Press </a:t>
+            </a:r>
+            <a:r>
+              <a:rPr lang="en-US" sz="13800" b="1" cap="small" spc="300" dirty="0">
+                <a:ln w="12700">
+                  <a:noFill/>
+                  <a:prstDash val="solid"/>
+                </a:ln>
+                <a:solidFill>
+                  <a:schemeClr val="accent1"/>
+                </a:solidFill>
+                <a:effectLst>
+                  <a:outerShdw blurRad="41275" dist="20320" dir="1800000" algn="tl" rotWithShape="0">
+                    <a:srgbClr val="000000">
+                      <a:alpha val="40000"/>
+                    </a:srgbClr>
+                  </a:outerShdw>
+                </a:effectLst>
+              </a:rPr>
+              <a:t>a button to continue</a:t>
+            </a:r>
+            <a:r>
+              <a:rPr lang="en-US" sz="13800" b="1" cap="small" spc="300" dirty="0" smtClean="0">
+                <a:ln w="12700">
+                  <a:noFill/>
+                  <a:prstDash val="solid"/>
+                </a:ln>
+                <a:solidFill>
+                  <a:schemeClr val="accent1"/>
+                </a:solidFill>
+                <a:effectLst>
+                  <a:outerShdw blurRad="41275" dist="20320" dir="1800000" algn="tl" rotWithShape="0">
+                    <a:srgbClr val="000000">
+                      <a:alpha val="40000"/>
+                    </a:srgbClr>
+                  </a:outerShdw>
+                </a:effectLst>
+              </a:rPr>
+              <a:t>.</a:t>
+            </a:r>
+            <a:endParaRPr lang="en-US" sz="13800" b="1" cap="small" spc="300" dirty="0">
+              <a:ln w="12700">
+                <a:noFill/>
+                <a:prstDash val="solid"/>
+              </a:ln>
+              <a:solidFill>
+                <a:schemeClr val="accent1"/>
+              </a:solidFill>
+              <a:effectLst>
+                <a:outerShdw blurRad="41275" dist="20320" dir="1800000" algn="tl" rotWithShape="0">
+                  <a:srgbClr val="000000">
+                    <a:alpha val="40000"/>
+                  </a:srgbClr>
+                </a:outerShdw>
+              </a:effectLst>
+            </a:endParaRPr>
+          </a:p>
+        </p:txBody>
+      </p:sp>
+      <p:grpSp>
+        <p:nvGrpSpPr>
+          <p:cNvPr id="6" name="Grouper 5"/>
+          <p:cNvGrpSpPr/>
+          <p:nvPr/>
+        </p:nvGrpSpPr>
+        <p:grpSpPr>
+          <a:xfrm>
+            <a:off x="6758168" y="6943137"/>
+            <a:ext cx="5001192" cy="5044481"/>
+            <a:chOff x="6494949" y="6943137"/>
+            <a:chExt cx="5001192" cy="5044481"/>
+          </a:xfrm>
+        </p:grpSpPr>
+        <p:sp>
+          <p:nvSpPr>
+            <p:cNvPr id="7" name="Ellipse 6"/>
+            <p:cNvSpPr>
+              <a:spLocks noChangeAspect="1"/>
+            </p:cNvSpPr>
+            <p:nvPr/>
+          </p:nvSpPr>
+          <p:spPr>
+            <a:xfrm>
+              <a:off x="7350417" y="7841894"/>
+              <a:ext cx="3290257" cy="3290257"/>
+            </a:xfrm>
+            <a:prstGeom prst="ellipse">
+              <a:avLst/>
+            </a:prstGeom>
+            <a:ln>
+              <a:solidFill>
+                <a:schemeClr val="accent2"/>
+              </a:solidFill>
+            </a:ln>
+            <a:effectLst>
+              <a:outerShdw blurRad="76200" dir="18900000" sy="23000" kx="-1200000" algn="bl" rotWithShape="0">
+                <a:prstClr val="black">
+                  <a:alpha val="20000"/>
+                </a:prstClr>
+              </a:outerShdw>
+            </a:effectLst>
+          </p:spPr>
+          <p:style>
+            <a:lnRef idx="1">
+              <a:schemeClr val="accent1"/>
+            </a:lnRef>
+            <a:fillRef idx="3">
+              <a:schemeClr val="accent1"/>
+            </a:fillRef>
+            <a:effectRef idx="2">
+              <a:schemeClr val="accent1"/>
+            </a:effectRef>
+            <a:fontRef idx="minor">
+              <a:schemeClr val="lt1"/>
+            </a:fontRef>
+          </p:style>
+          <p:txBody>
+            <a:bodyPr rtlCol="0" anchor="ctr"/>
+            <a:lstStyle/>
+            <a:p>
+              <a:pPr algn="ctr"/>
+              <a:endParaRPr lang="en-US"/>
+            </a:p>
+          </p:txBody>
+        </p:sp>
+        <p:sp>
+          <p:nvSpPr>
+            <p:cNvPr id="8" name="Secteurs 7"/>
+            <p:cNvSpPr>
+              <a:spLocks noChangeAspect="1"/>
+            </p:cNvSpPr>
+            <p:nvPr/>
+          </p:nvSpPr>
+          <p:spPr>
+            <a:xfrm>
+              <a:off x="7371136" y="7841899"/>
+              <a:ext cx="3248819" cy="3290246"/>
+            </a:xfrm>
+            <a:prstGeom prst="pie">
+              <a:avLst>
+                <a:gd name="adj1" fmla="val 17697688"/>
+                <a:gd name="adj2" fmla="val 16200000"/>
+              </a:avLst>
+            </a:prstGeom>
+            <a:solidFill>
+              <a:srgbClr val="FFFFFF"/>
+            </a:solidFill>
+            <a:ln>
+              <a:solidFill>
+                <a:schemeClr val="accent2"/>
+              </a:solidFill>
+            </a:ln>
+          </p:spPr>
+          <p:style>
+            <a:lnRef idx="1">
+              <a:schemeClr val="accent1"/>
+            </a:lnRef>
+            <a:fillRef idx="3">
+              <a:schemeClr val="accent1"/>
+            </a:fillRef>
+            <a:effectRef idx="2">
+              <a:schemeClr val="accent1"/>
+            </a:effectRef>
+            <a:fontRef idx="minor">
+              <a:schemeClr val="lt1"/>
+            </a:fontRef>
+          </p:style>
+          <p:txBody>
+            <a:bodyPr rtlCol="0" anchor="ctr"/>
+            <a:lstStyle/>
+            <a:p>
+              <a:pPr algn="ctr"/>
+              <a:endParaRPr lang="en-US">
+                <a:solidFill>
+                  <a:schemeClr val="tx1"/>
+                </a:solidFill>
+              </a:endParaRPr>
+            </a:p>
+          </p:txBody>
+        </p:sp>
+        <p:cxnSp>
+          <p:nvCxnSpPr>
+            <p:cNvPr id="9" name="Connecteur droit avec flèche 8"/>
+            <p:cNvCxnSpPr>
+              <a:endCxn id="7" idx="0"/>
+            </p:cNvCxnSpPr>
+            <p:nvPr/>
+          </p:nvCxnSpPr>
+          <p:spPr>
+            <a:xfrm flipV="1">
+              <a:off x="8995545" y="7841894"/>
+              <a:ext cx="0" cy="1601840"/>
+            </a:xfrm>
+            <a:prstGeom prst="straightConnector1">
+              <a:avLst/>
+            </a:prstGeom>
+            <a:ln w="57150" cmpd="sng">
+              <a:solidFill>
+                <a:schemeClr val="accent2"/>
+              </a:solidFill>
+              <a:tailEnd type="arrow"/>
+            </a:ln>
+          </p:spPr>
+          <p:style>
+            <a:lnRef idx="2">
+              <a:schemeClr val="accent1"/>
+            </a:lnRef>
+            <a:fillRef idx="0">
+              <a:schemeClr val="accent1"/>
+            </a:fillRef>
+            <a:effectRef idx="1">
+              <a:schemeClr val="accent1"/>
+            </a:effectRef>
+            <a:fontRef idx="minor">
+              <a:schemeClr val="tx1"/>
+            </a:fontRef>
+          </p:style>
+        </p:cxnSp>
+        <p:grpSp>
+          <p:nvGrpSpPr>
+            <p:cNvPr id="10" name="Grouper 9"/>
+            <p:cNvGrpSpPr/>
+            <p:nvPr/>
+          </p:nvGrpSpPr>
+          <p:grpSpPr>
+            <a:xfrm>
+              <a:off x="6494949" y="6986428"/>
+              <a:ext cx="5001192" cy="5001190"/>
+              <a:chOff x="2759620" y="2052934"/>
+              <a:chExt cx="2735998" cy="2735997"/>
+            </a:xfrm>
+          </p:grpSpPr>
+          <p:sp>
+            <p:nvSpPr>
+              <p:cNvPr id="15" name="Arc 14"/>
+              <p:cNvSpPr/>
+              <p:nvPr/>
+            </p:nvSpPr>
+            <p:spPr>
+              <a:xfrm>
+                <a:off x="3119619" y="2340933"/>
+                <a:ext cx="2016000" cy="2159999"/>
+              </a:xfrm>
+              <a:prstGeom prst="arc">
+                <a:avLst>
+                  <a:gd name="adj1" fmla="val 17494394"/>
+                  <a:gd name="adj2" fmla="val 19010120"/>
+                </a:avLst>
+              </a:prstGeom>
+              <a:ln w="38100" cmpd="sng">
+                <a:solidFill>
+                  <a:schemeClr val="accent2"/>
+                </a:solidFill>
+              </a:ln>
+            </p:spPr>
+            <p:style>
+              <a:lnRef idx="2">
+                <a:schemeClr val="accent1"/>
+              </a:lnRef>
+              <a:fillRef idx="0">
+                <a:schemeClr val="accent1"/>
+              </a:fillRef>
+              <a:effectRef idx="1">
+                <a:schemeClr val="accent1"/>
+              </a:effectRef>
+              <a:fontRef idx="minor">
+                <a:schemeClr val="tx1"/>
+              </a:fontRef>
+            </p:style>
+            <p:txBody>
+              <a:bodyPr rtlCol="0" anchor="ctr"/>
+              <a:lstStyle/>
+              <a:p>
+                <a:pPr algn="ctr"/>
+                <a:endParaRPr lang="en-US"/>
+              </a:p>
+            </p:txBody>
+          </p:sp>
+          <p:sp>
+            <p:nvSpPr>
+              <p:cNvPr id="16" name="Arc 15"/>
+              <p:cNvSpPr>
+                <a:spLocks noChangeAspect="1"/>
+              </p:cNvSpPr>
+              <p:nvPr/>
+            </p:nvSpPr>
+            <p:spPr>
+              <a:xfrm>
+                <a:off x="2903620" y="2196933"/>
+                <a:ext cx="2447999" cy="2447998"/>
+              </a:xfrm>
+              <a:prstGeom prst="arc">
+                <a:avLst>
+                  <a:gd name="adj1" fmla="val 17258218"/>
+                  <a:gd name="adj2" fmla="val 19319877"/>
+                </a:avLst>
+              </a:prstGeom>
+              <a:ln w="38100" cmpd="sng">
+                <a:solidFill>
+                  <a:schemeClr val="accent2"/>
+                </a:solidFill>
+              </a:ln>
+            </p:spPr>
+            <p:style>
+              <a:lnRef idx="2">
+                <a:schemeClr val="accent1"/>
+              </a:lnRef>
+              <a:fillRef idx="0">
+                <a:schemeClr val="accent1"/>
+              </a:fillRef>
+              <a:effectRef idx="1">
+                <a:schemeClr val="accent1"/>
+              </a:effectRef>
+              <a:fontRef idx="minor">
+                <a:schemeClr val="tx1"/>
+              </a:fontRef>
+            </p:style>
+            <p:txBody>
+              <a:bodyPr rtlCol="0" anchor="ctr"/>
+              <a:lstStyle/>
+              <a:p>
+                <a:pPr algn="ctr"/>
+                <a:endParaRPr lang="en-US"/>
+              </a:p>
+            </p:txBody>
+          </p:sp>
+          <p:sp>
+            <p:nvSpPr>
+              <p:cNvPr id="17" name="Arc 16"/>
+              <p:cNvSpPr>
+                <a:spLocks noChangeAspect="1"/>
+              </p:cNvSpPr>
+              <p:nvPr/>
+            </p:nvSpPr>
+            <p:spPr>
+              <a:xfrm>
+                <a:off x="2759620" y="2052934"/>
+                <a:ext cx="2735998" cy="2735997"/>
+              </a:xfrm>
+              <a:prstGeom prst="arc">
+                <a:avLst>
+                  <a:gd name="adj1" fmla="val 17058860"/>
+                  <a:gd name="adj2" fmla="val 19569505"/>
+                </a:avLst>
+              </a:prstGeom>
+              <a:ln w="38100" cmpd="sng">
+                <a:solidFill>
+                  <a:schemeClr val="accent2"/>
+                </a:solidFill>
+              </a:ln>
+            </p:spPr>
+            <p:style>
+              <a:lnRef idx="2">
+                <a:schemeClr val="accent1"/>
+              </a:lnRef>
+              <a:fillRef idx="0">
+                <a:schemeClr val="accent1"/>
+              </a:fillRef>
+              <a:effectRef idx="1">
+                <a:schemeClr val="accent1"/>
+              </a:effectRef>
+              <a:fontRef idx="minor">
+                <a:schemeClr val="tx1"/>
+              </a:fontRef>
+            </p:style>
+            <p:txBody>
+              <a:bodyPr rtlCol="0" anchor="ctr"/>
+              <a:lstStyle/>
+              <a:p>
+                <a:pPr algn="ctr"/>
+                <a:endParaRPr lang="en-US">
+                  <a:ln w="38100" cmpd="sng">
+                    <a:solidFill>
+                      <a:srgbClr val="000000"/>
+                    </a:solidFill>
+                  </a:ln>
+                </a:endParaRPr>
+              </a:p>
+            </p:txBody>
+          </p:sp>
+        </p:grpSp>
+        <p:grpSp>
+          <p:nvGrpSpPr>
+            <p:cNvPr id="11" name="Grouper 10"/>
+            <p:cNvGrpSpPr/>
+            <p:nvPr/>
+          </p:nvGrpSpPr>
+          <p:grpSpPr>
+            <a:xfrm flipH="1">
+              <a:off x="6494949" y="6943137"/>
+              <a:ext cx="5001192" cy="5001190"/>
+              <a:chOff x="2759620" y="2052934"/>
+              <a:chExt cx="2735998" cy="2735997"/>
+            </a:xfrm>
+          </p:grpSpPr>
+          <p:sp>
+            <p:nvSpPr>
+              <p:cNvPr id="12" name="Arc 11"/>
+              <p:cNvSpPr/>
+              <p:nvPr/>
+            </p:nvSpPr>
+            <p:spPr>
+              <a:xfrm>
+                <a:off x="3119619" y="2340933"/>
+                <a:ext cx="2016000" cy="2159999"/>
+              </a:xfrm>
+              <a:prstGeom prst="arc">
+                <a:avLst>
+                  <a:gd name="adj1" fmla="val 17494394"/>
+                  <a:gd name="adj2" fmla="val 19010120"/>
+                </a:avLst>
+              </a:prstGeom>
+              <a:ln w="38100" cmpd="sng">
+                <a:solidFill>
+                  <a:schemeClr val="accent2"/>
+                </a:solidFill>
+              </a:ln>
+            </p:spPr>
+            <p:style>
+              <a:lnRef idx="2">
+                <a:schemeClr val="accent1"/>
+              </a:lnRef>
+              <a:fillRef idx="0">
+                <a:schemeClr val="accent1"/>
+              </a:fillRef>
+              <a:effectRef idx="1">
+                <a:schemeClr val="accent1"/>
+              </a:effectRef>
+              <a:fontRef idx="minor">
+                <a:schemeClr val="tx1"/>
+              </a:fontRef>
+            </p:style>
+            <p:txBody>
+              <a:bodyPr rtlCol="0" anchor="ctr"/>
+              <a:lstStyle/>
+              <a:p>
+                <a:pPr algn="ctr"/>
+                <a:endParaRPr lang="en-US"/>
+              </a:p>
+            </p:txBody>
+          </p:sp>
+          <p:sp>
+            <p:nvSpPr>
+              <p:cNvPr id="13" name="Arc 12"/>
+              <p:cNvSpPr>
+                <a:spLocks noChangeAspect="1"/>
+              </p:cNvSpPr>
+              <p:nvPr/>
+            </p:nvSpPr>
+            <p:spPr>
+              <a:xfrm>
+                <a:off x="2903620" y="2196933"/>
+                <a:ext cx="2447999" cy="2447998"/>
+              </a:xfrm>
+              <a:prstGeom prst="arc">
+                <a:avLst>
+                  <a:gd name="adj1" fmla="val 17258218"/>
+                  <a:gd name="adj2" fmla="val 19319877"/>
+                </a:avLst>
+              </a:prstGeom>
+              <a:ln w="38100" cmpd="sng">
+                <a:solidFill>
+                  <a:schemeClr val="accent2"/>
+                </a:solidFill>
+              </a:ln>
+            </p:spPr>
+            <p:style>
+              <a:lnRef idx="2">
+                <a:schemeClr val="accent1"/>
+              </a:lnRef>
+              <a:fillRef idx="0">
+                <a:schemeClr val="accent1"/>
+              </a:fillRef>
+              <a:effectRef idx="1">
+                <a:schemeClr val="accent1"/>
+              </a:effectRef>
+              <a:fontRef idx="minor">
+                <a:schemeClr val="tx1"/>
+              </a:fontRef>
+            </p:style>
+            <p:txBody>
+              <a:bodyPr rtlCol="0" anchor="ctr"/>
+              <a:lstStyle/>
+              <a:p>
+                <a:pPr algn="ctr"/>
+                <a:endParaRPr lang="en-US"/>
+              </a:p>
+            </p:txBody>
+          </p:sp>
+          <p:sp>
+            <p:nvSpPr>
+              <p:cNvPr id="14" name="Arc 13"/>
+              <p:cNvSpPr>
+                <a:spLocks noChangeAspect="1"/>
+              </p:cNvSpPr>
+              <p:nvPr/>
+            </p:nvSpPr>
+            <p:spPr>
+              <a:xfrm>
+                <a:off x="2759620" y="2052934"/>
+                <a:ext cx="2735998" cy="2735997"/>
+              </a:xfrm>
+              <a:prstGeom prst="arc">
+                <a:avLst>
+                  <a:gd name="adj1" fmla="val 17058860"/>
+                  <a:gd name="adj2" fmla="val 19569505"/>
+                </a:avLst>
+              </a:prstGeom>
+              <a:ln w="38100" cmpd="sng">
+                <a:solidFill>
+                  <a:schemeClr val="accent2"/>
+                </a:solidFill>
+              </a:ln>
+            </p:spPr>
+            <p:style>
+              <a:lnRef idx="2">
+                <a:schemeClr val="accent1"/>
+              </a:lnRef>
+              <a:fillRef idx="0">
+                <a:schemeClr val="accent1"/>
+              </a:fillRef>
+              <a:effectRef idx="1">
+                <a:schemeClr val="accent1"/>
+              </a:effectRef>
+              <a:fontRef idx="minor">
+                <a:schemeClr val="tx1"/>
+              </a:fontRef>
+            </p:style>
+            <p:txBody>
+              <a:bodyPr rtlCol="0" anchor="ctr"/>
+              <a:lstStyle/>
+              <a:p>
+                <a:pPr algn="ctr"/>
+                <a:endParaRPr lang="en-US">
+                  <a:ln w="38100" cmpd="sng">
+                    <a:solidFill>
+                      <a:srgbClr val="000000"/>
+                    </a:solidFill>
+                  </a:ln>
+                </a:endParaRPr>
+              </a:p>
+            </p:txBody>
+          </p:sp>
+        </p:grpSp>
+      </p:grpSp>
+    </p:spTree>
+    <p:extLst>
+      <p:ext uri="{BB962C8B-B14F-4D97-AF65-F5344CB8AC3E}">
+        <p14:creationId xmlns:p14="http://schemas.microsoft.com/office/powerpoint/2010/main" val="1908434010"/>
       </p:ext>
     </p:extLst>
   </p:cSld>

--- a/Source Code/GraspBMPs/GraspCircularPrompts.pptx
+++ b/Source Code/GraspBMPs/GraspCircularPrompts.pptx
@@ -295,7 +295,7 @@
           <a:p>
             <a:fld id="{649FEDF0-7D14-9E44-B4F2-968D163D1479}" type="datetimeFigureOut">
               <a:rPr lang="fr-FR" smtClean="0"/>
-              <a:t>7/2/16</a:t>
+              <a:t>7/3/16</a:t>
             </a:fld>
             <a:endParaRPr lang="en-US"/>
           </a:p>
@@ -465,7 +465,7 @@
           <a:p>
             <a:fld id="{649FEDF0-7D14-9E44-B4F2-968D163D1479}" type="datetimeFigureOut">
               <a:rPr lang="fr-FR" smtClean="0"/>
-              <a:t>7/2/16</a:t>
+              <a:t>7/3/16</a:t>
             </a:fld>
             <a:endParaRPr lang="en-US"/>
           </a:p>
@@ -645,7 +645,7 @@
           <a:p>
             <a:fld id="{649FEDF0-7D14-9E44-B4F2-968D163D1479}" type="datetimeFigureOut">
               <a:rPr lang="fr-FR" smtClean="0"/>
-              <a:t>7/2/16</a:t>
+              <a:t>7/3/16</a:t>
             </a:fld>
             <a:endParaRPr lang="en-US"/>
           </a:p>
@@ -815,7 +815,7 @@
           <a:p>
             <a:fld id="{649FEDF0-7D14-9E44-B4F2-968D163D1479}" type="datetimeFigureOut">
               <a:rPr lang="fr-FR" smtClean="0"/>
-              <a:t>7/2/16</a:t>
+              <a:t>7/3/16</a:t>
             </a:fld>
             <a:endParaRPr lang="en-US"/>
           </a:p>
@@ -1061,7 +1061,7 @@
           <a:p>
             <a:fld id="{649FEDF0-7D14-9E44-B4F2-968D163D1479}" type="datetimeFigureOut">
               <a:rPr lang="fr-FR" smtClean="0"/>
-              <a:t>7/2/16</a:t>
+              <a:t>7/3/16</a:t>
             </a:fld>
             <a:endParaRPr lang="en-US"/>
           </a:p>
@@ -1349,7 +1349,7 @@
           <a:p>
             <a:fld id="{649FEDF0-7D14-9E44-B4F2-968D163D1479}" type="datetimeFigureOut">
               <a:rPr lang="fr-FR" smtClean="0"/>
-              <a:t>7/2/16</a:t>
+              <a:t>7/3/16</a:t>
             </a:fld>
             <a:endParaRPr lang="en-US"/>
           </a:p>
@@ -1771,7 +1771,7 @@
           <a:p>
             <a:fld id="{649FEDF0-7D14-9E44-B4F2-968D163D1479}" type="datetimeFigureOut">
               <a:rPr lang="fr-FR" smtClean="0"/>
-              <a:t>7/2/16</a:t>
+              <a:t>7/3/16</a:t>
             </a:fld>
             <a:endParaRPr lang="en-US"/>
           </a:p>
@@ -1889,7 +1889,7 @@
           <a:p>
             <a:fld id="{649FEDF0-7D14-9E44-B4F2-968D163D1479}" type="datetimeFigureOut">
               <a:rPr lang="fr-FR" smtClean="0"/>
-              <a:t>7/2/16</a:t>
+              <a:t>7/3/16</a:t>
             </a:fld>
             <a:endParaRPr lang="en-US"/>
           </a:p>
@@ -1984,7 +1984,7 @@
           <a:p>
             <a:fld id="{649FEDF0-7D14-9E44-B4F2-968D163D1479}" type="datetimeFigureOut">
               <a:rPr lang="fr-FR" smtClean="0"/>
-              <a:t>7/2/16</a:t>
+              <a:t>7/3/16</a:t>
             </a:fld>
             <a:endParaRPr lang="en-US"/>
           </a:p>
@@ -2029,6 +2029,54 @@
               <a:t>‹#›</a:t>
             </a:fld>
             <a:endParaRPr lang="en-US"/>
+          </a:p>
+        </p:txBody>
+      </p:sp>
+      <p:sp>
+        <p:nvSpPr>
+          <p:cNvPr id="5" name="Ellipse 4"/>
+          <p:cNvSpPr/>
+          <p:nvPr userDrawn="1"/>
+        </p:nvSpPr>
+        <p:spPr>
+          <a:xfrm>
+            <a:off x="0" y="0"/>
+            <a:ext cx="18434050" cy="18434050"/>
+          </a:xfrm>
+          <a:prstGeom prst="ellipse">
+            <a:avLst/>
+          </a:prstGeom>
+          <a:solidFill>
+            <a:schemeClr val="accent1"/>
+          </a:solidFill>
+          <a:ln>
+            <a:noFill/>
+          </a:ln>
+        </p:spPr>
+        <p:style>
+          <a:lnRef idx="1">
+            <a:schemeClr val="accent1"/>
+          </a:lnRef>
+          <a:fillRef idx="3">
+            <a:schemeClr val="accent1"/>
+          </a:fillRef>
+          <a:effectRef idx="2">
+            <a:schemeClr val="accent1"/>
+          </a:effectRef>
+          <a:fontRef idx="minor">
+            <a:schemeClr val="lt1"/>
+          </a:fontRef>
+        </p:style>
+        <p:txBody>
+          <a:bodyPr rtlCol="0" anchor="ctr"/>
+          <a:lstStyle/>
+          <a:p>
+            <a:pPr algn="ctr"/>
+            <a:endParaRPr lang="en-US" dirty="0" smtClean="0"/>
+          </a:p>
+          <a:p>
+            <a:pPr algn="ctr"/>
+            <a:endParaRPr lang="en-US" dirty="0"/>
           </a:p>
         </p:txBody>
       </p:sp>
@@ -2261,7 +2309,7 @@
           <a:p>
             <a:fld id="{649FEDF0-7D14-9E44-B4F2-968D163D1479}" type="datetimeFigureOut">
               <a:rPr lang="fr-FR" smtClean="0"/>
-              <a:t>7/2/16</a:t>
+              <a:t>7/3/16</a:t>
             </a:fld>
             <a:endParaRPr lang="en-US"/>
           </a:p>
@@ -2514,7 +2562,7 @@
           <a:p>
             <a:fld id="{649FEDF0-7D14-9E44-B4F2-968D163D1479}" type="datetimeFigureOut">
               <a:rPr lang="fr-FR" smtClean="0"/>
-              <a:t>7/2/16</a:t>
+              <a:t>7/3/16</a:t>
             </a:fld>
             <a:endParaRPr lang="en-US"/>
           </a:p>
@@ -2581,7 +2629,7 @@
     <p:bg>
       <p:bgPr>
         <a:solidFill>
-          <a:schemeClr val="accent1"/>
+          <a:schemeClr val="bg1"/>
         </a:solidFill>
         <a:effectLst/>
       </p:bgPr>
@@ -2730,7 +2778,7 @@
           <a:p>
             <a:fld id="{649FEDF0-7D14-9E44-B4F2-968D163D1479}" type="datetimeFigureOut">
               <a:rPr lang="fr-FR" smtClean="0"/>
-              <a:t>7/2/16</a:t>
+              <a:t>7/3/16</a:t>
             </a:fld>
             <a:endParaRPr lang="en-US"/>
           </a:p>
@@ -2811,6 +2859,54 @@
               <a:t>‹#›</a:t>
             </a:fld>
             <a:endParaRPr lang="en-US"/>
+          </a:p>
+        </p:txBody>
+      </p:sp>
+      <p:sp>
+        <p:nvSpPr>
+          <p:cNvPr id="7" name="Ellipse 6"/>
+          <p:cNvSpPr/>
+          <p:nvPr userDrawn="1"/>
+        </p:nvSpPr>
+        <p:spPr>
+          <a:xfrm>
+            <a:off x="0" y="0"/>
+            <a:ext cx="18434050" cy="18434050"/>
+          </a:xfrm>
+          <a:prstGeom prst="ellipse">
+            <a:avLst/>
+          </a:prstGeom>
+          <a:solidFill>
+            <a:schemeClr val="accent1"/>
+          </a:solidFill>
+          <a:ln>
+            <a:noFill/>
+          </a:ln>
+        </p:spPr>
+        <p:style>
+          <a:lnRef idx="1">
+            <a:schemeClr val="accent1"/>
+          </a:lnRef>
+          <a:fillRef idx="3">
+            <a:schemeClr val="accent1"/>
+          </a:fillRef>
+          <a:effectRef idx="2">
+            <a:schemeClr val="accent1"/>
+          </a:effectRef>
+          <a:fontRef idx="minor">
+            <a:schemeClr val="lt1"/>
+          </a:fontRef>
+        </p:style>
+        <p:txBody>
+          <a:bodyPr rtlCol="0" anchor="ctr"/>
+          <a:lstStyle/>
+          <a:p>
+            <a:pPr algn="ctr"/>
+            <a:endParaRPr lang="en-US" dirty="0" smtClean="0"/>
+          </a:p>
+          <a:p>
+            <a:pPr algn="ctr"/>
+            <a:endParaRPr lang="en-US" dirty="0"/>
           </a:p>
         </p:txBody>
       </p:sp>
@@ -3661,21 +3757,7 @@
                   <a:schemeClr val="accent2"/>
                 </a:solidFill>
               </a:rPr>
-              <a:t>Head tilt </a:t>
-            </a:r>
-            <a:r>
-              <a:rPr lang="en-US" sz="23900" b="1" cap="small" spc="600" dirty="0" smtClean="0">
-                <a:ln w="12700">
-                  <a:solidFill>
-                    <a:srgbClr val="FFFFFF"/>
-                  </a:solidFill>
-                  <a:prstDash val="solid"/>
-                </a:ln>
-                <a:solidFill>
-                  <a:schemeClr val="accent2"/>
-                </a:solidFill>
-              </a:rPr>
-              <a:t>not maintained.</a:t>
+              <a:t>Head tilt not maintained.</a:t>
             </a:r>
             <a:endParaRPr lang="en-US" sz="23900" b="1" cap="small" spc="600" dirty="0">
               <a:ln w="12700">
@@ -4653,21 +4735,7 @@
                   <a:schemeClr val="accent2"/>
                 </a:solidFill>
               </a:rPr>
-              <a:t>Failed to lower </a:t>
-            </a:r>
-            <a:r>
-              <a:rPr lang="en-US" sz="23900" b="1" cap="small" spc="600" dirty="0" smtClean="0">
-                <a:ln w="12700">
-                  <a:solidFill>
-                    <a:srgbClr val="FFFFFF"/>
-                  </a:solidFill>
-                  <a:prstDash val="solid"/>
-                </a:ln>
-                <a:solidFill>
-                  <a:schemeClr val="accent2"/>
-                </a:solidFill>
-              </a:rPr>
-              <a:t>arm in time.</a:t>
+              <a:t>Failed to lower arm in time.</a:t>
             </a:r>
             <a:endParaRPr lang="en-US" sz="23900" b="1" cap="small" spc="600" dirty="0">
               <a:ln w="12700">
@@ -5399,21 +5467,7 @@
                   <a:schemeClr val="accent2"/>
                 </a:solidFill>
               </a:rPr>
-              <a:t>Failed to </a:t>
-            </a:r>
-            <a:r>
-              <a:rPr lang="en-US" sz="23900" b="1" cap="small" spc="600" dirty="0" smtClean="0">
-                <a:ln w="12700">
-                  <a:solidFill>
-                    <a:srgbClr val="FFFFFF"/>
-                  </a:solidFill>
-                  <a:prstDash val="solid"/>
-                </a:ln>
-                <a:solidFill>
-                  <a:schemeClr val="accent2"/>
-                </a:solidFill>
-              </a:rPr>
-              <a:t>Raise arm in time.</a:t>
+              <a:t>Failed to Raise arm in time.</a:t>
             </a:r>
             <a:endParaRPr lang="en-US" sz="23900" b="1" cap="small" spc="600" dirty="0">
               <a:ln w="12700">
@@ -6145,49 +6199,7 @@
                   <a:schemeClr val="accent2"/>
                 </a:solidFill>
               </a:rPr>
-              <a:t>Time </a:t>
-            </a:r>
-            <a:r>
-              <a:rPr lang="en-US" sz="23900" b="1" cap="small" spc="600" dirty="0" smtClean="0">
-                <a:ln w="12700">
-                  <a:solidFill>
-                    <a:srgbClr val="FFFFFF"/>
-                  </a:solidFill>
-                  <a:prstDash val="solid"/>
-                </a:ln>
-                <a:solidFill>
-                  <a:schemeClr val="accent2"/>
-                </a:solidFill>
-              </a:rPr>
-              <a:t>to tilt head</a:t>
-            </a:r>
-            <a:r>
-              <a:rPr lang="en-US" sz="23900" b="1" cap="small" spc="600" dirty="0" smtClean="0">
-                <a:ln w="12700">
-                  <a:solidFill>
-                    <a:srgbClr val="FFFFFF"/>
-                  </a:solidFill>
-                  <a:prstDash val="solid"/>
-                </a:ln>
-                <a:solidFill>
-                  <a:schemeClr val="accent2"/>
-                </a:solidFill>
-              </a:rPr>
-              <a:t> </a:t>
-            </a:r>
-            <a:r>
-              <a:rPr lang="en-US" sz="23900" b="1" cap="small" spc="600" dirty="0" smtClean="0">
-                <a:ln w="12700">
-                  <a:solidFill>
-                    <a:srgbClr val="FFFFFF"/>
-                  </a:solidFill>
-                  <a:prstDash val="solid"/>
-                </a:ln>
-                <a:solidFill>
-                  <a:schemeClr val="accent2"/>
-                </a:solidFill>
-              </a:rPr>
-              <a:t>exceeded.</a:t>
+              <a:t>Time to tilt head exceeded.</a:t>
             </a:r>
             <a:endParaRPr lang="en-US" sz="23900" b="1" cap="small" spc="600" dirty="0">
               <a:ln w="12700">
@@ -6919,35 +6931,7 @@
                   <a:schemeClr val="accent2"/>
                 </a:solidFill>
               </a:rPr>
-              <a:t>Time </a:t>
-            </a:r>
-            <a:r>
-              <a:rPr lang="en-US" sz="23900" b="1" cap="small" spc="600" dirty="0" smtClean="0">
-                <a:ln w="12700">
-                  <a:solidFill>
-                    <a:srgbClr val="FFFFFF"/>
-                  </a:solidFill>
-                  <a:prstDash val="solid"/>
-                </a:ln>
-                <a:solidFill>
-                  <a:schemeClr val="accent2"/>
-                </a:solidFill>
-              </a:rPr>
-              <a:t>to respond exceeded</a:t>
-            </a:r>
-            <a:r>
-              <a:rPr lang="en-US" sz="23900" b="1" cap="small" spc="600" dirty="0" smtClean="0">
-                <a:ln w="12700">
-                  <a:solidFill>
-                    <a:srgbClr val="FFFFFF"/>
-                  </a:solidFill>
-                  <a:prstDash val="solid"/>
-                </a:ln>
-                <a:solidFill>
-                  <a:schemeClr val="accent2"/>
-                </a:solidFill>
-              </a:rPr>
-              <a:t>.</a:t>
+              <a:t>Time to respond exceeded.</a:t>
             </a:r>
             <a:endParaRPr lang="en-US" sz="23900" b="1" cap="small" spc="600" dirty="0">
               <a:ln w="12700">

--- a/Source Code/GraspBMPs/GraspCircularPrompts.pptx
+++ b/Source Code/GraspBMPs/GraspCircularPrompts.pptx
@@ -5,14 +5,17 @@
     <p:sldMasterId id="2147483648" r:id="rId1"/>
   </p:sldMasterIdLst>
   <p:sldIdLst>
-    <p:sldId id="263" r:id="rId2"/>
-    <p:sldId id="268" r:id="rId3"/>
-    <p:sldId id="269" r:id="rId4"/>
-    <p:sldId id="270" r:id="rId5"/>
+    <p:sldId id="275" r:id="rId2"/>
+    <p:sldId id="263" r:id="rId3"/>
+    <p:sldId id="268" r:id="rId4"/>
+    <p:sldId id="276" r:id="rId5"/>
     <p:sldId id="271" r:id="rId6"/>
-    <p:sldId id="272" r:id="rId7"/>
-    <p:sldId id="273" r:id="rId8"/>
-    <p:sldId id="274" r:id="rId9"/>
+    <p:sldId id="277" r:id="rId7"/>
+    <p:sldId id="272" r:id="rId8"/>
+    <p:sldId id="269" r:id="rId9"/>
+    <p:sldId id="273" r:id="rId10"/>
+    <p:sldId id="274" r:id="rId11"/>
+    <p:sldId id="270" r:id="rId12"/>
   </p:sldIdLst>
   <p:sldSz cx="18434050" cy="18434050"/>
   <p:notesSz cx="6858000" cy="9144000"/>
@@ -295,7 +298,7 @@
           <a:p>
             <a:fld id="{649FEDF0-7D14-9E44-B4F2-968D163D1479}" type="datetimeFigureOut">
               <a:rPr lang="fr-FR" smtClean="0"/>
-              <a:t>7/3/16</a:t>
+              <a:t>30/07/16</a:t>
             </a:fld>
             <a:endParaRPr lang="en-US"/>
           </a:p>
@@ -465,7 +468,7 @@
           <a:p>
             <a:fld id="{649FEDF0-7D14-9E44-B4F2-968D163D1479}" type="datetimeFigureOut">
               <a:rPr lang="fr-FR" smtClean="0"/>
-              <a:t>7/3/16</a:t>
+              <a:t>30/07/16</a:t>
             </a:fld>
             <a:endParaRPr lang="en-US"/>
           </a:p>
@@ -645,7 +648,7 @@
           <a:p>
             <a:fld id="{649FEDF0-7D14-9E44-B4F2-968D163D1479}" type="datetimeFigureOut">
               <a:rPr lang="fr-FR" smtClean="0"/>
-              <a:t>7/3/16</a:t>
+              <a:t>30/07/16</a:t>
             </a:fld>
             <a:endParaRPr lang="en-US"/>
           </a:p>
@@ -815,7 +818,7 @@
           <a:p>
             <a:fld id="{649FEDF0-7D14-9E44-B4F2-968D163D1479}" type="datetimeFigureOut">
               <a:rPr lang="fr-FR" smtClean="0"/>
-              <a:t>7/3/16</a:t>
+              <a:t>30/07/16</a:t>
             </a:fld>
             <a:endParaRPr lang="en-US"/>
           </a:p>
@@ -1061,7 +1064,7 @@
           <a:p>
             <a:fld id="{649FEDF0-7D14-9E44-B4F2-968D163D1479}" type="datetimeFigureOut">
               <a:rPr lang="fr-FR" smtClean="0"/>
-              <a:t>7/3/16</a:t>
+              <a:t>30/07/16</a:t>
             </a:fld>
             <a:endParaRPr lang="en-US"/>
           </a:p>
@@ -1349,7 +1352,7 @@
           <a:p>
             <a:fld id="{649FEDF0-7D14-9E44-B4F2-968D163D1479}" type="datetimeFigureOut">
               <a:rPr lang="fr-FR" smtClean="0"/>
-              <a:t>7/3/16</a:t>
+              <a:t>30/07/16</a:t>
             </a:fld>
             <a:endParaRPr lang="en-US"/>
           </a:p>
@@ -1771,7 +1774,7 @@
           <a:p>
             <a:fld id="{649FEDF0-7D14-9E44-B4F2-968D163D1479}" type="datetimeFigureOut">
               <a:rPr lang="fr-FR" smtClean="0"/>
-              <a:t>7/3/16</a:t>
+              <a:t>30/07/16</a:t>
             </a:fld>
             <a:endParaRPr lang="en-US"/>
           </a:p>
@@ -1889,7 +1892,7 @@
           <a:p>
             <a:fld id="{649FEDF0-7D14-9E44-B4F2-968D163D1479}" type="datetimeFigureOut">
               <a:rPr lang="fr-FR" smtClean="0"/>
-              <a:t>7/3/16</a:t>
+              <a:t>30/07/16</a:t>
             </a:fld>
             <a:endParaRPr lang="en-US"/>
           </a:p>
@@ -1984,7 +1987,7 @@
           <a:p>
             <a:fld id="{649FEDF0-7D14-9E44-B4F2-968D163D1479}" type="datetimeFigureOut">
               <a:rPr lang="fr-FR" smtClean="0"/>
-              <a:t>7/3/16</a:t>
+              <a:t>30/07/16</a:t>
             </a:fld>
             <a:endParaRPr lang="en-US"/>
           </a:p>
@@ -2309,7 +2312,7 @@
           <a:p>
             <a:fld id="{649FEDF0-7D14-9E44-B4F2-968D163D1479}" type="datetimeFigureOut">
               <a:rPr lang="fr-FR" smtClean="0"/>
-              <a:t>7/3/16</a:t>
+              <a:t>30/07/16</a:t>
             </a:fld>
             <a:endParaRPr lang="en-US"/>
           </a:p>
@@ -2562,7 +2565,7 @@
           <a:p>
             <a:fld id="{649FEDF0-7D14-9E44-B4F2-968D163D1479}" type="datetimeFigureOut">
               <a:rPr lang="fr-FR" smtClean="0"/>
-              <a:t>7/3/16</a:t>
+              <a:t>30/07/16</a:t>
             </a:fld>
             <a:endParaRPr lang="en-US"/>
           </a:p>
@@ -2778,7 +2781,7 @@
           <a:p>
             <a:fld id="{649FEDF0-7D14-9E44-B4F2-968D163D1479}" type="datetimeFigureOut">
               <a:rPr lang="fr-FR" smtClean="0"/>
-              <a:t>7/3/16</a:t>
+              <a:t>30/07/16</a:t>
             </a:fld>
             <a:endParaRPr lang="en-US"/>
           </a:p>
@@ -3185,6 +3188,91 @@
 </file>
 
 <file path=ppt/slides/slide1.xml><?xml version="1.0" encoding="utf-8"?>
+<p:sld xmlns:a="http://schemas.openxmlformats.org/drawingml/2006/main" xmlns:r="http://schemas.openxmlformats.org/officeDocument/2006/relationships" xmlns:p="http://schemas.openxmlformats.org/presentationml/2006/main" showMasterSp="0">
+  <p:cSld>
+    <p:spTree>
+      <p:nvGrpSpPr>
+        <p:cNvPr id="1" name=""/>
+        <p:cNvGrpSpPr/>
+        <p:nvPr/>
+      </p:nvGrpSpPr>
+      <p:grpSpPr>
+        <a:xfrm>
+          <a:off x="0" y="0"/>
+          <a:ext cx="0" cy="0"/>
+          <a:chOff x="0" y="0"/>
+          <a:chExt cx="0" cy="0"/>
+        </a:xfrm>
+      </p:grpSpPr>
+      <p:sp>
+        <p:nvSpPr>
+          <p:cNvPr id="2" name="ZoneTexte 1"/>
+          <p:cNvSpPr txBox="1"/>
+          <p:nvPr/>
+        </p:nvSpPr>
+        <p:spPr>
+          <a:xfrm>
+            <a:off x="2503838" y="3302163"/>
+            <a:ext cx="13353800" cy="3247043"/>
+          </a:xfrm>
+          <a:prstGeom prst="rect">
+            <a:avLst/>
+          </a:prstGeom>
+          <a:noFill/>
+        </p:spPr>
+        <p:txBody>
+          <a:bodyPr wrap="square" rtlCol="0">
+            <a:spAutoFit/>
+          </a:bodyPr>
+          <a:lstStyle/>
+          <a:p>
+            <a:r>
+              <a:rPr lang="en-US" dirty="0" smtClean="0"/>
+              <a:t>This file contains the source images for the circular prompts used by the </a:t>
+            </a:r>
+            <a:r>
+              <a:rPr lang="en-US" dirty="0" err="1" smtClean="0"/>
+              <a:t>Grasp.exe</a:t>
+            </a:r>
+            <a:r>
+              <a:rPr lang="en-US" dirty="0" smtClean="0"/>
+              <a:t> program.</a:t>
+            </a:r>
+          </a:p>
+          <a:p>
+            <a:endParaRPr lang="en-US" dirty="0"/>
+          </a:p>
+          <a:p>
+            <a:r>
+              <a:rPr lang="en-US" dirty="0" smtClean="0"/>
+              <a:t>See </a:t>
+            </a:r>
+            <a:r>
+              <a:rPr lang="en-US" dirty="0" err="1" smtClean="0"/>
+              <a:t>GraspBMP.mak</a:t>
+            </a:r>
+            <a:r>
+              <a:rPr lang="en-US" dirty="0" smtClean="0"/>
+              <a:t> for instructions on how to convert this file into the .bmp files needed by the program.</a:t>
+            </a:r>
+            <a:endParaRPr lang="en-US" dirty="0"/>
+          </a:p>
+        </p:txBody>
+      </p:sp>
+    </p:spTree>
+    <p:extLst>
+      <p:ext uri="{BB962C8B-B14F-4D97-AF65-F5344CB8AC3E}">
+        <p14:creationId xmlns:p14="http://schemas.microsoft.com/office/powerpoint/2010/main" val="1272425121"/>
+      </p:ext>
+    </p:extLst>
+  </p:cSld>
+  <p:clrMapOvr>
+    <a:masterClrMapping/>
+  </p:clrMapOvr>
+</p:sld>
+</file>
+
+<file path=ppt/slides/slide10.xml><?xml version="1.0" encoding="utf-8"?>
 <p:sld xmlns:a="http://schemas.openxmlformats.org/drawingml/2006/main" xmlns:r="http://schemas.openxmlformats.org/officeDocument/2006/relationships" xmlns:p="http://schemas.openxmlformats.org/presentationml/2006/main">
   <p:cSld>
     <p:spTree>
@@ -3292,718 +3380,10 @@
                   <a:prstDash val="solid"/>
                 </a:ln>
                 <a:solidFill>
-                  <a:schemeClr val="accent3">
-                    <a:lumMod val="75000"/>
-                  </a:schemeClr>
+                  <a:schemeClr val="accent2"/>
                 </a:solidFill>
               </a:rPr>
-              <a:t>  Ready to start next trial.</a:t>
-            </a:r>
-            <a:endParaRPr lang="en-US" sz="23900" b="1" cap="small" spc="600" dirty="0">
-              <a:ln w="12700">
-                <a:solidFill>
-                  <a:srgbClr val="FFFFFF"/>
-                </a:solidFill>
-                <a:prstDash val="solid"/>
-              </a:ln>
-              <a:solidFill>
-                <a:schemeClr val="accent3">
-                  <a:lumMod val="75000"/>
-                </a:schemeClr>
-              </a:solidFill>
-            </a:endParaRPr>
-          </a:p>
-        </p:txBody>
-      </p:sp>
-      <p:sp>
-        <p:nvSpPr>
-          <p:cNvPr id="3" name="Rectangle 2"/>
-          <p:cNvSpPr>
-            <a:spLocks noChangeAspect="1"/>
-          </p:cNvSpPr>
-          <p:nvPr/>
-        </p:nvSpPr>
-        <p:spPr>
-          <a:xfrm rot="16200000">
-            <a:off x="5257022" y="5257026"/>
-            <a:ext cx="7920006" cy="7919999"/>
-          </a:xfrm>
-          <a:prstGeom prst="rect">
-            <a:avLst/>
-          </a:prstGeom>
-          <a:noFill/>
-        </p:spPr>
-        <p:txBody>
-          <a:bodyPr wrap="none" lIns="210669" tIns="105334" rIns="210669" bIns="105334">
-            <a:prstTxWarp prst="textCircle">
-              <a:avLst>
-                <a:gd name="adj" fmla="val 10916975"/>
-              </a:avLst>
-            </a:prstTxWarp>
-            <a:spAutoFit/>
-          </a:bodyPr>
-          <a:lstStyle/>
-          <a:p>
-            <a:pPr algn="ctr"/>
-            <a:r>
-              <a:rPr lang="en-US" sz="13800" b="1" cap="small" spc="300" dirty="0" smtClean="0">
-                <a:ln w="12700">
-                  <a:noFill/>
-                  <a:prstDash val="solid"/>
-                </a:ln>
-                <a:solidFill>
-                  <a:schemeClr val="accent1"/>
-                </a:solidFill>
-                <a:effectLst>
-                  <a:outerShdw blurRad="41275" dist="20320" dir="1800000" algn="tl" rotWithShape="0">
-                    <a:srgbClr val="000000">
-                      <a:alpha val="40000"/>
-                    </a:srgbClr>
-                  </a:outerShdw>
-                </a:effectLst>
-              </a:rPr>
-              <a:t> Press </a:t>
-            </a:r>
-            <a:r>
-              <a:rPr lang="en-US" sz="13800" b="1" cap="small" spc="300" dirty="0">
-                <a:ln w="12700">
-                  <a:noFill/>
-                  <a:prstDash val="solid"/>
-                </a:ln>
-                <a:solidFill>
-                  <a:schemeClr val="accent1"/>
-                </a:solidFill>
-                <a:effectLst>
-                  <a:outerShdw blurRad="41275" dist="20320" dir="1800000" algn="tl" rotWithShape="0">
-                    <a:srgbClr val="000000">
-                      <a:alpha val="40000"/>
-                    </a:srgbClr>
-                  </a:outerShdw>
-                </a:effectLst>
-              </a:rPr>
-              <a:t>a button to continue</a:t>
-            </a:r>
-            <a:r>
-              <a:rPr lang="en-US" sz="13800" b="1" cap="small" spc="300" dirty="0" smtClean="0">
-                <a:ln w="12700">
-                  <a:noFill/>
-                  <a:prstDash val="solid"/>
-                </a:ln>
-                <a:solidFill>
-                  <a:schemeClr val="accent1"/>
-                </a:solidFill>
-                <a:effectLst>
-                  <a:outerShdw blurRad="41275" dist="20320" dir="1800000" algn="tl" rotWithShape="0">
-                    <a:srgbClr val="000000">
-                      <a:alpha val="40000"/>
-                    </a:srgbClr>
-                  </a:outerShdw>
-                </a:effectLst>
-              </a:rPr>
-              <a:t>.</a:t>
-            </a:r>
-            <a:endParaRPr lang="en-US" sz="13800" b="1" cap="small" spc="300" dirty="0">
-              <a:ln w="12700">
-                <a:noFill/>
-                <a:prstDash val="solid"/>
-              </a:ln>
-              <a:solidFill>
-                <a:schemeClr val="accent1"/>
-              </a:solidFill>
-              <a:effectLst>
-                <a:outerShdw blurRad="41275" dist="20320" dir="1800000" algn="tl" rotWithShape="0">
-                  <a:srgbClr val="000000">
-                    <a:alpha val="40000"/>
-                  </a:srgbClr>
-                </a:outerShdw>
-              </a:effectLst>
-            </a:endParaRPr>
-          </a:p>
-        </p:txBody>
-      </p:sp>
-    </p:spTree>
-    <p:extLst>
-      <p:ext uri="{BB962C8B-B14F-4D97-AF65-F5344CB8AC3E}">
-        <p14:creationId xmlns:p14="http://schemas.microsoft.com/office/powerpoint/2010/main" val="4227632991"/>
-      </p:ext>
-    </p:extLst>
-  </p:cSld>
-  <p:clrMapOvr>
-    <a:masterClrMapping/>
-  </p:clrMapOvr>
-</p:sld>
-</file>
-
-<file path=ppt/slides/slide2.xml><?xml version="1.0" encoding="utf-8"?>
-<p:sld xmlns:a="http://schemas.openxmlformats.org/drawingml/2006/main" xmlns:r="http://schemas.openxmlformats.org/officeDocument/2006/relationships" xmlns:p="http://schemas.openxmlformats.org/presentationml/2006/main">
-  <p:cSld>
-    <p:spTree>
-      <p:nvGrpSpPr>
-        <p:cNvPr id="1" name=""/>
-        <p:cNvGrpSpPr/>
-        <p:nvPr/>
-      </p:nvGrpSpPr>
-      <p:grpSpPr>
-        <a:xfrm>
-          <a:off x="0" y="0"/>
-          <a:ext cx="0" cy="0"/>
-          <a:chOff x="0" y="0"/>
-          <a:chExt cx="0" cy="0"/>
-        </a:xfrm>
-      </p:grpSpPr>
-      <p:sp>
-        <p:nvSpPr>
-          <p:cNvPr id="5" name="Bouée 4"/>
-          <p:cNvSpPr>
-            <a:spLocks noChangeAspect="1"/>
-          </p:cNvSpPr>
-          <p:nvPr/>
-        </p:nvSpPr>
-        <p:spPr>
-          <a:xfrm>
-            <a:off x="1614253" y="1610484"/>
-            <a:ext cx="15228000" cy="15228000"/>
-          </a:xfrm>
-          <a:prstGeom prst="donut">
-            <a:avLst>
-              <a:gd name="adj" fmla="val 30982"/>
-            </a:avLst>
-          </a:prstGeom>
-          <a:solidFill>
-            <a:schemeClr val="bg1"/>
-          </a:solidFill>
-          <a:ln w="76200" cmpd="sng">
-            <a:noFill/>
-          </a:ln>
-        </p:spPr>
-        <p:style>
-          <a:lnRef idx="1">
-            <a:schemeClr val="accent1"/>
-          </a:lnRef>
-          <a:fillRef idx="3">
-            <a:schemeClr val="accent1"/>
-          </a:fillRef>
-          <a:effectRef idx="2">
-            <a:schemeClr val="accent1"/>
-          </a:effectRef>
-          <a:fontRef idx="minor">
-            <a:schemeClr val="lt1"/>
-          </a:fontRef>
-        </p:style>
-        <p:txBody>
-          <a:bodyPr rtlCol="0" anchor="ctr"/>
-          <a:lstStyle/>
-          <a:p>
-            <a:pPr algn="ctr"/>
-            <a:endParaRPr lang="en-US">
-              <a:solidFill>
-                <a:schemeClr val="tx1"/>
-              </a:solidFill>
-            </a:endParaRPr>
-          </a:p>
-        </p:txBody>
-      </p:sp>
-      <p:sp>
-        <p:nvSpPr>
-          <p:cNvPr id="2" name="Rectangle 1"/>
-          <p:cNvSpPr>
-            <a:spLocks noChangeAspect="1"/>
-          </p:cNvSpPr>
-          <p:nvPr/>
-        </p:nvSpPr>
-        <p:spPr>
-          <a:xfrm rot="16200000">
-            <a:off x="3277028" y="3277028"/>
-            <a:ext cx="11879995" cy="11879995"/>
-          </a:xfrm>
-          <a:prstGeom prst="rect">
-            <a:avLst/>
-          </a:prstGeom>
-          <a:noFill/>
-        </p:spPr>
-        <p:txBody>
-          <a:bodyPr wrap="none" lIns="210669" tIns="105334" rIns="210669" bIns="105334">
-            <a:prstTxWarp prst="textCircle">
-              <a:avLst>
-                <a:gd name="adj" fmla="val 10946467"/>
-              </a:avLst>
-            </a:prstTxWarp>
-            <a:spAutoFit/>
-          </a:bodyPr>
-          <a:lstStyle/>
-          <a:p>
-            <a:pPr algn="ctr"/>
-            <a:r>
-              <a:rPr lang="en-US" sz="23900" b="1" cap="small" spc="600" dirty="0" smtClean="0">
-                <a:ln w="12700">
-                  <a:solidFill>
-                    <a:srgbClr val="FFFFFF"/>
-                  </a:solidFill>
-                  <a:prstDash val="solid"/>
-                </a:ln>
-                <a:solidFill>
-                  <a:schemeClr val="accent3">
-                    <a:lumMod val="75000"/>
-                  </a:schemeClr>
-                </a:solidFill>
-              </a:rPr>
-              <a:t>Trial block completed.</a:t>
-            </a:r>
-            <a:endParaRPr lang="en-US" sz="23900" b="1" cap="small" spc="600" dirty="0">
-              <a:ln w="12700">
-                <a:solidFill>
-                  <a:srgbClr val="FFFFFF"/>
-                </a:solidFill>
-                <a:prstDash val="solid"/>
-              </a:ln>
-              <a:solidFill>
-                <a:schemeClr val="accent3">
-                  <a:lumMod val="75000"/>
-                </a:schemeClr>
-              </a:solidFill>
-            </a:endParaRPr>
-          </a:p>
-        </p:txBody>
-      </p:sp>
-      <p:sp>
-        <p:nvSpPr>
-          <p:cNvPr id="3" name="Rectangle 2"/>
-          <p:cNvSpPr>
-            <a:spLocks noChangeAspect="1"/>
-          </p:cNvSpPr>
-          <p:nvPr/>
-        </p:nvSpPr>
-        <p:spPr>
-          <a:xfrm rot="16200000">
-            <a:off x="5257022" y="5257026"/>
-            <a:ext cx="7920006" cy="7919999"/>
-          </a:xfrm>
-          <a:prstGeom prst="rect">
-            <a:avLst/>
-          </a:prstGeom>
-          <a:noFill/>
-        </p:spPr>
-        <p:txBody>
-          <a:bodyPr wrap="none" lIns="210669" tIns="105334" rIns="210669" bIns="105334">
-            <a:prstTxWarp prst="textCircle">
-              <a:avLst>
-                <a:gd name="adj" fmla="val 10916975"/>
-              </a:avLst>
-            </a:prstTxWarp>
-            <a:spAutoFit/>
-          </a:bodyPr>
-          <a:lstStyle/>
-          <a:p>
-            <a:pPr algn="ctr"/>
-            <a:r>
-              <a:rPr lang="en-US" sz="13800" b="1" cap="small" spc="300" dirty="0" smtClean="0">
-                <a:ln w="12700">
-                  <a:noFill/>
-                  <a:prstDash val="solid"/>
-                </a:ln>
-                <a:solidFill>
-                  <a:schemeClr val="accent1"/>
-                </a:solidFill>
-                <a:effectLst>
-                  <a:outerShdw blurRad="41275" dist="20320" dir="1800000" algn="tl" rotWithShape="0">
-                    <a:srgbClr val="000000">
-                      <a:alpha val="40000"/>
-                    </a:srgbClr>
-                  </a:outerShdw>
-                </a:effectLst>
-              </a:rPr>
-              <a:t>Doff HMD and press ‘Return’.</a:t>
-            </a:r>
-            <a:endParaRPr lang="en-US" sz="13800" b="1" cap="small" spc="300" dirty="0">
-              <a:ln w="12700">
-                <a:noFill/>
-                <a:prstDash val="solid"/>
-              </a:ln>
-              <a:solidFill>
-                <a:schemeClr val="accent1"/>
-              </a:solidFill>
-              <a:effectLst>
-                <a:outerShdw blurRad="41275" dist="20320" dir="1800000" algn="tl" rotWithShape="0">
-                  <a:srgbClr val="000000">
-                    <a:alpha val="40000"/>
-                  </a:srgbClr>
-                </a:outerShdw>
-              </a:effectLst>
-            </a:endParaRPr>
-          </a:p>
-        </p:txBody>
-      </p:sp>
-    </p:spTree>
-    <p:extLst>
-      <p:ext uri="{BB962C8B-B14F-4D97-AF65-F5344CB8AC3E}">
-        <p14:creationId xmlns:p14="http://schemas.microsoft.com/office/powerpoint/2010/main" val="2090264467"/>
-      </p:ext>
-    </p:extLst>
-  </p:cSld>
-  <p:clrMapOvr>
-    <a:masterClrMapping/>
-  </p:clrMapOvr>
-</p:sld>
-</file>
-
-<file path=ppt/slides/slide3.xml><?xml version="1.0" encoding="utf-8"?>
-<p:sld xmlns:a="http://schemas.openxmlformats.org/drawingml/2006/main" xmlns:r="http://schemas.openxmlformats.org/officeDocument/2006/relationships" xmlns:p="http://schemas.openxmlformats.org/presentationml/2006/main">
-  <p:cSld>
-    <p:spTree>
-      <p:nvGrpSpPr>
-        <p:cNvPr id="1" name=""/>
-        <p:cNvGrpSpPr/>
-        <p:nvPr/>
-      </p:nvGrpSpPr>
-      <p:grpSpPr>
-        <a:xfrm>
-          <a:off x="0" y="0"/>
-          <a:ext cx="0" cy="0"/>
-          <a:chOff x="0" y="0"/>
-          <a:chExt cx="0" cy="0"/>
-        </a:xfrm>
-      </p:grpSpPr>
-      <p:sp>
-        <p:nvSpPr>
-          <p:cNvPr id="5" name="Bouée 4"/>
-          <p:cNvSpPr>
-            <a:spLocks noChangeAspect="1"/>
-          </p:cNvSpPr>
-          <p:nvPr/>
-        </p:nvSpPr>
-        <p:spPr>
-          <a:xfrm>
-            <a:off x="1614253" y="1610484"/>
-            <a:ext cx="15228000" cy="15228000"/>
-          </a:xfrm>
-          <a:prstGeom prst="donut">
-            <a:avLst>
-              <a:gd name="adj" fmla="val 30982"/>
-            </a:avLst>
-          </a:prstGeom>
-          <a:solidFill>
-            <a:schemeClr val="bg1"/>
-          </a:solidFill>
-          <a:ln w="76200" cmpd="sng">
-            <a:noFill/>
-          </a:ln>
-        </p:spPr>
-        <p:style>
-          <a:lnRef idx="1">
-            <a:schemeClr val="accent1"/>
-          </a:lnRef>
-          <a:fillRef idx="3">
-            <a:schemeClr val="accent1"/>
-          </a:fillRef>
-          <a:effectRef idx="2">
-            <a:schemeClr val="accent1"/>
-          </a:effectRef>
-          <a:fontRef idx="minor">
-            <a:schemeClr val="lt1"/>
-          </a:fontRef>
-        </p:style>
-        <p:txBody>
-          <a:bodyPr rtlCol="0" anchor="ctr"/>
-          <a:lstStyle/>
-          <a:p>
-            <a:pPr algn="ctr"/>
-            <a:endParaRPr lang="en-US">
-              <a:solidFill>
-                <a:schemeClr val="tx1"/>
-              </a:solidFill>
-            </a:endParaRPr>
-          </a:p>
-        </p:txBody>
-      </p:sp>
-      <p:sp>
-        <p:nvSpPr>
-          <p:cNvPr id="2" name="Rectangle 1"/>
-          <p:cNvSpPr>
-            <a:spLocks noChangeAspect="1"/>
-          </p:cNvSpPr>
-          <p:nvPr/>
-        </p:nvSpPr>
-        <p:spPr>
-          <a:xfrm rot="16200000">
-            <a:off x="3277028" y="3277028"/>
-            <a:ext cx="11879995" cy="11879995"/>
-          </a:xfrm>
-          <a:prstGeom prst="rect">
-            <a:avLst/>
-          </a:prstGeom>
-          <a:noFill/>
-        </p:spPr>
-        <p:txBody>
-          <a:bodyPr wrap="none" lIns="210669" tIns="105334" rIns="210669" bIns="105334">
-            <a:prstTxWarp prst="textCircle">
-              <a:avLst>
-                <a:gd name="adj" fmla="val 10946467"/>
-              </a:avLst>
-            </a:prstTxWarp>
-            <a:spAutoFit/>
-          </a:bodyPr>
-          <a:lstStyle/>
-          <a:p>
-            <a:pPr algn="ctr"/>
-            <a:r>
-              <a:rPr lang="en-US" sz="23900" b="1" cap="small" spc="600" dirty="0" smtClean="0">
-                <a:ln w="12700">
-                  <a:solidFill>
-                    <a:srgbClr val="FFFFFF"/>
-                  </a:solidFill>
-                  <a:prstDash val="solid"/>
-                </a:ln>
-                <a:solidFill>
-                  <a:schemeClr val="accent2"/>
-                </a:solidFill>
-              </a:rPr>
-              <a:t>Head tilt not maintained.</a:t>
-            </a:r>
-            <a:endParaRPr lang="en-US" sz="23900" b="1" cap="small" spc="600" dirty="0">
-              <a:ln w="12700">
-                <a:solidFill>
-                  <a:srgbClr val="FFFFFF"/>
-                </a:solidFill>
-                <a:prstDash val="solid"/>
-              </a:ln>
-              <a:solidFill>
-                <a:schemeClr val="accent2"/>
-              </a:solidFill>
-            </a:endParaRPr>
-          </a:p>
-        </p:txBody>
-      </p:sp>
-      <p:sp>
-        <p:nvSpPr>
-          <p:cNvPr id="3" name="Rectangle 2"/>
-          <p:cNvSpPr>
-            <a:spLocks noChangeAspect="1"/>
-          </p:cNvSpPr>
-          <p:nvPr/>
-        </p:nvSpPr>
-        <p:spPr>
-          <a:xfrm rot="16200000">
-            <a:off x="5257022" y="5257026"/>
-            <a:ext cx="7920006" cy="7919999"/>
-          </a:xfrm>
-          <a:prstGeom prst="rect">
-            <a:avLst/>
-          </a:prstGeom>
-          <a:noFill/>
-        </p:spPr>
-        <p:txBody>
-          <a:bodyPr wrap="none" lIns="210669" tIns="105334" rIns="210669" bIns="105334">
-            <a:prstTxWarp prst="textCircle">
-              <a:avLst>
-                <a:gd name="adj" fmla="val 10916975"/>
-              </a:avLst>
-            </a:prstTxWarp>
-            <a:spAutoFit/>
-          </a:bodyPr>
-          <a:lstStyle/>
-          <a:p>
-            <a:pPr algn="ctr"/>
-            <a:r>
-              <a:rPr lang="en-US" sz="13800" b="1" cap="small" spc="300" dirty="0" smtClean="0">
-                <a:ln w="12700">
-                  <a:noFill/>
-                  <a:prstDash val="solid"/>
-                </a:ln>
-                <a:solidFill>
-                  <a:schemeClr val="accent1"/>
-                </a:solidFill>
-                <a:effectLst>
-                  <a:outerShdw blurRad="41275" dist="20320" dir="1800000" algn="tl" rotWithShape="0">
-                    <a:srgbClr val="000000">
-                      <a:alpha val="40000"/>
-                    </a:srgbClr>
-                  </a:outerShdw>
-                </a:effectLst>
-              </a:rPr>
-              <a:t> Press </a:t>
-            </a:r>
-            <a:r>
-              <a:rPr lang="en-US" sz="13800" b="1" cap="small" spc="300" dirty="0">
-                <a:ln w="12700">
-                  <a:noFill/>
-                  <a:prstDash val="solid"/>
-                </a:ln>
-                <a:solidFill>
-                  <a:schemeClr val="accent1"/>
-                </a:solidFill>
-                <a:effectLst>
-                  <a:outerShdw blurRad="41275" dist="20320" dir="1800000" algn="tl" rotWithShape="0">
-                    <a:srgbClr val="000000">
-                      <a:alpha val="40000"/>
-                    </a:srgbClr>
-                  </a:outerShdw>
-                </a:effectLst>
-              </a:rPr>
-              <a:t>a button to continue</a:t>
-            </a:r>
-            <a:r>
-              <a:rPr lang="en-US" sz="13800" b="1" cap="small" spc="300" dirty="0" smtClean="0">
-                <a:ln w="12700">
-                  <a:noFill/>
-                  <a:prstDash val="solid"/>
-                </a:ln>
-                <a:solidFill>
-                  <a:schemeClr val="accent1"/>
-                </a:solidFill>
-                <a:effectLst>
-                  <a:outerShdw blurRad="41275" dist="20320" dir="1800000" algn="tl" rotWithShape="0">
-                    <a:srgbClr val="000000">
-                      <a:alpha val="40000"/>
-                    </a:srgbClr>
-                  </a:outerShdw>
-                </a:effectLst>
-              </a:rPr>
-              <a:t>.</a:t>
-            </a:r>
-            <a:endParaRPr lang="en-US" sz="13800" b="1" cap="small" spc="300" dirty="0">
-              <a:ln w="12700">
-                <a:noFill/>
-                <a:prstDash val="solid"/>
-              </a:ln>
-              <a:solidFill>
-                <a:schemeClr val="accent1"/>
-              </a:solidFill>
-              <a:effectLst>
-                <a:outerShdw blurRad="41275" dist="20320" dir="1800000" algn="tl" rotWithShape="0">
-                  <a:srgbClr val="000000">
-                    <a:alpha val="40000"/>
-                  </a:srgbClr>
-                </a:outerShdw>
-              </a:effectLst>
-            </a:endParaRPr>
-          </a:p>
-        </p:txBody>
-      </p:sp>
-    </p:spTree>
-    <p:extLst>
-      <p:ext uri="{BB962C8B-B14F-4D97-AF65-F5344CB8AC3E}">
-        <p14:creationId xmlns:p14="http://schemas.microsoft.com/office/powerpoint/2010/main" val="2090264467"/>
-      </p:ext>
-    </p:extLst>
-  </p:cSld>
-  <p:clrMapOvr>
-    <a:masterClrMapping/>
-  </p:clrMapOvr>
-</p:sld>
-</file>
-
-<file path=ppt/slides/slide4.xml><?xml version="1.0" encoding="utf-8"?>
-<p:sld xmlns:a="http://schemas.openxmlformats.org/drawingml/2006/main" xmlns:r="http://schemas.openxmlformats.org/officeDocument/2006/relationships" xmlns:p="http://schemas.openxmlformats.org/presentationml/2006/main">
-  <p:cSld>
-    <p:spTree>
-      <p:nvGrpSpPr>
-        <p:cNvPr id="1" name=""/>
-        <p:cNvGrpSpPr/>
-        <p:nvPr/>
-      </p:nvGrpSpPr>
-      <p:grpSpPr>
-        <a:xfrm>
-          <a:off x="0" y="0"/>
-          <a:ext cx="0" cy="0"/>
-          <a:chOff x="0" y="0"/>
-          <a:chExt cx="0" cy="0"/>
-        </a:xfrm>
-      </p:grpSpPr>
-      <p:sp>
-        <p:nvSpPr>
-          <p:cNvPr id="5" name="Bouée 4"/>
-          <p:cNvSpPr>
-            <a:spLocks noChangeAspect="1"/>
-          </p:cNvSpPr>
-          <p:nvPr/>
-        </p:nvSpPr>
-        <p:spPr>
-          <a:xfrm>
-            <a:off x="1614253" y="1610484"/>
-            <a:ext cx="15228000" cy="15228000"/>
-          </a:xfrm>
-          <a:prstGeom prst="donut">
-            <a:avLst>
-              <a:gd name="adj" fmla="val 30982"/>
-            </a:avLst>
-          </a:prstGeom>
-          <a:solidFill>
-            <a:schemeClr val="bg1"/>
-          </a:solidFill>
-          <a:ln w="76200" cmpd="sng">
-            <a:noFill/>
-          </a:ln>
-        </p:spPr>
-        <p:style>
-          <a:lnRef idx="1">
-            <a:schemeClr val="accent1"/>
-          </a:lnRef>
-          <a:fillRef idx="3">
-            <a:schemeClr val="accent1"/>
-          </a:fillRef>
-          <a:effectRef idx="2">
-            <a:schemeClr val="accent1"/>
-          </a:effectRef>
-          <a:fontRef idx="minor">
-            <a:schemeClr val="lt1"/>
-          </a:fontRef>
-        </p:style>
-        <p:txBody>
-          <a:bodyPr rtlCol="0" anchor="ctr"/>
-          <a:lstStyle/>
-          <a:p>
-            <a:pPr algn="ctr"/>
-            <a:endParaRPr lang="en-US">
-              <a:solidFill>
-                <a:schemeClr val="tx1"/>
-              </a:solidFill>
-            </a:endParaRPr>
-          </a:p>
-        </p:txBody>
-      </p:sp>
-      <p:sp>
-        <p:nvSpPr>
-          <p:cNvPr id="2" name="Rectangle 1"/>
-          <p:cNvSpPr>
-            <a:spLocks noChangeAspect="1"/>
-          </p:cNvSpPr>
-          <p:nvPr/>
-        </p:nvSpPr>
-        <p:spPr>
-          <a:xfrm rot="16200000">
-            <a:off x="3277028" y="3277028"/>
-            <a:ext cx="11879995" cy="11879995"/>
-          </a:xfrm>
-          <a:prstGeom prst="rect">
-            <a:avLst/>
-          </a:prstGeom>
-          <a:noFill/>
-        </p:spPr>
-        <p:txBody>
-          <a:bodyPr wrap="none" lIns="210669" tIns="105334" rIns="210669" bIns="105334">
-            <a:prstTxWarp prst="textCircle">
-              <a:avLst>
-                <a:gd name="adj" fmla="val 10946467"/>
-              </a:avLst>
-            </a:prstTxWarp>
-            <a:spAutoFit/>
-          </a:bodyPr>
-          <a:lstStyle/>
-          <a:p>
-            <a:pPr algn="ctr"/>
-            <a:r>
-              <a:rPr lang="en-US" sz="23900" b="1" cap="small" spc="600" dirty="0" smtClean="0">
-                <a:ln w="12700">
-                  <a:solidFill>
-                    <a:srgbClr val="FFFFFF"/>
-                  </a:solidFill>
-                  <a:prstDash val="solid"/>
-                </a:ln>
-                <a:solidFill>
-                  <a:schemeClr val="accent2"/>
-                </a:solidFill>
-              </a:rPr>
-              <a:t>Time limit exceeded.</a:t>
+              <a:t>Time to respond exceeded.</a:t>
             </a:r>
             <a:endParaRPr lang="en-US" sz="23900" b="1" cap="small" spc="600" dirty="0">
               <a:ln w="12700">
@@ -4614,7 +3994,7 @@
     </p:spTree>
     <p:extLst>
       <p:ext uri="{BB962C8B-B14F-4D97-AF65-F5344CB8AC3E}">
-        <p14:creationId xmlns:p14="http://schemas.microsoft.com/office/powerpoint/2010/main" val="2090264467"/>
+        <p14:creationId xmlns:p14="http://schemas.microsoft.com/office/powerpoint/2010/main" val="1908434010"/>
       </p:ext>
     </p:extLst>
   </p:cSld>
@@ -4624,7 +4004,7 @@
 </p:sld>
 </file>
 
-<file path=ppt/slides/slide5.xml><?xml version="1.0" encoding="utf-8"?>
+<file path=ppt/slides/slide11.xml><?xml version="1.0" encoding="utf-8"?>
 <p:sld xmlns:a="http://schemas.openxmlformats.org/drawingml/2006/main" xmlns:r="http://schemas.openxmlformats.org/officeDocument/2006/relationships" xmlns:p="http://schemas.openxmlformats.org/presentationml/2006/main">
   <p:cSld>
     <p:spTree>
@@ -4735,7 +4115,7 @@
                   <a:schemeClr val="accent2"/>
                 </a:solidFill>
               </a:rPr>
-              <a:t>Failed to lower arm in time.</a:t>
+              <a:t>Time limit exceeded.</a:t>
             </a:r>
             <a:endParaRPr lang="en-US" sz="23900" b="1" cap="small" spc="600" dirty="0">
               <a:ln w="12700">
@@ -5346,7 +4726,7 @@
     </p:spTree>
     <p:extLst>
       <p:ext uri="{BB962C8B-B14F-4D97-AF65-F5344CB8AC3E}">
-        <p14:creationId xmlns:p14="http://schemas.microsoft.com/office/powerpoint/2010/main" val="291435061"/>
+        <p14:creationId xmlns:p14="http://schemas.microsoft.com/office/powerpoint/2010/main" val="2090264467"/>
       </p:ext>
     </p:extLst>
   </p:cSld>
@@ -5356,7 +4736,7 @@
 </p:sld>
 </file>
 
-<file path=ppt/slides/slide6.xml><?xml version="1.0" encoding="utf-8"?>
+<file path=ppt/slides/slide2.xml><?xml version="1.0" encoding="utf-8"?>
 <p:sld xmlns:a="http://schemas.openxmlformats.org/drawingml/2006/main" xmlns:r="http://schemas.openxmlformats.org/officeDocument/2006/relationships" xmlns:p="http://schemas.openxmlformats.org/presentationml/2006/main">
   <p:cSld>
     <p:spTree>
@@ -5464,12 +4844,728 @@
                   <a:prstDash val="solid"/>
                 </a:ln>
                 <a:solidFill>
+                  <a:schemeClr val="accent3">
+                    <a:lumMod val="75000"/>
+                  </a:schemeClr>
+                </a:solidFill>
+              </a:rPr>
+              <a:t>  Ready to start next trial.</a:t>
+            </a:r>
+            <a:endParaRPr lang="en-US" sz="23900" b="1" cap="small" spc="600" dirty="0">
+              <a:ln w="12700">
+                <a:solidFill>
+                  <a:srgbClr val="FFFFFF"/>
+                </a:solidFill>
+                <a:prstDash val="solid"/>
+              </a:ln>
+              <a:solidFill>
+                <a:schemeClr val="accent3">
+                  <a:lumMod val="75000"/>
+                </a:schemeClr>
+              </a:solidFill>
+            </a:endParaRPr>
+          </a:p>
+        </p:txBody>
+      </p:sp>
+      <p:sp>
+        <p:nvSpPr>
+          <p:cNvPr id="3" name="Rectangle 2"/>
+          <p:cNvSpPr>
+            <a:spLocks noChangeAspect="1"/>
+          </p:cNvSpPr>
+          <p:nvPr/>
+        </p:nvSpPr>
+        <p:spPr>
+          <a:xfrm rot="16200000">
+            <a:off x="5257022" y="5257026"/>
+            <a:ext cx="7920006" cy="7919999"/>
+          </a:xfrm>
+          <a:prstGeom prst="rect">
+            <a:avLst/>
+          </a:prstGeom>
+          <a:noFill/>
+        </p:spPr>
+        <p:txBody>
+          <a:bodyPr wrap="none" lIns="210669" tIns="105334" rIns="210669" bIns="105334">
+            <a:prstTxWarp prst="textCircle">
+              <a:avLst>
+                <a:gd name="adj" fmla="val 10916975"/>
+              </a:avLst>
+            </a:prstTxWarp>
+            <a:spAutoFit/>
+          </a:bodyPr>
+          <a:lstStyle/>
+          <a:p>
+            <a:pPr algn="ctr"/>
+            <a:r>
+              <a:rPr lang="en-US" sz="13800" b="1" cap="small" spc="300" dirty="0" smtClean="0">
+                <a:ln w="12700">
+                  <a:noFill/>
+                  <a:prstDash val="solid"/>
+                </a:ln>
+                <a:solidFill>
+                  <a:schemeClr val="accent1"/>
+                </a:solidFill>
+                <a:effectLst>
+                  <a:outerShdw blurRad="41275" dist="20320" dir="1800000" algn="tl" rotWithShape="0">
+                    <a:srgbClr val="000000">
+                      <a:alpha val="40000"/>
+                    </a:srgbClr>
+                  </a:outerShdw>
+                </a:effectLst>
+              </a:rPr>
+              <a:t> Press </a:t>
+            </a:r>
+            <a:r>
+              <a:rPr lang="en-US" sz="13800" b="1" cap="small" spc="300" dirty="0">
+                <a:ln w="12700">
+                  <a:noFill/>
+                  <a:prstDash val="solid"/>
+                </a:ln>
+                <a:solidFill>
+                  <a:schemeClr val="accent1"/>
+                </a:solidFill>
+                <a:effectLst>
+                  <a:outerShdw blurRad="41275" dist="20320" dir="1800000" algn="tl" rotWithShape="0">
+                    <a:srgbClr val="000000">
+                      <a:alpha val="40000"/>
+                    </a:srgbClr>
+                  </a:outerShdw>
+                </a:effectLst>
+              </a:rPr>
+              <a:t>a button to continue</a:t>
+            </a:r>
+            <a:r>
+              <a:rPr lang="en-US" sz="13800" b="1" cap="small" spc="300" dirty="0" smtClean="0">
+                <a:ln w="12700">
+                  <a:noFill/>
+                  <a:prstDash val="solid"/>
+                </a:ln>
+                <a:solidFill>
+                  <a:schemeClr val="accent1"/>
+                </a:solidFill>
+                <a:effectLst>
+                  <a:outerShdw blurRad="41275" dist="20320" dir="1800000" algn="tl" rotWithShape="0">
+                    <a:srgbClr val="000000">
+                      <a:alpha val="40000"/>
+                    </a:srgbClr>
+                  </a:outerShdw>
+                </a:effectLst>
+              </a:rPr>
+              <a:t>.</a:t>
+            </a:r>
+            <a:endParaRPr lang="en-US" sz="13800" b="1" cap="small" spc="300" dirty="0">
+              <a:ln w="12700">
+                <a:noFill/>
+                <a:prstDash val="solid"/>
+              </a:ln>
+              <a:solidFill>
+                <a:schemeClr val="accent1"/>
+              </a:solidFill>
+              <a:effectLst>
+                <a:outerShdw blurRad="41275" dist="20320" dir="1800000" algn="tl" rotWithShape="0">
+                  <a:srgbClr val="000000">
+                    <a:alpha val="40000"/>
+                  </a:srgbClr>
+                </a:outerShdw>
+              </a:effectLst>
+            </a:endParaRPr>
+          </a:p>
+        </p:txBody>
+      </p:sp>
+    </p:spTree>
+    <p:extLst>
+      <p:ext uri="{BB962C8B-B14F-4D97-AF65-F5344CB8AC3E}">
+        <p14:creationId xmlns:p14="http://schemas.microsoft.com/office/powerpoint/2010/main" val="4227632991"/>
+      </p:ext>
+    </p:extLst>
+  </p:cSld>
+  <p:clrMapOvr>
+    <a:masterClrMapping/>
+  </p:clrMapOvr>
+</p:sld>
+</file>
+
+<file path=ppt/slides/slide3.xml><?xml version="1.0" encoding="utf-8"?>
+<p:sld xmlns:a="http://schemas.openxmlformats.org/drawingml/2006/main" xmlns:r="http://schemas.openxmlformats.org/officeDocument/2006/relationships" xmlns:p="http://schemas.openxmlformats.org/presentationml/2006/main">
+  <p:cSld>
+    <p:spTree>
+      <p:nvGrpSpPr>
+        <p:cNvPr id="1" name=""/>
+        <p:cNvGrpSpPr/>
+        <p:nvPr/>
+      </p:nvGrpSpPr>
+      <p:grpSpPr>
+        <a:xfrm>
+          <a:off x="0" y="0"/>
+          <a:ext cx="0" cy="0"/>
+          <a:chOff x="0" y="0"/>
+          <a:chExt cx="0" cy="0"/>
+        </a:xfrm>
+      </p:grpSpPr>
+      <p:sp>
+        <p:nvSpPr>
+          <p:cNvPr id="5" name="Bouée 4"/>
+          <p:cNvSpPr>
+            <a:spLocks noChangeAspect="1"/>
+          </p:cNvSpPr>
+          <p:nvPr/>
+        </p:nvSpPr>
+        <p:spPr>
+          <a:xfrm>
+            <a:off x="1614253" y="1610484"/>
+            <a:ext cx="15228000" cy="15228000"/>
+          </a:xfrm>
+          <a:prstGeom prst="donut">
+            <a:avLst>
+              <a:gd name="adj" fmla="val 30982"/>
+            </a:avLst>
+          </a:prstGeom>
+          <a:solidFill>
+            <a:schemeClr val="bg1"/>
+          </a:solidFill>
+          <a:ln w="76200" cmpd="sng">
+            <a:noFill/>
+          </a:ln>
+        </p:spPr>
+        <p:style>
+          <a:lnRef idx="1">
+            <a:schemeClr val="accent1"/>
+          </a:lnRef>
+          <a:fillRef idx="3">
+            <a:schemeClr val="accent1"/>
+          </a:fillRef>
+          <a:effectRef idx="2">
+            <a:schemeClr val="accent1"/>
+          </a:effectRef>
+          <a:fontRef idx="minor">
+            <a:schemeClr val="lt1"/>
+          </a:fontRef>
+        </p:style>
+        <p:txBody>
+          <a:bodyPr rtlCol="0" anchor="ctr"/>
+          <a:lstStyle/>
+          <a:p>
+            <a:pPr algn="ctr"/>
+            <a:endParaRPr lang="en-US">
+              <a:solidFill>
+                <a:schemeClr val="tx1"/>
+              </a:solidFill>
+            </a:endParaRPr>
+          </a:p>
+        </p:txBody>
+      </p:sp>
+      <p:sp>
+        <p:nvSpPr>
+          <p:cNvPr id="2" name="Rectangle 1"/>
+          <p:cNvSpPr>
+            <a:spLocks noChangeAspect="1"/>
+          </p:cNvSpPr>
+          <p:nvPr/>
+        </p:nvSpPr>
+        <p:spPr>
+          <a:xfrm rot="16200000">
+            <a:off x="3277028" y="3277028"/>
+            <a:ext cx="11879995" cy="11879995"/>
+          </a:xfrm>
+          <a:prstGeom prst="rect">
+            <a:avLst/>
+          </a:prstGeom>
+          <a:noFill/>
+        </p:spPr>
+        <p:txBody>
+          <a:bodyPr wrap="none" lIns="210669" tIns="105334" rIns="210669" bIns="105334">
+            <a:prstTxWarp prst="textCircle">
+              <a:avLst>
+                <a:gd name="adj" fmla="val 10946467"/>
+              </a:avLst>
+            </a:prstTxWarp>
+            <a:spAutoFit/>
+          </a:bodyPr>
+          <a:lstStyle/>
+          <a:p>
+            <a:pPr algn="ctr"/>
+            <a:r>
+              <a:rPr lang="en-US" sz="23900" b="1" cap="small" spc="600" dirty="0" smtClean="0">
+                <a:ln w="12700">
+                  <a:solidFill>
+                    <a:srgbClr val="FFFFFF"/>
+                  </a:solidFill>
+                  <a:prstDash val="solid"/>
+                </a:ln>
+                <a:solidFill>
+                  <a:schemeClr val="accent3">
+                    <a:lumMod val="75000"/>
+                  </a:schemeClr>
+                </a:solidFill>
+              </a:rPr>
+              <a:t>Trial block completed.</a:t>
+            </a:r>
+            <a:endParaRPr lang="en-US" sz="23900" b="1" cap="small" spc="600" dirty="0">
+              <a:ln w="12700">
+                <a:solidFill>
+                  <a:srgbClr val="FFFFFF"/>
+                </a:solidFill>
+                <a:prstDash val="solid"/>
+              </a:ln>
+              <a:solidFill>
+                <a:schemeClr val="accent3">
+                  <a:lumMod val="75000"/>
+                </a:schemeClr>
+              </a:solidFill>
+            </a:endParaRPr>
+          </a:p>
+        </p:txBody>
+      </p:sp>
+      <p:sp>
+        <p:nvSpPr>
+          <p:cNvPr id="3" name="Rectangle 2"/>
+          <p:cNvSpPr>
+            <a:spLocks noChangeAspect="1"/>
+          </p:cNvSpPr>
+          <p:nvPr/>
+        </p:nvSpPr>
+        <p:spPr>
+          <a:xfrm rot="16200000">
+            <a:off x="5257022" y="5257026"/>
+            <a:ext cx="7920006" cy="7919999"/>
+          </a:xfrm>
+          <a:prstGeom prst="rect">
+            <a:avLst/>
+          </a:prstGeom>
+          <a:noFill/>
+        </p:spPr>
+        <p:txBody>
+          <a:bodyPr wrap="none" lIns="210669" tIns="105334" rIns="210669" bIns="105334">
+            <a:prstTxWarp prst="textCircle">
+              <a:avLst>
+                <a:gd name="adj" fmla="val 10916975"/>
+              </a:avLst>
+            </a:prstTxWarp>
+            <a:spAutoFit/>
+          </a:bodyPr>
+          <a:lstStyle/>
+          <a:p>
+            <a:pPr algn="ctr"/>
+            <a:r>
+              <a:rPr lang="en-US" sz="13800" b="1" cap="small" spc="300" dirty="0" smtClean="0">
+                <a:ln w="12700">
+                  <a:noFill/>
+                  <a:prstDash val="solid"/>
+                </a:ln>
+                <a:solidFill>
+                  <a:schemeClr val="accent1"/>
+                </a:solidFill>
+                <a:effectLst>
+                  <a:outerShdw blurRad="41275" dist="20320" dir="1800000" algn="tl" rotWithShape="0">
+                    <a:srgbClr val="000000">
+                      <a:alpha val="40000"/>
+                    </a:srgbClr>
+                  </a:outerShdw>
+                </a:effectLst>
+              </a:rPr>
+              <a:t>Doff HMD and press ‘Return’.</a:t>
+            </a:r>
+            <a:endParaRPr lang="en-US" sz="13800" b="1" cap="small" spc="300" dirty="0">
+              <a:ln w="12700">
+                <a:noFill/>
+                <a:prstDash val="solid"/>
+              </a:ln>
+              <a:solidFill>
+                <a:schemeClr val="accent1"/>
+              </a:solidFill>
+              <a:effectLst>
+                <a:outerShdw blurRad="41275" dist="20320" dir="1800000" algn="tl" rotWithShape="0">
+                  <a:srgbClr val="000000">
+                    <a:alpha val="40000"/>
+                  </a:srgbClr>
+                </a:outerShdw>
+              </a:effectLst>
+            </a:endParaRPr>
+          </a:p>
+        </p:txBody>
+      </p:sp>
+    </p:spTree>
+    <p:extLst>
+      <p:ext uri="{BB962C8B-B14F-4D97-AF65-F5344CB8AC3E}">
+        <p14:creationId xmlns:p14="http://schemas.microsoft.com/office/powerpoint/2010/main" val="2090264467"/>
+      </p:ext>
+    </p:extLst>
+  </p:cSld>
+  <p:clrMapOvr>
+    <a:masterClrMapping/>
+  </p:clrMapOvr>
+</p:sld>
+</file>
+
+<file path=ppt/slides/slide4.xml><?xml version="1.0" encoding="utf-8"?>
+<p:sld xmlns:a="http://schemas.openxmlformats.org/drawingml/2006/main" xmlns:r="http://schemas.openxmlformats.org/officeDocument/2006/relationships" xmlns:p="http://schemas.openxmlformats.org/presentationml/2006/main">
+  <p:cSld>
+    <p:spTree>
+      <p:nvGrpSpPr>
+        <p:cNvPr id="1" name=""/>
+        <p:cNvGrpSpPr/>
+        <p:nvPr/>
+      </p:nvGrpSpPr>
+      <p:grpSpPr>
+        <a:xfrm>
+          <a:off x="0" y="0"/>
+          <a:ext cx="0" cy="0"/>
+          <a:chOff x="0" y="0"/>
+          <a:chExt cx="0" cy="0"/>
+        </a:xfrm>
+      </p:grpSpPr>
+      <p:sp>
+        <p:nvSpPr>
+          <p:cNvPr id="5" name="Bouée 4"/>
+          <p:cNvSpPr>
+            <a:spLocks noChangeAspect="1"/>
+          </p:cNvSpPr>
+          <p:nvPr/>
+        </p:nvSpPr>
+        <p:spPr>
+          <a:xfrm>
+            <a:off x="1614253" y="1610484"/>
+            <a:ext cx="15228000" cy="15228000"/>
+          </a:xfrm>
+          <a:prstGeom prst="donut">
+            <a:avLst>
+              <a:gd name="adj" fmla="val 30982"/>
+            </a:avLst>
+          </a:prstGeom>
+          <a:solidFill>
+            <a:schemeClr val="bg1"/>
+          </a:solidFill>
+          <a:ln w="76200" cmpd="sng">
+            <a:noFill/>
+          </a:ln>
+        </p:spPr>
+        <p:style>
+          <a:lnRef idx="1">
+            <a:schemeClr val="accent1"/>
+          </a:lnRef>
+          <a:fillRef idx="3">
+            <a:schemeClr val="accent1"/>
+          </a:fillRef>
+          <a:effectRef idx="2">
+            <a:schemeClr val="accent1"/>
+          </a:effectRef>
+          <a:fontRef idx="minor">
+            <a:schemeClr val="lt1"/>
+          </a:fontRef>
+        </p:style>
+        <p:txBody>
+          <a:bodyPr rtlCol="0" anchor="ctr"/>
+          <a:lstStyle/>
+          <a:p>
+            <a:pPr algn="ctr"/>
+            <a:endParaRPr lang="en-US">
+              <a:solidFill>
+                <a:schemeClr val="tx1"/>
+              </a:solidFill>
+            </a:endParaRPr>
+          </a:p>
+        </p:txBody>
+      </p:sp>
+      <p:pic>
+        <p:nvPicPr>
+          <p:cNvPr id="4" name="Image 3" descr="4cb46pEdi.gif"/>
+          <p:cNvPicPr>
+            <a:picLocks noChangeAspect="1"/>
+          </p:cNvPicPr>
+          <p:nvPr/>
+        </p:nvPicPr>
+        <p:blipFill>
+          <a:blip r:embed="rId2">
+            <a:extLst>
+              <a:ext uri="{28A0092B-C50C-407E-A947-70E740481C1C}">
+                <a14:useLocalDpi xmlns:a14="http://schemas.microsoft.com/office/drawing/2010/main" val="0"/>
+              </a:ext>
+            </a:extLst>
+          </a:blip>
+          <a:stretch>
+            <a:fillRect/>
+          </a:stretch>
+        </p:blipFill>
+        <p:spPr>
+          <a:xfrm>
+            <a:off x="6268275" y="5197830"/>
+            <a:ext cx="6686364" cy="10029547"/>
+          </a:xfrm>
+          <a:prstGeom prst="rect">
+            <a:avLst/>
+          </a:prstGeom>
+        </p:spPr>
+      </p:pic>
+      <p:sp>
+        <p:nvSpPr>
+          <p:cNvPr id="2" name="Rectangle 1"/>
+          <p:cNvSpPr>
+            <a:spLocks noChangeAspect="1"/>
+          </p:cNvSpPr>
+          <p:nvPr/>
+        </p:nvSpPr>
+        <p:spPr>
+          <a:xfrm rot="16200000">
+            <a:off x="3277028" y="3277028"/>
+            <a:ext cx="11879995" cy="11879995"/>
+          </a:xfrm>
+          <a:prstGeom prst="rect">
+            <a:avLst/>
+          </a:prstGeom>
+          <a:noFill/>
+        </p:spPr>
+        <p:txBody>
+          <a:bodyPr wrap="none" lIns="210669" tIns="105334" rIns="210669" bIns="105334">
+            <a:prstTxWarp prst="textCircle">
+              <a:avLst>
+                <a:gd name="adj" fmla="val 10946467"/>
+              </a:avLst>
+            </a:prstTxWarp>
+            <a:spAutoFit/>
+          </a:bodyPr>
+          <a:lstStyle/>
+          <a:p>
+            <a:pPr algn="ctr"/>
+            <a:r>
+              <a:rPr lang="en-US" sz="23900" b="1" cap="small" spc="600" dirty="0" smtClean="0">
+                <a:ln w="12700">
+                  <a:solidFill>
+                    <a:srgbClr val="FFFFFF"/>
+                  </a:solidFill>
+                  <a:prstDash val="solid"/>
+                </a:ln>
+                <a:solidFill>
                   <a:schemeClr val="accent2"/>
                 </a:solidFill>
               </a:rPr>
-              <a:t>Failed to Raise arm in time.</a:t>
+              <a:t>Lower Hand   Lower Hand</a:t>
             </a:r>
             <a:endParaRPr lang="en-US" sz="23900" b="1" cap="small" spc="600" dirty="0">
+              <a:ln w="12700">
+                <a:solidFill>
+                  <a:srgbClr val="FFFFFF"/>
+                </a:solidFill>
+                <a:prstDash val="solid"/>
+              </a:ln>
+              <a:solidFill>
+                <a:schemeClr val="accent2"/>
+              </a:solidFill>
+            </a:endParaRPr>
+          </a:p>
+        </p:txBody>
+      </p:sp>
+      <p:cxnSp>
+        <p:nvCxnSpPr>
+          <p:cNvPr id="20" name="Connecteur droit 19"/>
+          <p:cNvCxnSpPr>
+            <a:stCxn id="18" idx="1"/>
+            <a:endCxn id="18" idx="5"/>
+          </p:cNvCxnSpPr>
+          <p:nvPr/>
+        </p:nvCxnSpPr>
+        <p:spPr>
+          <a:xfrm>
+            <a:off x="6416883" y="6416882"/>
+            <a:ext cx="5600285" cy="5600286"/>
+          </a:xfrm>
+          <a:prstGeom prst="line">
+            <a:avLst/>
+          </a:prstGeom>
+          <a:ln w="304800">
+            <a:solidFill>
+              <a:schemeClr val="accent2"/>
+            </a:solidFill>
+          </a:ln>
+        </p:spPr>
+        <p:style>
+          <a:lnRef idx="2">
+            <a:schemeClr val="accent1"/>
+          </a:lnRef>
+          <a:fillRef idx="0">
+            <a:schemeClr val="accent1"/>
+          </a:fillRef>
+          <a:effectRef idx="1">
+            <a:schemeClr val="accent1"/>
+          </a:effectRef>
+          <a:fontRef idx="minor">
+            <a:schemeClr val="tx1"/>
+          </a:fontRef>
+        </p:style>
+      </p:cxnSp>
+      <p:sp>
+        <p:nvSpPr>
+          <p:cNvPr id="18" name="Ellipse 17"/>
+          <p:cNvSpPr>
+            <a:spLocks noChangeAspect="1"/>
+          </p:cNvSpPr>
+          <p:nvPr/>
+        </p:nvSpPr>
+        <p:spPr>
+          <a:xfrm>
+            <a:off x="5257026" y="5257025"/>
+            <a:ext cx="7919999" cy="7920000"/>
+          </a:xfrm>
+          <a:prstGeom prst="ellipse">
+            <a:avLst/>
+          </a:prstGeom>
+          <a:noFill/>
+          <a:ln w="304800" cmpd="sng">
+            <a:solidFill>
+              <a:schemeClr val="accent2"/>
+            </a:solidFill>
+          </a:ln>
+        </p:spPr>
+        <p:style>
+          <a:lnRef idx="1">
+            <a:schemeClr val="accent1"/>
+          </a:lnRef>
+          <a:fillRef idx="3">
+            <a:schemeClr val="accent1"/>
+          </a:fillRef>
+          <a:effectRef idx="2">
+            <a:schemeClr val="accent1"/>
+          </a:effectRef>
+          <a:fontRef idx="minor">
+            <a:schemeClr val="lt1"/>
+          </a:fontRef>
+        </p:style>
+        <p:txBody>
+          <a:bodyPr rtlCol="0" anchor="ctr"/>
+          <a:lstStyle/>
+          <a:p>
+            <a:pPr algn="ctr"/>
+            <a:endParaRPr lang="en-US"/>
+          </a:p>
+        </p:txBody>
+      </p:sp>
+    </p:spTree>
+    <p:extLst>
+      <p:ext uri="{BB962C8B-B14F-4D97-AF65-F5344CB8AC3E}">
+        <p14:creationId xmlns:p14="http://schemas.microsoft.com/office/powerpoint/2010/main" val="889738266"/>
+      </p:ext>
+    </p:extLst>
+  </p:cSld>
+  <p:clrMapOvr>
+    <a:masterClrMapping/>
+  </p:clrMapOvr>
+</p:sld>
+</file>
+
+<file path=ppt/slides/slide5.xml><?xml version="1.0" encoding="utf-8"?>
+<p:sld xmlns:a="http://schemas.openxmlformats.org/drawingml/2006/main" xmlns:r="http://schemas.openxmlformats.org/officeDocument/2006/relationships" xmlns:p="http://schemas.openxmlformats.org/presentationml/2006/main">
+  <p:cSld>
+    <p:spTree>
+      <p:nvGrpSpPr>
+        <p:cNvPr id="1" name=""/>
+        <p:cNvGrpSpPr/>
+        <p:nvPr/>
+      </p:nvGrpSpPr>
+      <p:grpSpPr>
+        <a:xfrm>
+          <a:off x="0" y="0"/>
+          <a:ext cx="0" cy="0"/>
+          <a:chOff x="0" y="0"/>
+          <a:chExt cx="0" cy="0"/>
+        </a:xfrm>
+      </p:grpSpPr>
+      <p:sp>
+        <p:nvSpPr>
+          <p:cNvPr id="5" name="Bouée 4"/>
+          <p:cNvSpPr>
+            <a:spLocks noChangeAspect="1"/>
+          </p:cNvSpPr>
+          <p:nvPr/>
+        </p:nvSpPr>
+        <p:spPr>
+          <a:xfrm>
+            <a:off x="1614253" y="1610484"/>
+            <a:ext cx="15228000" cy="15228000"/>
+          </a:xfrm>
+          <a:prstGeom prst="donut">
+            <a:avLst>
+              <a:gd name="adj" fmla="val 30982"/>
+            </a:avLst>
+          </a:prstGeom>
+          <a:solidFill>
+            <a:schemeClr val="bg1"/>
+          </a:solidFill>
+          <a:ln w="76200" cmpd="sng">
+            <a:noFill/>
+          </a:ln>
+        </p:spPr>
+        <p:style>
+          <a:lnRef idx="1">
+            <a:schemeClr val="accent1"/>
+          </a:lnRef>
+          <a:fillRef idx="3">
+            <a:schemeClr val="accent1"/>
+          </a:fillRef>
+          <a:effectRef idx="2">
+            <a:schemeClr val="accent1"/>
+          </a:effectRef>
+          <a:fontRef idx="minor">
+            <a:schemeClr val="lt1"/>
+          </a:fontRef>
+        </p:style>
+        <p:txBody>
+          <a:bodyPr rtlCol="0" anchor="ctr"/>
+          <a:lstStyle/>
+          <a:p>
+            <a:pPr algn="ctr"/>
+            <a:endParaRPr lang="en-US">
+              <a:solidFill>
+                <a:schemeClr val="tx1"/>
+              </a:solidFill>
+            </a:endParaRPr>
+          </a:p>
+        </p:txBody>
+      </p:sp>
+      <p:sp>
+        <p:nvSpPr>
+          <p:cNvPr id="2" name="Rectangle 1"/>
+          <p:cNvSpPr>
+            <a:spLocks noChangeAspect="1"/>
+          </p:cNvSpPr>
+          <p:nvPr/>
+        </p:nvSpPr>
+        <p:spPr>
+          <a:xfrm rot="16200000">
+            <a:off x="3277028" y="3277028"/>
+            <a:ext cx="11879995" cy="11879995"/>
+          </a:xfrm>
+          <a:prstGeom prst="rect">
+            <a:avLst/>
+          </a:prstGeom>
+          <a:noFill/>
+        </p:spPr>
+        <p:txBody>
+          <a:bodyPr wrap="none" lIns="210669" tIns="105334" rIns="210669" bIns="105334">
+            <a:prstTxWarp prst="textCircle">
+              <a:avLst>
+                <a:gd name="adj" fmla="val 10946467"/>
+              </a:avLst>
+            </a:prstTxWarp>
+            <a:spAutoFit/>
+          </a:bodyPr>
+          <a:lstStyle/>
+          <a:p>
+            <a:pPr algn="ctr"/>
+            <a:r>
+              <a:rPr lang="en-US" sz="23900" b="1" cap="small" spc="300" dirty="0" smtClean="0">
+                <a:ln w="12700">
+                  <a:solidFill>
+                    <a:srgbClr val="FFFFFF"/>
+                  </a:solidFill>
+                  <a:prstDash val="solid"/>
+                </a:ln>
+                <a:solidFill>
+                  <a:schemeClr val="accent2"/>
+                </a:solidFill>
+              </a:rPr>
+              <a:t>Time to lower hand exceeded.</a:t>
+            </a:r>
+            <a:endParaRPr lang="en-US" sz="23900" b="1" cap="small" spc="300" dirty="0">
               <a:ln w="12700">
                 <a:solidFill>
                   <a:srgbClr val="FFFFFF"/>
@@ -6078,7 +6174,7 @@
     </p:spTree>
     <p:extLst>
       <p:ext uri="{BB962C8B-B14F-4D97-AF65-F5344CB8AC3E}">
-        <p14:creationId xmlns:p14="http://schemas.microsoft.com/office/powerpoint/2010/main" val="193441351"/>
+        <p14:creationId xmlns:p14="http://schemas.microsoft.com/office/powerpoint/2010/main" val="291435061"/>
       </p:ext>
     </p:extLst>
   </p:cSld>
@@ -6088,7 +6184,7 @@
 </p:sld>
 </file>
 
-<file path=ppt/slides/slide7.xml><?xml version="1.0" encoding="utf-8"?>
+<file path=ppt/slides/slide6.xml><?xml version="1.0" encoding="utf-8"?>
 <p:sld xmlns:a="http://schemas.openxmlformats.org/drawingml/2006/main" xmlns:r="http://schemas.openxmlformats.org/officeDocument/2006/relationships" xmlns:p="http://schemas.openxmlformats.org/presentationml/2006/main">
   <p:cSld>
     <p:spTree>
@@ -6157,6 +6253,39 @@
           </a:p>
         </p:txBody>
       </p:sp>
+      <p:pic>
+        <p:nvPicPr>
+          <p:cNvPr id="4" name="Image 3" descr="4cb46pEdi.gif"/>
+          <p:cNvPicPr>
+            <a:picLocks noChangeAspect="1"/>
+          </p:cNvPicPr>
+          <p:nvPr/>
+        </p:nvPicPr>
+        <p:blipFill>
+          <a:blip r:embed="rId2">
+            <a:extLst>
+              <a:ext uri="{28A0092B-C50C-407E-A947-70E740481C1C}">
+                <a14:useLocalDpi xmlns:a14="http://schemas.microsoft.com/office/drawing/2010/main" val="0"/>
+              </a:ext>
+            </a:extLst>
+          </a:blip>
+          <a:stretch>
+            <a:fillRect/>
+          </a:stretch>
+        </p:blipFill>
+        <p:spPr>
+          <a:xfrm>
+            <a:off x="6268275" y="5197830"/>
+            <a:ext cx="6686364" cy="10029547"/>
+          </a:xfrm>
+          <a:prstGeom prst="rect">
+            <a:avLst/>
+          </a:prstGeom>
+          <a:ln>
+            <a:noFill/>
+          </a:ln>
+        </p:spPr>
+      </p:pic>
       <p:sp>
         <p:nvSpPr>
           <p:cNvPr id="2" name="Rectangle 1"/>
@@ -6188,6 +6317,192 @@
           <a:p>
             <a:pPr algn="ctr"/>
             <a:r>
+              <a:rPr lang="en-US" sz="23900" b="1" cap="small" dirty="0" smtClean="0">
+                <a:ln w="12700">
+                  <a:solidFill>
+                    <a:srgbClr val="FFFFFF"/>
+                  </a:solidFill>
+                  <a:prstDash val="solid"/>
+                </a:ln>
+                <a:solidFill>
+                  <a:schemeClr val="accent2"/>
+                </a:solidFill>
+              </a:rPr>
+              <a:t>Raise hand and aim at target.</a:t>
+            </a:r>
+            <a:endParaRPr lang="en-US" sz="23900" b="1" cap="small" dirty="0">
+              <a:ln w="12700">
+                <a:solidFill>
+                  <a:srgbClr val="FFFFFF"/>
+                </a:solidFill>
+                <a:prstDash val="solid"/>
+              </a:ln>
+              <a:solidFill>
+                <a:schemeClr val="accent2"/>
+              </a:solidFill>
+            </a:endParaRPr>
+          </a:p>
+        </p:txBody>
+      </p:sp>
+      <p:sp>
+        <p:nvSpPr>
+          <p:cNvPr id="18" name="Ellipse 17"/>
+          <p:cNvSpPr>
+            <a:spLocks noChangeAspect="1"/>
+          </p:cNvSpPr>
+          <p:nvPr/>
+        </p:nvSpPr>
+        <p:spPr>
+          <a:xfrm>
+            <a:off x="4897026" y="4897026"/>
+            <a:ext cx="8639998" cy="8639999"/>
+          </a:xfrm>
+          <a:prstGeom prst="ellipse">
+            <a:avLst/>
+          </a:prstGeom>
+          <a:noFill/>
+          <a:ln w="304800" cmpd="sng">
+            <a:solidFill>
+              <a:srgbClr val="008000"/>
+            </a:solidFill>
+          </a:ln>
+        </p:spPr>
+        <p:style>
+          <a:lnRef idx="1">
+            <a:schemeClr val="accent1"/>
+          </a:lnRef>
+          <a:fillRef idx="3">
+            <a:schemeClr val="accent1"/>
+          </a:fillRef>
+          <a:effectRef idx="2">
+            <a:schemeClr val="accent1"/>
+          </a:effectRef>
+          <a:fontRef idx="minor">
+            <a:schemeClr val="lt1"/>
+          </a:fontRef>
+        </p:style>
+        <p:txBody>
+          <a:bodyPr rtlCol="0" anchor="ctr"/>
+          <a:lstStyle/>
+          <a:p>
+            <a:pPr algn="ctr"/>
+            <a:endParaRPr lang="en-US"/>
+          </a:p>
+        </p:txBody>
+      </p:sp>
+    </p:spTree>
+    <p:extLst>
+      <p:ext uri="{BB962C8B-B14F-4D97-AF65-F5344CB8AC3E}">
+        <p14:creationId xmlns:p14="http://schemas.microsoft.com/office/powerpoint/2010/main" val="2779772020"/>
+      </p:ext>
+    </p:extLst>
+  </p:cSld>
+  <p:clrMapOvr>
+    <a:masterClrMapping/>
+  </p:clrMapOvr>
+</p:sld>
+</file>
+
+<file path=ppt/slides/slide7.xml><?xml version="1.0" encoding="utf-8"?>
+<p:sld xmlns:a="http://schemas.openxmlformats.org/drawingml/2006/main" xmlns:r="http://schemas.openxmlformats.org/officeDocument/2006/relationships" xmlns:p="http://schemas.openxmlformats.org/presentationml/2006/main">
+  <p:cSld>
+    <p:spTree>
+      <p:nvGrpSpPr>
+        <p:cNvPr id="1" name=""/>
+        <p:cNvGrpSpPr/>
+        <p:nvPr/>
+      </p:nvGrpSpPr>
+      <p:grpSpPr>
+        <a:xfrm>
+          <a:off x="0" y="0"/>
+          <a:ext cx="0" cy="0"/>
+          <a:chOff x="0" y="0"/>
+          <a:chExt cx="0" cy="0"/>
+        </a:xfrm>
+      </p:grpSpPr>
+      <p:sp>
+        <p:nvSpPr>
+          <p:cNvPr id="5" name="Bouée 4"/>
+          <p:cNvSpPr>
+            <a:spLocks noChangeAspect="1"/>
+          </p:cNvSpPr>
+          <p:nvPr/>
+        </p:nvSpPr>
+        <p:spPr>
+          <a:xfrm>
+            <a:off x="1614253" y="1610484"/>
+            <a:ext cx="15228000" cy="15228000"/>
+          </a:xfrm>
+          <a:prstGeom prst="donut">
+            <a:avLst>
+              <a:gd name="adj" fmla="val 30982"/>
+            </a:avLst>
+          </a:prstGeom>
+          <a:solidFill>
+            <a:schemeClr val="bg1"/>
+          </a:solidFill>
+          <a:ln w="76200" cmpd="sng">
+            <a:noFill/>
+          </a:ln>
+        </p:spPr>
+        <p:style>
+          <a:lnRef idx="1">
+            <a:schemeClr val="accent1"/>
+          </a:lnRef>
+          <a:fillRef idx="3">
+            <a:schemeClr val="accent1"/>
+          </a:fillRef>
+          <a:effectRef idx="2">
+            <a:schemeClr val="accent1"/>
+          </a:effectRef>
+          <a:fontRef idx="minor">
+            <a:schemeClr val="lt1"/>
+          </a:fontRef>
+        </p:style>
+        <p:txBody>
+          <a:bodyPr rtlCol="0" anchor="ctr"/>
+          <a:lstStyle/>
+          <a:p>
+            <a:pPr algn="ctr"/>
+            <a:endParaRPr lang="en-US">
+              <a:solidFill>
+                <a:schemeClr val="tx1"/>
+              </a:solidFill>
+            </a:endParaRPr>
+          </a:p>
+        </p:txBody>
+      </p:sp>
+      <p:sp>
+        <p:nvSpPr>
+          <p:cNvPr id="2" name="Rectangle 1"/>
+          <p:cNvSpPr>
+            <a:spLocks noChangeAspect="1"/>
+          </p:cNvSpPr>
+          <p:nvPr/>
+        </p:nvSpPr>
+        <p:spPr>
+          <a:xfrm rot="16200000">
+            <a:off x="3277028" y="3277028"/>
+            <a:ext cx="11879995" cy="11879995"/>
+          </a:xfrm>
+          <a:prstGeom prst="rect">
+            <a:avLst/>
+          </a:prstGeom>
+          <a:noFill/>
+        </p:spPr>
+        <p:txBody>
+          <a:bodyPr wrap="none" lIns="210669" tIns="105334" rIns="210669" bIns="105334">
+            <a:prstTxWarp prst="textCircle">
+              <a:avLst>
+                <a:gd name="adj" fmla="val 10946467"/>
+              </a:avLst>
+            </a:prstTxWarp>
+            <a:spAutoFit/>
+          </a:bodyPr>
+          <a:lstStyle/>
+          <a:p>
+            <a:pPr algn="ctr"/>
+            <a:r>
               <a:rPr lang="en-US" sz="23900" b="1" cap="small" spc="600" dirty="0" smtClean="0">
                 <a:ln w="12700">
                   <a:solidFill>
@@ -6199,7 +6514,21 @@
                   <a:schemeClr val="accent2"/>
                 </a:solidFill>
               </a:rPr>
-              <a:t>Time to tilt head exceeded.</a:t>
+              <a:t>Time to raise hand exceeded</a:t>
+            </a:r>
+            <a:r>
+              <a:rPr lang="en-US" sz="23900" b="1" cap="small" spc="600" dirty="0" smtClean="0">
+                <a:ln w="12700">
+                  <a:solidFill>
+                    <a:srgbClr val="FFFFFF"/>
+                  </a:solidFill>
+                  <a:prstDash val="solid"/>
+                </a:ln>
+                <a:solidFill>
+                  <a:schemeClr val="accent2"/>
+                </a:solidFill>
+              </a:rPr>
+              <a:t>.</a:t>
             </a:r>
             <a:endParaRPr lang="en-US" sz="23900" b="1" cap="small" spc="600" dirty="0">
               <a:ln w="12700">
@@ -6810,7 +7139,7 @@
     </p:spTree>
     <p:extLst>
       <p:ext uri="{BB962C8B-B14F-4D97-AF65-F5344CB8AC3E}">
-        <p14:creationId xmlns:p14="http://schemas.microsoft.com/office/powerpoint/2010/main" val="1908434010"/>
+        <p14:creationId xmlns:p14="http://schemas.microsoft.com/office/powerpoint/2010/main" val="193441351"/>
       </p:ext>
     </p:extLst>
   </p:cSld>
@@ -6931,7 +7260,253 @@
                   <a:schemeClr val="accent2"/>
                 </a:solidFill>
               </a:rPr>
-              <a:t>Time to respond exceeded.</a:t>
+              <a:t>Head tilt not maintained.</a:t>
+            </a:r>
+            <a:endParaRPr lang="en-US" sz="23900" b="1" cap="small" spc="600" dirty="0">
+              <a:ln w="12700">
+                <a:solidFill>
+                  <a:srgbClr val="FFFFFF"/>
+                </a:solidFill>
+                <a:prstDash val="solid"/>
+              </a:ln>
+              <a:solidFill>
+                <a:schemeClr val="accent2"/>
+              </a:solidFill>
+            </a:endParaRPr>
+          </a:p>
+        </p:txBody>
+      </p:sp>
+      <p:sp>
+        <p:nvSpPr>
+          <p:cNvPr id="3" name="Rectangle 2"/>
+          <p:cNvSpPr>
+            <a:spLocks noChangeAspect="1"/>
+          </p:cNvSpPr>
+          <p:nvPr/>
+        </p:nvSpPr>
+        <p:spPr>
+          <a:xfrm rot="16200000">
+            <a:off x="5257022" y="5257026"/>
+            <a:ext cx="7920006" cy="7919999"/>
+          </a:xfrm>
+          <a:prstGeom prst="rect">
+            <a:avLst/>
+          </a:prstGeom>
+          <a:noFill/>
+        </p:spPr>
+        <p:txBody>
+          <a:bodyPr wrap="none" lIns="210669" tIns="105334" rIns="210669" bIns="105334">
+            <a:prstTxWarp prst="textCircle">
+              <a:avLst>
+                <a:gd name="adj" fmla="val 10916975"/>
+              </a:avLst>
+            </a:prstTxWarp>
+            <a:spAutoFit/>
+          </a:bodyPr>
+          <a:lstStyle/>
+          <a:p>
+            <a:pPr algn="ctr"/>
+            <a:r>
+              <a:rPr lang="en-US" sz="13800" b="1" cap="small" spc="300" dirty="0" smtClean="0">
+                <a:ln w="12700">
+                  <a:noFill/>
+                  <a:prstDash val="solid"/>
+                </a:ln>
+                <a:solidFill>
+                  <a:schemeClr val="accent1"/>
+                </a:solidFill>
+                <a:effectLst>
+                  <a:outerShdw blurRad="41275" dist="20320" dir="1800000" algn="tl" rotWithShape="0">
+                    <a:srgbClr val="000000">
+                      <a:alpha val="40000"/>
+                    </a:srgbClr>
+                  </a:outerShdw>
+                </a:effectLst>
+              </a:rPr>
+              <a:t> Press </a:t>
+            </a:r>
+            <a:r>
+              <a:rPr lang="en-US" sz="13800" b="1" cap="small" spc="300" dirty="0">
+                <a:ln w="12700">
+                  <a:noFill/>
+                  <a:prstDash val="solid"/>
+                </a:ln>
+                <a:solidFill>
+                  <a:schemeClr val="accent1"/>
+                </a:solidFill>
+                <a:effectLst>
+                  <a:outerShdw blurRad="41275" dist="20320" dir="1800000" algn="tl" rotWithShape="0">
+                    <a:srgbClr val="000000">
+                      <a:alpha val="40000"/>
+                    </a:srgbClr>
+                  </a:outerShdw>
+                </a:effectLst>
+              </a:rPr>
+              <a:t>a button to continue</a:t>
+            </a:r>
+            <a:r>
+              <a:rPr lang="en-US" sz="13800" b="1" cap="small" spc="300" dirty="0" smtClean="0">
+                <a:ln w="12700">
+                  <a:noFill/>
+                  <a:prstDash val="solid"/>
+                </a:ln>
+                <a:solidFill>
+                  <a:schemeClr val="accent1"/>
+                </a:solidFill>
+                <a:effectLst>
+                  <a:outerShdw blurRad="41275" dist="20320" dir="1800000" algn="tl" rotWithShape="0">
+                    <a:srgbClr val="000000">
+                      <a:alpha val="40000"/>
+                    </a:srgbClr>
+                  </a:outerShdw>
+                </a:effectLst>
+              </a:rPr>
+              <a:t>.</a:t>
+            </a:r>
+            <a:endParaRPr lang="en-US" sz="13800" b="1" cap="small" spc="300" dirty="0">
+              <a:ln w="12700">
+                <a:noFill/>
+                <a:prstDash val="solid"/>
+              </a:ln>
+              <a:solidFill>
+                <a:schemeClr val="accent1"/>
+              </a:solidFill>
+              <a:effectLst>
+                <a:outerShdw blurRad="41275" dist="20320" dir="1800000" algn="tl" rotWithShape="0">
+                  <a:srgbClr val="000000">
+                    <a:alpha val="40000"/>
+                  </a:srgbClr>
+                </a:outerShdw>
+              </a:effectLst>
+            </a:endParaRPr>
+          </a:p>
+        </p:txBody>
+      </p:sp>
+    </p:spTree>
+    <p:extLst>
+      <p:ext uri="{BB962C8B-B14F-4D97-AF65-F5344CB8AC3E}">
+        <p14:creationId xmlns:p14="http://schemas.microsoft.com/office/powerpoint/2010/main" val="2090264467"/>
+      </p:ext>
+    </p:extLst>
+  </p:cSld>
+  <p:clrMapOvr>
+    <a:masterClrMapping/>
+  </p:clrMapOvr>
+</p:sld>
+</file>
+
+<file path=ppt/slides/slide9.xml><?xml version="1.0" encoding="utf-8"?>
+<p:sld xmlns:a="http://schemas.openxmlformats.org/drawingml/2006/main" xmlns:r="http://schemas.openxmlformats.org/officeDocument/2006/relationships" xmlns:p="http://schemas.openxmlformats.org/presentationml/2006/main">
+  <p:cSld>
+    <p:spTree>
+      <p:nvGrpSpPr>
+        <p:cNvPr id="1" name=""/>
+        <p:cNvGrpSpPr/>
+        <p:nvPr/>
+      </p:nvGrpSpPr>
+      <p:grpSpPr>
+        <a:xfrm>
+          <a:off x="0" y="0"/>
+          <a:ext cx="0" cy="0"/>
+          <a:chOff x="0" y="0"/>
+          <a:chExt cx="0" cy="0"/>
+        </a:xfrm>
+      </p:grpSpPr>
+      <p:sp>
+        <p:nvSpPr>
+          <p:cNvPr id="5" name="Bouée 4"/>
+          <p:cNvSpPr>
+            <a:spLocks noChangeAspect="1"/>
+          </p:cNvSpPr>
+          <p:nvPr/>
+        </p:nvSpPr>
+        <p:spPr>
+          <a:xfrm>
+            <a:off x="1614253" y="1610484"/>
+            <a:ext cx="15228000" cy="15228000"/>
+          </a:xfrm>
+          <a:prstGeom prst="donut">
+            <a:avLst>
+              <a:gd name="adj" fmla="val 30982"/>
+            </a:avLst>
+          </a:prstGeom>
+          <a:solidFill>
+            <a:schemeClr val="bg1"/>
+          </a:solidFill>
+          <a:ln w="76200" cmpd="sng">
+            <a:noFill/>
+          </a:ln>
+        </p:spPr>
+        <p:style>
+          <a:lnRef idx="1">
+            <a:schemeClr val="accent1"/>
+          </a:lnRef>
+          <a:fillRef idx="3">
+            <a:schemeClr val="accent1"/>
+          </a:fillRef>
+          <a:effectRef idx="2">
+            <a:schemeClr val="accent1"/>
+          </a:effectRef>
+          <a:fontRef idx="minor">
+            <a:schemeClr val="lt1"/>
+          </a:fontRef>
+        </p:style>
+        <p:txBody>
+          <a:bodyPr rtlCol="0" anchor="ctr"/>
+          <a:lstStyle/>
+          <a:p>
+            <a:pPr algn="ctr"/>
+            <a:endParaRPr lang="en-US">
+              <a:solidFill>
+                <a:schemeClr val="tx1"/>
+              </a:solidFill>
+            </a:endParaRPr>
+          </a:p>
+        </p:txBody>
+      </p:sp>
+      <p:sp>
+        <p:nvSpPr>
+          <p:cNvPr id="2" name="Rectangle 1"/>
+          <p:cNvSpPr>
+            <a:spLocks noChangeAspect="1"/>
+          </p:cNvSpPr>
+          <p:nvPr/>
+        </p:nvSpPr>
+        <p:spPr>
+          <a:xfrm rot="16200000">
+            <a:off x="3277028" y="3277028"/>
+            <a:ext cx="11879995" cy="11879995"/>
+          </a:xfrm>
+          <a:prstGeom prst="rect">
+            <a:avLst/>
+          </a:prstGeom>
+          <a:noFill/>
+        </p:spPr>
+        <p:txBody>
+          <a:bodyPr wrap="none" lIns="210669" tIns="105334" rIns="210669" bIns="105334">
+            <a:prstTxWarp prst="textCircle">
+              <a:avLst>
+                <a:gd name="adj" fmla="val 10946467"/>
+              </a:avLst>
+            </a:prstTxWarp>
+            <a:spAutoFit/>
+          </a:bodyPr>
+          <a:lstStyle/>
+          <a:p>
+            <a:pPr algn="ctr"/>
+            <a:r>
+              <a:rPr lang="en-US" sz="23900" b="1" cap="small" spc="600" dirty="0" smtClean="0">
+                <a:ln w="12700">
+                  <a:solidFill>
+                    <a:srgbClr val="FFFFFF"/>
+                  </a:solidFill>
+                  <a:prstDash val="solid"/>
+                </a:ln>
+                <a:solidFill>
+                  <a:schemeClr val="accent2"/>
+                </a:solidFill>
+              </a:rPr>
+              <a:t>Time to tilt head exceeded.</a:t>
             </a:r>
             <a:endParaRPr lang="en-US" sz="23900" b="1" cap="small" spc="600" dirty="0">
               <a:ln w="12700">

--- a/Source Code/GraspBMPs/GraspCircularPrompts.pptx
+++ b/Source Code/GraspBMPs/GraspCircularPrompts.pptx
@@ -16,6 +16,9 @@
     <p:sldId id="273" r:id="rId10"/>
     <p:sldId id="274" r:id="rId11"/>
     <p:sldId id="270" r:id="rId12"/>
+    <p:sldId id="279" r:id="rId13"/>
+    <p:sldId id="278" r:id="rId14"/>
+    <p:sldId id="280" r:id="rId15"/>
   </p:sldIdLst>
   <p:sldSz cx="18434050" cy="18434050"/>
   <p:notesSz cx="6858000" cy="9144000"/>
@@ -298,7 +301,7 @@
           <a:p>
             <a:fld id="{649FEDF0-7D14-9E44-B4F2-968D163D1479}" type="datetimeFigureOut">
               <a:rPr lang="fr-FR" smtClean="0"/>
-              <a:t>30/07/16</a:t>
+              <a:t>31/07/16</a:t>
             </a:fld>
             <a:endParaRPr lang="en-US"/>
           </a:p>
@@ -468,7 +471,7 @@
           <a:p>
             <a:fld id="{649FEDF0-7D14-9E44-B4F2-968D163D1479}" type="datetimeFigureOut">
               <a:rPr lang="fr-FR" smtClean="0"/>
-              <a:t>30/07/16</a:t>
+              <a:t>31/07/16</a:t>
             </a:fld>
             <a:endParaRPr lang="en-US"/>
           </a:p>
@@ -648,7 +651,7 @@
           <a:p>
             <a:fld id="{649FEDF0-7D14-9E44-B4F2-968D163D1479}" type="datetimeFigureOut">
               <a:rPr lang="fr-FR" smtClean="0"/>
-              <a:t>30/07/16</a:t>
+              <a:t>31/07/16</a:t>
             </a:fld>
             <a:endParaRPr lang="en-US"/>
           </a:p>
@@ -818,7 +821,7 @@
           <a:p>
             <a:fld id="{649FEDF0-7D14-9E44-B4F2-968D163D1479}" type="datetimeFigureOut">
               <a:rPr lang="fr-FR" smtClean="0"/>
-              <a:t>30/07/16</a:t>
+              <a:t>31/07/16</a:t>
             </a:fld>
             <a:endParaRPr lang="en-US"/>
           </a:p>
@@ -1064,7 +1067,7 @@
           <a:p>
             <a:fld id="{649FEDF0-7D14-9E44-B4F2-968D163D1479}" type="datetimeFigureOut">
               <a:rPr lang="fr-FR" smtClean="0"/>
-              <a:t>30/07/16</a:t>
+              <a:t>31/07/16</a:t>
             </a:fld>
             <a:endParaRPr lang="en-US"/>
           </a:p>
@@ -1352,7 +1355,7 @@
           <a:p>
             <a:fld id="{649FEDF0-7D14-9E44-B4F2-968D163D1479}" type="datetimeFigureOut">
               <a:rPr lang="fr-FR" smtClean="0"/>
-              <a:t>30/07/16</a:t>
+              <a:t>31/07/16</a:t>
             </a:fld>
             <a:endParaRPr lang="en-US"/>
           </a:p>
@@ -1774,7 +1777,7 @@
           <a:p>
             <a:fld id="{649FEDF0-7D14-9E44-B4F2-968D163D1479}" type="datetimeFigureOut">
               <a:rPr lang="fr-FR" smtClean="0"/>
-              <a:t>30/07/16</a:t>
+              <a:t>31/07/16</a:t>
             </a:fld>
             <a:endParaRPr lang="en-US"/>
           </a:p>
@@ -1892,7 +1895,7 @@
           <a:p>
             <a:fld id="{649FEDF0-7D14-9E44-B4F2-968D163D1479}" type="datetimeFigureOut">
               <a:rPr lang="fr-FR" smtClean="0"/>
-              <a:t>30/07/16</a:t>
+              <a:t>31/07/16</a:t>
             </a:fld>
             <a:endParaRPr lang="en-US"/>
           </a:p>
@@ -1987,7 +1990,7 @@
           <a:p>
             <a:fld id="{649FEDF0-7D14-9E44-B4F2-968D163D1479}" type="datetimeFigureOut">
               <a:rPr lang="fr-FR" smtClean="0"/>
-              <a:t>30/07/16</a:t>
+              <a:t>31/07/16</a:t>
             </a:fld>
             <a:endParaRPr lang="en-US"/>
           </a:p>
@@ -2312,7 +2315,7 @@
           <a:p>
             <a:fld id="{649FEDF0-7D14-9E44-B4F2-968D163D1479}" type="datetimeFigureOut">
               <a:rPr lang="fr-FR" smtClean="0"/>
-              <a:t>30/07/16</a:t>
+              <a:t>31/07/16</a:t>
             </a:fld>
             <a:endParaRPr lang="en-US"/>
           </a:p>
@@ -2565,7 +2568,7 @@
           <a:p>
             <a:fld id="{649FEDF0-7D14-9E44-B4F2-968D163D1479}" type="datetimeFigureOut">
               <a:rPr lang="fr-FR" smtClean="0"/>
-              <a:t>30/07/16</a:t>
+              <a:t>31/07/16</a:t>
             </a:fld>
             <a:endParaRPr lang="en-US"/>
           </a:p>
@@ -2781,7 +2784,7 @@
           <a:p>
             <a:fld id="{649FEDF0-7D14-9E44-B4F2-968D163D1479}" type="datetimeFigureOut">
               <a:rPr lang="fr-FR" smtClean="0"/>
-              <a:t>30/07/16</a:t>
+              <a:t>31/07/16</a:t>
             </a:fld>
             <a:endParaRPr lang="en-US"/>
           </a:p>
@@ -4736,7 +4739,7 @@
 </p:sld>
 </file>
 
-<file path=ppt/slides/slide2.xml><?xml version="1.0" encoding="utf-8"?>
+<file path=ppt/slides/slide12.xml><?xml version="1.0" encoding="utf-8"?>
 <p:sld xmlns:a="http://schemas.openxmlformats.org/drawingml/2006/main" xmlns:r="http://schemas.openxmlformats.org/officeDocument/2006/relationships" xmlns:p="http://schemas.openxmlformats.org/presentationml/2006/main">
   <p:cSld>
     <p:spTree>
@@ -4836,7 +4839,7 @@
           <a:p>
             <a:pPr algn="ctr"/>
             <a:r>
-              <a:rPr lang="en-US" sz="23900" b="1" cap="small" spc="600" dirty="0" smtClean="0">
+              <a:rPr lang="en-US" sz="23900" b="1" cap="small" dirty="0" smtClean="0">
                 <a:ln w="12700">
                   <a:solidFill>
                     <a:srgbClr val="FFFFFF"/>
@@ -4844,249 +4847,13 @@
                   <a:prstDash val="solid"/>
                 </a:ln>
                 <a:solidFill>
-                  <a:schemeClr val="accent3">
-                    <a:lumMod val="75000"/>
-                  </a:schemeClr>
+                  <a:schemeClr val="accent2"/>
                 </a:solidFill>
               </a:rPr>
-              <a:t>  Ready to start next trial.</a:t>
-            </a:r>
-            <a:endParaRPr lang="en-US" sz="23900" b="1" cap="small" spc="600" dirty="0">
-              <a:ln w="12700">
-                <a:solidFill>
-                  <a:srgbClr val="FFFFFF"/>
-                </a:solidFill>
-                <a:prstDash val="solid"/>
-              </a:ln>
-              <a:solidFill>
-                <a:schemeClr val="accent3">
-                  <a:lumMod val="75000"/>
-                </a:schemeClr>
-              </a:solidFill>
-            </a:endParaRPr>
-          </a:p>
-        </p:txBody>
-      </p:sp>
-      <p:sp>
-        <p:nvSpPr>
-          <p:cNvPr id="3" name="Rectangle 2"/>
-          <p:cNvSpPr>
-            <a:spLocks noChangeAspect="1"/>
-          </p:cNvSpPr>
-          <p:nvPr/>
-        </p:nvSpPr>
-        <p:spPr>
-          <a:xfrm rot="16200000">
-            <a:off x="5257022" y="5257026"/>
-            <a:ext cx="7920006" cy="7919999"/>
-          </a:xfrm>
-          <a:prstGeom prst="rect">
-            <a:avLst/>
-          </a:prstGeom>
-          <a:noFill/>
-        </p:spPr>
-        <p:txBody>
-          <a:bodyPr wrap="none" lIns="210669" tIns="105334" rIns="210669" bIns="105334">
-            <a:prstTxWarp prst="textCircle">
-              <a:avLst>
-                <a:gd name="adj" fmla="val 10916975"/>
-              </a:avLst>
-            </a:prstTxWarp>
-            <a:spAutoFit/>
-          </a:bodyPr>
-          <a:lstStyle/>
-          <a:p>
-            <a:pPr algn="ctr"/>
-            <a:r>
-              <a:rPr lang="en-US" sz="13800" b="1" cap="small" spc="300" dirty="0" smtClean="0">
-                <a:ln w="12700">
-                  <a:noFill/>
-                  <a:prstDash val="solid"/>
-                </a:ln>
-                <a:solidFill>
-                  <a:schemeClr val="accent1"/>
-                </a:solidFill>
-                <a:effectLst>
-                  <a:outerShdw blurRad="41275" dist="20320" dir="1800000" algn="tl" rotWithShape="0">
-                    <a:srgbClr val="000000">
-                      <a:alpha val="40000"/>
-                    </a:srgbClr>
-                  </a:outerShdw>
-                </a:effectLst>
-              </a:rPr>
-              <a:t> Press </a:t>
-            </a:r>
-            <a:r>
-              <a:rPr lang="en-US" sz="13800" b="1" cap="small" spc="300" dirty="0">
-                <a:ln w="12700">
-                  <a:noFill/>
-                  <a:prstDash val="solid"/>
-                </a:ln>
-                <a:solidFill>
-                  <a:schemeClr val="accent1"/>
-                </a:solidFill>
-                <a:effectLst>
-                  <a:outerShdw blurRad="41275" dist="20320" dir="1800000" algn="tl" rotWithShape="0">
-                    <a:srgbClr val="000000">
-                      <a:alpha val="40000"/>
-                    </a:srgbClr>
-                  </a:outerShdw>
-                </a:effectLst>
-              </a:rPr>
-              <a:t>a button to continue</a:t>
-            </a:r>
-            <a:r>
-              <a:rPr lang="en-US" sz="13800" b="1" cap="small" spc="300" dirty="0" smtClean="0">
-                <a:ln w="12700">
-                  <a:noFill/>
-                  <a:prstDash val="solid"/>
-                </a:ln>
-                <a:solidFill>
-                  <a:schemeClr val="accent1"/>
-                </a:solidFill>
-                <a:effectLst>
-                  <a:outerShdw blurRad="41275" dist="20320" dir="1800000" algn="tl" rotWithShape="0">
-                    <a:srgbClr val="000000">
-                      <a:alpha val="40000"/>
-                    </a:srgbClr>
-                  </a:outerShdw>
-                </a:effectLst>
-              </a:rPr>
-              <a:t>.</a:t>
-            </a:r>
-            <a:endParaRPr lang="en-US" sz="13800" b="1" cap="small" spc="300" dirty="0">
-              <a:ln w="12700">
-                <a:noFill/>
-                <a:prstDash val="solid"/>
-              </a:ln>
-              <a:solidFill>
-                <a:schemeClr val="accent1"/>
-              </a:solidFill>
-              <a:effectLst>
-                <a:outerShdw blurRad="41275" dist="20320" dir="1800000" algn="tl" rotWithShape="0">
-                  <a:srgbClr val="000000">
-                    <a:alpha val="40000"/>
-                  </a:srgbClr>
-                </a:outerShdw>
-              </a:effectLst>
-            </a:endParaRPr>
-          </a:p>
-        </p:txBody>
-      </p:sp>
-    </p:spTree>
-    <p:extLst>
-      <p:ext uri="{BB962C8B-B14F-4D97-AF65-F5344CB8AC3E}">
-        <p14:creationId xmlns:p14="http://schemas.microsoft.com/office/powerpoint/2010/main" val="4227632991"/>
-      </p:ext>
-    </p:extLst>
-  </p:cSld>
-  <p:clrMapOvr>
-    <a:masterClrMapping/>
-  </p:clrMapOvr>
-</p:sld>
-</file>
-
-<file path=ppt/slides/slide3.xml><?xml version="1.0" encoding="utf-8"?>
-<p:sld xmlns:a="http://schemas.openxmlformats.org/drawingml/2006/main" xmlns:r="http://schemas.openxmlformats.org/officeDocument/2006/relationships" xmlns:p="http://schemas.openxmlformats.org/presentationml/2006/main">
-  <p:cSld>
-    <p:spTree>
-      <p:nvGrpSpPr>
-        <p:cNvPr id="1" name=""/>
-        <p:cNvGrpSpPr/>
-        <p:nvPr/>
-      </p:nvGrpSpPr>
-      <p:grpSpPr>
-        <a:xfrm>
-          <a:off x="0" y="0"/>
-          <a:ext cx="0" cy="0"/>
-          <a:chOff x="0" y="0"/>
-          <a:chExt cx="0" cy="0"/>
-        </a:xfrm>
-      </p:grpSpPr>
-      <p:sp>
-        <p:nvSpPr>
-          <p:cNvPr id="5" name="Bouée 4"/>
-          <p:cNvSpPr>
-            <a:spLocks noChangeAspect="1"/>
-          </p:cNvSpPr>
-          <p:nvPr/>
-        </p:nvSpPr>
-        <p:spPr>
-          <a:xfrm>
-            <a:off x="1614253" y="1610484"/>
-            <a:ext cx="15228000" cy="15228000"/>
-          </a:xfrm>
-          <a:prstGeom prst="donut">
-            <a:avLst>
-              <a:gd name="adj" fmla="val 30982"/>
-            </a:avLst>
-          </a:prstGeom>
-          <a:solidFill>
-            <a:schemeClr val="bg1"/>
-          </a:solidFill>
-          <a:ln w="76200" cmpd="sng">
-            <a:noFill/>
-          </a:ln>
-        </p:spPr>
-        <p:style>
-          <a:lnRef idx="1">
-            <a:schemeClr val="accent1"/>
-          </a:lnRef>
-          <a:fillRef idx="3">
-            <a:schemeClr val="accent1"/>
-          </a:fillRef>
-          <a:effectRef idx="2">
-            <a:schemeClr val="accent1"/>
-          </a:effectRef>
-          <a:fontRef idx="minor">
-            <a:schemeClr val="lt1"/>
-          </a:fontRef>
-        </p:style>
-        <p:txBody>
-          <a:bodyPr rtlCol="0" anchor="ctr"/>
-          <a:lstStyle/>
-          <a:p>
-            <a:pPr algn="ctr"/>
-            <a:endParaRPr lang="en-US">
-              <a:solidFill>
-                <a:schemeClr val="tx1"/>
-              </a:solidFill>
-            </a:endParaRPr>
-          </a:p>
-        </p:txBody>
-      </p:sp>
-      <p:sp>
-        <p:nvSpPr>
-          <p:cNvPr id="2" name="Rectangle 1"/>
-          <p:cNvSpPr>
-            <a:spLocks noChangeAspect="1"/>
-          </p:cNvSpPr>
-          <p:nvPr/>
-        </p:nvSpPr>
-        <p:spPr>
-          <a:xfrm rot="16200000">
-            <a:off x="3277028" y="3277028"/>
-            <a:ext cx="11879995" cy="11879995"/>
-          </a:xfrm>
-          <a:prstGeom prst="rect">
-            <a:avLst/>
-          </a:prstGeom>
-          <a:noFill/>
-        </p:spPr>
-        <p:txBody>
-          <a:bodyPr wrap="none" lIns="210669" tIns="105334" rIns="210669" bIns="105334">
-            <a:prstTxWarp prst="textCircle">
-              <a:avLst>
-                <a:gd name="adj" fmla="val 10946467"/>
-              </a:avLst>
-            </a:prstTxWarp>
-            <a:spAutoFit/>
-          </a:bodyPr>
-          <a:lstStyle/>
-          <a:p>
-            <a:pPr algn="ctr"/>
-            <a:r>
-              <a:rPr lang="en-US" sz="23900" b="1" cap="small" spc="600" dirty="0" smtClean="0">
+              <a:t>Time </a:t>
+            </a:r>
+            <a:r>
+              <a:rPr lang="en-US" sz="23900" b="1" cap="small" dirty="0" smtClean="0">
                 <a:ln w="12700">
                   <a:solidFill>
                     <a:srgbClr val="FFFFFF"/>
@@ -5094,478 +4861,12 @@
                   <a:prstDash val="solid"/>
                 </a:ln>
                 <a:solidFill>
-                  <a:schemeClr val="accent3">
-                    <a:lumMod val="75000"/>
-                  </a:schemeClr>
+                  <a:schemeClr val="accent2"/>
                 </a:solidFill>
               </a:rPr>
-              <a:t>Trial block completed.</a:t>
-            </a:r>
-            <a:endParaRPr lang="en-US" sz="23900" b="1" cap="small" spc="600" dirty="0">
-              <a:ln w="12700">
-                <a:solidFill>
-                  <a:srgbClr val="FFFFFF"/>
-                </a:solidFill>
-                <a:prstDash val="solid"/>
-              </a:ln>
-              <a:solidFill>
-                <a:schemeClr val="accent3">
-                  <a:lumMod val="75000"/>
-                </a:schemeClr>
-              </a:solidFill>
-            </a:endParaRPr>
-          </a:p>
-        </p:txBody>
-      </p:sp>
-      <p:sp>
-        <p:nvSpPr>
-          <p:cNvPr id="3" name="Rectangle 2"/>
-          <p:cNvSpPr>
-            <a:spLocks noChangeAspect="1"/>
-          </p:cNvSpPr>
-          <p:nvPr/>
-        </p:nvSpPr>
-        <p:spPr>
-          <a:xfrm rot="16200000">
-            <a:off x="5257022" y="5257026"/>
-            <a:ext cx="7920006" cy="7919999"/>
-          </a:xfrm>
-          <a:prstGeom prst="rect">
-            <a:avLst/>
-          </a:prstGeom>
-          <a:noFill/>
-        </p:spPr>
-        <p:txBody>
-          <a:bodyPr wrap="none" lIns="210669" tIns="105334" rIns="210669" bIns="105334">
-            <a:prstTxWarp prst="textCircle">
-              <a:avLst>
-                <a:gd name="adj" fmla="val 10916975"/>
-              </a:avLst>
-            </a:prstTxWarp>
-            <a:spAutoFit/>
-          </a:bodyPr>
-          <a:lstStyle/>
-          <a:p>
-            <a:pPr algn="ctr"/>
-            <a:r>
-              <a:rPr lang="en-US" sz="13800" b="1" cap="small" spc="300" dirty="0" smtClean="0">
-                <a:ln w="12700">
-                  <a:noFill/>
-                  <a:prstDash val="solid"/>
-                </a:ln>
-                <a:solidFill>
-                  <a:schemeClr val="accent1"/>
-                </a:solidFill>
-                <a:effectLst>
-                  <a:outerShdw blurRad="41275" dist="20320" dir="1800000" algn="tl" rotWithShape="0">
-                    <a:srgbClr val="000000">
-                      <a:alpha val="40000"/>
-                    </a:srgbClr>
-                  </a:outerShdw>
-                </a:effectLst>
-              </a:rPr>
-              <a:t>Doff HMD and press ‘Return’.</a:t>
-            </a:r>
-            <a:endParaRPr lang="en-US" sz="13800" b="1" cap="small" spc="300" dirty="0">
-              <a:ln w="12700">
-                <a:noFill/>
-                <a:prstDash val="solid"/>
-              </a:ln>
-              <a:solidFill>
-                <a:schemeClr val="accent1"/>
-              </a:solidFill>
-              <a:effectLst>
-                <a:outerShdw blurRad="41275" dist="20320" dir="1800000" algn="tl" rotWithShape="0">
-                  <a:srgbClr val="000000">
-                    <a:alpha val="40000"/>
-                  </a:srgbClr>
-                </a:outerShdw>
-              </a:effectLst>
-            </a:endParaRPr>
-          </a:p>
-        </p:txBody>
-      </p:sp>
-    </p:spTree>
-    <p:extLst>
-      <p:ext uri="{BB962C8B-B14F-4D97-AF65-F5344CB8AC3E}">
-        <p14:creationId xmlns:p14="http://schemas.microsoft.com/office/powerpoint/2010/main" val="2090264467"/>
-      </p:ext>
-    </p:extLst>
-  </p:cSld>
-  <p:clrMapOvr>
-    <a:masterClrMapping/>
-  </p:clrMapOvr>
-</p:sld>
-</file>
-
-<file path=ppt/slides/slide4.xml><?xml version="1.0" encoding="utf-8"?>
-<p:sld xmlns:a="http://schemas.openxmlformats.org/drawingml/2006/main" xmlns:r="http://schemas.openxmlformats.org/officeDocument/2006/relationships" xmlns:p="http://schemas.openxmlformats.org/presentationml/2006/main">
-  <p:cSld>
-    <p:spTree>
-      <p:nvGrpSpPr>
-        <p:cNvPr id="1" name=""/>
-        <p:cNvGrpSpPr/>
-        <p:nvPr/>
-      </p:nvGrpSpPr>
-      <p:grpSpPr>
-        <a:xfrm>
-          <a:off x="0" y="0"/>
-          <a:ext cx="0" cy="0"/>
-          <a:chOff x="0" y="0"/>
-          <a:chExt cx="0" cy="0"/>
-        </a:xfrm>
-      </p:grpSpPr>
-      <p:sp>
-        <p:nvSpPr>
-          <p:cNvPr id="5" name="Bouée 4"/>
-          <p:cNvSpPr>
-            <a:spLocks noChangeAspect="1"/>
-          </p:cNvSpPr>
-          <p:nvPr/>
-        </p:nvSpPr>
-        <p:spPr>
-          <a:xfrm>
-            <a:off x="1614253" y="1610484"/>
-            <a:ext cx="15228000" cy="15228000"/>
-          </a:xfrm>
-          <a:prstGeom prst="donut">
-            <a:avLst>
-              <a:gd name="adj" fmla="val 30982"/>
-            </a:avLst>
-          </a:prstGeom>
-          <a:solidFill>
-            <a:schemeClr val="bg1"/>
-          </a:solidFill>
-          <a:ln w="76200" cmpd="sng">
-            <a:noFill/>
-          </a:ln>
-        </p:spPr>
-        <p:style>
-          <a:lnRef idx="1">
-            <a:schemeClr val="accent1"/>
-          </a:lnRef>
-          <a:fillRef idx="3">
-            <a:schemeClr val="accent1"/>
-          </a:fillRef>
-          <a:effectRef idx="2">
-            <a:schemeClr val="accent1"/>
-          </a:effectRef>
-          <a:fontRef idx="minor">
-            <a:schemeClr val="lt1"/>
-          </a:fontRef>
-        </p:style>
-        <p:txBody>
-          <a:bodyPr rtlCol="0" anchor="ctr"/>
-          <a:lstStyle/>
-          <a:p>
-            <a:pPr algn="ctr"/>
-            <a:endParaRPr lang="en-US">
-              <a:solidFill>
-                <a:schemeClr val="tx1"/>
-              </a:solidFill>
-            </a:endParaRPr>
-          </a:p>
-        </p:txBody>
-      </p:sp>
-      <p:pic>
-        <p:nvPicPr>
-          <p:cNvPr id="4" name="Image 3" descr="4cb46pEdi.gif"/>
-          <p:cNvPicPr>
-            <a:picLocks noChangeAspect="1"/>
-          </p:cNvPicPr>
-          <p:nvPr/>
-        </p:nvPicPr>
-        <p:blipFill>
-          <a:blip r:embed="rId2">
-            <a:extLst>
-              <a:ext uri="{28A0092B-C50C-407E-A947-70E740481C1C}">
-                <a14:useLocalDpi xmlns:a14="http://schemas.microsoft.com/office/drawing/2010/main" val="0"/>
-              </a:ext>
-            </a:extLst>
-          </a:blip>
-          <a:stretch>
-            <a:fillRect/>
-          </a:stretch>
-        </p:blipFill>
-        <p:spPr>
-          <a:xfrm>
-            <a:off x="6268275" y="5197830"/>
-            <a:ext cx="6686364" cy="10029547"/>
-          </a:xfrm>
-          <a:prstGeom prst="rect">
-            <a:avLst/>
-          </a:prstGeom>
-        </p:spPr>
-      </p:pic>
-      <p:sp>
-        <p:nvSpPr>
-          <p:cNvPr id="2" name="Rectangle 1"/>
-          <p:cNvSpPr>
-            <a:spLocks noChangeAspect="1"/>
-          </p:cNvSpPr>
-          <p:nvPr/>
-        </p:nvSpPr>
-        <p:spPr>
-          <a:xfrm rot="16200000">
-            <a:off x="3277028" y="3277028"/>
-            <a:ext cx="11879995" cy="11879995"/>
-          </a:xfrm>
-          <a:prstGeom prst="rect">
-            <a:avLst/>
-          </a:prstGeom>
-          <a:noFill/>
-        </p:spPr>
-        <p:txBody>
-          <a:bodyPr wrap="none" lIns="210669" tIns="105334" rIns="210669" bIns="105334">
-            <a:prstTxWarp prst="textCircle">
-              <a:avLst>
-                <a:gd name="adj" fmla="val 10946467"/>
-              </a:avLst>
-            </a:prstTxWarp>
-            <a:spAutoFit/>
-          </a:bodyPr>
-          <a:lstStyle/>
-          <a:p>
-            <a:pPr algn="ctr"/>
-            <a:r>
-              <a:rPr lang="en-US" sz="23900" b="1" cap="small" spc="600" dirty="0" smtClean="0">
-                <a:ln w="12700">
-                  <a:solidFill>
-                    <a:srgbClr val="FFFFFF"/>
-                  </a:solidFill>
-                  <a:prstDash val="solid"/>
-                </a:ln>
-                <a:solidFill>
-                  <a:schemeClr val="accent2"/>
-                </a:solidFill>
-              </a:rPr>
-              <a:t>Lower Hand   Lower Hand</a:t>
-            </a:r>
-            <a:endParaRPr lang="en-US" sz="23900" b="1" cap="small" spc="600" dirty="0">
-              <a:ln w="12700">
-                <a:solidFill>
-                  <a:srgbClr val="FFFFFF"/>
-                </a:solidFill>
-                <a:prstDash val="solid"/>
-              </a:ln>
-              <a:solidFill>
-                <a:schemeClr val="accent2"/>
-              </a:solidFill>
-            </a:endParaRPr>
-          </a:p>
-        </p:txBody>
-      </p:sp>
-      <p:cxnSp>
-        <p:nvCxnSpPr>
-          <p:cNvPr id="20" name="Connecteur droit 19"/>
-          <p:cNvCxnSpPr>
-            <a:stCxn id="18" idx="1"/>
-            <a:endCxn id="18" idx="5"/>
-          </p:cNvCxnSpPr>
-          <p:nvPr/>
-        </p:nvCxnSpPr>
-        <p:spPr>
-          <a:xfrm>
-            <a:off x="6416883" y="6416882"/>
-            <a:ext cx="5600285" cy="5600286"/>
-          </a:xfrm>
-          <a:prstGeom prst="line">
-            <a:avLst/>
-          </a:prstGeom>
-          <a:ln w="304800">
-            <a:solidFill>
-              <a:schemeClr val="accent2"/>
-            </a:solidFill>
-          </a:ln>
-        </p:spPr>
-        <p:style>
-          <a:lnRef idx="2">
-            <a:schemeClr val="accent1"/>
-          </a:lnRef>
-          <a:fillRef idx="0">
-            <a:schemeClr val="accent1"/>
-          </a:fillRef>
-          <a:effectRef idx="1">
-            <a:schemeClr val="accent1"/>
-          </a:effectRef>
-          <a:fontRef idx="minor">
-            <a:schemeClr val="tx1"/>
-          </a:fontRef>
-        </p:style>
-      </p:cxnSp>
-      <p:sp>
-        <p:nvSpPr>
-          <p:cNvPr id="18" name="Ellipse 17"/>
-          <p:cNvSpPr>
-            <a:spLocks noChangeAspect="1"/>
-          </p:cNvSpPr>
-          <p:nvPr/>
-        </p:nvSpPr>
-        <p:spPr>
-          <a:xfrm>
-            <a:off x="5257026" y="5257025"/>
-            <a:ext cx="7919999" cy="7920000"/>
-          </a:xfrm>
-          <a:prstGeom prst="ellipse">
-            <a:avLst/>
-          </a:prstGeom>
-          <a:noFill/>
-          <a:ln w="304800" cmpd="sng">
-            <a:solidFill>
-              <a:schemeClr val="accent2"/>
-            </a:solidFill>
-          </a:ln>
-        </p:spPr>
-        <p:style>
-          <a:lnRef idx="1">
-            <a:schemeClr val="accent1"/>
-          </a:lnRef>
-          <a:fillRef idx="3">
-            <a:schemeClr val="accent1"/>
-          </a:fillRef>
-          <a:effectRef idx="2">
-            <a:schemeClr val="accent1"/>
-          </a:effectRef>
-          <a:fontRef idx="minor">
-            <a:schemeClr val="lt1"/>
-          </a:fontRef>
-        </p:style>
-        <p:txBody>
-          <a:bodyPr rtlCol="0" anchor="ctr"/>
-          <a:lstStyle/>
-          <a:p>
-            <a:pPr algn="ctr"/>
-            <a:endParaRPr lang="en-US"/>
-          </a:p>
-        </p:txBody>
-      </p:sp>
-    </p:spTree>
-    <p:extLst>
-      <p:ext uri="{BB962C8B-B14F-4D97-AF65-F5344CB8AC3E}">
-        <p14:creationId xmlns:p14="http://schemas.microsoft.com/office/powerpoint/2010/main" val="889738266"/>
-      </p:ext>
-    </p:extLst>
-  </p:cSld>
-  <p:clrMapOvr>
-    <a:masterClrMapping/>
-  </p:clrMapOvr>
-</p:sld>
-</file>
-
-<file path=ppt/slides/slide5.xml><?xml version="1.0" encoding="utf-8"?>
-<p:sld xmlns:a="http://schemas.openxmlformats.org/drawingml/2006/main" xmlns:r="http://schemas.openxmlformats.org/officeDocument/2006/relationships" xmlns:p="http://schemas.openxmlformats.org/presentationml/2006/main">
-  <p:cSld>
-    <p:spTree>
-      <p:nvGrpSpPr>
-        <p:cNvPr id="1" name=""/>
-        <p:cNvGrpSpPr/>
-        <p:nvPr/>
-      </p:nvGrpSpPr>
-      <p:grpSpPr>
-        <a:xfrm>
-          <a:off x="0" y="0"/>
-          <a:ext cx="0" cy="0"/>
-          <a:chOff x="0" y="0"/>
-          <a:chExt cx="0" cy="0"/>
-        </a:xfrm>
-      </p:grpSpPr>
-      <p:sp>
-        <p:nvSpPr>
-          <p:cNvPr id="5" name="Bouée 4"/>
-          <p:cNvSpPr>
-            <a:spLocks noChangeAspect="1"/>
-          </p:cNvSpPr>
-          <p:nvPr/>
-        </p:nvSpPr>
-        <p:spPr>
-          <a:xfrm>
-            <a:off x="1614253" y="1610484"/>
-            <a:ext cx="15228000" cy="15228000"/>
-          </a:xfrm>
-          <a:prstGeom prst="donut">
-            <a:avLst>
-              <a:gd name="adj" fmla="val 30982"/>
-            </a:avLst>
-          </a:prstGeom>
-          <a:solidFill>
-            <a:schemeClr val="bg1"/>
-          </a:solidFill>
-          <a:ln w="76200" cmpd="sng">
-            <a:noFill/>
-          </a:ln>
-        </p:spPr>
-        <p:style>
-          <a:lnRef idx="1">
-            <a:schemeClr val="accent1"/>
-          </a:lnRef>
-          <a:fillRef idx="3">
-            <a:schemeClr val="accent1"/>
-          </a:fillRef>
-          <a:effectRef idx="2">
-            <a:schemeClr val="accent1"/>
-          </a:effectRef>
-          <a:fontRef idx="minor">
-            <a:schemeClr val="lt1"/>
-          </a:fontRef>
-        </p:style>
-        <p:txBody>
-          <a:bodyPr rtlCol="0" anchor="ctr"/>
-          <a:lstStyle/>
-          <a:p>
-            <a:pPr algn="ctr"/>
-            <a:endParaRPr lang="en-US">
-              <a:solidFill>
-                <a:schemeClr val="tx1"/>
-              </a:solidFill>
-            </a:endParaRPr>
-          </a:p>
-        </p:txBody>
-      </p:sp>
-      <p:sp>
-        <p:nvSpPr>
-          <p:cNvPr id="2" name="Rectangle 1"/>
-          <p:cNvSpPr>
-            <a:spLocks noChangeAspect="1"/>
-          </p:cNvSpPr>
-          <p:nvPr/>
-        </p:nvSpPr>
-        <p:spPr>
-          <a:xfrm rot="16200000">
-            <a:off x="3277028" y="3277028"/>
-            <a:ext cx="11879995" cy="11879995"/>
-          </a:xfrm>
-          <a:prstGeom prst="rect">
-            <a:avLst/>
-          </a:prstGeom>
-          <a:noFill/>
-        </p:spPr>
-        <p:txBody>
-          <a:bodyPr wrap="none" lIns="210669" tIns="105334" rIns="210669" bIns="105334">
-            <a:prstTxWarp prst="textCircle">
-              <a:avLst>
-                <a:gd name="adj" fmla="val 10946467"/>
-              </a:avLst>
-            </a:prstTxWarp>
-            <a:spAutoFit/>
-          </a:bodyPr>
-          <a:lstStyle/>
-          <a:p>
-            <a:pPr algn="ctr"/>
-            <a:r>
-              <a:rPr lang="en-US" sz="23900" b="1" cap="small" spc="300" dirty="0" smtClean="0">
-                <a:ln w="12700">
-                  <a:solidFill>
-                    <a:srgbClr val="FFFFFF"/>
-                  </a:solidFill>
-                  <a:prstDash val="solid"/>
-                </a:ln>
-                <a:solidFill>
-                  <a:schemeClr val="accent2"/>
-                </a:solidFill>
-              </a:rPr>
-              <a:t>Time to lower hand exceeded.</a:t>
-            </a:r>
-            <a:endParaRPr lang="en-US" sz="23900" b="1" cap="small" spc="300" dirty="0">
+              <a:t>to rotate hand exceeded.</a:t>
+            </a:r>
+            <a:endParaRPr lang="en-US" sz="23900" b="1" cap="small" dirty="0">
               <a:ln w="12700">
                 <a:solidFill>
                   <a:srgbClr val="FFFFFF"/>
@@ -6174,7 +5475,7 @@
     </p:spTree>
     <p:extLst>
       <p:ext uri="{BB962C8B-B14F-4D97-AF65-F5344CB8AC3E}">
-        <p14:creationId xmlns:p14="http://schemas.microsoft.com/office/powerpoint/2010/main" val="291435061"/>
+        <p14:creationId xmlns:p14="http://schemas.microsoft.com/office/powerpoint/2010/main" val="152836515"/>
       </p:ext>
     </p:extLst>
   </p:cSld>
@@ -6184,7 +5485,7 @@
 </p:sld>
 </file>
 
-<file path=ppt/slides/slide6.xml><?xml version="1.0" encoding="utf-8"?>
+<file path=ppt/slides/slide13.xml><?xml version="1.0" encoding="utf-8"?>
 <p:sld xmlns:a="http://schemas.openxmlformats.org/drawingml/2006/main" xmlns:r="http://schemas.openxmlformats.org/officeDocument/2006/relationships" xmlns:p="http://schemas.openxmlformats.org/presentationml/2006/main">
   <p:cSld>
     <p:spTree>
@@ -6253,39 +5554,6 @@
           </a:p>
         </p:txBody>
       </p:sp>
-      <p:pic>
-        <p:nvPicPr>
-          <p:cNvPr id="4" name="Image 3" descr="4cb46pEdi.gif"/>
-          <p:cNvPicPr>
-            <a:picLocks noChangeAspect="1"/>
-          </p:cNvPicPr>
-          <p:nvPr/>
-        </p:nvPicPr>
-        <p:blipFill>
-          <a:blip r:embed="rId2">
-            <a:extLst>
-              <a:ext uri="{28A0092B-C50C-407E-A947-70E740481C1C}">
-                <a14:useLocalDpi xmlns:a14="http://schemas.microsoft.com/office/drawing/2010/main" val="0"/>
-              </a:ext>
-            </a:extLst>
-          </a:blip>
-          <a:stretch>
-            <a:fillRect/>
-          </a:stretch>
-        </p:blipFill>
-        <p:spPr>
-          <a:xfrm>
-            <a:off x="6268275" y="5197830"/>
-            <a:ext cx="6686364" cy="10029547"/>
-          </a:xfrm>
-          <a:prstGeom prst="rect">
-            <a:avLst/>
-          </a:prstGeom>
-          <a:ln>
-            <a:noFill/>
-          </a:ln>
-        </p:spPr>
-      </p:pic>
       <p:sp>
         <p:nvSpPr>
           <p:cNvPr id="2" name="Rectangle 1"/>
@@ -6317,7 +5585,7 @@
           <a:p>
             <a:pPr algn="ctr"/>
             <a:r>
-              <a:rPr lang="en-US" sz="23900" b="1" cap="small" dirty="0" smtClean="0">
+              <a:rPr lang="en-US" sz="23900" b="1" cap="small" spc="600" dirty="0" smtClean="0">
                 <a:ln w="12700">
                   <a:solidFill>
                     <a:srgbClr val="FFFFFF"/>
@@ -6328,9 +5596,9 @@
                   <a:schemeClr val="accent2"/>
                 </a:solidFill>
               </a:rPr>
-              <a:t>Raise hand and aim at target.</a:t>
-            </a:r>
-            <a:endParaRPr lang="en-US" sz="23900" b="1" cap="small" dirty="0">
+              <a:t>Hand raised too soon.</a:t>
+            </a:r>
+            <a:endParaRPr lang="en-US" sz="23900" b="1" cap="small" spc="600" dirty="0">
               <a:ln w="12700">
                 <a:solidFill>
                   <a:srgbClr val="FFFFFF"/>
@@ -6346,54 +5614,114 @@
       </p:sp>
       <p:sp>
         <p:nvSpPr>
-          <p:cNvPr id="18" name="Ellipse 17"/>
+          <p:cNvPr id="7" name="Rectangle 6"/>
           <p:cNvSpPr>
             <a:spLocks noChangeAspect="1"/>
           </p:cNvSpPr>
           <p:nvPr/>
         </p:nvSpPr>
         <p:spPr>
-          <a:xfrm>
-            <a:off x="4897026" y="4897026"/>
-            <a:ext cx="8639998" cy="8639999"/>
+          <a:xfrm rot="16200000">
+            <a:off x="5257022" y="5257026"/>
+            <a:ext cx="7920006" cy="7919999"/>
           </a:xfrm>
-          <a:prstGeom prst="ellipse">
+          <a:prstGeom prst="rect">
             <a:avLst/>
           </a:prstGeom>
           <a:noFill/>
-          <a:ln w="304800" cmpd="sng">
-            <a:solidFill>
-              <a:srgbClr val="008000"/>
-            </a:solidFill>
-          </a:ln>
         </p:spPr>
-        <p:style>
-          <a:lnRef idx="1">
-            <a:schemeClr val="accent1"/>
-          </a:lnRef>
-          <a:fillRef idx="3">
-            <a:schemeClr val="accent1"/>
-          </a:fillRef>
-          <a:effectRef idx="2">
-            <a:schemeClr val="accent1"/>
-          </a:effectRef>
-          <a:fontRef idx="minor">
-            <a:schemeClr val="lt1"/>
-          </a:fontRef>
-        </p:style>
-        <p:txBody>
-          <a:bodyPr rtlCol="0" anchor="ctr"/>
+        <p:txBody>
+          <a:bodyPr wrap="none" lIns="210669" tIns="105334" rIns="210669" bIns="105334">
+            <a:prstTxWarp prst="textCircle">
+              <a:avLst>
+                <a:gd name="adj" fmla="val 10916975"/>
+              </a:avLst>
+            </a:prstTxWarp>
+            <a:spAutoFit/>
+          </a:bodyPr>
           <a:lstStyle/>
           <a:p>
             <a:pPr algn="ctr"/>
-            <a:endParaRPr lang="en-US"/>
+            <a:r>
+              <a:rPr lang="en-US" sz="13800" b="1" cap="small" spc="300" dirty="0" smtClean="0">
+                <a:ln w="12700">
+                  <a:noFill/>
+                  <a:prstDash val="solid"/>
+                </a:ln>
+                <a:solidFill>
+                  <a:schemeClr val="accent1"/>
+                </a:solidFill>
+                <a:effectLst>
+                  <a:outerShdw blurRad="41275" dist="20320" dir="1800000" algn="tl" rotWithShape="0">
+                    <a:srgbClr val="000000">
+                      <a:alpha val="40000"/>
+                    </a:srgbClr>
+                  </a:outerShdw>
+                </a:effectLst>
+              </a:rPr>
+              <a:t> Press </a:t>
+            </a:r>
+            <a:r>
+              <a:rPr lang="en-US" sz="13800" b="1" cap="small" spc="300" dirty="0">
+                <a:ln w="12700">
+                  <a:noFill/>
+                  <a:prstDash val="solid"/>
+                </a:ln>
+                <a:solidFill>
+                  <a:schemeClr val="accent1"/>
+                </a:solidFill>
+                <a:effectLst>
+                  <a:outerShdw blurRad="41275" dist="20320" dir="1800000" algn="tl" rotWithShape="0">
+                    <a:srgbClr val="000000">
+                      <a:alpha val="40000"/>
+                    </a:srgbClr>
+                  </a:outerShdw>
+                </a:effectLst>
+              </a:rPr>
+              <a:t>a button to continue</a:t>
+            </a:r>
+            <a:r>
+              <a:rPr lang="en-US" sz="13800" b="1" cap="small" spc="300" dirty="0" smtClean="0">
+                <a:ln w="12700">
+                  <a:noFill/>
+                  <a:prstDash val="solid"/>
+                </a:ln>
+                <a:solidFill>
+                  <a:schemeClr val="accent1"/>
+                </a:solidFill>
+                <a:effectLst>
+                  <a:outerShdw blurRad="41275" dist="20320" dir="1800000" algn="tl" rotWithShape="0">
+                    <a:srgbClr val="000000">
+                      <a:alpha val="40000"/>
+                    </a:srgbClr>
+                  </a:outerShdw>
+                </a:effectLst>
+              </a:rPr>
+              <a:t>.</a:t>
+            </a:r>
+            <a:endParaRPr lang="en-US" sz="13800" b="1" cap="small" spc="300" dirty="0">
+              <a:ln w="12700">
+                <a:noFill/>
+                <a:prstDash val="solid"/>
+              </a:ln>
+              <a:solidFill>
+                <a:schemeClr val="accent1"/>
+              </a:solidFill>
+              <a:effectLst>
+                <a:outerShdw blurRad="41275" dist="20320" dir="1800000" algn="tl" rotWithShape="0">
+                  <a:srgbClr val="000000">
+                    <a:alpha val="40000"/>
+                  </a:srgbClr>
+                </a:outerShdw>
+              </a:effectLst>
+            </a:endParaRPr>
           </a:p>
         </p:txBody>
       </p:sp>
     </p:spTree>
     <p:extLst>
       <p:ext uri="{BB962C8B-B14F-4D97-AF65-F5344CB8AC3E}">
-        <p14:creationId xmlns:p14="http://schemas.microsoft.com/office/powerpoint/2010/main" val="2779772020"/>
+        <p14:creationId xmlns:p14="http://schemas.microsoft.com/office/powerpoint/2010/main" val="250485459"/>
       </p:ext>
     </p:extLst>
   </p:cSld>
@@ -6403,7 +5731,7 @@
 </p:sld>
 </file>
 
-<file path=ppt/slides/slide7.xml><?xml version="1.0" encoding="utf-8"?>
+<file path=ppt/slides/slide14.xml><?xml version="1.0" encoding="utf-8"?>
 <p:sld xmlns:a="http://schemas.openxmlformats.org/drawingml/2006/main" xmlns:r="http://schemas.openxmlformats.org/officeDocument/2006/relationships" xmlns:p="http://schemas.openxmlformats.org/presentationml/2006/main">
   <p:cSld>
     <p:spTree>
@@ -6514,8 +5842,240 @@
                   <a:schemeClr val="accent2"/>
                 </a:solidFill>
               </a:rPr>
-              <a:t>Time to raise hand exceeded</a:t>
-            </a:r>
+              <a:t>Hand should not be raised.</a:t>
+            </a:r>
+            <a:endParaRPr lang="en-US" sz="23900" b="1" cap="small" spc="600" dirty="0">
+              <a:ln w="12700">
+                <a:solidFill>
+                  <a:srgbClr val="FFFFFF"/>
+                </a:solidFill>
+                <a:prstDash val="solid"/>
+              </a:ln>
+              <a:solidFill>
+                <a:schemeClr val="accent2"/>
+              </a:solidFill>
+            </a:endParaRPr>
+          </a:p>
+        </p:txBody>
+      </p:sp>
+      <p:sp>
+        <p:nvSpPr>
+          <p:cNvPr id="7" name="Rectangle 6"/>
+          <p:cNvSpPr>
+            <a:spLocks noChangeAspect="1"/>
+          </p:cNvSpPr>
+          <p:nvPr/>
+        </p:nvSpPr>
+        <p:spPr>
+          <a:xfrm rot="16200000">
+            <a:off x="5257022" y="5257026"/>
+            <a:ext cx="7920006" cy="7919999"/>
+          </a:xfrm>
+          <a:prstGeom prst="rect">
+            <a:avLst/>
+          </a:prstGeom>
+          <a:noFill/>
+        </p:spPr>
+        <p:txBody>
+          <a:bodyPr wrap="none" lIns="210669" tIns="105334" rIns="210669" bIns="105334">
+            <a:prstTxWarp prst="textCircle">
+              <a:avLst>
+                <a:gd name="adj" fmla="val 10916975"/>
+              </a:avLst>
+            </a:prstTxWarp>
+            <a:spAutoFit/>
+          </a:bodyPr>
+          <a:lstStyle/>
+          <a:p>
+            <a:pPr algn="ctr"/>
+            <a:r>
+              <a:rPr lang="en-US" sz="13800" b="1" cap="small" spc="300" dirty="0" smtClean="0">
+                <a:ln w="12700">
+                  <a:noFill/>
+                  <a:prstDash val="solid"/>
+                </a:ln>
+                <a:solidFill>
+                  <a:schemeClr val="accent1"/>
+                </a:solidFill>
+                <a:effectLst>
+                  <a:outerShdw blurRad="41275" dist="20320" dir="1800000" algn="tl" rotWithShape="0">
+                    <a:srgbClr val="000000">
+                      <a:alpha val="40000"/>
+                    </a:srgbClr>
+                  </a:outerShdw>
+                </a:effectLst>
+              </a:rPr>
+              <a:t> Press </a:t>
+            </a:r>
+            <a:r>
+              <a:rPr lang="en-US" sz="13800" b="1" cap="small" spc="300" dirty="0">
+                <a:ln w="12700">
+                  <a:noFill/>
+                  <a:prstDash val="solid"/>
+                </a:ln>
+                <a:solidFill>
+                  <a:schemeClr val="accent1"/>
+                </a:solidFill>
+                <a:effectLst>
+                  <a:outerShdw blurRad="41275" dist="20320" dir="1800000" algn="tl" rotWithShape="0">
+                    <a:srgbClr val="000000">
+                      <a:alpha val="40000"/>
+                    </a:srgbClr>
+                  </a:outerShdw>
+                </a:effectLst>
+              </a:rPr>
+              <a:t>a button to continue</a:t>
+            </a:r>
+            <a:r>
+              <a:rPr lang="en-US" sz="13800" b="1" cap="small" spc="300" dirty="0" smtClean="0">
+                <a:ln w="12700">
+                  <a:noFill/>
+                  <a:prstDash val="solid"/>
+                </a:ln>
+                <a:solidFill>
+                  <a:schemeClr val="accent1"/>
+                </a:solidFill>
+                <a:effectLst>
+                  <a:outerShdw blurRad="41275" dist="20320" dir="1800000" algn="tl" rotWithShape="0">
+                    <a:srgbClr val="000000">
+                      <a:alpha val="40000"/>
+                    </a:srgbClr>
+                  </a:outerShdw>
+                </a:effectLst>
+              </a:rPr>
+              <a:t>.</a:t>
+            </a:r>
+            <a:endParaRPr lang="en-US" sz="13800" b="1" cap="small" spc="300" dirty="0">
+              <a:ln w="12700">
+                <a:noFill/>
+                <a:prstDash val="solid"/>
+              </a:ln>
+              <a:solidFill>
+                <a:schemeClr val="accent1"/>
+              </a:solidFill>
+              <a:effectLst>
+                <a:outerShdw blurRad="41275" dist="20320" dir="1800000" algn="tl" rotWithShape="0">
+                  <a:srgbClr val="000000">
+                    <a:alpha val="40000"/>
+                  </a:srgbClr>
+                </a:outerShdw>
+              </a:effectLst>
+            </a:endParaRPr>
+          </a:p>
+        </p:txBody>
+      </p:sp>
+    </p:spTree>
+    <p:extLst>
+      <p:ext uri="{BB962C8B-B14F-4D97-AF65-F5344CB8AC3E}">
+        <p14:creationId xmlns:p14="http://schemas.microsoft.com/office/powerpoint/2010/main" val="1885241631"/>
+      </p:ext>
+    </p:extLst>
+  </p:cSld>
+  <p:clrMapOvr>
+    <a:masterClrMapping/>
+  </p:clrMapOvr>
+</p:sld>
+</file>
+
+<file path=ppt/slides/slide2.xml><?xml version="1.0" encoding="utf-8"?>
+<p:sld xmlns:a="http://schemas.openxmlformats.org/drawingml/2006/main" xmlns:r="http://schemas.openxmlformats.org/officeDocument/2006/relationships" xmlns:p="http://schemas.openxmlformats.org/presentationml/2006/main">
+  <p:cSld>
+    <p:spTree>
+      <p:nvGrpSpPr>
+        <p:cNvPr id="1" name=""/>
+        <p:cNvGrpSpPr/>
+        <p:nvPr/>
+      </p:nvGrpSpPr>
+      <p:grpSpPr>
+        <a:xfrm>
+          <a:off x="0" y="0"/>
+          <a:ext cx="0" cy="0"/>
+          <a:chOff x="0" y="0"/>
+          <a:chExt cx="0" cy="0"/>
+        </a:xfrm>
+      </p:grpSpPr>
+      <p:sp>
+        <p:nvSpPr>
+          <p:cNvPr id="5" name="Bouée 4"/>
+          <p:cNvSpPr>
+            <a:spLocks noChangeAspect="1"/>
+          </p:cNvSpPr>
+          <p:nvPr/>
+        </p:nvSpPr>
+        <p:spPr>
+          <a:xfrm>
+            <a:off x="1614253" y="1610484"/>
+            <a:ext cx="15228000" cy="15228000"/>
+          </a:xfrm>
+          <a:prstGeom prst="donut">
+            <a:avLst>
+              <a:gd name="adj" fmla="val 30982"/>
+            </a:avLst>
+          </a:prstGeom>
+          <a:solidFill>
+            <a:schemeClr val="bg1"/>
+          </a:solidFill>
+          <a:ln w="76200" cmpd="sng">
+            <a:noFill/>
+          </a:ln>
+        </p:spPr>
+        <p:style>
+          <a:lnRef idx="1">
+            <a:schemeClr val="accent1"/>
+          </a:lnRef>
+          <a:fillRef idx="3">
+            <a:schemeClr val="accent1"/>
+          </a:fillRef>
+          <a:effectRef idx="2">
+            <a:schemeClr val="accent1"/>
+          </a:effectRef>
+          <a:fontRef idx="minor">
+            <a:schemeClr val="lt1"/>
+          </a:fontRef>
+        </p:style>
+        <p:txBody>
+          <a:bodyPr rtlCol="0" anchor="ctr"/>
+          <a:lstStyle/>
+          <a:p>
+            <a:pPr algn="ctr"/>
+            <a:endParaRPr lang="en-US">
+              <a:solidFill>
+                <a:schemeClr val="tx1"/>
+              </a:solidFill>
+            </a:endParaRPr>
+          </a:p>
+        </p:txBody>
+      </p:sp>
+      <p:sp>
+        <p:nvSpPr>
+          <p:cNvPr id="2" name="Rectangle 1"/>
+          <p:cNvSpPr>
+            <a:spLocks noChangeAspect="1"/>
+          </p:cNvSpPr>
+          <p:nvPr/>
+        </p:nvSpPr>
+        <p:spPr>
+          <a:xfrm rot="16200000">
+            <a:off x="3277028" y="3277028"/>
+            <a:ext cx="11879995" cy="11879995"/>
+          </a:xfrm>
+          <a:prstGeom prst="rect">
+            <a:avLst/>
+          </a:prstGeom>
+          <a:noFill/>
+        </p:spPr>
+        <p:txBody>
+          <a:bodyPr wrap="none" lIns="210669" tIns="105334" rIns="210669" bIns="105334">
+            <a:prstTxWarp prst="textCircle">
+              <a:avLst>
+                <a:gd name="adj" fmla="val 10946467"/>
+              </a:avLst>
+            </a:prstTxWarp>
+            <a:spAutoFit/>
+          </a:bodyPr>
+          <a:lstStyle/>
+          <a:p>
+            <a:pPr algn="ctr"/>
             <a:r>
               <a:rPr lang="en-US" sz="23900" b="1" cap="small" spc="600" dirty="0" smtClean="0">
                 <a:ln w="12700">
@@ -6525,10 +6085,1680 @@
                   <a:prstDash val="solid"/>
                 </a:ln>
                 <a:solidFill>
-                  <a:schemeClr val="accent2"/>
-                </a:solidFill>
+                  <a:schemeClr val="accent3">
+                    <a:lumMod val="75000"/>
+                  </a:schemeClr>
+                </a:solidFill>
+              </a:rPr>
+              <a:t>  Ready to start next trial.</a:t>
+            </a:r>
+            <a:endParaRPr lang="en-US" sz="23900" b="1" cap="small" spc="600" dirty="0">
+              <a:ln w="12700">
+                <a:solidFill>
+                  <a:srgbClr val="FFFFFF"/>
+                </a:solidFill>
+                <a:prstDash val="solid"/>
+              </a:ln>
+              <a:solidFill>
+                <a:schemeClr val="accent3">
+                  <a:lumMod val="75000"/>
+                </a:schemeClr>
+              </a:solidFill>
+            </a:endParaRPr>
+          </a:p>
+        </p:txBody>
+      </p:sp>
+      <p:sp>
+        <p:nvSpPr>
+          <p:cNvPr id="3" name="Rectangle 2"/>
+          <p:cNvSpPr>
+            <a:spLocks noChangeAspect="1"/>
+          </p:cNvSpPr>
+          <p:nvPr/>
+        </p:nvSpPr>
+        <p:spPr>
+          <a:xfrm rot="16200000">
+            <a:off x="5257022" y="5257026"/>
+            <a:ext cx="7920006" cy="7919999"/>
+          </a:xfrm>
+          <a:prstGeom prst="rect">
+            <a:avLst/>
+          </a:prstGeom>
+          <a:noFill/>
+        </p:spPr>
+        <p:txBody>
+          <a:bodyPr wrap="none" lIns="210669" tIns="105334" rIns="210669" bIns="105334">
+            <a:prstTxWarp prst="textCircle">
+              <a:avLst>
+                <a:gd name="adj" fmla="val 10916975"/>
+              </a:avLst>
+            </a:prstTxWarp>
+            <a:spAutoFit/>
+          </a:bodyPr>
+          <a:lstStyle/>
+          <a:p>
+            <a:pPr algn="ctr"/>
+            <a:r>
+              <a:rPr lang="en-US" sz="13800" b="1" cap="small" spc="300" dirty="0" smtClean="0">
+                <a:ln w="12700">
+                  <a:noFill/>
+                  <a:prstDash val="solid"/>
+                </a:ln>
+                <a:solidFill>
+                  <a:schemeClr val="accent1"/>
+                </a:solidFill>
+                <a:effectLst>
+                  <a:outerShdw blurRad="41275" dist="20320" dir="1800000" algn="tl" rotWithShape="0">
+                    <a:srgbClr val="000000">
+                      <a:alpha val="40000"/>
+                    </a:srgbClr>
+                  </a:outerShdw>
+                </a:effectLst>
+              </a:rPr>
+              <a:t> Press </a:t>
+            </a:r>
+            <a:r>
+              <a:rPr lang="en-US" sz="13800" b="1" cap="small" spc="300" dirty="0">
+                <a:ln w="12700">
+                  <a:noFill/>
+                  <a:prstDash val="solid"/>
+                </a:ln>
+                <a:solidFill>
+                  <a:schemeClr val="accent1"/>
+                </a:solidFill>
+                <a:effectLst>
+                  <a:outerShdw blurRad="41275" dist="20320" dir="1800000" algn="tl" rotWithShape="0">
+                    <a:srgbClr val="000000">
+                      <a:alpha val="40000"/>
+                    </a:srgbClr>
+                  </a:outerShdw>
+                </a:effectLst>
+              </a:rPr>
+              <a:t>a button to continue</a:t>
+            </a:r>
+            <a:r>
+              <a:rPr lang="en-US" sz="13800" b="1" cap="small" spc="300" dirty="0" smtClean="0">
+                <a:ln w="12700">
+                  <a:noFill/>
+                  <a:prstDash val="solid"/>
+                </a:ln>
+                <a:solidFill>
+                  <a:schemeClr val="accent1"/>
+                </a:solidFill>
+                <a:effectLst>
+                  <a:outerShdw blurRad="41275" dist="20320" dir="1800000" algn="tl" rotWithShape="0">
+                    <a:srgbClr val="000000">
+                      <a:alpha val="40000"/>
+                    </a:srgbClr>
+                  </a:outerShdw>
+                </a:effectLst>
               </a:rPr>
               <a:t>.</a:t>
+            </a:r>
+            <a:endParaRPr lang="en-US" sz="13800" b="1" cap="small" spc="300" dirty="0">
+              <a:ln w="12700">
+                <a:noFill/>
+                <a:prstDash val="solid"/>
+              </a:ln>
+              <a:solidFill>
+                <a:schemeClr val="accent1"/>
+              </a:solidFill>
+              <a:effectLst>
+                <a:outerShdw blurRad="41275" dist="20320" dir="1800000" algn="tl" rotWithShape="0">
+                  <a:srgbClr val="000000">
+                    <a:alpha val="40000"/>
+                  </a:srgbClr>
+                </a:outerShdw>
+              </a:effectLst>
+            </a:endParaRPr>
+          </a:p>
+        </p:txBody>
+      </p:sp>
+    </p:spTree>
+    <p:extLst>
+      <p:ext uri="{BB962C8B-B14F-4D97-AF65-F5344CB8AC3E}">
+        <p14:creationId xmlns:p14="http://schemas.microsoft.com/office/powerpoint/2010/main" val="4227632991"/>
+      </p:ext>
+    </p:extLst>
+  </p:cSld>
+  <p:clrMapOvr>
+    <a:masterClrMapping/>
+  </p:clrMapOvr>
+</p:sld>
+</file>
+
+<file path=ppt/slides/slide3.xml><?xml version="1.0" encoding="utf-8"?>
+<p:sld xmlns:a="http://schemas.openxmlformats.org/drawingml/2006/main" xmlns:r="http://schemas.openxmlformats.org/officeDocument/2006/relationships" xmlns:p="http://schemas.openxmlformats.org/presentationml/2006/main">
+  <p:cSld>
+    <p:spTree>
+      <p:nvGrpSpPr>
+        <p:cNvPr id="1" name=""/>
+        <p:cNvGrpSpPr/>
+        <p:nvPr/>
+      </p:nvGrpSpPr>
+      <p:grpSpPr>
+        <a:xfrm>
+          <a:off x="0" y="0"/>
+          <a:ext cx="0" cy="0"/>
+          <a:chOff x="0" y="0"/>
+          <a:chExt cx="0" cy="0"/>
+        </a:xfrm>
+      </p:grpSpPr>
+      <p:sp>
+        <p:nvSpPr>
+          <p:cNvPr id="5" name="Bouée 4"/>
+          <p:cNvSpPr>
+            <a:spLocks noChangeAspect="1"/>
+          </p:cNvSpPr>
+          <p:nvPr/>
+        </p:nvSpPr>
+        <p:spPr>
+          <a:xfrm>
+            <a:off x="1614253" y="1610484"/>
+            <a:ext cx="15228000" cy="15228000"/>
+          </a:xfrm>
+          <a:prstGeom prst="donut">
+            <a:avLst>
+              <a:gd name="adj" fmla="val 30982"/>
+            </a:avLst>
+          </a:prstGeom>
+          <a:solidFill>
+            <a:schemeClr val="bg1"/>
+          </a:solidFill>
+          <a:ln w="76200" cmpd="sng">
+            <a:noFill/>
+          </a:ln>
+        </p:spPr>
+        <p:style>
+          <a:lnRef idx="1">
+            <a:schemeClr val="accent1"/>
+          </a:lnRef>
+          <a:fillRef idx="3">
+            <a:schemeClr val="accent1"/>
+          </a:fillRef>
+          <a:effectRef idx="2">
+            <a:schemeClr val="accent1"/>
+          </a:effectRef>
+          <a:fontRef idx="minor">
+            <a:schemeClr val="lt1"/>
+          </a:fontRef>
+        </p:style>
+        <p:txBody>
+          <a:bodyPr rtlCol="0" anchor="ctr"/>
+          <a:lstStyle/>
+          <a:p>
+            <a:pPr algn="ctr"/>
+            <a:endParaRPr lang="en-US">
+              <a:solidFill>
+                <a:schemeClr val="tx1"/>
+              </a:solidFill>
+            </a:endParaRPr>
+          </a:p>
+        </p:txBody>
+      </p:sp>
+      <p:sp>
+        <p:nvSpPr>
+          <p:cNvPr id="2" name="Rectangle 1"/>
+          <p:cNvSpPr>
+            <a:spLocks noChangeAspect="1"/>
+          </p:cNvSpPr>
+          <p:nvPr/>
+        </p:nvSpPr>
+        <p:spPr>
+          <a:xfrm rot="16200000">
+            <a:off x="3277028" y="3277028"/>
+            <a:ext cx="11879995" cy="11879995"/>
+          </a:xfrm>
+          <a:prstGeom prst="rect">
+            <a:avLst/>
+          </a:prstGeom>
+          <a:noFill/>
+        </p:spPr>
+        <p:txBody>
+          <a:bodyPr wrap="none" lIns="210669" tIns="105334" rIns="210669" bIns="105334">
+            <a:prstTxWarp prst="textCircle">
+              <a:avLst>
+                <a:gd name="adj" fmla="val 10946467"/>
+              </a:avLst>
+            </a:prstTxWarp>
+            <a:spAutoFit/>
+          </a:bodyPr>
+          <a:lstStyle/>
+          <a:p>
+            <a:pPr algn="ctr"/>
+            <a:r>
+              <a:rPr lang="en-US" sz="23900" b="1" cap="small" spc="600" dirty="0" smtClean="0">
+                <a:ln w="12700">
+                  <a:solidFill>
+                    <a:srgbClr val="FFFFFF"/>
+                  </a:solidFill>
+                  <a:prstDash val="solid"/>
+                </a:ln>
+                <a:solidFill>
+                  <a:schemeClr val="accent3">
+                    <a:lumMod val="75000"/>
+                  </a:schemeClr>
+                </a:solidFill>
+              </a:rPr>
+              <a:t>Trial block completed.</a:t>
+            </a:r>
+            <a:endParaRPr lang="en-US" sz="23900" b="1" cap="small" spc="600" dirty="0">
+              <a:ln w="12700">
+                <a:solidFill>
+                  <a:srgbClr val="FFFFFF"/>
+                </a:solidFill>
+                <a:prstDash val="solid"/>
+              </a:ln>
+              <a:solidFill>
+                <a:schemeClr val="accent3">
+                  <a:lumMod val="75000"/>
+                </a:schemeClr>
+              </a:solidFill>
+            </a:endParaRPr>
+          </a:p>
+        </p:txBody>
+      </p:sp>
+      <p:sp>
+        <p:nvSpPr>
+          <p:cNvPr id="3" name="Rectangle 2"/>
+          <p:cNvSpPr>
+            <a:spLocks noChangeAspect="1"/>
+          </p:cNvSpPr>
+          <p:nvPr/>
+        </p:nvSpPr>
+        <p:spPr>
+          <a:xfrm rot="16200000">
+            <a:off x="5257022" y="5257026"/>
+            <a:ext cx="7920006" cy="7919999"/>
+          </a:xfrm>
+          <a:prstGeom prst="rect">
+            <a:avLst/>
+          </a:prstGeom>
+          <a:noFill/>
+        </p:spPr>
+        <p:txBody>
+          <a:bodyPr wrap="none" lIns="210669" tIns="105334" rIns="210669" bIns="105334">
+            <a:prstTxWarp prst="textCircle">
+              <a:avLst>
+                <a:gd name="adj" fmla="val 10916975"/>
+              </a:avLst>
+            </a:prstTxWarp>
+            <a:spAutoFit/>
+          </a:bodyPr>
+          <a:lstStyle/>
+          <a:p>
+            <a:pPr algn="ctr"/>
+            <a:r>
+              <a:rPr lang="en-US" sz="13800" b="1" cap="small" spc="300" dirty="0" smtClean="0">
+                <a:ln w="12700">
+                  <a:noFill/>
+                  <a:prstDash val="solid"/>
+                </a:ln>
+                <a:solidFill>
+                  <a:schemeClr val="accent1"/>
+                </a:solidFill>
+                <a:effectLst>
+                  <a:outerShdw blurRad="41275" dist="20320" dir="1800000" algn="tl" rotWithShape="0">
+                    <a:srgbClr val="000000">
+                      <a:alpha val="40000"/>
+                    </a:srgbClr>
+                  </a:outerShdw>
+                </a:effectLst>
+              </a:rPr>
+              <a:t>Doff HMD and press ‘Return’.</a:t>
+            </a:r>
+            <a:endParaRPr lang="en-US" sz="13800" b="1" cap="small" spc="300" dirty="0">
+              <a:ln w="12700">
+                <a:noFill/>
+                <a:prstDash val="solid"/>
+              </a:ln>
+              <a:solidFill>
+                <a:schemeClr val="accent1"/>
+              </a:solidFill>
+              <a:effectLst>
+                <a:outerShdw blurRad="41275" dist="20320" dir="1800000" algn="tl" rotWithShape="0">
+                  <a:srgbClr val="000000">
+                    <a:alpha val="40000"/>
+                  </a:srgbClr>
+                </a:outerShdw>
+              </a:effectLst>
+            </a:endParaRPr>
+          </a:p>
+        </p:txBody>
+      </p:sp>
+    </p:spTree>
+    <p:extLst>
+      <p:ext uri="{BB962C8B-B14F-4D97-AF65-F5344CB8AC3E}">
+        <p14:creationId xmlns:p14="http://schemas.microsoft.com/office/powerpoint/2010/main" val="2090264467"/>
+      </p:ext>
+    </p:extLst>
+  </p:cSld>
+  <p:clrMapOvr>
+    <a:masterClrMapping/>
+  </p:clrMapOvr>
+</p:sld>
+</file>
+
+<file path=ppt/slides/slide4.xml><?xml version="1.0" encoding="utf-8"?>
+<p:sld xmlns:a="http://schemas.openxmlformats.org/drawingml/2006/main" xmlns:r="http://schemas.openxmlformats.org/officeDocument/2006/relationships" xmlns:p="http://schemas.openxmlformats.org/presentationml/2006/main">
+  <p:cSld>
+    <p:spTree>
+      <p:nvGrpSpPr>
+        <p:cNvPr id="1" name=""/>
+        <p:cNvGrpSpPr/>
+        <p:nvPr/>
+      </p:nvGrpSpPr>
+      <p:grpSpPr>
+        <a:xfrm>
+          <a:off x="0" y="0"/>
+          <a:ext cx="0" cy="0"/>
+          <a:chOff x="0" y="0"/>
+          <a:chExt cx="0" cy="0"/>
+        </a:xfrm>
+      </p:grpSpPr>
+      <p:sp>
+        <p:nvSpPr>
+          <p:cNvPr id="5" name="Bouée 4"/>
+          <p:cNvSpPr>
+            <a:spLocks noChangeAspect="1"/>
+          </p:cNvSpPr>
+          <p:nvPr/>
+        </p:nvSpPr>
+        <p:spPr>
+          <a:xfrm>
+            <a:off x="1614253" y="1610484"/>
+            <a:ext cx="15228000" cy="15228000"/>
+          </a:xfrm>
+          <a:prstGeom prst="donut">
+            <a:avLst>
+              <a:gd name="adj" fmla="val 30982"/>
+            </a:avLst>
+          </a:prstGeom>
+          <a:solidFill>
+            <a:schemeClr val="bg1"/>
+          </a:solidFill>
+          <a:ln w="76200" cmpd="sng">
+            <a:noFill/>
+          </a:ln>
+        </p:spPr>
+        <p:style>
+          <a:lnRef idx="1">
+            <a:schemeClr val="accent1"/>
+          </a:lnRef>
+          <a:fillRef idx="3">
+            <a:schemeClr val="accent1"/>
+          </a:fillRef>
+          <a:effectRef idx="2">
+            <a:schemeClr val="accent1"/>
+          </a:effectRef>
+          <a:fontRef idx="minor">
+            <a:schemeClr val="lt1"/>
+          </a:fontRef>
+        </p:style>
+        <p:txBody>
+          <a:bodyPr rtlCol="0" anchor="ctr"/>
+          <a:lstStyle/>
+          <a:p>
+            <a:pPr algn="ctr"/>
+            <a:endParaRPr lang="en-US">
+              <a:solidFill>
+                <a:schemeClr val="tx1"/>
+              </a:solidFill>
+            </a:endParaRPr>
+          </a:p>
+        </p:txBody>
+      </p:sp>
+      <p:pic>
+        <p:nvPicPr>
+          <p:cNvPr id="7" name="Image 6" descr="4cb46pEdi.gif"/>
+          <p:cNvPicPr>
+            <a:picLocks noChangeAspect="1"/>
+          </p:cNvPicPr>
+          <p:nvPr/>
+        </p:nvPicPr>
+        <p:blipFill>
+          <a:blip r:embed="rId2">
+            <a:extLst>
+              <a:ext uri="{28A0092B-C50C-407E-A947-70E740481C1C}">
+                <a14:useLocalDpi xmlns:a14="http://schemas.microsoft.com/office/drawing/2010/main" val="0"/>
+              </a:ext>
+            </a:extLst>
+          </a:blip>
+          <a:stretch>
+            <a:fillRect/>
+          </a:stretch>
+        </p:blipFill>
+        <p:spPr>
+          <a:xfrm rot="16200000">
+            <a:off x="6799069" y="4061837"/>
+            <a:ext cx="6686364" cy="10029547"/>
+          </a:xfrm>
+          <a:prstGeom prst="rect">
+            <a:avLst/>
+          </a:prstGeom>
+          <a:ln>
+            <a:noFill/>
+          </a:ln>
+        </p:spPr>
+      </p:pic>
+      <p:sp>
+        <p:nvSpPr>
+          <p:cNvPr id="2" name="Rectangle 1"/>
+          <p:cNvSpPr>
+            <a:spLocks noChangeAspect="1"/>
+          </p:cNvSpPr>
+          <p:nvPr/>
+        </p:nvSpPr>
+        <p:spPr>
+          <a:xfrm rot="16200000">
+            <a:off x="3277028" y="3277028"/>
+            <a:ext cx="11879995" cy="11879995"/>
+          </a:xfrm>
+          <a:prstGeom prst="rect">
+            <a:avLst/>
+          </a:prstGeom>
+          <a:noFill/>
+        </p:spPr>
+        <p:txBody>
+          <a:bodyPr wrap="none" lIns="210669" tIns="105334" rIns="210669" bIns="105334">
+            <a:prstTxWarp prst="textCircle">
+              <a:avLst>
+                <a:gd name="adj" fmla="val 10946467"/>
+              </a:avLst>
+            </a:prstTxWarp>
+            <a:spAutoFit/>
+          </a:bodyPr>
+          <a:lstStyle/>
+          <a:p>
+            <a:pPr algn="ctr"/>
+            <a:r>
+              <a:rPr lang="en-US" sz="23900" b="1" cap="small" spc="600" dirty="0" smtClean="0">
+                <a:ln w="12700">
+                  <a:solidFill>
+                    <a:srgbClr val="FFFFFF"/>
+                  </a:solidFill>
+                  <a:prstDash val="solid"/>
+                </a:ln>
+                <a:solidFill>
+                  <a:schemeClr val="accent2"/>
+                </a:solidFill>
+              </a:rPr>
+              <a:t>Lower Hand   Lower Hand</a:t>
+            </a:r>
+            <a:endParaRPr lang="en-US" sz="23900" b="1" cap="small" spc="600" dirty="0">
+              <a:ln w="12700">
+                <a:solidFill>
+                  <a:srgbClr val="FFFFFF"/>
+                </a:solidFill>
+                <a:prstDash val="solid"/>
+              </a:ln>
+              <a:solidFill>
+                <a:schemeClr val="accent2"/>
+              </a:solidFill>
+            </a:endParaRPr>
+          </a:p>
+        </p:txBody>
+      </p:sp>
+      <p:cxnSp>
+        <p:nvCxnSpPr>
+          <p:cNvPr id="20" name="Connecteur droit 19"/>
+          <p:cNvCxnSpPr>
+            <a:stCxn id="18" idx="1"/>
+            <a:endCxn id="18" idx="5"/>
+          </p:cNvCxnSpPr>
+          <p:nvPr/>
+        </p:nvCxnSpPr>
+        <p:spPr>
+          <a:xfrm>
+            <a:off x="6416883" y="6416882"/>
+            <a:ext cx="5600285" cy="5600286"/>
+          </a:xfrm>
+          <a:prstGeom prst="line">
+            <a:avLst/>
+          </a:prstGeom>
+          <a:ln w="304800">
+            <a:solidFill>
+              <a:schemeClr val="accent2"/>
+            </a:solidFill>
+          </a:ln>
+        </p:spPr>
+        <p:style>
+          <a:lnRef idx="2">
+            <a:schemeClr val="accent1"/>
+          </a:lnRef>
+          <a:fillRef idx="0">
+            <a:schemeClr val="accent1"/>
+          </a:fillRef>
+          <a:effectRef idx="1">
+            <a:schemeClr val="accent1"/>
+          </a:effectRef>
+          <a:fontRef idx="minor">
+            <a:schemeClr val="tx1"/>
+          </a:fontRef>
+        </p:style>
+      </p:cxnSp>
+      <p:sp>
+        <p:nvSpPr>
+          <p:cNvPr id="18" name="Ellipse 17"/>
+          <p:cNvSpPr>
+            <a:spLocks noChangeAspect="1"/>
+          </p:cNvSpPr>
+          <p:nvPr/>
+        </p:nvSpPr>
+        <p:spPr>
+          <a:xfrm>
+            <a:off x="5257026" y="5257025"/>
+            <a:ext cx="7919999" cy="7920000"/>
+          </a:xfrm>
+          <a:prstGeom prst="ellipse">
+            <a:avLst/>
+          </a:prstGeom>
+          <a:noFill/>
+          <a:ln w="304800" cmpd="sng">
+            <a:solidFill>
+              <a:schemeClr val="accent2"/>
+            </a:solidFill>
+          </a:ln>
+        </p:spPr>
+        <p:style>
+          <a:lnRef idx="1">
+            <a:schemeClr val="accent1"/>
+          </a:lnRef>
+          <a:fillRef idx="3">
+            <a:schemeClr val="accent1"/>
+          </a:fillRef>
+          <a:effectRef idx="2">
+            <a:schemeClr val="accent1"/>
+          </a:effectRef>
+          <a:fontRef idx="minor">
+            <a:schemeClr val="lt1"/>
+          </a:fontRef>
+        </p:style>
+        <p:txBody>
+          <a:bodyPr rtlCol="0" anchor="ctr"/>
+          <a:lstStyle/>
+          <a:p>
+            <a:pPr algn="ctr"/>
+            <a:endParaRPr lang="en-US"/>
+          </a:p>
+        </p:txBody>
+      </p:sp>
+    </p:spTree>
+    <p:extLst>
+      <p:ext uri="{BB962C8B-B14F-4D97-AF65-F5344CB8AC3E}">
+        <p14:creationId xmlns:p14="http://schemas.microsoft.com/office/powerpoint/2010/main" val="889738266"/>
+      </p:ext>
+    </p:extLst>
+  </p:cSld>
+  <p:clrMapOvr>
+    <a:masterClrMapping/>
+  </p:clrMapOvr>
+</p:sld>
+</file>
+
+<file path=ppt/slides/slide5.xml><?xml version="1.0" encoding="utf-8"?>
+<p:sld xmlns:a="http://schemas.openxmlformats.org/drawingml/2006/main" xmlns:r="http://schemas.openxmlformats.org/officeDocument/2006/relationships" xmlns:p="http://schemas.openxmlformats.org/presentationml/2006/main">
+  <p:cSld>
+    <p:spTree>
+      <p:nvGrpSpPr>
+        <p:cNvPr id="1" name=""/>
+        <p:cNvGrpSpPr/>
+        <p:nvPr/>
+      </p:nvGrpSpPr>
+      <p:grpSpPr>
+        <a:xfrm>
+          <a:off x="0" y="0"/>
+          <a:ext cx="0" cy="0"/>
+          <a:chOff x="0" y="0"/>
+          <a:chExt cx="0" cy="0"/>
+        </a:xfrm>
+      </p:grpSpPr>
+      <p:sp>
+        <p:nvSpPr>
+          <p:cNvPr id="5" name="Bouée 4"/>
+          <p:cNvSpPr>
+            <a:spLocks noChangeAspect="1"/>
+          </p:cNvSpPr>
+          <p:nvPr/>
+        </p:nvSpPr>
+        <p:spPr>
+          <a:xfrm>
+            <a:off x="1614253" y="1610484"/>
+            <a:ext cx="15228000" cy="15228000"/>
+          </a:xfrm>
+          <a:prstGeom prst="donut">
+            <a:avLst>
+              <a:gd name="adj" fmla="val 30982"/>
+            </a:avLst>
+          </a:prstGeom>
+          <a:solidFill>
+            <a:schemeClr val="bg1"/>
+          </a:solidFill>
+          <a:ln w="76200" cmpd="sng">
+            <a:noFill/>
+          </a:ln>
+        </p:spPr>
+        <p:style>
+          <a:lnRef idx="1">
+            <a:schemeClr val="accent1"/>
+          </a:lnRef>
+          <a:fillRef idx="3">
+            <a:schemeClr val="accent1"/>
+          </a:fillRef>
+          <a:effectRef idx="2">
+            <a:schemeClr val="accent1"/>
+          </a:effectRef>
+          <a:fontRef idx="minor">
+            <a:schemeClr val="lt1"/>
+          </a:fontRef>
+        </p:style>
+        <p:txBody>
+          <a:bodyPr rtlCol="0" anchor="ctr"/>
+          <a:lstStyle/>
+          <a:p>
+            <a:pPr algn="ctr"/>
+            <a:endParaRPr lang="en-US">
+              <a:solidFill>
+                <a:schemeClr val="tx1"/>
+              </a:solidFill>
+            </a:endParaRPr>
+          </a:p>
+        </p:txBody>
+      </p:sp>
+      <p:sp>
+        <p:nvSpPr>
+          <p:cNvPr id="2" name="Rectangle 1"/>
+          <p:cNvSpPr>
+            <a:spLocks noChangeAspect="1"/>
+          </p:cNvSpPr>
+          <p:nvPr/>
+        </p:nvSpPr>
+        <p:spPr>
+          <a:xfrm rot="16200000">
+            <a:off x="3277028" y="3277028"/>
+            <a:ext cx="11879995" cy="11879995"/>
+          </a:xfrm>
+          <a:prstGeom prst="rect">
+            <a:avLst/>
+          </a:prstGeom>
+          <a:noFill/>
+        </p:spPr>
+        <p:txBody>
+          <a:bodyPr wrap="none" lIns="210669" tIns="105334" rIns="210669" bIns="105334">
+            <a:prstTxWarp prst="textCircle">
+              <a:avLst>
+                <a:gd name="adj" fmla="val 10946467"/>
+              </a:avLst>
+            </a:prstTxWarp>
+            <a:spAutoFit/>
+          </a:bodyPr>
+          <a:lstStyle/>
+          <a:p>
+            <a:pPr algn="ctr"/>
+            <a:r>
+              <a:rPr lang="en-US" sz="23900" b="1" cap="small" spc="300" dirty="0" smtClean="0">
+                <a:ln w="12700">
+                  <a:solidFill>
+                    <a:srgbClr val="FFFFFF"/>
+                  </a:solidFill>
+                  <a:prstDash val="solid"/>
+                </a:ln>
+                <a:solidFill>
+                  <a:schemeClr val="accent2"/>
+                </a:solidFill>
+              </a:rPr>
+              <a:t>Time to lower hand exceeded.</a:t>
+            </a:r>
+            <a:endParaRPr lang="en-US" sz="23900" b="1" cap="small" spc="300" dirty="0">
+              <a:ln w="12700">
+                <a:solidFill>
+                  <a:srgbClr val="FFFFFF"/>
+                </a:solidFill>
+                <a:prstDash val="solid"/>
+              </a:ln>
+              <a:solidFill>
+                <a:schemeClr val="accent2"/>
+              </a:solidFill>
+            </a:endParaRPr>
+          </a:p>
+        </p:txBody>
+      </p:sp>
+      <p:sp>
+        <p:nvSpPr>
+          <p:cNvPr id="3" name="Rectangle 2"/>
+          <p:cNvSpPr>
+            <a:spLocks noChangeAspect="1"/>
+          </p:cNvSpPr>
+          <p:nvPr/>
+        </p:nvSpPr>
+        <p:spPr>
+          <a:xfrm rot="16200000">
+            <a:off x="5257022" y="5257026"/>
+            <a:ext cx="7920006" cy="7919999"/>
+          </a:xfrm>
+          <a:prstGeom prst="rect">
+            <a:avLst/>
+          </a:prstGeom>
+          <a:noFill/>
+        </p:spPr>
+        <p:txBody>
+          <a:bodyPr wrap="none" lIns="210669" tIns="105334" rIns="210669" bIns="105334">
+            <a:prstTxWarp prst="textCircle">
+              <a:avLst>
+                <a:gd name="adj" fmla="val 10916975"/>
+              </a:avLst>
+            </a:prstTxWarp>
+            <a:spAutoFit/>
+          </a:bodyPr>
+          <a:lstStyle/>
+          <a:p>
+            <a:pPr algn="ctr"/>
+            <a:r>
+              <a:rPr lang="en-US" sz="13800" b="1" cap="small" spc="300" dirty="0" smtClean="0">
+                <a:ln w="12700">
+                  <a:noFill/>
+                  <a:prstDash val="solid"/>
+                </a:ln>
+                <a:solidFill>
+                  <a:schemeClr val="accent1"/>
+                </a:solidFill>
+                <a:effectLst>
+                  <a:outerShdw blurRad="41275" dist="20320" dir="1800000" algn="tl" rotWithShape="0">
+                    <a:srgbClr val="000000">
+                      <a:alpha val="40000"/>
+                    </a:srgbClr>
+                  </a:outerShdw>
+                </a:effectLst>
+              </a:rPr>
+              <a:t> Press </a:t>
+            </a:r>
+            <a:r>
+              <a:rPr lang="en-US" sz="13800" b="1" cap="small" spc="300" dirty="0">
+                <a:ln w="12700">
+                  <a:noFill/>
+                  <a:prstDash val="solid"/>
+                </a:ln>
+                <a:solidFill>
+                  <a:schemeClr val="accent1"/>
+                </a:solidFill>
+                <a:effectLst>
+                  <a:outerShdw blurRad="41275" dist="20320" dir="1800000" algn="tl" rotWithShape="0">
+                    <a:srgbClr val="000000">
+                      <a:alpha val="40000"/>
+                    </a:srgbClr>
+                  </a:outerShdw>
+                </a:effectLst>
+              </a:rPr>
+              <a:t>a button to continue</a:t>
+            </a:r>
+            <a:r>
+              <a:rPr lang="en-US" sz="13800" b="1" cap="small" spc="300" dirty="0" smtClean="0">
+                <a:ln w="12700">
+                  <a:noFill/>
+                  <a:prstDash val="solid"/>
+                </a:ln>
+                <a:solidFill>
+                  <a:schemeClr val="accent1"/>
+                </a:solidFill>
+                <a:effectLst>
+                  <a:outerShdw blurRad="41275" dist="20320" dir="1800000" algn="tl" rotWithShape="0">
+                    <a:srgbClr val="000000">
+                      <a:alpha val="40000"/>
+                    </a:srgbClr>
+                  </a:outerShdw>
+                </a:effectLst>
+              </a:rPr>
+              <a:t>.</a:t>
+            </a:r>
+            <a:endParaRPr lang="en-US" sz="13800" b="1" cap="small" spc="300" dirty="0">
+              <a:ln w="12700">
+                <a:noFill/>
+                <a:prstDash val="solid"/>
+              </a:ln>
+              <a:solidFill>
+                <a:schemeClr val="accent1"/>
+              </a:solidFill>
+              <a:effectLst>
+                <a:outerShdw blurRad="41275" dist="20320" dir="1800000" algn="tl" rotWithShape="0">
+                  <a:srgbClr val="000000">
+                    <a:alpha val="40000"/>
+                  </a:srgbClr>
+                </a:outerShdw>
+              </a:effectLst>
+            </a:endParaRPr>
+          </a:p>
+        </p:txBody>
+      </p:sp>
+      <p:grpSp>
+        <p:nvGrpSpPr>
+          <p:cNvPr id="6" name="Grouper 5"/>
+          <p:cNvGrpSpPr/>
+          <p:nvPr/>
+        </p:nvGrpSpPr>
+        <p:grpSpPr>
+          <a:xfrm>
+            <a:off x="6758168" y="6943137"/>
+            <a:ext cx="5001192" cy="5044481"/>
+            <a:chOff x="6494949" y="6943137"/>
+            <a:chExt cx="5001192" cy="5044481"/>
+          </a:xfrm>
+        </p:grpSpPr>
+        <p:sp>
+          <p:nvSpPr>
+            <p:cNvPr id="7" name="Ellipse 6"/>
+            <p:cNvSpPr>
+              <a:spLocks noChangeAspect="1"/>
+            </p:cNvSpPr>
+            <p:nvPr/>
+          </p:nvSpPr>
+          <p:spPr>
+            <a:xfrm>
+              <a:off x="7350417" y="7841894"/>
+              <a:ext cx="3290257" cy="3290257"/>
+            </a:xfrm>
+            <a:prstGeom prst="ellipse">
+              <a:avLst/>
+            </a:prstGeom>
+            <a:ln>
+              <a:solidFill>
+                <a:schemeClr val="accent2"/>
+              </a:solidFill>
+            </a:ln>
+            <a:effectLst>
+              <a:outerShdw blurRad="76200" dir="18900000" sy="23000" kx="-1200000" algn="bl" rotWithShape="0">
+                <a:prstClr val="black">
+                  <a:alpha val="20000"/>
+                </a:prstClr>
+              </a:outerShdw>
+            </a:effectLst>
+          </p:spPr>
+          <p:style>
+            <a:lnRef idx="1">
+              <a:schemeClr val="accent1"/>
+            </a:lnRef>
+            <a:fillRef idx="3">
+              <a:schemeClr val="accent1"/>
+            </a:fillRef>
+            <a:effectRef idx="2">
+              <a:schemeClr val="accent1"/>
+            </a:effectRef>
+            <a:fontRef idx="minor">
+              <a:schemeClr val="lt1"/>
+            </a:fontRef>
+          </p:style>
+          <p:txBody>
+            <a:bodyPr rtlCol="0" anchor="ctr"/>
+            <a:lstStyle/>
+            <a:p>
+              <a:pPr algn="ctr"/>
+              <a:endParaRPr lang="en-US"/>
+            </a:p>
+          </p:txBody>
+        </p:sp>
+        <p:sp>
+          <p:nvSpPr>
+            <p:cNvPr id="8" name="Secteurs 7"/>
+            <p:cNvSpPr>
+              <a:spLocks noChangeAspect="1"/>
+            </p:cNvSpPr>
+            <p:nvPr/>
+          </p:nvSpPr>
+          <p:spPr>
+            <a:xfrm>
+              <a:off x="7371136" y="7841899"/>
+              <a:ext cx="3248819" cy="3290246"/>
+            </a:xfrm>
+            <a:prstGeom prst="pie">
+              <a:avLst>
+                <a:gd name="adj1" fmla="val 17697688"/>
+                <a:gd name="adj2" fmla="val 16200000"/>
+              </a:avLst>
+            </a:prstGeom>
+            <a:solidFill>
+              <a:srgbClr val="FFFFFF"/>
+            </a:solidFill>
+            <a:ln>
+              <a:solidFill>
+                <a:schemeClr val="accent2"/>
+              </a:solidFill>
+            </a:ln>
+          </p:spPr>
+          <p:style>
+            <a:lnRef idx="1">
+              <a:schemeClr val="accent1"/>
+            </a:lnRef>
+            <a:fillRef idx="3">
+              <a:schemeClr val="accent1"/>
+            </a:fillRef>
+            <a:effectRef idx="2">
+              <a:schemeClr val="accent1"/>
+            </a:effectRef>
+            <a:fontRef idx="minor">
+              <a:schemeClr val="lt1"/>
+            </a:fontRef>
+          </p:style>
+          <p:txBody>
+            <a:bodyPr rtlCol="0" anchor="ctr"/>
+            <a:lstStyle/>
+            <a:p>
+              <a:pPr algn="ctr"/>
+              <a:endParaRPr lang="en-US">
+                <a:solidFill>
+                  <a:schemeClr val="tx1"/>
+                </a:solidFill>
+              </a:endParaRPr>
+            </a:p>
+          </p:txBody>
+        </p:sp>
+        <p:cxnSp>
+          <p:nvCxnSpPr>
+            <p:cNvPr id="9" name="Connecteur droit avec flèche 8"/>
+            <p:cNvCxnSpPr>
+              <a:endCxn id="7" idx="0"/>
+            </p:cNvCxnSpPr>
+            <p:nvPr/>
+          </p:nvCxnSpPr>
+          <p:spPr>
+            <a:xfrm flipV="1">
+              <a:off x="8995545" y="7841894"/>
+              <a:ext cx="0" cy="1601840"/>
+            </a:xfrm>
+            <a:prstGeom prst="straightConnector1">
+              <a:avLst/>
+            </a:prstGeom>
+            <a:ln w="57150" cmpd="sng">
+              <a:solidFill>
+                <a:schemeClr val="accent2"/>
+              </a:solidFill>
+              <a:tailEnd type="arrow"/>
+            </a:ln>
+          </p:spPr>
+          <p:style>
+            <a:lnRef idx="2">
+              <a:schemeClr val="accent1"/>
+            </a:lnRef>
+            <a:fillRef idx="0">
+              <a:schemeClr val="accent1"/>
+            </a:fillRef>
+            <a:effectRef idx="1">
+              <a:schemeClr val="accent1"/>
+            </a:effectRef>
+            <a:fontRef idx="minor">
+              <a:schemeClr val="tx1"/>
+            </a:fontRef>
+          </p:style>
+        </p:cxnSp>
+        <p:grpSp>
+          <p:nvGrpSpPr>
+            <p:cNvPr id="10" name="Grouper 9"/>
+            <p:cNvGrpSpPr/>
+            <p:nvPr/>
+          </p:nvGrpSpPr>
+          <p:grpSpPr>
+            <a:xfrm>
+              <a:off x="6494949" y="6986428"/>
+              <a:ext cx="5001192" cy="5001190"/>
+              <a:chOff x="2759620" y="2052934"/>
+              <a:chExt cx="2735998" cy="2735997"/>
+            </a:xfrm>
+          </p:grpSpPr>
+          <p:sp>
+            <p:nvSpPr>
+              <p:cNvPr id="15" name="Arc 14"/>
+              <p:cNvSpPr/>
+              <p:nvPr/>
+            </p:nvSpPr>
+            <p:spPr>
+              <a:xfrm>
+                <a:off x="3119619" y="2340933"/>
+                <a:ext cx="2016000" cy="2159999"/>
+              </a:xfrm>
+              <a:prstGeom prst="arc">
+                <a:avLst>
+                  <a:gd name="adj1" fmla="val 17494394"/>
+                  <a:gd name="adj2" fmla="val 19010120"/>
+                </a:avLst>
+              </a:prstGeom>
+              <a:ln w="38100" cmpd="sng">
+                <a:solidFill>
+                  <a:schemeClr val="accent2"/>
+                </a:solidFill>
+              </a:ln>
+            </p:spPr>
+            <p:style>
+              <a:lnRef idx="2">
+                <a:schemeClr val="accent1"/>
+              </a:lnRef>
+              <a:fillRef idx="0">
+                <a:schemeClr val="accent1"/>
+              </a:fillRef>
+              <a:effectRef idx="1">
+                <a:schemeClr val="accent1"/>
+              </a:effectRef>
+              <a:fontRef idx="minor">
+                <a:schemeClr val="tx1"/>
+              </a:fontRef>
+            </p:style>
+            <p:txBody>
+              <a:bodyPr rtlCol="0" anchor="ctr"/>
+              <a:lstStyle/>
+              <a:p>
+                <a:pPr algn="ctr"/>
+                <a:endParaRPr lang="en-US"/>
+              </a:p>
+            </p:txBody>
+          </p:sp>
+          <p:sp>
+            <p:nvSpPr>
+              <p:cNvPr id="16" name="Arc 15"/>
+              <p:cNvSpPr>
+                <a:spLocks noChangeAspect="1"/>
+              </p:cNvSpPr>
+              <p:nvPr/>
+            </p:nvSpPr>
+            <p:spPr>
+              <a:xfrm>
+                <a:off x="2903620" y="2196933"/>
+                <a:ext cx="2447999" cy="2447998"/>
+              </a:xfrm>
+              <a:prstGeom prst="arc">
+                <a:avLst>
+                  <a:gd name="adj1" fmla="val 17258218"/>
+                  <a:gd name="adj2" fmla="val 19319877"/>
+                </a:avLst>
+              </a:prstGeom>
+              <a:ln w="38100" cmpd="sng">
+                <a:solidFill>
+                  <a:schemeClr val="accent2"/>
+                </a:solidFill>
+              </a:ln>
+            </p:spPr>
+            <p:style>
+              <a:lnRef idx="2">
+                <a:schemeClr val="accent1"/>
+              </a:lnRef>
+              <a:fillRef idx="0">
+                <a:schemeClr val="accent1"/>
+              </a:fillRef>
+              <a:effectRef idx="1">
+                <a:schemeClr val="accent1"/>
+              </a:effectRef>
+              <a:fontRef idx="minor">
+                <a:schemeClr val="tx1"/>
+              </a:fontRef>
+            </p:style>
+            <p:txBody>
+              <a:bodyPr rtlCol="0" anchor="ctr"/>
+              <a:lstStyle/>
+              <a:p>
+                <a:pPr algn="ctr"/>
+                <a:endParaRPr lang="en-US"/>
+              </a:p>
+            </p:txBody>
+          </p:sp>
+          <p:sp>
+            <p:nvSpPr>
+              <p:cNvPr id="17" name="Arc 16"/>
+              <p:cNvSpPr>
+                <a:spLocks noChangeAspect="1"/>
+              </p:cNvSpPr>
+              <p:nvPr/>
+            </p:nvSpPr>
+            <p:spPr>
+              <a:xfrm>
+                <a:off x="2759620" y="2052934"/>
+                <a:ext cx="2735998" cy="2735997"/>
+              </a:xfrm>
+              <a:prstGeom prst="arc">
+                <a:avLst>
+                  <a:gd name="adj1" fmla="val 17058860"/>
+                  <a:gd name="adj2" fmla="val 19569505"/>
+                </a:avLst>
+              </a:prstGeom>
+              <a:ln w="38100" cmpd="sng">
+                <a:solidFill>
+                  <a:schemeClr val="accent2"/>
+                </a:solidFill>
+              </a:ln>
+            </p:spPr>
+            <p:style>
+              <a:lnRef idx="2">
+                <a:schemeClr val="accent1"/>
+              </a:lnRef>
+              <a:fillRef idx="0">
+                <a:schemeClr val="accent1"/>
+              </a:fillRef>
+              <a:effectRef idx="1">
+                <a:schemeClr val="accent1"/>
+              </a:effectRef>
+              <a:fontRef idx="minor">
+                <a:schemeClr val="tx1"/>
+              </a:fontRef>
+            </p:style>
+            <p:txBody>
+              <a:bodyPr rtlCol="0" anchor="ctr"/>
+              <a:lstStyle/>
+              <a:p>
+                <a:pPr algn="ctr"/>
+                <a:endParaRPr lang="en-US">
+                  <a:ln w="38100" cmpd="sng">
+                    <a:solidFill>
+                      <a:srgbClr val="000000"/>
+                    </a:solidFill>
+                  </a:ln>
+                </a:endParaRPr>
+              </a:p>
+            </p:txBody>
+          </p:sp>
+        </p:grpSp>
+        <p:grpSp>
+          <p:nvGrpSpPr>
+            <p:cNvPr id="11" name="Grouper 10"/>
+            <p:cNvGrpSpPr/>
+            <p:nvPr/>
+          </p:nvGrpSpPr>
+          <p:grpSpPr>
+            <a:xfrm flipH="1">
+              <a:off x="6494949" y="6943137"/>
+              <a:ext cx="5001192" cy="5001190"/>
+              <a:chOff x="2759620" y="2052934"/>
+              <a:chExt cx="2735998" cy="2735997"/>
+            </a:xfrm>
+          </p:grpSpPr>
+          <p:sp>
+            <p:nvSpPr>
+              <p:cNvPr id="12" name="Arc 11"/>
+              <p:cNvSpPr/>
+              <p:nvPr/>
+            </p:nvSpPr>
+            <p:spPr>
+              <a:xfrm>
+                <a:off x="3119619" y="2340933"/>
+                <a:ext cx="2016000" cy="2159999"/>
+              </a:xfrm>
+              <a:prstGeom prst="arc">
+                <a:avLst>
+                  <a:gd name="adj1" fmla="val 17494394"/>
+                  <a:gd name="adj2" fmla="val 19010120"/>
+                </a:avLst>
+              </a:prstGeom>
+              <a:ln w="38100" cmpd="sng">
+                <a:solidFill>
+                  <a:schemeClr val="accent2"/>
+                </a:solidFill>
+              </a:ln>
+            </p:spPr>
+            <p:style>
+              <a:lnRef idx="2">
+                <a:schemeClr val="accent1"/>
+              </a:lnRef>
+              <a:fillRef idx="0">
+                <a:schemeClr val="accent1"/>
+              </a:fillRef>
+              <a:effectRef idx="1">
+                <a:schemeClr val="accent1"/>
+              </a:effectRef>
+              <a:fontRef idx="minor">
+                <a:schemeClr val="tx1"/>
+              </a:fontRef>
+            </p:style>
+            <p:txBody>
+              <a:bodyPr rtlCol="0" anchor="ctr"/>
+              <a:lstStyle/>
+              <a:p>
+                <a:pPr algn="ctr"/>
+                <a:endParaRPr lang="en-US"/>
+              </a:p>
+            </p:txBody>
+          </p:sp>
+          <p:sp>
+            <p:nvSpPr>
+              <p:cNvPr id="13" name="Arc 12"/>
+              <p:cNvSpPr>
+                <a:spLocks noChangeAspect="1"/>
+              </p:cNvSpPr>
+              <p:nvPr/>
+            </p:nvSpPr>
+            <p:spPr>
+              <a:xfrm>
+                <a:off x="2903620" y="2196933"/>
+                <a:ext cx="2447999" cy="2447998"/>
+              </a:xfrm>
+              <a:prstGeom prst="arc">
+                <a:avLst>
+                  <a:gd name="adj1" fmla="val 17258218"/>
+                  <a:gd name="adj2" fmla="val 19319877"/>
+                </a:avLst>
+              </a:prstGeom>
+              <a:ln w="38100" cmpd="sng">
+                <a:solidFill>
+                  <a:schemeClr val="accent2"/>
+                </a:solidFill>
+              </a:ln>
+            </p:spPr>
+            <p:style>
+              <a:lnRef idx="2">
+                <a:schemeClr val="accent1"/>
+              </a:lnRef>
+              <a:fillRef idx="0">
+                <a:schemeClr val="accent1"/>
+              </a:fillRef>
+              <a:effectRef idx="1">
+                <a:schemeClr val="accent1"/>
+              </a:effectRef>
+              <a:fontRef idx="minor">
+                <a:schemeClr val="tx1"/>
+              </a:fontRef>
+            </p:style>
+            <p:txBody>
+              <a:bodyPr rtlCol="0" anchor="ctr"/>
+              <a:lstStyle/>
+              <a:p>
+                <a:pPr algn="ctr"/>
+                <a:endParaRPr lang="en-US"/>
+              </a:p>
+            </p:txBody>
+          </p:sp>
+          <p:sp>
+            <p:nvSpPr>
+              <p:cNvPr id="14" name="Arc 13"/>
+              <p:cNvSpPr>
+                <a:spLocks noChangeAspect="1"/>
+              </p:cNvSpPr>
+              <p:nvPr/>
+            </p:nvSpPr>
+            <p:spPr>
+              <a:xfrm>
+                <a:off x="2759620" y="2052934"/>
+                <a:ext cx="2735998" cy="2735997"/>
+              </a:xfrm>
+              <a:prstGeom prst="arc">
+                <a:avLst>
+                  <a:gd name="adj1" fmla="val 17058860"/>
+                  <a:gd name="adj2" fmla="val 19569505"/>
+                </a:avLst>
+              </a:prstGeom>
+              <a:ln w="38100" cmpd="sng">
+                <a:solidFill>
+                  <a:schemeClr val="accent2"/>
+                </a:solidFill>
+              </a:ln>
+            </p:spPr>
+            <p:style>
+              <a:lnRef idx="2">
+                <a:schemeClr val="accent1"/>
+              </a:lnRef>
+              <a:fillRef idx="0">
+                <a:schemeClr val="accent1"/>
+              </a:fillRef>
+              <a:effectRef idx="1">
+                <a:schemeClr val="accent1"/>
+              </a:effectRef>
+              <a:fontRef idx="minor">
+                <a:schemeClr val="tx1"/>
+              </a:fontRef>
+            </p:style>
+            <p:txBody>
+              <a:bodyPr rtlCol="0" anchor="ctr"/>
+              <a:lstStyle/>
+              <a:p>
+                <a:pPr algn="ctr"/>
+                <a:endParaRPr lang="en-US">
+                  <a:ln w="38100" cmpd="sng">
+                    <a:solidFill>
+                      <a:srgbClr val="000000"/>
+                    </a:solidFill>
+                  </a:ln>
+                </a:endParaRPr>
+              </a:p>
+            </p:txBody>
+          </p:sp>
+        </p:grpSp>
+      </p:grpSp>
+    </p:spTree>
+    <p:extLst>
+      <p:ext uri="{BB962C8B-B14F-4D97-AF65-F5344CB8AC3E}">
+        <p14:creationId xmlns:p14="http://schemas.microsoft.com/office/powerpoint/2010/main" val="291435061"/>
+      </p:ext>
+    </p:extLst>
+  </p:cSld>
+  <p:clrMapOvr>
+    <a:masterClrMapping/>
+  </p:clrMapOvr>
+</p:sld>
+</file>
+
+<file path=ppt/slides/slide6.xml><?xml version="1.0" encoding="utf-8"?>
+<p:sld xmlns:a="http://schemas.openxmlformats.org/drawingml/2006/main" xmlns:r="http://schemas.openxmlformats.org/officeDocument/2006/relationships" xmlns:p="http://schemas.openxmlformats.org/presentationml/2006/main">
+  <p:cSld>
+    <p:spTree>
+      <p:nvGrpSpPr>
+        <p:cNvPr id="1" name=""/>
+        <p:cNvGrpSpPr/>
+        <p:nvPr/>
+      </p:nvGrpSpPr>
+      <p:grpSpPr>
+        <a:xfrm>
+          <a:off x="0" y="0"/>
+          <a:ext cx="0" cy="0"/>
+          <a:chOff x="0" y="0"/>
+          <a:chExt cx="0" cy="0"/>
+        </a:xfrm>
+      </p:grpSpPr>
+      <p:sp>
+        <p:nvSpPr>
+          <p:cNvPr id="5" name="Bouée 4"/>
+          <p:cNvSpPr>
+            <a:spLocks noChangeAspect="1"/>
+          </p:cNvSpPr>
+          <p:nvPr/>
+        </p:nvSpPr>
+        <p:spPr>
+          <a:xfrm>
+            <a:off x="1614253" y="1610484"/>
+            <a:ext cx="15228000" cy="15228000"/>
+          </a:xfrm>
+          <a:prstGeom prst="donut">
+            <a:avLst>
+              <a:gd name="adj" fmla="val 30982"/>
+            </a:avLst>
+          </a:prstGeom>
+          <a:solidFill>
+            <a:schemeClr val="bg1"/>
+          </a:solidFill>
+          <a:ln w="76200" cmpd="sng">
+            <a:noFill/>
+          </a:ln>
+        </p:spPr>
+        <p:style>
+          <a:lnRef idx="1">
+            <a:schemeClr val="accent1"/>
+          </a:lnRef>
+          <a:fillRef idx="3">
+            <a:schemeClr val="accent1"/>
+          </a:fillRef>
+          <a:effectRef idx="2">
+            <a:schemeClr val="accent1"/>
+          </a:effectRef>
+          <a:fontRef idx="minor">
+            <a:schemeClr val="lt1"/>
+          </a:fontRef>
+        </p:style>
+        <p:txBody>
+          <a:bodyPr rtlCol="0" anchor="ctr"/>
+          <a:lstStyle/>
+          <a:p>
+            <a:pPr algn="ctr"/>
+            <a:endParaRPr lang="en-US">
+              <a:solidFill>
+                <a:schemeClr val="tx1"/>
+              </a:solidFill>
+            </a:endParaRPr>
+          </a:p>
+        </p:txBody>
+      </p:sp>
+      <p:pic>
+        <p:nvPicPr>
+          <p:cNvPr id="4" name="Image 3" descr="4cb46pEdi.gif"/>
+          <p:cNvPicPr>
+            <a:picLocks noChangeAspect="1"/>
+          </p:cNvPicPr>
+          <p:nvPr/>
+        </p:nvPicPr>
+        <p:blipFill>
+          <a:blip r:embed="rId2">
+            <a:extLst>
+              <a:ext uri="{28A0092B-C50C-407E-A947-70E740481C1C}">
+                <a14:useLocalDpi xmlns:a14="http://schemas.microsoft.com/office/drawing/2010/main" val="0"/>
+              </a:ext>
+            </a:extLst>
+          </a:blip>
+          <a:stretch>
+            <a:fillRect/>
+          </a:stretch>
+        </p:blipFill>
+        <p:spPr>
+          <a:xfrm rot="16200000">
+            <a:off x="6799069" y="4061837"/>
+            <a:ext cx="6686364" cy="10029547"/>
+          </a:xfrm>
+          <a:prstGeom prst="rect">
+            <a:avLst/>
+          </a:prstGeom>
+          <a:ln>
+            <a:noFill/>
+          </a:ln>
+        </p:spPr>
+      </p:pic>
+      <p:sp>
+        <p:nvSpPr>
+          <p:cNvPr id="2" name="Rectangle 1"/>
+          <p:cNvSpPr>
+            <a:spLocks noChangeAspect="1"/>
+          </p:cNvSpPr>
+          <p:nvPr/>
+        </p:nvSpPr>
+        <p:spPr>
+          <a:xfrm rot="16200000">
+            <a:off x="3277028" y="3277028"/>
+            <a:ext cx="11879995" cy="11879995"/>
+          </a:xfrm>
+          <a:prstGeom prst="rect">
+            <a:avLst/>
+          </a:prstGeom>
+          <a:noFill/>
+        </p:spPr>
+        <p:txBody>
+          <a:bodyPr wrap="none" lIns="210669" tIns="105334" rIns="210669" bIns="105334">
+            <a:prstTxWarp prst="textCircle">
+              <a:avLst>
+                <a:gd name="adj" fmla="val 10946467"/>
+              </a:avLst>
+            </a:prstTxWarp>
+            <a:spAutoFit/>
+          </a:bodyPr>
+          <a:lstStyle/>
+          <a:p>
+            <a:pPr algn="ctr"/>
+            <a:r>
+              <a:rPr lang="en-US" sz="23900" b="1" cap="small" dirty="0" smtClean="0">
+                <a:ln w="12700">
+                  <a:solidFill>
+                    <a:srgbClr val="FFFFFF"/>
+                  </a:solidFill>
+                  <a:prstDash val="solid"/>
+                </a:ln>
+                <a:solidFill>
+                  <a:schemeClr val="accent2"/>
+                </a:solidFill>
+              </a:rPr>
+              <a:t>Raise hand and aim at target.</a:t>
+            </a:r>
+            <a:endParaRPr lang="en-US" sz="23900" b="1" cap="small" dirty="0">
+              <a:ln w="12700">
+                <a:solidFill>
+                  <a:srgbClr val="FFFFFF"/>
+                </a:solidFill>
+                <a:prstDash val="solid"/>
+              </a:ln>
+              <a:solidFill>
+                <a:schemeClr val="accent2"/>
+              </a:solidFill>
+            </a:endParaRPr>
+          </a:p>
+        </p:txBody>
+      </p:sp>
+      <p:sp>
+        <p:nvSpPr>
+          <p:cNvPr id="18" name="Ellipse 17"/>
+          <p:cNvSpPr>
+            <a:spLocks noChangeAspect="1"/>
+          </p:cNvSpPr>
+          <p:nvPr/>
+        </p:nvSpPr>
+        <p:spPr>
+          <a:xfrm>
+            <a:off x="4897026" y="4897026"/>
+            <a:ext cx="8639998" cy="8639999"/>
+          </a:xfrm>
+          <a:prstGeom prst="ellipse">
+            <a:avLst/>
+          </a:prstGeom>
+          <a:noFill/>
+          <a:ln w="304800" cmpd="sng">
+            <a:solidFill>
+              <a:srgbClr val="008000"/>
+            </a:solidFill>
+          </a:ln>
+        </p:spPr>
+        <p:style>
+          <a:lnRef idx="1">
+            <a:schemeClr val="accent1"/>
+          </a:lnRef>
+          <a:fillRef idx="3">
+            <a:schemeClr val="accent1"/>
+          </a:fillRef>
+          <a:effectRef idx="2">
+            <a:schemeClr val="accent1"/>
+          </a:effectRef>
+          <a:fontRef idx="minor">
+            <a:schemeClr val="lt1"/>
+          </a:fontRef>
+        </p:style>
+        <p:txBody>
+          <a:bodyPr rtlCol="0" anchor="ctr"/>
+          <a:lstStyle/>
+          <a:p>
+            <a:pPr algn="ctr"/>
+            <a:endParaRPr lang="en-US"/>
+          </a:p>
+        </p:txBody>
+      </p:sp>
+    </p:spTree>
+    <p:extLst>
+      <p:ext uri="{BB962C8B-B14F-4D97-AF65-F5344CB8AC3E}">
+        <p14:creationId xmlns:p14="http://schemas.microsoft.com/office/powerpoint/2010/main" val="2779772020"/>
+      </p:ext>
+    </p:extLst>
+  </p:cSld>
+  <p:clrMapOvr>
+    <a:masterClrMapping/>
+  </p:clrMapOvr>
+</p:sld>
+</file>
+
+<file path=ppt/slides/slide7.xml><?xml version="1.0" encoding="utf-8"?>
+<p:sld xmlns:a="http://schemas.openxmlformats.org/drawingml/2006/main" xmlns:r="http://schemas.openxmlformats.org/officeDocument/2006/relationships" xmlns:p="http://schemas.openxmlformats.org/presentationml/2006/main">
+  <p:cSld>
+    <p:spTree>
+      <p:nvGrpSpPr>
+        <p:cNvPr id="1" name=""/>
+        <p:cNvGrpSpPr/>
+        <p:nvPr/>
+      </p:nvGrpSpPr>
+      <p:grpSpPr>
+        <a:xfrm>
+          <a:off x="0" y="0"/>
+          <a:ext cx="0" cy="0"/>
+          <a:chOff x="0" y="0"/>
+          <a:chExt cx="0" cy="0"/>
+        </a:xfrm>
+      </p:grpSpPr>
+      <p:sp>
+        <p:nvSpPr>
+          <p:cNvPr id="5" name="Bouée 4"/>
+          <p:cNvSpPr>
+            <a:spLocks noChangeAspect="1"/>
+          </p:cNvSpPr>
+          <p:nvPr/>
+        </p:nvSpPr>
+        <p:spPr>
+          <a:xfrm>
+            <a:off x="1614253" y="1610484"/>
+            <a:ext cx="15228000" cy="15228000"/>
+          </a:xfrm>
+          <a:prstGeom prst="donut">
+            <a:avLst>
+              <a:gd name="adj" fmla="val 30982"/>
+            </a:avLst>
+          </a:prstGeom>
+          <a:solidFill>
+            <a:schemeClr val="bg1"/>
+          </a:solidFill>
+          <a:ln w="76200" cmpd="sng">
+            <a:noFill/>
+          </a:ln>
+        </p:spPr>
+        <p:style>
+          <a:lnRef idx="1">
+            <a:schemeClr val="accent1"/>
+          </a:lnRef>
+          <a:fillRef idx="3">
+            <a:schemeClr val="accent1"/>
+          </a:fillRef>
+          <a:effectRef idx="2">
+            <a:schemeClr val="accent1"/>
+          </a:effectRef>
+          <a:fontRef idx="minor">
+            <a:schemeClr val="lt1"/>
+          </a:fontRef>
+        </p:style>
+        <p:txBody>
+          <a:bodyPr rtlCol="0" anchor="ctr"/>
+          <a:lstStyle/>
+          <a:p>
+            <a:pPr algn="ctr"/>
+            <a:endParaRPr lang="en-US">
+              <a:solidFill>
+                <a:schemeClr val="tx1"/>
+              </a:solidFill>
+            </a:endParaRPr>
+          </a:p>
+        </p:txBody>
+      </p:sp>
+      <p:sp>
+        <p:nvSpPr>
+          <p:cNvPr id="2" name="Rectangle 1"/>
+          <p:cNvSpPr>
+            <a:spLocks noChangeAspect="1"/>
+          </p:cNvSpPr>
+          <p:nvPr/>
+        </p:nvSpPr>
+        <p:spPr>
+          <a:xfrm rot="16200000">
+            <a:off x="3277028" y="3277028"/>
+            <a:ext cx="11879995" cy="11879995"/>
+          </a:xfrm>
+          <a:prstGeom prst="rect">
+            <a:avLst/>
+          </a:prstGeom>
+          <a:noFill/>
+        </p:spPr>
+        <p:txBody>
+          <a:bodyPr wrap="none" lIns="210669" tIns="105334" rIns="210669" bIns="105334">
+            <a:prstTxWarp prst="textCircle">
+              <a:avLst>
+                <a:gd name="adj" fmla="val 10946467"/>
+              </a:avLst>
+            </a:prstTxWarp>
+            <a:spAutoFit/>
+          </a:bodyPr>
+          <a:lstStyle/>
+          <a:p>
+            <a:pPr algn="ctr"/>
+            <a:r>
+              <a:rPr lang="en-US" sz="23900" b="1" cap="small" spc="600" dirty="0" smtClean="0">
+                <a:ln w="12700">
+                  <a:solidFill>
+                    <a:srgbClr val="FFFFFF"/>
+                  </a:solidFill>
+                  <a:prstDash val="solid"/>
+                </a:ln>
+                <a:solidFill>
+                  <a:schemeClr val="accent2"/>
+                </a:solidFill>
+              </a:rPr>
+              <a:t>Time to raise hand exceeded.</a:t>
             </a:r>
             <a:endParaRPr lang="en-US" sz="23900" b="1" cap="small" spc="600" dirty="0">
               <a:ln w="12700">

--- a/Source Code/GraspBMPs/GraspCircularPrompts.pptx
+++ b/Source Code/GraspBMPs/GraspCircularPrompts.pptx
@@ -19,6 +19,7 @@
     <p:sldId id="279" r:id="rId13"/>
     <p:sldId id="278" r:id="rId14"/>
     <p:sldId id="280" r:id="rId15"/>
+    <p:sldId id="281" r:id="rId16"/>
   </p:sldIdLst>
   <p:sldSz cx="18434050" cy="18434050"/>
   <p:notesSz cx="6858000" cy="9144000"/>
@@ -301,7 +302,7 @@
           <a:p>
             <a:fld id="{649FEDF0-7D14-9E44-B4F2-968D163D1479}" type="datetimeFigureOut">
               <a:rPr lang="fr-FR" smtClean="0"/>
-              <a:t>31/07/16</a:t>
+              <a:t>16/08/16</a:t>
             </a:fld>
             <a:endParaRPr lang="en-US"/>
           </a:p>
@@ -471,7 +472,7 @@
           <a:p>
             <a:fld id="{649FEDF0-7D14-9E44-B4F2-968D163D1479}" type="datetimeFigureOut">
               <a:rPr lang="fr-FR" smtClean="0"/>
-              <a:t>31/07/16</a:t>
+              <a:t>16/08/16</a:t>
             </a:fld>
             <a:endParaRPr lang="en-US"/>
           </a:p>
@@ -651,7 +652,7 @@
           <a:p>
             <a:fld id="{649FEDF0-7D14-9E44-B4F2-968D163D1479}" type="datetimeFigureOut">
               <a:rPr lang="fr-FR" smtClean="0"/>
-              <a:t>31/07/16</a:t>
+              <a:t>16/08/16</a:t>
             </a:fld>
             <a:endParaRPr lang="en-US"/>
           </a:p>
@@ -821,7 +822,7 @@
           <a:p>
             <a:fld id="{649FEDF0-7D14-9E44-B4F2-968D163D1479}" type="datetimeFigureOut">
               <a:rPr lang="fr-FR" smtClean="0"/>
-              <a:t>31/07/16</a:t>
+              <a:t>16/08/16</a:t>
             </a:fld>
             <a:endParaRPr lang="en-US"/>
           </a:p>
@@ -1067,7 +1068,7 @@
           <a:p>
             <a:fld id="{649FEDF0-7D14-9E44-B4F2-968D163D1479}" type="datetimeFigureOut">
               <a:rPr lang="fr-FR" smtClean="0"/>
-              <a:t>31/07/16</a:t>
+              <a:t>16/08/16</a:t>
             </a:fld>
             <a:endParaRPr lang="en-US"/>
           </a:p>
@@ -1355,7 +1356,7 @@
           <a:p>
             <a:fld id="{649FEDF0-7D14-9E44-B4F2-968D163D1479}" type="datetimeFigureOut">
               <a:rPr lang="fr-FR" smtClean="0"/>
-              <a:t>31/07/16</a:t>
+              <a:t>16/08/16</a:t>
             </a:fld>
             <a:endParaRPr lang="en-US"/>
           </a:p>
@@ -1777,7 +1778,7 @@
           <a:p>
             <a:fld id="{649FEDF0-7D14-9E44-B4F2-968D163D1479}" type="datetimeFigureOut">
               <a:rPr lang="fr-FR" smtClean="0"/>
-              <a:t>31/07/16</a:t>
+              <a:t>16/08/16</a:t>
             </a:fld>
             <a:endParaRPr lang="en-US"/>
           </a:p>
@@ -1895,7 +1896,7 @@
           <a:p>
             <a:fld id="{649FEDF0-7D14-9E44-B4F2-968D163D1479}" type="datetimeFigureOut">
               <a:rPr lang="fr-FR" smtClean="0"/>
-              <a:t>31/07/16</a:t>
+              <a:t>16/08/16</a:t>
             </a:fld>
             <a:endParaRPr lang="en-US"/>
           </a:p>
@@ -1990,7 +1991,7 @@
           <a:p>
             <a:fld id="{649FEDF0-7D14-9E44-B4F2-968D163D1479}" type="datetimeFigureOut">
               <a:rPr lang="fr-FR" smtClean="0"/>
-              <a:t>31/07/16</a:t>
+              <a:t>16/08/16</a:t>
             </a:fld>
             <a:endParaRPr lang="en-US"/>
           </a:p>
@@ -2315,7 +2316,7 @@
           <a:p>
             <a:fld id="{649FEDF0-7D14-9E44-B4F2-968D163D1479}" type="datetimeFigureOut">
               <a:rPr lang="fr-FR" smtClean="0"/>
-              <a:t>31/07/16</a:t>
+              <a:t>16/08/16</a:t>
             </a:fld>
             <a:endParaRPr lang="en-US"/>
           </a:p>
@@ -2568,7 +2569,7 @@
           <a:p>
             <a:fld id="{649FEDF0-7D14-9E44-B4F2-968D163D1479}" type="datetimeFigureOut">
               <a:rPr lang="fr-FR" smtClean="0"/>
-              <a:t>31/07/16</a:t>
+              <a:t>16/08/16</a:t>
             </a:fld>
             <a:endParaRPr lang="en-US"/>
           </a:p>
@@ -2784,7 +2785,7 @@
           <a:p>
             <a:fld id="{649FEDF0-7D14-9E44-B4F2-968D163D1479}" type="datetimeFigureOut">
               <a:rPr lang="fr-FR" smtClean="0"/>
-              <a:t>31/07/16</a:t>
+              <a:t>16/08/16</a:t>
             </a:fld>
             <a:endParaRPr lang="en-US"/>
           </a:p>
@@ -4850,21 +4851,7 @@
                   <a:schemeClr val="accent2"/>
                 </a:solidFill>
               </a:rPr>
-              <a:t>Time </a:t>
-            </a:r>
-            <a:r>
-              <a:rPr lang="en-US" sz="23900" b="1" cap="small" dirty="0" smtClean="0">
-                <a:ln w="12700">
-                  <a:solidFill>
-                    <a:srgbClr val="FFFFFF"/>
-                  </a:solidFill>
-                  <a:prstDash val="solid"/>
-                </a:ln>
-                <a:solidFill>
-                  <a:schemeClr val="accent2"/>
-                </a:solidFill>
-              </a:rPr>
-              <a:t>to rotate hand exceeded.</a:t>
+              <a:t>Time to rotate hand exceeded.</a:t>
             </a:r>
             <a:endParaRPr lang="en-US" sz="23900" b="1" cap="small" dirty="0">
               <a:ln w="12700">
@@ -5968,6 +5955,252 @@
     <p:extLst>
       <p:ext uri="{BB962C8B-B14F-4D97-AF65-F5344CB8AC3E}">
         <p14:creationId xmlns:p14="http://schemas.microsoft.com/office/powerpoint/2010/main" val="1885241631"/>
+      </p:ext>
+    </p:extLst>
+  </p:cSld>
+  <p:clrMapOvr>
+    <a:masterClrMapping/>
+  </p:clrMapOvr>
+</p:sld>
+</file>
+
+<file path=ppt/slides/slide15.xml><?xml version="1.0" encoding="utf-8"?>
+<p:sld xmlns:a="http://schemas.openxmlformats.org/drawingml/2006/main" xmlns:r="http://schemas.openxmlformats.org/officeDocument/2006/relationships" xmlns:p="http://schemas.openxmlformats.org/presentationml/2006/main">
+  <p:cSld>
+    <p:spTree>
+      <p:nvGrpSpPr>
+        <p:cNvPr id="1" name=""/>
+        <p:cNvGrpSpPr/>
+        <p:nvPr/>
+      </p:nvGrpSpPr>
+      <p:grpSpPr>
+        <a:xfrm>
+          <a:off x="0" y="0"/>
+          <a:ext cx="0" cy="0"/>
+          <a:chOff x="0" y="0"/>
+          <a:chExt cx="0" cy="0"/>
+        </a:xfrm>
+      </p:grpSpPr>
+      <p:sp>
+        <p:nvSpPr>
+          <p:cNvPr id="5" name="Bouée 4"/>
+          <p:cNvSpPr>
+            <a:spLocks noChangeAspect="1"/>
+          </p:cNvSpPr>
+          <p:nvPr/>
+        </p:nvSpPr>
+        <p:spPr>
+          <a:xfrm>
+            <a:off x="1614253" y="1610484"/>
+            <a:ext cx="15228000" cy="15228000"/>
+          </a:xfrm>
+          <a:prstGeom prst="donut">
+            <a:avLst>
+              <a:gd name="adj" fmla="val 30982"/>
+            </a:avLst>
+          </a:prstGeom>
+          <a:solidFill>
+            <a:schemeClr val="bg1"/>
+          </a:solidFill>
+          <a:ln w="76200" cmpd="sng">
+            <a:noFill/>
+          </a:ln>
+        </p:spPr>
+        <p:style>
+          <a:lnRef idx="1">
+            <a:schemeClr val="accent1"/>
+          </a:lnRef>
+          <a:fillRef idx="3">
+            <a:schemeClr val="accent1"/>
+          </a:fillRef>
+          <a:effectRef idx="2">
+            <a:schemeClr val="accent1"/>
+          </a:effectRef>
+          <a:fontRef idx="minor">
+            <a:schemeClr val="lt1"/>
+          </a:fontRef>
+        </p:style>
+        <p:txBody>
+          <a:bodyPr rtlCol="0" anchor="ctr"/>
+          <a:lstStyle/>
+          <a:p>
+            <a:pPr algn="ctr"/>
+            <a:endParaRPr lang="en-US">
+              <a:solidFill>
+                <a:schemeClr val="tx1"/>
+              </a:solidFill>
+            </a:endParaRPr>
+          </a:p>
+        </p:txBody>
+      </p:sp>
+      <p:sp>
+        <p:nvSpPr>
+          <p:cNvPr id="2" name="Rectangle 1"/>
+          <p:cNvSpPr>
+            <a:spLocks noChangeAspect="1"/>
+          </p:cNvSpPr>
+          <p:nvPr/>
+        </p:nvSpPr>
+        <p:spPr>
+          <a:xfrm rot="16200000">
+            <a:off x="3277028" y="3277028"/>
+            <a:ext cx="11879995" cy="11879995"/>
+          </a:xfrm>
+          <a:prstGeom prst="rect">
+            <a:avLst/>
+          </a:prstGeom>
+          <a:noFill/>
+        </p:spPr>
+        <p:txBody>
+          <a:bodyPr wrap="none" lIns="210669" tIns="105334" rIns="210669" bIns="105334">
+            <a:prstTxWarp prst="textCircle">
+              <a:avLst>
+                <a:gd name="adj" fmla="val 10946467"/>
+              </a:avLst>
+            </a:prstTxWarp>
+            <a:spAutoFit/>
+          </a:bodyPr>
+          <a:lstStyle/>
+          <a:p>
+            <a:pPr algn="ctr"/>
+            <a:r>
+              <a:rPr lang="en-US" sz="23900" b="1" cap="small" spc="-150" dirty="0" smtClean="0">
+                <a:ln w="12700">
+                  <a:solidFill>
+                    <a:srgbClr val="FFFFFF"/>
+                  </a:solidFill>
+                  <a:prstDash val="solid"/>
+                </a:ln>
+                <a:solidFill>
+                  <a:schemeClr val="accent2"/>
+                </a:solidFill>
+              </a:rPr>
+              <a:t>Straighten head on shoulders.</a:t>
+            </a:r>
+            <a:endParaRPr lang="en-US" sz="23900" b="1" cap="small" spc="-150" dirty="0">
+              <a:ln w="12700">
+                <a:solidFill>
+                  <a:srgbClr val="FFFFFF"/>
+                </a:solidFill>
+                <a:prstDash val="solid"/>
+              </a:ln>
+              <a:solidFill>
+                <a:schemeClr val="accent2"/>
+              </a:solidFill>
+            </a:endParaRPr>
+          </a:p>
+        </p:txBody>
+      </p:sp>
+      <p:sp>
+        <p:nvSpPr>
+          <p:cNvPr id="7" name="Rectangle 6"/>
+          <p:cNvSpPr>
+            <a:spLocks noChangeAspect="1"/>
+          </p:cNvSpPr>
+          <p:nvPr/>
+        </p:nvSpPr>
+        <p:spPr>
+          <a:xfrm rot="16200000">
+            <a:off x="5257022" y="5257026"/>
+            <a:ext cx="7920006" cy="7919999"/>
+          </a:xfrm>
+          <a:prstGeom prst="rect">
+            <a:avLst/>
+          </a:prstGeom>
+          <a:noFill/>
+        </p:spPr>
+        <p:txBody>
+          <a:bodyPr wrap="none" lIns="210669" tIns="105334" rIns="210669" bIns="105334">
+            <a:prstTxWarp prst="textCircle">
+              <a:avLst>
+                <a:gd name="adj" fmla="val 10916975"/>
+              </a:avLst>
+            </a:prstTxWarp>
+            <a:spAutoFit/>
+          </a:bodyPr>
+          <a:lstStyle/>
+          <a:p>
+            <a:pPr algn="ctr"/>
+            <a:r>
+              <a:rPr lang="en-US" sz="13800" b="1" cap="small" spc="300" dirty="0" smtClean="0">
+                <a:ln w="12700">
+                  <a:noFill/>
+                  <a:prstDash val="solid"/>
+                </a:ln>
+                <a:solidFill>
+                  <a:schemeClr val="accent1"/>
+                </a:solidFill>
+                <a:effectLst>
+                  <a:outerShdw blurRad="41275" dist="20320" dir="1800000" algn="tl" rotWithShape="0">
+                    <a:srgbClr val="000000">
+                      <a:alpha val="40000"/>
+                    </a:srgbClr>
+                  </a:outerShdw>
+                </a:effectLst>
+              </a:rPr>
+              <a:t> Press </a:t>
+            </a:r>
+            <a:r>
+              <a:rPr lang="en-US" sz="13800" b="1" cap="small" spc="300" dirty="0">
+                <a:ln w="12700">
+                  <a:noFill/>
+                  <a:prstDash val="solid"/>
+                </a:ln>
+                <a:solidFill>
+                  <a:schemeClr val="accent1"/>
+                </a:solidFill>
+                <a:effectLst>
+                  <a:outerShdw blurRad="41275" dist="20320" dir="1800000" algn="tl" rotWithShape="0">
+                    <a:srgbClr val="000000">
+                      <a:alpha val="40000"/>
+                    </a:srgbClr>
+                  </a:outerShdw>
+                </a:effectLst>
+              </a:rPr>
+              <a:t>a button to continue</a:t>
+            </a:r>
+            <a:r>
+              <a:rPr lang="en-US" sz="13800" b="1" cap="small" spc="300" dirty="0" smtClean="0">
+                <a:ln w="12700">
+                  <a:noFill/>
+                  <a:prstDash val="solid"/>
+                </a:ln>
+                <a:solidFill>
+                  <a:schemeClr val="accent1"/>
+                </a:solidFill>
+                <a:effectLst>
+                  <a:outerShdw blurRad="41275" dist="20320" dir="1800000" algn="tl" rotWithShape="0">
+                    <a:srgbClr val="000000">
+                      <a:alpha val="40000"/>
+                    </a:srgbClr>
+                  </a:outerShdw>
+                </a:effectLst>
+              </a:rPr>
+              <a:t>.</a:t>
+            </a:r>
+            <a:endParaRPr lang="en-US" sz="13800" b="1" cap="small" spc="300" dirty="0">
+              <a:ln w="12700">
+                <a:noFill/>
+                <a:prstDash val="solid"/>
+              </a:ln>
+              <a:solidFill>
+                <a:schemeClr val="accent1"/>
+              </a:solidFill>
+              <a:effectLst>
+                <a:outerShdw blurRad="41275" dist="20320" dir="1800000" algn="tl" rotWithShape="0">
+                  <a:srgbClr val="000000">
+                    <a:alpha val="40000"/>
+                  </a:srgbClr>
+                </a:outerShdw>
+              </a:effectLst>
+            </a:endParaRPr>
+          </a:p>
+        </p:txBody>
+      </p:sp>
+    </p:spTree>
+    <p:extLst>
+      <p:ext uri="{BB962C8B-B14F-4D97-AF65-F5344CB8AC3E}">
+        <p14:creationId xmlns:p14="http://schemas.microsoft.com/office/powerpoint/2010/main" val="2179511308"/>
       </p:ext>
     </p:extLst>
   </p:cSld>

--- a/Source Code/GraspBMPs/GraspCircularPrompts.pptx
+++ b/Source Code/GraspBMPs/GraspCircularPrompts.pptx
@@ -302,9 +302,9 @@
           <a:p>
             <a:fld id="{649FEDF0-7D14-9E44-B4F2-968D163D1479}" type="datetimeFigureOut">
               <a:rPr lang="fr-FR" smtClean="0"/>
-              <a:t>16/08/16</a:t>
+              <a:t>17/08/16</a:t>
             </a:fld>
-            <a:endParaRPr lang="en-US"/>
+            <a:endParaRPr lang="en-US" dirty="0"/>
           </a:p>
         </p:txBody>
       </p:sp>
@@ -323,7 +323,7 @@
           <a:bodyPr/>
           <a:lstStyle/>
           <a:p>
-            <a:endParaRPr lang="en-US"/>
+            <a:endParaRPr lang="en-US" dirty="0"/>
           </a:p>
         </p:txBody>
       </p:sp>
@@ -346,7 +346,7 @@
               <a:rPr lang="en-US" smtClean="0"/>
               <a:t>‹#›</a:t>
             </a:fld>
-            <a:endParaRPr lang="en-US"/>
+            <a:endParaRPr lang="en-US" dirty="0"/>
           </a:p>
         </p:txBody>
       </p:sp>
@@ -472,9 +472,9 @@
           <a:p>
             <a:fld id="{649FEDF0-7D14-9E44-B4F2-968D163D1479}" type="datetimeFigureOut">
               <a:rPr lang="fr-FR" smtClean="0"/>
-              <a:t>16/08/16</a:t>
+              <a:t>17/08/16</a:t>
             </a:fld>
-            <a:endParaRPr lang="en-US"/>
+            <a:endParaRPr lang="en-US" dirty="0"/>
           </a:p>
         </p:txBody>
       </p:sp>
@@ -493,7 +493,7 @@
           <a:bodyPr/>
           <a:lstStyle/>
           <a:p>
-            <a:endParaRPr lang="en-US"/>
+            <a:endParaRPr lang="en-US" dirty="0"/>
           </a:p>
         </p:txBody>
       </p:sp>
@@ -516,7 +516,7 @@
               <a:rPr lang="en-US" smtClean="0"/>
               <a:t>‹#›</a:t>
             </a:fld>
-            <a:endParaRPr lang="en-US"/>
+            <a:endParaRPr lang="en-US" dirty="0"/>
           </a:p>
         </p:txBody>
       </p:sp>
@@ -652,9 +652,9 @@
           <a:p>
             <a:fld id="{649FEDF0-7D14-9E44-B4F2-968D163D1479}" type="datetimeFigureOut">
               <a:rPr lang="fr-FR" smtClean="0"/>
-              <a:t>16/08/16</a:t>
+              <a:t>17/08/16</a:t>
             </a:fld>
-            <a:endParaRPr lang="en-US"/>
+            <a:endParaRPr lang="en-US" dirty="0"/>
           </a:p>
         </p:txBody>
       </p:sp>
@@ -673,7 +673,7 @@
           <a:bodyPr/>
           <a:lstStyle/>
           <a:p>
-            <a:endParaRPr lang="en-US"/>
+            <a:endParaRPr lang="en-US" dirty="0"/>
           </a:p>
         </p:txBody>
       </p:sp>
@@ -696,7 +696,7 @@
               <a:rPr lang="en-US" smtClean="0"/>
               <a:t>‹#›</a:t>
             </a:fld>
-            <a:endParaRPr lang="en-US"/>
+            <a:endParaRPr lang="en-US" dirty="0"/>
           </a:p>
         </p:txBody>
       </p:sp>
@@ -822,9 +822,9 @@
           <a:p>
             <a:fld id="{649FEDF0-7D14-9E44-B4F2-968D163D1479}" type="datetimeFigureOut">
               <a:rPr lang="fr-FR" smtClean="0"/>
-              <a:t>16/08/16</a:t>
+              <a:t>17/08/16</a:t>
             </a:fld>
-            <a:endParaRPr lang="en-US"/>
+            <a:endParaRPr lang="en-US" dirty="0"/>
           </a:p>
         </p:txBody>
       </p:sp>
@@ -843,7 +843,7 @@
           <a:bodyPr/>
           <a:lstStyle/>
           <a:p>
-            <a:endParaRPr lang="en-US"/>
+            <a:endParaRPr lang="en-US" dirty="0"/>
           </a:p>
         </p:txBody>
       </p:sp>
@@ -866,7 +866,7 @@
               <a:rPr lang="en-US" smtClean="0"/>
               <a:t>‹#›</a:t>
             </a:fld>
-            <a:endParaRPr lang="en-US"/>
+            <a:endParaRPr lang="en-US" dirty="0"/>
           </a:p>
         </p:txBody>
       </p:sp>
@@ -1068,9 +1068,9 @@
           <a:p>
             <a:fld id="{649FEDF0-7D14-9E44-B4F2-968D163D1479}" type="datetimeFigureOut">
               <a:rPr lang="fr-FR" smtClean="0"/>
-              <a:t>16/08/16</a:t>
+              <a:t>17/08/16</a:t>
             </a:fld>
-            <a:endParaRPr lang="en-US"/>
+            <a:endParaRPr lang="en-US" dirty="0"/>
           </a:p>
         </p:txBody>
       </p:sp>
@@ -1089,7 +1089,7 @@
           <a:bodyPr/>
           <a:lstStyle/>
           <a:p>
-            <a:endParaRPr lang="en-US"/>
+            <a:endParaRPr lang="en-US" dirty="0"/>
           </a:p>
         </p:txBody>
       </p:sp>
@@ -1112,7 +1112,7 @@
               <a:rPr lang="en-US" smtClean="0"/>
               <a:t>‹#›</a:t>
             </a:fld>
-            <a:endParaRPr lang="en-US"/>
+            <a:endParaRPr lang="en-US" dirty="0"/>
           </a:p>
         </p:txBody>
       </p:sp>
@@ -1356,9 +1356,9 @@
           <a:p>
             <a:fld id="{649FEDF0-7D14-9E44-B4F2-968D163D1479}" type="datetimeFigureOut">
               <a:rPr lang="fr-FR" smtClean="0"/>
-              <a:t>16/08/16</a:t>
+              <a:t>17/08/16</a:t>
             </a:fld>
-            <a:endParaRPr lang="en-US"/>
+            <a:endParaRPr lang="en-US" dirty="0"/>
           </a:p>
         </p:txBody>
       </p:sp>
@@ -1377,7 +1377,7 @@
           <a:bodyPr/>
           <a:lstStyle/>
           <a:p>
-            <a:endParaRPr lang="en-US"/>
+            <a:endParaRPr lang="en-US" dirty="0"/>
           </a:p>
         </p:txBody>
       </p:sp>
@@ -1400,7 +1400,7 @@
               <a:rPr lang="en-US" smtClean="0"/>
               <a:t>‹#›</a:t>
             </a:fld>
-            <a:endParaRPr lang="en-US"/>
+            <a:endParaRPr lang="en-US" dirty="0"/>
           </a:p>
         </p:txBody>
       </p:sp>
@@ -1778,9 +1778,9 @@
           <a:p>
             <a:fld id="{649FEDF0-7D14-9E44-B4F2-968D163D1479}" type="datetimeFigureOut">
               <a:rPr lang="fr-FR" smtClean="0"/>
-              <a:t>16/08/16</a:t>
+              <a:t>17/08/16</a:t>
             </a:fld>
-            <a:endParaRPr lang="en-US"/>
+            <a:endParaRPr lang="en-US" dirty="0"/>
           </a:p>
         </p:txBody>
       </p:sp>
@@ -1799,7 +1799,7 @@
           <a:bodyPr/>
           <a:lstStyle/>
           <a:p>
-            <a:endParaRPr lang="en-US"/>
+            <a:endParaRPr lang="en-US" dirty="0"/>
           </a:p>
         </p:txBody>
       </p:sp>
@@ -1822,7 +1822,7 @@
               <a:rPr lang="en-US" smtClean="0"/>
               <a:t>‹#›</a:t>
             </a:fld>
-            <a:endParaRPr lang="en-US"/>
+            <a:endParaRPr lang="en-US" dirty="0"/>
           </a:p>
         </p:txBody>
       </p:sp>
@@ -1896,9 +1896,9 @@
           <a:p>
             <a:fld id="{649FEDF0-7D14-9E44-B4F2-968D163D1479}" type="datetimeFigureOut">
               <a:rPr lang="fr-FR" smtClean="0"/>
-              <a:t>16/08/16</a:t>
+              <a:t>17/08/16</a:t>
             </a:fld>
-            <a:endParaRPr lang="en-US"/>
+            <a:endParaRPr lang="en-US" dirty="0"/>
           </a:p>
         </p:txBody>
       </p:sp>
@@ -1917,7 +1917,7 @@
           <a:bodyPr/>
           <a:lstStyle/>
           <a:p>
-            <a:endParaRPr lang="en-US"/>
+            <a:endParaRPr lang="en-US" dirty="0"/>
           </a:p>
         </p:txBody>
       </p:sp>
@@ -1940,7 +1940,7 @@
               <a:rPr lang="en-US" smtClean="0"/>
               <a:t>‹#›</a:t>
             </a:fld>
-            <a:endParaRPr lang="en-US"/>
+            <a:endParaRPr lang="en-US" dirty="0"/>
           </a:p>
         </p:txBody>
       </p:sp>
@@ -1991,9 +1991,9 @@
           <a:p>
             <a:fld id="{649FEDF0-7D14-9E44-B4F2-968D163D1479}" type="datetimeFigureOut">
               <a:rPr lang="fr-FR" smtClean="0"/>
-              <a:t>16/08/16</a:t>
+              <a:t>17/08/16</a:t>
             </a:fld>
-            <a:endParaRPr lang="en-US"/>
+            <a:endParaRPr lang="en-US" dirty="0"/>
           </a:p>
         </p:txBody>
       </p:sp>
@@ -2012,7 +2012,7 @@
           <a:bodyPr/>
           <a:lstStyle/>
           <a:p>
-            <a:endParaRPr lang="en-US"/>
+            <a:endParaRPr lang="en-US" dirty="0"/>
           </a:p>
         </p:txBody>
       </p:sp>
@@ -2035,7 +2035,7 @@
               <a:rPr lang="en-US" smtClean="0"/>
               <a:t>‹#›</a:t>
             </a:fld>
-            <a:endParaRPr lang="en-US"/>
+            <a:endParaRPr lang="en-US" dirty="0"/>
           </a:p>
         </p:txBody>
       </p:sp>
@@ -2316,9 +2316,9 @@
           <a:p>
             <a:fld id="{649FEDF0-7D14-9E44-B4F2-968D163D1479}" type="datetimeFigureOut">
               <a:rPr lang="fr-FR" smtClean="0"/>
-              <a:t>16/08/16</a:t>
+              <a:t>17/08/16</a:t>
             </a:fld>
-            <a:endParaRPr lang="en-US"/>
+            <a:endParaRPr lang="en-US" dirty="0"/>
           </a:p>
         </p:txBody>
       </p:sp>
@@ -2337,7 +2337,7 @@
           <a:bodyPr/>
           <a:lstStyle/>
           <a:p>
-            <a:endParaRPr lang="en-US"/>
+            <a:endParaRPr lang="en-US" dirty="0"/>
           </a:p>
         </p:txBody>
       </p:sp>
@@ -2360,7 +2360,7 @@
               <a:rPr lang="en-US" smtClean="0"/>
               <a:t>‹#›</a:t>
             </a:fld>
-            <a:endParaRPr lang="en-US"/>
+            <a:endParaRPr lang="en-US" dirty="0"/>
           </a:p>
         </p:txBody>
       </p:sp>
@@ -2483,7 +2483,7 @@
             </a:lvl9pPr>
           </a:lstStyle>
           <a:p>
-            <a:endParaRPr lang="en-US"/>
+            <a:endParaRPr lang="en-US" dirty="0"/>
           </a:p>
         </p:txBody>
       </p:sp>
@@ -2569,9 +2569,9 @@
           <a:p>
             <a:fld id="{649FEDF0-7D14-9E44-B4F2-968D163D1479}" type="datetimeFigureOut">
               <a:rPr lang="fr-FR" smtClean="0"/>
-              <a:t>16/08/16</a:t>
+              <a:t>17/08/16</a:t>
             </a:fld>
-            <a:endParaRPr lang="en-US"/>
+            <a:endParaRPr lang="en-US" dirty="0"/>
           </a:p>
         </p:txBody>
       </p:sp>
@@ -2590,7 +2590,7 @@
           <a:bodyPr/>
           <a:lstStyle/>
           <a:p>
-            <a:endParaRPr lang="en-US"/>
+            <a:endParaRPr lang="en-US" dirty="0"/>
           </a:p>
         </p:txBody>
       </p:sp>
@@ -2613,7 +2613,7 @@
               <a:rPr lang="en-US" smtClean="0"/>
               <a:t>‹#›</a:t>
             </a:fld>
-            <a:endParaRPr lang="en-US"/>
+            <a:endParaRPr lang="en-US" dirty="0"/>
           </a:p>
         </p:txBody>
       </p:sp>
@@ -2785,9 +2785,9 @@
           <a:p>
             <a:fld id="{649FEDF0-7D14-9E44-B4F2-968D163D1479}" type="datetimeFigureOut">
               <a:rPr lang="fr-FR" smtClean="0"/>
-              <a:t>16/08/16</a:t>
+              <a:t>17/08/16</a:t>
             </a:fld>
-            <a:endParaRPr lang="en-US"/>
+            <a:endParaRPr lang="en-US" dirty="0"/>
           </a:p>
         </p:txBody>
       </p:sp>
@@ -2824,7 +2824,7 @@
             </a:lvl1pPr>
           </a:lstStyle>
           <a:p>
-            <a:endParaRPr lang="en-US"/>
+            <a:endParaRPr lang="en-US" dirty="0"/>
           </a:p>
         </p:txBody>
       </p:sp>
@@ -2865,7 +2865,7 @@
               <a:rPr lang="en-US" smtClean="0"/>
               <a:t>‹#›</a:t>
             </a:fld>
-            <a:endParaRPr lang="en-US"/>
+            <a:endParaRPr lang="en-US" dirty="0"/>
           </a:p>
         </p:txBody>
       </p:sp>
@@ -3337,7 +3337,7 @@
           <a:lstStyle/>
           <a:p>
             <a:pPr algn="ctr"/>
-            <a:endParaRPr lang="en-US">
+            <a:endParaRPr lang="en-US" dirty="0">
               <a:solidFill>
                 <a:schemeClr val="tx1"/>
               </a:solidFill>
@@ -3376,7 +3376,7 @@
           <a:p>
             <a:pPr algn="ctr"/>
             <a:r>
-              <a:rPr lang="en-US" sz="23900" b="1" cap="small" spc="600" dirty="0" smtClean="0">
+              <a:rPr lang="en-US" sz="23900" b="1" spc="600" dirty="0" smtClean="0">
                 <a:ln w="12700">
                   <a:solidFill>
                     <a:srgbClr val="FFFFFF"/>
@@ -3384,12 +3384,14 @@
                   <a:prstDash val="solid"/>
                 </a:ln>
                 <a:solidFill>
-                  <a:schemeClr val="accent2"/>
+                  <a:schemeClr val="accent3">
+                    <a:lumMod val="75000"/>
+                  </a:schemeClr>
                 </a:solidFill>
               </a:rPr>
               <a:t>Time to respond exceeded.</a:t>
             </a:r>
-            <a:endParaRPr lang="en-US" sz="23900" b="1" cap="small" spc="600" dirty="0">
+            <a:endParaRPr lang="en-US" sz="23900" b="1" spc="600" dirty="0">
               <a:ln w="12700">
                 <a:solidFill>
                   <a:srgbClr val="FFFFFF"/>
@@ -3397,7 +3399,9 @@
                 <a:prstDash val="solid"/>
               </a:ln>
               <a:solidFill>
-                <a:schemeClr val="accent2"/>
+                <a:schemeClr val="accent3">
+                  <a:lumMod val="75000"/>
+                </a:schemeClr>
               </a:solidFill>
             </a:endParaRPr>
           </a:p>
@@ -3434,7 +3438,7 @@
           <a:p>
             <a:pPr algn="ctr"/>
             <a:r>
-              <a:rPr lang="en-US" sz="13800" b="1" cap="small" spc="300" dirty="0" smtClean="0">
+              <a:rPr lang="en-US" sz="13800" b="1" spc="300" dirty="0" smtClean="0">
                 <a:ln w="12700">
                   <a:noFill/>
                   <a:prstDash val="solid"/>
@@ -3453,7 +3457,7 @@
               <a:t> Press </a:t>
             </a:r>
             <a:r>
-              <a:rPr lang="en-US" sz="13800" b="1" cap="small" spc="300" dirty="0">
+              <a:rPr lang="en-US" sz="13800" b="1" spc="300" dirty="0">
                 <a:ln w="12700">
                   <a:noFill/>
                   <a:prstDash val="solid"/>
@@ -3472,7 +3476,7 @@
               <a:t>a button to continue</a:t>
             </a:r>
             <a:r>
-              <a:rPr lang="en-US" sz="13800" b="1" cap="small" spc="300" dirty="0" smtClean="0">
+              <a:rPr lang="en-US" sz="13800" b="1" spc="300" dirty="0" smtClean="0">
                 <a:ln w="12700">
                   <a:noFill/>
                   <a:prstDash val="solid"/>
@@ -3490,7 +3494,3760 @@
               </a:rPr>
               <a:t>.</a:t>
             </a:r>
-            <a:endParaRPr lang="en-US" sz="13800" b="1" cap="small" spc="300" dirty="0">
+            <a:endParaRPr lang="en-US" sz="13800" b="1" spc="300" dirty="0">
+              <a:ln w="12700">
+                <a:noFill/>
+                <a:prstDash val="solid"/>
+              </a:ln>
+              <a:solidFill>
+                <a:schemeClr val="accent1"/>
+              </a:solidFill>
+              <a:effectLst>
+                <a:outerShdw blurRad="41275" dist="20320" dir="1800000" algn="tl" rotWithShape="0">
+                  <a:srgbClr val="000000">
+                    <a:alpha val="40000"/>
+                  </a:srgbClr>
+                </a:outerShdw>
+              </a:effectLst>
+            </a:endParaRPr>
+          </a:p>
+        </p:txBody>
+      </p:sp>
+      <p:grpSp>
+        <p:nvGrpSpPr>
+          <p:cNvPr id="6" name="Grouper 5"/>
+          <p:cNvGrpSpPr/>
+          <p:nvPr/>
+        </p:nvGrpSpPr>
+        <p:grpSpPr>
+          <a:xfrm>
+            <a:off x="6758168" y="6943137"/>
+            <a:ext cx="5001192" cy="5044481"/>
+            <a:chOff x="6494949" y="6943137"/>
+            <a:chExt cx="5001192" cy="5044481"/>
+          </a:xfrm>
+        </p:grpSpPr>
+        <p:sp>
+          <p:nvSpPr>
+            <p:cNvPr id="7" name="Ellipse 6"/>
+            <p:cNvSpPr>
+              <a:spLocks noChangeAspect="1"/>
+            </p:cNvSpPr>
+            <p:nvPr/>
+          </p:nvSpPr>
+          <p:spPr>
+            <a:xfrm>
+              <a:off x="7350417" y="7841894"/>
+              <a:ext cx="3290257" cy="3290257"/>
+            </a:xfrm>
+            <a:prstGeom prst="ellipse">
+              <a:avLst/>
+            </a:prstGeom>
+            <a:ln>
+              <a:solidFill>
+                <a:schemeClr val="accent2"/>
+              </a:solidFill>
+            </a:ln>
+            <a:effectLst>
+              <a:outerShdw blurRad="76200" dir="18900000" sy="23000" kx="-1200000" algn="bl" rotWithShape="0">
+                <a:prstClr val="black">
+                  <a:alpha val="20000"/>
+                </a:prstClr>
+              </a:outerShdw>
+            </a:effectLst>
+          </p:spPr>
+          <p:style>
+            <a:lnRef idx="1">
+              <a:schemeClr val="accent1"/>
+            </a:lnRef>
+            <a:fillRef idx="3">
+              <a:schemeClr val="accent1"/>
+            </a:fillRef>
+            <a:effectRef idx="2">
+              <a:schemeClr val="accent1"/>
+            </a:effectRef>
+            <a:fontRef idx="minor">
+              <a:schemeClr val="lt1"/>
+            </a:fontRef>
+          </p:style>
+          <p:txBody>
+            <a:bodyPr rtlCol="0" anchor="ctr"/>
+            <a:lstStyle/>
+            <a:p>
+              <a:pPr algn="ctr"/>
+              <a:endParaRPr lang="en-US" dirty="0"/>
+            </a:p>
+          </p:txBody>
+        </p:sp>
+        <p:sp>
+          <p:nvSpPr>
+            <p:cNvPr id="8" name="Secteurs 7"/>
+            <p:cNvSpPr>
+              <a:spLocks noChangeAspect="1"/>
+            </p:cNvSpPr>
+            <p:nvPr/>
+          </p:nvSpPr>
+          <p:spPr>
+            <a:xfrm>
+              <a:off x="7371136" y="7841899"/>
+              <a:ext cx="3248819" cy="3290246"/>
+            </a:xfrm>
+            <a:prstGeom prst="pie">
+              <a:avLst>
+                <a:gd name="adj1" fmla="val 17697688"/>
+                <a:gd name="adj2" fmla="val 16200000"/>
+              </a:avLst>
+            </a:prstGeom>
+            <a:solidFill>
+              <a:srgbClr val="FFFFFF"/>
+            </a:solidFill>
+            <a:ln>
+              <a:solidFill>
+                <a:schemeClr val="accent2"/>
+              </a:solidFill>
+            </a:ln>
+          </p:spPr>
+          <p:style>
+            <a:lnRef idx="1">
+              <a:schemeClr val="accent1"/>
+            </a:lnRef>
+            <a:fillRef idx="3">
+              <a:schemeClr val="accent1"/>
+            </a:fillRef>
+            <a:effectRef idx="2">
+              <a:schemeClr val="accent1"/>
+            </a:effectRef>
+            <a:fontRef idx="minor">
+              <a:schemeClr val="lt1"/>
+            </a:fontRef>
+          </p:style>
+          <p:txBody>
+            <a:bodyPr rtlCol="0" anchor="ctr"/>
+            <a:lstStyle/>
+            <a:p>
+              <a:pPr algn="ctr"/>
+              <a:endParaRPr lang="en-US" dirty="0">
+                <a:solidFill>
+                  <a:schemeClr val="tx1"/>
+                </a:solidFill>
+              </a:endParaRPr>
+            </a:p>
+          </p:txBody>
+        </p:sp>
+        <p:cxnSp>
+          <p:nvCxnSpPr>
+            <p:cNvPr id="9" name="Connecteur droit avec flèche 8"/>
+            <p:cNvCxnSpPr>
+              <a:endCxn id="7" idx="0"/>
+            </p:cNvCxnSpPr>
+            <p:nvPr/>
+          </p:nvCxnSpPr>
+          <p:spPr>
+            <a:xfrm flipV="1">
+              <a:off x="8995545" y="7841894"/>
+              <a:ext cx="0" cy="1601840"/>
+            </a:xfrm>
+            <a:prstGeom prst="straightConnector1">
+              <a:avLst/>
+            </a:prstGeom>
+            <a:ln w="57150" cmpd="sng">
+              <a:solidFill>
+                <a:schemeClr val="accent2"/>
+              </a:solidFill>
+              <a:tailEnd type="arrow"/>
+            </a:ln>
+          </p:spPr>
+          <p:style>
+            <a:lnRef idx="2">
+              <a:schemeClr val="accent1"/>
+            </a:lnRef>
+            <a:fillRef idx="0">
+              <a:schemeClr val="accent1"/>
+            </a:fillRef>
+            <a:effectRef idx="1">
+              <a:schemeClr val="accent1"/>
+            </a:effectRef>
+            <a:fontRef idx="minor">
+              <a:schemeClr val="tx1"/>
+            </a:fontRef>
+          </p:style>
+        </p:cxnSp>
+        <p:grpSp>
+          <p:nvGrpSpPr>
+            <p:cNvPr id="10" name="Grouper 9"/>
+            <p:cNvGrpSpPr/>
+            <p:nvPr/>
+          </p:nvGrpSpPr>
+          <p:grpSpPr>
+            <a:xfrm>
+              <a:off x="6494949" y="6986428"/>
+              <a:ext cx="5001192" cy="5001190"/>
+              <a:chOff x="2759620" y="2052934"/>
+              <a:chExt cx="2735998" cy="2735997"/>
+            </a:xfrm>
+          </p:grpSpPr>
+          <p:sp>
+            <p:nvSpPr>
+              <p:cNvPr id="15" name="Arc 14"/>
+              <p:cNvSpPr/>
+              <p:nvPr/>
+            </p:nvSpPr>
+            <p:spPr>
+              <a:xfrm>
+                <a:off x="3119619" y="2340933"/>
+                <a:ext cx="2016000" cy="2159999"/>
+              </a:xfrm>
+              <a:prstGeom prst="arc">
+                <a:avLst>
+                  <a:gd name="adj1" fmla="val 17494394"/>
+                  <a:gd name="adj2" fmla="val 19010120"/>
+                </a:avLst>
+              </a:prstGeom>
+              <a:ln w="38100" cmpd="sng">
+                <a:solidFill>
+                  <a:schemeClr val="accent2"/>
+                </a:solidFill>
+              </a:ln>
+            </p:spPr>
+            <p:style>
+              <a:lnRef idx="2">
+                <a:schemeClr val="accent1"/>
+              </a:lnRef>
+              <a:fillRef idx="0">
+                <a:schemeClr val="accent1"/>
+              </a:fillRef>
+              <a:effectRef idx="1">
+                <a:schemeClr val="accent1"/>
+              </a:effectRef>
+              <a:fontRef idx="minor">
+                <a:schemeClr val="tx1"/>
+              </a:fontRef>
+            </p:style>
+            <p:txBody>
+              <a:bodyPr rtlCol="0" anchor="ctr"/>
+              <a:lstStyle/>
+              <a:p>
+                <a:pPr algn="ctr"/>
+                <a:endParaRPr lang="en-US" dirty="0"/>
+              </a:p>
+            </p:txBody>
+          </p:sp>
+          <p:sp>
+            <p:nvSpPr>
+              <p:cNvPr id="16" name="Arc 15"/>
+              <p:cNvSpPr>
+                <a:spLocks noChangeAspect="1"/>
+              </p:cNvSpPr>
+              <p:nvPr/>
+            </p:nvSpPr>
+            <p:spPr>
+              <a:xfrm>
+                <a:off x="2903620" y="2196933"/>
+                <a:ext cx="2447999" cy="2447998"/>
+              </a:xfrm>
+              <a:prstGeom prst="arc">
+                <a:avLst>
+                  <a:gd name="adj1" fmla="val 17258218"/>
+                  <a:gd name="adj2" fmla="val 19319877"/>
+                </a:avLst>
+              </a:prstGeom>
+              <a:ln w="38100" cmpd="sng">
+                <a:solidFill>
+                  <a:schemeClr val="accent2"/>
+                </a:solidFill>
+              </a:ln>
+            </p:spPr>
+            <p:style>
+              <a:lnRef idx="2">
+                <a:schemeClr val="accent1"/>
+              </a:lnRef>
+              <a:fillRef idx="0">
+                <a:schemeClr val="accent1"/>
+              </a:fillRef>
+              <a:effectRef idx="1">
+                <a:schemeClr val="accent1"/>
+              </a:effectRef>
+              <a:fontRef idx="minor">
+                <a:schemeClr val="tx1"/>
+              </a:fontRef>
+            </p:style>
+            <p:txBody>
+              <a:bodyPr rtlCol="0" anchor="ctr"/>
+              <a:lstStyle/>
+              <a:p>
+                <a:pPr algn="ctr"/>
+                <a:endParaRPr lang="en-US" dirty="0"/>
+              </a:p>
+            </p:txBody>
+          </p:sp>
+          <p:sp>
+            <p:nvSpPr>
+              <p:cNvPr id="17" name="Arc 16"/>
+              <p:cNvSpPr>
+                <a:spLocks noChangeAspect="1"/>
+              </p:cNvSpPr>
+              <p:nvPr/>
+            </p:nvSpPr>
+            <p:spPr>
+              <a:xfrm>
+                <a:off x="2759620" y="2052934"/>
+                <a:ext cx="2735998" cy="2735997"/>
+              </a:xfrm>
+              <a:prstGeom prst="arc">
+                <a:avLst>
+                  <a:gd name="adj1" fmla="val 17058860"/>
+                  <a:gd name="adj2" fmla="val 19569505"/>
+                </a:avLst>
+              </a:prstGeom>
+              <a:ln w="38100" cmpd="sng">
+                <a:solidFill>
+                  <a:schemeClr val="accent2"/>
+                </a:solidFill>
+              </a:ln>
+            </p:spPr>
+            <p:style>
+              <a:lnRef idx="2">
+                <a:schemeClr val="accent1"/>
+              </a:lnRef>
+              <a:fillRef idx="0">
+                <a:schemeClr val="accent1"/>
+              </a:fillRef>
+              <a:effectRef idx="1">
+                <a:schemeClr val="accent1"/>
+              </a:effectRef>
+              <a:fontRef idx="minor">
+                <a:schemeClr val="tx1"/>
+              </a:fontRef>
+            </p:style>
+            <p:txBody>
+              <a:bodyPr rtlCol="0" anchor="ctr"/>
+              <a:lstStyle/>
+              <a:p>
+                <a:pPr algn="ctr"/>
+                <a:endParaRPr lang="en-US" dirty="0">
+                  <a:ln w="38100" cmpd="sng">
+                    <a:solidFill>
+                      <a:srgbClr val="000000"/>
+                    </a:solidFill>
+                  </a:ln>
+                </a:endParaRPr>
+              </a:p>
+            </p:txBody>
+          </p:sp>
+        </p:grpSp>
+        <p:grpSp>
+          <p:nvGrpSpPr>
+            <p:cNvPr id="11" name="Grouper 10"/>
+            <p:cNvGrpSpPr/>
+            <p:nvPr/>
+          </p:nvGrpSpPr>
+          <p:grpSpPr>
+            <a:xfrm flipH="1">
+              <a:off x="6494949" y="6943137"/>
+              <a:ext cx="5001192" cy="5001190"/>
+              <a:chOff x="2759620" y="2052934"/>
+              <a:chExt cx="2735998" cy="2735997"/>
+            </a:xfrm>
+          </p:grpSpPr>
+          <p:sp>
+            <p:nvSpPr>
+              <p:cNvPr id="12" name="Arc 11"/>
+              <p:cNvSpPr/>
+              <p:nvPr/>
+            </p:nvSpPr>
+            <p:spPr>
+              <a:xfrm>
+                <a:off x="3119619" y="2340933"/>
+                <a:ext cx="2016000" cy="2159999"/>
+              </a:xfrm>
+              <a:prstGeom prst="arc">
+                <a:avLst>
+                  <a:gd name="adj1" fmla="val 17494394"/>
+                  <a:gd name="adj2" fmla="val 19010120"/>
+                </a:avLst>
+              </a:prstGeom>
+              <a:ln w="38100" cmpd="sng">
+                <a:solidFill>
+                  <a:schemeClr val="accent2"/>
+                </a:solidFill>
+              </a:ln>
+            </p:spPr>
+            <p:style>
+              <a:lnRef idx="2">
+                <a:schemeClr val="accent1"/>
+              </a:lnRef>
+              <a:fillRef idx="0">
+                <a:schemeClr val="accent1"/>
+              </a:fillRef>
+              <a:effectRef idx="1">
+                <a:schemeClr val="accent1"/>
+              </a:effectRef>
+              <a:fontRef idx="minor">
+                <a:schemeClr val="tx1"/>
+              </a:fontRef>
+            </p:style>
+            <p:txBody>
+              <a:bodyPr rtlCol="0" anchor="ctr"/>
+              <a:lstStyle/>
+              <a:p>
+                <a:pPr algn="ctr"/>
+                <a:endParaRPr lang="en-US" dirty="0"/>
+              </a:p>
+            </p:txBody>
+          </p:sp>
+          <p:sp>
+            <p:nvSpPr>
+              <p:cNvPr id="13" name="Arc 12"/>
+              <p:cNvSpPr>
+                <a:spLocks noChangeAspect="1"/>
+              </p:cNvSpPr>
+              <p:nvPr/>
+            </p:nvSpPr>
+            <p:spPr>
+              <a:xfrm>
+                <a:off x="2903620" y="2196933"/>
+                <a:ext cx="2447999" cy="2447998"/>
+              </a:xfrm>
+              <a:prstGeom prst="arc">
+                <a:avLst>
+                  <a:gd name="adj1" fmla="val 17258218"/>
+                  <a:gd name="adj2" fmla="val 19319877"/>
+                </a:avLst>
+              </a:prstGeom>
+              <a:ln w="38100" cmpd="sng">
+                <a:solidFill>
+                  <a:schemeClr val="accent2"/>
+                </a:solidFill>
+              </a:ln>
+            </p:spPr>
+            <p:style>
+              <a:lnRef idx="2">
+                <a:schemeClr val="accent1"/>
+              </a:lnRef>
+              <a:fillRef idx="0">
+                <a:schemeClr val="accent1"/>
+              </a:fillRef>
+              <a:effectRef idx="1">
+                <a:schemeClr val="accent1"/>
+              </a:effectRef>
+              <a:fontRef idx="minor">
+                <a:schemeClr val="tx1"/>
+              </a:fontRef>
+            </p:style>
+            <p:txBody>
+              <a:bodyPr rtlCol="0" anchor="ctr"/>
+              <a:lstStyle/>
+              <a:p>
+                <a:pPr algn="ctr"/>
+                <a:endParaRPr lang="en-US" dirty="0"/>
+              </a:p>
+            </p:txBody>
+          </p:sp>
+          <p:sp>
+            <p:nvSpPr>
+              <p:cNvPr id="14" name="Arc 13"/>
+              <p:cNvSpPr>
+                <a:spLocks noChangeAspect="1"/>
+              </p:cNvSpPr>
+              <p:nvPr/>
+            </p:nvSpPr>
+            <p:spPr>
+              <a:xfrm>
+                <a:off x="2759620" y="2052934"/>
+                <a:ext cx="2735998" cy="2735997"/>
+              </a:xfrm>
+              <a:prstGeom prst="arc">
+                <a:avLst>
+                  <a:gd name="adj1" fmla="val 17058860"/>
+                  <a:gd name="adj2" fmla="val 19569505"/>
+                </a:avLst>
+              </a:prstGeom>
+              <a:ln w="38100" cmpd="sng">
+                <a:solidFill>
+                  <a:schemeClr val="accent2"/>
+                </a:solidFill>
+              </a:ln>
+            </p:spPr>
+            <p:style>
+              <a:lnRef idx="2">
+                <a:schemeClr val="accent1"/>
+              </a:lnRef>
+              <a:fillRef idx="0">
+                <a:schemeClr val="accent1"/>
+              </a:fillRef>
+              <a:effectRef idx="1">
+                <a:schemeClr val="accent1"/>
+              </a:effectRef>
+              <a:fontRef idx="minor">
+                <a:schemeClr val="tx1"/>
+              </a:fontRef>
+            </p:style>
+            <p:txBody>
+              <a:bodyPr rtlCol="0" anchor="ctr"/>
+              <a:lstStyle/>
+              <a:p>
+                <a:pPr algn="ctr"/>
+                <a:endParaRPr lang="en-US" dirty="0">
+                  <a:ln w="38100" cmpd="sng">
+                    <a:solidFill>
+                      <a:srgbClr val="000000"/>
+                    </a:solidFill>
+                  </a:ln>
+                </a:endParaRPr>
+              </a:p>
+            </p:txBody>
+          </p:sp>
+        </p:grpSp>
+      </p:grpSp>
+    </p:spTree>
+    <p:extLst>
+      <p:ext uri="{BB962C8B-B14F-4D97-AF65-F5344CB8AC3E}">
+        <p14:creationId xmlns:p14="http://schemas.microsoft.com/office/powerpoint/2010/main" val="1908434010"/>
+      </p:ext>
+    </p:extLst>
+  </p:cSld>
+  <p:clrMapOvr>
+    <a:masterClrMapping/>
+  </p:clrMapOvr>
+</p:sld>
+</file>
+
+<file path=ppt/slides/slide11.xml><?xml version="1.0" encoding="utf-8"?>
+<p:sld xmlns:a="http://schemas.openxmlformats.org/drawingml/2006/main" xmlns:r="http://schemas.openxmlformats.org/officeDocument/2006/relationships" xmlns:p="http://schemas.openxmlformats.org/presentationml/2006/main">
+  <p:cSld>
+    <p:spTree>
+      <p:nvGrpSpPr>
+        <p:cNvPr id="1" name=""/>
+        <p:cNvGrpSpPr/>
+        <p:nvPr/>
+      </p:nvGrpSpPr>
+      <p:grpSpPr>
+        <a:xfrm>
+          <a:off x="0" y="0"/>
+          <a:ext cx="0" cy="0"/>
+          <a:chOff x="0" y="0"/>
+          <a:chExt cx="0" cy="0"/>
+        </a:xfrm>
+      </p:grpSpPr>
+      <p:sp>
+        <p:nvSpPr>
+          <p:cNvPr id="5" name="Bouée 4"/>
+          <p:cNvSpPr>
+            <a:spLocks noChangeAspect="1"/>
+          </p:cNvSpPr>
+          <p:nvPr/>
+        </p:nvSpPr>
+        <p:spPr>
+          <a:xfrm>
+            <a:off x="1614253" y="1610484"/>
+            <a:ext cx="15228000" cy="15228000"/>
+          </a:xfrm>
+          <a:prstGeom prst="donut">
+            <a:avLst>
+              <a:gd name="adj" fmla="val 30982"/>
+            </a:avLst>
+          </a:prstGeom>
+          <a:solidFill>
+            <a:schemeClr val="bg1"/>
+          </a:solidFill>
+          <a:ln w="76200" cmpd="sng">
+            <a:noFill/>
+          </a:ln>
+        </p:spPr>
+        <p:style>
+          <a:lnRef idx="1">
+            <a:schemeClr val="accent1"/>
+          </a:lnRef>
+          <a:fillRef idx="3">
+            <a:schemeClr val="accent1"/>
+          </a:fillRef>
+          <a:effectRef idx="2">
+            <a:schemeClr val="accent1"/>
+          </a:effectRef>
+          <a:fontRef idx="minor">
+            <a:schemeClr val="lt1"/>
+          </a:fontRef>
+        </p:style>
+        <p:txBody>
+          <a:bodyPr rtlCol="0" anchor="ctr"/>
+          <a:lstStyle/>
+          <a:p>
+            <a:pPr algn="ctr"/>
+            <a:endParaRPr lang="en-US" dirty="0">
+              <a:solidFill>
+                <a:schemeClr val="tx1"/>
+              </a:solidFill>
+            </a:endParaRPr>
+          </a:p>
+        </p:txBody>
+      </p:sp>
+      <p:sp>
+        <p:nvSpPr>
+          <p:cNvPr id="2" name="Rectangle 1"/>
+          <p:cNvSpPr>
+            <a:spLocks noChangeAspect="1"/>
+          </p:cNvSpPr>
+          <p:nvPr/>
+        </p:nvSpPr>
+        <p:spPr>
+          <a:xfrm rot="16200000">
+            <a:off x="3277028" y="3277028"/>
+            <a:ext cx="11879995" cy="11879995"/>
+          </a:xfrm>
+          <a:prstGeom prst="rect">
+            <a:avLst/>
+          </a:prstGeom>
+          <a:noFill/>
+        </p:spPr>
+        <p:txBody>
+          <a:bodyPr wrap="none" lIns="210669" tIns="105334" rIns="210669" bIns="105334">
+            <a:prstTxWarp prst="textCircle">
+              <a:avLst>
+                <a:gd name="adj" fmla="val 10946467"/>
+              </a:avLst>
+            </a:prstTxWarp>
+            <a:spAutoFit/>
+          </a:bodyPr>
+          <a:lstStyle/>
+          <a:p>
+            <a:pPr algn="ctr"/>
+            <a:r>
+              <a:rPr lang="en-US" sz="23900" b="1" spc="600" dirty="0" smtClean="0">
+                <a:ln w="12700">
+                  <a:solidFill>
+                    <a:srgbClr val="FFFFFF"/>
+                  </a:solidFill>
+                  <a:prstDash val="solid"/>
+                </a:ln>
+                <a:solidFill>
+                  <a:schemeClr val="accent3">
+                    <a:lumMod val="75000"/>
+                  </a:schemeClr>
+                </a:solidFill>
+              </a:rPr>
+              <a:t>Time limit exceeded.</a:t>
+            </a:r>
+            <a:endParaRPr lang="en-US" sz="23900" b="1" spc="600" dirty="0">
+              <a:ln w="12700">
+                <a:solidFill>
+                  <a:srgbClr val="FFFFFF"/>
+                </a:solidFill>
+                <a:prstDash val="solid"/>
+              </a:ln>
+              <a:solidFill>
+                <a:schemeClr val="accent3">
+                  <a:lumMod val="75000"/>
+                </a:schemeClr>
+              </a:solidFill>
+            </a:endParaRPr>
+          </a:p>
+        </p:txBody>
+      </p:sp>
+      <p:sp>
+        <p:nvSpPr>
+          <p:cNvPr id="3" name="Rectangle 2"/>
+          <p:cNvSpPr>
+            <a:spLocks noChangeAspect="1"/>
+          </p:cNvSpPr>
+          <p:nvPr/>
+        </p:nvSpPr>
+        <p:spPr>
+          <a:xfrm rot="16200000">
+            <a:off x="5257022" y="5257026"/>
+            <a:ext cx="7920006" cy="7919999"/>
+          </a:xfrm>
+          <a:prstGeom prst="rect">
+            <a:avLst/>
+          </a:prstGeom>
+          <a:noFill/>
+        </p:spPr>
+        <p:txBody>
+          <a:bodyPr wrap="none" lIns="210669" tIns="105334" rIns="210669" bIns="105334">
+            <a:prstTxWarp prst="textCircle">
+              <a:avLst>
+                <a:gd name="adj" fmla="val 10916975"/>
+              </a:avLst>
+            </a:prstTxWarp>
+            <a:spAutoFit/>
+          </a:bodyPr>
+          <a:lstStyle/>
+          <a:p>
+            <a:pPr algn="ctr"/>
+            <a:r>
+              <a:rPr lang="en-US" sz="13800" b="1" spc="300" dirty="0" smtClean="0">
+                <a:ln w="12700">
+                  <a:noFill/>
+                  <a:prstDash val="solid"/>
+                </a:ln>
+                <a:solidFill>
+                  <a:schemeClr val="accent1"/>
+                </a:solidFill>
+                <a:effectLst>
+                  <a:outerShdw blurRad="41275" dist="20320" dir="1800000" algn="tl" rotWithShape="0">
+                    <a:srgbClr val="000000">
+                      <a:alpha val="40000"/>
+                    </a:srgbClr>
+                  </a:outerShdw>
+                </a:effectLst>
+              </a:rPr>
+              <a:t> Press </a:t>
+            </a:r>
+            <a:r>
+              <a:rPr lang="en-US" sz="13800" b="1" spc="300" dirty="0">
+                <a:ln w="12700">
+                  <a:noFill/>
+                  <a:prstDash val="solid"/>
+                </a:ln>
+                <a:solidFill>
+                  <a:schemeClr val="accent1"/>
+                </a:solidFill>
+                <a:effectLst>
+                  <a:outerShdw blurRad="41275" dist="20320" dir="1800000" algn="tl" rotWithShape="0">
+                    <a:srgbClr val="000000">
+                      <a:alpha val="40000"/>
+                    </a:srgbClr>
+                  </a:outerShdw>
+                </a:effectLst>
+              </a:rPr>
+              <a:t>a button to continue</a:t>
+            </a:r>
+            <a:r>
+              <a:rPr lang="en-US" sz="13800" b="1" spc="300" dirty="0" smtClean="0">
+                <a:ln w="12700">
+                  <a:noFill/>
+                  <a:prstDash val="solid"/>
+                </a:ln>
+                <a:solidFill>
+                  <a:schemeClr val="accent1"/>
+                </a:solidFill>
+                <a:effectLst>
+                  <a:outerShdw blurRad="41275" dist="20320" dir="1800000" algn="tl" rotWithShape="0">
+                    <a:srgbClr val="000000">
+                      <a:alpha val="40000"/>
+                    </a:srgbClr>
+                  </a:outerShdw>
+                </a:effectLst>
+              </a:rPr>
+              <a:t>.</a:t>
+            </a:r>
+            <a:endParaRPr lang="en-US" sz="13800" b="1" spc="300" dirty="0">
+              <a:ln w="12700">
+                <a:noFill/>
+                <a:prstDash val="solid"/>
+              </a:ln>
+              <a:solidFill>
+                <a:schemeClr val="accent1"/>
+              </a:solidFill>
+              <a:effectLst>
+                <a:outerShdw blurRad="41275" dist="20320" dir="1800000" algn="tl" rotWithShape="0">
+                  <a:srgbClr val="000000">
+                    <a:alpha val="40000"/>
+                  </a:srgbClr>
+                </a:outerShdw>
+              </a:effectLst>
+            </a:endParaRPr>
+          </a:p>
+        </p:txBody>
+      </p:sp>
+      <p:grpSp>
+        <p:nvGrpSpPr>
+          <p:cNvPr id="6" name="Grouper 5"/>
+          <p:cNvGrpSpPr/>
+          <p:nvPr/>
+        </p:nvGrpSpPr>
+        <p:grpSpPr>
+          <a:xfrm>
+            <a:off x="6758168" y="6943137"/>
+            <a:ext cx="5001192" cy="5044481"/>
+            <a:chOff x="6494949" y="6943137"/>
+            <a:chExt cx="5001192" cy="5044481"/>
+          </a:xfrm>
+        </p:grpSpPr>
+        <p:sp>
+          <p:nvSpPr>
+            <p:cNvPr id="7" name="Ellipse 6"/>
+            <p:cNvSpPr>
+              <a:spLocks noChangeAspect="1"/>
+            </p:cNvSpPr>
+            <p:nvPr/>
+          </p:nvSpPr>
+          <p:spPr>
+            <a:xfrm>
+              <a:off x="7350417" y="7841894"/>
+              <a:ext cx="3290257" cy="3290257"/>
+            </a:xfrm>
+            <a:prstGeom prst="ellipse">
+              <a:avLst/>
+            </a:prstGeom>
+            <a:ln>
+              <a:solidFill>
+                <a:schemeClr val="accent2"/>
+              </a:solidFill>
+            </a:ln>
+            <a:effectLst>
+              <a:outerShdw blurRad="76200" dir="18900000" sy="23000" kx="-1200000" algn="bl" rotWithShape="0">
+                <a:prstClr val="black">
+                  <a:alpha val="20000"/>
+                </a:prstClr>
+              </a:outerShdw>
+            </a:effectLst>
+          </p:spPr>
+          <p:style>
+            <a:lnRef idx="1">
+              <a:schemeClr val="accent1"/>
+            </a:lnRef>
+            <a:fillRef idx="3">
+              <a:schemeClr val="accent1"/>
+            </a:fillRef>
+            <a:effectRef idx="2">
+              <a:schemeClr val="accent1"/>
+            </a:effectRef>
+            <a:fontRef idx="minor">
+              <a:schemeClr val="lt1"/>
+            </a:fontRef>
+          </p:style>
+          <p:txBody>
+            <a:bodyPr rtlCol="0" anchor="ctr"/>
+            <a:lstStyle/>
+            <a:p>
+              <a:pPr algn="ctr"/>
+              <a:endParaRPr lang="en-US" dirty="0"/>
+            </a:p>
+          </p:txBody>
+        </p:sp>
+        <p:sp>
+          <p:nvSpPr>
+            <p:cNvPr id="8" name="Secteurs 7"/>
+            <p:cNvSpPr>
+              <a:spLocks noChangeAspect="1"/>
+            </p:cNvSpPr>
+            <p:nvPr/>
+          </p:nvSpPr>
+          <p:spPr>
+            <a:xfrm>
+              <a:off x="7371136" y="7841899"/>
+              <a:ext cx="3248819" cy="3290246"/>
+            </a:xfrm>
+            <a:prstGeom prst="pie">
+              <a:avLst>
+                <a:gd name="adj1" fmla="val 17697688"/>
+                <a:gd name="adj2" fmla="val 16200000"/>
+              </a:avLst>
+            </a:prstGeom>
+            <a:solidFill>
+              <a:srgbClr val="FFFFFF"/>
+            </a:solidFill>
+            <a:ln>
+              <a:solidFill>
+                <a:schemeClr val="accent2"/>
+              </a:solidFill>
+            </a:ln>
+          </p:spPr>
+          <p:style>
+            <a:lnRef idx="1">
+              <a:schemeClr val="accent1"/>
+            </a:lnRef>
+            <a:fillRef idx="3">
+              <a:schemeClr val="accent1"/>
+            </a:fillRef>
+            <a:effectRef idx="2">
+              <a:schemeClr val="accent1"/>
+            </a:effectRef>
+            <a:fontRef idx="minor">
+              <a:schemeClr val="lt1"/>
+            </a:fontRef>
+          </p:style>
+          <p:txBody>
+            <a:bodyPr rtlCol="0" anchor="ctr"/>
+            <a:lstStyle/>
+            <a:p>
+              <a:pPr algn="ctr"/>
+              <a:endParaRPr lang="en-US" dirty="0">
+                <a:solidFill>
+                  <a:schemeClr val="tx1"/>
+                </a:solidFill>
+              </a:endParaRPr>
+            </a:p>
+          </p:txBody>
+        </p:sp>
+        <p:cxnSp>
+          <p:nvCxnSpPr>
+            <p:cNvPr id="9" name="Connecteur droit avec flèche 8"/>
+            <p:cNvCxnSpPr>
+              <a:endCxn id="7" idx="0"/>
+            </p:cNvCxnSpPr>
+            <p:nvPr/>
+          </p:nvCxnSpPr>
+          <p:spPr>
+            <a:xfrm flipV="1">
+              <a:off x="8995545" y="7841894"/>
+              <a:ext cx="0" cy="1601840"/>
+            </a:xfrm>
+            <a:prstGeom prst="straightConnector1">
+              <a:avLst/>
+            </a:prstGeom>
+            <a:ln w="57150" cmpd="sng">
+              <a:solidFill>
+                <a:schemeClr val="accent2"/>
+              </a:solidFill>
+              <a:tailEnd type="arrow"/>
+            </a:ln>
+          </p:spPr>
+          <p:style>
+            <a:lnRef idx="2">
+              <a:schemeClr val="accent1"/>
+            </a:lnRef>
+            <a:fillRef idx="0">
+              <a:schemeClr val="accent1"/>
+            </a:fillRef>
+            <a:effectRef idx="1">
+              <a:schemeClr val="accent1"/>
+            </a:effectRef>
+            <a:fontRef idx="minor">
+              <a:schemeClr val="tx1"/>
+            </a:fontRef>
+          </p:style>
+        </p:cxnSp>
+        <p:grpSp>
+          <p:nvGrpSpPr>
+            <p:cNvPr id="10" name="Grouper 9"/>
+            <p:cNvGrpSpPr/>
+            <p:nvPr/>
+          </p:nvGrpSpPr>
+          <p:grpSpPr>
+            <a:xfrm>
+              <a:off x="6494949" y="6986428"/>
+              <a:ext cx="5001192" cy="5001190"/>
+              <a:chOff x="2759620" y="2052934"/>
+              <a:chExt cx="2735998" cy="2735997"/>
+            </a:xfrm>
+          </p:grpSpPr>
+          <p:sp>
+            <p:nvSpPr>
+              <p:cNvPr id="15" name="Arc 14"/>
+              <p:cNvSpPr/>
+              <p:nvPr/>
+            </p:nvSpPr>
+            <p:spPr>
+              <a:xfrm>
+                <a:off x="3119619" y="2340933"/>
+                <a:ext cx="2016000" cy="2159999"/>
+              </a:xfrm>
+              <a:prstGeom prst="arc">
+                <a:avLst>
+                  <a:gd name="adj1" fmla="val 17494394"/>
+                  <a:gd name="adj2" fmla="val 19010120"/>
+                </a:avLst>
+              </a:prstGeom>
+              <a:ln w="38100" cmpd="sng">
+                <a:solidFill>
+                  <a:schemeClr val="accent2"/>
+                </a:solidFill>
+              </a:ln>
+            </p:spPr>
+            <p:style>
+              <a:lnRef idx="2">
+                <a:schemeClr val="accent1"/>
+              </a:lnRef>
+              <a:fillRef idx="0">
+                <a:schemeClr val="accent1"/>
+              </a:fillRef>
+              <a:effectRef idx="1">
+                <a:schemeClr val="accent1"/>
+              </a:effectRef>
+              <a:fontRef idx="minor">
+                <a:schemeClr val="tx1"/>
+              </a:fontRef>
+            </p:style>
+            <p:txBody>
+              <a:bodyPr rtlCol="0" anchor="ctr"/>
+              <a:lstStyle/>
+              <a:p>
+                <a:pPr algn="ctr"/>
+                <a:endParaRPr lang="en-US" dirty="0"/>
+              </a:p>
+            </p:txBody>
+          </p:sp>
+          <p:sp>
+            <p:nvSpPr>
+              <p:cNvPr id="16" name="Arc 15"/>
+              <p:cNvSpPr>
+                <a:spLocks noChangeAspect="1"/>
+              </p:cNvSpPr>
+              <p:nvPr/>
+            </p:nvSpPr>
+            <p:spPr>
+              <a:xfrm>
+                <a:off x="2903620" y="2196933"/>
+                <a:ext cx="2447999" cy="2447998"/>
+              </a:xfrm>
+              <a:prstGeom prst="arc">
+                <a:avLst>
+                  <a:gd name="adj1" fmla="val 17258218"/>
+                  <a:gd name="adj2" fmla="val 19319877"/>
+                </a:avLst>
+              </a:prstGeom>
+              <a:ln w="38100" cmpd="sng">
+                <a:solidFill>
+                  <a:schemeClr val="accent2"/>
+                </a:solidFill>
+              </a:ln>
+            </p:spPr>
+            <p:style>
+              <a:lnRef idx="2">
+                <a:schemeClr val="accent1"/>
+              </a:lnRef>
+              <a:fillRef idx="0">
+                <a:schemeClr val="accent1"/>
+              </a:fillRef>
+              <a:effectRef idx="1">
+                <a:schemeClr val="accent1"/>
+              </a:effectRef>
+              <a:fontRef idx="minor">
+                <a:schemeClr val="tx1"/>
+              </a:fontRef>
+            </p:style>
+            <p:txBody>
+              <a:bodyPr rtlCol="0" anchor="ctr"/>
+              <a:lstStyle/>
+              <a:p>
+                <a:pPr algn="ctr"/>
+                <a:endParaRPr lang="en-US" dirty="0"/>
+              </a:p>
+            </p:txBody>
+          </p:sp>
+          <p:sp>
+            <p:nvSpPr>
+              <p:cNvPr id="17" name="Arc 16"/>
+              <p:cNvSpPr>
+                <a:spLocks noChangeAspect="1"/>
+              </p:cNvSpPr>
+              <p:nvPr/>
+            </p:nvSpPr>
+            <p:spPr>
+              <a:xfrm>
+                <a:off x="2759620" y="2052934"/>
+                <a:ext cx="2735998" cy="2735997"/>
+              </a:xfrm>
+              <a:prstGeom prst="arc">
+                <a:avLst>
+                  <a:gd name="adj1" fmla="val 17058860"/>
+                  <a:gd name="adj2" fmla="val 19569505"/>
+                </a:avLst>
+              </a:prstGeom>
+              <a:ln w="38100" cmpd="sng">
+                <a:solidFill>
+                  <a:schemeClr val="accent2"/>
+                </a:solidFill>
+              </a:ln>
+            </p:spPr>
+            <p:style>
+              <a:lnRef idx="2">
+                <a:schemeClr val="accent1"/>
+              </a:lnRef>
+              <a:fillRef idx="0">
+                <a:schemeClr val="accent1"/>
+              </a:fillRef>
+              <a:effectRef idx="1">
+                <a:schemeClr val="accent1"/>
+              </a:effectRef>
+              <a:fontRef idx="minor">
+                <a:schemeClr val="tx1"/>
+              </a:fontRef>
+            </p:style>
+            <p:txBody>
+              <a:bodyPr rtlCol="0" anchor="ctr"/>
+              <a:lstStyle/>
+              <a:p>
+                <a:pPr algn="ctr"/>
+                <a:endParaRPr lang="en-US" dirty="0">
+                  <a:ln w="38100" cmpd="sng">
+                    <a:solidFill>
+                      <a:srgbClr val="000000"/>
+                    </a:solidFill>
+                  </a:ln>
+                </a:endParaRPr>
+              </a:p>
+            </p:txBody>
+          </p:sp>
+        </p:grpSp>
+        <p:grpSp>
+          <p:nvGrpSpPr>
+            <p:cNvPr id="11" name="Grouper 10"/>
+            <p:cNvGrpSpPr/>
+            <p:nvPr/>
+          </p:nvGrpSpPr>
+          <p:grpSpPr>
+            <a:xfrm flipH="1">
+              <a:off x="6494949" y="6943137"/>
+              <a:ext cx="5001192" cy="5001190"/>
+              <a:chOff x="2759620" y="2052934"/>
+              <a:chExt cx="2735998" cy="2735997"/>
+            </a:xfrm>
+          </p:grpSpPr>
+          <p:sp>
+            <p:nvSpPr>
+              <p:cNvPr id="12" name="Arc 11"/>
+              <p:cNvSpPr/>
+              <p:nvPr/>
+            </p:nvSpPr>
+            <p:spPr>
+              <a:xfrm>
+                <a:off x="3119619" y="2340933"/>
+                <a:ext cx="2016000" cy="2159999"/>
+              </a:xfrm>
+              <a:prstGeom prst="arc">
+                <a:avLst>
+                  <a:gd name="adj1" fmla="val 17494394"/>
+                  <a:gd name="adj2" fmla="val 19010120"/>
+                </a:avLst>
+              </a:prstGeom>
+              <a:ln w="38100" cmpd="sng">
+                <a:solidFill>
+                  <a:schemeClr val="accent2"/>
+                </a:solidFill>
+              </a:ln>
+            </p:spPr>
+            <p:style>
+              <a:lnRef idx="2">
+                <a:schemeClr val="accent1"/>
+              </a:lnRef>
+              <a:fillRef idx="0">
+                <a:schemeClr val="accent1"/>
+              </a:fillRef>
+              <a:effectRef idx="1">
+                <a:schemeClr val="accent1"/>
+              </a:effectRef>
+              <a:fontRef idx="minor">
+                <a:schemeClr val="tx1"/>
+              </a:fontRef>
+            </p:style>
+            <p:txBody>
+              <a:bodyPr rtlCol="0" anchor="ctr"/>
+              <a:lstStyle/>
+              <a:p>
+                <a:pPr algn="ctr"/>
+                <a:endParaRPr lang="en-US" dirty="0"/>
+              </a:p>
+            </p:txBody>
+          </p:sp>
+          <p:sp>
+            <p:nvSpPr>
+              <p:cNvPr id="13" name="Arc 12"/>
+              <p:cNvSpPr>
+                <a:spLocks noChangeAspect="1"/>
+              </p:cNvSpPr>
+              <p:nvPr/>
+            </p:nvSpPr>
+            <p:spPr>
+              <a:xfrm>
+                <a:off x="2903620" y="2196933"/>
+                <a:ext cx="2447999" cy="2447998"/>
+              </a:xfrm>
+              <a:prstGeom prst="arc">
+                <a:avLst>
+                  <a:gd name="adj1" fmla="val 17258218"/>
+                  <a:gd name="adj2" fmla="val 19319877"/>
+                </a:avLst>
+              </a:prstGeom>
+              <a:ln w="38100" cmpd="sng">
+                <a:solidFill>
+                  <a:schemeClr val="accent2"/>
+                </a:solidFill>
+              </a:ln>
+            </p:spPr>
+            <p:style>
+              <a:lnRef idx="2">
+                <a:schemeClr val="accent1"/>
+              </a:lnRef>
+              <a:fillRef idx="0">
+                <a:schemeClr val="accent1"/>
+              </a:fillRef>
+              <a:effectRef idx="1">
+                <a:schemeClr val="accent1"/>
+              </a:effectRef>
+              <a:fontRef idx="minor">
+                <a:schemeClr val="tx1"/>
+              </a:fontRef>
+            </p:style>
+            <p:txBody>
+              <a:bodyPr rtlCol="0" anchor="ctr"/>
+              <a:lstStyle/>
+              <a:p>
+                <a:pPr algn="ctr"/>
+                <a:endParaRPr lang="en-US" dirty="0"/>
+              </a:p>
+            </p:txBody>
+          </p:sp>
+          <p:sp>
+            <p:nvSpPr>
+              <p:cNvPr id="14" name="Arc 13"/>
+              <p:cNvSpPr>
+                <a:spLocks noChangeAspect="1"/>
+              </p:cNvSpPr>
+              <p:nvPr/>
+            </p:nvSpPr>
+            <p:spPr>
+              <a:xfrm>
+                <a:off x="2759620" y="2052934"/>
+                <a:ext cx="2735998" cy="2735997"/>
+              </a:xfrm>
+              <a:prstGeom prst="arc">
+                <a:avLst>
+                  <a:gd name="adj1" fmla="val 17058860"/>
+                  <a:gd name="adj2" fmla="val 19569505"/>
+                </a:avLst>
+              </a:prstGeom>
+              <a:ln w="38100" cmpd="sng">
+                <a:solidFill>
+                  <a:schemeClr val="accent2"/>
+                </a:solidFill>
+              </a:ln>
+            </p:spPr>
+            <p:style>
+              <a:lnRef idx="2">
+                <a:schemeClr val="accent1"/>
+              </a:lnRef>
+              <a:fillRef idx="0">
+                <a:schemeClr val="accent1"/>
+              </a:fillRef>
+              <a:effectRef idx="1">
+                <a:schemeClr val="accent1"/>
+              </a:effectRef>
+              <a:fontRef idx="minor">
+                <a:schemeClr val="tx1"/>
+              </a:fontRef>
+            </p:style>
+            <p:txBody>
+              <a:bodyPr rtlCol="0" anchor="ctr"/>
+              <a:lstStyle/>
+              <a:p>
+                <a:pPr algn="ctr"/>
+                <a:endParaRPr lang="en-US" dirty="0">
+                  <a:ln w="38100" cmpd="sng">
+                    <a:solidFill>
+                      <a:srgbClr val="000000"/>
+                    </a:solidFill>
+                  </a:ln>
+                </a:endParaRPr>
+              </a:p>
+            </p:txBody>
+          </p:sp>
+        </p:grpSp>
+      </p:grpSp>
+    </p:spTree>
+    <p:extLst>
+      <p:ext uri="{BB962C8B-B14F-4D97-AF65-F5344CB8AC3E}">
+        <p14:creationId xmlns:p14="http://schemas.microsoft.com/office/powerpoint/2010/main" val="2090264467"/>
+      </p:ext>
+    </p:extLst>
+  </p:cSld>
+  <p:clrMapOvr>
+    <a:masterClrMapping/>
+  </p:clrMapOvr>
+</p:sld>
+</file>
+
+<file path=ppt/slides/slide12.xml><?xml version="1.0" encoding="utf-8"?>
+<p:sld xmlns:a="http://schemas.openxmlformats.org/drawingml/2006/main" xmlns:r="http://schemas.openxmlformats.org/officeDocument/2006/relationships" xmlns:p="http://schemas.openxmlformats.org/presentationml/2006/main">
+  <p:cSld>
+    <p:spTree>
+      <p:nvGrpSpPr>
+        <p:cNvPr id="1" name=""/>
+        <p:cNvGrpSpPr/>
+        <p:nvPr/>
+      </p:nvGrpSpPr>
+      <p:grpSpPr>
+        <a:xfrm>
+          <a:off x="0" y="0"/>
+          <a:ext cx="0" cy="0"/>
+          <a:chOff x="0" y="0"/>
+          <a:chExt cx="0" cy="0"/>
+        </a:xfrm>
+      </p:grpSpPr>
+      <p:sp>
+        <p:nvSpPr>
+          <p:cNvPr id="5" name="Bouée 4"/>
+          <p:cNvSpPr>
+            <a:spLocks noChangeAspect="1"/>
+          </p:cNvSpPr>
+          <p:nvPr/>
+        </p:nvSpPr>
+        <p:spPr>
+          <a:xfrm>
+            <a:off x="1614253" y="1610484"/>
+            <a:ext cx="15228000" cy="15228000"/>
+          </a:xfrm>
+          <a:prstGeom prst="donut">
+            <a:avLst>
+              <a:gd name="adj" fmla="val 30982"/>
+            </a:avLst>
+          </a:prstGeom>
+          <a:solidFill>
+            <a:schemeClr val="bg1"/>
+          </a:solidFill>
+          <a:ln w="76200" cmpd="sng">
+            <a:noFill/>
+          </a:ln>
+        </p:spPr>
+        <p:style>
+          <a:lnRef idx="1">
+            <a:schemeClr val="accent1"/>
+          </a:lnRef>
+          <a:fillRef idx="3">
+            <a:schemeClr val="accent1"/>
+          </a:fillRef>
+          <a:effectRef idx="2">
+            <a:schemeClr val="accent1"/>
+          </a:effectRef>
+          <a:fontRef idx="minor">
+            <a:schemeClr val="lt1"/>
+          </a:fontRef>
+        </p:style>
+        <p:txBody>
+          <a:bodyPr rtlCol="0" anchor="ctr"/>
+          <a:lstStyle/>
+          <a:p>
+            <a:pPr algn="ctr"/>
+            <a:endParaRPr lang="en-US" dirty="0">
+              <a:solidFill>
+                <a:schemeClr val="tx1"/>
+              </a:solidFill>
+            </a:endParaRPr>
+          </a:p>
+        </p:txBody>
+      </p:sp>
+      <p:sp>
+        <p:nvSpPr>
+          <p:cNvPr id="2" name="Rectangle 1"/>
+          <p:cNvSpPr>
+            <a:spLocks noChangeAspect="1"/>
+          </p:cNvSpPr>
+          <p:nvPr/>
+        </p:nvSpPr>
+        <p:spPr>
+          <a:xfrm rot="16200000">
+            <a:off x="3277028" y="3277028"/>
+            <a:ext cx="11879995" cy="11879995"/>
+          </a:xfrm>
+          <a:prstGeom prst="rect">
+            <a:avLst/>
+          </a:prstGeom>
+          <a:noFill/>
+        </p:spPr>
+        <p:txBody>
+          <a:bodyPr wrap="none" lIns="210669" tIns="105334" rIns="210669" bIns="105334">
+            <a:prstTxWarp prst="textCircle">
+              <a:avLst>
+                <a:gd name="adj" fmla="val 10946467"/>
+              </a:avLst>
+            </a:prstTxWarp>
+            <a:spAutoFit/>
+          </a:bodyPr>
+          <a:lstStyle/>
+          <a:p>
+            <a:pPr algn="ctr"/>
+            <a:r>
+              <a:rPr lang="en-US" sz="23900" b="1" dirty="0" smtClean="0">
+                <a:ln w="12700">
+                  <a:solidFill>
+                    <a:srgbClr val="FFFFFF"/>
+                  </a:solidFill>
+                  <a:prstDash val="solid"/>
+                </a:ln>
+                <a:solidFill>
+                  <a:schemeClr val="accent3">
+                    <a:lumMod val="75000"/>
+                  </a:schemeClr>
+                </a:solidFill>
+              </a:rPr>
+              <a:t>Time to rotate hand exceeded.</a:t>
+            </a:r>
+            <a:endParaRPr lang="en-US" sz="23900" b="1" dirty="0">
+              <a:ln w="12700">
+                <a:solidFill>
+                  <a:srgbClr val="FFFFFF"/>
+                </a:solidFill>
+                <a:prstDash val="solid"/>
+              </a:ln>
+              <a:solidFill>
+                <a:schemeClr val="accent3">
+                  <a:lumMod val="75000"/>
+                </a:schemeClr>
+              </a:solidFill>
+            </a:endParaRPr>
+          </a:p>
+        </p:txBody>
+      </p:sp>
+      <p:sp>
+        <p:nvSpPr>
+          <p:cNvPr id="3" name="Rectangle 2"/>
+          <p:cNvSpPr>
+            <a:spLocks noChangeAspect="1"/>
+          </p:cNvSpPr>
+          <p:nvPr/>
+        </p:nvSpPr>
+        <p:spPr>
+          <a:xfrm rot="16200000">
+            <a:off x="5257022" y="5257026"/>
+            <a:ext cx="7920006" cy="7919999"/>
+          </a:xfrm>
+          <a:prstGeom prst="rect">
+            <a:avLst/>
+          </a:prstGeom>
+          <a:noFill/>
+        </p:spPr>
+        <p:txBody>
+          <a:bodyPr wrap="none" lIns="210669" tIns="105334" rIns="210669" bIns="105334">
+            <a:prstTxWarp prst="textCircle">
+              <a:avLst>
+                <a:gd name="adj" fmla="val 10916975"/>
+              </a:avLst>
+            </a:prstTxWarp>
+            <a:spAutoFit/>
+          </a:bodyPr>
+          <a:lstStyle/>
+          <a:p>
+            <a:pPr algn="ctr"/>
+            <a:r>
+              <a:rPr lang="en-US" sz="13800" b="1" spc="300" dirty="0" smtClean="0">
+                <a:ln w="12700">
+                  <a:noFill/>
+                  <a:prstDash val="solid"/>
+                </a:ln>
+                <a:solidFill>
+                  <a:schemeClr val="accent1"/>
+                </a:solidFill>
+                <a:effectLst>
+                  <a:outerShdw blurRad="41275" dist="20320" dir="1800000" algn="tl" rotWithShape="0">
+                    <a:srgbClr val="000000">
+                      <a:alpha val="40000"/>
+                    </a:srgbClr>
+                  </a:outerShdw>
+                </a:effectLst>
+              </a:rPr>
+              <a:t> Press </a:t>
+            </a:r>
+            <a:r>
+              <a:rPr lang="en-US" sz="13800" b="1" spc="300" dirty="0">
+                <a:ln w="12700">
+                  <a:noFill/>
+                  <a:prstDash val="solid"/>
+                </a:ln>
+                <a:solidFill>
+                  <a:schemeClr val="accent1"/>
+                </a:solidFill>
+                <a:effectLst>
+                  <a:outerShdw blurRad="41275" dist="20320" dir="1800000" algn="tl" rotWithShape="0">
+                    <a:srgbClr val="000000">
+                      <a:alpha val="40000"/>
+                    </a:srgbClr>
+                  </a:outerShdw>
+                </a:effectLst>
+              </a:rPr>
+              <a:t>a button to continue</a:t>
+            </a:r>
+            <a:r>
+              <a:rPr lang="en-US" sz="13800" b="1" spc="300" dirty="0" smtClean="0">
+                <a:ln w="12700">
+                  <a:noFill/>
+                  <a:prstDash val="solid"/>
+                </a:ln>
+                <a:solidFill>
+                  <a:schemeClr val="accent1"/>
+                </a:solidFill>
+                <a:effectLst>
+                  <a:outerShdw blurRad="41275" dist="20320" dir="1800000" algn="tl" rotWithShape="0">
+                    <a:srgbClr val="000000">
+                      <a:alpha val="40000"/>
+                    </a:srgbClr>
+                  </a:outerShdw>
+                </a:effectLst>
+              </a:rPr>
+              <a:t>.</a:t>
+            </a:r>
+            <a:endParaRPr lang="en-US" sz="13800" b="1" spc="300" dirty="0">
+              <a:ln w="12700">
+                <a:noFill/>
+                <a:prstDash val="solid"/>
+              </a:ln>
+              <a:solidFill>
+                <a:schemeClr val="accent1"/>
+              </a:solidFill>
+              <a:effectLst>
+                <a:outerShdw blurRad="41275" dist="20320" dir="1800000" algn="tl" rotWithShape="0">
+                  <a:srgbClr val="000000">
+                    <a:alpha val="40000"/>
+                  </a:srgbClr>
+                </a:outerShdw>
+              </a:effectLst>
+            </a:endParaRPr>
+          </a:p>
+        </p:txBody>
+      </p:sp>
+      <p:grpSp>
+        <p:nvGrpSpPr>
+          <p:cNvPr id="6" name="Grouper 5"/>
+          <p:cNvGrpSpPr/>
+          <p:nvPr/>
+        </p:nvGrpSpPr>
+        <p:grpSpPr>
+          <a:xfrm>
+            <a:off x="6758168" y="6943137"/>
+            <a:ext cx="5001192" cy="5044481"/>
+            <a:chOff x="6494949" y="6943137"/>
+            <a:chExt cx="5001192" cy="5044481"/>
+          </a:xfrm>
+        </p:grpSpPr>
+        <p:sp>
+          <p:nvSpPr>
+            <p:cNvPr id="7" name="Ellipse 6"/>
+            <p:cNvSpPr>
+              <a:spLocks noChangeAspect="1"/>
+            </p:cNvSpPr>
+            <p:nvPr/>
+          </p:nvSpPr>
+          <p:spPr>
+            <a:xfrm>
+              <a:off x="7350417" y="7841894"/>
+              <a:ext cx="3290257" cy="3290257"/>
+            </a:xfrm>
+            <a:prstGeom prst="ellipse">
+              <a:avLst/>
+            </a:prstGeom>
+            <a:ln>
+              <a:solidFill>
+                <a:schemeClr val="accent2"/>
+              </a:solidFill>
+            </a:ln>
+            <a:effectLst>
+              <a:outerShdw blurRad="76200" dir="18900000" sy="23000" kx="-1200000" algn="bl" rotWithShape="0">
+                <a:prstClr val="black">
+                  <a:alpha val="20000"/>
+                </a:prstClr>
+              </a:outerShdw>
+            </a:effectLst>
+          </p:spPr>
+          <p:style>
+            <a:lnRef idx="1">
+              <a:schemeClr val="accent1"/>
+            </a:lnRef>
+            <a:fillRef idx="3">
+              <a:schemeClr val="accent1"/>
+            </a:fillRef>
+            <a:effectRef idx="2">
+              <a:schemeClr val="accent1"/>
+            </a:effectRef>
+            <a:fontRef idx="minor">
+              <a:schemeClr val="lt1"/>
+            </a:fontRef>
+          </p:style>
+          <p:txBody>
+            <a:bodyPr rtlCol="0" anchor="ctr"/>
+            <a:lstStyle/>
+            <a:p>
+              <a:pPr algn="ctr"/>
+              <a:endParaRPr lang="en-US" dirty="0"/>
+            </a:p>
+          </p:txBody>
+        </p:sp>
+        <p:sp>
+          <p:nvSpPr>
+            <p:cNvPr id="8" name="Secteurs 7"/>
+            <p:cNvSpPr>
+              <a:spLocks noChangeAspect="1"/>
+            </p:cNvSpPr>
+            <p:nvPr/>
+          </p:nvSpPr>
+          <p:spPr>
+            <a:xfrm>
+              <a:off x="7371136" y="7841899"/>
+              <a:ext cx="3248819" cy="3290246"/>
+            </a:xfrm>
+            <a:prstGeom prst="pie">
+              <a:avLst>
+                <a:gd name="adj1" fmla="val 17697688"/>
+                <a:gd name="adj2" fmla="val 16200000"/>
+              </a:avLst>
+            </a:prstGeom>
+            <a:solidFill>
+              <a:srgbClr val="FFFFFF"/>
+            </a:solidFill>
+            <a:ln>
+              <a:solidFill>
+                <a:schemeClr val="accent2"/>
+              </a:solidFill>
+            </a:ln>
+          </p:spPr>
+          <p:style>
+            <a:lnRef idx="1">
+              <a:schemeClr val="accent1"/>
+            </a:lnRef>
+            <a:fillRef idx="3">
+              <a:schemeClr val="accent1"/>
+            </a:fillRef>
+            <a:effectRef idx="2">
+              <a:schemeClr val="accent1"/>
+            </a:effectRef>
+            <a:fontRef idx="minor">
+              <a:schemeClr val="lt1"/>
+            </a:fontRef>
+          </p:style>
+          <p:txBody>
+            <a:bodyPr rtlCol="0" anchor="ctr"/>
+            <a:lstStyle/>
+            <a:p>
+              <a:pPr algn="ctr"/>
+              <a:endParaRPr lang="en-US" dirty="0">
+                <a:solidFill>
+                  <a:schemeClr val="tx1"/>
+                </a:solidFill>
+              </a:endParaRPr>
+            </a:p>
+          </p:txBody>
+        </p:sp>
+        <p:cxnSp>
+          <p:nvCxnSpPr>
+            <p:cNvPr id="9" name="Connecteur droit avec flèche 8"/>
+            <p:cNvCxnSpPr>
+              <a:endCxn id="7" idx="0"/>
+            </p:cNvCxnSpPr>
+            <p:nvPr/>
+          </p:nvCxnSpPr>
+          <p:spPr>
+            <a:xfrm flipV="1">
+              <a:off x="8995545" y="7841894"/>
+              <a:ext cx="0" cy="1601840"/>
+            </a:xfrm>
+            <a:prstGeom prst="straightConnector1">
+              <a:avLst/>
+            </a:prstGeom>
+            <a:ln w="57150" cmpd="sng">
+              <a:solidFill>
+                <a:schemeClr val="accent2"/>
+              </a:solidFill>
+              <a:tailEnd type="arrow"/>
+            </a:ln>
+          </p:spPr>
+          <p:style>
+            <a:lnRef idx="2">
+              <a:schemeClr val="accent1"/>
+            </a:lnRef>
+            <a:fillRef idx="0">
+              <a:schemeClr val="accent1"/>
+            </a:fillRef>
+            <a:effectRef idx="1">
+              <a:schemeClr val="accent1"/>
+            </a:effectRef>
+            <a:fontRef idx="minor">
+              <a:schemeClr val="tx1"/>
+            </a:fontRef>
+          </p:style>
+        </p:cxnSp>
+        <p:grpSp>
+          <p:nvGrpSpPr>
+            <p:cNvPr id="10" name="Grouper 9"/>
+            <p:cNvGrpSpPr/>
+            <p:nvPr/>
+          </p:nvGrpSpPr>
+          <p:grpSpPr>
+            <a:xfrm>
+              <a:off x="6494949" y="6986428"/>
+              <a:ext cx="5001192" cy="5001190"/>
+              <a:chOff x="2759620" y="2052934"/>
+              <a:chExt cx="2735998" cy="2735997"/>
+            </a:xfrm>
+          </p:grpSpPr>
+          <p:sp>
+            <p:nvSpPr>
+              <p:cNvPr id="15" name="Arc 14"/>
+              <p:cNvSpPr/>
+              <p:nvPr/>
+            </p:nvSpPr>
+            <p:spPr>
+              <a:xfrm>
+                <a:off x="3119619" y="2340933"/>
+                <a:ext cx="2016000" cy="2159999"/>
+              </a:xfrm>
+              <a:prstGeom prst="arc">
+                <a:avLst>
+                  <a:gd name="adj1" fmla="val 17494394"/>
+                  <a:gd name="adj2" fmla="val 19010120"/>
+                </a:avLst>
+              </a:prstGeom>
+              <a:ln w="38100" cmpd="sng">
+                <a:solidFill>
+                  <a:schemeClr val="accent2"/>
+                </a:solidFill>
+              </a:ln>
+            </p:spPr>
+            <p:style>
+              <a:lnRef idx="2">
+                <a:schemeClr val="accent1"/>
+              </a:lnRef>
+              <a:fillRef idx="0">
+                <a:schemeClr val="accent1"/>
+              </a:fillRef>
+              <a:effectRef idx="1">
+                <a:schemeClr val="accent1"/>
+              </a:effectRef>
+              <a:fontRef idx="minor">
+                <a:schemeClr val="tx1"/>
+              </a:fontRef>
+            </p:style>
+            <p:txBody>
+              <a:bodyPr rtlCol="0" anchor="ctr"/>
+              <a:lstStyle/>
+              <a:p>
+                <a:pPr algn="ctr"/>
+                <a:endParaRPr lang="en-US" dirty="0"/>
+              </a:p>
+            </p:txBody>
+          </p:sp>
+          <p:sp>
+            <p:nvSpPr>
+              <p:cNvPr id="16" name="Arc 15"/>
+              <p:cNvSpPr>
+                <a:spLocks noChangeAspect="1"/>
+              </p:cNvSpPr>
+              <p:nvPr/>
+            </p:nvSpPr>
+            <p:spPr>
+              <a:xfrm>
+                <a:off x="2903620" y="2196933"/>
+                <a:ext cx="2447999" cy="2447998"/>
+              </a:xfrm>
+              <a:prstGeom prst="arc">
+                <a:avLst>
+                  <a:gd name="adj1" fmla="val 17258218"/>
+                  <a:gd name="adj2" fmla="val 19319877"/>
+                </a:avLst>
+              </a:prstGeom>
+              <a:ln w="38100" cmpd="sng">
+                <a:solidFill>
+                  <a:schemeClr val="accent2"/>
+                </a:solidFill>
+              </a:ln>
+            </p:spPr>
+            <p:style>
+              <a:lnRef idx="2">
+                <a:schemeClr val="accent1"/>
+              </a:lnRef>
+              <a:fillRef idx="0">
+                <a:schemeClr val="accent1"/>
+              </a:fillRef>
+              <a:effectRef idx="1">
+                <a:schemeClr val="accent1"/>
+              </a:effectRef>
+              <a:fontRef idx="minor">
+                <a:schemeClr val="tx1"/>
+              </a:fontRef>
+            </p:style>
+            <p:txBody>
+              <a:bodyPr rtlCol="0" anchor="ctr"/>
+              <a:lstStyle/>
+              <a:p>
+                <a:pPr algn="ctr"/>
+                <a:endParaRPr lang="en-US" dirty="0"/>
+              </a:p>
+            </p:txBody>
+          </p:sp>
+          <p:sp>
+            <p:nvSpPr>
+              <p:cNvPr id="17" name="Arc 16"/>
+              <p:cNvSpPr>
+                <a:spLocks noChangeAspect="1"/>
+              </p:cNvSpPr>
+              <p:nvPr/>
+            </p:nvSpPr>
+            <p:spPr>
+              <a:xfrm>
+                <a:off x="2759620" y="2052934"/>
+                <a:ext cx="2735998" cy="2735997"/>
+              </a:xfrm>
+              <a:prstGeom prst="arc">
+                <a:avLst>
+                  <a:gd name="adj1" fmla="val 17058860"/>
+                  <a:gd name="adj2" fmla="val 19569505"/>
+                </a:avLst>
+              </a:prstGeom>
+              <a:ln w="38100" cmpd="sng">
+                <a:solidFill>
+                  <a:schemeClr val="accent2"/>
+                </a:solidFill>
+              </a:ln>
+            </p:spPr>
+            <p:style>
+              <a:lnRef idx="2">
+                <a:schemeClr val="accent1"/>
+              </a:lnRef>
+              <a:fillRef idx="0">
+                <a:schemeClr val="accent1"/>
+              </a:fillRef>
+              <a:effectRef idx="1">
+                <a:schemeClr val="accent1"/>
+              </a:effectRef>
+              <a:fontRef idx="minor">
+                <a:schemeClr val="tx1"/>
+              </a:fontRef>
+            </p:style>
+            <p:txBody>
+              <a:bodyPr rtlCol="0" anchor="ctr"/>
+              <a:lstStyle/>
+              <a:p>
+                <a:pPr algn="ctr"/>
+                <a:endParaRPr lang="en-US" dirty="0">
+                  <a:ln w="38100" cmpd="sng">
+                    <a:solidFill>
+                      <a:srgbClr val="000000"/>
+                    </a:solidFill>
+                  </a:ln>
+                </a:endParaRPr>
+              </a:p>
+            </p:txBody>
+          </p:sp>
+        </p:grpSp>
+        <p:grpSp>
+          <p:nvGrpSpPr>
+            <p:cNvPr id="11" name="Grouper 10"/>
+            <p:cNvGrpSpPr/>
+            <p:nvPr/>
+          </p:nvGrpSpPr>
+          <p:grpSpPr>
+            <a:xfrm flipH="1">
+              <a:off x="6494949" y="6943137"/>
+              <a:ext cx="5001192" cy="5001190"/>
+              <a:chOff x="2759620" y="2052934"/>
+              <a:chExt cx="2735998" cy="2735997"/>
+            </a:xfrm>
+          </p:grpSpPr>
+          <p:sp>
+            <p:nvSpPr>
+              <p:cNvPr id="12" name="Arc 11"/>
+              <p:cNvSpPr/>
+              <p:nvPr/>
+            </p:nvSpPr>
+            <p:spPr>
+              <a:xfrm>
+                <a:off x="3119619" y="2340933"/>
+                <a:ext cx="2016000" cy="2159999"/>
+              </a:xfrm>
+              <a:prstGeom prst="arc">
+                <a:avLst>
+                  <a:gd name="adj1" fmla="val 17494394"/>
+                  <a:gd name="adj2" fmla="val 19010120"/>
+                </a:avLst>
+              </a:prstGeom>
+              <a:ln w="38100" cmpd="sng">
+                <a:solidFill>
+                  <a:schemeClr val="accent2"/>
+                </a:solidFill>
+              </a:ln>
+            </p:spPr>
+            <p:style>
+              <a:lnRef idx="2">
+                <a:schemeClr val="accent1"/>
+              </a:lnRef>
+              <a:fillRef idx="0">
+                <a:schemeClr val="accent1"/>
+              </a:fillRef>
+              <a:effectRef idx="1">
+                <a:schemeClr val="accent1"/>
+              </a:effectRef>
+              <a:fontRef idx="minor">
+                <a:schemeClr val="tx1"/>
+              </a:fontRef>
+            </p:style>
+            <p:txBody>
+              <a:bodyPr rtlCol="0" anchor="ctr"/>
+              <a:lstStyle/>
+              <a:p>
+                <a:pPr algn="ctr"/>
+                <a:endParaRPr lang="en-US" dirty="0"/>
+              </a:p>
+            </p:txBody>
+          </p:sp>
+          <p:sp>
+            <p:nvSpPr>
+              <p:cNvPr id="13" name="Arc 12"/>
+              <p:cNvSpPr>
+                <a:spLocks noChangeAspect="1"/>
+              </p:cNvSpPr>
+              <p:nvPr/>
+            </p:nvSpPr>
+            <p:spPr>
+              <a:xfrm>
+                <a:off x="2903620" y="2196933"/>
+                <a:ext cx="2447999" cy="2447998"/>
+              </a:xfrm>
+              <a:prstGeom prst="arc">
+                <a:avLst>
+                  <a:gd name="adj1" fmla="val 17258218"/>
+                  <a:gd name="adj2" fmla="val 19319877"/>
+                </a:avLst>
+              </a:prstGeom>
+              <a:ln w="38100" cmpd="sng">
+                <a:solidFill>
+                  <a:schemeClr val="accent2"/>
+                </a:solidFill>
+              </a:ln>
+            </p:spPr>
+            <p:style>
+              <a:lnRef idx="2">
+                <a:schemeClr val="accent1"/>
+              </a:lnRef>
+              <a:fillRef idx="0">
+                <a:schemeClr val="accent1"/>
+              </a:fillRef>
+              <a:effectRef idx="1">
+                <a:schemeClr val="accent1"/>
+              </a:effectRef>
+              <a:fontRef idx="minor">
+                <a:schemeClr val="tx1"/>
+              </a:fontRef>
+            </p:style>
+            <p:txBody>
+              <a:bodyPr rtlCol="0" anchor="ctr"/>
+              <a:lstStyle/>
+              <a:p>
+                <a:pPr algn="ctr"/>
+                <a:endParaRPr lang="en-US" dirty="0"/>
+              </a:p>
+            </p:txBody>
+          </p:sp>
+          <p:sp>
+            <p:nvSpPr>
+              <p:cNvPr id="14" name="Arc 13"/>
+              <p:cNvSpPr>
+                <a:spLocks noChangeAspect="1"/>
+              </p:cNvSpPr>
+              <p:nvPr/>
+            </p:nvSpPr>
+            <p:spPr>
+              <a:xfrm>
+                <a:off x="2759620" y="2052934"/>
+                <a:ext cx="2735998" cy="2735997"/>
+              </a:xfrm>
+              <a:prstGeom prst="arc">
+                <a:avLst>
+                  <a:gd name="adj1" fmla="val 17058860"/>
+                  <a:gd name="adj2" fmla="val 19569505"/>
+                </a:avLst>
+              </a:prstGeom>
+              <a:ln w="38100" cmpd="sng">
+                <a:solidFill>
+                  <a:schemeClr val="accent2"/>
+                </a:solidFill>
+              </a:ln>
+            </p:spPr>
+            <p:style>
+              <a:lnRef idx="2">
+                <a:schemeClr val="accent1"/>
+              </a:lnRef>
+              <a:fillRef idx="0">
+                <a:schemeClr val="accent1"/>
+              </a:fillRef>
+              <a:effectRef idx="1">
+                <a:schemeClr val="accent1"/>
+              </a:effectRef>
+              <a:fontRef idx="minor">
+                <a:schemeClr val="tx1"/>
+              </a:fontRef>
+            </p:style>
+            <p:txBody>
+              <a:bodyPr rtlCol="0" anchor="ctr"/>
+              <a:lstStyle/>
+              <a:p>
+                <a:pPr algn="ctr"/>
+                <a:endParaRPr lang="en-US" dirty="0">
+                  <a:ln w="38100" cmpd="sng">
+                    <a:solidFill>
+                      <a:srgbClr val="000000"/>
+                    </a:solidFill>
+                  </a:ln>
+                </a:endParaRPr>
+              </a:p>
+            </p:txBody>
+          </p:sp>
+        </p:grpSp>
+      </p:grpSp>
+    </p:spTree>
+    <p:extLst>
+      <p:ext uri="{BB962C8B-B14F-4D97-AF65-F5344CB8AC3E}">
+        <p14:creationId xmlns:p14="http://schemas.microsoft.com/office/powerpoint/2010/main" val="152836515"/>
+      </p:ext>
+    </p:extLst>
+  </p:cSld>
+  <p:clrMapOvr>
+    <a:masterClrMapping/>
+  </p:clrMapOvr>
+</p:sld>
+</file>
+
+<file path=ppt/slides/slide13.xml><?xml version="1.0" encoding="utf-8"?>
+<p:sld xmlns:a="http://schemas.openxmlformats.org/drawingml/2006/main" xmlns:r="http://schemas.openxmlformats.org/officeDocument/2006/relationships" xmlns:p="http://schemas.openxmlformats.org/presentationml/2006/main">
+  <p:cSld>
+    <p:spTree>
+      <p:nvGrpSpPr>
+        <p:cNvPr id="1" name=""/>
+        <p:cNvGrpSpPr/>
+        <p:nvPr/>
+      </p:nvGrpSpPr>
+      <p:grpSpPr>
+        <a:xfrm>
+          <a:off x="0" y="0"/>
+          <a:ext cx="0" cy="0"/>
+          <a:chOff x="0" y="0"/>
+          <a:chExt cx="0" cy="0"/>
+        </a:xfrm>
+      </p:grpSpPr>
+      <p:sp>
+        <p:nvSpPr>
+          <p:cNvPr id="5" name="Bouée 4"/>
+          <p:cNvSpPr>
+            <a:spLocks noChangeAspect="1"/>
+          </p:cNvSpPr>
+          <p:nvPr/>
+        </p:nvSpPr>
+        <p:spPr>
+          <a:xfrm>
+            <a:off x="1614253" y="1610484"/>
+            <a:ext cx="15228000" cy="15228000"/>
+          </a:xfrm>
+          <a:prstGeom prst="donut">
+            <a:avLst>
+              <a:gd name="adj" fmla="val 30982"/>
+            </a:avLst>
+          </a:prstGeom>
+          <a:solidFill>
+            <a:schemeClr val="bg1"/>
+          </a:solidFill>
+          <a:ln w="76200" cmpd="sng">
+            <a:noFill/>
+          </a:ln>
+        </p:spPr>
+        <p:style>
+          <a:lnRef idx="1">
+            <a:schemeClr val="accent1"/>
+          </a:lnRef>
+          <a:fillRef idx="3">
+            <a:schemeClr val="accent1"/>
+          </a:fillRef>
+          <a:effectRef idx="2">
+            <a:schemeClr val="accent1"/>
+          </a:effectRef>
+          <a:fontRef idx="minor">
+            <a:schemeClr val="lt1"/>
+          </a:fontRef>
+        </p:style>
+        <p:txBody>
+          <a:bodyPr rtlCol="0" anchor="ctr"/>
+          <a:lstStyle/>
+          <a:p>
+            <a:pPr algn="ctr"/>
+            <a:endParaRPr lang="en-US" dirty="0">
+              <a:solidFill>
+                <a:schemeClr val="tx1"/>
+              </a:solidFill>
+            </a:endParaRPr>
+          </a:p>
+        </p:txBody>
+      </p:sp>
+      <p:sp>
+        <p:nvSpPr>
+          <p:cNvPr id="2" name="Rectangle 1"/>
+          <p:cNvSpPr>
+            <a:spLocks noChangeAspect="1"/>
+          </p:cNvSpPr>
+          <p:nvPr/>
+        </p:nvSpPr>
+        <p:spPr>
+          <a:xfrm rot="16200000">
+            <a:off x="3277028" y="3277028"/>
+            <a:ext cx="11879995" cy="11879995"/>
+          </a:xfrm>
+          <a:prstGeom prst="rect">
+            <a:avLst/>
+          </a:prstGeom>
+          <a:noFill/>
+        </p:spPr>
+        <p:txBody>
+          <a:bodyPr wrap="none" lIns="210669" tIns="105334" rIns="210669" bIns="105334">
+            <a:prstTxWarp prst="textCircle">
+              <a:avLst>
+                <a:gd name="adj" fmla="val 10946467"/>
+              </a:avLst>
+            </a:prstTxWarp>
+            <a:spAutoFit/>
+          </a:bodyPr>
+          <a:lstStyle/>
+          <a:p>
+            <a:pPr algn="ctr"/>
+            <a:r>
+              <a:rPr lang="en-US" sz="23900" b="1" spc="600" dirty="0" smtClean="0">
+                <a:ln w="12700">
+                  <a:solidFill>
+                    <a:srgbClr val="FFFFFF"/>
+                  </a:solidFill>
+                  <a:prstDash val="solid"/>
+                </a:ln>
+                <a:solidFill>
+                  <a:schemeClr val="accent3">
+                    <a:lumMod val="75000"/>
+                  </a:schemeClr>
+                </a:solidFill>
+              </a:rPr>
+              <a:t>Hand raised too soon.</a:t>
+            </a:r>
+            <a:endParaRPr lang="en-US" sz="23900" b="1" spc="600" dirty="0">
+              <a:ln w="12700">
+                <a:solidFill>
+                  <a:srgbClr val="FFFFFF"/>
+                </a:solidFill>
+                <a:prstDash val="solid"/>
+              </a:ln>
+              <a:solidFill>
+                <a:schemeClr val="accent3">
+                  <a:lumMod val="75000"/>
+                </a:schemeClr>
+              </a:solidFill>
+            </a:endParaRPr>
+          </a:p>
+        </p:txBody>
+      </p:sp>
+      <p:sp>
+        <p:nvSpPr>
+          <p:cNvPr id="7" name="Rectangle 6"/>
+          <p:cNvSpPr>
+            <a:spLocks noChangeAspect="1"/>
+          </p:cNvSpPr>
+          <p:nvPr/>
+        </p:nvSpPr>
+        <p:spPr>
+          <a:xfrm rot="16200000">
+            <a:off x="5257022" y="5257026"/>
+            <a:ext cx="7920006" cy="7919999"/>
+          </a:xfrm>
+          <a:prstGeom prst="rect">
+            <a:avLst/>
+          </a:prstGeom>
+          <a:noFill/>
+        </p:spPr>
+        <p:txBody>
+          <a:bodyPr wrap="none" lIns="210669" tIns="105334" rIns="210669" bIns="105334">
+            <a:prstTxWarp prst="textCircle">
+              <a:avLst>
+                <a:gd name="adj" fmla="val 10916975"/>
+              </a:avLst>
+            </a:prstTxWarp>
+            <a:spAutoFit/>
+          </a:bodyPr>
+          <a:lstStyle/>
+          <a:p>
+            <a:pPr algn="ctr"/>
+            <a:r>
+              <a:rPr lang="en-US" sz="13800" b="1" spc="300" dirty="0" smtClean="0">
+                <a:ln w="12700">
+                  <a:noFill/>
+                  <a:prstDash val="solid"/>
+                </a:ln>
+                <a:solidFill>
+                  <a:schemeClr val="accent1"/>
+                </a:solidFill>
+                <a:effectLst>
+                  <a:outerShdw blurRad="41275" dist="20320" dir="1800000" algn="tl" rotWithShape="0">
+                    <a:srgbClr val="000000">
+                      <a:alpha val="40000"/>
+                    </a:srgbClr>
+                  </a:outerShdw>
+                </a:effectLst>
+              </a:rPr>
+              <a:t> Press </a:t>
+            </a:r>
+            <a:r>
+              <a:rPr lang="en-US" sz="13800" b="1" spc="300" dirty="0">
+                <a:ln w="12700">
+                  <a:noFill/>
+                  <a:prstDash val="solid"/>
+                </a:ln>
+                <a:solidFill>
+                  <a:schemeClr val="accent1"/>
+                </a:solidFill>
+                <a:effectLst>
+                  <a:outerShdw blurRad="41275" dist="20320" dir="1800000" algn="tl" rotWithShape="0">
+                    <a:srgbClr val="000000">
+                      <a:alpha val="40000"/>
+                    </a:srgbClr>
+                  </a:outerShdw>
+                </a:effectLst>
+              </a:rPr>
+              <a:t>a button to continue</a:t>
+            </a:r>
+            <a:r>
+              <a:rPr lang="en-US" sz="13800" b="1" spc="300" dirty="0" smtClean="0">
+                <a:ln w="12700">
+                  <a:noFill/>
+                  <a:prstDash val="solid"/>
+                </a:ln>
+                <a:solidFill>
+                  <a:schemeClr val="accent1"/>
+                </a:solidFill>
+                <a:effectLst>
+                  <a:outerShdw blurRad="41275" dist="20320" dir="1800000" algn="tl" rotWithShape="0">
+                    <a:srgbClr val="000000">
+                      <a:alpha val="40000"/>
+                    </a:srgbClr>
+                  </a:outerShdw>
+                </a:effectLst>
+              </a:rPr>
+              <a:t>.</a:t>
+            </a:r>
+            <a:endParaRPr lang="en-US" sz="13800" b="1" spc="300" dirty="0">
+              <a:ln w="12700">
+                <a:noFill/>
+                <a:prstDash val="solid"/>
+              </a:ln>
+              <a:solidFill>
+                <a:schemeClr val="accent1"/>
+              </a:solidFill>
+              <a:effectLst>
+                <a:outerShdw blurRad="41275" dist="20320" dir="1800000" algn="tl" rotWithShape="0">
+                  <a:srgbClr val="000000">
+                    <a:alpha val="40000"/>
+                  </a:srgbClr>
+                </a:outerShdw>
+              </a:effectLst>
+            </a:endParaRPr>
+          </a:p>
+        </p:txBody>
+      </p:sp>
+    </p:spTree>
+    <p:extLst>
+      <p:ext uri="{BB962C8B-B14F-4D97-AF65-F5344CB8AC3E}">
+        <p14:creationId xmlns:p14="http://schemas.microsoft.com/office/powerpoint/2010/main" val="250485459"/>
+      </p:ext>
+    </p:extLst>
+  </p:cSld>
+  <p:clrMapOvr>
+    <a:masterClrMapping/>
+  </p:clrMapOvr>
+</p:sld>
+</file>
+
+<file path=ppt/slides/slide14.xml><?xml version="1.0" encoding="utf-8"?>
+<p:sld xmlns:a="http://schemas.openxmlformats.org/drawingml/2006/main" xmlns:r="http://schemas.openxmlformats.org/officeDocument/2006/relationships" xmlns:p="http://schemas.openxmlformats.org/presentationml/2006/main">
+  <p:cSld>
+    <p:spTree>
+      <p:nvGrpSpPr>
+        <p:cNvPr id="1" name=""/>
+        <p:cNvGrpSpPr/>
+        <p:nvPr/>
+      </p:nvGrpSpPr>
+      <p:grpSpPr>
+        <a:xfrm>
+          <a:off x="0" y="0"/>
+          <a:ext cx="0" cy="0"/>
+          <a:chOff x="0" y="0"/>
+          <a:chExt cx="0" cy="0"/>
+        </a:xfrm>
+      </p:grpSpPr>
+      <p:sp>
+        <p:nvSpPr>
+          <p:cNvPr id="5" name="Bouée 4"/>
+          <p:cNvSpPr>
+            <a:spLocks noChangeAspect="1"/>
+          </p:cNvSpPr>
+          <p:nvPr/>
+        </p:nvSpPr>
+        <p:spPr>
+          <a:xfrm>
+            <a:off x="1614253" y="1610484"/>
+            <a:ext cx="15228000" cy="15228000"/>
+          </a:xfrm>
+          <a:prstGeom prst="donut">
+            <a:avLst>
+              <a:gd name="adj" fmla="val 30982"/>
+            </a:avLst>
+          </a:prstGeom>
+          <a:solidFill>
+            <a:schemeClr val="bg1"/>
+          </a:solidFill>
+          <a:ln w="76200" cmpd="sng">
+            <a:noFill/>
+          </a:ln>
+        </p:spPr>
+        <p:style>
+          <a:lnRef idx="1">
+            <a:schemeClr val="accent1"/>
+          </a:lnRef>
+          <a:fillRef idx="3">
+            <a:schemeClr val="accent1"/>
+          </a:fillRef>
+          <a:effectRef idx="2">
+            <a:schemeClr val="accent1"/>
+          </a:effectRef>
+          <a:fontRef idx="minor">
+            <a:schemeClr val="lt1"/>
+          </a:fontRef>
+        </p:style>
+        <p:txBody>
+          <a:bodyPr rtlCol="0" anchor="ctr"/>
+          <a:lstStyle/>
+          <a:p>
+            <a:pPr algn="ctr"/>
+            <a:endParaRPr lang="en-US" dirty="0">
+              <a:solidFill>
+                <a:schemeClr val="tx1"/>
+              </a:solidFill>
+            </a:endParaRPr>
+          </a:p>
+        </p:txBody>
+      </p:sp>
+      <p:sp>
+        <p:nvSpPr>
+          <p:cNvPr id="2" name="Rectangle 1"/>
+          <p:cNvSpPr>
+            <a:spLocks noChangeAspect="1"/>
+          </p:cNvSpPr>
+          <p:nvPr/>
+        </p:nvSpPr>
+        <p:spPr>
+          <a:xfrm rot="16200000">
+            <a:off x="3277028" y="3277028"/>
+            <a:ext cx="11879995" cy="11879995"/>
+          </a:xfrm>
+          <a:prstGeom prst="rect">
+            <a:avLst/>
+          </a:prstGeom>
+          <a:noFill/>
+        </p:spPr>
+        <p:txBody>
+          <a:bodyPr wrap="none" lIns="210669" tIns="105334" rIns="210669" bIns="105334">
+            <a:prstTxWarp prst="textCircle">
+              <a:avLst>
+                <a:gd name="adj" fmla="val 10946467"/>
+              </a:avLst>
+            </a:prstTxWarp>
+            <a:spAutoFit/>
+          </a:bodyPr>
+          <a:lstStyle/>
+          <a:p>
+            <a:pPr algn="ctr"/>
+            <a:r>
+              <a:rPr lang="en-US" sz="23900" b="1" spc="600" dirty="0" smtClean="0">
+                <a:ln w="12700">
+                  <a:solidFill>
+                    <a:srgbClr val="FFFFFF"/>
+                  </a:solidFill>
+                  <a:prstDash val="solid"/>
+                </a:ln>
+                <a:solidFill>
+                  <a:schemeClr val="accent3">
+                    <a:lumMod val="75000"/>
+                  </a:schemeClr>
+                </a:solidFill>
+              </a:rPr>
+              <a:t>Hand should not be raised.</a:t>
+            </a:r>
+            <a:endParaRPr lang="en-US" sz="23900" b="1" spc="600" dirty="0">
+              <a:ln w="12700">
+                <a:solidFill>
+                  <a:srgbClr val="FFFFFF"/>
+                </a:solidFill>
+                <a:prstDash val="solid"/>
+              </a:ln>
+              <a:solidFill>
+                <a:schemeClr val="accent3">
+                  <a:lumMod val="75000"/>
+                </a:schemeClr>
+              </a:solidFill>
+            </a:endParaRPr>
+          </a:p>
+        </p:txBody>
+      </p:sp>
+      <p:sp>
+        <p:nvSpPr>
+          <p:cNvPr id="7" name="Rectangle 6"/>
+          <p:cNvSpPr>
+            <a:spLocks noChangeAspect="1"/>
+          </p:cNvSpPr>
+          <p:nvPr/>
+        </p:nvSpPr>
+        <p:spPr>
+          <a:xfrm rot="16200000">
+            <a:off x="5257022" y="5257026"/>
+            <a:ext cx="7920006" cy="7919999"/>
+          </a:xfrm>
+          <a:prstGeom prst="rect">
+            <a:avLst/>
+          </a:prstGeom>
+          <a:noFill/>
+        </p:spPr>
+        <p:txBody>
+          <a:bodyPr wrap="none" lIns="210669" tIns="105334" rIns="210669" bIns="105334">
+            <a:prstTxWarp prst="textCircle">
+              <a:avLst>
+                <a:gd name="adj" fmla="val 10916975"/>
+              </a:avLst>
+            </a:prstTxWarp>
+            <a:spAutoFit/>
+          </a:bodyPr>
+          <a:lstStyle/>
+          <a:p>
+            <a:pPr algn="ctr"/>
+            <a:r>
+              <a:rPr lang="en-US" sz="13800" b="1" spc="300" dirty="0" smtClean="0">
+                <a:ln w="12700">
+                  <a:noFill/>
+                  <a:prstDash val="solid"/>
+                </a:ln>
+                <a:solidFill>
+                  <a:schemeClr val="accent1"/>
+                </a:solidFill>
+                <a:effectLst>
+                  <a:outerShdw blurRad="41275" dist="20320" dir="1800000" algn="tl" rotWithShape="0">
+                    <a:srgbClr val="000000">
+                      <a:alpha val="40000"/>
+                    </a:srgbClr>
+                  </a:outerShdw>
+                </a:effectLst>
+              </a:rPr>
+              <a:t> Press </a:t>
+            </a:r>
+            <a:r>
+              <a:rPr lang="en-US" sz="13800" b="1" spc="300" dirty="0">
+                <a:ln w="12700">
+                  <a:noFill/>
+                  <a:prstDash val="solid"/>
+                </a:ln>
+                <a:solidFill>
+                  <a:schemeClr val="accent1"/>
+                </a:solidFill>
+                <a:effectLst>
+                  <a:outerShdw blurRad="41275" dist="20320" dir="1800000" algn="tl" rotWithShape="0">
+                    <a:srgbClr val="000000">
+                      <a:alpha val="40000"/>
+                    </a:srgbClr>
+                  </a:outerShdw>
+                </a:effectLst>
+              </a:rPr>
+              <a:t>a button to continue</a:t>
+            </a:r>
+            <a:r>
+              <a:rPr lang="en-US" sz="13800" b="1" spc="300" dirty="0" smtClean="0">
+                <a:ln w="12700">
+                  <a:noFill/>
+                  <a:prstDash val="solid"/>
+                </a:ln>
+                <a:solidFill>
+                  <a:schemeClr val="accent1"/>
+                </a:solidFill>
+                <a:effectLst>
+                  <a:outerShdw blurRad="41275" dist="20320" dir="1800000" algn="tl" rotWithShape="0">
+                    <a:srgbClr val="000000">
+                      <a:alpha val="40000"/>
+                    </a:srgbClr>
+                  </a:outerShdw>
+                </a:effectLst>
+              </a:rPr>
+              <a:t>.</a:t>
+            </a:r>
+            <a:endParaRPr lang="en-US" sz="13800" b="1" spc="300" dirty="0">
+              <a:ln w="12700">
+                <a:noFill/>
+                <a:prstDash val="solid"/>
+              </a:ln>
+              <a:solidFill>
+                <a:schemeClr val="accent1"/>
+              </a:solidFill>
+              <a:effectLst>
+                <a:outerShdw blurRad="41275" dist="20320" dir="1800000" algn="tl" rotWithShape="0">
+                  <a:srgbClr val="000000">
+                    <a:alpha val="40000"/>
+                  </a:srgbClr>
+                </a:outerShdw>
+              </a:effectLst>
+            </a:endParaRPr>
+          </a:p>
+        </p:txBody>
+      </p:sp>
+    </p:spTree>
+    <p:extLst>
+      <p:ext uri="{BB962C8B-B14F-4D97-AF65-F5344CB8AC3E}">
+        <p14:creationId xmlns:p14="http://schemas.microsoft.com/office/powerpoint/2010/main" val="1885241631"/>
+      </p:ext>
+    </p:extLst>
+  </p:cSld>
+  <p:clrMapOvr>
+    <a:masterClrMapping/>
+  </p:clrMapOvr>
+</p:sld>
+</file>
+
+<file path=ppt/slides/slide15.xml><?xml version="1.0" encoding="utf-8"?>
+<p:sld xmlns:a="http://schemas.openxmlformats.org/drawingml/2006/main" xmlns:r="http://schemas.openxmlformats.org/officeDocument/2006/relationships" xmlns:p="http://schemas.openxmlformats.org/presentationml/2006/main">
+  <p:cSld>
+    <p:spTree>
+      <p:nvGrpSpPr>
+        <p:cNvPr id="1" name=""/>
+        <p:cNvGrpSpPr/>
+        <p:nvPr/>
+      </p:nvGrpSpPr>
+      <p:grpSpPr>
+        <a:xfrm>
+          <a:off x="0" y="0"/>
+          <a:ext cx="0" cy="0"/>
+          <a:chOff x="0" y="0"/>
+          <a:chExt cx="0" cy="0"/>
+        </a:xfrm>
+      </p:grpSpPr>
+      <p:sp>
+        <p:nvSpPr>
+          <p:cNvPr id="5" name="Bouée 4"/>
+          <p:cNvSpPr>
+            <a:spLocks noChangeAspect="1"/>
+          </p:cNvSpPr>
+          <p:nvPr/>
+        </p:nvSpPr>
+        <p:spPr>
+          <a:xfrm>
+            <a:off x="1614253" y="1610484"/>
+            <a:ext cx="15228000" cy="15228000"/>
+          </a:xfrm>
+          <a:prstGeom prst="donut">
+            <a:avLst>
+              <a:gd name="adj" fmla="val 30982"/>
+            </a:avLst>
+          </a:prstGeom>
+          <a:solidFill>
+            <a:schemeClr val="bg1"/>
+          </a:solidFill>
+          <a:ln w="76200" cmpd="sng">
+            <a:noFill/>
+          </a:ln>
+        </p:spPr>
+        <p:style>
+          <a:lnRef idx="1">
+            <a:schemeClr val="accent1"/>
+          </a:lnRef>
+          <a:fillRef idx="3">
+            <a:schemeClr val="accent1"/>
+          </a:fillRef>
+          <a:effectRef idx="2">
+            <a:schemeClr val="accent1"/>
+          </a:effectRef>
+          <a:fontRef idx="minor">
+            <a:schemeClr val="lt1"/>
+          </a:fontRef>
+        </p:style>
+        <p:txBody>
+          <a:bodyPr rtlCol="0" anchor="ctr"/>
+          <a:lstStyle/>
+          <a:p>
+            <a:pPr algn="ctr"/>
+            <a:endParaRPr lang="en-US" dirty="0">
+              <a:solidFill>
+                <a:schemeClr val="tx1"/>
+              </a:solidFill>
+            </a:endParaRPr>
+          </a:p>
+        </p:txBody>
+      </p:sp>
+      <p:sp>
+        <p:nvSpPr>
+          <p:cNvPr id="2" name="Rectangle 1"/>
+          <p:cNvSpPr>
+            <a:spLocks noChangeAspect="1"/>
+          </p:cNvSpPr>
+          <p:nvPr/>
+        </p:nvSpPr>
+        <p:spPr>
+          <a:xfrm rot="16200000">
+            <a:off x="3277028" y="3277028"/>
+            <a:ext cx="11879995" cy="11879995"/>
+          </a:xfrm>
+          <a:prstGeom prst="rect">
+            <a:avLst/>
+          </a:prstGeom>
+          <a:noFill/>
+        </p:spPr>
+        <p:txBody>
+          <a:bodyPr wrap="none" lIns="210669" tIns="105334" rIns="210669" bIns="105334">
+            <a:prstTxWarp prst="textCircle">
+              <a:avLst>
+                <a:gd name="adj" fmla="val 11372023"/>
+              </a:avLst>
+            </a:prstTxWarp>
+            <a:spAutoFit/>
+          </a:bodyPr>
+          <a:lstStyle/>
+          <a:p>
+            <a:pPr algn="ctr"/>
+            <a:r>
+              <a:rPr lang="en-US" sz="23900" b="1" spc="-150" dirty="0" smtClean="0">
+                <a:ln w="12700">
+                  <a:solidFill>
+                    <a:srgbClr val="FFFFFF"/>
+                  </a:solidFill>
+                  <a:prstDash val="solid"/>
+                </a:ln>
+                <a:solidFill>
+                  <a:schemeClr val="accent3">
+                    <a:lumMod val="75000"/>
+                  </a:schemeClr>
+                </a:solidFill>
+              </a:rPr>
+              <a:t>Straighten head on shoulders.</a:t>
+            </a:r>
+            <a:endParaRPr lang="en-US" sz="23900" b="1" spc="-150" dirty="0">
+              <a:ln w="12700">
+                <a:solidFill>
+                  <a:srgbClr val="FFFFFF"/>
+                </a:solidFill>
+                <a:prstDash val="solid"/>
+              </a:ln>
+              <a:solidFill>
+                <a:schemeClr val="accent3">
+                  <a:lumMod val="75000"/>
+                </a:schemeClr>
+              </a:solidFill>
+            </a:endParaRPr>
+          </a:p>
+        </p:txBody>
+      </p:sp>
+      <p:sp>
+        <p:nvSpPr>
+          <p:cNvPr id="7" name="Rectangle 6"/>
+          <p:cNvSpPr>
+            <a:spLocks noChangeAspect="1"/>
+          </p:cNvSpPr>
+          <p:nvPr/>
+        </p:nvSpPr>
+        <p:spPr>
+          <a:xfrm rot="16200000">
+            <a:off x="5257022" y="5257026"/>
+            <a:ext cx="7920006" cy="7919999"/>
+          </a:xfrm>
+          <a:prstGeom prst="rect">
+            <a:avLst/>
+          </a:prstGeom>
+          <a:noFill/>
+        </p:spPr>
+        <p:txBody>
+          <a:bodyPr wrap="none" lIns="210669" tIns="105334" rIns="210669" bIns="105334">
+            <a:prstTxWarp prst="textCircle">
+              <a:avLst>
+                <a:gd name="adj" fmla="val 10916975"/>
+              </a:avLst>
+            </a:prstTxWarp>
+            <a:spAutoFit/>
+          </a:bodyPr>
+          <a:lstStyle/>
+          <a:p>
+            <a:pPr algn="ctr"/>
+            <a:r>
+              <a:rPr lang="en-US" sz="13800" b="1" spc="300" dirty="0" smtClean="0">
+                <a:ln w="12700">
+                  <a:noFill/>
+                  <a:prstDash val="solid"/>
+                </a:ln>
+                <a:solidFill>
+                  <a:schemeClr val="accent1"/>
+                </a:solidFill>
+                <a:effectLst>
+                  <a:outerShdw blurRad="41275" dist="20320" dir="1800000" algn="tl" rotWithShape="0">
+                    <a:srgbClr val="000000">
+                      <a:alpha val="40000"/>
+                    </a:srgbClr>
+                  </a:outerShdw>
+                </a:effectLst>
+              </a:rPr>
+              <a:t> Press </a:t>
+            </a:r>
+            <a:r>
+              <a:rPr lang="en-US" sz="13800" b="1" spc="300" dirty="0">
+                <a:ln w="12700">
+                  <a:noFill/>
+                  <a:prstDash val="solid"/>
+                </a:ln>
+                <a:solidFill>
+                  <a:schemeClr val="accent1"/>
+                </a:solidFill>
+                <a:effectLst>
+                  <a:outerShdw blurRad="41275" dist="20320" dir="1800000" algn="tl" rotWithShape="0">
+                    <a:srgbClr val="000000">
+                      <a:alpha val="40000"/>
+                    </a:srgbClr>
+                  </a:outerShdw>
+                </a:effectLst>
+              </a:rPr>
+              <a:t>a button to continue</a:t>
+            </a:r>
+            <a:r>
+              <a:rPr lang="en-US" sz="13800" b="1" spc="300" dirty="0" smtClean="0">
+                <a:ln w="12700">
+                  <a:noFill/>
+                  <a:prstDash val="solid"/>
+                </a:ln>
+                <a:solidFill>
+                  <a:schemeClr val="accent1"/>
+                </a:solidFill>
+                <a:effectLst>
+                  <a:outerShdw blurRad="41275" dist="20320" dir="1800000" algn="tl" rotWithShape="0">
+                    <a:srgbClr val="000000">
+                      <a:alpha val="40000"/>
+                    </a:srgbClr>
+                  </a:outerShdw>
+                </a:effectLst>
+              </a:rPr>
+              <a:t>.</a:t>
+            </a:r>
+            <a:endParaRPr lang="en-US" sz="13800" b="1" spc="300" dirty="0">
+              <a:ln w="12700">
+                <a:noFill/>
+                <a:prstDash val="solid"/>
+              </a:ln>
+              <a:solidFill>
+                <a:schemeClr val="accent1"/>
+              </a:solidFill>
+              <a:effectLst>
+                <a:outerShdw blurRad="41275" dist="20320" dir="1800000" algn="tl" rotWithShape="0">
+                  <a:srgbClr val="000000">
+                    <a:alpha val="40000"/>
+                  </a:srgbClr>
+                </a:outerShdw>
+              </a:effectLst>
+            </a:endParaRPr>
+          </a:p>
+        </p:txBody>
+      </p:sp>
+    </p:spTree>
+    <p:extLst>
+      <p:ext uri="{BB962C8B-B14F-4D97-AF65-F5344CB8AC3E}">
+        <p14:creationId xmlns:p14="http://schemas.microsoft.com/office/powerpoint/2010/main" val="2179511308"/>
+      </p:ext>
+    </p:extLst>
+  </p:cSld>
+  <p:clrMapOvr>
+    <a:masterClrMapping/>
+  </p:clrMapOvr>
+</p:sld>
+</file>
+
+<file path=ppt/slides/slide2.xml><?xml version="1.0" encoding="utf-8"?>
+<p:sld xmlns:a="http://schemas.openxmlformats.org/drawingml/2006/main" xmlns:r="http://schemas.openxmlformats.org/officeDocument/2006/relationships" xmlns:p="http://schemas.openxmlformats.org/presentationml/2006/main">
+  <p:cSld>
+    <p:spTree>
+      <p:nvGrpSpPr>
+        <p:cNvPr id="1" name=""/>
+        <p:cNvGrpSpPr/>
+        <p:nvPr/>
+      </p:nvGrpSpPr>
+      <p:grpSpPr>
+        <a:xfrm>
+          <a:off x="0" y="0"/>
+          <a:ext cx="0" cy="0"/>
+          <a:chOff x="0" y="0"/>
+          <a:chExt cx="0" cy="0"/>
+        </a:xfrm>
+      </p:grpSpPr>
+      <p:sp>
+        <p:nvSpPr>
+          <p:cNvPr id="5" name="Bouée 4"/>
+          <p:cNvSpPr>
+            <a:spLocks noChangeAspect="1"/>
+          </p:cNvSpPr>
+          <p:nvPr/>
+        </p:nvSpPr>
+        <p:spPr>
+          <a:xfrm>
+            <a:off x="1614253" y="1610484"/>
+            <a:ext cx="15228000" cy="15228000"/>
+          </a:xfrm>
+          <a:prstGeom prst="donut">
+            <a:avLst>
+              <a:gd name="adj" fmla="val 30982"/>
+            </a:avLst>
+          </a:prstGeom>
+          <a:solidFill>
+            <a:schemeClr val="bg1"/>
+          </a:solidFill>
+          <a:ln w="76200" cmpd="sng">
+            <a:noFill/>
+          </a:ln>
+        </p:spPr>
+        <p:style>
+          <a:lnRef idx="1">
+            <a:schemeClr val="accent1"/>
+          </a:lnRef>
+          <a:fillRef idx="3">
+            <a:schemeClr val="accent1"/>
+          </a:fillRef>
+          <a:effectRef idx="2">
+            <a:schemeClr val="accent1"/>
+          </a:effectRef>
+          <a:fontRef idx="minor">
+            <a:schemeClr val="lt1"/>
+          </a:fontRef>
+        </p:style>
+        <p:txBody>
+          <a:bodyPr rtlCol="0" anchor="ctr"/>
+          <a:lstStyle/>
+          <a:p>
+            <a:pPr algn="ctr"/>
+            <a:endParaRPr lang="en-US">
+              <a:solidFill>
+                <a:schemeClr val="tx1"/>
+              </a:solidFill>
+            </a:endParaRPr>
+          </a:p>
+        </p:txBody>
+      </p:sp>
+      <p:sp>
+        <p:nvSpPr>
+          <p:cNvPr id="2" name="Rectangle 1"/>
+          <p:cNvSpPr>
+            <a:spLocks noChangeAspect="1"/>
+          </p:cNvSpPr>
+          <p:nvPr/>
+        </p:nvSpPr>
+        <p:spPr>
+          <a:xfrm rot="16200000">
+            <a:off x="3277028" y="3277028"/>
+            <a:ext cx="11879995" cy="11879995"/>
+          </a:xfrm>
+          <a:prstGeom prst="rect">
+            <a:avLst/>
+          </a:prstGeom>
+          <a:noFill/>
+        </p:spPr>
+        <p:txBody>
+          <a:bodyPr wrap="none" lIns="210669" tIns="105334" rIns="210669" bIns="105334">
+            <a:prstTxWarp prst="textCircle">
+              <a:avLst>
+                <a:gd name="adj" fmla="val 10946467"/>
+              </a:avLst>
+            </a:prstTxWarp>
+            <a:spAutoFit/>
+          </a:bodyPr>
+          <a:lstStyle/>
+          <a:p>
+            <a:pPr algn="ctr"/>
+            <a:r>
+              <a:rPr lang="en-US" sz="23900" b="1" spc="600" dirty="0" smtClean="0">
+                <a:ln w="12700">
+                  <a:solidFill>
+                    <a:srgbClr val="FFFFFF"/>
+                  </a:solidFill>
+                  <a:prstDash val="solid"/>
+                </a:ln>
+                <a:solidFill>
+                  <a:schemeClr val="accent3">
+                    <a:lumMod val="75000"/>
+                  </a:schemeClr>
+                </a:solidFill>
+              </a:rPr>
+              <a:t>  Ready to start next trial.</a:t>
+            </a:r>
+            <a:endParaRPr lang="en-US" sz="23900" b="1" spc="600" dirty="0">
+              <a:ln w="12700">
+                <a:solidFill>
+                  <a:srgbClr val="FFFFFF"/>
+                </a:solidFill>
+                <a:prstDash val="solid"/>
+              </a:ln>
+              <a:solidFill>
+                <a:schemeClr val="accent3">
+                  <a:lumMod val="75000"/>
+                </a:schemeClr>
+              </a:solidFill>
+            </a:endParaRPr>
+          </a:p>
+        </p:txBody>
+      </p:sp>
+      <p:sp>
+        <p:nvSpPr>
+          <p:cNvPr id="3" name="Rectangle 2"/>
+          <p:cNvSpPr>
+            <a:spLocks noChangeAspect="1"/>
+          </p:cNvSpPr>
+          <p:nvPr/>
+        </p:nvSpPr>
+        <p:spPr>
+          <a:xfrm rot="16200000">
+            <a:off x="5257022" y="5257026"/>
+            <a:ext cx="7920006" cy="7919999"/>
+          </a:xfrm>
+          <a:prstGeom prst="rect">
+            <a:avLst/>
+          </a:prstGeom>
+          <a:noFill/>
+        </p:spPr>
+        <p:txBody>
+          <a:bodyPr wrap="none" lIns="210669" tIns="105334" rIns="210669" bIns="105334">
+            <a:prstTxWarp prst="textCircle">
+              <a:avLst>
+                <a:gd name="adj" fmla="val 10916975"/>
+              </a:avLst>
+            </a:prstTxWarp>
+            <a:spAutoFit/>
+          </a:bodyPr>
+          <a:lstStyle/>
+          <a:p>
+            <a:pPr algn="ctr"/>
+            <a:r>
+              <a:rPr lang="en-US" sz="13800" b="1" spc="300" dirty="0" smtClean="0">
+                <a:ln w="12700">
+                  <a:noFill/>
+                  <a:prstDash val="solid"/>
+                </a:ln>
+                <a:solidFill>
+                  <a:schemeClr val="accent1"/>
+                </a:solidFill>
+                <a:effectLst>
+                  <a:outerShdw blurRad="41275" dist="20320" dir="1800000" algn="tl" rotWithShape="0">
+                    <a:srgbClr val="000000">
+                      <a:alpha val="40000"/>
+                    </a:srgbClr>
+                  </a:outerShdw>
+                </a:effectLst>
+              </a:rPr>
+              <a:t> Press </a:t>
+            </a:r>
+            <a:r>
+              <a:rPr lang="en-US" sz="13800" b="1" spc="300" dirty="0">
+                <a:ln w="12700">
+                  <a:noFill/>
+                  <a:prstDash val="solid"/>
+                </a:ln>
+                <a:solidFill>
+                  <a:schemeClr val="accent1"/>
+                </a:solidFill>
+                <a:effectLst>
+                  <a:outerShdw blurRad="41275" dist="20320" dir="1800000" algn="tl" rotWithShape="0">
+                    <a:srgbClr val="000000">
+                      <a:alpha val="40000"/>
+                    </a:srgbClr>
+                  </a:outerShdw>
+                </a:effectLst>
+              </a:rPr>
+              <a:t>a button to continue</a:t>
+            </a:r>
+            <a:r>
+              <a:rPr lang="en-US" sz="13800" b="1" spc="300" dirty="0" smtClean="0">
+                <a:ln w="12700">
+                  <a:noFill/>
+                  <a:prstDash val="solid"/>
+                </a:ln>
+                <a:solidFill>
+                  <a:schemeClr val="accent1"/>
+                </a:solidFill>
+                <a:effectLst>
+                  <a:outerShdw blurRad="41275" dist="20320" dir="1800000" algn="tl" rotWithShape="0">
+                    <a:srgbClr val="000000">
+                      <a:alpha val="40000"/>
+                    </a:srgbClr>
+                  </a:outerShdw>
+                </a:effectLst>
+              </a:rPr>
+              <a:t>.</a:t>
+            </a:r>
+            <a:endParaRPr lang="en-US" sz="13800" b="1" spc="300" dirty="0">
+              <a:ln w="12700">
+                <a:noFill/>
+                <a:prstDash val="solid"/>
+              </a:ln>
+              <a:solidFill>
+                <a:schemeClr val="accent1"/>
+              </a:solidFill>
+              <a:effectLst>
+                <a:outerShdw blurRad="41275" dist="20320" dir="1800000" algn="tl" rotWithShape="0">
+                  <a:srgbClr val="000000">
+                    <a:alpha val="40000"/>
+                  </a:srgbClr>
+                </a:outerShdw>
+              </a:effectLst>
+            </a:endParaRPr>
+          </a:p>
+        </p:txBody>
+      </p:sp>
+    </p:spTree>
+    <p:extLst>
+      <p:ext uri="{BB962C8B-B14F-4D97-AF65-F5344CB8AC3E}">
+        <p14:creationId xmlns:p14="http://schemas.microsoft.com/office/powerpoint/2010/main" val="4227632991"/>
+      </p:ext>
+    </p:extLst>
+  </p:cSld>
+  <p:clrMapOvr>
+    <a:masterClrMapping/>
+  </p:clrMapOvr>
+</p:sld>
+</file>
+
+<file path=ppt/slides/slide3.xml><?xml version="1.0" encoding="utf-8"?>
+<p:sld xmlns:a="http://schemas.openxmlformats.org/drawingml/2006/main" xmlns:r="http://schemas.openxmlformats.org/officeDocument/2006/relationships" xmlns:p="http://schemas.openxmlformats.org/presentationml/2006/main">
+  <p:cSld>
+    <p:spTree>
+      <p:nvGrpSpPr>
+        <p:cNvPr id="1" name=""/>
+        <p:cNvGrpSpPr/>
+        <p:nvPr/>
+      </p:nvGrpSpPr>
+      <p:grpSpPr>
+        <a:xfrm>
+          <a:off x="0" y="0"/>
+          <a:ext cx="0" cy="0"/>
+          <a:chOff x="0" y="0"/>
+          <a:chExt cx="0" cy="0"/>
+        </a:xfrm>
+      </p:grpSpPr>
+      <p:sp>
+        <p:nvSpPr>
+          <p:cNvPr id="5" name="Bouée 4"/>
+          <p:cNvSpPr>
+            <a:spLocks noChangeAspect="1"/>
+          </p:cNvSpPr>
+          <p:nvPr/>
+        </p:nvSpPr>
+        <p:spPr>
+          <a:xfrm>
+            <a:off x="1614253" y="1610484"/>
+            <a:ext cx="15228000" cy="15228000"/>
+          </a:xfrm>
+          <a:prstGeom prst="donut">
+            <a:avLst>
+              <a:gd name="adj" fmla="val 30982"/>
+            </a:avLst>
+          </a:prstGeom>
+          <a:solidFill>
+            <a:schemeClr val="bg1"/>
+          </a:solidFill>
+          <a:ln w="76200" cmpd="sng">
+            <a:noFill/>
+          </a:ln>
+        </p:spPr>
+        <p:style>
+          <a:lnRef idx="1">
+            <a:schemeClr val="accent1"/>
+          </a:lnRef>
+          <a:fillRef idx="3">
+            <a:schemeClr val="accent1"/>
+          </a:fillRef>
+          <a:effectRef idx="2">
+            <a:schemeClr val="accent1"/>
+          </a:effectRef>
+          <a:fontRef idx="minor">
+            <a:schemeClr val="lt1"/>
+          </a:fontRef>
+        </p:style>
+        <p:txBody>
+          <a:bodyPr rtlCol="0" anchor="ctr"/>
+          <a:lstStyle/>
+          <a:p>
+            <a:pPr algn="ctr"/>
+            <a:endParaRPr lang="en-US">
+              <a:solidFill>
+                <a:schemeClr val="tx1"/>
+              </a:solidFill>
+            </a:endParaRPr>
+          </a:p>
+        </p:txBody>
+      </p:sp>
+      <p:sp>
+        <p:nvSpPr>
+          <p:cNvPr id="2" name="Rectangle 1"/>
+          <p:cNvSpPr>
+            <a:spLocks noChangeAspect="1"/>
+          </p:cNvSpPr>
+          <p:nvPr/>
+        </p:nvSpPr>
+        <p:spPr>
+          <a:xfrm rot="16200000">
+            <a:off x="3277028" y="3277028"/>
+            <a:ext cx="11879995" cy="11879995"/>
+          </a:xfrm>
+          <a:prstGeom prst="rect">
+            <a:avLst/>
+          </a:prstGeom>
+          <a:noFill/>
+        </p:spPr>
+        <p:txBody>
+          <a:bodyPr wrap="none" lIns="210669" tIns="105334" rIns="210669" bIns="105334">
+            <a:prstTxWarp prst="textCircle">
+              <a:avLst>
+                <a:gd name="adj" fmla="val 10946467"/>
+              </a:avLst>
+            </a:prstTxWarp>
+            <a:spAutoFit/>
+          </a:bodyPr>
+          <a:lstStyle/>
+          <a:p>
+            <a:pPr algn="ctr"/>
+            <a:r>
+              <a:rPr lang="en-US" sz="23900" b="1" spc="600" dirty="0" smtClean="0">
+                <a:ln w="12700">
+                  <a:solidFill>
+                    <a:srgbClr val="FFFFFF"/>
+                  </a:solidFill>
+                  <a:prstDash val="solid"/>
+                </a:ln>
+                <a:solidFill>
+                  <a:schemeClr val="accent3">
+                    <a:lumMod val="75000"/>
+                  </a:schemeClr>
+                </a:solidFill>
+              </a:rPr>
+              <a:t>Trial block completed.</a:t>
+            </a:r>
+            <a:endParaRPr lang="en-US" sz="23900" b="1" spc="600" dirty="0">
+              <a:ln w="12700">
+                <a:solidFill>
+                  <a:srgbClr val="FFFFFF"/>
+                </a:solidFill>
+                <a:prstDash val="solid"/>
+              </a:ln>
+              <a:solidFill>
+                <a:schemeClr val="accent3">
+                  <a:lumMod val="75000"/>
+                </a:schemeClr>
+              </a:solidFill>
+            </a:endParaRPr>
+          </a:p>
+        </p:txBody>
+      </p:sp>
+      <p:sp>
+        <p:nvSpPr>
+          <p:cNvPr id="3" name="Rectangle 2"/>
+          <p:cNvSpPr>
+            <a:spLocks noChangeAspect="1"/>
+          </p:cNvSpPr>
+          <p:nvPr/>
+        </p:nvSpPr>
+        <p:spPr>
+          <a:xfrm rot="16200000">
+            <a:off x="5257022" y="5257026"/>
+            <a:ext cx="7920006" cy="7919999"/>
+          </a:xfrm>
+          <a:prstGeom prst="rect">
+            <a:avLst/>
+          </a:prstGeom>
+          <a:noFill/>
+        </p:spPr>
+        <p:txBody>
+          <a:bodyPr wrap="none" lIns="210669" tIns="105334" rIns="210669" bIns="105334">
+            <a:prstTxWarp prst="textCircle">
+              <a:avLst>
+                <a:gd name="adj" fmla="val 10916975"/>
+              </a:avLst>
+            </a:prstTxWarp>
+            <a:spAutoFit/>
+          </a:bodyPr>
+          <a:lstStyle/>
+          <a:p>
+            <a:pPr algn="ctr"/>
+            <a:r>
+              <a:rPr lang="en-US" sz="13800" b="1" spc="-150" dirty="0" smtClean="0">
+                <a:ln w="12700">
+                  <a:noFill/>
+                  <a:prstDash val="solid"/>
+                </a:ln>
+                <a:solidFill>
+                  <a:schemeClr val="accent1"/>
+                </a:solidFill>
+                <a:effectLst>
+                  <a:outerShdw blurRad="41275" dist="20320" dir="1800000" algn="tl" rotWithShape="0">
+                    <a:srgbClr val="000000">
+                      <a:alpha val="40000"/>
+                    </a:srgbClr>
+                  </a:outerShdw>
+                </a:effectLst>
+              </a:rPr>
+              <a:t>Doff </a:t>
+            </a:r>
+            <a:r>
+              <a:rPr lang="en-US" sz="13800" b="1" spc="-150" dirty="0" smtClean="0">
+                <a:ln w="12700">
+                  <a:noFill/>
+                  <a:prstDash val="solid"/>
+                </a:ln>
+                <a:solidFill>
+                  <a:schemeClr val="accent1"/>
+                </a:solidFill>
+                <a:effectLst>
+                  <a:outerShdw blurRad="41275" dist="20320" dir="1800000" algn="tl" rotWithShape="0">
+                    <a:srgbClr val="000000">
+                      <a:alpha val="40000"/>
+                    </a:srgbClr>
+                  </a:outerShdw>
+                </a:effectLst>
+              </a:rPr>
+              <a:t>VR helmet</a:t>
+            </a:r>
+            <a:r>
+              <a:rPr lang="en-US" sz="13800" b="1" spc="-150" dirty="0" smtClean="0">
+                <a:ln w="12700">
+                  <a:noFill/>
+                  <a:prstDash val="solid"/>
+                </a:ln>
+                <a:solidFill>
+                  <a:schemeClr val="accent1"/>
+                </a:solidFill>
+                <a:effectLst>
+                  <a:outerShdw blurRad="41275" dist="20320" dir="1800000" algn="tl" rotWithShape="0">
+                    <a:srgbClr val="000000">
+                      <a:alpha val="40000"/>
+                    </a:srgbClr>
+                  </a:outerShdw>
+                </a:effectLst>
+              </a:rPr>
+              <a:t> </a:t>
+            </a:r>
+            <a:r>
+              <a:rPr lang="en-US" sz="13800" b="1" spc="-150" dirty="0" smtClean="0">
+                <a:ln w="12700">
+                  <a:noFill/>
+                  <a:prstDash val="solid"/>
+                </a:ln>
+                <a:solidFill>
+                  <a:schemeClr val="accent1"/>
+                </a:solidFill>
+                <a:effectLst>
+                  <a:outerShdw blurRad="41275" dist="20320" dir="1800000" algn="tl" rotWithShape="0">
+                    <a:srgbClr val="000000">
+                      <a:alpha val="40000"/>
+                    </a:srgbClr>
+                  </a:outerShdw>
+                </a:effectLst>
+              </a:rPr>
+              <a:t>and press </a:t>
+            </a:r>
+            <a:r>
+              <a:rPr lang="en-US" sz="13800" b="1" spc="-150" dirty="0" smtClean="0">
+                <a:ln w="12700">
+                  <a:noFill/>
+                  <a:prstDash val="solid"/>
+                </a:ln>
+                <a:solidFill>
+                  <a:schemeClr val="accent1"/>
+                </a:solidFill>
+                <a:effectLst>
+                  <a:outerShdw blurRad="41275" dist="20320" dir="1800000" algn="tl" rotWithShape="0">
+                    <a:srgbClr val="000000">
+                      <a:alpha val="40000"/>
+                    </a:srgbClr>
+                  </a:outerShdw>
+                </a:effectLst>
+              </a:rPr>
+              <a:t>Return.</a:t>
+            </a:r>
+            <a:endParaRPr lang="en-US" sz="13800" b="1" spc="-150" dirty="0">
+              <a:ln w="12700">
+                <a:noFill/>
+                <a:prstDash val="solid"/>
+              </a:ln>
+              <a:solidFill>
+                <a:schemeClr val="accent1"/>
+              </a:solidFill>
+              <a:effectLst>
+                <a:outerShdw blurRad="41275" dist="20320" dir="1800000" algn="tl" rotWithShape="0">
+                  <a:srgbClr val="000000">
+                    <a:alpha val="40000"/>
+                  </a:srgbClr>
+                </a:outerShdw>
+              </a:effectLst>
+            </a:endParaRPr>
+          </a:p>
+        </p:txBody>
+      </p:sp>
+    </p:spTree>
+    <p:extLst>
+      <p:ext uri="{BB962C8B-B14F-4D97-AF65-F5344CB8AC3E}">
+        <p14:creationId xmlns:p14="http://schemas.microsoft.com/office/powerpoint/2010/main" val="2090264467"/>
+      </p:ext>
+    </p:extLst>
+  </p:cSld>
+  <p:clrMapOvr>
+    <a:masterClrMapping/>
+  </p:clrMapOvr>
+</p:sld>
+</file>
+
+<file path=ppt/slides/slide4.xml><?xml version="1.0" encoding="utf-8"?>
+<p:sld xmlns:a="http://schemas.openxmlformats.org/drawingml/2006/main" xmlns:r="http://schemas.openxmlformats.org/officeDocument/2006/relationships" xmlns:p="http://schemas.openxmlformats.org/presentationml/2006/main">
+  <p:cSld>
+    <p:spTree>
+      <p:nvGrpSpPr>
+        <p:cNvPr id="1" name=""/>
+        <p:cNvGrpSpPr/>
+        <p:nvPr/>
+      </p:nvGrpSpPr>
+      <p:grpSpPr>
+        <a:xfrm>
+          <a:off x="0" y="0"/>
+          <a:ext cx="0" cy="0"/>
+          <a:chOff x="0" y="0"/>
+          <a:chExt cx="0" cy="0"/>
+        </a:xfrm>
+      </p:grpSpPr>
+      <p:sp>
+        <p:nvSpPr>
+          <p:cNvPr id="5" name="Bouée 4"/>
+          <p:cNvSpPr>
+            <a:spLocks noChangeAspect="1"/>
+          </p:cNvSpPr>
+          <p:nvPr/>
+        </p:nvSpPr>
+        <p:spPr>
+          <a:xfrm>
+            <a:off x="1614253" y="1610484"/>
+            <a:ext cx="15228000" cy="15228000"/>
+          </a:xfrm>
+          <a:prstGeom prst="donut">
+            <a:avLst>
+              <a:gd name="adj" fmla="val 30982"/>
+            </a:avLst>
+          </a:prstGeom>
+          <a:solidFill>
+            <a:schemeClr val="bg1"/>
+          </a:solidFill>
+          <a:ln w="76200" cmpd="sng">
+            <a:noFill/>
+          </a:ln>
+        </p:spPr>
+        <p:style>
+          <a:lnRef idx="1">
+            <a:schemeClr val="accent1"/>
+          </a:lnRef>
+          <a:fillRef idx="3">
+            <a:schemeClr val="accent1"/>
+          </a:fillRef>
+          <a:effectRef idx="2">
+            <a:schemeClr val="accent1"/>
+          </a:effectRef>
+          <a:fontRef idx="minor">
+            <a:schemeClr val="lt1"/>
+          </a:fontRef>
+        </p:style>
+        <p:txBody>
+          <a:bodyPr rtlCol="0" anchor="ctr"/>
+          <a:lstStyle/>
+          <a:p>
+            <a:pPr algn="ctr"/>
+            <a:endParaRPr lang="en-US">
+              <a:solidFill>
+                <a:schemeClr val="tx1"/>
+              </a:solidFill>
+            </a:endParaRPr>
+          </a:p>
+        </p:txBody>
+      </p:sp>
+      <p:pic>
+        <p:nvPicPr>
+          <p:cNvPr id="7" name="Image 6" descr="4cb46pEdi.gif"/>
+          <p:cNvPicPr>
+            <a:picLocks noChangeAspect="1"/>
+          </p:cNvPicPr>
+          <p:nvPr/>
+        </p:nvPicPr>
+        <p:blipFill>
+          <a:blip r:embed="rId2">
+            <a:extLst>
+              <a:ext uri="{28A0092B-C50C-407E-A947-70E740481C1C}">
+                <a14:useLocalDpi xmlns:a14="http://schemas.microsoft.com/office/drawing/2010/main" val="0"/>
+              </a:ext>
+            </a:extLst>
+          </a:blip>
+          <a:stretch>
+            <a:fillRect/>
+          </a:stretch>
+        </p:blipFill>
+        <p:spPr>
+          <a:xfrm rot="16200000">
+            <a:off x="6799069" y="4061837"/>
+            <a:ext cx="6686364" cy="10029547"/>
+          </a:xfrm>
+          <a:prstGeom prst="rect">
+            <a:avLst/>
+          </a:prstGeom>
+          <a:ln>
+            <a:noFill/>
+          </a:ln>
+        </p:spPr>
+      </p:pic>
+      <p:sp>
+        <p:nvSpPr>
+          <p:cNvPr id="2" name="Rectangle 1"/>
+          <p:cNvSpPr>
+            <a:spLocks noChangeAspect="1"/>
+          </p:cNvSpPr>
+          <p:nvPr/>
+        </p:nvSpPr>
+        <p:spPr>
+          <a:xfrm rot="16200000">
+            <a:off x="3277028" y="3277028"/>
+            <a:ext cx="11879995" cy="11879995"/>
+          </a:xfrm>
+          <a:prstGeom prst="rect">
+            <a:avLst/>
+          </a:prstGeom>
+          <a:noFill/>
+        </p:spPr>
+        <p:txBody>
+          <a:bodyPr wrap="none" lIns="210669" tIns="105334" rIns="210669" bIns="105334">
+            <a:prstTxWarp prst="textCircle">
+              <a:avLst>
+                <a:gd name="adj" fmla="val 10946467"/>
+              </a:avLst>
+            </a:prstTxWarp>
+            <a:spAutoFit/>
+          </a:bodyPr>
+          <a:lstStyle/>
+          <a:p>
+            <a:pPr algn="ctr"/>
+            <a:r>
+              <a:rPr lang="en-US" sz="23900" b="1" spc="600" dirty="0" smtClean="0">
+                <a:ln w="12700">
+                  <a:solidFill>
+                    <a:srgbClr val="FFFFFF"/>
+                  </a:solidFill>
+                  <a:prstDash val="solid"/>
+                </a:ln>
+                <a:solidFill>
+                  <a:schemeClr val="accent3">
+                    <a:lumMod val="75000"/>
+                  </a:schemeClr>
+                </a:solidFill>
+              </a:rPr>
+              <a:t>Lower Hand   Lower Hand</a:t>
+            </a:r>
+            <a:endParaRPr lang="en-US" sz="23900" b="1" spc="600" dirty="0">
+              <a:ln w="12700">
+                <a:solidFill>
+                  <a:srgbClr val="FFFFFF"/>
+                </a:solidFill>
+                <a:prstDash val="solid"/>
+              </a:ln>
+              <a:solidFill>
+                <a:schemeClr val="accent3">
+                  <a:lumMod val="75000"/>
+                </a:schemeClr>
+              </a:solidFill>
+            </a:endParaRPr>
+          </a:p>
+        </p:txBody>
+      </p:sp>
+      <p:cxnSp>
+        <p:nvCxnSpPr>
+          <p:cNvPr id="20" name="Connecteur droit 19"/>
+          <p:cNvCxnSpPr>
+            <a:stCxn id="18" idx="1"/>
+            <a:endCxn id="18" idx="5"/>
+          </p:cNvCxnSpPr>
+          <p:nvPr/>
+        </p:nvCxnSpPr>
+        <p:spPr>
+          <a:xfrm>
+            <a:off x="6416883" y="6416882"/>
+            <a:ext cx="5600285" cy="5600286"/>
+          </a:xfrm>
+          <a:prstGeom prst="line">
+            <a:avLst/>
+          </a:prstGeom>
+          <a:ln w="304800">
+            <a:solidFill>
+              <a:schemeClr val="accent4"/>
+            </a:solidFill>
+          </a:ln>
+        </p:spPr>
+        <p:style>
+          <a:lnRef idx="2">
+            <a:schemeClr val="accent1"/>
+          </a:lnRef>
+          <a:fillRef idx="0">
+            <a:schemeClr val="accent1"/>
+          </a:fillRef>
+          <a:effectRef idx="1">
+            <a:schemeClr val="accent1"/>
+          </a:effectRef>
+          <a:fontRef idx="minor">
+            <a:schemeClr val="tx1"/>
+          </a:fontRef>
+        </p:style>
+      </p:cxnSp>
+      <p:sp>
+        <p:nvSpPr>
+          <p:cNvPr id="18" name="Ellipse 17"/>
+          <p:cNvSpPr>
+            <a:spLocks noChangeAspect="1"/>
+          </p:cNvSpPr>
+          <p:nvPr/>
+        </p:nvSpPr>
+        <p:spPr>
+          <a:xfrm>
+            <a:off x="5257026" y="5257025"/>
+            <a:ext cx="7919999" cy="7920000"/>
+          </a:xfrm>
+          <a:prstGeom prst="ellipse">
+            <a:avLst/>
+          </a:prstGeom>
+          <a:noFill/>
+          <a:ln w="304800" cmpd="sng">
+            <a:solidFill>
+              <a:schemeClr val="accent4"/>
+            </a:solidFill>
+          </a:ln>
+        </p:spPr>
+        <p:style>
+          <a:lnRef idx="1">
+            <a:schemeClr val="accent1"/>
+          </a:lnRef>
+          <a:fillRef idx="3">
+            <a:schemeClr val="accent1"/>
+          </a:fillRef>
+          <a:effectRef idx="2">
+            <a:schemeClr val="accent1"/>
+          </a:effectRef>
+          <a:fontRef idx="minor">
+            <a:schemeClr val="lt1"/>
+          </a:fontRef>
+        </p:style>
+        <p:txBody>
+          <a:bodyPr rtlCol="0" anchor="ctr"/>
+          <a:lstStyle/>
+          <a:p>
+            <a:pPr algn="ctr"/>
+            <a:endParaRPr lang="en-US"/>
+          </a:p>
+        </p:txBody>
+      </p:sp>
+    </p:spTree>
+    <p:extLst>
+      <p:ext uri="{BB962C8B-B14F-4D97-AF65-F5344CB8AC3E}">
+        <p14:creationId xmlns:p14="http://schemas.microsoft.com/office/powerpoint/2010/main" val="889738266"/>
+      </p:ext>
+    </p:extLst>
+  </p:cSld>
+  <p:clrMapOvr>
+    <a:masterClrMapping/>
+  </p:clrMapOvr>
+</p:sld>
+</file>
+
+<file path=ppt/slides/slide5.xml><?xml version="1.0" encoding="utf-8"?>
+<p:sld xmlns:a="http://schemas.openxmlformats.org/drawingml/2006/main" xmlns:r="http://schemas.openxmlformats.org/officeDocument/2006/relationships" xmlns:p="http://schemas.openxmlformats.org/presentationml/2006/main">
+  <p:cSld>
+    <p:spTree>
+      <p:nvGrpSpPr>
+        <p:cNvPr id="1" name=""/>
+        <p:cNvGrpSpPr/>
+        <p:nvPr/>
+      </p:nvGrpSpPr>
+      <p:grpSpPr>
+        <a:xfrm>
+          <a:off x="0" y="0"/>
+          <a:ext cx="0" cy="0"/>
+          <a:chOff x="0" y="0"/>
+          <a:chExt cx="0" cy="0"/>
+        </a:xfrm>
+      </p:grpSpPr>
+      <p:sp>
+        <p:nvSpPr>
+          <p:cNvPr id="5" name="Bouée 4"/>
+          <p:cNvSpPr>
+            <a:spLocks noChangeAspect="1"/>
+          </p:cNvSpPr>
+          <p:nvPr/>
+        </p:nvSpPr>
+        <p:spPr>
+          <a:xfrm>
+            <a:off x="1614253" y="1610484"/>
+            <a:ext cx="15228000" cy="15228000"/>
+          </a:xfrm>
+          <a:prstGeom prst="donut">
+            <a:avLst>
+              <a:gd name="adj" fmla="val 30982"/>
+            </a:avLst>
+          </a:prstGeom>
+          <a:solidFill>
+            <a:schemeClr val="bg1"/>
+          </a:solidFill>
+          <a:ln w="76200" cmpd="sng">
+            <a:noFill/>
+          </a:ln>
+        </p:spPr>
+        <p:style>
+          <a:lnRef idx="1">
+            <a:schemeClr val="accent1"/>
+          </a:lnRef>
+          <a:fillRef idx="3">
+            <a:schemeClr val="accent1"/>
+          </a:fillRef>
+          <a:effectRef idx="2">
+            <a:schemeClr val="accent1"/>
+          </a:effectRef>
+          <a:fontRef idx="minor">
+            <a:schemeClr val="lt1"/>
+          </a:fontRef>
+        </p:style>
+        <p:txBody>
+          <a:bodyPr rtlCol="0" anchor="ctr"/>
+          <a:lstStyle/>
+          <a:p>
+            <a:pPr algn="ctr"/>
+            <a:endParaRPr lang="en-US">
+              <a:solidFill>
+                <a:schemeClr val="tx1"/>
+              </a:solidFill>
+            </a:endParaRPr>
+          </a:p>
+        </p:txBody>
+      </p:sp>
+      <p:sp>
+        <p:nvSpPr>
+          <p:cNvPr id="2" name="Rectangle 1"/>
+          <p:cNvSpPr>
+            <a:spLocks noChangeAspect="1"/>
+          </p:cNvSpPr>
+          <p:nvPr/>
+        </p:nvSpPr>
+        <p:spPr>
+          <a:xfrm rot="16200000">
+            <a:off x="3277028" y="3277028"/>
+            <a:ext cx="11879995" cy="11879995"/>
+          </a:xfrm>
+          <a:prstGeom prst="rect">
+            <a:avLst/>
+          </a:prstGeom>
+          <a:noFill/>
+        </p:spPr>
+        <p:txBody>
+          <a:bodyPr wrap="none" lIns="210669" tIns="105334" rIns="210669" bIns="105334">
+            <a:prstTxWarp prst="textCircle">
+              <a:avLst>
+                <a:gd name="adj" fmla="val 11208698"/>
+              </a:avLst>
+            </a:prstTxWarp>
+            <a:spAutoFit/>
+          </a:bodyPr>
+          <a:lstStyle/>
+          <a:p>
+            <a:pPr algn="ctr"/>
+            <a:r>
+              <a:rPr lang="en-US" sz="23900" b="1" spc="-150" dirty="0" smtClean="0">
+                <a:ln w="12700">
+                  <a:solidFill>
+                    <a:srgbClr val="FFFFFF"/>
+                  </a:solidFill>
+                  <a:prstDash val="solid"/>
+                </a:ln>
+                <a:solidFill>
+                  <a:srgbClr val="77933C"/>
+                </a:solidFill>
+              </a:rPr>
+              <a:t>Time to lower hand exceeded.</a:t>
+            </a:r>
+            <a:endParaRPr lang="en-US" sz="23900" b="1" spc="-150" dirty="0">
+              <a:ln w="12700">
+                <a:solidFill>
+                  <a:srgbClr val="FFFFFF"/>
+                </a:solidFill>
+                <a:prstDash val="solid"/>
+              </a:ln>
+              <a:solidFill>
+                <a:srgbClr val="77933C"/>
+              </a:solidFill>
+            </a:endParaRPr>
+          </a:p>
+        </p:txBody>
+      </p:sp>
+      <p:sp>
+        <p:nvSpPr>
+          <p:cNvPr id="3" name="Rectangle 2"/>
+          <p:cNvSpPr>
+            <a:spLocks noChangeAspect="1"/>
+          </p:cNvSpPr>
+          <p:nvPr/>
+        </p:nvSpPr>
+        <p:spPr>
+          <a:xfrm rot="16200000">
+            <a:off x="5257022" y="5257026"/>
+            <a:ext cx="7920006" cy="7919999"/>
+          </a:xfrm>
+          <a:prstGeom prst="rect">
+            <a:avLst/>
+          </a:prstGeom>
+          <a:noFill/>
+        </p:spPr>
+        <p:txBody>
+          <a:bodyPr wrap="none" lIns="210669" tIns="105334" rIns="210669" bIns="105334">
+            <a:prstTxWarp prst="textCircle">
+              <a:avLst>
+                <a:gd name="adj" fmla="val 10916975"/>
+              </a:avLst>
+            </a:prstTxWarp>
+            <a:spAutoFit/>
+          </a:bodyPr>
+          <a:lstStyle/>
+          <a:p>
+            <a:pPr algn="ctr"/>
+            <a:r>
+              <a:rPr lang="en-US" sz="13800" b="1" spc="300" dirty="0" smtClean="0">
+                <a:ln w="12700">
+                  <a:noFill/>
+                  <a:prstDash val="solid"/>
+                </a:ln>
+                <a:solidFill>
+                  <a:schemeClr val="accent1"/>
+                </a:solidFill>
+                <a:effectLst>
+                  <a:outerShdw blurRad="41275" dist="20320" dir="1800000" algn="tl" rotWithShape="0">
+                    <a:srgbClr val="000000">
+                      <a:alpha val="40000"/>
+                    </a:srgbClr>
+                  </a:outerShdw>
+                </a:effectLst>
+              </a:rPr>
+              <a:t> Press </a:t>
+            </a:r>
+            <a:r>
+              <a:rPr lang="en-US" sz="13800" b="1" spc="300" dirty="0">
+                <a:ln w="12700">
+                  <a:noFill/>
+                  <a:prstDash val="solid"/>
+                </a:ln>
+                <a:solidFill>
+                  <a:schemeClr val="accent1"/>
+                </a:solidFill>
+                <a:effectLst>
+                  <a:outerShdw blurRad="41275" dist="20320" dir="1800000" algn="tl" rotWithShape="0">
+                    <a:srgbClr val="000000">
+                      <a:alpha val="40000"/>
+                    </a:srgbClr>
+                  </a:outerShdw>
+                </a:effectLst>
+              </a:rPr>
+              <a:t>a button to continue</a:t>
+            </a:r>
+            <a:r>
+              <a:rPr lang="en-US" sz="13800" b="1" spc="300" dirty="0" smtClean="0">
+                <a:ln w="12700">
+                  <a:noFill/>
+                  <a:prstDash val="solid"/>
+                </a:ln>
+                <a:solidFill>
+                  <a:schemeClr val="accent1"/>
+                </a:solidFill>
+                <a:effectLst>
+                  <a:outerShdw blurRad="41275" dist="20320" dir="1800000" algn="tl" rotWithShape="0">
+                    <a:srgbClr val="000000">
+                      <a:alpha val="40000"/>
+                    </a:srgbClr>
+                  </a:outerShdw>
+                </a:effectLst>
+              </a:rPr>
+              <a:t>.</a:t>
+            </a:r>
+            <a:endParaRPr lang="en-US" sz="13800" b="1" spc="300" dirty="0">
               <a:ln w="12700">
                 <a:noFill/>
                 <a:prstDash val="solid"/>
@@ -3998,7 +7755,7 @@
     </p:spTree>
     <p:extLst>
       <p:ext uri="{BB962C8B-B14F-4D97-AF65-F5344CB8AC3E}">
-        <p14:creationId xmlns:p14="http://schemas.microsoft.com/office/powerpoint/2010/main" val="1908434010"/>
+        <p14:creationId xmlns:p14="http://schemas.microsoft.com/office/powerpoint/2010/main" val="291435061"/>
       </p:ext>
     </p:extLst>
   </p:cSld>
@@ -4008,7 +7765,7 @@
 </p:sld>
 </file>
 
-<file path=ppt/slides/slide11.xml><?xml version="1.0" encoding="utf-8"?>
+<file path=ppt/slides/slide6.xml><?xml version="1.0" encoding="utf-8"?>
 <p:sld xmlns:a="http://schemas.openxmlformats.org/drawingml/2006/main" xmlns:r="http://schemas.openxmlformats.org/officeDocument/2006/relationships" xmlns:p="http://schemas.openxmlformats.org/presentationml/2006/main">
   <p:cSld>
     <p:spTree>
@@ -4077,6 +7834,39 @@
           </a:p>
         </p:txBody>
       </p:sp>
+      <p:pic>
+        <p:nvPicPr>
+          <p:cNvPr id="4" name="Image 3" descr="4cb46pEdi.gif"/>
+          <p:cNvPicPr>
+            <a:picLocks noChangeAspect="1"/>
+          </p:cNvPicPr>
+          <p:nvPr/>
+        </p:nvPicPr>
+        <p:blipFill>
+          <a:blip r:embed="rId2">
+            <a:extLst>
+              <a:ext uri="{28A0092B-C50C-407E-A947-70E740481C1C}">
+                <a14:useLocalDpi xmlns:a14="http://schemas.microsoft.com/office/drawing/2010/main" val="0"/>
+              </a:ext>
+            </a:extLst>
+          </a:blip>
+          <a:stretch>
+            <a:fillRect/>
+          </a:stretch>
+        </p:blipFill>
+        <p:spPr>
+          <a:xfrm rot="16200000">
+            <a:off x="6799069" y="4061837"/>
+            <a:ext cx="6686364" cy="10029547"/>
+          </a:xfrm>
+          <a:prstGeom prst="rect">
+            <a:avLst/>
+          </a:prstGeom>
+          <a:ln>
+            <a:noFill/>
+          </a:ln>
+        </p:spPr>
+      </p:pic>
       <p:sp>
         <p:nvSpPr>
           <p:cNvPr id="2" name="Rectangle 1"/>
@@ -4099,7 +7889,7 @@
           <a:bodyPr wrap="none" lIns="210669" tIns="105334" rIns="210669" bIns="105334">
             <a:prstTxWarp prst="textCircle">
               <a:avLst>
-                <a:gd name="adj" fmla="val 10946467"/>
+                <a:gd name="adj" fmla="val 11354179"/>
               </a:avLst>
             </a:prstTxWarp>
             <a:spAutoFit/>
@@ -4108,7 +7898,7 @@
           <a:p>
             <a:pPr algn="ctr"/>
             <a:r>
-              <a:rPr lang="en-US" sz="23900" b="1" cap="small" spc="600" dirty="0" smtClean="0">
+              <a:rPr lang="en-US" sz="23900" b="1" spc="-300" dirty="0" smtClean="0">
                 <a:ln w="12700">
                   <a:solidFill>
                     <a:srgbClr val="FFFFFF"/>
@@ -4116,12 +7906,12 @@
                   <a:prstDash val="solid"/>
                 </a:ln>
                 <a:solidFill>
-                  <a:schemeClr val="accent2"/>
+                  <a:srgbClr val="77933C"/>
                 </a:solidFill>
               </a:rPr>
-              <a:t>Time limit exceeded.</a:t>
-            </a:r>
-            <a:endParaRPr lang="en-US" sz="23900" b="1" cap="small" spc="600" dirty="0">
+              <a:t>Raise hand and aim at target.</a:t>
+            </a:r>
+            <a:endParaRPr lang="en-US" sz="23900" b="1" spc="-300" dirty="0">
               <a:ln w="12700">
                 <a:solidFill>
                   <a:srgbClr val="FFFFFF"/>
@@ -4129,7 +7919,193 @@
                 <a:prstDash val="solid"/>
               </a:ln>
               <a:solidFill>
-                <a:schemeClr val="accent2"/>
+                <a:srgbClr val="77933C"/>
+              </a:solidFill>
+            </a:endParaRPr>
+          </a:p>
+        </p:txBody>
+      </p:sp>
+      <p:sp>
+        <p:nvSpPr>
+          <p:cNvPr id="18" name="Ellipse 17"/>
+          <p:cNvSpPr>
+            <a:spLocks noChangeAspect="1"/>
+          </p:cNvSpPr>
+          <p:nvPr/>
+        </p:nvSpPr>
+        <p:spPr>
+          <a:xfrm>
+            <a:off x="4897026" y="4897026"/>
+            <a:ext cx="8639998" cy="8639999"/>
+          </a:xfrm>
+          <a:prstGeom prst="ellipse">
+            <a:avLst/>
+          </a:prstGeom>
+          <a:noFill/>
+          <a:ln w="304800" cmpd="sng">
+            <a:solidFill>
+              <a:srgbClr val="008000"/>
+            </a:solidFill>
+          </a:ln>
+        </p:spPr>
+        <p:style>
+          <a:lnRef idx="1">
+            <a:schemeClr val="accent1"/>
+          </a:lnRef>
+          <a:fillRef idx="3">
+            <a:schemeClr val="accent1"/>
+          </a:fillRef>
+          <a:effectRef idx="2">
+            <a:schemeClr val="accent1"/>
+          </a:effectRef>
+          <a:fontRef idx="minor">
+            <a:schemeClr val="lt1"/>
+          </a:fontRef>
+        </p:style>
+        <p:txBody>
+          <a:bodyPr rtlCol="0" anchor="ctr"/>
+          <a:lstStyle/>
+          <a:p>
+            <a:pPr algn="ctr"/>
+            <a:endParaRPr lang="en-US"/>
+          </a:p>
+        </p:txBody>
+      </p:sp>
+    </p:spTree>
+    <p:extLst>
+      <p:ext uri="{BB962C8B-B14F-4D97-AF65-F5344CB8AC3E}">
+        <p14:creationId xmlns:p14="http://schemas.microsoft.com/office/powerpoint/2010/main" val="2779772020"/>
+      </p:ext>
+    </p:extLst>
+  </p:cSld>
+  <p:clrMapOvr>
+    <a:masterClrMapping/>
+  </p:clrMapOvr>
+</p:sld>
+</file>
+
+<file path=ppt/slides/slide7.xml><?xml version="1.0" encoding="utf-8"?>
+<p:sld xmlns:a="http://schemas.openxmlformats.org/drawingml/2006/main" xmlns:r="http://schemas.openxmlformats.org/officeDocument/2006/relationships" xmlns:p="http://schemas.openxmlformats.org/presentationml/2006/main">
+  <p:cSld>
+    <p:spTree>
+      <p:nvGrpSpPr>
+        <p:cNvPr id="1" name=""/>
+        <p:cNvGrpSpPr/>
+        <p:nvPr/>
+      </p:nvGrpSpPr>
+      <p:grpSpPr>
+        <a:xfrm>
+          <a:off x="0" y="0"/>
+          <a:ext cx="0" cy="0"/>
+          <a:chOff x="0" y="0"/>
+          <a:chExt cx="0" cy="0"/>
+        </a:xfrm>
+      </p:grpSpPr>
+      <p:sp>
+        <p:nvSpPr>
+          <p:cNvPr id="5" name="Bouée 4"/>
+          <p:cNvSpPr>
+            <a:spLocks noChangeAspect="1"/>
+          </p:cNvSpPr>
+          <p:nvPr/>
+        </p:nvSpPr>
+        <p:spPr>
+          <a:xfrm>
+            <a:off x="1614253" y="1610484"/>
+            <a:ext cx="15228000" cy="15228000"/>
+          </a:xfrm>
+          <a:prstGeom prst="donut">
+            <a:avLst>
+              <a:gd name="adj" fmla="val 30982"/>
+            </a:avLst>
+          </a:prstGeom>
+          <a:solidFill>
+            <a:schemeClr val="bg1"/>
+          </a:solidFill>
+          <a:ln w="76200" cmpd="sng">
+            <a:noFill/>
+          </a:ln>
+        </p:spPr>
+        <p:style>
+          <a:lnRef idx="1">
+            <a:schemeClr val="accent1"/>
+          </a:lnRef>
+          <a:fillRef idx="3">
+            <a:schemeClr val="accent1"/>
+          </a:fillRef>
+          <a:effectRef idx="2">
+            <a:schemeClr val="accent1"/>
+          </a:effectRef>
+          <a:fontRef idx="minor">
+            <a:schemeClr val="lt1"/>
+          </a:fontRef>
+        </p:style>
+        <p:txBody>
+          <a:bodyPr rtlCol="0" anchor="ctr"/>
+          <a:lstStyle/>
+          <a:p>
+            <a:pPr algn="ctr"/>
+            <a:endParaRPr lang="en-US">
+              <a:solidFill>
+                <a:schemeClr val="tx1"/>
+              </a:solidFill>
+            </a:endParaRPr>
+          </a:p>
+        </p:txBody>
+      </p:sp>
+      <p:sp>
+        <p:nvSpPr>
+          <p:cNvPr id="2" name="Rectangle 1"/>
+          <p:cNvSpPr>
+            <a:spLocks noChangeAspect="1"/>
+          </p:cNvSpPr>
+          <p:nvPr/>
+        </p:nvSpPr>
+        <p:spPr>
+          <a:xfrm rot="16200000">
+            <a:off x="3277028" y="3277028"/>
+            <a:ext cx="11879995" cy="11879995"/>
+          </a:xfrm>
+          <a:prstGeom prst="rect">
+            <a:avLst/>
+          </a:prstGeom>
+          <a:noFill/>
+        </p:spPr>
+        <p:txBody>
+          <a:bodyPr wrap="none" lIns="210669" tIns="105334" rIns="210669" bIns="105334">
+            <a:prstTxWarp prst="textCircle">
+              <a:avLst>
+                <a:gd name="adj" fmla="val 11458057"/>
+              </a:avLst>
+            </a:prstTxWarp>
+            <a:spAutoFit/>
+          </a:bodyPr>
+          <a:lstStyle/>
+          <a:p>
+            <a:pPr algn="ctr"/>
+            <a:r>
+              <a:rPr lang="en-US" sz="23900" b="1" spc="600" dirty="0" smtClean="0">
+                <a:ln w="12700">
+                  <a:solidFill>
+                    <a:srgbClr val="FFFFFF"/>
+                  </a:solidFill>
+                  <a:prstDash val="solid"/>
+                </a:ln>
+                <a:solidFill>
+                  <a:srgbClr val="77933C"/>
+                </a:solidFill>
+              </a:rPr>
+              <a:t>Time to raise hand exceeded.</a:t>
+            </a:r>
+            <a:endParaRPr lang="en-US" sz="23900" b="1" spc="600" dirty="0">
+              <a:ln w="12700">
+                <a:solidFill>
+                  <a:srgbClr val="FFFFFF"/>
+                </a:solidFill>
+                <a:prstDash val="solid"/>
+              </a:ln>
+              <a:solidFill>
+                <a:srgbClr val="77933C"/>
               </a:solidFill>
             </a:endParaRPr>
           </a:p>
@@ -4166,7 +8142,7 @@
           <a:p>
             <a:pPr algn="ctr"/>
             <a:r>
-              <a:rPr lang="en-US" sz="13800" b="1" cap="small" spc="300" dirty="0" smtClean="0">
+              <a:rPr lang="en-US" sz="13800" b="1" spc="300" dirty="0" smtClean="0">
                 <a:ln w="12700">
                   <a:noFill/>
                   <a:prstDash val="solid"/>
@@ -4185,7 +8161,7 @@
               <a:t> Press </a:t>
             </a:r>
             <a:r>
-              <a:rPr lang="en-US" sz="13800" b="1" cap="small" spc="300" dirty="0">
+              <a:rPr lang="en-US" sz="13800" b="1" spc="300" dirty="0">
                 <a:ln w="12700">
                   <a:noFill/>
                   <a:prstDash val="solid"/>
@@ -4204,7 +8180,7 @@
               <a:t>a button to continue</a:t>
             </a:r>
             <a:r>
-              <a:rPr lang="en-US" sz="13800" b="1" cap="small" spc="300" dirty="0" smtClean="0">
+              <a:rPr lang="en-US" sz="13800" b="1" spc="300" dirty="0" smtClean="0">
                 <a:ln w="12700">
                   <a:noFill/>
                   <a:prstDash val="solid"/>
@@ -4222,7 +8198,7 @@
               </a:rPr>
               <a:t>.</a:t>
             </a:r>
-            <a:endParaRPr lang="en-US" sz="13800" b="1" cap="small" spc="300" dirty="0">
+            <a:endParaRPr lang="en-US" sz="13800" b="1" spc="300" dirty="0">
               <a:ln w="12700">
                 <a:noFill/>
                 <a:prstDash val="solid"/>
@@ -4730,7 +8706,7 @@
     </p:spTree>
     <p:extLst>
       <p:ext uri="{BB962C8B-B14F-4D97-AF65-F5344CB8AC3E}">
-        <p14:creationId xmlns:p14="http://schemas.microsoft.com/office/powerpoint/2010/main" val="2090264467"/>
+        <p14:creationId xmlns:p14="http://schemas.microsoft.com/office/powerpoint/2010/main" val="193441351"/>
       </p:ext>
     </p:extLst>
   </p:cSld>
@@ -4740,7 +8716,7 @@
 </p:sld>
 </file>
 
-<file path=ppt/slides/slide12.xml><?xml version="1.0" encoding="utf-8"?>
+<file path=ppt/slides/slide8.xml><?xml version="1.0" encoding="utf-8"?>
 <p:sld xmlns:a="http://schemas.openxmlformats.org/drawingml/2006/main" xmlns:r="http://schemas.openxmlformats.org/officeDocument/2006/relationships" xmlns:p="http://schemas.openxmlformats.org/presentationml/2006/main">
   <p:cSld>
     <p:spTree>
@@ -4831,7 +8807,7 @@
           <a:bodyPr wrap="none" lIns="210669" tIns="105334" rIns="210669" bIns="105334">
             <a:prstTxWarp prst="textCircle">
               <a:avLst>
-                <a:gd name="adj" fmla="val 10946467"/>
+                <a:gd name="adj" fmla="val 11160012"/>
               </a:avLst>
             </a:prstTxWarp>
             <a:spAutoFit/>
@@ -4840,7 +8816,7 @@
           <a:p>
             <a:pPr algn="ctr"/>
             <a:r>
-              <a:rPr lang="en-US" sz="23900" b="1" cap="small" dirty="0" smtClean="0">
+              <a:rPr lang="en-US" sz="23900" b="1" spc="600" dirty="0" smtClean="0">
                 <a:ln w="12700">
                   <a:solidFill>
                     <a:srgbClr val="FFFFFF"/>
@@ -4848,12 +8824,82 @@
                   <a:prstDash val="solid"/>
                 </a:ln>
                 <a:solidFill>
-                  <a:schemeClr val="accent2"/>
+                  <a:srgbClr val="77933C"/>
                 </a:solidFill>
               </a:rPr>
-              <a:t>Time to rotate hand exceeded.</a:t>
-            </a:r>
-            <a:endParaRPr lang="en-US" sz="23900" b="1" cap="small" dirty="0">
+              <a:t>Head </a:t>
+            </a:r>
+            <a:r>
+              <a:rPr lang="en-US" sz="23900" b="1" spc="600" dirty="0">
+                <a:ln w="12700">
+                  <a:solidFill>
+                    <a:srgbClr val="FFFFFF"/>
+                  </a:solidFill>
+                  <a:prstDash val="solid"/>
+                </a:ln>
+                <a:solidFill>
+                  <a:srgbClr val="77933C"/>
+                </a:solidFill>
+              </a:rPr>
+              <a:t>t</a:t>
+            </a:r>
+            <a:r>
+              <a:rPr lang="en-US" sz="800" b="1" spc="600" dirty="0">
+                <a:ln w="12700">
+                  <a:solidFill>
+                    <a:srgbClr val="FFFFFF"/>
+                  </a:solidFill>
+                  <a:prstDash val="solid"/>
+                </a:ln>
+                <a:solidFill>
+                  <a:srgbClr val="77933C"/>
+                </a:solidFill>
+              </a:rPr>
+              <a:t> </a:t>
+            </a:r>
+            <a:r>
+              <a:rPr lang="en-US" sz="23900" b="1" spc="600" dirty="0" err="1" smtClean="0">
+                <a:ln w="12700">
+                  <a:solidFill>
+                    <a:srgbClr val="FFFFFF"/>
+                  </a:solidFill>
+                  <a:prstDash val="solid"/>
+                </a:ln>
+                <a:solidFill>
+                  <a:srgbClr val="77933C"/>
+                </a:solidFill>
+              </a:rPr>
+              <a:t>ilt</a:t>
+            </a:r>
+            <a:r>
+              <a:rPr lang="en-US" sz="23900" b="1" spc="600" dirty="0" smtClean="0">
+                <a:ln w="12700">
+                  <a:solidFill>
+                    <a:srgbClr val="FFFFFF"/>
+                  </a:solidFill>
+                  <a:prstDash val="solid"/>
+                </a:ln>
+                <a:solidFill>
+                  <a:srgbClr val="77933C"/>
+                </a:solidFill>
+              </a:rPr>
+              <a:t> not </a:t>
+            </a:r>
+            <a:r>
+              <a:rPr lang="en-US" sz="23900" b="1" spc="600" dirty="0" smtClean="0">
+                <a:ln w="12700">
+                  <a:solidFill>
+                    <a:srgbClr val="FFFFFF"/>
+                  </a:solidFill>
+                  <a:prstDash val="solid"/>
+                </a:ln>
+                <a:solidFill>
+                  <a:srgbClr val="77933C"/>
+                </a:solidFill>
+              </a:rPr>
+              <a:t>maintained.</a:t>
+            </a:r>
+            <a:endParaRPr lang="en-US" sz="23900" b="1" spc="600" dirty="0">
               <a:ln w="12700">
                 <a:solidFill>
                   <a:srgbClr val="FFFFFF"/>
@@ -4861,7 +8907,7 @@
                 <a:prstDash val="solid"/>
               </a:ln>
               <a:solidFill>
-                <a:schemeClr val="accent2"/>
+                <a:srgbClr val="77933C"/>
               </a:solidFill>
             </a:endParaRPr>
           </a:p>
@@ -4898,7 +8944,7 @@
           <a:p>
             <a:pPr algn="ctr"/>
             <a:r>
-              <a:rPr lang="en-US" sz="13800" b="1" cap="small" spc="300" dirty="0" smtClean="0">
+              <a:rPr lang="en-US" sz="13800" b="1" spc="300" dirty="0" smtClean="0">
                 <a:ln w="12700">
                   <a:noFill/>
                   <a:prstDash val="solid"/>
@@ -4917,7 +8963,7 @@
               <a:t> Press </a:t>
             </a:r>
             <a:r>
-              <a:rPr lang="en-US" sz="13800" b="1" cap="small" spc="300" dirty="0">
+              <a:rPr lang="en-US" sz="13800" b="1" spc="300" dirty="0">
                 <a:ln w="12700">
                   <a:noFill/>
                   <a:prstDash val="solid"/>
@@ -4936,7 +8982,7 @@
               <a:t>a button to continue</a:t>
             </a:r>
             <a:r>
-              <a:rPr lang="en-US" sz="13800" b="1" cap="small" spc="300" dirty="0" smtClean="0">
+              <a:rPr lang="en-US" sz="13800" b="1" spc="300" dirty="0" smtClean="0">
                 <a:ln w="12700">
                   <a:noFill/>
                   <a:prstDash val="solid"/>
@@ -4954,7 +9000,345 @@
               </a:rPr>
               <a:t>.</a:t>
             </a:r>
-            <a:endParaRPr lang="en-US" sz="13800" b="1" cap="small" spc="300" dirty="0">
+            <a:endParaRPr lang="en-US" sz="13800" b="1" spc="300" dirty="0">
+              <a:ln w="12700">
+                <a:noFill/>
+                <a:prstDash val="solid"/>
+              </a:ln>
+              <a:solidFill>
+                <a:schemeClr val="accent1"/>
+              </a:solidFill>
+              <a:effectLst>
+                <a:outerShdw blurRad="41275" dist="20320" dir="1800000" algn="tl" rotWithShape="0">
+                  <a:srgbClr val="000000">
+                    <a:alpha val="40000"/>
+                  </a:srgbClr>
+                </a:outerShdw>
+              </a:effectLst>
+            </a:endParaRPr>
+          </a:p>
+        </p:txBody>
+      </p:sp>
+    </p:spTree>
+    <p:extLst>
+      <p:ext uri="{BB962C8B-B14F-4D97-AF65-F5344CB8AC3E}">
+        <p14:creationId xmlns:p14="http://schemas.microsoft.com/office/powerpoint/2010/main" val="2090264467"/>
+      </p:ext>
+    </p:extLst>
+  </p:cSld>
+  <p:clrMapOvr>
+    <a:masterClrMapping/>
+  </p:clrMapOvr>
+</p:sld>
+</file>
+
+<file path=ppt/slides/slide9.xml><?xml version="1.0" encoding="utf-8"?>
+<p:sld xmlns:a="http://schemas.openxmlformats.org/drawingml/2006/main" xmlns:r="http://schemas.openxmlformats.org/officeDocument/2006/relationships" xmlns:p="http://schemas.openxmlformats.org/presentationml/2006/main">
+  <p:cSld>
+    <p:spTree>
+      <p:nvGrpSpPr>
+        <p:cNvPr id="1" name=""/>
+        <p:cNvGrpSpPr/>
+        <p:nvPr/>
+      </p:nvGrpSpPr>
+      <p:grpSpPr>
+        <a:xfrm>
+          <a:off x="0" y="0"/>
+          <a:ext cx="0" cy="0"/>
+          <a:chOff x="0" y="0"/>
+          <a:chExt cx="0" cy="0"/>
+        </a:xfrm>
+      </p:grpSpPr>
+      <p:sp>
+        <p:nvSpPr>
+          <p:cNvPr id="5" name="Bouée 4"/>
+          <p:cNvSpPr>
+            <a:spLocks noChangeAspect="1"/>
+          </p:cNvSpPr>
+          <p:nvPr/>
+        </p:nvSpPr>
+        <p:spPr>
+          <a:xfrm>
+            <a:off x="1614253" y="1610484"/>
+            <a:ext cx="15228000" cy="15228000"/>
+          </a:xfrm>
+          <a:prstGeom prst="donut">
+            <a:avLst>
+              <a:gd name="adj" fmla="val 30982"/>
+            </a:avLst>
+          </a:prstGeom>
+          <a:solidFill>
+            <a:schemeClr val="bg1"/>
+          </a:solidFill>
+          <a:ln w="76200" cmpd="sng">
+            <a:noFill/>
+          </a:ln>
+        </p:spPr>
+        <p:style>
+          <a:lnRef idx="1">
+            <a:schemeClr val="accent1"/>
+          </a:lnRef>
+          <a:fillRef idx="3">
+            <a:schemeClr val="accent1"/>
+          </a:fillRef>
+          <a:effectRef idx="2">
+            <a:schemeClr val="accent1"/>
+          </a:effectRef>
+          <a:fontRef idx="minor">
+            <a:schemeClr val="lt1"/>
+          </a:fontRef>
+        </p:style>
+        <p:txBody>
+          <a:bodyPr rtlCol="0" anchor="ctr"/>
+          <a:lstStyle/>
+          <a:p>
+            <a:pPr algn="ctr"/>
+            <a:endParaRPr lang="en-US" dirty="0">
+              <a:solidFill>
+                <a:schemeClr val="tx1"/>
+              </a:solidFill>
+            </a:endParaRPr>
+          </a:p>
+        </p:txBody>
+      </p:sp>
+      <p:sp>
+        <p:nvSpPr>
+          <p:cNvPr id="2" name="Rectangle 1"/>
+          <p:cNvSpPr>
+            <a:spLocks noChangeAspect="1"/>
+          </p:cNvSpPr>
+          <p:nvPr/>
+        </p:nvSpPr>
+        <p:spPr>
+          <a:xfrm rot="16200000">
+            <a:off x="3277028" y="3309590"/>
+            <a:ext cx="11879995" cy="11879995"/>
+          </a:xfrm>
+          <a:prstGeom prst="rect">
+            <a:avLst/>
+          </a:prstGeom>
+          <a:noFill/>
+        </p:spPr>
+        <p:txBody>
+          <a:bodyPr wrap="none" lIns="210669" tIns="105334" rIns="210669" bIns="105334">
+            <a:prstTxWarp prst="textCircle">
+              <a:avLst>
+                <a:gd name="adj" fmla="val 11447183"/>
+              </a:avLst>
+            </a:prstTxWarp>
+            <a:spAutoFit/>
+          </a:bodyPr>
+          <a:lstStyle/>
+          <a:p>
+            <a:pPr algn="ctr"/>
+            <a:r>
+              <a:rPr lang="en-US" sz="23900" b="1" spc="600" dirty="0" smtClean="0">
+                <a:ln w="12700">
+                  <a:solidFill>
+                    <a:srgbClr val="FFFFFF"/>
+                  </a:solidFill>
+                  <a:prstDash val="solid"/>
+                </a:ln>
+                <a:solidFill>
+                  <a:schemeClr val="accent3">
+                    <a:lumMod val="75000"/>
+                  </a:schemeClr>
+                </a:solidFill>
+              </a:rPr>
+              <a:t>Time to </a:t>
+            </a:r>
+            <a:r>
+              <a:rPr lang="en-US" sz="23900" b="1" spc="600" dirty="0">
+                <a:ln w="12700">
+                  <a:solidFill>
+                    <a:srgbClr val="FFFFFF"/>
+                  </a:solidFill>
+                  <a:prstDash val="solid"/>
+                </a:ln>
+                <a:solidFill>
+                  <a:srgbClr val="77933C"/>
+                </a:solidFill>
+              </a:rPr>
+              <a:t>t</a:t>
+            </a:r>
+            <a:r>
+              <a:rPr lang="en-US" sz="800" b="1" spc="600" dirty="0">
+                <a:ln w="12700">
+                  <a:solidFill>
+                    <a:srgbClr val="FFFFFF"/>
+                  </a:solidFill>
+                  <a:prstDash val="solid"/>
+                </a:ln>
+                <a:solidFill>
+                  <a:srgbClr val="77933C"/>
+                </a:solidFill>
+              </a:rPr>
+              <a:t> </a:t>
+            </a:r>
+            <a:r>
+              <a:rPr lang="en-US" sz="23900" b="1" spc="600" dirty="0" err="1" smtClean="0">
+                <a:ln w="12700">
+                  <a:solidFill>
+                    <a:srgbClr val="FFFFFF"/>
+                  </a:solidFill>
+                  <a:prstDash val="solid"/>
+                </a:ln>
+                <a:solidFill>
+                  <a:srgbClr val="77933C"/>
+                </a:solidFill>
+              </a:rPr>
+              <a:t>ilt</a:t>
+            </a:r>
+            <a:r>
+              <a:rPr lang="en-US" sz="23900" b="1" spc="600" dirty="0" smtClean="0">
+                <a:ln w="12700">
+                  <a:solidFill>
+                    <a:srgbClr val="FFFFFF"/>
+                  </a:solidFill>
+                  <a:prstDash val="solid"/>
+                </a:ln>
+                <a:solidFill>
+                  <a:srgbClr val="77933C"/>
+                </a:solidFill>
+              </a:rPr>
+              <a:t> </a:t>
+            </a:r>
+            <a:r>
+              <a:rPr lang="en-US" sz="23900" b="1" spc="600" dirty="0" smtClean="0">
+                <a:ln w="12700">
+                  <a:solidFill>
+                    <a:srgbClr val="FFFFFF"/>
+                  </a:solidFill>
+                  <a:prstDash val="solid"/>
+                </a:ln>
+                <a:solidFill>
+                  <a:schemeClr val="accent3">
+                    <a:lumMod val="75000"/>
+                  </a:schemeClr>
+                </a:solidFill>
+              </a:rPr>
+              <a:t>head </a:t>
+            </a:r>
+            <a:r>
+              <a:rPr lang="en-US" sz="23900" b="1" spc="600" dirty="0" smtClean="0">
+                <a:ln w="12700">
+                  <a:solidFill>
+                    <a:srgbClr val="FFFFFF"/>
+                  </a:solidFill>
+                  <a:prstDash val="solid"/>
+                </a:ln>
+                <a:solidFill>
+                  <a:schemeClr val="accent3">
+                    <a:lumMod val="75000"/>
+                  </a:schemeClr>
+                </a:solidFill>
+              </a:rPr>
+              <a:t>exceeded.</a:t>
+            </a:r>
+            <a:endParaRPr lang="en-US" sz="23900" b="1" spc="600" dirty="0">
+              <a:ln w="12700">
+                <a:solidFill>
+                  <a:srgbClr val="FFFFFF"/>
+                </a:solidFill>
+                <a:prstDash val="solid"/>
+              </a:ln>
+              <a:solidFill>
+                <a:schemeClr val="accent3">
+                  <a:lumMod val="75000"/>
+                </a:schemeClr>
+              </a:solidFill>
+            </a:endParaRPr>
+          </a:p>
+        </p:txBody>
+      </p:sp>
+      <p:sp>
+        <p:nvSpPr>
+          <p:cNvPr id="3" name="Rectangle 2"/>
+          <p:cNvSpPr>
+            <a:spLocks noChangeAspect="1"/>
+          </p:cNvSpPr>
+          <p:nvPr/>
+        </p:nvSpPr>
+        <p:spPr>
+          <a:xfrm rot="16200000">
+            <a:off x="5257022" y="5257026"/>
+            <a:ext cx="7920006" cy="7919999"/>
+          </a:xfrm>
+          <a:prstGeom prst="rect">
+            <a:avLst/>
+          </a:prstGeom>
+          <a:noFill/>
+        </p:spPr>
+        <p:txBody>
+          <a:bodyPr wrap="none" lIns="210669" tIns="105334" rIns="210669" bIns="105334">
+            <a:prstTxWarp prst="textCircle">
+              <a:avLst>
+                <a:gd name="adj" fmla="val 10916975"/>
+              </a:avLst>
+            </a:prstTxWarp>
+            <a:spAutoFit/>
+          </a:bodyPr>
+          <a:lstStyle/>
+          <a:p>
+            <a:pPr algn="ctr"/>
+            <a:r>
+              <a:rPr lang="en-US" sz="13800" b="1" spc="300" dirty="0" smtClean="0">
+                <a:ln w="12700">
+                  <a:noFill/>
+                  <a:prstDash val="solid"/>
+                </a:ln>
+                <a:solidFill>
+                  <a:schemeClr val="accent1"/>
+                </a:solidFill>
+                <a:effectLst>
+                  <a:outerShdw blurRad="41275" dist="20320" dir="1800000" algn="tl" rotWithShape="0">
+                    <a:srgbClr val="000000">
+                      <a:alpha val="40000"/>
+                    </a:srgbClr>
+                  </a:outerShdw>
+                </a:effectLst>
+              </a:rPr>
+              <a:t> Press </a:t>
+            </a:r>
+            <a:r>
+              <a:rPr lang="en-US" sz="13800" b="1" spc="300" dirty="0">
+                <a:ln w="12700">
+                  <a:noFill/>
+                  <a:prstDash val="solid"/>
+                </a:ln>
+                <a:solidFill>
+                  <a:schemeClr val="accent1"/>
+                </a:solidFill>
+                <a:effectLst>
+                  <a:outerShdw blurRad="41275" dist="20320" dir="1800000" algn="tl" rotWithShape="0">
+                    <a:srgbClr val="000000">
+                      <a:alpha val="40000"/>
+                    </a:srgbClr>
+                  </a:outerShdw>
+                </a:effectLst>
+              </a:rPr>
+              <a:t>a button to continue</a:t>
+            </a:r>
+            <a:r>
+              <a:rPr lang="en-US" sz="13800" b="1" spc="300" dirty="0" smtClean="0">
+                <a:ln w="12700">
+                  <a:noFill/>
+                  <a:prstDash val="solid"/>
+                </a:ln>
+                <a:solidFill>
+                  <a:schemeClr val="accent1"/>
+                </a:solidFill>
+                <a:effectLst>
+                  <a:outerShdw blurRad="41275" dist="20320" dir="1800000" algn="tl" rotWithShape="0">
+                    <a:srgbClr val="000000">
+                      <a:alpha val="40000"/>
+                    </a:srgbClr>
+                  </a:outerShdw>
+                </a:effectLst>
+              </a:rPr>
+              <a:t>.</a:t>
+            </a:r>
+            <a:endParaRPr lang="en-US" sz="13800" b="1" spc="300" dirty="0">
               <a:ln w="12700">
                 <a:noFill/>
                 <a:prstDash val="solid"/>
@@ -5035,7 +9419,7 @@
             <a:lstStyle/>
             <a:p>
               <a:pPr algn="ctr"/>
-              <a:endParaRPr lang="en-US"/>
+              <a:endParaRPr lang="en-US" dirty="0"/>
             </a:p>
           </p:txBody>
         </p:sp>
@@ -5086,7 +9470,7 @@
             <a:lstStyle/>
             <a:p>
               <a:pPr algn="ctr"/>
-              <a:endParaRPr lang="en-US">
+              <a:endParaRPr lang="en-US" dirty="0">
                 <a:solidFill>
                   <a:schemeClr val="tx1"/>
                 </a:solidFill>
@@ -5188,7 +9572,7 @@
               <a:lstStyle/>
               <a:p>
                 <a:pPr algn="ctr"/>
-                <a:endParaRPr lang="en-US"/>
+                <a:endParaRPr lang="en-US" dirty="0"/>
               </a:p>
             </p:txBody>
           </p:sp>
@@ -5236,7 +9620,7 @@
               <a:lstStyle/>
               <a:p>
                 <a:pPr algn="ctr"/>
-                <a:endParaRPr lang="en-US"/>
+                <a:endParaRPr lang="en-US" dirty="0"/>
               </a:p>
             </p:txBody>
           </p:sp>
@@ -5284,7 +9668,7 @@
               <a:lstStyle/>
               <a:p>
                 <a:pPr algn="ctr"/>
-                <a:endParaRPr lang="en-US">
+                <a:endParaRPr lang="en-US" dirty="0">
                   <a:ln w="38100" cmpd="sng">
                     <a:solidFill>
                       <a:srgbClr val="000000"/>
@@ -5351,7 +9735,7 @@
               <a:lstStyle/>
               <a:p>
                 <a:pPr algn="ctr"/>
-                <a:endParaRPr lang="en-US"/>
+                <a:endParaRPr lang="en-US" dirty="0"/>
               </a:p>
             </p:txBody>
           </p:sp>
@@ -5399,7 +9783,7 @@
               <a:lstStyle/>
               <a:p>
                 <a:pPr algn="ctr"/>
-                <a:endParaRPr lang="en-US"/>
+                <a:endParaRPr lang="en-US" dirty="0"/>
               </a:p>
             </p:txBody>
           </p:sp>
@@ -5447,4125 +9831,7 @@
               <a:lstStyle/>
               <a:p>
                 <a:pPr algn="ctr"/>
-                <a:endParaRPr lang="en-US">
-                  <a:ln w="38100" cmpd="sng">
-                    <a:solidFill>
-                      <a:srgbClr val="000000"/>
-                    </a:solidFill>
-                  </a:ln>
-                </a:endParaRPr>
-              </a:p>
-            </p:txBody>
-          </p:sp>
-        </p:grpSp>
-      </p:grpSp>
-    </p:spTree>
-    <p:extLst>
-      <p:ext uri="{BB962C8B-B14F-4D97-AF65-F5344CB8AC3E}">
-        <p14:creationId xmlns:p14="http://schemas.microsoft.com/office/powerpoint/2010/main" val="152836515"/>
-      </p:ext>
-    </p:extLst>
-  </p:cSld>
-  <p:clrMapOvr>
-    <a:masterClrMapping/>
-  </p:clrMapOvr>
-</p:sld>
-</file>
-
-<file path=ppt/slides/slide13.xml><?xml version="1.0" encoding="utf-8"?>
-<p:sld xmlns:a="http://schemas.openxmlformats.org/drawingml/2006/main" xmlns:r="http://schemas.openxmlformats.org/officeDocument/2006/relationships" xmlns:p="http://schemas.openxmlformats.org/presentationml/2006/main">
-  <p:cSld>
-    <p:spTree>
-      <p:nvGrpSpPr>
-        <p:cNvPr id="1" name=""/>
-        <p:cNvGrpSpPr/>
-        <p:nvPr/>
-      </p:nvGrpSpPr>
-      <p:grpSpPr>
-        <a:xfrm>
-          <a:off x="0" y="0"/>
-          <a:ext cx="0" cy="0"/>
-          <a:chOff x="0" y="0"/>
-          <a:chExt cx="0" cy="0"/>
-        </a:xfrm>
-      </p:grpSpPr>
-      <p:sp>
-        <p:nvSpPr>
-          <p:cNvPr id="5" name="Bouée 4"/>
-          <p:cNvSpPr>
-            <a:spLocks noChangeAspect="1"/>
-          </p:cNvSpPr>
-          <p:nvPr/>
-        </p:nvSpPr>
-        <p:spPr>
-          <a:xfrm>
-            <a:off x="1614253" y="1610484"/>
-            <a:ext cx="15228000" cy="15228000"/>
-          </a:xfrm>
-          <a:prstGeom prst="donut">
-            <a:avLst>
-              <a:gd name="adj" fmla="val 30982"/>
-            </a:avLst>
-          </a:prstGeom>
-          <a:solidFill>
-            <a:schemeClr val="bg1"/>
-          </a:solidFill>
-          <a:ln w="76200" cmpd="sng">
-            <a:noFill/>
-          </a:ln>
-        </p:spPr>
-        <p:style>
-          <a:lnRef idx="1">
-            <a:schemeClr val="accent1"/>
-          </a:lnRef>
-          <a:fillRef idx="3">
-            <a:schemeClr val="accent1"/>
-          </a:fillRef>
-          <a:effectRef idx="2">
-            <a:schemeClr val="accent1"/>
-          </a:effectRef>
-          <a:fontRef idx="minor">
-            <a:schemeClr val="lt1"/>
-          </a:fontRef>
-        </p:style>
-        <p:txBody>
-          <a:bodyPr rtlCol="0" anchor="ctr"/>
-          <a:lstStyle/>
-          <a:p>
-            <a:pPr algn="ctr"/>
-            <a:endParaRPr lang="en-US">
-              <a:solidFill>
-                <a:schemeClr val="tx1"/>
-              </a:solidFill>
-            </a:endParaRPr>
-          </a:p>
-        </p:txBody>
-      </p:sp>
-      <p:sp>
-        <p:nvSpPr>
-          <p:cNvPr id="2" name="Rectangle 1"/>
-          <p:cNvSpPr>
-            <a:spLocks noChangeAspect="1"/>
-          </p:cNvSpPr>
-          <p:nvPr/>
-        </p:nvSpPr>
-        <p:spPr>
-          <a:xfrm rot="16200000">
-            <a:off x="3277028" y="3277028"/>
-            <a:ext cx="11879995" cy="11879995"/>
-          </a:xfrm>
-          <a:prstGeom prst="rect">
-            <a:avLst/>
-          </a:prstGeom>
-          <a:noFill/>
-        </p:spPr>
-        <p:txBody>
-          <a:bodyPr wrap="none" lIns="210669" tIns="105334" rIns="210669" bIns="105334">
-            <a:prstTxWarp prst="textCircle">
-              <a:avLst>
-                <a:gd name="adj" fmla="val 10946467"/>
-              </a:avLst>
-            </a:prstTxWarp>
-            <a:spAutoFit/>
-          </a:bodyPr>
-          <a:lstStyle/>
-          <a:p>
-            <a:pPr algn="ctr"/>
-            <a:r>
-              <a:rPr lang="en-US" sz="23900" b="1" cap="small" spc="600" dirty="0" smtClean="0">
-                <a:ln w="12700">
-                  <a:solidFill>
-                    <a:srgbClr val="FFFFFF"/>
-                  </a:solidFill>
-                  <a:prstDash val="solid"/>
-                </a:ln>
-                <a:solidFill>
-                  <a:schemeClr val="accent2"/>
-                </a:solidFill>
-              </a:rPr>
-              <a:t>Hand raised too soon.</a:t>
-            </a:r>
-            <a:endParaRPr lang="en-US" sz="23900" b="1" cap="small" spc="600" dirty="0">
-              <a:ln w="12700">
-                <a:solidFill>
-                  <a:srgbClr val="FFFFFF"/>
-                </a:solidFill>
-                <a:prstDash val="solid"/>
-              </a:ln>
-              <a:solidFill>
-                <a:schemeClr val="accent2"/>
-              </a:solidFill>
-            </a:endParaRPr>
-          </a:p>
-        </p:txBody>
-      </p:sp>
-      <p:sp>
-        <p:nvSpPr>
-          <p:cNvPr id="7" name="Rectangle 6"/>
-          <p:cNvSpPr>
-            <a:spLocks noChangeAspect="1"/>
-          </p:cNvSpPr>
-          <p:nvPr/>
-        </p:nvSpPr>
-        <p:spPr>
-          <a:xfrm rot="16200000">
-            <a:off x="5257022" y="5257026"/>
-            <a:ext cx="7920006" cy="7919999"/>
-          </a:xfrm>
-          <a:prstGeom prst="rect">
-            <a:avLst/>
-          </a:prstGeom>
-          <a:noFill/>
-        </p:spPr>
-        <p:txBody>
-          <a:bodyPr wrap="none" lIns="210669" tIns="105334" rIns="210669" bIns="105334">
-            <a:prstTxWarp prst="textCircle">
-              <a:avLst>
-                <a:gd name="adj" fmla="val 10916975"/>
-              </a:avLst>
-            </a:prstTxWarp>
-            <a:spAutoFit/>
-          </a:bodyPr>
-          <a:lstStyle/>
-          <a:p>
-            <a:pPr algn="ctr"/>
-            <a:r>
-              <a:rPr lang="en-US" sz="13800" b="1" cap="small" spc="300" dirty="0" smtClean="0">
-                <a:ln w="12700">
-                  <a:noFill/>
-                  <a:prstDash val="solid"/>
-                </a:ln>
-                <a:solidFill>
-                  <a:schemeClr val="accent1"/>
-                </a:solidFill>
-                <a:effectLst>
-                  <a:outerShdw blurRad="41275" dist="20320" dir="1800000" algn="tl" rotWithShape="0">
-                    <a:srgbClr val="000000">
-                      <a:alpha val="40000"/>
-                    </a:srgbClr>
-                  </a:outerShdw>
-                </a:effectLst>
-              </a:rPr>
-              <a:t> Press </a:t>
-            </a:r>
-            <a:r>
-              <a:rPr lang="en-US" sz="13800" b="1" cap="small" spc="300" dirty="0">
-                <a:ln w="12700">
-                  <a:noFill/>
-                  <a:prstDash val="solid"/>
-                </a:ln>
-                <a:solidFill>
-                  <a:schemeClr val="accent1"/>
-                </a:solidFill>
-                <a:effectLst>
-                  <a:outerShdw blurRad="41275" dist="20320" dir="1800000" algn="tl" rotWithShape="0">
-                    <a:srgbClr val="000000">
-                      <a:alpha val="40000"/>
-                    </a:srgbClr>
-                  </a:outerShdw>
-                </a:effectLst>
-              </a:rPr>
-              <a:t>a button to continue</a:t>
-            </a:r>
-            <a:r>
-              <a:rPr lang="en-US" sz="13800" b="1" cap="small" spc="300" dirty="0" smtClean="0">
-                <a:ln w="12700">
-                  <a:noFill/>
-                  <a:prstDash val="solid"/>
-                </a:ln>
-                <a:solidFill>
-                  <a:schemeClr val="accent1"/>
-                </a:solidFill>
-                <a:effectLst>
-                  <a:outerShdw blurRad="41275" dist="20320" dir="1800000" algn="tl" rotWithShape="0">
-                    <a:srgbClr val="000000">
-                      <a:alpha val="40000"/>
-                    </a:srgbClr>
-                  </a:outerShdw>
-                </a:effectLst>
-              </a:rPr>
-              <a:t>.</a:t>
-            </a:r>
-            <a:endParaRPr lang="en-US" sz="13800" b="1" cap="small" spc="300" dirty="0">
-              <a:ln w="12700">
-                <a:noFill/>
-                <a:prstDash val="solid"/>
-              </a:ln>
-              <a:solidFill>
-                <a:schemeClr val="accent1"/>
-              </a:solidFill>
-              <a:effectLst>
-                <a:outerShdw blurRad="41275" dist="20320" dir="1800000" algn="tl" rotWithShape="0">
-                  <a:srgbClr val="000000">
-                    <a:alpha val="40000"/>
-                  </a:srgbClr>
-                </a:outerShdw>
-              </a:effectLst>
-            </a:endParaRPr>
-          </a:p>
-        </p:txBody>
-      </p:sp>
-    </p:spTree>
-    <p:extLst>
-      <p:ext uri="{BB962C8B-B14F-4D97-AF65-F5344CB8AC3E}">
-        <p14:creationId xmlns:p14="http://schemas.microsoft.com/office/powerpoint/2010/main" val="250485459"/>
-      </p:ext>
-    </p:extLst>
-  </p:cSld>
-  <p:clrMapOvr>
-    <a:masterClrMapping/>
-  </p:clrMapOvr>
-</p:sld>
-</file>
-
-<file path=ppt/slides/slide14.xml><?xml version="1.0" encoding="utf-8"?>
-<p:sld xmlns:a="http://schemas.openxmlformats.org/drawingml/2006/main" xmlns:r="http://schemas.openxmlformats.org/officeDocument/2006/relationships" xmlns:p="http://schemas.openxmlformats.org/presentationml/2006/main">
-  <p:cSld>
-    <p:spTree>
-      <p:nvGrpSpPr>
-        <p:cNvPr id="1" name=""/>
-        <p:cNvGrpSpPr/>
-        <p:nvPr/>
-      </p:nvGrpSpPr>
-      <p:grpSpPr>
-        <a:xfrm>
-          <a:off x="0" y="0"/>
-          <a:ext cx="0" cy="0"/>
-          <a:chOff x="0" y="0"/>
-          <a:chExt cx="0" cy="0"/>
-        </a:xfrm>
-      </p:grpSpPr>
-      <p:sp>
-        <p:nvSpPr>
-          <p:cNvPr id="5" name="Bouée 4"/>
-          <p:cNvSpPr>
-            <a:spLocks noChangeAspect="1"/>
-          </p:cNvSpPr>
-          <p:nvPr/>
-        </p:nvSpPr>
-        <p:spPr>
-          <a:xfrm>
-            <a:off x="1614253" y="1610484"/>
-            <a:ext cx="15228000" cy="15228000"/>
-          </a:xfrm>
-          <a:prstGeom prst="donut">
-            <a:avLst>
-              <a:gd name="adj" fmla="val 30982"/>
-            </a:avLst>
-          </a:prstGeom>
-          <a:solidFill>
-            <a:schemeClr val="bg1"/>
-          </a:solidFill>
-          <a:ln w="76200" cmpd="sng">
-            <a:noFill/>
-          </a:ln>
-        </p:spPr>
-        <p:style>
-          <a:lnRef idx="1">
-            <a:schemeClr val="accent1"/>
-          </a:lnRef>
-          <a:fillRef idx="3">
-            <a:schemeClr val="accent1"/>
-          </a:fillRef>
-          <a:effectRef idx="2">
-            <a:schemeClr val="accent1"/>
-          </a:effectRef>
-          <a:fontRef idx="minor">
-            <a:schemeClr val="lt1"/>
-          </a:fontRef>
-        </p:style>
-        <p:txBody>
-          <a:bodyPr rtlCol="0" anchor="ctr"/>
-          <a:lstStyle/>
-          <a:p>
-            <a:pPr algn="ctr"/>
-            <a:endParaRPr lang="en-US">
-              <a:solidFill>
-                <a:schemeClr val="tx1"/>
-              </a:solidFill>
-            </a:endParaRPr>
-          </a:p>
-        </p:txBody>
-      </p:sp>
-      <p:sp>
-        <p:nvSpPr>
-          <p:cNvPr id="2" name="Rectangle 1"/>
-          <p:cNvSpPr>
-            <a:spLocks noChangeAspect="1"/>
-          </p:cNvSpPr>
-          <p:nvPr/>
-        </p:nvSpPr>
-        <p:spPr>
-          <a:xfrm rot="16200000">
-            <a:off x="3277028" y="3277028"/>
-            <a:ext cx="11879995" cy="11879995"/>
-          </a:xfrm>
-          <a:prstGeom prst="rect">
-            <a:avLst/>
-          </a:prstGeom>
-          <a:noFill/>
-        </p:spPr>
-        <p:txBody>
-          <a:bodyPr wrap="none" lIns="210669" tIns="105334" rIns="210669" bIns="105334">
-            <a:prstTxWarp prst="textCircle">
-              <a:avLst>
-                <a:gd name="adj" fmla="val 10946467"/>
-              </a:avLst>
-            </a:prstTxWarp>
-            <a:spAutoFit/>
-          </a:bodyPr>
-          <a:lstStyle/>
-          <a:p>
-            <a:pPr algn="ctr"/>
-            <a:r>
-              <a:rPr lang="en-US" sz="23900" b="1" cap="small" spc="600" dirty="0" smtClean="0">
-                <a:ln w="12700">
-                  <a:solidFill>
-                    <a:srgbClr val="FFFFFF"/>
-                  </a:solidFill>
-                  <a:prstDash val="solid"/>
-                </a:ln>
-                <a:solidFill>
-                  <a:schemeClr val="accent2"/>
-                </a:solidFill>
-              </a:rPr>
-              <a:t>Hand should not be raised.</a:t>
-            </a:r>
-            <a:endParaRPr lang="en-US" sz="23900" b="1" cap="small" spc="600" dirty="0">
-              <a:ln w="12700">
-                <a:solidFill>
-                  <a:srgbClr val="FFFFFF"/>
-                </a:solidFill>
-                <a:prstDash val="solid"/>
-              </a:ln>
-              <a:solidFill>
-                <a:schemeClr val="accent2"/>
-              </a:solidFill>
-            </a:endParaRPr>
-          </a:p>
-        </p:txBody>
-      </p:sp>
-      <p:sp>
-        <p:nvSpPr>
-          <p:cNvPr id="7" name="Rectangle 6"/>
-          <p:cNvSpPr>
-            <a:spLocks noChangeAspect="1"/>
-          </p:cNvSpPr>
-          <p:nvPr/>
-        </p:nvSpPr>
-        <p:spPr>
-          <a:xfrm rot="16200000">
-            <a:off x="5257022" y="5257026"/>
-            <a:ext cx="7920006" cy="7919999"/>
-          </a:xfrm>
-          <a:prstGeom prst="rect">
-            <a:avLst/>
-          </a:prstGeom>
-          <a:noFill/>
-        </p:spPr>
-        <p:txBody>
-          <a:bodyPr wrap="none" lIns="210669" tIns="105334" rIns="210669" bIns="105334">
-            <a:prstTxWarp prst="textCircle">
-              <a:avLst>
-                <a:gd name="adj" fmla="val 10916975"/>
-              </a:avLst>
-            </a:prstTxWarp>
-            <a:spAutoFit/>
-          </a:bodyPr>
-          <a:lstStyle/>
-          <a:p>
-            <a:pPr algn="ctr"/>
-            <a:r>
-              <a:rPr lang="en-US" sz="13800" b="1" cap="small" spc="300" dirty="0" smtClean="0">
-                <a:ln w="12700">
-                  <a:noFill/>
-                  <a:prstDash val="solid"/>
-                </a:ln>
-                <a:solidFill>
-                  <a:schemeClr val="accent1"/>
-                </a:solidFill>
-                <a:effectLst>
-                  <a:outerShdw blurRad="41275" dist="20320" dir="1800000" algn="tl" rotWithShape="0">
-                    <a:srgbClr val="000000">
-                      <a:alpha val="40000"/>
-                    </a:srgbClr>
-                  </a:outerShdw>
-                </a:effectLst>
-              </a:rPr>
-              <a:t> Press </a:t>
-            </a:r>
-            <a:r>
-              <a:rPr lang="en-US" sz="13800" b="1" cap="small" spc="300" dirty="0">
-                <a:ln w="12700">
-                  <a:noFill/>
-                  <a:prstDash val="solid"/>
-                </a:ln>
-                <a:solidFill>
-                  <a:schemeClr val="accent1"/>
-                </a:solidFill>
-                <a:effectLst>
-                  <a:outerShdw blurRad="41275" dist="20320" dir="1800000" algn="tl" rotWithShape="0">
-                    <a:srgbClr val="000000">
-                      <a:alpha val="40000"/>
-                    </a:srgbClr>
-                  </a:outerShdw>
-                </a:effectLst>
-              </a:rPr>
-              <a:t>a button to continue</a:t>
-            </a:r>
-            <a:r>
-              <a:rPr lang="en-US" sz="13800" b="1" cap="small" spc="300" dirty="0" smtClean="0">
-                <a:ln w="12700">
-                  <a:noFill/>
-                  <a:prstDash val="solid"/>
-                </a:ln>
-                <a:solidFill>
-                  <a:schemeClr val="accent1"/>
-                </a:solidFill>
-                <a:effectLst>
-                  <a:outerShdw blurRad="41275" dist="20320" dir="1800000" algn="tl" rotWithShape="0">
-                    <a:srgbClr val="000000">
-                      <a:alpha val="40000"/>
-                    </a:srgbClr>
-                  </a:outerShdw>
-                </a:effectLst>
-              </a:rPr>
-              <a:t>.</a:t>
-            </a:r>
-            <a:endParaRPr lang="en-US" sz="13800" b="1" cap="small" spc="300" dirty="0">
-              <a:ln w="12700">
-                <a:noFill/>
-                <a:prstDash val="solid"/>
-              </a:ln>
-              <a:solidFill>
-                <a:schemeClr val="accent1"/>
-              </a:solidFill>
-              <a:effectLst>
-                <a:outerShdw blurRad="41275" dist="20320" dir="1800000" algn="tl" rotWithShape="0">
-                  <a:srgbClr val="000000">
-                    <a:alpha val="40000"/>
-                  </a:srgbClr>
-                </a:outerShdw>
-              </a:effectLst>
-            </a:endParaRPr>
-          </a:p>
-        </p:txBody>
-      </p:sp>
-    </p:spTree>
-    <p:extLst>
-      <p:ext uri="{BB962C8B-B14F-4D97-AF65-F5344CB8AC3E}">
-        <p14:creationId xmlns:p14="http://schemas.microsoft.com/office/powerpoint/2010/main" val="1885241631"/>
-      </p:ext>
-    </p:extLst>
-  </p:cSld>
-  <p:clrMapOvr>
-    <a:masterClrMapping/>
-  </p:clrMapOvr>
-</p:sld>
-</file>
-
-<file path=ppt/slides/slide15.xml><?xml version="1.0" encoding="utf-8"?>
-<p:sld xmlns:a="http://schemas.openxmlformats.org/drawingml/2006/main" xmlns:r="http://schemas.openxmlformats.org/officeDocument/2006/relationships" xmlns:p="http://schemas.openxmlformats.org/presentationml/2006/main">
-  <p:cSld>
-    <p:spTree>
-      <p:nvGrpSpPr>
-        <p:cNvPr id="1" name=""/>
-        <p:cNvGrpSpPr/>
-        <p:nvPr/>
-      </p:nvGrpSpPr>
-      <p:grpSpPr>
-        <a:xfrm>
-          <a:off x="0" y="0"/>
-          <a:ext cx="0" cy="0"/>
-          <a:chOff x="0" y="0"/>
-          <a:chExt cx="0" cy="0"/>
-        </a:xfrm>
-      </p:grpSpPr>
-      <p:sp>
-        <p:nvSpPr>
-          <p:cNvPr id="5" name="Bouée 4"/>
-          <p:cNvSpPr>
-            <a:spLocks noChangeAspect="1"/>
-          </p:cNvSpPr>
-          <p:nvPr/>
-        </p:nvSpPr>
-        <p:spPr>
-          <a:xfrm>
-            <a:off x="1614253" y="1610484"/>
-            <a:ext cx="15228000" cy="15228000"/>
-          </a:xfrm>
-          <a:prstGeom prst="donut">
-            <a:avLst>
-              <a:gd name="adj" fmla="val 30982"/>
-            </a:avLst>
-          </a:prstGeom>
-          <a:solidFill>
-            <a:schemeClr val="bg1"/>
-          </a:solidFill>
-          <a:ln w="76200" cmpd="sng">
-            <a:noFill/>
-          </a:ln>
-        </p:spPr>
-        <p:style>
-          <a:lnRef idx="1">
-            <a:schemeClr val="accent1"/>
-          </a:lnRef>
-          <a:fillRef idx="3">
-            <a:schemeClr val="accent1"/>
-          </a:fillRef>
-          <a:effectRef idx="2">
-            <a:schemeClr val="accent1"/>
-          </a:effectRef>
-          <a:fontRef idx="minor">
-            <a:schemeClr val="lt1"/>
-          </a:fontRef>
-        </p:style>
-        <p:txBody>
-          <a:bodyPr rtlCol="0" anchor="ctr"/>
-          <a:lstStyle/>
-          <a:p>
-            <a:pPr algn="ctr"/>
-            <a:endParaRPr lang="en-US">
-              <a:solidFill>
-                <a:schemeClr val="tx1"/>
-              </a:solidFill>
-            </a:endParaRPr>
-          </a:p>
-        </p:txBody>
-      </p:sp>
-      <p:sp>
-        <p:nvSpPr>
-          <p:cNvPr id="2" name="Rectangle 1"/>
-          <p:cNvSpPr>
-            <a:spLocks noChangeAspect="1"/>
-          </p:cNvSpPr>
-          <p:nvPr/>
-        </p:nvSpPr>
-        <p:spPr>
-          <a:xfrm rot="16200000">
-            <a:off x="3277028" y="3277028"/>
-            <a:ext cx="11879995" cy="11879995"/>
-          </a:xfrm>
-          <a:prstGeom prst="rect">
-            <a:avLst/>
-          </a:prstGeom>
-          <a:noFill/>
-        </p:spPr>
-        <p:txBody>
-          <a:bodyPr wrap="none" lIns="210669" tIns="105334" rIns="210669" bIns="105334">
-            <a:prstTxWarp prst="textCircle">
-              <a:avLst>
-                <a:gd name="adj" fmla="val 10946467"/>
-              </a:avLst>
-            </a:prstTxWarp>
-            <a:spAutoFit/>
-          </a:bodyPr>
-          <a:lstStyle/>
-          <a:p>
-            <a:pPr algn="ctr"/>
-            <a:r>
-              <a:rPr lang="en-US" sz="23900" b="1" cap="small" spc="-150" dirty="0" smtClean="0">
-                <a:ln w="12700">
-                  <a:solidFill>
-                    <a:srgbClr val="FFFFFF"/>
-                  </a:solidFill>
-                  <a:prstDash val="solid"/>
-                </a:ln>
-                <a:solidFill>
-                  <a:schemeClr val="accent2"/>
-                </a:solidFill>
-              </a:rPr>
-              <a:t>Straighten head on shoulders.</a:t>
-            </a:r>
-            <a:endParaRPr lang="en-US" sz="23900" b="1" cap="small" spc="-150" dirty="0">
-              <a:ln w="12700">
-                <a:solidFill>
-                  <a:srgbClr val="FFFFFF"/>
-                </a:solidFill>
-                <a:prstDash val="solid"/>
-              </a:ln>
-              <a:solidFill>
-                <a:schemeClr val="accent2"/>
-              </a:solidFill>
-            </a:endParaRPr>
-          </a:p>
-        </p:txBody>
-      </p:sp>
-      <p:sp>
-        <p:nvSpPr>
-          <p:cNvPr id="7" name="Rectangle 6"/>
-          <p:cNvSpPr>
-            <a:spLocks noChangeAspect="1"/>
-          </p:cNvSpPr>
-          <p:nvPr/>
-        </p:nvSpPr>
-        <p:spPr>
-          <a:xfrm rot="16200000">
-            <a:off x="5257022" y="5257026"/>
-            <a:ext cx="7920006" cy="7919999"/>
-          </a:xfrm>
-          <a:prstGeom prst="rect">
-            <a:avLst/>
-          </a:prstGeom>
-          <a:noFill/>
-        </p:spPr>
-        <p:txBody>
-          <a:bodyPr wrap="none" lIns="210669" tIns="105334" rIns="210669" bIns="105334">
-            <a:prstTxWarp prst="textCircle">
-              <a:avLst>
-                <a:gd name="adj" fmla="val 10916975"/>
-              </a:avLst>
-            </a:prstTxWarp>
-            <a:spAutoFit/>
-          </a:bodyPr>
-          <a:lstStyle/>
-          <a:p>
-            <a:pPr algn="ctr"/>
-            <a:r>
-              <a:rPr lang="en-US" sz="13800" b="1" cap="small" spc="300" dirty="0" smtClean="0">
-                <a:ln w="12700">
-                  <a:noFill/>
-                  <a:prstDash val="solid"/>
-                </a:ln>
-                <a:solidFill>
-                  <a:schemeClr val="accent1"/>
-                </a:solidFill>
-                <a:effectLst>
-                  <a:outerShdw blurRad="41275" dist="20320" dir="1800000" algn="tl" rotWithShape="0">
-                    <a:srgbClr val="000000">
-                      <a:alpha val="40000"/>
-                    </a:srgbClr>
-                  </a:outerShdw>
-                </a:effectLst>
-              </a:rPr>
-              <a:t> Press </a:t>
-            </a:r>
-            <a:r>
-              <a:rPr lang="en-US" sz="13800" b="1" cap="small" spc="300" dirty="0">
-                <a:ln w="12700">
-                  <a:noFill/>
-                  <a:prstDash val="solid"/>
-                </a:ln>
-                <a:solidFill>
-                  <a:schemeClr val="accent1"/>
-                </a:solidFill>
-                <a:effectLst>
-                  <a:outerShdw blurRad="41275" dist="20320" dir="1800000" algn="tl" rotWithShape="0">
-                    <a:srgbClr val="000000">
-                      <a:alpha val="40000"/>
-                    </a:srgbClr>
-                  </a:outerShdw>
-                </a:effectLst>
-              </a:rPr>
-              <a:t>a button to continue</a:t>
-            </a:r>
-            <a:r>
-              <a:rPr lang="en-US" sz="13800" b="1" cap="small" spc="300" dirty="0" smtClean="0">
-                <a:ln w="12700">
-                  <a:noFill/>
-                  <a:prstDash val="solid"/>
-                </a:ln>
-                <a:solidFill>
-                  <a:schemeClr val="accent1"/>
-                </a:solidFill>
-                <a:effectLst>
-                  <a:outerShdw blurRad="41275" dist="20320" dir="1800000" algn="tl" rotWithShape="0">
-                    <a:srgbClr val="000000">
-                      <a:alpha val="40000"/>
-                    </a:srgbClr>
-                  </a:outerShdw>
-                </a:effectLst>
-              </a:rPr>
-              <a:t>.</a:t>
-            </a:r>
-            <a:endParaRPr lang="en-US" sz="13800" b="1" cap="small" spc="300" dirty="0">
-              <a:ln w="12700">
-                <a:noFill/>
-                <a:prstDash val="solid"/>
-              </a:ln>
-              <a:solidFill>
-                <a:schemeClr val="accent1"/>
-              </a:solidFill>
-              <a:effectLst>
-                <a:outerShdw blurRad="41275" dist="20320" dir="1800000" algn="tl" rotWithShape="0">
-                  <a:srgbClr val="000000">
-                    <a:alpha val="40000"/>
-                  </a:srgbClr>
-                </a:outerShdw>
-              </a:effectLst>
-            </a:endParaRPr>
-          </a:p>
-        </p:txBody>
-      </p:sp>
-    </p:spTree>
-    <p:extLst>
-      <p:ext uri="{BB962C8B-B14F-4D97-AF65-F5344CB8AC3E}">
-        <p14:creationId xmlns:p14="http://schemas.microsoft.com/office/powerpoint/2010/main" val="2179511308"/>
-      </p:ext>
-    </p:extLst>
-  </p:cSld>
-  <p:clrMapOvr>
-    <a:masterClrMapping/>
-  </p:clrMapOvr>
-</p:sld>
-</file>
-
-<file path=ppt/slides/slide2.xml><?xml version="1.0" encoding="utf-8"?>
-<p:sld xmlns:a="http://schemas.openxmlformats.org/drawingml/2006/main" xmlns:r="http://schemas.openxmlformats.org/officeDocument/2006/relationships" xmlns:p="http://schemas.openxmlformats.org/presentationml/2006/main">
-  <p:cSld>
-    <p:spTree>
-      <p:nvGrpSpPr>
-        <p:cNvPr id="1" name=""/>
-        <p:cNvGrpSpPr/>
-        <p:nvPr/>
-      </p:nvGrpSpPr>
-      <p:grpSpPr>
-        <a:xfrm>
-          <a:off x="0" y="0"/>
-          <a:ext cx="0" cy="0"/>
-          <a:chOff x="0" y="0"/>
-          <a:chExt cx="0" cy="0"/>
-        </a:xfrm>
-      </p:grpSpPr>
-      <p:sp>
-        <p:nvSpPr>
-          <p:cNvPr id="5" name="Bouée 4"/>
-          <p:cNvSpPr>
-            <a:spLocks noChangeAspect="1"/>
-          </p:cNvSpPr>
-          <p:nvPr/>
-        </p:nvSpPr>
-        <p:spPr>
-          <a:xfrm>
-            <a:off x="1614253" y="1610484"/>
-            <a:ext cx="15228000" cy="15228000"/>
-          </a:xfrm>
-          <a:prstGeom prst="donut">
-            <a:avLst>
-              <a:gd name="adj" fmla="val 30982"/>
-            </a:avLst>
-          </a:prstGeom>
-          <a:solidFill>
-            <a:schemeClr val="bg1"/>
-          </a:solidFill>
-          <a:ln w="76200" cmpd="sng">
-            <a:noFill/>
-          </a:ln>
-        </p:spPr>
-        <p:style>
-          <a:lnRef idx="1">
-            <a:schemeClr val="accent1"/>
-          </a:lnRef>
-          <a:fillRef idx="3">
-            <a:schemeClr val="accent1"/>
-          </a:fillRef>
-          <a:effectRef idx="2">
-            <a:schemeClr val="accent1"/>
-          </a:effectRef>
-          <a:fontRef idx="minor">
-            <a:schemeClr val="lt1"/>
-          </a:fontRef>
-        </p:style>
-        <p:txBody>
-          <a:bodyPr rtlCol="0" anchor="ctr"/>
-          <a:lstStyle/>
-          <a:p>
-            <a:pPr algn="ctr"/>
-            <a:endParaRPr lang="en-US">
-              <a:solidFill>
-                <a:schemeClr val="tx1"/>
-              </a:solidFill>
-            </a:endParaRPr>
-          </a:p>
-        </p:txBody>
-      </p:sp>
-      <p:sp>
-        <p:nvSpPr>
-          <p:cNvPr id="2" name="Rectangle 1"/>
-          <p:cNvSpPr>
-            <a:spLocks noChangeAspect="1"/>
-          </p:cNvSpPr>
-          <p:nvPr/>
-        </p:nvSpPr>
-        <p:spPr>
-          <a:xfrm rot="16200000">
-            <a:off x="3277028" y="3277028"/>
-            <a:ext cx="11879995" cy="11879995"/>
-          </a:xfrm>
-          <a:prstGeom prst="rect">
-            <a:avLst/>
-          </a:prstGeom>
-          <a:noFill/>
-        </p:spPr>
-        <p:txBody>
-          <a:bodyPr wrap="none" lIns="210669" tIns="105334" rIns="210669" bIns="105334">
-            <a:prstTxWarp prst="textCircle">
-              <a:avLst>
-                <a:gd name="adj" fmla="val 10946467"/>
-              </a:avLst>
-            </a:prstTxWarp>
-            <a:spAutoFit/>
-          </a:bodyPr>
-          <a:lstStyle/>
-          <a:p>
-            <a:pPr algn="ctr"/>
-            <a:r>
-              <a:rPr lang="en-US" sz="23900" b="1" cap="small" spc="600" dirty="0" smtClean="0">
-                <a:ln w="12700">
-                  <a:solidFill>
-                    <a:srgbClr val="FFFFFF"/>
-                  </a:solidFill>
-                  <a:prstDash val="solid"/>
-                </a:ln>
-                <a:solidFill>
-                  <a:schemeClr val="accent3">
-                    <a:lumMod val="75000"/>
-                  </a:schemeClr>
-                </a:solidFill>
-              </a:rPr>
-              <a:t>  Ready to start next trial.</a:t>
-            </a:r>
-            <a:endParaRPr lang="en-US" sz="23900" b="1" cap="small" spc="600" dirty="0">
-              <a:ln w="12700">
-                <a:solidFill>
-                  <a:srgbClr val="FFFFFF"/>
-                </a:solidFill>
-                <a:prstDash val="solid"/>
-              </a:ln>
-              <a:solidFill>
-                <a:schemeClr val="accent3">
-                  <a:lumMod val="75000"/>
-                </a:schemeClr>
-              </a:solidFill>
-            </a:endParaRPr>
-          </a:p>
-        </p:txBody>
-      </p:sp>
-      <p:sp>
-        <p:nvSpPr>
-          <p:cNvPr id="3" name="Rectangle 2"/>
-          <p:cNvSpPr>
-            <a:spLocks noChangeAspect="1"/>
-          </p:cNvSpPr>
-          <p:nvPr/>
-        </p:nvSpPr>
-        <p:spPr>
-          <a:xfrm rot="16200000">
-            <a:off x="5257022" y="5257026"/>
-            <a:ext cx="7920006" cy="7919999"/>
-          </a:xfrm>
-          <a:prstGeom prst="rect">
-            <a:avLst/>
-          </a:prstGeom>
-          <a:noFill/>
-        </p:spPr>
-        <p:txBody>
-          <a:bodyPr wrap="none" lIns="210669" tIns="105334" rIns="210669" bIns="105334">
-            <a:prstTxWarp prst="textCircle">
-              <a:avLst>
-                <a:gd name="adj" fmla="val 10916975"/>
-              </a:avLst>
-            </a:prstTxWarp>
-            <a:spAutoFit/>
-          </a:bodyPr>
-          <a:lstStyle/>
-          <a:p>
-            <a:pPr algn="ctr"/>
-            <a:r>
-              <a:rPr lang="en-US" sz="13800" b="1" cap="small" spc="300" dirty="0" smtClean="0">
-                <a:ln w="12700">
-                  <a:noFill/>
-                  <a:prstDash val="solid"/>
-                </a:ln>
-                <a:solidFill>
-                  <a:schemeClr val="accent1"/>
-                </a:solidFill>
-                <a:effectLst>
-                  <a:outerShdw blurRad="41275" dist="20320" dir="1800000" algn="tl" rotWithShape="0">
-                    <a:srgbClr val="000000">
-                      <a:alpha val="40000"/>
-                    </a:srgbClr>
-                  </a:outerShdw>
-                </a:effectLst>
-              </a:rPr>
-              <a:t> Press </a:t>
-            </a:r>
-            <a:r>
-              <a:rPr lang="en-US" sz="13800" b="1" cap="small" spc="300" dirty="0">
-                <a:ln w="12700">
-                  <a:noFill/>
-                  <a:prstDash val="solid"/>
-                </a:ln>
-                <a:solidFill>
-                  <a:schemeClr val="accent1"/>
-                </a:solidFill>
-                <a:effectLst>
-                  <a:outerShdw blurRad="41275" dist="20320" dir="1800000" algn="tl" rotWithShape="0">
-                    <a:srgbClr val="000000">
-                      <a:alpha val="40000"/>
-                    </a:srgbClr>
-                  </a:outerShdw>
-                </a:effectLst>
-              </a:rPr>
-              <a:t>a button to continue</a:t>
-            </a:r>
-            <a:r>
-              <a:rPr lang="en-US" sz="13800" b="1" cap="small" spc="300" dirty="0" smtClean="0">
-                <a:ln w="12700">
-                  <a:noFill/>
-                  <a:prstDash val="solid"/>
-                </a:ln>
-                <a:solidFill>
-                  <a:schemeClr val="accent1"/>
-                </a:solidFill>
-                <a:effectLst>
-                  <a:outerShdw blurRad="41275" dist="20320" dir="1800000" algn="tl" rotWithShape="0">
-                    <a:srgbClr val="000000">
-                      <a:alpha val="40000"/>
-                    </a:srgbClr>
-                  </a:outerShdw>
-                </a:effectLst>
-              </a:rPr>
-              <a:t>.</a:t>
-            </a:r>
-            <a:endParaRPr lang="en-US" sz="13800" b="1" cap="small" spc="300" dirty="0">
-              <a:ln w="12700">
-                <a:noFill/>
-                <a:prstDash val="solid"/>
-              </a:ln>
-              <a:solidFill>
-                <a:schemeClr val="accent1"/>
-              </a:solidFill>
-              <a:effectLst>
-                <a:outerShdw blurRad="41275" dist="20320" dir="1800000" algn="tl" rotWithShape="0">
-                  <a:srgbClr val="000000">
-                    <a:alpha val="40000"/>
-                  </a:srgbClr>
-                </a:outerShdw>
-              </a:effectLst>
-            </a:endParaRPr>
-          </a:p>
-        </p:txBody>
-      </p:sp>
-    </p:spTree>
-    <p:extLst>
-      <p:ext uri="{BB962C8B-B14F-4D97-AF65-F5344CB8AC3E}">
-        <p14:creationId xmlns:p14="http://schemas.microsoft.com/office/powerpoint/2010/main" val="4227632991"/>
-      </p:ext>
-    </p:extLst>
-  </p:cSld>
-  <p:clrMapOvr>
-    <a:masterClrMapping/>
-  </p:clrMapOvr>
-</p:sld>
-</file>
-
-<file path=ppt/slides/slide3.xml><?xml version="1.0" encoding="utf-8"?>
-<p:sld xmlns:a="http://schemas.openxmlformats.org/drawingml/2006/main" xmlns:r="http://schemas.openxmlformats.org/officeDocument/2006/relationships" xmlns:p="http://schemas.openxmlformats.org/presentationml/2006/main">
-  <p:cSld>
-    <p:spTree>
-      <p:nvGrpSpPr>
-        <p:cNvPr id="1" name=""/>
-        <p:cNvGrpSpPr/>
-        <p:nvPr/>
-      </p:nvGrpSpPr>
-      <p:grpSpPr>
-        <a:xfrm>
-          <a:off x="0" y="0"/>
-          <a:ext cx="0" cy="0"/>
-          <a:chOff x="0" y="0"/>
-          <a:chExt cx="0" cy="0"/>
-        </a:xfrm>
-      </p:grpSpPr>
-      <p:sp>
-        <p:nvSpPr>
-          <p:cNvPr id="5" name="Bouée 4"/>
-          <p:cNvSpPr>
-            <a:spLocks noChangeAspect="1"/>
-          </p:cNvSpPr>
-          <p:nvPr/>
-        </p:nvSpPr>
-        <p:spPr>
-          <a:xfrm>
-            <a:off x="1614253" y="1610484"/>
-            <a:ext cx="15228000" cy="15228000"/>
-          </a:xfrm>
-          <a:prstGeom prst="donut">
-            <a:avLst>
-              <a:gd name="adj" fmla="val 30982"/>
-            </a:avLst>
-          </a:prstGeom>
-          <a:solidFill>
-            <a:schemeClr val="bg1"/>
-          </a:solidFill>
-          <a:ln w="76200" cmpd="sng">
-            <a:noFill/>
-          </a:ln>
-        </p:spPr>
-        <p:style>
-          <a:lnRef idx="1">
-            <a:schemeClr val="accent1"/>
-          </a:lnRef>
-          <a:fillRef idx="3">
-            <a:schemeClr val="accent1"/>
-          </a:fillRef>
-          <a:effectRef idx="2">
-            <a:schemeClr val="accent1"/>
-          </a:effectRef>
-          <a:fontRef idx="minor">
-            <a:schemeClr val="lt1"/>
-          </a:fontRef>
-        </p:style>
-        <p:txBody>
-          <a:bodyPr rtlCol="0" anchor="ctr"/>
-          <a:lstStyle/>
-          <a:p>
-            <a:pPr algn="ctr"/>
-            <a:endParaRPr lang="en-US">
-              <a:solidFill>
-                <a:schemeClr val="tx1"/>
-              </a:solidFill>
-            </a:endParaRPr>
-          </a:p>
-        </p:txBody>
-      </p:sp>
-      <p:sp>
-        <p:nvSpPr>
-          <p:cNvPr id="2" name="Rectangle 1"/>
-          <p:cNvSpPr>
-            <a:spLocks noChangeAspect="1"/>
-          </p:cNvSpPr>
-          <p:nvPr/>
-        </p:nvSpPr>
-        <p:spPr>
-          <a:xfrm rot="16200000">
-            <a:off x="3277028" y="3277028"/>
-            <a:ext cx="11879995" cy="11879995"/>
-          </a:xfrm>
-          <a:prstGeom prst="rect">
-            <a:avLst/>
-          </a:prstGeom>
-          <a:noFill/>
-        </p:spPr>
-        <p:txBody>
-          <a:bodyPr wrap="none" lIns="210669" tIns="105334" rIns="210669" bIns="105334">
-            <a:prstTxWarp prst="textCircle">
-              <a:avLst>
-                <a:gd name="adj" fmla="val 10946467"/>
-              </a:avLst>
-            </a:prstTxWarp>
-            <a:spAutoFit/>
-          </a:bodyPr>
-          <a:lstStyle/>
-          <a:p>
-            <a:pPr algn="ctr"/>
-            <a:r>
-              <a:rPr lang="en-US" sz="23900" b="1" cap="small" spc="600" dirty="0" smtClean="0">
-                <a:ln w="12700">
-                  <a:solidFill>
-                    <a:srgbClr val="FFFFFF"/>
-                  </a:solidFill>
-                  <a:prstDash val="solid"/>
-                </a:ln>
-                <a:solidFill>
-                  <a:schemeClr val="accent3">
-                    <a:lumMod val="75000"/>
-                  </a:schemeClr>
-                </a:solidFill>
-              </a:rPr>
-              <a:t>Trial block completed.</a:t>
-            </a:r>
-            <a:endParaRPr lang="en-US" sz="23900" b="1" cap="small" spc="600" dirty="0">
-              <a:ln w="12700">
-                <a:solidFill>
-                  <a:srgbClr val="FFFFFF"/>
-                </a:solidFill>
-                <a:prstDash val="solid"/>
-              </a:ln>
-              <a:solidFill>
-                <a:schemeClr val="accent3">
-                  <a:lumMod val="75000"/>
-                </a:schemeClr>
-              </a:solidFill>
-            </a:endParaRPr>
-          </a:p>
-        </p:txBody>
-      </p:sp>
-      <p:sp>
-        <p:nvSpPr>
-          <p:cNvPr id="3" name="Rectangle 2"/>
-          <p:cNvSpPr>
-            <a:spLocks noChangeAspect="1"/>
-          </p:cNvSpPr>
-          <p:nvPr/>
-        </p:nvSpPr>
-        <p:spPr>
-          <a:xfrm rot="16200000">
-            <a:off x="5257022" y="5257026"/>
-            <a:ext cx="7920006" cy="7919999"/>
-          </a:xfrm>
-          <a:prstGeom prst="rect">
-            <a:avLst/>
-          </a:prstGeom>
-          <a:noFill/>
-        </p:spPr>
-        <p:txBody>
-          <a:bodyPr wrap="none" lIns="210669" tIns="105334" rIns="210669" bIns="105334">
-            <a:prstTxWarp prst="textCircle">
-              <a:avLst>
-                <a:gd name="adj" fmla="val 10916975"/>
-              </a:avLst>
-            </a:prstTxWarp>
-            <a:spAutoFit/>
-          </a:bodyPr>
-          <a:lstStyle/>
-          <a:p>
-            <a:pPr algn="ctr"/>
-            <a:r>
-              <a:rPr lang="en-US" sz="13800" b="1" cap="small" spc="300" dirty="0" smtClean="0">
-                <a:ln w="12700">
-                  <a:noFill/>
-                  <a:prstDash val="solid"/>
-                </a:ln>
-                <a:solidFill>
-                  <a:schemeClr val="accent1"/>
-                </a:solidFill>
-                <a:effectLst>
-                  <a:outerShdw blurRad="41275" dist="20320" dir="1800000" algn="tl" rotWithShape="0">
-                    <a:srgbClr val="000000">
-                      <a:alpha val="40000"/>
-                    </a:srgbClr>
-                  </a:outerShdw>
-                </a:effectLst>
-              </a:rPr>
-              <a:t>Doff HMD and press ‘Return’.</a:t>
-            </a:r>
-            <a:endParaRPr lang="en-US" sz="13800" b="1" cap="small" spc="300" dirty="0">
-              <a:ln w="12700">
-                <a:noFill/>
-                <a:prstDash val="solid"/>
-              </a:ln>
-              <a:solidFill>
-                <a:schemeClr val="accent1"/>
-              </a:solidFill>
-              <a:effectLst>
-                <a:outerShdw blurRad="41275" dist="20320" dir="1800000" algn="tl" rotWithShape="0">
-                  <a:srgbClr val="000000">
-                    <a:alpha val="40000"/>
-                  </a:srgbClr>
-                </a:outerShdw>
-              </a:effectLst>
-            </a:endParaRPr>
-          </a:p>
-        </p:txBody>
-      </p:sp>
-    </p:spTree>
-    <p:extLst>
-      <p:ext uri="{BB962C8B-B14F-4D97-AF65-F5344CB8AC3E}">
-        <p14:creationId xmlns:p14="http://schemas.microsoft.com/office/powerpoint/2010/main" val="2090264467"/>
-      </p:ext>
-    </p:extLst>
-  </p:cSld>
-  <p:clrMapOvr>
-    <a:masterClrMapping/>
-  </p:clrMapOvr>
-</p:sld>
-</file>
-
-<file path=ppt/slides/slide4.xml><?xml version="1.0" encoding="utf-8"?>
-<p:sld xmlns:a="http://schemas.openxmlformats.org/drawingml/2006/main" xmlns:r="http://schemas.openxmlformats.org/officeDocument/2006/relationships" xmlns:p="http://schemas.openxmlformats.org/presentationml/2006/main">
-  <p:cSld>
-    <p:spTree>
-      <p:nvGrpSpPr>
-        <p:cNvPr id="1" name=""/>
-        <p:cNvGrpSpPr/>
-        <p:nvPr/>
-      </p:nvGrpSpPr>
-      <p:grpSpPr>
-        <a:xfrm>
-          <a:off x="0" y="0"/>
-          <a:ext cx="0" cy="0"/>
-          <a:chOff x="0" y="0"/>
-          <a:chExt cx="0" cy="0"/>
-        </a:xfrm>
-      </p:grpSpPr>
-      <p:sp>
-        <p:nvSpPr>
-          <p:cNvPr id="5" name="Bouée 4"/>
-          <p:cNvSpPr>
-            <a:spLocks noChangeAspect="1"/>
-          </p:cNvSpPr>
-          <p:nvPr/>
-        </p:nvSpPr>
-        <p:spPr>
-          <a:xfrm>
-            <a:off x="1614253" y="1610484"/>
-            <a:ext cx="15228000" cy="15228000"/>
-          </a:xfrm>
-          <a:prstGeom prst="donut">
-            <a:avLst>
-              <a:gd name="adj" fmla="val 30982"/>
-            </a:avLst>
-          </a:prstGeom>
-          <a:solidFill>
-            <a:schemeClr val="bg1"/>
-          </a:solidFill>
-          <a:ln w="76200" cmpd="sng">
-            <a:noFill/>
-          </a:ln>
-        </p:spPr>
-        <p:style>
-          <a:lnRef idx="1">
-            <a:schemeClr val="accent1"/>
-          </a:lnRef>
-          <a:fillRef idx="3">
-            <a:schemeClr val="accent1"/>
-          </a:fillRef>
-          <a:effectRef idx="2">
-            <a:schemeClr val="accent1"/>
-          </a:effectRef>
-          <a:fontRef idx="minor">
-            <a:schemeClr val="lt1"/>
-          </a:fontRef>
-        </p:style>
-        <p:txBody>
-          <a:bodyPr rtlCol="0" anchor="ctr"/>
-          <a:lstStyle/>
-          <a:p>
-            <a:pPr algn="ctr"/>
-            <a:endParaRPr lang="en-US">
-              <a:solidFill>
-                <a:schemeClr val="tx1"/>
-              </a:solidFill>
-            </a:endParaRPr>
-          </a:p>
-        </p:txBody>
-      </p:sp>
-      <p:pic>
-        <p:nvPicPr>
-          <p:cNvPr id="7" name="Image 6" descr="4cb46pEdi.gif"/>
-          <p:cNvPicPr>
-            <a:picLocks noChangeAspect="1"/>
-          </p:cNvPicPr>
-          <p:nvPr/>
-        </p:nvPicPr>
-        <p:blipFill>
-          <a:blip r:embed="rId2">
-            <a:extLst>
-              <a:ext uri="{28A0092B-C50C-407E-A947-70E740481C1C}">
-                <a14:useLocalDpi xmlns:a14="http://schemas.microsoft.com/office/drawing/2010/main" val="0"/>
-              </a:ext>
-            </a:extLst>
-          </a:blip>
-          <a:stretch>
-            <a:fillRect/>
-          </a:stretch>
-        </p:blipFill>
-        <p:spPr>
-          <a:xfrm rot="16200000">
-            <a:off x="6799069" y="4061837"/>
-            <a:ext cx="6686364" cy="10029547"/>
-          </a:xfrm>
-          <a:prstGeom prst="rect">
-            <a:avLst/>
-          </a:prstGeom>
-          <a:ln>
-            <a:noFill/>
-          </a:ln>
-        </p:spPr>
-      </p:pic>
-      <p:sp>
-        <p:nvSpPr>
-          <p:cNvPr id="2" name="Rectangle 1"/>
-          <p:cNvSpPr>
-            <a:spLocks noChangeAspect="1"/>
-          </p:cNvSpPr>
-          <p:nvPr/>
-        </p:nvSpPr>
-        <p:spPr>
-          <a:xfrm rot="16200000">
-            <a:off x="3277028" y="3277028"/>
-            <a:ext cx="11879995" cy="11879995"/>
-          </a:xfrm>
-          <a:prstGeom prst="rect">
-            <a:avLst/>
-          </a:prstGeom>
-          <a:noFill/>
-        </p:spPr>
-        <p:txBody>
-          <a:bodyPr wrap="none" lIns="210669" tIns="105334" rIns="210669" bIns="105334">
-            <a:prstTxWarp prst="textCircle">
-              <a:avLst>
-                <a:gd name="adj" fmla="val 10946467"/>
-              </a:avLst>
-            </a:prstTxWarp>
-            <a:spAutoFit/>
-          </a:bodyPr>
-          <a:lstStyle/>
-          <a:p>
-            <a:pPr algn="ctr"/>
-            <a:r>
-              <a:rPr lang="en-US" sz="23900" b="1" cap="small" spc="600" dirty="0" smtClean="0">
-                <a:ln w="12700">
-                  <a:solidFill>
-                    <a:srgbClr val="FFFFFF"/>
-                  </a:solidFill>
-                  <a:prstDash val="solid"/>
-                </a:ln>
-                <a:solidFill>
-                  <a:schemeClr val="accent2"/>
-                </a:solidFill>
-              </a:rPr>
-              <a:t>Lower Hand   Lower Hand</a:t>
-            </a:r>
-            <a:endParaRPr lang="en-US" sz="23900" b="1" cap="small" spc="600" dirty="0">
-              <a:ln w="12700">
-                <a:solidFill>
-                  <a:srgbClr val="FFFFFF"/>
-                </a:solidFill>
-                <a:prstDash val="solid"/>
-              </a:ln>
-              <a:solidFill>
-                <a:schemeClr val="accent2"/>
-              </a:solidFill>
-            </a:endParaRPr>
-          </a:p>
-        </p:txBody>
-      </p:sp>
-      <p:cxnSp>
-        <p:nvCxnSpPr>
-          <p:cNvPr id="20" name="Connecteur droit 19"/>
-          <p:cNvCxnSpPr>
-            <a:stCxn id="18" idx="1"/>
-            <a:endCxn id="18" idx="5"/>
-          </p:cNvCxnSpPr>
-          <p:nvPr/>
-        </p:nvCxnSpPr>
-        <p:spPr>
-          <a:xfrm>
-            <a:off x="6416883" y="6416882"/>
-            <a:ext cx="5600285" cy="5600286"/>
-          </a:xfrm>
-          <a:prstGeom prst="line">
-            <a:avLst/>
-          </a:prstGeom>
-          <a:ln w="304800">
-            <a:solidFill>
-              <a:schemeClr val="accent2"/>
-            </a:solidFill>
-          </a:ln>
-        </p:spPr>
-        <p:style>
-          <a:lnRef idx="2">
-            <a:schemeClr val="accent1"/>
-          </a:lnRef>
-          <a:fillRef idx="0">
-            <a:schemeClr val="accent1"/>
-          </a:fillRef>
-          <a:effectRef idx="1">
-            <a:schemeClr val="accent1"/>
-          </a:effectRef>
-          <a:fontRef idx="minor">
-            <a:schemeClr val="tx1"/>
-          </a:fontRef>
-        </p:style>
-      </p:cxnSp>
-      <p:sp>
-        <p:nvSpPr>
-          <p:cNvPr id="18" name="Ellipse 17"/>
-          <p:cNvSpPr>
-            <a:spLocks noChangeAspect="1"/>
-          </p:cNvSpPr>
-          <p:nvPr/>
-        </p:nvSpPr>
-        <p:spPr>
-          <a:xfrm>
-            <a:off x="5257026" y="5257025"/>
-            <a:ext cx="7919999" cy="7920000"/>
-          </a:xfrm>
-          <a:prstGeom prst="ellipse">
-            <a:avLst/>
-          </a:prstGeom>
-          <a:noFill/>
-          <a:ln w="304800" cmpd="sng">
-            <a:solidFill>
-              <a:schemeClr val="accent2"/>
-            </a:solidFill>
-          </a:ln>
-        </p:spPr>
-        <p:style>
-          <a:lnRef idx="1">
-            <a:schemeClr val="accent1"/>
-          </a:lnRef>
-          <a:fillRef idx="3">
-            <a:schemeClr val="accent1"/>
-          </a:fillRef>
-          <a:effectRef idx="2">
-            <a:schemeClr val="accent1"/>
-          </a:effectRef>
-          <a:fontRef idx="minor">
-            <a:schemeClr val="lt1"/>
-          </a:fontRef>
-        </p:style>
-        <p:txBody>
-          <a:bodyPr rtlCol="0" anchor="ctr"/>
-          <a:lstStyle/>
-          <a:p>
-            <a:pPr algn="ctr"/>
-            <a:endParaRPr lang="en-US"/>
-          </a:p>
-        </p:txBody>
-      </p:sp>
-    </p:spTree>
-    <p:extLst>
-      <p:ext uri="{BB962C8B-B14F-4D97-AF65-F5344CB8AC3E}">
-        <p14:creationId xmlns:p14="http://schemas.microsoft.com/office/powerpoint/2010/main" val="889738266"/>
-      </p:ext>
-    </p:extLst>
-  </p:cSld>
-  <p:clrMapOvr>
-    <a:masterClrMapping/>
-  </p:clrMapOvr>
-</p:sld>
-</file>
-
-<file path=ppt/slides/slide5.xml><?xml version="1.0" encoding="utf-8"?>
-<p:sld xmlns:a="http://schemas.openxmlformats.org/drawingml/2006/main" xmlns:r="http://schemas.openxmlformats.org/officeDocument/2006/relationships" xmlns:p="http://schemas.openxmlformats.org/presentationml/2006/main">
-  <p:cSld>
-    <p:spTree>
-      <p:nvGrpSpPr>
-        <p:cNvPr id="1" name=""/>
-        <p:cNvGrpSpPr/>
-        <p:nvPr/>
-      </p:nvGrpSpPr>
-      <p:grpSpPr>
-        <a:xfrm>
-          <a:off x="0" y="0"/>
-          <a:ext cx="0" cy="0"/>
-          <a:chOff x="0" y="0"/>
-          <a:chExt cx="0" cy="0"/>
-        </a:xfrm>
-      </p:grpSpPr>
-      <p:sp>
-        <p:nvSpPr>
-          <p:cNvPr id="5" name="Bouée 4"/>
-          <p:cNvSpPr>
-            <a:spLocks noChangeAspect="1"/>
-          </p:cNvSpPr>
-          <p:nvPr/>
-        </p:nvSpPr>
-        <p:spPr>
-          <a:xfrm>
-            <a:off x="1614253" y="1610484"/>
-            <a:ext cx="15228000" cy="15228000"/>
-          </a:xfrm>
-          <a:prstGeom prst="donut">
-            <a:avLst>
-              <a:gd name="adj" fmla="val 30982"/>
-            </a:avLst>
-          </a:prstGeom>
-          <a:solidFill>
-            <a:schemeClr val="bg1"/>
-          </a:solidFill>
-          <a:ln w="76200" cmpd="sng">
-            <a:noFill/>
-          </a:ln>
-        </p:spPr>
-        <p:style>
-          <a:lnRef idx="1">
-            <a:schemeClr val="accent1"/>
-          </a:lnRef>
-          <a:fillRef idx="3">
-            <a:schemeClr val="accent1"/>
-          </a:fillRef>
-          <a:effectRef idx="2">
-            <a:schemeClr val="accent1"/>
-          </a:effectRef>
-          <a:fontRef idx="minor">
-            <a:schemeClr val="lt1"/>
-          </a:fontRef>
-        </p:style>
-        <p:txBody>
-          <a:bodyPr rtlCol="0" anchor="ctr"/>
-          <a:lstStyle/>
-          <a:p>
-            <a:pPr algn="ctr"/>
-            <a:endParaRPr lang="en-US">
-              <a:solidFill>
-                <a:schemeClr val="tx1"/>
-              </a:solidFill>
-            </a:endParaRPr>
-          </a:p>
-        </p:txBody>
-      </p:sp>
-      <p:sp>
-        <p:nvSpPr>
-          <p:cNvPr id="2" name="Rectangle 1"/>
-          <p:cNvSpPr>
-            <a:spLocks noChangeAspect="1"/>
-          </p:cNvSpPr>
-          <p:nvPr/>
-        </p:nvSpPr>
-        <p:spPr>
-          <a:xfrm rot="16200000">
-            <a:off x="3277028" y="3277028"/>
-            <a:ext cx="11879995" cy="11879995"/>
-          </a:xfrm>
-          <a:prstGeom prst="rect">
-            <a:avLst/>
-          </a:prstGeom>
-          <a:noFill/>
-        </p:spPr>
-        <p:txBody>
-          <a:bodyPr wrap="none" lIns="210669" tIns="105334" rIns="210669" bIns="105334">
-            <a:prstTxWarp prst="textCircle">
-              <a:avLst>
-                <a:gd name="adj" fmla="val 10946467"/>
-              </a:avLst>
-            </a:prstTxWarp>
-            <a:spAutoFit/>
-          </a:bodyPr>
-          <a:lstStyle/>
-          <a:p>
-            <a:pPr algn="ctr"/>
-            <a:r>
-              <a:rPr lang="en-US" sz="23900" b="1" cap="small" spc="300" dirty="0" smtClean="0">
-                <a:ln w="12700">
-                  <a:solidFill>
-                    <a:srgbClr val="FFFFFF"/>
-                  </a:solidFill>
-                  <a:prstDash val="solid"/>
-                </a:ln>
-                <a:solidFill>
-                  <a:schemeClr val="accent2"/>
-                </a:solidFill>
-              </a:rPr>
-              <a:t>Time to lower hand exceeded.</a:t>
-            </a:r>
-            <a:endParaRPr lang="en-US" sz="23900" b="1" cap="small" spc="300" dirty="0">
-              <a:ln w="12700">
-                <a:solidFill>
-                  <a:srgbClr val="FFFFFF"/>
-                </a:solidFill>
-                <a:prstDash val="solid"/>
-              </a:ln>
-              <a:solidFill>
-                <a:schemeClr val="accent2"/>
-              </a:solidFill>
-            </a:endParaRPr>
-          </a:p>
-        </p:txBody>
-      </p:sp>
-      <p:sp>
-        <p:nvSpPr>
-          <p:cNvPr id="3" name="Rectangle 2"/>
-          <p:cNvSpPr>
-            <a:spLocks noChangeAspect="1"/>
-          </p:cNvSpPr>
-          <p:nvPr/>
-        </p:nvSpPr>
-        <p:spPr>
-          <a:xfrm rot="16200000">
-            <a:off x="5257022" y="5257026"/>
-            <a:ext cx="7920006" cy="7919999"/>
-          </a:xfrm>
-          <a:prstGeom prst="rect">
-            <a:avLst/>
-          </a:prstGeom>
-          <a:noFill/>
-        </p:spPr>
-        <p:txBody>
-          <a:bodyPr wrap="none" lIns="210669" tIns="105334" rIns="210669" bIns="105334">
-            <a:prstTxWarp prst="textCircle">
-              <a:avLst>
-                <a:gd name="adj" fmla="val 10916975"/>
-              </a:avLst>
-            </a:prstTxWarp>
-            <a:spAutoFit/>
-          </a:bodyPr>
-          <a:lstStyle/>
-          <a:p>
-            <a:pPr algn="ctr"/>
-            <a:r>
-              <a:rPr lang="en-US" sz="13800" b="1" cap="small" spc="300" dirty="0" smtClean="0">
-                <a:ln w="12700">
-                  <a:noFill/>
-                  <a:prstDash val="solid"/>
-                </a:ln>
-                <a:solidFill>
-                  <a:schemeClr val="accent1"/>
-                </a:solidFill>
-                <a:effectLst>
-                  <a:outerShdw blurRad="41275" dist="20320" dir="1800000" algn="tl" rotWithShape="0">
-                    <a:srgbClr val="000000">
-                      <a:alpha val="40000"/>
-                    </a:srgbClr>
-                  </a:outerShdw>
-                </a:effectLst>
-              </a:rPr>
-              <a:t> Press </a:t>
-            </a:r>
-            <a:r>
-              <a:rPr lang="en-US" sz="13800" b="1" cap="small" spc="300" dirty="0">
-                <a:ln w="12700">
-                  <a:noFill/>
-                  <a:prstDash val="solid"/>
-                </a:ln>
-                <a:solidFill>
-                  <a:schemeClr val="accent1"/>
-                </a:solidFill>
-                <a:effectLst>
-                  <a:outerShdw blurRad="41275" dist="20320" dir="1800000" algn="tl" rotWithShape="0">
-                    <a:srgbClr val="000000">
-                      <a:alpha val="40000"/>
-                    </a:srgbClr>
-                  </a:outerShdw>
-                </a:effectLst>
-              </a:rPr>
-              <a:t>a button to continue</a:t>
-            </a:r>
-            <a:r>
-              <a:rPr lang="en-US" sz="13800" b="1" cap="small" spc="300" dirty="0" smtClean="0">
-                <a:ln w="12700">
-                  <a:noFill/>
-                  <a:prstDash val="solid"/>
-                </a:ln>
-                <a:solidFill>
-                  <a:schemeClr val="accent1"/>
-                </a:solidFill>
-                <a:effectLst>
-                  <a:outerShdw blurRad="41275" dist="20320" dir="1800000" algn="tl" rotWithShape="0">
-                    <a:srgbClr val="000000">
-                      <a:alpha val="40000"/>
-                    </a:srgbClr>
-                  </a:outerShdw>
-                </a:effectLst>
-              </a:rPr>
-              <a:t>.</a:t>
-            </a:r>
-            <a:endParaRPr lang="en-US" sz="13800" b="1" cap="small" spc="300" dirty="0">
-              <a:ln w="12700">
-                <a:noFill/>
-                <a:prstDash val="solid"/>
-              </a:ln>
-              <a:solidFill>
-                <a:schemeClr val="accent1"/>
-              </a:solidFill>
-              <a:effectLst>
-                <a:outerShdw blurRad="41275" dist="20320" dir="1800000" algn="tl" rotWithShape="0">
-                  <a:srgbClr val="000000">
-                    <a:alpha val="40000"/>
-                  </a:srgbClr>
-                </a:outerShdw>
-              </a:effectLst>
-            </a:endParaRPr>
-          </a:p>
-        </p:txBody>
-      </p:sp>
-      <p:grpSp>
-        <p:nvGrpSpPr>
-          <p:cNvPr id="6" name="Grouper 5"/>
-          <p:cNvGrpSpPr/>
-          <p:nvPr/>
-        </p:nvGrpSpPr>
-        <p:grpSpPr>
-          <a:xfrm>
-            <a:off x="6758168" y="6943137"/>
-            <a:ext cx="5001192" cy="5044481"/>
-            <a:chOff x="6494949" y="6943137"/>
-            <a:chExt cx="5001192" cy="5044481"/>
-          </a:xfrm>
-        </p:grpSpPr>
-        <p:sp>
-          <p:nvSpPr>
-            <p:cNvPr id="7" name="Ellipse 6"/>
-            <p:cNvSpPr>
-              <a:spLocks noChangeAspect="1"/>
-            </p:cNvSpPr>
-            <p:nvPr/>
-          </p:nvSpPr>
-          <p:spPr>
-            <a:xfrm>
-              <a:off x="7350417" y="7841894"/>
-              <a:ext cx="3290257" cy="3290257"/>
-            </a:xfrm>
-            <a:prstGeom prst="ellipse">
-              <a:avLst/>
-            </a:prstGeom>
-            <a:ln>
-              <a:solidFill>
-                <a:schemeClr val="accent2"/>
-              </a:solidFill>
-            </a:ln>
-            <a:effectLst>
-              <a:outerShdw blurRad="76200" dir="18900000" sy="23000" kx="-1200000" algn="bl" rotWithShape="0">
-                <a:prstClr val="black">
-                  <a:alpha val="20000"/>
-                </a:prstClr>
-              </a:outerShdw>
-            </a:effectLst>
-          </p:spPr>
-          <p:style>
-            <a:lnRef idx="1">
-              <a:schemeClr val="accent1"/>
-            </a:lnRef>
-            <a:fillRef idx="3">
-              <a:schemeClr val="accent1"/>
-            </a:fillRef>
-            <a:effectRef idx="2">
-              <a:schemeClr val="accent1"/>
-            </a:effectRef>
-            <a:fontRef idx="minor">
-              <a:schemeClr val="lt1"/>
-            </a:fontRef>
-          </p:style>
-          <p:txBody>
-            <a:bodyPr rtlCol="0" anchor="ctr"/>
-            <a:lstStyle/>
-            <a:p>
-              <a:pPr algn="ctr"/>
-              <a:endParaRPr lang="en-US"/>
-            </a:p>
-          </p:txBody>
-        </p:sp>
-        <p:sp>
-          <p:nvSpPr>
-            <p:cNvPr id="8" name="Secteurs 7"/>
-            <p:cNvSpPr>
-              <a:spLocks noChangeAspect="1"/>
-            </p:cNvSpPr>
-            <p:nvPr/>
-          </p:nvSpPr>
-          <p:spPr>
-            <a:xfrm>
-              <a:off x="7371136" y="7841899"/>
-              <a:ext cx="3248819" cy="3290246"/>
-            </a:xfrm>
-            <a:prstGeom prst="pie">
-              <a:avLst>
-                <a:gd name="adj1" fmla="val 17697688"/>
-                <a:gd name="adj2" fmla="val 16200000"/>
-              </a:avLst>
-            </a:prstGeom>
-            <a:solidFill>
-              <a:srgbClr val="FFFFFF"/>
-            </a:solidFill>
-            <a:ln>
-              <a:solidFill>
-                <a:schemeClr val="accent2"/>
-              </a:solidFill>
-            </a:ln>
-          </p:spPr>
-          <p:style>
-            <a:lnRef idx="1">
-              <a:schemeClr val="accent1"/>
-            </a:lnRef>
-            <a:fillRef idx="3">
-              <a:schemeClr val="accent1"/>
-            </a:fillRef>
-            <a:effectRef idx="2">
-              <a:schemeClr val="accent1"/>
-            </a:effectRef>
-            <a:fontRef idx="minor">
-              <a:schemeClr val="lt1"/>
-            </a:fontRef>
-          </p:style>
-          <p:txBody>
-            <a:bodyPr rtlCol="0" anchor="ctr"/>
-            <a:lstStyle/>
-            <a:p>
-              <a:pPr algn="ctr"/>
-              <a:endParaRPr lang="en-US">
-                <a:solidFill>
-                  <a:schemeClr val="tx1"/>
-                </a:solidFill>
-              </a:endParaRPr>
-            </a:p>
-          </p:txBody>
-        </p:sp>
-        <p:cxnSp>
-          <p:nvCxnSpPr>
-            <p:cNvPr id="9" name="Connecteur droit avec flèche 8"/>
-            <p:cNvCxnSpPr>
-              <a:endCxn id="7" idx="0"/>
-            </p:cNvCxnSpPr>
-            <p:nvPr/>
-          </p:nvCxnSpPr>
-          <p:spPr>
-            <a:xfrm flipV="1">
-              <a:off x="8995545" y="7841894"/>
-              <a:ext cx="0" cy="1601840"/>
-            </a:xfrm>
-            <a:prstGeom prst="straightConnector1">
-              <a:avLst/>
-            </a:prstGeom>
-            <a:ln w="57150" cmpd="sng">
-              <a:solidFill>
-                <a:schemeClr val="accent2"/>
-              </a:solidFill>
-              <a:tailEnd type="arrow"/>
-            </a:ln>
-          </p:spPr>
-          <p:style>
-            <a:lnRef idx="2">
-              <a:schemeClr val="accent1"/>
-            </a:lnRef>
-            <a:fillRef idx="0">
-              <a:schemeClr val="accent1"/>
-            </a:fillRef>
-            <a:effectRef idx="1">
-              <a:schemeClr val="accent1"/>
-            </a:effectRef>
-            <a:fontRef idx="minor">
-              <a:schemeClr val="tx1"/>
-            </a:fontRef>
-          </p:style>
-        </p:cxnSp>
-        <p:grpSp>
-          <p:nvGrpSpPr>
-            <p:cNvPr id="10" name="Grouper 9"/>
-            <p:cNvGrpSpPr/>
-            <p:nvPr/>
-          </p:nvGrpSpPr>
-          <p:grpSpPr>
-            <a:xfrm>
-              <a:off x="6494949" y="6986428"/>
-              <a:ext cx="5001192" cy="5001190"/>
-              <a:chOff x="2759620" y="2052934"/>
-              <a:chExt cx="2735998" cy="2735997"/>
-            </a:xfrm>
-          </p:grpSpPr>
-          <p:sp>
-            <p:nvSpPr>
-              <p:cNvPr id="15" name="Arc 14"/>
-              <p:cNvSpPr/>
-              <p:nvPr/>
-            </p:nvSpPr>
-            <p:spPr>
-              <a:xfrm>
-                <a:off x="3119619" y="2340933"/>
-                <a:ext cx="2016000" cy="2159999"/>
-              </a:xfrm>
-              <a:prstGeom prst="arc">
-                <a:avLst>
-                  <a:gd name="adj1" fmla="val 17494394"/>
-                  <a:gd name="adj2" fmla="val 19010120"/>
-                </a:avLst>
-              </a:prstGeom>
-              <a:ln w="38100" cmpd="sng">
-                <a:solidFill>
-                  <a:schemeClr val="accent2"/>
-                </a:solidFill>
-              </a:ln>
-            </p:spPr>
-            <p:style>
-              <a:lnRef idx="2">
-                <a:schemeClr val="accent1"/>
-              </a:lnRef>
-              <a:fillRef idx="0">
-                <a:schemeClr val="accent1"/>
-              </a:fillRef>
-              <a:effectRef idx="1">
-                <a:schemeClr val="accent1"/>
-              </a:effectRef>
-              <a:fontRef idx="minor">
-                <a:schemeClr val="tx1"/>
-              </a:fontRef>
-            </p:style>
-            <p:txBody>
-              <a:bodyPr rtlCol="0" anchor="ctr"/>
-              <a:lstStyle/>
-              <a:p>
-                <a:pPr algn="ctr"/>
-                <a:endParaRPr lang="en-US"/>
-              </a:p>
-            </p:txBody>
-          </p:sp>
-          <p:sp>
-            <p:nvSpPr>
-              <p:cNvPr id="16" name="Arc 15"/>
-              <p:cNvSpPr>
-                <a:spLocks noChangeAspect="1"/>
-              </p:cNvSpPr>
-              <p:nvPr/>
-            </p:nvSpPr>
-            <p:spPr>
-              <a:xfrm>
-                <a:off x="2903620" y="2196933"/>
-                <a:ext cx="2447999" cy="2447998"/>
-              </a:xfrm>
-              <a:prstGeom prst="arc">
-                <a:avLst>
-                  <a:gd name="adj1" fmla="val 17258218"/>
-                  <a:gd name="adj2" fmla="val 19319877"/>
-                </a:avLst>
-              </a:prstGeom>
-              <a:ln w="38100" cmpd="sng">
-                <a:solidFill>
-                  <a:schemeClr val="accent2"/>
-                </a:solidFill>
-              </a:ln>
-            </p:spPr>
-            <p:style>
-              <a:lnRef idx="2">
-                <a:schemeClr val="accent1"/>
-              </a:lnRef>
-              <a:fillRef idx="0">
-                <a:schemeClr val="accent1"/>
-              </a:fillRef>
-              <a:effectRef idx="1">
-                <a:schemeClr val="accent1"/>
-              </a:effectRef>
-              <a:fontRef idx="minor">
-                <a:schemeClr val="tx1"/>
-              </a:fontRef>
-            </p:style>
-            <p:txBody>
-              <a:bodyPr rtlCol="0" anchor="ctr"/>
-              <a:lstStyle/>
-              <a:p>
-                <a:pPr algn="ctr"/>
-                <a:endParaRPr lang="en-US"/>
-              </a:p>
-            </p:txBody>
-          </p:sp>
-          <p:sp>
-            <p:nvSpPr>
-              <p:cNvPr id="17" name="Arc 16"/>
-              <p:cNvSpPr>
-                <a:spLocks noChangeAspect="1"/>
-              </p:cNvSpPr>
-              <p:nvPr/>
-            </p:nvSpPr>
-            <p:spPr>
-              <a:xfrm>
-                <a:off x="2759620" y="2052934"/>
-                <a:ext cx="2735998" cy="2735997"/>
-              </a:xfrm>
-              <a:prstGeom prst="arc">
-                <a:avLst>
-                  <a:gd name="adj1" fmla="val 17058860"/>
-                  <a:gd name="adj2" fmla="val 19569505"/>
-                </a:avLst>
-              </a:prstGeom>
-              <a:ln w="38100" cmpd="sng">
-                <a:solidFill>
-                  <a:schemeClr val="accent2"/>
-                </a:solidFill>
-              </a:ln>
-            </p:spPr>
-            <p:style>
-              <a:lnRef idx="2">
-                <a:schemeClr val="accent1"/>
-              </a:lnRef>
-              <a:fillRef idx="0">
-                <a:schemeClr val="accent1"/>
-              </a:fillRef>
-              <a:effectRef idx="1">
-                <a:schemeClr val="accent1"/>
-              </a:effectRef>
-              <a:fontRef idx="minor">
-                <a:schemeClr val="tx1"/>
-              </a:fontRef>
-            </p:style>
-            <p:txBody>
-              <a:bodyPr rtlCol="0" anchor="ctr"/>
-              <a:lstStyle/>
-              <a:p>
-                <a:pPr algn="ctr"/>
-                <a:endParaRPr lang="en-US">
-                  <a:ln w="38100" cmpd="sng">
-                    <a:solidFill>
-                      <a:srgbClr val="000000"/>
-                    </a:solidFill>
-                  </a:ln>
-                </a:endParaRPr>
-              </a:p>
-            </p:txBody>
-          </p:sp>
-        </p:grpSp>
-        <p:grpSp>
-          <p:nvGrpSpPr>
-            <p:cNvPr id="11" name="Grouper 10"/>
-            <p:cNvGrpSpPr/>
-            <p:nvPr/>
-          </p:nvGrpSpPr>
-          <p:grpSpPr>
-            <a:xfrm flipH="1">
-              <a:off x="6494949" y="6943137"/>
-              <a:ext cx="5001192" cy="5001190"/>
-              <a:chOff x="2759620" y="2052934"/>
-              <a:chExt cx="2735998" cy="2735997"/>
-            </a:xfrm>
-          </p:grpSpPr>
-          <p:sp>
-            <p:nvSpPr>
-              <p:cNvPr id="12" name="Arc 11"/>
-              <p:cNvSpPr/>
-              <p:nvPr/>
-            </p:nvSpPr>
-            <p:spPr>
-              <a:xfrm>
-                <a:off x="3119619" y="2340933"/>
-                <a:ext cx="2016000" cy="2159999"/>
-              </a:xfrm>
-              <a:prstGeom prst="arc">
-                <a:avLst>
-                  <a:gd name="adj1" fmla="val 17494394"/>
-                  <a:gd name="adj2" fmla="val 19010120"/>
-                </a:avLst>
-              </a:prstGeom>
-              <a:ln w="38100" cmpd="sng">
-                <a:solidFill>
-                  <a:schemeClr val="accent2"/>
-                </a:solidFill>
-              </a:ln>
-            </p:spPr>
-            <p:style>
-              <a:lnRef idx="2">
-                <a:schemeClr val="accent1"/>
-              </a:lnRef>
-              <a:fillRef idx="0">
-                <a:schemeClr val="accent1"/>
-              </a:fillRef>
-              <a:effectRef idx="1">
-                <a:schemeClr val="accent1"/>
-              </a:effectRef>
-              <a:fontRef idx="minor">
-                <a:schemeClr val="tx1"/>
-              </a:fontRef>
-            </p:style>
-            <p:txBody>
-              <a:bodyPr rtlCol="0" anchor="ctr"/>
-              <a:lstStyle/>
-              <a:p>
-                <a:pPr algn="ctr"/>
-                <a:endParaRPr lang="en-US"/>
-              </a:p>
-            </p:txBody>
-          </p:sp>
-          <p:sp>
-            <p:nvSpPr>
-              <p:cNvPr id="13" name="Arc 12"/>
-              <p:cNvSpPr>
-                <a:spLocks noChangeAspect="1"/>
-              </p:cNvSpPr>
-              <p:nvPr/>
-            </p:nvSpPr>
-            <p:spPr>
-              <a:xfrm>
-                <a:off x="2903620" y="2196933"/>
-                <a:ext cx="2447999" cy="2447998"/>
-              </a:xfrm>
-              <a:prstGeom prst="arc">
-                <a:avLst>
-                  <a:gd name="adj1" fmla="val 17258218"/>
-                  <a:gd name="adj2" fmla="val 19319877"/>
-                </a:avLst>
-              </a:prstGeom>
-              <a:ln w="38100" cmpd="sng">
-                <a:solidFill>
-                  <a:schemeClr val="accent2"/>
-                </a:solidFill>
-              </a:ln>
-            </p:spPr>
-            <p:style>
-              <a:lnRef idx="2">
-                <a:schemeClr val="accent1"/>
-              </a:lnRef>
-              <a:fillRef idx="0">
-                <a:schemeClr val="accent1"/>
-              </a:fillRef>
-              <a:effectRef idx="1">
-                <a:schemeClr val="accent1"/>
-              </a:effectRef>
-              <a:fontRef idx="minor">
-                <a:schemeClr val="tx1"/>
-              </a:fontRef>
-            </p:style>
-            <p:txBody>
-              <a:bodyPr rtlCol="0" anchor="ctr"/>
-              <a:lstStyle/>
-              <a:p>
-                <a:pPr algn="ctr"/>
-                <a:endParaRPr lang="en-US"/>
-              </a:p>
-            </p:txBody>
-          </p:sp>
-          <p:sp>
-            <p:nvSpPr>
-              <p:cNvPr id="14" name="Arc 13"/>
-              <p:cNvSpPr>
-                <a:spLocks noChangeAspect="1"/>
-              </p:cNvSpPr>
-              <p:nvPr/>
-            </p:nvSpPr>
-            <p:spPr>
-              <a:xfrm>
-                <a:off x="2759620" y="2052934"/>
-                <a:ext cx="2735998" cy="2735997"/>
-              </a:xfrm>
-              <a:prstGeom prst="arc">
-                <a:avLst>
-                  <a:gd name="adj1" fmla="val 17058860"/>
-                  <a:gd name="adj2" fmla="val 19569505"/>
-                </a:avLst>
-              </a:prstGeom>
-              <a:ln w="38100" cmpd="sng">
-                <a:solidFill>
-                  <a:schemeClr val="accent2"/>
-                </a:solidFill>
-              </a:ln>
-            </p:spPr>
-            <p:style>
-              <a:lnRef idx="2">
-                <a:schemeClr val="accent1"/>
-              </a:lnRef>
-              <a:fillRef idx="0">
-                <a:schemeClr val="accent1"/>
-              </a:fillRef>
-              <a:effectRef idx="1">
-                <a:schemeClr val="accent1"/>
-              </a:effectRef>
-              <a:fontRef idx="minor">
-                <a:schemeClr val="tx1"/>
-              </a:fontRef>
-            </p:style>
-            <p:txBody>
-              <a:bodyPr rtlCol="0" anchor="ctr"/>
-              <a:lstStyle/>
-              <a:p>
-                <a:pPr algn="ctr"/>
-                <a:endParaRPr lang="en-US">
-                  <a:ln w="38100" cmpd="sng">
-                    <a:solidFill>
-                      <a:srgbClr val="000000"/>
-                    </a:solidFill>
-                  </a:ln>
-                </a:endParaRPr>
-              </a:p>
-            </p:txBody>
-          </p:sp>
-        </p:grpSp>
-      </p:grpSp>
-    </p:spTree>
-    <p:extLst>
-      <p:ext uri="{BB962C8B-B14F-4D97-AF65-F5344CB8AC3E}">
-        <p14:creationId xmlns:p14="http://schemas.microsoft.com/office/powerpoint/2010/main" val="291435061"/>
-      </p:ext>
-    </p:extLst>
-  </p:cSld>
-  <p:clrMapOvr>
-    <a:masterClrMapping/>
-  </p:clrMapOvr>
-</p:sld>
-</file>
-
-<file path=ppt/slides/slide6.xml><?xml version="1.0" encoding="utf-8"?>
-<p:sld xmlns:a="http://schemas.openxmlformats.org/drawingml/2006/main" xmlns:r="http://schemas.openxmlformats.org/officeDocument/2006/relationships" xmlns:p="http://schemas.openxmlformats.org/presentationml/2006/main">
-  <p:cSld>
-    <p:spTree>
-      <p:nvGrpSpPr>
-        <p:cNvPr id="1" name=""/>
-        <p:cNvGrpSpPr/>
-        <p:nvPr/>
-      </p:nvGrpSpPr>
-      <p:grpSpPr>
-        <a:xfrm>
-          <a:off x="0" y="0"/>
-          <a:ext cx="0" cy="0"/>
-          <a:chOff x="0" y="0"/>
-          <a:chExt cx="0" cy="0"/>
-        </a:xfrm>
-      </p:grpSpPr>
-      <p:sp>
-        <p:nvSpPr>
-          <p:cNvPr id="5" name="Bouée 4"/>
-          <p:cNvSpPr>
-            <a:spLocks noChangeAspect="1"/>
-          </p:cNvSpPr>
-          <p:nvPr/>
-        </p:nvSpPr>
-        <p:spPr>
-          <a:xfrm>
-            <a:off x="1614253" y="1610484"/>
-            <a:ext cx="15228000" cy="15228000"/>
-          </a:xfrm>
-          <a:prstGeom prst="donut">
-            <a:avLst>
-              <a:gd name="adj" fmla="val 30982"/>
-            </a:avLst>
-          </a:prstGeom>
-          <a:solidFill>
-            <a:schemeClr val="bg1"/>
-          </a:solidFill>
-          <a:ln w="76200" cmpd="sng">
-            <a:noFill/>
-          </a:ln>
-        </p:spPr>
-        <p:style>
-          <a:lnRef idx="1">
-            <a:schemeClr val="accent1"/>
-          </a:lnRef>
-          <a:fillRef idx="3">
-            <a:schemeClr val="accent1"/>
-          </a:fillRef>
-          <a:effectRef idx="2">
-            <a:schemeClr val="accent1"/>
-          </a:effectRef>
-          <a:fontRef idx="minor">
-            <a:schemeClr val="lt1"/>
-          </a:fontRef>
-        </p:style>
-        <p:txBody>
-          <a:bodyPr rtlCol="0" anchor="ctr"/>
-          <a:lstStyle/>
-          <a:p>
-            <a:pPr algn="ctr"/>
-            <a:endParaRPr lang="en-US">
-              <a:solidFill>
-                <a:schemeClr val="tx1"/>
-              </a:solidFill>
-            </a:endParaRPr>
-          </a:p>
-        </p:txBody>
-      </p:sp>
-      <p:pic>
-        <p:nvPicPr>
-          <p:cNvPr id="4" name="Image 3" descr="4cb46pEdi.gif"/>
-          <p:cNvPicPr>
-            <a:picLocks noChangeAspect="1"/>
-          </p:cNvPicPr>
-          <p:nvPr/>
-        </p:nvPicPr>
-        <p:blipFill>
-          <a:blip r:embed="rId2">
-            <a:extLst>
-              <a:ext uri="{28A0092B-C50C-407E-A947-70E740481C1C}">
-                <a14:useLocalDpi xmlns:a14="http://schemas.microsoft.com/office/drawing/2010/main" val="0"/>
-              </a:ext>
-            </a:extLst>
-          </a:blip>
-          <a:stretch>
-            <a:fillRect/>
-          </a:stretch>
-        </p:blipFill>
-        <p:spPr>
-          <a:xfrm rot="16200000">
-            <a:off x="6799069" y="4061837"/>
-            <a:ext cx="6686364" cy="10029547"/>
-          </a:xfrm>
-          <a:prstGeom prst="rect">
-            <a:avLst/>
-          </a:prstGeom>
-          <a:ln>
-            <a:noFill/>
-          </a:ln>
-        </p:spPr>
-      </p:pic>
-      <p:sp>
-        <p:nvSpPr>
-          <p:cNvPr id="2" name="Rectangle 1"/>
-          <p:cNvSpPr>
-            <a:spLocks noChangeAspect="1"/>
-          </p:cNvSpPr>
-          <p:nvPr/>
-        </p:nvSpPr>
-        <p:spPr>
-          <a:xfrm rot="16200000">
-            <a:off x="3277028" y="3277028"/>
-            <a:ext cx="11879995" cy="11879995"/>
-          </a:xfrm>
-          <a:prstGeom prst="rect">
-            <a:avLst/>
-          </a:prstGeom>
-          <a:noFill/>
-        </p:spPr>
-        <p:txBody>
-          <a:bodyPr wrap="none" lIns="210669" tIns="105334" rIns="210669" bIns="105334">
-            <a:prstTxWarp prst="textCircle">
-              <a:avLst>
-                <a:gd name="adj" fmla="val 10946467"/>
-              </a:avLst>
-            </a:prstTxWarp>
-            <a:spAutoFit/>
-          </a:bodyPr>
-          <a:lstStyle/>
-          <a:p>
-            <a:pPr algn="ctr"/>
-            <a:r>
-              <a:rPr lang="en-US" sz="23900" b="1" cap="small" dirty="0" smtClean="0">
-                <a:ln w="12700">
-                  <a:solidFill>
-                    <a:srgbClr val="FFFFFF"/>
-                  </a:solidFill>
-                  <a:prstDash val="solid"/>
-                </a:ln>
-                <a:solidFill>
-                  <a:schemeClr val="accent2"/>
-                </a:solidFill>
-              </a:rPr>
-              <a:t>Raise hand and aim at target.</a:t>
-            </a:r>
-            <a:endParaRPr lang="en-US" sz="23900" b="1" cap="small" dirty="0">
-              <a:ln w="12700">
-                <a:solidFill>
-                  <a:srgbClr val="FFFFFF"/>
-                </a:solidFill>
-                <a:prstDash val="solid"/>
-              </a:ln>
-              <a:solidFill>
-                <a:schemeClr val="accent2"/>
-              </a:solidFill>
-            </a:endParaRPr>
-          </a:p>
-        </p:txBody>
-      </p:sp>
-      <p:sp>
-        <p:nvSpPr>
-          <p:cNvPr id="18" name="Ellipse 17"/>
-          <p:cNvSpPr>
-            <a:spLocks noChangeAspect="1"/>
-          </p:cNvSpPr>
-          <p:nvPr/>
-        </p:nvSpPr>
-        <p:spPr>
-          <a:xfrm>
-            <a:off x="4897026" y="4897026"/>
-            <a:ext cx="8639998" cy="8639999"/>
-          </a:xfrm>
-          <a:prstGeom prst="ellipse">
-            <a:avLst/>
-          </a:prstGeom>
-          <a:noFill/>
-          <a:ln w="304800" cmpd="sng">
-            <a:solidFill>
-              <a:srgbClr val="008000"/>
-            </a:solidFill>
-          </a:ln>
-        </p:spPr>
-        <p:style>
-          <a:lnRef idx="1">
-            <a:schemeClr val="accent1"/>
-          </a:lnRef>
-          <a:fillRef idx="3">
-            <a:schemeClr val="accent1"/>
-          </a:fillRef>
-          <a:effectRef idx="2">
-            <a:schemeClr val="accent1"/>
-          </a:effectRef>
-          <a:fontRef idx="minor">
-            <a:schemeClr val="lt1"/>
-          </a:fontRef>
-        </p:style>
-        <p:txBody>
-          <a:bodyPr rtlCol="0" anchor="ctr"/>
-          <a:lstStyle/>
-          <a:p>
-            <a:pPr algn="ctr"/>
-            <a:endParaRPr lang="en-US"/>
-          </a:p>
-        </p:txBody>
-      </p:sp>
-    </p:spTree>
-    <p:extLst>
-      <p:ext uri="{BB962C8B-B14F-4D97-AF65-F5344CB8AC3E}">
-        <p14:creationId xmlns:p14="http://schemas.microsoft.com/office/powerpoint/2010/main" val="2779772020"/>
-      </p:ext>
-    </p:extLst>
-  </p:cSld>
-  <p:clrMapOvr>
-    <a:masterClrMapping/>
-  </p:clrMapOvr>
-</p:sld>
-</file>
-
-<file path=ppt/slides/slide7.xml><?xml version="1.0" encoding="utf-8"?>
-<p:sld xmlns:a="http://schemas.openxmlformats.org/drawingml/2006/main" xmlns:r="http://schemas.openxmlformats.org/officeDocument/2006/relationships" xmlns:p="http://schemas.openxmlformats.org/presentationml/2006/main">
-  <p:cSld>
-    <p:spTree>
-      <p:nvGrpSpPr>
-        <p:cNvPr id="1" name=""/>
-        <p:cNvGrpSpPr/>
-        <p:nvPr/>
-      </p:nvGrpSpPr>
-      <p:grpSpPr>
-        <a:xfrm>
-          <a:off x="0" y="0"/>
-          <a:ext cx="0" cy="0"/>
-          <a:chOff x="0" y="0"/>
-          <a:chExt cx="0" cy="0"/>
-        </a:xfrm>
-      </p:grpSpPr>
-      <p:sp>
-        <p:nvSpPr>
-          <p:cNvPr id="5" name="Bouée 4"/>
-          <p:cNvSpPr>
-            <a:spLocks noChangeAspect="1"/>
-          </p:cNvSpPr>
-          <p:nvPr/>
-        </p:nvSpPr>
-        <p:spPr>
-          <a:xfrm>
-            <a:off x="1614253" y="1610484"/>
-            <a:ext cx="15228000" cy="15228000"/>
-          </a:xfrm>
-          <a:prstGeom prst="donut">
-            <a:avLst>
-              <a:gd name="adj" fmla="val 30982"/>
-            </a:avLst>
-          </a:prstGeom>
-          <a:solidFill>
-            <a:schemeClr val="bg1"/>
-          </a:solidFill>
-          <a:ln w="76200" cmpd="sng">
-            <a:noFill/>
-          </a:ln>
-        </p:spPr>
-        <p:style>
-          <a:lnRef idx="1">
-            <a:schemeClr val="accent1"/>
-          </a:lnRef>
-          <a:fillRef idx="3">
-            <a:schemeClr val="accent1"/>
-          </a:fillRef>
-          <a:effectRef idx="2">
-            <a:schemeClr val="accent1"/>
-          </a:effectRef>
-          <a:fontRef idx="minor">
-            <a:schemeClr val="lt1"/>
-          </a:fontRef>
-        </p:style>
-        <p:txBody>
-          <a:bodyPr rtlCol="0" anchor="ctr"/>
-          <a:lstStyle/>
-          <a:p>
-            <a:pPr algn="ctr"/>
-            <a:endParaRPr lang="en-US">
-              <a:solidFill>
-                <a:schemeClr val="tx1"/>
-              </a:solidFill>
-            </a:endParaRPr>
-          </a:p>
-        </p:txBody>
-      </p:sp>
-      <p:sp>
-        <p:nvSpPr>
-          <p:cNvPr id="2" name="Rectangle 1"/>
-          <p:cNvSpPr>
-            <a:spLocks noChangeAspect="1"/>
-          </p:cNvSpPr>
-          <p:nvPr/>
-        </p:nvSpPr>
-        <p:spPr>
-          <a:xfrm rot="16200000">
-            <a:off x="3277028" y="3277028"/>
-            <a:ext cx="11879995" cy="11879995"/>
-          </a:xfrm>
-          <a:prstGeom prst="rect">
-            <a:avLst/>
-          </a:prstGeom>
-          <a:noFill/>
-        </p:spPr>
-        <p:txBody>
-          <a:bodyPr wrap="none" lIns="210669" tIns="105334" rIns="210669" bIns="105334">
-            <a:prstTxWarp prst="textCircle">
-              <a:avLst>
-                <a:gd name="adj" fmla="val 10946467"/>
-              </a:avLst>
-            </a:prstTxWarp>
-            <a:spAutoFit/>
-          </a:bodyPr>
-          <a:lstStyle/>
-          <a:p>
-            <a:pPr algn="ctr"/>
-            <a:r>
-              <a:rPr lang="en-US" sz="23900" b="1" cap="small" spc="600" dirty="0" smtClean="0">
-                <a:ln w="12700">
-                  <a:solidFill>
-                    <a:srgbClr val="FFFFFF"/>
-                  </a:solidFill>
-                  <a:prstDash val="solid"/>
-                </a:ln>
-                <a:solidFill>
-                  <a:schemeClr val="accent2"/>
-                </a:solidFill>
-              </a:rPr>
-              <a:t>Time to raise hand exceeded.</a:t>
-            </a:r>
-            <a:endParaRPr lang="en-US" sz="23900" b="1" cap="small" spc="600" dirty="0">
-              <a:ln w="12700">
-                <a:solidFill>
-                  <a:srgbClr val="FFFFFF"/>
-                </a:solidFill>
-                <a:prstDash val="solid"/>
-              </a:ln>
-              <a:solidFill>
-                <a:schemeClr val="accent2"/>
-              </a:solidFill>
-            </a:endParaRPr>
-          </a:p>
-        </p:txBody>
-      </p:sp>
-      <p:sp>
-        <p:nvSpPr>
-          <p:cNvPr id="3" name="Rectangle 2"/>
-          <p:cNvSpPr>
-            <a:spLocks noChangeAspect="1"/>
-          </p:cNvSpPr>
-          <p:nvPr/>
-        </p:nvSpPr>
-        <p:spPr>
-          <a:xfrm rot="16200000">
-            <a:off x="5257022" y="5257026"/>
-            <a:ext cx="7920006" cy="7919999"/>
-          </a:xfrm>
-          <a:prstGeom prst="rect">
-            <a:avLst/>
-          </a:prstGeom>
-          <a:noFill/>
-        </p:spPr>
-        <p:txBody>
-          <a:bodyPr wrap="none" lIns="210669" tIns="105334" rIns="210669" bIns="105334">
-            <a:prstTxWarp prst="textCircle">
-              <a:avLst>
-                <a:gd name="adj" fmla="val 10916975"/>
-              </a:avLst>
-            </a:prstTxWarp>
-            <a:spAutoFit/>
-          </a:bodyPr>
-          <a:lstStyle/>
-          <a:p>
-            <a:pPr algn="ctr"/>
-            <a:r>
-              <a:rPr lang="en-US" sz="13800" b="1" cap="small" spc="300" dirty="0" smtClean="0">
-                <a:ln w="12700">
-                  <a:noFill/>
-                  <a:prstDash val="solid"/>
-                </a:ln>
-                <a:solidFill>
-                  <a:schemeClr val="accent1"/>
-                </a:solidFill>
-                <a:effectLst>
-                  <a:outerShdw blurRad="41275" dist="20320" dir="1800000" algn="tl" rotWithShape="0">
-                    <a:srgbClr val="000000">
-                      <a:alpha val="40000"/>
-                    </a:srgbClr>
-                  </a:outerShdw>
-                </a:effectLst>
-              </a:rPr>
-              <a:t> Press </a:t>
-            </a:r>
-            <a:r>
-              <a:rPr lang="en-US" sz="13800" b="1" cap="small" spc="300" dirty="0">
-                <a:ln w="12700">
-                  <a:noFill/>
-                  <a:prstDash val="solid"/>
-                </a:ln>
-                <a:solidFill>
-                  <a:schemeClr val="accent1"/>
-                </a:solidFill>
-                <a:effectLst>
-                  <a:outerShdw blurRad="41275" dist="20320" dir="1800000" algn="tl" rotWithShape="0">
-                    <a:srgbClr val="000000">
-                      <a:alpha val="40000"/>
-                    </a:srgbClr>
-                  </a:outerShdw>
-                </a:effectLst>
-              </a:rPr>
-              <a:t>a button to continue</a:t>
-            </a:r>
-            <a:r>
-              <a:rPr lang="en-US" sz="13800" b="1" cap="small" spc="300" dirty="0" smtClean="0">
-                <a:ln w="12700">
-                  <a:noFill/>
-                  <a:prstDash val="solid"/>
-                </a:ln>
-                <a:solidFill>
-                  <a:schemeClr val="accent1"/>
-                </a:solidFill>
-                <a:effectLst>
-                  <a:outerShdw blurRad="41275" dist="20320" dir="1800000" algn="tl" rotWithShape="0">
-                    <a:srgbClr val="000000">
-                      <a:alpha val="40000"/>
-                    </a:srgbClr>
-                  </a:outerShdw>
-                </a:effectLst>
-              </a:rPr>
-              <a:t>.</a:t>
-            </a:r>
-            <a:endParaRPr lang="en-US" sz="13800" b="1" cap="small" spc="300" dirty="0">
-              <a:ln w="12700">
-                <a:noFill/>
-                <a:prstDash val="solid"/>
-              </a:ln>
-              <a:solidFill>
-                <a:schemeClr val="accent1"/>
-              </a:solidFill>
-              <a:effectLst>
-                <a:outerShdw blurRad="41275" dist="20320" dir="1800000" algn="tl" rotWithShape="0">
-                  <a:srgbClr val="000000">
-                    <a:alpha val="40000"/>
-                  </a:srgbClr>
-                </a:outerShdw>
-              </a:effectLst>
-            </a:endParaRPr>
-          </a:p>
-        </p:txBody>
-      </p:sp>
-      <p:grpSp>
-        <p:nvGrpSpPr>
-          <p:cNvPr id="6" name="Grouper 5"/>
-          <p:cNvGrpSpPr/>
-          <p:nvPr/>
-        </p:nvGrpSpPr>
-        <p:grpSpPr>
-          <a:xfrm>
-            <a:off x="6758168" y="6943137"/>
-            <a:ext cx="5001192" cy="5044481"/>
-            <a:chOff x="6494949" y="6943137"/>
-            <a:chExt cx="5001192" cy="5044481"/>
-          </a:xfrm>
-        </p:grpSpPr>
-        <p:sp>
-          <p:nvSpPr>
-            <p:cNvPr id="7" name="Ellipse 6"/>
-            <p:cNvSpPr>
-              <a:spLocks noChangeAspect="1"/>
-            </p:cNvSpPr>
-            <p:nvPr/>
-          </p:nvSpPr>
-          <p:spPr>
-            <a:xfrm>
-              <a:off x="7350417" y="7841894"/>
-              <a:ext cx="3290257" cy="3290257"/>
-            </a:xfrm>
-            <a:prstGeom prst="ellipse">
-              <a:avLst/>
-            </a:prstGeom>
-            <a:ln>
-              <a:solidFill>
-                <a:schemeClr val="accent2"/>
-              </a:solidFill>
-            </a:ln>
-            <a:effectLst>
-              <a:outerShdw blurRad="76200" dir="18900000" sy="23000" kx="-1200000" algn="bl" rotWithShape="0">
-                <a:prstClr val="black">
-                  <a:alpha val="20000"/>
-                </a:prstClr>
-              </a:outerShdw>
-            </a:effectLst>
-          </p:spPr>
-          <p:style>
-            <a:lnRef idx="1">
-              <a:schemeClr val="accent1"/>
-            </a:lnRef>
-            <a:fillRef idx="3">
-              <a:schemeClr val="accent1"/>
-            </a:fillRef>
-            <a:effectRef idx="2">
-              <a:schemeClr val="accent1"/>
-            </a:effectRef>
-            <a:fontRef idx="minor">
-              <a:schemeClr val="lt1"/>
-            </a:fontRef>
-          </p:style>
-          <p:txBody>
-            <a:bodyPr rtlCol="0" anchor="ctr"/>
-            <a:lstStyle/>
-            <a:p>
-              <a:pPr algn="ctr"/>
-              <a:endParaRPr lang="en-US"/>
-            </a:p>
-          </p:txBody>
-        </p:sp>
-        <p:sp>
-          <p:nvSpPr>
-            <p:cNvPr id="8" name="Secteurs 7"/>
-            <p:cNvSpPr>
-              <a:spLocks noChangeAspect="1"/>
-            </p:cNvSpPr>
-            <p:nvPr/>
-          </p:nvSpPr>
-          <p:spPr>
-            <a:xfrm>
-              <a:off x="7371136" y="7841899"/>
-              <a:ext cx="3248819" cy="3290246"/>
-            </a:xfrm>
-            <a:prstGeom prst="pie">
-              <a:avLst>
-                <a:gd name="adj1" fmla="val 17697688"/>
-                <a:gd name="adj2" fmla="val 16200000"/>
-              </a:avLst>
-            </a:prstGeom>
-            <a:solidFill>
-              <a:srgbClr val="FFFFFF"/>
-            </a:solidFill>
-            <a:ln>
-              <a:solidFill>
-                <a:schemeClr val="accent2"/>
-              </a:solidFill>
-            </a:ln>
-          </p:spPr>
-          <p:style>
-            <a:lnRef idx="1">
-              <a:schemeClr val="accent1"/>
-            </a:lnRef>
-            <a:fillRef idx="3">
-              <a:schemeClr val="accent1"/>
-            </a:fillRef>
-            <a:effectRef idx="2">
-              <a:schemeClr val="accent1"/>
-            </a:effectRef>
-            <a:fontRef idx="minor">
-              <a:schemeClr val="lt1"/>
-            </a:fontRef>
-          </p:style>
-          <p:txBody>
-            <a:bodyPr rtlCol="0" anchor="ctr"/>
-            <a:lstStyle/>
-            <a:p>
-              <a:pPr algn="ctr"/>
-              <a:endParaRPr lang="en-US">
-                <a:solidFill>
-                  <a:schemeClr val="tx1"/>
-                </a:solidFill>
-              </a:endParaRPr>
-            </a:p>
-          </p:txBody>
-        </p:sp>
-        <p:cxnSp>
-          <p:nvCxnSpPr>
-            <p:cNvPr id="9" name="Connecteur droit avec flèche 8"/>
-            <p:cNvCxnSpPr>
-              <a:endCxn id="7" idx="0"/>
-            </p:cNvCxnSpPr>
-            <p:nvPr/>
-          </p:nvCxnSpPr>
-          <p:spPr>
-            <a:xfrm flipV="1">
-              <a:off x="8995545" y="7841894"/>
-              <a:ext cx="0" cy="1601840"/>
-            </a:xfrm>
-            <a:prstGeom prst="straightConnector1">
-              <a:avLst/>
-            </a:prstGeom>
-            <a:ln w="57150" cmpd="sng">
-              <a:solidFill>
-                <a:schemeClr val="accent2"/>
-              </a:solidFill>
-              <a:tailEnd type="arrow"/>
-            </a:ln>
-          </p:spPr>
-          <p:style>
-            <a:lnRef idx="2">
-              <a:schemeClr val="accent1"/>
-            </a:lnRef>
-            <a:fillRef idx="0">
-              <a:schemeClr val="accent1"/>
-            </a:fillRef>
-            <a:effectRef idx="1">
-              <a:schemeClr val="accent1"/>
-            </a:effectRef>
-            <a:fontRef idx="minor">
-              <a:schemeClr val="tx1"/>
-            </a:fontRef>
-          </p:style>
-        </p:cxnSp>
-        <p:grpSp>
-          <p:nvGrpSpPr>
-            <p:cNvPr id="10" name="Grouper 9"/>
-            <p:cNvGrpSpPr/>
-            <p:nvPr/>
-          </p:nvGrpSpPr>
-          <p:grpSpPr>
-            <a:xfrm>
-              <a:off x="6494949" y="6986428"/>
-              <a:ext cx="5001192" cy="5001190"/>
-              <a:chOff x="2759620" y="2052934"/>
-              <a:chExt cx="2735998" cy="2735997"/>
-            </a:xfrm>
-          </p:grpSpPr>
-          <p:sp>
-            <p:nvSpPr>
-              <p:cNvPr id="15" name="Arc 14"/>
-              <p:cNvSpPr/>
-              <p:nvPr/>
-            </p:nvSpPr>
-            <p:spPr>
-              <a:xfrm>
-                <a:off x="3119619" y="2340933"/>
-                <a:ext cx="2016000" cy="2159999"/>
-              </a:xfrm>
-              <a:prstGeom prst="arc">
-                <a:avLst>
-                  <a:gd name="adj1" fmla="val 17494394"/>
-                  <a:gd name="adj2" fmla="val 19010120"/>
-                </a:avLst>
-              </a:prstGeom>
-              <a:ln w="38100" cmpd="sng">
-                <a:solidFill>
-                  <a:schemeClr val="accent2"/>
-                </a:solidFill>
-              </a:ln>
-            </p:spPr>
-            <p:style>
-              <a:lnRef idx="2">
-                <a:schemeClr val="accent1"/>
-              </a:lnRef>
-              <a:fillRef idx="0">
-                <a:schemeClr val="accent1"/>
-              </a:fillRef>
-              <a:effectRef idx="1">
-                <a:schemeClr val="accent1"/>
-              </a:effectRef>
-              <a:fontRef idx="minor">
-                <a:schemeClr val="tx1"/>
-              </a:fontRef>
-            </p:style>
-            <p:txBody>
-              <a:bodyPr rtlCol="0" anchor="ctr"/>
-              <a:lstStyle/>
-              <a:p>
-                <a:pPr algn="ctr"/>
-                <a:endParaRPr lang="en-US"/>
-              </a:p>
-            </p:txBody>
-          </p:sp>
-          <p:sp>
-            <p:nvSpPr>
-              <p:cNvPr id="16" name="Arc 15"/>
-              <p:cNvSpPr>
-                <a:spLocks noChangeAspect="1"/>
-              </p:cNvSpPr>
-              <p:nvPr/>
-            </p:nvSpPr>
-            <p:spPr>
-              <a:xfrm>
-                <a:off x="2903620" y="2196933"/>
-                <a:ext cx="2447999" cy="2447998"/>
-              </a:xfrm>
-              <a:prstGeom prst="arc">
-                <a:avLst>
-                  <a:gd name="adj1" fmla="val 17258218"/>
-                  <a:gd name="adj2" fmla="val 19319877"/>
-                </a:avLst>
-              </a:prstGeom>
-              <a:ln w="38100" cmpd="sng">
-                <a:solidFill>
-                  <a:schemeClr val="accent2"/>
-                </a:solidFill>
-              </a:ln>
-            </p:spPr>
-            <p:style>
-              <a:lnRef idx="2">
-                <a:schemeClr val="accent1"/>
-              </a:lnRef>
-              <a:fillRef idx="0">
-                <a:schemeClr val="accent1"/>
-              </a:fillRef>
-              <a:effectRef idx="1">
-                <a:schemeClr val="accent1"/>
-              </a:effectRef>
-              <a:fontRef idx="minor">
-                <a:schemeClr val="tx1"/>
-              </a:fontRef>
-            </p:style>
-            <p:txBody>
-              <a:bodyPr rtlCol="0" anchor="ctr"/>
-              <a:lstStyle/>
-              <a:p>
-                <a:pPr algn="ctr"/>
-                <a:endParaRPr lang="en-US"/>
-              </a:p>
-            </p:txBody>
-          </p:sp>
-          <p:sp>
-            <p:nvSpPr>
-              <p:cNvPr id="17" name="Arc 16"/>
-              <p:cNvSpPr>
-                <a:spLocks noChangeAspect="1"/>
-              </p:cNvSpPr>
-              <p:nvPr/>
-            </p:nvSpPr>
-            <p:spPr>
-              <a:xfrm>
-                <a:off x="2759620" y="2052934"/>
-                <a:ext cx="2735998" cy="2735997"/>
-              </a:xfrm>
-              <a:prstGeom prst="arc">
-                <a:avLst>
-                  <a:gd name="adj1" fmla="val 17058860"/>
-                  <a:gd name="adj2" fmla="val 19569505"/>
-                </a:avLst>
-              </a:prstGeom>
-              <a:ln w="38100" cmpd="sng">
-                <a:solidFill>
-                  <a:schemeClr val="accent2"/>
-                </a:solidFill>
-              </a:ln>
-            </p:spPr>
-            <p:style>
-              <a:lnRef idx="2">
-                <a:schemeClr val="accent1"/>
-              </a:lnRef>
-              <a:fillRef idx="0">
-                <a:schemeClr val="accent1"/>
-              </a:fillRef>
-              <a:effectRef idx="1">
-                <a:schemeClr val="accent1"/>
-              </a:effectRef>
-              <a:fontRef idx="minor">
-                <a:schemeClr val="tx1"/>
-              </a:fontRef>
-            </p:style>
-            <p:txBody>
-              <a:bodyPr rtlCol="0" anchor="ctr"/>
-              <a:lstStyle/>
-              <a:p>
-                <a:pPr algn="ctr"/>
-                <a:endParaRPr lang="en-US">
-                  <a:ln w="38100" cmpd="sng">
-                    <a:solidFill>
-                      <a:srgbClr val="000000"/>
-                    </a:solidFill>
-                  </a:ln>
-                </a:endParaRPr>
-              </a:p>
-            </p:txBody>
-          </p:sp>
-        </p:grpSp>
-        <p:grpSp>
-          <p:nvGrpSpPr>
-            <p:cNvPr id="11" name="Grouper 10"/>
-            <p:cNvGrpSpPr/>
-            <p:nvPr/>
-          </p:nvGrpSpPr>
-          <p:grpSpPr>
-            <a:xfrm flipH="1">
-              <a:off x="6494949" y="6943137"/>
-              <a:ext cx="5001192" cy="5001190"/>
-              <a:chOff x="2759620" y="2052934"/>
-              <a:chExt cx="2735998" cy="2735997"/>
-            </a:xfrm>
-          </p:grpSpPr>
-          <p:sp>
-            <p:nvSpPr>
-              <p:cNvPr id="12" name="Arc 11"/>
-              <p:cNvSpPr/>
-              <p:nvPr/>
-            </p:nvSpPr>
-            <p:spPr>
-              <a:xfrm>
-                <a:off x="3119619" y="2340933"/>
-                <a:ext cx="2016000" cy="2159999"/>
-              </a:xfrm>
-              <a:prstGeom prst="arc">
-                <a:avLst>
-                  <a:gd name="adj1" fmla="val 17494394"/>
-                  <a:gd name="adj2" fmla="val 19010120"/>
-                </a:avLst>
-              </a:prstGeom>
-              <a:ln w="38100" cmpd="sng">
-                <a:solidFill>
-                  <a:schemeClr val="accent2"/>
-                </a:solidFill>
-              </a:ln>
-            </p:spPr>
-            <p:style>
-              <a:lnRef idx="2">
-                <a:schemeClr val="accent1"/>
-              </a:lnRef>
-              <a:fillRef idx="0">
-                <a:schemeClr val="accent1"/>
-              </a:fillRef>
-              <a:effectRef idx="1">
-                <a:schemeClr val="accent1"/>
-              </a:effectRef>
-              <a:fontRef idx="minor">
-                <a:schemeClr val="tx1"/>
-              </a:fontRef>
-            </p:style>
-            <p:txBody>
-              <a:bodyPr rtlCol="0" anchor="ctr"/>
-              <a:lstStyle/>
-              <a:p>
-                <a:pPr algn="ctr"/>
-                <a:endParaRPr lang="en-US"/>
-              </a:p>
-            </p:txBody>
-          </p:sp>
-          <p:sp>
-            <p:nvSpPr>
-              <p:cNvPr id="13" name="Arc 12"/>
-              <p:cNvSpPr>
-                <a:spLocks noChangeAspect="1"/>
-              </p:cNvSpPr>
-              <p:nvPr/>
-            </p:nvSpPr>
-            <p:spPr>
-              <a:xfrm>
-                <a:off x="2903620" y="2196933"/>
-                <a:ext cx="2447999" cy="2447998"/>
-              </a:xfrm>
-              <a:prstGeom prst="arc">
-                <a:avLst>
-                  <a:gd name="adj1" fmla="val 17258218"/>
-                  <a:gd name="adj2" fmla="val 19319877"/>
-                </a:avLst>
-              </a:prstGeom>
-              <a:ln w="38100" cmpd="sng">
-                <a:solidFill>
-                  <a:schemeClr val="accent2"/>
-                </a:solidFill>
-              </a:ln>
-            </p:spPr>
-            <p:style>
-              <a:lnRef idx="2">
-                <a:schemeClr val="accent1"/>
-              </a:lnRef>
-              <a:fillRef idx="0">
-                <a:schemeClr val="accent1"/>
-              </a:fillRef>
-              <a:effectRef idx="1">
-                <a:schemeClr val="accent1"/>
-              </a:effectRef>
-              <a:fontRef idx="minor">
-                <a:schemeClr val="tx1"/>
-              </a:fontRef>
-            </p:style>
-            <p:txBody>
-              <a:bodyPr rtlCol="0" anchor="ctr"/>
-              <a:lstStyle/>
-              <a:p>
-                <a:pPr algn="ctr"/>
-                <a:endParaRPr lang="en-US"/>
-              </a:p>
-            </p:txBody>
-          </p:sp>
-          <p:sp>
-            <p:nvSpPr>
-              <p:cNvPr id="14" name="Arc 13"/>
-              <p:cNvSpPr>
-                <a:spLocks noChangeAspect="1"/>
-              </p:cNvSpPr>
-              <p:nvPr/>
-            </p:nvSpPr>
-            <p:spPr>
-              <a:xfrm>
-                <a:off x="2759620" y="2052934"/>
-                <a:ext cx="2735998" cy="2735997"/>
-              </a:xfrm>
-              <a:prstGeom prst="arc">
-                <a:avLst>
-                  <a:gd name="adj1" fmla="val 17058860"/>
-                  <a:gd name="adj2" fmla="val 19569505"/>
-                </a:avLst>
-              </a:prstGeom>
-              <a:ln w="38100" cmpd="sng">
-                <a:solidFill>
-                  <a:schemeClr val="accent2"/>
-                </a:solidFill>
-              </a:ln>
-            </p:spPr>
-            <p:style>
-              <a:lnRef idx="2">
-                <a:schemeClr val="accent1"/>
-              </a:lnRef>
-              <a:fillRef idx="0">
-                <a:schemeClr val="accent1"/>
-              </a:fillRef>
-              <a:effectRef idx="1">
-                <a:schemeClr val="accent1"/>
-              </a:effectRef>
-              <a:fontRef idx="minor">
-                <a:schemeClr val="tx1"/>
-              </a:fontRef>
-            </p:style>
-            <p:txBody>
-              <a:bodyPr rtlCol="0" anchor="ctr"/>
-              <a:lstStyle/>
-              <a:p>
-                <a:pPr algn="ctr"/>
-                <a:endParaRPr lang="en-US">
-                  <a:ln w="38100" cmpd="sng">
-                    <a:solidFill>
-                      <a:srgbClr val="000000"/>
-                    </a:solidFill>
-                  </a:ln>
-                </a:endParaRPr>
-              </a:p>
-            </p:txBody>
-          </p:sp>
-        </p:grpSp>
-      </p:grpSp>
-    </p:spTree>
-    <p:extLst>
-      <p:ext uri="{BB962C8B-B14F-4D97-AF65-F5344CB8AC3E}">
-        <p14:creationId xmlns:p14="http://schemas.microsoft.com/office/powerpoint/2010/main" val="193441351"/>
-      </p:ext>
-    </p:extLst>
-  </p:cSld>
-  <p:clrMapOvr>
-    <a:masterClrMapping/>
-  </p:clrMapOvr>
-</p:sld>
-</file>
-
-<file path=ppt/slides/slide8.xml><?xml version="1.0" encoding="utf-8"?>
-<p:sld xmlns:a="http://schemas.openxmlformats.org/drawingml/2006/main" xmlns:r="http://schemas.openxmlformats.org/officeDocument/2006/relationships" xmlns:p="http://schemas.openxmlformats.org/presentationml/2006/main">
-  <p:cSld>
-    <p:spTree>
-      <p:nvGrpSpPr>
-        <p:cNvPr id="1" name=""/>
-        <p:cNvGrpSpPr/>
-        <p:nvPr/>
-      </p:nvGrpSpPr>
-      <p:grpSpPr>
-        <a:xfrm>
-          <a:off x="0" y="0"/>
-          <a:ext cx="0" cy="0"/>
-          <a:chOff x="0" y="0"/>
-          <a:chExt cx="0" cy="0"/>
-        </a:xfrm>
-      </p:grpSpPr>
-      <p:sp>
-        <p:nvSpPr>
-          <p:cNvPr id="5" name="Bouée 4"/>
-          <p:cNvSpPr>
-            <a:spLocks noChangeAspect="1"/>
-          </p:cNvSpPr>
-          <p:nvPr/>
-        </p:nvSpPr>
-        <p:spPr>
-          <a:xfrm>
-            <a:off x="1614253" y="1610484"/>
-            <a:ext cx="15228000" cy="15228000"/>
-          </a:xfrm>
-          <a:prstGeom prst="donut">
-            <a:avLst>
-              <a:gd name="adj" fmla="val 30982"/>
-            </a:avLst>
-          </a:prstGeom>
-          <a:solidFill>
-            <a:schemeClr val="bg1"/>
-          </a:solidFill>
-          <a:ln w="76200" cmpd="sng">
-            <a:noFill/>
-          </a:ln>
-        </p:spPr>
-        <p:style>
-          <a:lnRef idx="1">
-            <a:schemeClr val="accent1"/>
-          </a:lnRef>
-          <a:fillRef idx="3">
-            <a:schemeClr val="accent1"/>
-          </a:fillRef>
-          <a:effectRef idx="2">
-            <a:schemeClr val="accent1"/>
-          </a:effectRef>
-          <a:fontRef idx="minor">
-            <a:schemeClr val="lt1"/>
-          </a:fontRef>
-        </p:style>
-        <p:txBody>
-          <a:bodyPr rtlCol="0" anchor="ctr"/>
-          <a:lstStyle/>
-          <a:p>
-            <a:pPr algn="ctr"/>
-            <a:endParaRPr lang="en-US">
-              <a:solidFill>
-                <a:schemeClr val="tx1"/>
-              </a:solidFill>
-            </a:endParaRPr>
-          </a:p>
-        </p:txBody>
-      </p:sp>
-      <p:sp>
-        <p:nvSpPr>
-          <p:cNvPr id="2" name="Rectangle 1"/>
-          <p:cNvSpPr>
-            <a:spLocks noChangeAspect="1"/>
-          </p:cNvSpPr>
-          <p:nvPr/>
-        </p:nvSpPr>
-        <p:spPr>
-          <a:xfrm rot="16200000">
-            <a:off x="3277028" y="3277028"/>
-            <a:ext cx="11879995" cy="11879995"/>
-          </a:xfrm>
-          <a:prstGeom prst="rect">
-            <a:avLst/>
-          </a:prstGeom>
-          <a:noFill/>
-        </p:spPr>
-        <p:txBody>
-          <a:bodyPr wrap="none" lIns="210669" tIns="105334" rIns="210669" bIns="105334">
-            <a:prstTxWarp prst="textCircle">
-              <a:avLst>
-                <a:gd name="adj" fmla="val 10946467"/>
-              </a:avLst>
-            </a:prstTxWarp>
-            <a:spAutoFit/>
-          </a:bodyPr>
-          <a:lstStyle/>
-          <a:p>
-            <a:pPr algn="ctr"/>
-            <a:r>
-              <a:rPr lang="en-US" sz="23900" b="1" cap="small" spc="600" dirty="0" smtClean="0">
-                <a:ln w="12700">
-                  <a:solidFill>
-                    <a:srgbClr val="FFFFFF"/>
-                  </a:solidFill>
-                  <a:prstDash val="solid"/>
-                </a:ln>
-                <a:solidFill>
-                  <a:schemeClr val="accent2"/>
-                </a:solidFill>
-              </a:rPr>
-              <a:t>Head tilt not maintained.</a:t>
-            </a:r>
-            <a:endParaRPr lang="en-US" sz="23900" b="1" cap="small" spc="600" dirty="0">
-              <a:ln w="12700">
-                <a:solidFill>
-                  <a:srgbClr val="FFFFFF"/>
-                </a:solidFill>
-                <a:prstDash val="solid"/>
-              </a:ln>
-              <a:solidFill>
-                <a:schemeClr val="accent2"/>
-              </a:solidFill>
-            </a:endParaRPr>
-          </a:p>
-        </p:txBody>
-      </p:sp>
-      <p:sp>
-        <p:nvSpPr>
-          <p:cNvPr id="3" name="Rectangle 2"/>
-          <p:cNvSpPr>
-            <a:spLocks noChangeAspect="1"/>
-          </p:cNvSpPr>
-          <p:nvPr/>
-        </p:nvSpPr>
-        <p:spPr>
-          <a:xfrm rot="16200000">
-            <a:off x="5257022" y="5257026"/>
-            <a:ext cx="7920006" cy="7919999"/>
-          </a:xfrm>
-          <a:prstGeom prst="rect">
-            <a:avLst/>
-          </a:prstGeom>
-          <a:noFill/>
-        </p:spPr>
-        <p:txBody>
-          <a:bodyPr wrap="none" lIns="210669" tIns="105334" rIns="210669" bIns="105334">
-            <a:prstTxWarp prst="textCircle">
-              <a:avLst>
-                <a:gd name="adj" fmla="val 10916975"/>
-              </a:avLst>
-            </a:prstTxWarp>
-            <a:spAutoFit/>
-          </a:bodyPr>
-          <a:lstStyle/>
-          <a:p>
-            <a:pPr algn="ctr"/>
-            <a:r>
-              <a:rPr lang="en-US" sz="13800" b="1" cap="small" spc="300" dirty="0" smtClean="0">
-                <a:ln w="12700">
-                  <a:noFill/>
-                  <a:prstDash val="solid"/>
-                </a:ln>
-                <a:solidFill>
-                  <a:schemeClr val="accent1"/>
-                </a:solidFill>
-                <a:effectLst>
-                  <a:outerShdw blurRad="41275" dist="20320" dir="1800000" algn="tl" rotWithShape="0">
-                    <a:srgbClr val="000000">
-                      <a:alpha val="40000"/>
-                    </a:srgbClr>
-                  </a:outerShdw>
-                </a:effectLst>
-              </a:rPr>
-              <a:t> Press </a:t>
-            </a:r>
-            <a:r>
-              <a:rPr lang="en-US" sz="13800" b="1" cap="small" spc="300" dirty="0">
-                <a:ln w="12700">
-                  <a:noFill/>
-                  <a:prstDash val="solid"/>
-                </a:ln>
-                <a:solidFill>
-                  <a:schemeClr val="accent1"/>
-                </a:solidFill>
-                <a:effectLst>
-                  <a:outerShdw blurRad="41275" dist="20320" dir="1800000" algn="tl" rotWithShape="0">
-                    <a:srgbClr val="000000">
-                      <a:alpha val="40000"/>
-                    </a:srgbClr>
-                  </a:outerShdw>
-                </a:effectLst>
-              </a:rPr>
-              <a:t>a button to continue</a:t>
-            </a:r>
-            <a:r>
-              <a:rPr lang="en-US" sz="13800" b="1" cap="small" spc="300" dirty="0" smtClean="0">
-                <a:ln w="12700">
-                  <a:noFill/>
-                  <a:prstDash val="solid"/>
-                </a:ln>
-                <a:solidFill>
-                  <a:schemeClr val="accent1"/>
-                </a:solidFill>
-                <a:effectLst>
-                  <a:outerShdw blurRad="41275" dist="20320" dir="1800000" algn="tl" rotWithShape="0">
-                    <a:srgbClr val="000000">
-                      <a:alpha val="40000"/>
-                    </a:srgbClr>
-                  </a:outerShdw>
-                </a:effectLst>
-              </a:rPr>
-              <a:t>.</a:t>
-            </a:r>
-            <a:endParaRPr lang="en-US" sz="13800" b="1" cap="small" spc="300" dirty="0">
-              <a:ln w="12700">
-                <a:noFill/>
-                <a:prstDash val="solid"/>
-              </a:ln>
-              <a:solidFill>
-                <a:schemeClr val="accent1"/>
-              </a:solidFill>
-              <a:effectLst>
-                <a:outerShdw blurRad="41275" dist="20320" dir="1800000" algn="tl" rotWithShape="0">
-                  <a:srgbClr val="000000">
-                    <a:alpha val="40000"/>
-                  </a:srgbClr>
-                </a:outerShdw>
-              </a:effectLst>
-            </a:endParaRPr>
-          </a:p>
-        </p:txBody>
-      </p:sp>
-    </p:spTree>
-    <p:extLst>
-      <p:ext uri="{BB962C8B-B14F-4D97-AF65-F5344CB8AC3E}">
-        <p14:creationId xmlns:p14="http://schemas.microsoft.com/office/powerpoint/2010/main" val="2090264467"/>
-      </p:ext>
-    </p:extLst>
-  </p:cSld>
-  <p:clrMapOvr>
-    <a:masterClrMapping/>
-  </p:clrMapOvr>
-</p:sld>
-</file>
-
-<file path=ppt/slides/slide9.xml><?xml version="1.0" encoding="utf-8"?>
-<p:sld xmlns:a="http://schemas.openxmlformats.org/drawingml/2006/main" xmlns:r="http://schemas.openxmlformats.org/officeDocument/2006/relationships" xmlns:p="http://schemas.openxmlformats.org/presentationml/2006/main">
-  <p:cSld>
-    <p:spTree>
-      <p:nvGrpSpPr>
-        <p:cNvPr id="1" name=""/>
-        <p:cNvGrpSpPr/>
-        <p:nvPr/>
-      </p:nvGrpSpPr>
-      <p:grpSpPr>
-        <a:xfrm>
-          <a:off x="0" y="0"/>
-          <a:ext cx="0" cy="0"/>
-          <a:chOff x="0" y="0"/>
-          <a:chExt cx="0" cy="0"/>
-        </a:xfrm>
-      </p:grpSpPr>
-      <p:sp>
-        <p:nvSpPr>
-          <p:cNvPr id="5" name="Bouée 4"/>
-          <p:cNvSpPr>
-            <a:spLocks noChangeAspect="1"/>
-          </p:cNvSpPr>
-          <p:nvPr/>
-        </p:nvSpPr>
-        <p:spPr>
-          <a:xfrm>
-            <a:off x="1614253" y="1610484"/>
-            <a:ext cx="15228000" cy="15228000"/>
-          </a:xfrm>
-          <a:prstGeom prst="donut">
-            <a:avLst>
-              <a:gd name="adj" fmla="val 30982"/>
-            </a:avLst>
-          </a:prstGeom>
-          <a:solidFill>
-            <a:schemeClr val="bg1"/>
-          </a:solidFill>
-          <a:ln w="76200" cmpd="sng">
-            <a:noFill/>
-          </a:ln>
-        </p:spPr>
-        <p:style>
-          <a:lnRef idx="1">
-            <a:schemeClr val="accent1"/>
-          </a:lnRef>
-          <a:fillRef idx="3">
-            <a:schemeClr val="accent1"/>
-          </a:fillRef>
-          <a:effectRef idx="2">
-            <a:schemeClr val="accent1"/>
-          </a:effectRef>
-          <a:fontRef idx="minor">
-            <a:schemeClr val="lt1"/>
-          </a:fontRef>
-        </p:style>
-        <p:txBody>
-          <a:bodyPr rtlCol="0" anchor="ctr"/>
-          <a:lstStyle/>
-          <a:p>
-            <a:pPr algn="ctr"/>
-            <a:endParaRPr lang="en-US">
-              <a:solidFill>
-                <a:schemeClr val="tx1"/>
-              </a:solidFill>
-            </a:endParaRPr>
-          </a:p>
-        </p:txBody>
-      </p:sp>
-      <p:sp>
-        <p:nvSpPr>
-          <p:cNvPr id="2" name="Rectangle 1"/>
-          <p:cNvSpPr>
-            <a:spLocks noChangeAspect="1"/>
-          </p:cNvSpPr>
-          <p:nvPr/>
-        </p:nvSpPr>
-        <p:spPr>
-          <a:xfrm rot="16200000">
-            <a:off x="3277028" y="3277028"/>
-            <a:ext cx="11879995" cy="11879995"/>
-          </a:xfrm>
-          <a:prstGeom prst="rect">
-            <a:avLst/>
-          </a:prstGeom>
-          <a:noFill/>
-        </p:spPr>
-        <p:txBody>
-          <a:bodyPr wrap="none" lIns="210669" tIns="105334" rIns="210669" bIns="105334">
-            <a:prstTxWarp prst="textCircle">
-              <a:avLst>
-                <a:gd name="adj" fmla="val 10946467"/>
-              </a:avLst>
-            </a:prstTxWarp>
-            <a:spAutoFit/>
-          </a:bodyPr>
-          <a:lstStyle/>
-          <a:p>
-            <a:pPr algn="ctr"/>
-            <a:r>
-              <a:rPr lang="en-US" sz="23900" b="1" cap="small" spc="600" dirty="0" smtClean="0">
-                <a:ln w="12700">
-                  <a:solidFill>
-                    <a:srgbClr val="FFFFFF"/>
-                  </a:solidFill>
-                  <a:prstDash val="solid"/>
-                </a:ln>
-                <a:solidFill>
-                  <a:schemeClr val="accent2"/>
-                </a:solidFill>
-              </a:rPr>
-              <a:t>Time to tilt head exceeded.</a:t>
-            </a:r>
-            <a:endParaRPr lang="en-US" sz="23900" b="1" cap="small" spc="600" dirty="0">
-              <a:ln w="12700">
-                <a:solidFill>
-                  <a:srgbClr val="FFFFFF"/>
-                </a:solidFill>
-                <a:prstDash val="solid"/>
-              </a:ln>
-              <a:solidFill>
-                <a:schemeClr val="accent2"/>
-              </a:solidFill>
-            </a:endParaRPr>
-          </a:p>
-        </p:txBody>
-      </p:sp>
-      <p:sp>
-        <p:nvSpPr>
-          <p:cNvPr id="3" name="Rectangle 2"/>
-          <p:cNvSpPr>
-            <a:spLocks noChangeAspect="1"/>
-          </p:cNvSpPr>
-          <p:nvPr/>
-        </p:nvSpPr>
-        <p:spPr>
-          <a:xfrm rot="16200000">
-            <a:off x="5257022" y="5257026"/>
-            <a:ext cx="7920006" cy="7919999"/>
-          </a:xfrm>
-          <a:prstGeom prst="rect">
-            <a:avLst/>
-          </a:prstGeom>
-          <a:noFill/>
-        </p:spPr>
-        <p:txBody>
-          <a:bodyPr wrap="none" lIns="210669" tIns="105334" rIns="210669" bIns="105334">
-            <a:prstTxWarp prst="textCircle">
-              <a:avLst>
-                <a:gd name="adj" fmla="val 10916975"/>
-              </a:avLst>
-            </a:prstTxWarp>
-            <a:spAutoFit/>
-          </a:bodyPr>
-          <a:lstStyle/>
-          <a:p>
-            <a:pPr algn="ctr"/>
-            <a:r>
-              <a:rPr lang="en-US" sz="13800" b="1" cap="small" spc="300" dirty="0" smtClean="0">
-                <a:ln w="12700">
-                  <a:noFill/>
-                  <a:prstDash val="solid"/>
-                </a:ln>
-                <a:solidFill>
-                  <a:schemeClr val="accent1"/>
-                </a:solidFill>
-                <a:effectLst>
-                  <a:outerShdw blurRad="41275" dist="20320" dir="1800000" algn="tl" rotWithShape="0">
-                    <a:srgbClr val="000000">
-                      <a:alpha val="40000"/>
-                    </a:srgbClr>
-                  </a:outerShdw>
-                </a:effectLst>
-              </a:rPr>
-              <a:t> Press </a:t>
-            </a:r>
-            <a:r>
-              <a:rPr lang="en-US" sz="13800" b="1" cap="small" spc="300" dirty="0">
-                <a:ln w="12700">
-                  <a:noFill/>
-                  <a:prstDash val="solid"/>
-                </a:ln>
-                <a:solidFill>
-                  <a:schemeClr val="accent1"/>
-                </a:solidFill>
-                <a:effectLst>
-                  <a:outerShdw blurRad="41275" dist="20320" dir="1800000" algn="tl" rotWithShape="0">
-                    <a:srgbClr val="000000">
-                      <a:alpha val="40000"/>
-                    </a:srgbClr>
-                  </a:outerShdw>
-                </a:effectLst>
-              </a:rPr>
-              <a:t>a button to continue</a:t>
-            </a:r>
-            <a:r>
-              <a:rPr lang="en-US" sz="13800" b="1" cap="small" spc="300" dirty="0" smtClean="0">
-                <a:ln w="12700">
-                  <a:noFill/>
-                  <a:prstDash val="solid"/>
-                </a:ln>
-                <a:solidFill>
-                  <a:schemeClr val="accent1"/>
-                </a:solidFill>
-                <a:effectLst>
-                  <a:outerShdw blurRad="41275" dist="20320" dir="1800000" algn="tl" rotWithShape="0">
-                    <a:srgbClr val="000000">
-                      <a:alpha val="40000"/>
-                    </a:srgbClr>
-                  </a:outerShdw>
-                </a:effectLst>
-              </a:rPr>
-              <a:t>.</a:t>
-            </a:r>
-            <a:endParaRPr lang="en-US" sz="13800" b="1" cap="small" spc="300" dirty="0">
-              <a:ln w="12700">
-                <a:noFill/>
-                <a:prstDash val="solid"/>
-              </a:ln>
-              <a:solidFill>
-                <a:schemeClr val="accent1"/>
-              </a:solidFill>
-              <a:effectLst>
-                <a:outerShdw blurRad="41275" dist="20320" dir="1800000" algn="tl" rotWithShape="0">
-                  <a:srgbClr val="000000">
-                    <a:alpha val="40000"/>
-                  </a:srgbClr>
-                </a:outerShdw>
-              </a:effectLst>
-            </a:endParaRPr>
-          </a:p>
-        </p:txBody>
-      </p:sp>
-      <p:grpSp>
-        <p:nvGrpSpPr>
-          <p:cNvPr id="6" name="Grouper 5"/>
-          <p:cNvGrpSpPr/>
-          <p:nvPr/>
-        </p:nvGrpSpPr>
-        <p:grpSpPr>
-          <a:xfrm>
-            <a:off x="6758168" y="6943137"/>
-            <a:ext cx="5001192" cy="5044481"/>
-            <a:chOff x="6494949" y="6943137"/>
-            <a:chExt cx="5001192" cy="5044481"/>
-          </a:xfrm>
-        </p:grpSpPr>
-        <p:sp>
-          <p:nvSpPr>
-            <p:cNvPr id="7" name="Ellipse 6"/>
-            <p:cNvSpPr>
-              <a:spLocks noChangeAspect="1"/>
-            </p:cNvSpPr>
-            <p:nvPr/>
-          </p:nvSpPr>
-          <p:spPr>
-            <a:xfrm>
-              <a:off x="7350417" y="7841894"/>
-              <a:ext cx="3290257" cy="3290257"/>
-            </a:xfrm>
-            <a:prstGeom prst="ellipse">
-              <a:avLst/>
-            </a:prstGeom>
-            <a:ln>
-              <a:solidFill>
-                <a:schemeClr val="accent2"/>
-              </a:solidFill>
-            </a:ln>
-            <a:effectLst>
-              <a:outerShdw blurRad="76200" dir="18900000" sy="23000" kx="-1200000" algn="bl" rotWithShape="0">
-                <a:prstClr val="black">
-                  <a:alpha val="20000"/>
-                </a:prstClr>
-              </a:outerShdw>
-            </a:effectLst>
-          </p:spPr>
-          <p:style>
-            <a:lnRef idx="1">
-              <a:schemeClr val="accent1"/>
-            </a:lnRef>
-            <a:fillRef idx="3">
-              <a:schemeClr val="accent1"/>
-            </a:fillRef>
-            <a:effectRef idx="2">
-              <a:schemeClr val="accent1"/>
-            </a:effectRef>
-            <a:fontRef idx="minor">
-              <a:schemeClr val="lt1"/>
-            </a:fontRef>
-          </p:style>
-          <p:txBody>
-            <a:bodyPr rtlCol="0" anchor="ctr"/>
-            <a:lstStyle/>
-            <a:p>
-              <a:pPr algn="ctr"/>
-              <a:endParaRPr lang="en-US"/>
-            </a:p>
-          </p:txBody>
-        </p:sp>
-        <p:sp>
-          <p:nvSpPr>
-            <p:cNvPr id="8" name="Secteurs 7"/>
-            <p:cNvSpPr>
-              <a:spLocks noChangeAspect="1"/>
-            </p:cNvSpPr>
-            <p:nvPr/>
-          </p:nvSpPr>
-          <p:spPr>
-            <a:xfrm>
-              <a:off x="7371136" y="7841899"/>
-              <a:ext cx="3248819" cy="3290246"/>
-            </a:xfrm>
-            <a:prstGeom prst="pie">
-              <a:avLst>
-                <a:gd name="adj1" fmla="val 17697688"/>
-                <a:gd name="adj2" fmla="val 16200000"/>
-              </a:avLst>
-            </a:prstGeom>
-            <a:solidFill>
-              <a:srgbClr val="FFFFFF"/>
-            </a:solidFill>
-            <a:ln>
-              <a:solidFill>
-                <a:schemeClr val="accent2"/>
-              </a:solidFill>
-            </a:ln>
-          </p:spPr>
-          <p:style>
-            <a:lnRef idx="1">
-              <a:schemeClr val="accent1"/>
-            </a:lnRef>
-            <a:fillRef idx="3">
-              <a:schemeClr val="accent1"/>
-            </a:fillRef>
-            <a:effectRef idx="2">
-              <a:schemeClr val="accent1"/>
-            </a:effectRef>
-            <a:fontRef idx="minor">
-              <a:schemeClr val="lt1"/>
-            </a:fontRef>
-          </p:style>
-          <p:txBody>
-            <a:bodyPr rtlCol="0" anchor="ctr"/>
-            <a:lstStyle/>
-            <a:p>
-              <a:pPr algn="ctr"/>
-              <a:endParaRPr lang="en-US">
-                <a:solidFill>
-                  <a:schemeClr val="tx1"/>
-                </a:solidFill>
-              </a:endParaRPr>
-            </a:p>
-          </p:txBody>
-        </p:sp>
-        <p:cxnSp>
-          <p:nvCxnSpPr>
-            <p:cNvPr id="9" name="Connecteur droit avec flèche 8"/>
-            <p:cNvCxnSpPr>
-              <a:endCxn id="7" idx="0"/>
-            </p:cNvCxnSpPr>
-            <p:nvPr/>
-          </p:nvCxnSpPr>
-          <p:spPr>
-            <a:xfrm flipV="1">
-              <a:off x="8995545" y="7841894"/>
-              <a:ext cx="0" cy="1601840"/>
-            </a:xfrm>
-            <a:prstGeom prst="straightConnector1">
-              <a:avLst/>
-            </a:prstGeom>
-            <a:ln w="57150" cmpd="sng">
-              <a:solidFill>
-                <a:schemeClr val="accent2"/>
-              </a:solidFill>
-              <a:tailEnd type="arrow"/>
-            </a:ln>
-          </p:spPr>
-          <p:style>
-            <a:lnRef idx="2">
-              <a:schemeClr val="accent1"/>
-            </a:lnRef>
-            <a:fillRef idx="0">
-              <a:schemeClr val="accent1"/>
-            </a:fillRef>
-            <a:effectRef idx="1">
-              <a:schemeClr val="accent1"/>
-            </a:effectRef>
-            <a:fontRef idx="minor">
-              <a:schemeClr val="tx1"/>
-            </a:fontRef>
-          </p:style>
-        </p:cxnSp>
-        <p:grpSp>
-          <p:nvGrpSpPr>
-            <p:cNvPr id="10" name="Grouper 9"/>
-            <p:cNvGrpSpPr/>
-            <p:nvPr/>
-          </p:nvGrpSpPr>
-          <p:grpSpPr>
-            <a:xfrm>
-              <a:off x="6494949" y="6986428"/>
-              <a:ext cx="5001192" cy="5001190"/>
-              <a:chOff x="2759620" y="2052934"/>
-              <a:chExt cx="2735998" cy="2735997"/>
-            </a:xfrm>
-          </p:grpSpPr>
-          <p:sp>
-            <p:nvSpPr>
-              <p:cNvPr id="15" name="Arc 14"/>
-              <p:cNvSpPr/>
-              <p:nvPr/>
-            </p:nvSpPr>
-            <p:spPr>
-              <a:xfrm>
-                <a:off x="3119619" y="2340933"/>
-                <a:ext cx="2016000" cy="2159999"/>
-              </a:xfrm>
-              <a:prstGeom prst="arc">
-                <a:avLst>
-                  <a:gd name="adj1" fmla="val 17494394"/>
-                  <a:gd name="adj2" fmla="val 19010120"/>
-                </a:avLst>
-              </a:prstGeom>
-              <a:ln w="38100" cmpd="sng">
-                <a:solidFill>
-                  <a:schemeClr val="accent2"/>
-                </a:solidFill>
-              </a:ln>
-            </p:spPr>
-            <p:style>
-              <a:lnRef idx="2">
-                <a:schemeClr val="accent1"/>
-              </a:lnRef>
-              <a:fillRef idx="0">
-                <a:schemeClr val="accent1"/>
-              </a:fillRef>
-              <a:effectRef idx="1">
-                <a:schemeClr val="accent1"/>
-              </a:effectRef>
-              <a:fontRef idx="minor">
-                <a:schemeClr val="tx1"/>
-              </a:fontRef>
-            </p:style>
-            <p:txBody>
-              <a:bodyPr rtlCol="0" anchor="ctr"/>
-              <a:lstStyle/>
-              <a:p>
-                <a:pPr algn="ctr"/>
-                <a:endParaRPr lang="en-US"/>
-              </a:p>
-            </p:txBody>
-          </p:sp>
-          <p:sp>
-            <p:nvSpPr>
-              <p:cNvPr id="16" name="Arc 15"/>
-              <p:cNvSpPr>
-                <a:spLocks noChangeAspect="1"/>
-              </p:cNvSpPr>
-              <p:nvPr/>
-            </p:nvSpPr>
-            <p:spPr>
-              <a:xfrm>
-                <a:off x="2903620" y="2196933"/>
-                <a:ext cx="2447999" cy="2447998"/>
-              </a:xfrm>
-              <a:prstGeom prst="arc">
-                <a:avLst>
-                  <a:gd name="adj1" fmla="val 17258218"/>
-                  <a:gd name="adj2" fmla="val 19319877"/>
-                </a:avLst>
-              </a:prstGeom>
-              <a:ln w="38100" cmpd="sng">
-                <a:solidFill>
-                  <a:schemeClr val="accent2"/>
-                </a:solidFill>
-              </a:ln>
-            </p:spPr>
-            <p:style>
-              <a:lnRef idx="2">
-                <a:schemeClr val="accent1"/>
-              </a:lnRef>
-              <a:fillRef idx="0">
-                <a:schemeClr val="accent1"/>
-              </a:fillRef>
-              <a:effectRef idx="1">
-                <a:schemeClr val="accent1"/>
-              </a:effectRef>
-              <a:fontRef idx="minor">
-                <a:schemeClr val="tx1"/>
-              </a:fontRef>
-            </p:style>
-            <p:txBody>
-              <a:bodyPr rtlCol="0" anchor="ctr"/>
-              <a:lstStyle/>
-              <a:p>
-                <a:pPr algn="ctr"/>
-                <a:endParaRPr lang="en-US"/>
-              </a:p>
-            </p:txBody>
-          </p:sp>
-          <p:sp>
-            <p:nvSpPr>
-              <p:cNvPr id="17" name="Arc 16"/>
-              <p:cNvSpPr>
-                <a:spLocks noChangeAspect="1"/>
-              </p:cNvSpPr>
-              <p:nvPr/>
-            </p:nvSpPr>
-            <p:spPr>
-              <a:xfrm>
-                <a:off x="2759620" y="2052934"/>
-                <a:ext cx="2735998" cy="2735997"/>
-              </a:xfrm>
-              <a:prstGeom prst="arc">
-                <a:avLst>
-                  <a:gd name="adj1" fmla="val 17058860"/>
-                  <a:gd name="adj2" fmla="val 19569505"/>
-                </a:avLst>
-              </a:prstGeom>
-              <a:ln w="38100" cmpd="sng">
-                <a:solidFill>
-                  <a:schemeClr val="accent2"/>
-                </a:solidFill>
-              </a:ln>
-            </p:spPr>
-            <p:style>
-              <a:lnRef idx="2">
-                <a:schemeClr val="accent1"/>
-              </a:lnRef>
-              <a:fillRef idx="0">
-                <a:schemeClr val="accent1"/>
-              </a:fillRef>
-              <a:effectRef idx="1">
-                <a:schemeClr val="accent1"/>
-              </a:effectRef>
-              <a:fontRef idx="minor">
-                <a:schemeClr val="tx1"/>
-              </a:fontRef>
-            </p:style>
-            <p:txBody>
-              <a:bodyPr rtlCol="0" anchor="ctr"/>
-              <a:lstStyle/>
-              <a:p>
-                <a:pPr algn="ctr"/>
-                <a:endParaRPr lang="en-US">
-                  <a:ln w="38100" cmpd="sng">
-                    <a:solidFill>
-                      <a:srgbClr val="000000"/>
-                    </a:solidFill>
-                  </a:ln>
-                </a:endParaRPr>
-              </a:p>
-            </p:txBody>
-          </p:sp>
-        </p:grpSp>
-        <p:grpSp>
-          <p:nvGrpSpPr>
-            <p:cNvPr id="11" name="Grouper 10"/>
-            <p:cNvGrpSpPr/>
-            <p:nvPr/>
-          </p:nvGrpSpPr>
-          <p:grpSpPr>
-            <a:xfrm flipH="1">
-              <a:off x="6494949" y="6943137"/>
-              <a:ext cx="5001192" cy="5001190"/>
-              <a:chOff x="2759620" y="2052934"/>
-              <a:chExt cx="2735998" cy="2735997"/>
-            </a:xfrm>
-          </p:grpSpPr>
-          <p:sp>
-            <p:nvSpPr>
-              <p:cNvPr id="12" name="Arc 11"/>
-              <p:cNvSpPr/>
-              <p:nvPr/>
-            </p:nvSpPr>
-            <p:spPr>
-              <a:xfrm>
-                <a:off x="3119619" y="2340933"/>
-                <a:ext cx="2016000" cy="2159999"/>
-              </a:xfrm>
-              <a:prstGeom prst="arc">
-                <a:avLst>
-                  <a:gd name="adj1" fmla="val 17494394"/>
-                  <a:gd name="adj2" fmla="val 19010120"/>
-                </a:avLst>
-              </a:prstGeom>
-              <a:ln w="38100" cmpd="sng">
-                <a:solidFill>
-                  <a:schemeClr val="accent2"/>
-                </a:solidFill>
-              </a:ln>
-            </p:spPr>
-            <p:style>
-              <a:lnRef idx="2">
-                <a:schemeClr val="accent1"/>
-              </a:lnRef>
-              <a:fillRef idx="0">
-                <a:schemeClr val="accent1"/>
-              </a:fillRef>
-              <a:effectRef idx="1">
-                <a:schemeClr val="accent1"/>
-              </a:effectRef>
-              <a:fontRef idx="minor">
-                <a:schemeClr val="tx1"/>
-              </a:fontRef>
-            </p:style>
-            <p:txBody>
-              <a:bodyPr rtlCol="0" anchor="ctr"/>
-              <a:lstStyle/>
-              <a:p>
-                <a:pPr algn="ctr"/>
-                <a:endParaRPr lang="en-US"/>
-              </a:p>
-            </p:txBody>
-          </p:sp>
-          <p:sp>
-            <p:nvSpPr>
-              <p:cNvPr id="13" name="Arc 12"/>
-              <p:cNvSpPr>
-                <a:spLocks noChangeAspect="1"/>
-              </p:cNvSpPr>
-              <p:nvPr/>
-            </p:nvSpPr>
-            <p:spPr>
-              <a:xfrm>
-                <a:off x="2903620" y="2196933"/>
-                <a:ext cx="2447999" cy="2447998"/>
-              </a:xfrm>
-              <a:prstGeom prst="arc">
-                <a:avLst>
-                  <a:gd name="adj1" fmla="val 17258218"/>
-                  <a:gd name="adj2" fmla="val 19319877"/>
-                </a:avLst>
-              </a:prstGeom>
-              <a:ln w="38100" cmpd="sng">
-                <a:solidFill>
-                  <a:schemeClr val="accent2"/>
-                </a:solidFill>
-              </a:ln>
-            </p:spPr>
-            <p:style>
-              <a:lnRef idx="2">
-                <a:schemeClr val="accent1"/>
-              </a:lnRef>
-              <a:fillRef idx="0">
-                <a:schemeClr val="accent1"/>
-              </a:fillRef>
-              <a:effectRef idx="1">
-                <a:schemeClr val="accent1"/>
-              </a:effectRef>
-              <a:fontRef idx="minor">
-                <a:schemeClr val="tx1"/>
-              </a:fontRef>
-            </p:style>
-            <p:txBody>
-              <a:bodyPr rtlCol="0" anchor="ctr"/>
-              <a:lstStyle/>
-              <a:p>
-                <a:pPr algn="ctr"/>
-                <a:endParaRPr lang="en-US"/>
-              </a:p>
-            </p:txBody>
-          </p:sp>
-          <p:sp>
-            <p:nvSpPr>
-              <p:cNvPr id="14" name="Arc 13"/>
-              <p:cNvSpPr>
-                <a:spLocks noChangeAspect="1"/>
-              </p:cNvSpPr>
-              <p:nvPr/>
-            </p:nvSpPr>
-            <p:spPr>
-              <a:xfrm>
-                <a:off x="2759620" y="2052934"/>
-                <a:ext cx="2735998" cy="2735997"/>
-              </a:xfrm>
-              <a:prstGeom prst="arc">
-                <a:avLst>
-                  <a:gd name="adj1" fmla="val 17058860"/>
-                  <a:gd name="adj2" fmla="val 19569505"/>
-                </a:avLst>
-              </a:prstGeom>
-              <a:ln w="38100" cmpd="sng">
-                <a:solidFill>
-                  <a:schemeClr val="accent2"/>
-                </a:solidFill>
-              </a:ln>
-            </p:spPr>
-            <p:style>
-              <a:lnRef idx="2">
-                <a:schemeClr val="accent1"/>
-              </a:lnRef>
-              <a:fillRef idx="0">
-                <a:schemeClr val="accent1"/>
-              </a:fillRef>
-              <a:effectRef idx="1">
-                <a:schemeClr val="accent1"/>
-              </a:effectRef>
-              <a:fontRef idx="minor">
-                <a:schemeClr val="tx1"/>
-              </a:fontRef>
-            </p:style>
-            <p:txBody>
-              <a:bodyPr rtlCol="0" anchor="ctr"/>
-              <a:lstStyle/>
-              <a:p>
-                <a:pPr algn="ctr"/>
-                <a:endParaRPr lang="en-US">
+                <a:endParaRPr lang="en-US" dirty="0">
                   <a:ln w="38100" cmpd="sng">
                     <a:solidFill>
                       <a:srgbClr val="000000"/>

--- a/Source Code/GraspBMPs/GraspCircularPrompts.pptx
+++ b/Source Code/GraspBMPs/GraspCircularPrompts.pptx
@@ -302,7 +302,7 @@
           <a:p>
             <a:fld id="{649FEDF0-7D14-9E44-B4F2-968D163D1479}" type="datetimeFigureOut">
               <a:rPr lang="fr-FR" smtClean="0"/>
-              <a:t>17/08/16</a:t>
+              <a:t>19/08/16</a:t>
             </a:fld>
             <a:endParaRPr lang="en-US" dirty="0"/>
           </a:p>
@@ -472,7 +472,7 @@
           <a:p>
             <a:fld id="{649FEDF0-7D14-9E44-B4F2-968D163D1479}" type="datetimeFigureOut">
               <a:rPr lang="fr-FR" smtClean="0"/>
-              <a:t>17/08/16</a:t>
+              <a:t>19/08/16</a:t>
             </a:fld>
             <a:endParaRPr lang="en-US" dirty="0"/>
           </a:p>
@@ -652,7 +652,7 @@
           <a:p>
             <a:fld id="{649FEDF0-7D14-9E44-B4F2-968D163D1479}" type="datetimeFigureOut">
               <a:rPr lang="fr-FR" smtClean="0"/>
-              <a:t>17/08/16</a:t>
+              <a:t>19/08/16</a:t>
             </a:fld>
             <a:endParaRPr lang="en-US" dirty="0"/>
           </a:p>
@@ -822,7 +822,7 @@
           <a:p>
             <a:fld id="{649FEDF0-7D14-9E44-B4F2-968D163D1479}" type="datetimeFigureOut">
               <a:rPr lang="fr-FR" smtClean="0"/>
-              <a:t>17/08/16</a:t>
+              <a:t>19/08/16</a:t>
             </a:fld>
             <a:endParaRPr lang="en-US" dirty="0"/>
           </a:p>
@@ -1068,7 +1068,7 @@
           <a:p>
             <a:fld id="{649FEDF0-7D14-9E44-B4F2-968D163D1479}" type="datetimeFigureOut">
               <a:rPr lang="fr-FR" smtClean="0"/>
-              <a:t>17/08/16</a:t>
+              <a:t>19/08/16</a:t>
             </a:fld>
             <a:endParaRPr lang="en-US" dirty="0"/>
           </a:p>
@@ -1356,7 +1356,7 @@
           <a:p>
             <a:fld id="{649FEDF0-7D14-9E44-B4F2-968D163D1479}" type="datetimeFigureOut">
               <a:rPr lang="fr-FR" smtClean="0"/>
-              <a:t>17/08/16</a:t>
+              <a:t>19/08/16</a:t>
             </a:fld>
             <a:endParaRPr lang="en-US" dirty="0"/>
           </a:p>
@@ -1778,7 +1778,7 @@
           <a:p>
             <a:fld id="{649FEDF0-7D14-9E44-B4F2-968D163D1479}" type="datetimeFigureOut">
               <a:rPr lang="fr-FR" smtClean="0"/>
-              <a:t>17/08/16</a:t>
+              <a:t>19/08/16</a:t>
             </a:fld>
             <a:endParaRPr lang="en-US" dirty="0"/>
           </a:p>
@@ -1896,7 +1896,7 @@
           <a:p>
             <a:fld id="{649FEDF0-7D14-9E44-B4F2-968D163D1479}" type="datetimeFigureOut">
               <a:rPr lang="fr-FR" smtClean="0"/>
-              <a:t>17/08/16</a:t>
+              <a:t>19/08/16</a:t>
             </a:fld>
             <a:endParaRPr lang="en-US" dirty="0"/>
           </a:p>
@@ -1991,7 +1991,7 @@
           <a:p>
             <a:fld id="{649FEDF0-7D14-9E44-B4F2-968D163D1479}" type="datetimeFigureOut">
               <a:rPr lang="fr-FR" smtClean="0"/>
-              <a:t>17/08/16</a:t>
+              <a:t>19/08/16</a:t>
             </a:fld>
             <a:endParaRPr lang="en-US" dirty="0"/>
           </a:p>
@@ -2316,7 +2316,7 @@
           <a:p>
             <a:fld id="{649FEDF0-7D14-9E44-B4F2-968D163D1479}" type="datetimeFigureOut">
               <a:rPr lang="fr-FR" smtClean="0"/>
-              <a:t>17/08/16</a:t>
+              <a:t>19/08/16</a:t>
             </a:fld>
             <a:endParaRPr lang="en-US" dirty="0"/>
           </a:p>
@@ -2569,7 +2569,7 @@
           <a:p>
             <a:fld id="{649FEDF0-7D14-9E44-B4F2-968D163D1479}" type="datetimeFigureOut">
               <a:rPr lang="fr-FR" smtClean="0"/>
-              <a:t>17/08/16</a:t>
+              <a:t>19/08/16</a:t>
             </a:fld>
             <a:endParaRPr lang="en-US" dirty="0"/>
           </a:p>
@@ -2785,7 +2785,7 @@
           <a:p>
             <a:fld id="{649FEDF0-7D14-9E44-B4F2-968D163D1479}" type="datetimeFigureOut">
               <a:rPr lang="fr-FR" smtClean="0"/>
-              <a:t>17/08/16</a:t>
+              <a:t>19/08/16</a:t>
             </a:fld>
             <a:endParaRPr lang="en-US" dirty="0"/>
           </a:p>
@@ -3384,9 +3384,7 @@
                   <a:prstDash val="solid"/>
                 </a:ln>
                 <a:solidFill>
-                  <a:schemeClr val="accent3">
-                    <a:lumMod val="75000"/>
-                  </a:schemeClr>
+                  <a:srgbClr val="604A7B"/>
                 </a:solidFill>
               </a:rPr>
               <a:t>Time to respond exceeded.</a:t>
@@ -3399,9 +3397,7 @@
                 <a:prstDash val="solid"/>
               </a:ln>
               <a:solidFill>
-                <a:schemeClr val="accent3">
-                  <a:lumMod val="75000"/>
-                </a:schemeClr>
+                <a:srgbClr val="604A7B"/>
               </a:solidFill>
             </a:endParaRPr>
           </a:p>
@@ -4120,9 +4116,7 @@
                   <a:prstDash val="solid"/>
                 </a:ln>
                 <a:solidFill>
-                  <a:schemeClr val="accent3">
-                    <a:lumMod val="75000"/>
-                  </a:schemeClr>
+                  <a:srgbClr val="604A7B"/>
                 </a:solidFill>
               </a:rPr>
               <a:t>Time limit exceeded.</a:t>
@@ -4135,9 +4129,7 @@
                 <a:prstDash val="solid"/>
               </a:ln>
               <a:solidFill>
-                <a:schemeClr val="accent3">
-                  <a:lumMod val="75000"/>
-                </a:schemeClr>
+                <a:srgbClr val="604A7B"/>
               </a:solidFill>
             </a:endParaRPr>
           </a:p>
@@ -4856,9 +4848,7 @@
                   <a:prstDash val="solid"/>
                 </a:ln>
                 <a:solidFill>
-                  <a:schemeClr val="accent3">
-                    <a:lumMod val="75000"/>
-                  </a:schemeClr>
+                  <a:srgbClr val="604A7B"/>
                 </a:solidFill>
               </a:rPr>
               <a:t>Time to rotate hand exceeded.</a:t>
@@ -4871,9 +4861,7 @@
                 <a:prstDash val="solid"/>
               </a:ln>
               <a:solidFill>
-                <a:schemeClr val="accent3">
-                  <a:lumMod val="75000"/>
-                </a:schemeClr>
+                <a:srgbClr val="604A7B"/>
               </a:solidFill>
             </a:endParaRPr>
           </a:p>
@@ -5592,9 +5580,7 @@
                   <a:prstDash val="solid"/>
                 </a:ln>
                 <a:solidFill>
-                  <a:schemeClr val="accent3">
-                    <a:lumMod val="75000"/>
-                  </a:schemeClr>
+                  <a:srgbClr val="604A7B"/>
                 </a:solidFill>
               </a:rPr>
               <a:t>Hand raised too soon.</a:t>
@@ -5607,9 +5593,7 @@
                 <a:prstDash val="solid"/>
               </a:ln>
               <a:solidFill>
-                <a:schemeClr val="accent3">
-                  <a:lumMod val="75000"/>
-                </a:schemeClr>
+                <a:srgbClr val="604A7B"/>
               </a:solidFill>
             </a:endParaRPr>
           </a:p>
@@ -5842,9 +5826,7 @@
                   <a:prstDash val="solid"/>
                 </a:ln>
                 <a:solidFill>
-                  <a:schemeClr val="accent3">
-                    <a:lumMod val="75000"/>
-                  </a:schemeClr>
+                  <a:srgbClr val="604A7B"/>
                 </a:solidFill>
               </a:rPr>
               <a:t>Hand should not be raised.</a:t>
@@ -5857,9 +5839,7 @@
                 <a:prstDash val="solid"/>
               </a:ln>
               <a:solidFill>
-                <a:schemeClr val="accent3">
-                  <a:lumMod val="75000"/>
-                </a:schemeClr>
+                <a:srgbClr val="604A7B"/>
               </a:solidFill>
             </a:endParaRPr>
           </a:p>
@@ -6662,83 +6642,7 @@
                   </a:outerShdw>
                 </a:effectLst>
               </a:rPr>
-              <a:t>Doff </a:t>
-            </a:r>
-            <a:r>
-              <a:rPr lang="en-US" sz="13800" b="1" spc="-150" dirty="0" smtClean="0">
-                <a:ln w="12700">
-                  <a:noFill/>
-                  <a:prstDash val="solid"/>
-                </a:ln>
-                <a:solidFill>
-                  <a:schemeClr val="accent1"/>
-                </a:solidFill>
-                <a:effectLst>
-                  <a:outerShdw blurRad="41275" dist="20320" dir="1800000" algn="tl" rotWithShape="0">
-                    <a:srgbClr val="000000">
-                      <a:alpha val="40000"/>
-                    </a:srgbClr>
-                  </a:outerShdw>
-                </a:effectLst>
-              </a:rPr>
-              <a:t>VR helmet</a:t>
-            </a:r>
-            <a:r>
-              <a:rPr lang="en-US" sz="13800" b="1" spc="-150" dirty="0" smtClean="0">
-                <a:ln w="12700">
-                  <a:noFill/>
-                  <a:prstDash val="solid"/>
-                </a:ln>
-                <a:solidFill>
-                  <a:schemeClr val="accent1"/>
-                </a:solidFill>
-                <a:effectLst>
-                  <a:outerShdw blurRad="41275" dist="20320" dir="1800000" algn="tl" rotWithShape="0">
-                    <a:srgbClr val="000000">
-                      <a:alpha val="40000"/>
-                    </a:srgbClr>
-                  </a:outerShdw>
-                </a:effectLst>
-              </a:rPr>
-              <a:t> </a:t>
-            </a:r>
-            <a:r>
-              <a:rPr lang="en-US" sz="13800" b="1" spc="-150" dirty="0" smtClean="0">
-                <a:ln w="12700">
-                  <a:noFill/>
-                  <a:prstDash val="solid"/>
-                </a:ln>
-                <a:solidFill>
-                  <a:schemeClr val="accent1"/>
-                </a:solidFill>
-                <a:effectLst>
-                  <a:outerShdw blurRad="41275" dist="20320" dir="1800000" algn="tl" rotWithShape="0">
-                    <a:srgbClr val="000000">
-                      <a:alpha val="40000"/>
-                    </a:srgbClr>
-                  </a:outerShdw>
-                </a:effectLst>
-              </a:rPr>
-              <a:t>and press </a:t>
-            </a:r>
-            <a:r>
-              <a:rPr lang="en-US" sz="13800" b="1" spc="-150" dirty="0" smtClean="0">
-                <a:ln w="12700">
-                  <a:noFill/>
-                  <a:prstDash val="solid"/>
-                </a:ln>
-                <a:solidFill>
-                  <a:schemeClr val="accent1"/>
-                </a:solidFill>
-                <a:effectLst>
-                  <a:outerShdw blurRad="41275" dist="20320" dir="1800000" algn="tl" rotWithShape="0">
-                    <a:srgbClr val="000000">
-                      <a:alpha val="40000"/>
-                    </a:srgbClr>
-                  </a:outerShdw>
-                </a:effectLst>
-              </a:rPr>
-              <a:t>Return.</a:t>
+              <a:t>Doff VR helmet and press Return.</a:t>
             </a:r>
             <a:endParaRPr lang="en-US" sz="13800" b="1" spc="-150" dirty="0">
               <a:ln w="12700">
@@ -7141,7 +7045,9 @@
                   <a:prstDash val="solid"/>
                 </a:ln>
                 <a:solidFill>
-                  <a:srgbClr val="77933C"/>
+                  <a:schemeClr val="accent4">
+                    <a:lumMod val="75000"/>
+                  </a:schemeClr>
                 </a:solidFill>
               </a:rPr>
               <a:t>Time to lower hand exceeded.</a:t>
@@ -7154,7 +7060,9 @@
                 <a:prstDash val="solid"/>
               </a:ln>
               <a:solidFill>
-                <a:srgbClr val="77933C"/>
+                <a:schemeClr val="accent4">
+                  <a:lumMod val="75000"/>
+                </a:schemeClr>
               </a:solidFill>
             </a:endParaRPr>
           </a:p>
@@ -8092,7 +8000,7 @@
                   <a:prstDash val="solid"/>
                 </a:ln>
                 <a:solidFill>
-                  <a:srgbClr val="77933C"/>
+                  <a:srgbClr val="604A7B"/>
                 </a:solidFill>
               </a:rPr>
               <a:t>Time to raise hand exceeded.</a:t>
@@ -8105,7 +8013,7 @@
                 <a:prstDash val="solid"/>
               </a:ln>
               <a:solidFill>
-                <a:srgbClr val="77933C"/>
+                <a:srgbClr val="604A7B"/>
               </a:solidFill>
             </a:endParaRPr>
           </a:p>
@@ -8824,7 +8732,7 @@
                   <a:prstDash val="solid"/>
                 </a:ln>
                 <a:solidFill>
-                  <a:srgbClr val="77933C"/>
+                  <a:srgbClr val="604A7B"/>
                 </a:solidFill>
               </a:rPr>
               <a:t>Head </a:t>
@@ -8838,7 +8746,7 @@
                   <a:prstDash val="solid"/>
                 </a:ln>
                 <a:solidFill>
-                  <a:srgbClr val="77933C"/>
+                  <a:srgbClr val="604A7B"/>
                 </a:solidFill>
               </a:rPr>
               <a:t>t</a:t>
@@ -8852,7 +8760,7 @@
                   <a:prstDash val="solid"/>
                 </a:ln>
                 <a:solidFill>
-                  <a:srgbClr val="77933C"/>
+                  <a:srgbClr val="604A7B"/>
                 </a:solidFill>
               </a:rPr>
               <a:t> </a:t>
@@ -8866,7 +8774,7 @@
                   <a:prstDash val="solid"/>
                 </a:ln>
                 <a:solidFill>
-                  <a:srgbClr val="77933C"/>
+                  <a:srgbClr val="604A7B"/>
                 </a:solidFill>
               </a:rPr>
               <a:t>ilt</a:t>
@@ -8880,24 +8788,10 @@
                   <a:prstDash val="solid"/>
                 </a:ln>
                 <a:solidFill>
-                  <a:srgbClr val="77933C"/>
+                  <a:srgbClr val="604A7B"/>
                 </a:solidFill>
               </a:rPr>
-              <a:t> not </a:t>
-            </a:r>
-            <a:r>
-              <a:rPr lang="en-US" sz="23900" b="1" spc="600" dirty="0" smtClean="0">
-                <a:ln w="12700">
-                  <a:solidFill>
-                    <a:srgbClr val="FFFFFF"/>
-                  </a:solidFill>
-                  <a:prstDash val="solid"/>
-                </a:ln>
-                <a:solidFill>
-                  <a:srgbClr val="77933C"/>
-                </a:solidFill>
-              </a:rPr>
-              <a:t>maintained.</a:t>
+              <a:t> not maintained.</a:t>
             </a:r>
             <a:endParaRPr lang="en-US" sz="23900" b="1" spc="600" dirty="0">
               <a:ln w="12700">
@@ -8907,7 +8801,7 @@
                 <a:prstDash val="solid"/>
               </a:ln>
               <a:solidFill>
-                <a:srgbClr val="77933C"/>
+                <a:srgbClr val="604A7B"/>
               </a:solidFill>
             </a:endParaRPr>
           </a:p>
@@ -9140,9 +9034,7 @@
                   <a:prstDash val="solid"/>
                 </a:ln>
                 <a:solidFill>
-                  <a:schemeClr val="accent3">
-                    <a:lumMod val="75000"/>
-                  </a:schemeClr>
+                  <a:srgbClr val="604A7B"/>
                 </a:solidFill>
               </a:rPr>
               <a:t>Time to </a:t>
@@ -9156,7 +9048,7 @@
                   <a:prstDash val="solid"/>
                 </a:ln>
                 <a:solidFill>
-                  <a:srgbClr val="77933C"/>
+                  <a:srgbClr val="604A7B"/>
                 </a:solidFill>
               </a:rPr>
               <a:t>t</a:t>
@@ -9170,7 +9062,7 @@
                   <a:prstDash val="solid"/>
                 </a:ln>
                 <a:solidFill>
-                  <a:srgbClr val="77933C"/>
+                  <a:srgbClr val="604A7B"/>
                 </a:solidFill>
               </a:rPr>
               <a:t> </a:t>
@@ -9184,7 +9076,7 @@
                   <a:prstDash val="solid"/>
                 </a:ln>
                 <a:solidFill>
-                  <a:srgbClr val="77933C"/>
+                  <a:srgbClr val="604A7B"/>
                 </a:solidFill>
               </a:rPr>
               <a:t>ilt</a:t>
@@ -9198,42 +9090,10 @@
                   <a:prstDash val="solid"/>
                 </a:ln>
                 <a:solidFill>
-                  <a:srgbClr val="77933C"/>
+                  <a:srgbClr val="604A7B"/>
                 </a:solidFill>
               </a:rPr>
-              <a:t> </a:t>
-            </a:r>
-            <a:r>
-              <a:rPr lang="en-US" sz="23900" b="1" spc="600" dirty="0" smtClean="0">
-                <a:ln w="12700">
-                  <a:solidFill>
-                    <a:srgbClr val="FFFFFF"/>
-                  </a:solidFill>
-                  <a:prstDash val="solid"/>
-                </a:ln>
-                <a:solidFill>
-                  <a:schemeClr val="accent3">
-                    <a:lumMod val="75000"/>
-                  </a:schemeClr>
-                </a:solidFill>
-              </a:rPr>
-              <a:t>head </a:t>
-            </a:r>
-            <a:r>
-              <a:rPr lang="en-US" sz="23900" b="1" spc="600" dirty="0" smtClean="0">
-                <a:ln w="12700">
-                  <a:solidFill>
-                    <a:srgbClr val="FFFFFF"/>
-                  </a:solidFill>
-                  <a:prstDash val="solid"/>
-                </a:ln>
-                <a:solidFill>
-                  <a:schemeClr val="accent3">
-                    <a:lumMod val="75000"/>
-                  </a:schemeClr>
-                </a:solidFill>
-              </a:rPr>
-              <a:t>exceeded.</a:t>
+              <a:t> head exceeded.</a:t>
             </a:r>
             <a:endParaRPr lang="en-US" sz="23900" b="1" spc="600" dirty="0">
               <a:ln w="12700">
@@ -9243,9 +9103,7 @@
                 <a:prstDash val="solid"/>
               </a:ln>
               <a:solidFill>
-                <a:schemeClr val="accent3">
-                  <a:lumMod val="75000"/>
-                </a:schemeClr>
+                <a:srgbClr val="604A7B"/>
               </a:solidFill>
             </a:endParaRPr>
           </a:p>

--- a/Source Code/GraspBMPs/GraspCircularPrompts.pptx
+++ b/Source Code/GraspBMPs/GraspCircularPrompts.pptx
@@ -302,7 +302,7 @@
           <a:p>
             <a:fld id="{649FEDF0-7D14-9E44-B4F2-968D163D1479}" type="datetimeFigureOut">
               <a:rPr lang="fr-FR" smtClean="0"/>
-              <a:t>19/08/16</a:t>
+              <a:t>28/09/16</a:t>
             </a:fld>
             <a:endParaRPr lang="en-US" dirty="0"/>
           </a:p>
@@ -472,7 +472,7 @@
           <a:p>
             <a:fld id="{649FEDF0-7D14-9E44-B4F2-968D163D1479}" type="datetimeFigureOut">
               <a:rPr lang="fr-FR" smtClean="0"/>
-              <a:t>19/08/16</a:t>
+              <a:t>28/09/16</a:t>
             </a:fld>
             <a:endParaRPr lang="en-US" dirty="0"/>
           </a:p>
@@ -652,7 +652,7 @@
           <a:p>
             <a:fld id="{649FEDF0-7D14-9E44-B4F2-968D163D1479}" type="datetimeFigureOut">
               <a:rPr lang="fr-FR" smtClean="0"/>
-              <a:t>19/08/16</a:t>
+              <a:t>28/09/16</a:t>
             </a:fld>
             <a:endParaRPr lang="en-US" dirty="0"/>
           </a:p>
@@ -822,7 +822,7 @@
           <a:p>
             <a:fld id="{649FEDF0-7D14-9E44-B4F2-968D163D1479}" type="datetimeFigureOut">
               <a:rPr lang="fr-FR" smtClean="0"/>
-              <a:t>19/08/16</a:t>
+              <a:t>28/09/16</a:t>
             </a:fld>
             <a:endParaRPr lang="en-US" dirty="0"/>
           </a:p>
@@ -1068,7 +1068,7 @@
           <a:p>
             <a:fld id="{649FEDF0-7D14-9E44-B4F2-968D163D1479}" type="datetimeFigureOut">
               <a:rPr lang="fr-FR" smtClean="0"/>
-              <a:t>19/08/16</a:t>
+              <a:t>28/09/16</a:t>
             </a:fld>
             <a:endParaRPr lang="en-US" dirty="0"/>
           </a:p>
@@ -1356,7 +1356,7 @@
           <a:p>
             <a:fld id="{649FEDF0-7D14-9E44-B4F2-968D163D1479}" type="datetimeFigureOut">
               <a:rPr lang="fr-FR" smtClean="0"/>
-              <a:t>19/08/16</a:t>
+              <a:t>28/09/16</a:t>
             </a:fld>
             <a:endParaRPr lang="en-US" dirty="0"/>
           </a:p>
@@ -1778,7 +1778,7 @@
           <a:p>
             <a:fld id="{649FEDF0-7D14-9E44-B4F2-968D163D1479}" type="datetimeFigureOut">
               <a:rPr lang="fr-FR" smtClean="0"/>
-              <a:t>19/08/16</a:t>
+              <a:t>28/09/16</a:t>
             </a:fld>
             <a:endParaRPr lang="en-US" dirty="0"/>
           </a:p>
@@ -1896,7 +1896,7 @@
           <a:p>
             <a:fld id="{649FEDF0-7D14-9E44-B4F2-968D163D1479}" type="datetimeFigureOut">
               <a:rPr lang="fr-FR" smtClean="0"/>
-              <a:t>19/08/16</a:t>
+              <a:t>28/09/16</a:t>
             </a:fld>
             <a:endParaRPr lang="en-US" dirty="0"/>
           </a:p>
@@ -1991,7 +1991,7 @@
           <a:p>
             <a:fld id="{649FEDF0-7D14-9E44-B4F2-968D163D1479}" type="datetimeFigureOut">
               <a:rPr lang="fr-FR" smtClean="0"/>
-              <a:t>19/08/16</a:t>
+              <a:t>28/09/16</a:t>
             </a:fld>
             <a:endParaRPr lang="en-US" dirty="0"/>
           </a:p>
@@ -2316,7 +2316,7 @@
           <a:p>
             <a:fld id="{649FEDF0-7D14-9E44-B4F2-968D163D1479}" type="datetimeFigureOut">
               <a:rPr lang="fr-FR" smtClean="0"/>
-              <a:t>19/08/16</a:t>
+              <a:t>28/09/16</a:t>
             </a:fld>
             <a:endParaRPr lang="en-US" dirty="0"/>
           </a:p>
@@ -2569,7 +2569,7 @@
           <a:p>
             <a:fld id="{649FEDF0-7D14-9E44-B4F2-968D163D1479}" type="datetimeFigureOut">
               <a:rPr lang="fr-FR" smtClean="0"/>
-              <a:t>19/08/16</a:t>
+              <a:t>28/09/16</a:t>
             </a:fld>
             <a:endParaRPr lang="en-US" dirty="0"/>
           </a:p>
@@ -2785,7 +2785,7 @@
           <a:p>
             <a:fld id="{649FEDF0-7D14-9E44-B4F2-968D163D1479}" type="datetimeFigureOut">
               <a:rPr lang="fr-FR" smtClean="0"/>
-              <a:t>19/08/16</a:t>
+              <a:t>28/09/16</a:t>
             </a:fld>
             <a:endParaRPr lang="en-US" dirty="0"/>
           </a:p>
@@ -6117,7 +6117,7 @@
           <a:bodyPr wrap="none" lIns="210669" tIns="105334" rIns="210669" bIns="105334">
             <a:prstTxWarp prst="textCircle">
               <a:avLst>
-                <a:gd name="adj" fmla="val 10916975"/>
+                <a:gd name="adj" fmla="val 11697047"/>
               </a:avLst>
             </a:prstTxWarp>
             <a:spAutoFit/>
@@ -6142,16 +6142,16 @@
                   </a:outerShdw>
                 </a:effectLst>
               </a:rPr>
-              <a:t> Press </a:t>
-            </a:r>
-            <a:r>
-              <a:rPr lang="en-US" sz="13800" b="1" spc="300" dirty="0">
+              <a:t> </a:t>
+            </a:r>
+            <a:r>
+              <a:rPr lang="en-US" sz="13800" b="1" spc="300" dirty="0" smtClean="0">
                 <a:ln w="12700">
                   <a:noFill/>
                   <a:prstDash val="solid"/>
                 </a:ln>
                 <a:solidFill>
-                  <a:schemeClr val="accent1"/>
+                  <a:srgbClr val="FF6600"/>
                 </a:solidFill>
                 <a:effectLst>
                   <a:outerShdw blurRad="41275" dist="20320" dir="1800000" algn="tl" rotWithShape="0">
@@ -6161,7 +6161,7 @@
                   </a:outerShdw>
                 </a:effectLst>
               </a:rPr>
-              <a:t>a button to continue</a:t>
+              <a:t>When head is straight, </a:t>
             </a:r>
             <a:r>
               <a:rPr lang="en-US" sz="13800" b="1" spc="300" dirty="0" smtClean="0">
@@ -6180,7 +6180,7 @@
                   </a:outerShdw>
                 </a:effectLst>
               </a:rPr>
-              <a:t>.</a:t>
+              <a:t>press button. </a:t>
             </a:r>
             <a:endParaRPr lang="en-US" sz="13800" b="1" spc="300" dirty="0">
               <a:ln w="12700">

--- a/Source Code/GraspBMPs/GraspCircularPrompts.pptx
+++ b/Source Code/GraspBMPs/GraspCircularPrompts.pptx
@@ -302,7 +302,7 @@
           <a:p>
             <a:fld id="{649FEDF0-7D14-9E44-B4F2-968D163D1479}" type="datetimeFigureOut">
               <a:rPr lang="fr-FR" smtClean="0"/>
-              <a:t>28/09/16</a:t>
+              <a:t>05/10/16</a:t>
             </a:fld>
             <a:endParaRPr lang="en-US" dirty="0"/>
           </a:p>
@@ -472,7 +472,7 @@
           <a:p>
             <a:fld id="{649FEDF0-7D14-9E44-B4F2-968D163D1479}" type="datetimeFigureOut">
               <a:rPr lang="fr-FR" smtClean="0"/>
-              <a:t>28/09/16</a:t>
+              <a:t>05/10/16</a:t>
             </a:fld>
             <a:endParaRPr lang="en-US" dirty="0"/>
           </a:p>
@@ -652,7 +652,7 @@
           <a:p>
             <a:fld id="{649FEDF0-7D14-9E44-B4F2-968D163D1479}" type="datetimeFigureOut">
               <a:rPr lang="fr-FR" smtClean="0"/>
-              <a:t>28/09/16</a:t>
+              <a:t>05/10/16</a:t>
             </a:fld>
             <a:endParaRPr lang="en-US" dirty="0"/>
           </a:p>
@@ -822,7 +822,7 @@
           <a:p>
             <a:fld id="{649FEDF0-7D14-9E44-B4F2-968D163D1479}" type="datetimeFigureOut">
               <a:rPr lang="fr-FR" smtClean="0"/>
-              <a:t>28/09/16</a:t>
+              <a:t>05/10/16</a:t>
             </a:fld>
             <a:endParaRPr lang="en-US" dirty="0"/>
           </a:p>
@@ -1068,7 +1068,7 @@
           <a:p>
             <a:fld id="{649FEDF0-7D14-9E44-B4F2-968D163D1479}" type="datetimeFigureOut">
               <a:rPr lang="fr-FR" smtClean="0"/>
-              <a:t>28/09/16</a:t>
+              <a:t>05/10/16</a:t>
             </a:fld>
             <a:endParaRPr lang="en-US" dirty="0"/>
           </a:p>
@@ -1356,7 +1356,7 @@
           <a:p>
             <a:fld id="{649FEDF0-7D14-9E44-B4F2-968D163D1479}" type="datetimeFigureOut">
               <a:rPr lang="fr-FR" smtClean="0"/>
-              <a:t>28/09/16</a:t>
+              <a:t>05/10/16</a:t>
             </a:fld>
             <a:endParaRPr lang="en-US" dirty="0"/>
           </a:p>
@@ -1778,7 +1778,7 @@
           <a:p>
             <a:fld id="{649FEDF0-7D14-9E44-B4F2-968D163D1479}" type="datetimeFigureOut">
               <a:rPr lang="fr-FR" smtClean="0"/>
-              <a:t>28/09/16</a:t>
+              <a:t>05/10/16</a:t>
             </a:fld>
             <a:endParaRPr lang="en-US" dirty="0"/>
           </a:p>
@@ -1896,7 +1896,7 @@
           <a:p>
             <a:fld id="{649FEDF0-7D14-9E44-B4F2-968D163D1479}" type="datetimeFigureOut">
               <a:rPr lang="fr-FR" smtClean="0"/>
-              <a:t>28/09/16</a:t>
+              <a:t>05/10/16</a:t>
             </a:fld>
             <a:endParaRPr lang="en-US" dirty="0"/>
           </a:p>
@@ -1991,7 +1991,7 @@
           <a:p>
             <a:fld id="{649FEDF0-7D14-9E44-B4F2-968D163D1479}" type="datetimeFigureOut">
               <a:rPr lang="fr-FR" smtClean="0"/>
-              <a:t>28/09/16</a:t>
+              <a:t>05/10/16</a:t>
             </a:fld>
             <a:endParaRPr lang="en-US" dirty="0"/>
           </a:p>
@@ -2316,7 +2316,7 @@
           <a:p>
             <a:fld id="{649FEDF0-7D14-9E44-B4F2-968D163D1479}" type="datetimeFigureOut">
               <a:rPr lang="fr-FR" smtClean="0"/>
-              <a:t>28/09/16</a:t>
+              <a:t>05/10/16</a:t>
             </a:fld>
             <a:endParaRPr lang="en-US" dirty="0"/>
           </a:p>
@@ -2569,7 +2569,7 @@
           <a:p>
             <a:fld id="{649FEDF0-7D14-9E44-B4F2-968D163D1479}" type="datetimeFigureOut">
               <a:rPr lang="fr-FR" smtClean="0"/>
-              <a:t>28/09/16</a:t>
+              <a:t>05/10/16</a:t>
             </a:fld>
             <a:endParaRPr lang="en-US" dirty="0"/>
           </a:p>
@@ -2785,7 +2785,7 @@
           <a:p>
             <a:fld id="{649FEDF0-7D14-9E44-B4F2-968D163D1479}" type="datetimeFigureOut">
               <a:rPr lang="fr-FR" smtClean="0"/>
-              <a:t>28/09/16</a:t>
+              <a:t>05/10/16</a:t>
             </a:fld>
             <a:endParaRPr lang="en-US" dirty="0"/>
           </a:p>
@@ -6617,7 +6617,7 @@
           <a:bodyPr wrap="none" lIns="210669" tIns="105334" rIns="210669" bIns="105334">
             <a:prstTxWarp prst="textCircle">
               <a:avLst>
-                <a:gd name="adj" fmla="val 10916975"/>
+                <a:gd name="adj" fmla="val 11371993"/>
               </a:avLst>
             </a:prstTxWarp>
             <a:spAutoFit/>
@@ -6642,7 +6642,83 @@
                   </a:outerShdw>
                 </a:effectLst>
               </a:rPr>
-              <a:t>Doff VR helmet and press Return.</a:t>
+              <a:t>Click to exit.   Press and hold to </a:t>
+            </a:r>
+            <a:r>
+              <a:rPr lang="en-US" sz="13800" b="1" spc="-150" dirty="0" err="1" smtClean="0">
+                <a:ln w="12700">
+                  <a:noFill/>
+                  <a:prstDash val="solid"/>
+                </a:ln>
+                <a:solidFill>
+                  <a:schemeClr val="accent1"/>
+                </a:solidFill>
+                <a:effectLst>
+                  <a:outerShdw blurRad="41275" dist="20320" dir="1800000" algn="tl" rotWithShape="0">
+                    <a:srgbClr val="000000">
+                      <a:alpha val="40000"/>
+                    </a:srgbClr>
+                  </a:outerShdw>
+                </a:effectLst>
+              </a:rPr>
+              <a:t>cont</a:t>
+            </a:r>
+            <a:r>
+              <a:rPr lang="en-US" sz="3600" b="1" spc="-150" dirty="0" smtClean="0">
+                <a:ln w="12700">
+                  <a:noFill/>
+                  <a:prstDash val="solid"/>
+                </a:ln>
+                <a:solidFill>
+                  <a:schemeClr val="accent1"/>
+                </a:solidFill>
+                <a:effectLst>
+                  <a:outerShdw blurRad="41275" dist="20320" dir="1800000" algn="tl" rotWithShape="0">
+                    <a:srgbClr val="000000">
+                      <a:alpha val="40000"/>
+                    </a:srgbClr>
+                  </a:outerShdw>
+                </a:effectLst>
+              </a:rPr>
+              <a:t> </a:t>
+            </a:r>
+            <a:r>
+              <a:rPr lang="en-US" sz="13800" b="1" spc="-150" dirty="0" err="1" smtClean="0">
+                <a:ln w="12700">
+                  <a:noFill/>
+                  <a:prstDash val="solid"/>
+                </a:ln>
+                <a:solidFill>
+                  <a:schemeClr val="accent1"/>
+                </a:solidFill>
+                <a:effectLst>
+                  <a:outerShdw blurRad="41275" dist="20320" dir="1800000" algn="tl" rotWithShape="0">
+                    <a:srgbClr val="000000">
+                      <a:alpha val="40000"/>
+                    </a:srgbClr>
+                  </a:outerShdw>
+                </a:effectLst>
+              </a:rPr>
+              <a:t>inue</a:t>
+            </a:r>
+            <a:r>
+              <a:rPr lang="en-US" sz="13800" b="1" spc="-150" dirty="0" smtClean="0">
+                <a:ln w="12700">
+                  <a:noFill/>
+                  <a:prstDash val="solid"/>
+                </a:ln>
+                <a:solidFill>
+                  <a:schemeClr val="accent1"/>
+                </a:solidFill>
+                <a:effectLst>
+                  <a:outerShdw blurRad="41275" dist="20320" dir="1800000" algn="tl" rotWithShape="0">
+                    <a:srgbClr val="000000">
+                      <a:alpha val="40000"/>
+                    </a:srgbClr>
+                  </a:outerShdw>
+                </a:effectLst>
+              </a:rPr>
+              <a:t>. </a:t>
             </a:r>
             <a:endParaRPr lang="en-US" sz="13800" b="1" spc="-150" dirty="0">
               <a:ln w="12700">

--- a/Source Code/GraspBMPs/GraspCircularPrompts.pptx
+++ b/Source Code/GraspBMPs/GraspCircularPrompts.pptx
@@ -6642,10 +6642,10 @@
                   </a:outerShdw>
                 </a:effectLst>
               </a:rPr>
-              <a:t>Click to exit.   Press and hold to </a:t>
-            </a:r>
-            <a:r>
-              <a:rPr lang="en-US" sz="13800" b="1" spc="-150" dirty="0" err="1" smtClean="0">
+              <a:t>Click ‘Select’ </a:t>
+            </a:r>
+            <a:r>
+              <a:rPr lang="en-US" sz="13800" b="1" spc="-150" dirty="0" smtClean="0">
                 <a:ln w="12700">
                   <a:noFill/>
                   <a:prstDash val="solid"/>
@@ -6661,10 +6661,10 @@
                   </a:outerShdw>
                 </a:effectLst>
               </a:rPr>
-              <a:t>cont</a:t>
-            </a:r>
-            <a:r>
-              <a:rPr lang="en-US" sz="3600" b="1" spc="-150" dirty="0" smtClean="0">
+              <a:t>to exit.   </a:t>
+            </a:r>
+            <a:r>
+              <a:rPr lang="en-US" sz="13800" b="1" spc="-150" dirty="0" smtClean="0">
                 <a:ln w="12700">
                   <a:noFill/>
                   <a:prstDash val="solid"/>
@@ -6680,10 +6680,10 @@
                   </a:outerShdw>
                 </a:effectLst>
               </a:rPr>
-              <a:t> </a:t>
-            </a:r>
-            <a:r>
-              <a:rPr lang="en-US" sz="13800" b="1" spc="-150" dirty="0" err="1" smtClean="0">
+              <a:t>Click </a:t>
+            </a:r>
+            <a:r>
+              <a:rPr lang="en-US" sz="13800" b="1" spc="-150" smtClean="0">
                 <a:ln w="12700">
                   <a:noFill/>
                   <a:prstDash val="solid"/>
@@ -6699,10 +6699,48 @@
                   </a:outerShdw>
                 </a:effectLst>
               </a:rPr>
-              <a:t>inue</a:t>
+              <a:t>and hold </a:t>
             </a:r>
             <a:r>
               <a:rPr lang="en-US" sz="13800" b="1" spc="-150" dirty="0" smtClean="0">
+                <a:ln w="12700">
+                  <a:noFill/>
+                  <a:prstDash val="solid"/>
+                </a:ln>
+                <a:solidFill>
+                  <a:schemeClr val="accent1"/>
+                </a:solidFill>
+                <a:effectLst>
+                  <a:outerShdw blurRad="41275" dist="20320" dir="1800000" algn="tl" rotWithShape="0">
+                    <a:srgbClr val="000000">
+                      <a:alpha val="40000"/>
+                    </a:srgbClr>
+                  </a:outerShdw>
+                </a:effectLst>
+              </a:rPr>
+              <a:t>‘Return’ </a:t>
+            </a:r>
+            <a:r>
+              <a:rPr lang="en-US" sz="13800" b="1" spc="-150" smtClean="0">
+                <a:ln w="12700">
+                  <a:noFill/>
+                  <a:prstDash val="solid"/>
+                </a:ln>
+                <a:solidFill>
+                  <a:schemeClr val="accent1"/>
+                </a:solidFill>
+                <a:effectLst>
+                  <a:outerShdw blurRad="41275" dist="20320" dir="1800000" algn="tl" rotWithShape="0">
+                    <a:srgbClr val="000000">
+                      <a:alpha val="40000"/>
+                    </a:srgbClr>
+                  </a:outerShdw>
+                </a:effectLst>
+              </a:rPr>
+              <a:t>to continue</a:t>
+            </a:r>
+            <a:r>
+              <a:rPr lang="en-US" sz="13800" b="1" spc="-150" smtClean="0">
                 <a:ln w="12700">
                   <a:noFill/>
                   <a:prstDash val="solid"/>

--- a/Source Code/GraspBMPs/GraspCircularPrompts.pptx
+++ b/Source Code/GraspBMPs/GraspCircularPrompts.pptx
@@ -20,6 +20,8 @@
     <p:sldId id="278" r:id="rId14"/>
     <p:sldId id="280" r:id="rId15"/>
     <p:sldId id="281" r:id="rId16"/>
+    <p:sldId id="282" r:id="rId17"/>
+    <p:sldId id="283" r:id="rId18"/>
   </p:sldIdLst>
   <p:sldSz cx="18434050" cy="18434050"/>
   <p:notesSz cx="6858000" cy="9144000"/>
@@ -302,7 +304,7 @@
           <a:p>
             <a:fld id="{649FEDF0-7D14-9E44-B4F2-968D163D1479}" type="datetimeFigureOut">
               <a:rPr lang="fr-FR" smtClean="0"/>
-              <a:t>05/10/16</a:t>
+              <a:t>07/10/16</a:t>
             </a:fld>
             <a:endParaRPr lang="en-US" dirty="0"/>
           </a:p>
@@ -472,7 +474,7 @@
           <a:p>
             <a:fld id="{649FEDF0-7D14-9E44-B4F2-968D163D1479}" type="datetimeFigureOut">
               <a:rPr lang="fr-FR" smtClean="0"/>
-              <a:t>05/10/16</a:t>
+              <a:t>07/10/16</a:t>
             </a:fld>
             <a:endParaRPr lang="en-US" dirty="0"/>
           </a:p>
@@ -652,7 +654,7 @@
           <a:p>
             <a:fld id="{649FEDF0-7D14-9E44-B4F2-968D163D1479}" type="datetimeFigureOut">
               <a:rPr lang="fr-FR" smtClean="0"/>
-              <a:t>05/10/16</a:t>
+              <a:t>07/10/16</a:t>
             </a:fld>
             <a:endParaRPr lang="en-US" dirty="0"/>
           </a:p>
@@ -822,7 +824,7 @@
           <a:p>
             <a:fld id="{649FEDF0-7D14-9E44-B4F2-968D163D1479}" type="datetimeFigureOut">
               <a:rPr lang="fr-FR" smtClean="0"/>
-              <a:t>05/10/16</a:t>
+              <a:t>07/10/16</a:t>
             </a:fld>
             <a:endParaRPr lang="en-US" dirty="0"/>
           </a:p>
@@ -1068,7 +1070,7 @@
           <a:p>
             <a:fld id="{649FEDF0-7D14-9E44-B4F2-968D163D1479}" type="datetimeFigureOut">
               <a:rPr lang="fr-FR" smtClean="0"/>
-              <a:t>05/10/16</a:t>
+              <a:t>07/10/16</a:t>
             </a:fld>
             <a:endParaRPr lang="en-US" dirty="0"/>
           </a:p>
@@ -1356,7 +1358,7 @@
           <a:p>
             <a:fld id="{649FEDF0-7D14-9E44-B4F2-968D163D1479}" type="datetimeFigureOut">
               <a:rPr lang="fr-FR" smtClean="0"/>
-              <a:t>05/10/16</a:t>
+              <a:t>07/10/16</a:t>
             </a:fld>
             <a:endParaRPr lang="en-US" dirty="0"/>
           </a:p>
@@ -1778,7 +1780,7 @@
           <a:p>
             <a:fld id="{649FEDF0-7D14-9E44-B4F2-968D163D1479}" type="datetimeFigureOut">
               <a:rPr lang="fr-FR" smtClean="0"/>
-              <a:t>05/10/16</a:t>
+              <a:t>07/10/16</a:t>
             </a:fld>
             <a:endParaRPr lang="en-US" dirty="0"/>
           </a:p>
@@ -1896,7 +1898,7 @@
           <a:p>
             <a:fld id="{649FEDF0-7D14-9E44-B4F2-968D163D1479}" type="datetimeFigureOut">
               <a:rPr lang="fr-FR" smtClean="0"/>
-              <a:t>05/10/16</a:t>
+              <a:t>07/10/16</a:t>
             </a:fld>
             <a:endParaRPr lang="en-US" dirty="0"/>
           </a:p>
@@ -1991,7 +1993,7 @@
           <a:p>
             <a:fld id="{649FEDF0-7D14-9E44-B4F2-968D163D1479}" type="datetimeFigureOut">
               <a:rPr lang="fr-FR" smtClean="0"/>
-              <a:t>05/10/16</a:t>
+              <a:t>07/10/16</a:t>
             </a:fld>
             <a:endParaRPr lang="en-US" dirty="0"/>
           </a:p>
@@ -2316,7 +2318,7 @@
           <a:p>
             <a:fld id="{649FEDF0-7D14-9E44-B4F2-968D163D1479}" type="datetimeFigureOut">
               <a:rPr lang="fr-FR" smtClean="0"/>
-              <a:t>05/10/16</a:t>
+              <a:t>07/10/16</a:t>
             </a:fld>
             <a:endParaRPr lang="en-US" dirty="0"/>
           </a:p>
@@ -2569,7 +2571,7 @@
           <a:p>
             <a:fld id="{649FEDF0-7D14-9E44-B4F2-968D163D1479}" type="datetimeFigureOut">
               <a:rPr lang="fr-FR" smtClean="0"/>
-              <a:t>05/10/16</a:t>
+              <a:t>07/10/16</a:t>
             </a:fld>
             <a:endParaRPr lang="en-US" dirty="0"/>
           </a:p>
@@ -2785,7 +2787,7 @@
           <a:p>
             <a:fld id="{649FEDF0-7D14-9E44-B4F2-968D163D1479}" type="datetimeFigureOut">
               <a:rPr lang="fr-FR" smtClean="0"/>
-              <a:t>05/10/16</a:t>
+              <a:t>07/10/16</a:t>
             </a:fld>
             <a:endParaRPr lang="en-US" dirty="0"/>
           </a:p>
@@ -6214,7 +6216,7 @@
 </p:sld>
 </file>
 
-<file path=ppt/slides/slide2.xml><?xml version="1.0" encoding="utf-8"?>
+<file path=ppt/slides/slide16.xml><?xml version="1.0" encoding="utf-8"?>
 <p:sld xmlns:a="http://schemas.openxmlformats.org/drawingml/2006/main" xmlns:r="http://schemas.openxmlformats.org/officeDocument/2006/relationships" xmlns:p="http://schemas.openxmlformats.org/presentationml/2006/main">
   <p:cSld>
     <p:spTree>
@@ -6327,7 +6329,7 @@
                   </a:schemeClr>
                 </a:solidFill>
               </a:rPr>
-              <a:t>  Ready to start next trial.</a:t>
+              <a:t> VR activity completed.          </a:t>
             </a:r>
             <a:endParaRPr lang="en-US" sz="23900" b="1" spc="600" dirty="0">
               <a:ln w="12700">
@@ -6367,7 +6369,7 @@
           <a:bodyPr wrap="none" lIns="210669" tIns="105334" rIns="210669" bIns="105334">
             <a:prstTxWarp prst="textCircle">
               <a:avLst>
-                <a:gd name="adj" fmla="val 10916975"/>
+                <a:gd name="adj" fmla="val 11371993"/>
               </a:avLst>
             </a:prstTxWarp>
             <a:spAutoFit/>
@@ -6376,7 +6378,7 @@
           <a:p>
             <a:pPr algn="ctr"/>
             <a:r>
-              <a:rPr lang="en-US" sz="13800" b="1" spc="300" dirty="0" smtClean="0">
+              <a:rPr lang="en-US" sz="13800" b="1" spc="-150" dirty="0" smtClean="0">
                 <a:ln w="12700">
                   <a:noFill/>
                   <a:prstDash val="solid"/>
@@ -6392,10 +6394,10 @@
                   </a:outerShdw>
                 </a:effectLst>
               </a:rPr>
-              <a:t> Press </a:t>
-            </a:r>
-            <a:r>
-              <a:rPr lang="en-US" sz="13800" b="1" spc="300" dirty="0">
+              <a:t>Doff Virtual Reality Helmet </a:t>
+            </a:r>
+            <a:r>
+              <a:rPr lang="en-US" sz="13800" b="1" spc="-150" dirty="0" smtClean="0">
                 <a:ln w="12700">
                   <a:noFill/>
                   <a:prstDash val="solid"/>
@@ -6411,10 +6413,10 @@
                   </a:outerShdw>
                 </a:effectLst>
               </a:rPr>
-              <a:t>a button to continue</a:t>
-            </a:r>
-            <a:r>
-              <a:rPr lang="en-US" sz="13800" b="1" spc="300" dirty="0" smtClean="0">
+              <a:t>and </a:t>
+            </a:r>
+            <a:r>
+              <a:rPr lang="en-US" sz="13800" b="1" spc="-150" dirty="0" smtClean="0">
                 <a:ln w="12700">
                   <a:noFill/>
                   <a:prstDash val="solid"/>
@@ -6430,9 +6432,9 @@
                   </a:outerShdw>
                 </a:effectLst>
               </a:rPr>
-              <a:t>.</a:t>
-            </a:r>
-            <a:endParaRPr lang="en-US" sz="13800" b="1" spc="300" dirty="0">
+              <a:t>press Return. </a:t>
+            </a:r>
+            <a:endParaRPr lang="en-US" sz="13800" b="1" spc="-150" dirty="0">
               <a:ln w="12700">
                 <a:noFill/>
                 <a:prstDash val="solid"/>
@@ -6454,7 +6456,7 @@
     </p:spTree>
     <p:extLst>
       <p:ext uri="{BB962C8B-B14F-4D97-AF65-F5344CB8AC3E}">
-        <p14:creationId xmlns:p14="http://schemas.microsoft.com/office/powerpoint/2010/main" val="4227632991"/>
+        <p14:creationId xmlns:p14="http://schemas.microsoft.com/office/powerpoint/2010/main" val="2932410022"/>
       </p:ext>
     </p:extLst>
   </p:cSld>
@@ -6464,7 +6466,7 @@
 </p:sld>
 </file>
 
-<file path=ppt/slides/slide3.xml><?xml version="1.0" encoding="utf-8"?>
+<file path=ppt/slides/slide17.xml><?xml version="1.0" encoding="utf-8"?>
 <p:sld xmlns:a="http://schemas.openxmlformats.org/drawingml/2006/main" xmlns:r="http://schemas.openxmlformats.org/officeDocument/2006/relationships" xmlns:p="http://schemas.openxmlformats.org/presentationml/2006/main">
   <p:cSld>
     <p:spTree>
@@ -6577,7 +6579,7 @@
                   </a:schemeClr>
                 </a:solidFill>
               </a:rPr>
-              <a:t>Trial block completed.</a:t>
+              <a:t> VR appears to be working.          </a:t>
             </a:r>
             <a:endParaRPr lang="en-US" sz="23900" b="1" spc="600" dirty="0">
               <a:ln w="12700">
@@ -6642,10 +6644,10 @@
                   </a:outerShdw>
                 </a:effectLst>
               </a:rPr>
-              <a:t>Click ‘Select’ </a:t>
-            </a:r>
-            <a:r>
-              <a:rPr lang="en-US" sz="13800" b="1" spc="-150" dirty="0" smtClean="0">
+              <a:t>Press ‘Return’ to </a:t>
+            </a:r>
+            <a:r>
+              <a:rPr lang="en-US" sz="13800" b="1" spc="-150" dirty="0" err="1" smtClean="0">
                 <a:ln w="12700">
                   <a:noFill/>
                   <a:prstDash val="solid"/>
@@ -6661,10 +6663,10 @@
                   </a:outerShdw>
                 </a:effectLst>
               </a:rPr>
-              <a:t>to exit.   </a:t>
-            </a:r>
-            <a:r>
-              <a:rPr lang="en-US" sz="13800" b="1" spc="-150" dirty="0" smtClean="0">
+              <a:t>cont</a:t>
+            </a:r>
+            <a:r>
+              <a:rPr lang="en-US" sz="1600" b="1" spc="-150" dirty="0" smtClean="0">
                 <a:ln w="12700">
                   <a:noFill/>
                   <a:prstDash val="solid"/>
@@ -6680,10 +6682,10 @@
                   </a:outerShdw>
                 </a:effectLst>
               </a:rPr>
-              <a:t>Click </a:t>
-            </a:r>
-            <a:r>
-              <a:rPr lang="en-US" sz="13800" b="1" spc="-150" smtClean="0">
+              <a:t> </a:t>
+            </a:r>
+            <a:r>
+              <a:rPr lang="en-US" sz="13800" b="1" spc="-150" dirty="0" err="1" smtClean="0">
                 <a:ln w="12700">
                   <a:noFill/>
                   <a:prstDash val="solid"/>
@@ -6699,48 +6701,10 @@
                   </a:outerShdw>
                 </a:effectLst>
               </a:rPr>
-              <a:t>and hold </a:t>
+              <a:t>inue</a:t>
             </a:r>
             <a:r>
               <a:rPr lang="en-US" sz="13800" b="1" spc="-150" dirty="0" smtClean="0">
-                <a:ln w="12700">
-                  <a:noFill/>
-                  <a:prstDash val="solid"/>
-                </a:ln>
-                <a:solidFill>
-                  <a:schemeClr val="accent1"/>
-                </a:solidFill>
-                <a:effectLst>
-                  <a:outerShdw blurRad="41275" dist="20320" dir="1800000" algn="tl" rotWithShape="0">
-                    <a:srgbClr val="000000">
-                      <a:alpha val="40000"/>
-                    </a:srgbClr>
-                  </a:outerShdw>
-                </a:effectLst>
-              </a:rPr>
-              <a:t>‘Return’ </a:t>
-            </a:r>
-            <a:r>
-              <a:rPr lang="en-US" sz="13800" b="1" spc="-150" smtClean="0">
-                <a:ln w="12700">
-                  <a:noFill/>
-                  <a:prstDash val="solid"/>
-                </a:ln>
-                <a:solidFill>
-                  <a:schemeClr val="accent1"/>
-                </a:solidFill>
-                <a:effectLst>
-                  <a:outerShdw blurRad="41275" dist="20320" dir="1800000" algn="tl" rotWithShape="0">
-                    <a:srgbClr val="000000">
-                      <a:alpha val="40000"/>
-                    </a:srgbClr>
-                  </a:outerShdw>
-                </a:effectLst>
-              </a:rPr>
-              <a:t>to continue</a:t>
-            </a:r>
-            <a:r>
-              <a:rPr lang="en-US" sz="13800" b="1" spc="-150" smtClean="0">
                 <a:ln w="12700">
                   <a:noFill/>
                   <a:prstDash val="solid"/>
@@ -6757,6 +6721,468 @@
                 </a:effectLst>
               </a:rPr>
               <a:t>. </a:t>
+            </a:r>
+            <a:endParaRPr lang="en-US" sz="13800" b="1" spc="-150" dirty="0">
+              <a:ln w="12700">
+                <a:noFill/>
+                <a:prstDash val="solid"/>
+              </a:ln>
+              <a:solidFill>
+                <a:schemeClr val="accent1"/>
+              </a:solidFill>
+              <a:effectLst>
+                <a:outerShdw blurRad="41275" dist="20320" dir="1800000" algn="tl" rotWithShape="0">
+                  <a:srgbClr val="000000">
+                    <a:alpha val="40000"/>
+                  </a:srgbClr>
+                </a:outerShdw>
+              </a:effectLst>
+            </a:endParaRPr>
+          </a:p>
+        </p:txBody>
+      </p:sp>
+    </p:spTree>
+    <p:extLst>
+      <p:ext uri="{BB962C8B-B14F-4D97-AF65-F5344CB8AC3E}">
+        <p14:creationId xmlns:p14="http://schemas.microsoft.com/office/powerpoint/2010/main" val="3964587204"/>
+      </p:ext>
+    </p:extLst>
+  </p:cSld>
+  <p:clrMapOvr>
+    <a:masterClrMapping/>
+  </p:clrMapOvr>
+</p:sld>
+</file>
+
+<file path=ppt/slides/slide2.xml><?xml version="1.0" encoding="utf-8"?>
+<p:sld xmlns:a="http://schemas.openxmlformats.org/drawingml/2006/main" xmlns:r="http://schemas.openxmlformats.org/officeDocument/2006/relationships" xmlns:p="http://schemas.openxmlformats.org/presentationml/2006/main">
+  <p:cSld>
+    <p:spTree>
+      <p:nvGrpSpPr>
+        <p:cNvPr id="1" name=""/>
+        <p:cNvGrpSpPr/>
+        <p:nvPr/>
+      </p:nvGrpSpPr>
+      <p:grpSpPr>
+        <a:xfrm>
+          <a:off x="0" y="0"/>
+          <a:ext cx="0" cy="0"/>
+          <a:chOff x="0" y="0"/>
+          <a:chExt cx="0" cy="0"/>
+        </a:xfrm>
+      </p:grpSpPr>
+      <p:sp>
+        <p:nvSpPr>
+          <p:cNvPr id="5" name="Bouée 4"/>
+          <p:cNvSpPr>
+            <a:spLocks noChangeAspect="1"/>
+          </p:cNvSpPr>
+          <p:nvPr/>
+        </p:nvSpPr>
+        <p:spPr>
+          <a:xfrm>
+            <a:off x="1614253" y="1610484"/>
+            <a:ext cx="15228000" cy="15228000"/>
+          </a:xfrm>
+          <a:prstGeom prst="donut">
+            <a:avLst>
+              <a:gd name="adj" fmla="val 30982"/>
+            </a:avLst>
+          </a:prstGeom>
+          <a:solidFill>
+            <a:schemeClr val="bg1"/>
+          </a:solidFill>
+          <a:ln w="76200" cmpd="sng">
+            <a:noFill/>
+          </a:ln>
+        </p:spPr>
+        <p:style>
+          <a:lnRef idx="1">
+            <a:schemeClr val="accent1"/>
+          </a:lnRef>
+          <a:fillRef idx="3">
+            <a:schemeClr val="accent1"/>
+          </a:fillRef>
+          <a:effectRef idx="2">
+            <a:schemeClr val="accent1"/>
+          </a:effectRef>
+          <a:fontRef idx="minor">
+            <a:schemeClr val="lt1"/>
+          </a:fontRef>
+        </p:style>
+        <p:txBody>
+          <a:bodyPr rtlCol="0" anchor="ctr"/>
+          <a:lstStyle/>
+          <a:p>
+            <a:pPr algn="ctr"/>
+            <a:endParaRPr lang="en-US">
+              <a:solidFill>
+                <a:schemeClr val="tx1"/>
+              </a:solidFill>
+            </a:endParaRPr>
+          </a:p>
+        </p:txBody>
+      </p:sp>
+      <p:sp>
+        <p:nvSpPr>
+          <p:cNvPr id="2" name="Rectangle 1"/>
+          <p:cNvSpPr>
+            <a:spLocks noChangeAspect="1"/>
+          </p:cNvSpPr>
+          <p:nvPr/>
+        </p:nvSpPr>
+        <p:spPr>
+          <a:xfrm rot="16200000">
+            <a:off x="3277028" y="3277028"/>
+            <a:ext cx="11879995" cy="11879995"/>
+          </a:xfrm>
+          <a:prstGeom prst="rect">
+            <a:avLst/>
+          </a:prstGeom>
+          <a:noFill/>
+        </p:spPr>
+        <p:txBody>
+          <a:bodyPr wrap="none" lIns="210669" tIns="105334" rIns="210669" bIns="105334">
+            <a:prstTxWarp prst="textCircle">
+              <a:avLst>
+                <a:gd name="adj" fmla="val 10946467"/>
+              </a:avLst>
+            </a:prstTxWarp>
+            <a:spAutoFit/>
+          </a:bodyPr>
+          <a:lstStyle/>
+          <a:p>
+            <a:pPr algn="ctr"/>
+            <a:r>
+              <a:rPr lang="en-US" sz="23900" b="1" spc="600" dirty="0" smtClean="0">
+                <a:ln w="12700">
+                  <a:solidFill>
+                    <a:srgbClr val="FFFFFF"/>
+                  </a:solidFill>
+                  <a:prstDash val="solid"/>
+                </a:ln>
+                <a:solidFill>
+                  <a:schemeClr val="accent3">
+                    <a:lumMod val="75000"/>
+                  </a:schemeClr>
+                </a:solidFill>
+              </a:rPr>
+              <a:t>  Ready to start next trial.</a:t>
+            </a:r>
+            <a:endParaRPr lang="en-US" sz="23900" b="1" spc="600" dirty="0">
+              <a:ln w="12700">
+                <a:solidFill>
+                  <a:srgbClr val="FFFFFF"/>
+                </a:solidFill>
+                <a:prstDash val="solid"/>
+              </a:ln>
+              <a:solidFill>
+                <a:schemeClr val="accent3">
+                  <a:lumMod val="75000"/>
+                </a:schemeClr>
+              </a:solidFill>
+            </a:endParaRPr>
+          </a:p>
+        </p:txBody>
+      </p:sp>
+      <p:sp>
+        <p:nvSpPr>
+          <p:cNvPr id="3" name="Rectangle 2"/>
+          <p:cNvSpPr>
+            <a:spLocks noChangeAspect="1"/>
+          </p:cNvSpPr>
+          <p:nvPr/>
+        </p:nvSpPr>
+        <p:spPr>
+          <a:xfrm rot="16200000">
+            <a:off x="5257022" y="5257026"/>
+            <a:ext cx="7920006" cy="7919999"/>
+          </a:xfrm>
+          <a:prstGeom prst="rect">
+            <a:avLst/>
+          </a:prstGeom>
+          <a:noFill/>
+        </p:spPr>
+        <p:txBody>
+          <a:bodyPr wrap="none" lIns="210669" tIns="105334" rIns="210669" bIns="105334">
+            <a:prstTxWarp prst="textCircle">
+              <a:avLst>
+                <a:gd name="adj" fmla="val 10916975"/>
+              </a:avLst>
+            </a:prstTxWarp>
+            <a:spAutoFit/>
+          </a:bodyPr>
+          <a:lstStyle/>
+          <a:p>
+            <a:pPr algn="ctr"/>
+            <a:r>
+              <a:rPr lang="en-US" sz="13800" b="1" spc="300" dirty="0" smtClean="0">
+                <a:ln w="12700">
+                  <a:noFill/>
+                  <a:prstDash val="solid"/>
+                </a:ln>
+                <a:solidFill>
+                  <a:schemeClr val="accent1"/>
+                </a:solidFill>
+                <a:effectLst>
+                  <a:outerShdw blurRad="41275" dist="20320" dir="1800000" algn="tl" rotWithShape="0">
+                    <a:srgbClr val="000000">
+                      <a:alpha val="40000"/>
+                    </a:srgbClr>
+                  </a:outerShdw>
+                </a:effectLst>
+              </a:rPr>
+              <a:t> Press </a:t>
+            </a:r>
+            <a:r>
+              <a:rPr lang="en-US" sz="13800" b="1" spc="300" dirty="0">
+                <a:ln w="12700">
+                  <a:noFill/>
+                  <a:prstDash val="solid"/>
+                </a:ln>
+                <a:solidFill>
+                  <a:schemeClr val="accent1"/>
+                </a:solidFill>
+                <a:effectLst>
+                  <a:outerShdw blurRad="41275" dist="20320" dir="1800000" algn="tl" rotWithShape="0">
+                    <a:srgbClr val="000000">
+                      <a:alpha val="40000"/>
+                    </a:srgbClr>
+                  </a:outerShdw>
+                </a:effectLst>
+              </a:rPr>
+              <a:t>a button to continue</a:t>
+            </a:r>
+            <a:r>
+              <a:rPr lang="en-US" sz="13800" b="1" spc="300" dirty="0" smtClean="0">
+                <a:ln w="12700">
+                  <a:noFill/>
+                  <a:prstDash val="solid"/>
+                </a:ln>
+                <a:solidFill>
+                  <a:schemeClr val="accent1"/>
+                </a:solidFill>
+                <a:effectLst>
+                  <a:outerShdw blurRad="41275" dist="20320" dir="1800000" algn="tl" rotWithShape="0">
+                    <a:srgbClr val="000000">
+                      <a:alpha val="40000"/>
+                    </a:srgbClr>
+                  </a:outerShdw>
+                </a:effectLst>
+              </a:rPr>
+              <a:t>.</a:t>
+            </a:r>
+            <a:endParaRPr lang="en-US" sz="13800" b="1" spc="300" dirty="0">
+              <a:ln w="12700">
+                <a:noFill/>
+                <a:prstDash val="solid"/>
+              </a:ln>
+              <a:solidFill>
+                <a:schemeClr val="accent1"/>
+              </a:solidFill>
+              <a:effectLst>
+                <a:outerShdw blurRad="41275" dist="20320" dir="1800000" algn="tl" rotWithShape="0">
+                  <a:srgbClr val="000000">
+                    <a:alpha val="40000"/>
+                  </a:srgbClr>
+                </a:outerShdw>
+              </a:effectLst>
+            </a:endParaRPr>
+          </a:p>
+        </p:txBody>
+      </p:sp>
+    </p:spTree>
+    <p:extLst>
+      <p:ext uri="{BB962C8B-B14F-4D97-AF65-F5344CB8AC3E}">
+        <p14:creationId xmlns:p14="http://schemas.microsoft.com/office/powerpoint/2010/main" val="4227632991"/>
+      </p:ext>
+    </p:extLst>
+  </p:cSld>
+  <p:clrMapOvr>
+    <a:masterClrMapping/>
+  </p:clrMapOvr>
+</p:sld>
+</file>
+
+<file path=ppt/slides/slide3.xml><?xml version="1.0" encoding="utf-8"?>
+<p:sld xmlns:a="http://schemas.openxmlformats.org/drawingml/2006/main" xmlns:r="http://schemas.openxmlformats.org/officeDocument/2006/relationships" xmlns:p="http://schemas.openxmlformats.org/presentationml/2006/main">
+  <p:cSld>
+    <p:spTree>
+      <p:nvGrpSpPr>
+        <p:cNvPr id="1" name=""/>
+        <p:cNvGrpSpPr/>
+        <p:nvPr/>
+      </p:nvGrpSpPr>
+      <p:grpSpPr>
+        <a:xfrm>
+          <a:off x="0" y="0"/>
+          <a:ext cx="0" cy="0"/>
+          <a:chOff x="0" y="0"/>
+          <a:chExt cx="0" cy="0"/>
+        </a:xfrm>
+      </p:grpSpPr>
+      <p:sp>
+        <p:nvSpPr>
+          <p:cNvPr id="5" name="Bouée 4"/>
+          <p:cNvSpPr>
+            <a:spLocks noChangeAspect="1"/>
+          </p:cNvSpPr>
+          <p:nvPr/>
+        </p:nvSpPr>
+        <p:spPr>
+          <a:xfrm>
+            <a:off x="1614253" y="1610484"/>
+            <a:ext cx="15228000" cy="15228000"/>
+          </a:xfrm>
+          <a:prstGeom prst="donut">
+            <a:avLst>
+              <a:gd name="adj" fmla="val 30982"/>
+            </a:avLst>
+          </a:prstGeom>
+          <a:solidFill>
+            <a:schemeClr val="bg1"/>
+          </a:solidFill>
+          <a:ln w="76200" cmpd="sng">
+            <a:noFill/>
+          </a:ln>
+        </p:spPr>
+        <p:style>
+          <a:lnRef idx="1">
+            <a:schemeClr val="accent1"/>
+          </a:lnRef>
+          <a:fillRef idx="3">
+            <a:schemeClr val="accent1"/>
+          </a:fillRef>
+          <a:effectRef idx="2">
+            <a:schemeClr val="accent1"/>
+          </a:effectRef>
+          <a:fontRef idx="minor">
+            <a:schemeClr val="lt1"/>
+          </a:fontRef>
+        </p:style>
+        <p:txBody>
+          <a:bodyPr rtlCol="0" anchor="ctr"/>
+          <a:lstStyle/>
+          <a:p>
+            <a:pPr algn="ctr"/>
+            <a:endParaRPr lang="en-US">
+              <a:solidFill>
+                <a:schemeClr val="tx1"/>
+              </a:solidFill>
+            </a:endParaRPr>
+          </a:p>
+        </p:txBody>
+      </p:sp>
+      <p:sp>
+        <p:nvSpPr>
+          <p:cNvPr id="2" name="Rectangle 1"/>
+          <p:cNvSpPr>
+            <a:spLocks noChangeAspect="1"/>
+          </p:cNvSpPr>
+          <p:nvPr/>
+        </p:nvSpPr>
+        <p:spPr>
+          <a:xfrm rot="16200000">
+            <a:off x="3277028" y="3277028"/>
+            <a:ext cx="11879995" cy="11879995"/>
+          </a:xfrm>
+          <a:prstGeom prst="rect">
+            <a:avLst/>
+          </a:prstGeom>
+          <a:noFill/>
+        </p:spPr>
+        <p:txBody>
+          <a:bodyPr wrap="none" lIns="210669" tIns="105334" rIns="210669" bIns="105334">
+            <a:prstTxWarp prst="textCircle">
+              <a:avLst>
+                <a:gd name="adj" fmla="val 10946467"/>
+              </a:avLst>
+            </a:prstTxWarp>
+            <a:spAutoFit/>
+          </a:bodyPr>
+          <a:lstStyle/>
+          <a:p>
+            <a:pPr algn="ctr"/>
+            <a:r>
+              <a:rPr lang="en-US" sz="23900" b="1" spc="600" dirty="0" smtClean="0">
+                <a:ln w="12700">
+                  <a:solidFill>
+                    <a:srgbClr val="FFFFFF"/>
+                  </a:solidFill>
+                  <a:prstDash val="solid"/>
+                </a:ln>
+                <a:solidFill>
+                  <a:schemeClr val="accent3">
+                    <a:lumMod val="75000"/>
+                  </a:schemeClr>
+                </a:solidFill>
+              </a:rPr>
+              <a:t>Trial block completed.</a:t>
+            </a:r>
+            <a:endParaRPr lang="en-US" sz="23900" b="1" spc="600" dirty="0">
+              <a:ln w="12700">
+                <a:solidFill>
+                  <a:srgbClr val="FFFFFF"/>
+                </a:solidFill>
+                <a:prstDash val="solid"/>
+              </a:ln>
+              <a:solidFill>
+                <a:schemeClr val="accent3">
+                  <a:lumMod val="75000"/>
+                </a:schemeClr>
+              </a:solidFill>
+            </a:endParaRPr>
+          </a:p>
+        </p:txBody>
+      </p:sp>
+      <p:sp>
+        <p:nvSpPr>
+          <p:cNvPr id="3" name="Rectangle 2"/>
+          <p:cNvSpPr>
+            <a:spLocks noChangeAspect="1"/>
+          </p:cNvSpPr>
+          <p:nvPr/>
+        </p:nvSpPr>
+        <p:spPr>
+          <a:xfrm rot="16200000">
+            <a:off x="5257022" y="5257026"/>
+            <a:ext cx="7920006" cy="7919999"/>
+          </a:xfrm>
+          <a:prstGeom prst="rect">
+            <a:avLst/>
+          </a:prstGeom>
+          <a:noFill/>
+        </p:spPr>
+        <p:txBody>
+          <a:bodyPr wrap="none" lIns="210669" tIns="105334" rIns="210669" bIns="105334">
+            <a:prstTxWarp prst="textCircle">
+              <a:avLst>
+                <a:gd name="adj" fmla="val 11371993"/>
+              </a:avLst>
+            </a:prstTxWarp>
+            <a:spAutoFit/>
+          </a:bodyPr>
+          <a:lstStyle/>
+          <a:p>
+            <a:pPr algn="ctr"/>
+            <a:r>
+              <a:rPr lang="en-US" sz="13800" b="1" spc="-150" dirty="0" smtClean="0">
+                <a:ln w="12700">
+                  <a:noFill/>
+                  <a:prstDash val="solid"/>
+                </a:ln>
+                <a:solidFill>
+                  <a:schemeClr val="accent1"/>
+                </a:solidFill>
+                <a:effectLst>
+                  <a:outerShdw blurRad="41275" dist="20320" dir="1800000" algn="tl" rotWithShape="0">
+                    <a:srgbClr val="000000">
+                      <a:alpha val="40000"/>
+                    </a:srgbClr>
+                  </a:outerShdw>
+                </a:effectLst>
+              </a:rPr>
+              <a:t>Click ‘Select’ to exit.     Click and hold ‘Return’ to continue. </a:t>
             </a:r>
             <a:endParaRPr lang="en-US" sz="13800" b="1" spc="-150" dirty="0">
               <a:ln w="12700">

--- a/Source Code/GraspBMPs/GraspCircularPrompts.pptx
+++ b/Source Code/GraspBMPs/GraspCircularPrompts.pptx
@@ -22,6 +22,7 @@
     <p:sldId id="281" r:id="rId16"/>
     <p:sldId id="282" r:id="rId17"/>
     <p:sldId id="283" r:id="rId18"/>
+    <p:sldId id="284" r:id="rId19"/>
   </p:sldIdLst>
   <p:sldSz cx="18434050" cy="18434050"/>
   <p:notesSz cx="6858000" cy="9144000"/>
@@ -304,7 +305,7 @@
           <a:p>
             <a:fld id="{649FEDF0-7D14-9E44-B4F2-968D163D1479}" type="datetimeFigureOut">
               <a:rPr lang="fr-FR" smtClean="0"/>
-              <a:t>07/10/16</a:t>
+              <a:t>17/02/17</a:t>
             </a:fld>
             <a:endParaRPr lang="en-US" dirty="0"/>
           </a:p>
@@ -474,7 +475,7 @@
           <a:p>
             <a:fld id="{649FEDF0-7D14-9E44-B4F2-968D163D1479}" type="datetimeFigureOut">
               <a:rPr lang="fr-FR" smtClean="0"/>
-              <a:t>07/10/16</a:t>
+              <a:t>17/02/17</a:t>
             </a:fld>
             <a:endParaRPr lang="en-US" dirty="0"/>
           </a:p>
@@ -654,7 +655,7 @@
           <a:p>
             <a:fld id="{649FEDF0-7D14-9E44-B4F2-968D163D1479}" type="datetimeFigureOut">
               <a:rPr lang="fr-FR" smtClean="0"/>
-              <a:t>07/10/16</a:t>
+              <a:t>17/02/17</a:t>
             </a:fld>
             <a:endParaRPr lang="en-US" dirty="0"/>
           </a:p>
@@ -824,7 +825,7 @@
           <a:p>
             <a:fld id="{649FEDF0-7D14-9E44-B4F2-968D163D1479}" type="datetimeFigureOut">
               <a:rPr lang="fr-FR" smtClean="0"/>
-              <a:t>07/10/16</a:t>
+              <a:t>17/02/17</a:t>
             </a:fld>
             <a:endParaRPr lang="en-US" dirty="0"/>
           </a:p>
@@ -1070,7 +1071,7 @@
           <a:p>
             <a:fld id="{649FEDF0-7D14-9E44-B4F2-968D163D1479}" type="datetimeFigureOut">
               <a:rPr lang="fr-FR" smtClean="0"/>
-              <a:t>07/10/16</a:t>
+              <a:t>17/02/17</a:t>
             </a:fld>
             <a:endParaRPr lang="en-US" dirty="0"/>
           </a:p>
@@ -1358,7 +1359,7 @@
           <a:p>
             <a:fld id="{649FEDF0-7D14-9E44-B4F2-968D163D1479}" type="datetimeFigureOut">
               <a:rPr lang="fr-FR" smtClean="0"/>
-              <a:t>07/10/16</a:t>
+              <a:t>17/02/17</a:t>
             </a:fld>
             <a:endParaRPr lang="en-US" dirty="0"/>
           </a:p>
@@ -1780,7 +1781,7 @@
           <a:p>
             <a:fld id="{649FEDF0-7D14-9E44-B4F2-968D163D1479}" type="datetimeFigureOut">
               <a:rPr lang="fr-FR" smtClean="0"/>
-              <a:t>07/10/16</a:t>
+              <a:t>17/02/17</a:t>
             </a:fld>
             <a:endParaRPr lang="en-US" dirty="0"/>
           </a:p>
@@ -1898,7 +1899,7 @@
           <a:p>
             <a:fld id="{649FEDF0-7D14-9E44-B4F2-968D163D1479}" type="datetimeFigureOut">
               <a:rPr lang="fr-FR" smtClean="0"/>
-              <a:t>07/10/16</a:t>
+              <a:t>17/02/17</a:t>
             </a:fld>
             <a:endParaRPr lang="en-US" dirty="0"/>
           </a:p>
@@ -1993,7 +1994,7 @@
           <a:p>
             <a:fld id="{649FEDF0-7D14-9E44-B4F2-968D163D1479}" type="datetimeFigureOut">
               <a:rPr lang="fr-FR" smtClean="0"/>
-              <a:t>07/10/16</a:t>
+              <a:t>17/02/17</a:t>
             </a:fld>
             <a:endParaRPr lang="en-US" dirty="0"/>
           </a:p>
@@ -2318,7 +2319,7 @@
           <a:p>
             <a:fld id="{649FEDF0-7D14-9E44-B4F2-968D163D1479}" type="datetimeFigureOut">
               <a:rPr lang="fr-FR" smtClean="0"/>
-              <a:t>07/10/16</a:t>
+              <a:t>17/02/17</a:t>
             </a:fld>
             <a:endParaRPr lang="en-US" dirty="0"/>
           </a:p>
@@ -2571,7 +2572,7 @@
           <a:p>
             <a:fld id="{649FEDF0-7D14-9E44-B4F2-968D163D1479}" type="datetimeFigureOut">
               <a:rPr lang="fr-FR" smtClean="0"/>
-              <a:t>07/10/16</a:t>
+              <a:t>17/02/17</a:t>
             </a:fld>
             <a:endParaRPr lang="en-US" dirty="0"/>
           </a:p>
@@ -2787,7 +2788,7 @@
           <a:p>
             <a:fld id="{649FEDF0-7D14-9E44-B4F2-968D163D1479}" type="datetimeFigureOut">
               <a:rPr lang="fr-FR" smtClean="0"/>
-              <a:t>07/10/16</a:t>
+              <a:t>17/02/17</a:t>
             </a:fld>
             <a:endParaRPr lang="en-US" dirty="0"/>
           </a:p>
@@ -6394,45 +6395,7 @@
                   </a:outerShdw>
                 </a:effectLst>
               </a:rPr>
-              <a:t>Doff Virtual Reality Helmet </a:t>
-            </a:r>
-            <a:r>
-              <a:rPr lang="en-US" sz="13800" b="1" spc="-150" dirty="0" smtClean="0">
-                <a:ln w="12700">
-                  <a:noFill/>
-                  <a:prstDash val="solid"/>
-                </a:ln>
-                <a:solidFill>
-                  <a:schemeClr val="accent1"/>
-                </a:solidFill>
-                <a:effectLst>
-                  <a:outerShdw blurRad="41275" dist="20320" dir="1800000" algn="tl" rotWithShape="0">
-                    <a:srgbClr val="000000">
-                      <a:alpha val="40000"/>
-                    </a:srgbClr>
-                  </a:outerShdw>
-                </a:effectLst>
-              </a:rPr>
-              <a:t>and </a:t>
-            </a:r>
-            <a:r>
-              <a:rPr lang="en-US" sz="13800" b="1" spc="-150" dirty="0" smtClean="0">
-                <a:ln w="12700">
-                  <a:noFill/>
-                  <a:prstDash val="solid"/>
-                </a:ln>
-                <a:solidFill>
-                  <a:schemeClr val="accent1"/>
-                </a:solidFill>
-                <a:effectLst>
-                  <a:outerShdw blurRad="41275" dist="20320" dir="1800000" algn="tl" rotWithShape="0">
-                    <a:srgbClr val="000000">
-                      <a:alpha val="40000"/>
-                    </a:srgbClr>
-                  </a:outerShdw>
-                </a:effectLst>
-              </a:rPr>
-              <a:t>press Return. </a:t>
+              <a:t>Doff Virtual Reality Helmet and press Return. </a:t>
             </a:r>
             <a:endParaRPr lang="en-US" sz="13800" b="1" spc="-150" dirty="0">
               <a:ln w="12700">
@@ -6745,6 +6708,266 @@
     <p:extLst>
       <p:ext uri="{BB962C8B-B14F-4D97-AF65-F5344CB8AC3E}">
         <p14:creationId xmlns:p14="http://schemas.microsoft.com/office/powerpoint/2010/main" val="3964587204"/>
+      </p:ext>
+    </p:extLst>
+  </p:cSld>
+  <p:clrMapOvr>
+    <a:masterClrMapping/>
+  </p:clrMapOvr>
+</p:sld>
+</file>
+
+<file path=ppt/slides/slide18.xml><?xml version="1.0" encoding="utf-8"?>
+<p:sld xmlns:a="http://schemas.openxmlformats.org/drawingml/2006/main" xmlns:r="http://schemas.openxmlformats.org/officeDocument/2006/relationships" xmlns:p="http://schemas.openxmlformats.org/presentationml/2006/main">
+  <p:cSld>
+    <p:spTree>
+      <p:nvGrpSpPr>
+        <p:cNvPr id="1" name=""/>
+        <p:cNvGrpSpPr/>
+        <p:nvPr/>
+      </p:nvGrpSpPr>
+      <p:grpSpPr>
+        <a:xfrm>
+          <a:off x="0" y="0"/>
+          <a:ext cx="0" cy="0"/>
+          <a:chOff x="0" y="0"/>
+          <a:chExt cx="0" cy="0"/>
+        </a:xfrm>
+      </p:grpSpPr>
+      <p:sp>
+        <p:nvSpPr>
+          <p:cNvPr id="5" name="Bouée 4"/>
+          <p:cNvSpPr>
+            <a:spLocks noChangeAspect="1"/>
+          </p:cNvSpPr>
+          <p:nvPr/>
+        </p:nvSpPr>
+        <p:spPr>
+          <a:xfrm>
+            <a:off x="1614253" y="1610484"/>
+            <a:ext cx="15228000" cy="15228000"/>
+          </a:xfrm>
+          <a:prstGeom prst="donut">
+            <a:avLst>
+              <a:gd name="adj" fmla="val 30982"/>
+            </a:avLst>
+          </a:prstGeom>
+          <a:solidFill>
+            <a:schemeClr val="bg1"/>
+          </a:solidFill>
+          <a:ln w="76200" cmpd="sng">
+            <a:noFill/>
+          </a:ln>
+        </p:spPr>
+        <p:style>
+          <a:lnRef idx="1">
+            <a:schemeClr val="accent1"/>
+          </a:lnRef>
+          <a:fillRef idx="3">
+            <a:schemeClr val="accent1"/>
+          </a:fillRef>
+          <a:effectRef idx="2">
+            <a:schemeClr val="accent1"/>
+          </a:effectRef>
+          <a:fontRef idx="minor">
+            <a:schemeClr val="lt1"/>
+          </a:fontRef>
+        </p:style>
+        <p:txBody>
+          <a:bodyPr rtlCol="0" anchor="ctr"/>
+          <a:lstStyle/>
+          <a:p>
+            <a:pPr algn="ctr"/>
+            <a:endParaRPr lang="en-US" dirty="0">
+              <a:solidFill>
+                <a:schemeClr val="tx1"/>
+              </a:solidFill>
+            </a:endParaRPr>
+          </a:p>
+        </p:txBody>
+      </p:sp>
+      <p:sp>
+        <p:nvSpPr>
+          <p:cNvPr id="2" name="Rectangle 1"/>
+          <p:cNvSpPr>
+            <a:spLocks noChangeAspect="1"/>
+          </p:cNvSpPr>
+          <p:nvPr/>
+        </p:nvSpPr>
+        <p:spPr>
+          <a:xfrm rot="16200000">
+            <a:off x="3277028" y="3277028"/>
+            <a:ext cx="11879995" cy="11879995"/>
+          </a:xfrm>
+          <a:prstGeom prst="rect">
+            <a:avLst/>
+          </a:prstGeom>
+          <a:noFill/>
+        </p:spPr>
+        <p:txBody>
+          <a:bodyPr wrap="none" lIns="210669" tIns="105334" rIns="210669" bIns="105334">
+            <a:prstTxWarp prst="textCircle">
+              <a:avLst>
+                <a:gd name="adj" fmla="val 10946467"/>
+              </a:avLst>
+            </a:prstTxWarp>
+            <a:spAutoFit/>
+          </a:bodyPr>
+          <a:lstStyle/>
+          <a:p>
+            <a:pPr algn="ctr"/>
+            <a:r>
+              <a:rPr lang="en-US" sz="23900" b="1" spc="600" dirty="0" smtClean="0">
+                <a:ln w="12700">
+                  <a:solidFill>
+                    <a:srgbClr val="FFFFFF"/>
+                  </a:solidFill>
+                  <a:prstDash val="solid"/>
+                </a:ln>
+                <a:solidFill>
+                  <a:srgbClr val="604A7B"/>
+                </a:solidFill>
+              </a:rPr>
+              <a:t>Trial voluntarily aborted</a:t>
+            </a:r>
+            <a:r>
+              <a:rPr lang="en-US" sz="23900" b="1" spc="600" dirty="0" smtClean="0">
+                <a:ln w="12700">
+                  <a:solidFill>
+                    <a:srgbClr val="FFFFFF"/>
+                  </a:solidFill>
+                  <a:prstDash val="solid"/>
+                </a:ln>
+                <a:solidFill>
+                  <a:srgbClr val="604A7B"/>
+                </a:solidFill>
+              </a:rPr>
+              <a:t>.</a:t>
+            </a:r>
+            <a:endParaRPr lang="en-US" sz="23900" b="1" spc="600" dirty="0">
+              <a:ln w="12700">
+                <a:solidFill>
+                  <a:srgbClr val="FFFFFF"/>
+                </a:solidFill>
+                <a:prstDash val="solid"/>
+              </a:ln>
+              <a:solidFill>
+                <a:srgbClr val="604A7B"/>
+              </a:solidFill>
+            </a:endParaRPr>
+          </a:p>
+        </p:txBody>
+      </p:sp>
+      <p:sp>
+        <p:nvSpPr>
+          <p:cNvPr id="7" name="Rectangle 6"/>
+          <p:cNvSpPr>
+            <a:spLocks noChangeAspect="1"/>
+          </p:cNvSpPr>
+          <p:nvPr/>
+        </p:nvSpPr>
+        <p:spPr>
+          <a:xfrm rot="16200000">
+            <a:off x="5257022" y="5257026"/>
+            <a:ext cx="7920006" cy="7919999"/>
+          </a:xfrm>
+          <a:prstGeom prst="rect">
+            <a:avLst/>
+          </a:prstGeom>
+          <a:noFill/>
+        </p:spPr>
+        <p:txBody>
+          <a:bodyPr wrap="none" lIns="210669" tIns="105334" rIns="210669" bIns="105334">
+            <a:prstTxWarp prst="textCircle">
+              <a:avLst>
+                <a:gd name="adj" fmla="val 10916975"/>
+              </a:avLst>
+            </a:prstTxWarp>
+            <a:spAutoFit/>
+          </a:bodyPr>
+          <a:lstStyle/>
+          <a:p>
+            <a:pPr algn="ctr"/>
+            <a:r>
+              <a:rPr lang="en-US" sz="13800" b="1" spc="300" dirty="0" smtClean="0">
+                <a:ln w="12700">
+                  <a:noFill/>
+                  <a:prstDash val="solid"/>
+                </a:ln>
+                <a:solidFill>
+                  <a:schemeClr val="accent1"/>
+                </a:solidFill>
+                <a:effectLst>
+                  <a:outerShdw blurRad="41275" dist="20320" dir="1800000" algn="tl" rotWithShape="0">
+                    <a:srgbClr val="000000">
+                      <a:alpha val="40000"/>
+                    </a:srgbClr>
+                  </a:outerShdw>
+                </a:effectLst>
+              </a:rPr>
+              <a:t> Press </a:t>
+            </a:r>
+            <a:r>
+              <a:rPr lang="en-US" sz="13800" b="1" spc="300" dirty="0">
+                <a:ln w="12700">
+                  <a:noFill/>
+                  <a:prstDash val="solid"/>
+                </a:ln>
+                <a:solidFill>
+                  <a:schemeClr val="accent1"/>
+                </a:solidFill>
+                <a:effectLst>
+                  <a:outerShdw blurRad="41275" dist="20320" dir="1800000" algn="tl" rotWithShape="0">
+                    <a:srgbClr val="000000">
+                      <a:alpha val="40000"/>
+                    </a:srgbClr>
+                  </a:outerShdw>
+                </a:effectLst>
+              </a:rPr>
+              <a:t>a button to continue</a:t>
+            </a:r>
+            <a:r>
+              <a:rPr lang="en-US" sz="13800" b="1" spc="300" dirty="0" smtClean="0">
+                <a:ln w="12700">
+                  <a:noFill/>
+                  <a:prstDash val="solid"/>
+                </a:ln>
+                <a:solidFill>
+                  <a:schemeClr val="accent1"/>
+                </a:solidFill>
+                <a:effectLst>
+                  <a:outerShdw blurRad="41275" dist="20320" dir="1800000" algn="tl" rotWithShape="0">
+                    <a:srgbClr val="000000">
+                      <a:alpha val="40000"/>
+                    </a:srgbClr>
+                  </a:outerShdw>
+                </a:effectLst>
+              </a:rPr>
+              <a:t>.</a:t>
+            </a:r>
+            <a:endParaRPr lang="en-US" sz="13800" b="1" spc="300" dirty="0">
+              <a:ln w="12700">
+                <a:noFill/>
+                <a:prstDash val="solid"/>
+              </a:ln>
+              <a:solidFill>
+                <a:schemeClr val="accent1"/>
+              </a:solidFill>
+              <a:effectLst>
+                <a:outerShdw blurRad="41275" dist="20320" dir="1800000" algn="tl" rotWithShape="0">
+                  <a:srgbClr val="000000">
+                    <a:alpha val="40000"/>
+                  </a:srgbClr>
+                </a:outerShdw>
+              </a:effectLst>
+            </a:endParaRPr>
+          </a:p>
+        </p:txBody>
+      </p:sp>
+    </p:spTree>
+    <p:extLst>
+      <p:ext uri="{BB962C8B-B14F-4D97-AF65-F5344CB8AC3E}">
+        <p14:creationId xmlns:p14="http://schemas.microsoft.com/office/powerpoint/2010/main" val="3656503812"/>
       </p:ext>
     </p:extLst>
   </p:cSld>

--- a/Source Code/GraspBMPs/GraspCircularPrompts.pptx
+++ b/Source Code/GraspBMPs/GraspCircularPrompts.pptx
@@ -22,7 +22,6 @@
     <p:sldId id="281" r:id="rId16"/>
     <p:sldId id="282" r:id="rId17"/>
     <p:sldId id="283" r:id="rId18"/>
-    <p:sldId id="284" r:id="rId19"/>
   </p:sldIdLst>
   <p:sldSz cx="18434050" cy="18434050"/>
   <p:notesSz cx="6858000" cy="9144000"/>
@@ -305,7 +304,7 @@
           <a:p>
             <a:fld id="{649FEDF0-7D14-9E44-B4F2-968D163D1479}" type="datetimeFigureOut">
               <a:rPr lang="fr-FR" smtClean="0"/>
-              <a:t>17/02/17</a:t>
+              <a:t>07/10/16</a:t>
             </a:fld>
             <a:endParaRPr lang="en-US" dirty="0"/>
           </a:p>
@@ -475,7 +474,7 @@
           <a:p>
             <a:fld id="{649FEDF0-7D14-9E44-B4F2-968D163D1479}" type="datetimeFigureOut">
               <a:rPr lang="fr-FR" smtClean="0"/>
-              <a:t>17/02/17</a:t>
+              <a:t>07/10/16</a:t>
             </a:fld>
             <a:endParaRPr lang="en-US" dirty="0"/>
           </a:p>
@@ -655,7 +654,7 @@
           <a:p>
             <a:fld id="{649FEDF0-7D14-9E44-B4F2-968D163D1479}" type="datetimeFigureOut">
               <a:rPr lang="fr-FR" smtClean="0"/>
-              <a:t>17/02/17</a:t>
+              <a:t>07/10/16</a:t>
             </a:fld>
             <a:endParaRPr lang="en-US" dirty="0"/>
           </a:p>
@@ -825,7 +824,7 @@
           <a:p>
             <a:fld id="{649FEDF0-7D14-9E44-B4F2-968D163D1479}" type="datetimeFigureOut">
               <a:rPr lang="fr-FR" smtClean="0"/>
-              <a:t>17/02/17</a:t>
+              <a:t>07/10/16</a:t>
             </a:fld>
             <a:endParaRPr lang="en-US" dirty="0"/>
           </a:p>
@@ -1071,7 +1070,7 @@
           <a:p>
             <a:fld id="{649FEDF0-7D14-9E44-B4F2-968D163D1479}" type="datetimeFigureOut">
               <a:rPr lang="fr-FR" smtClean="0"/>
-              <a:t>17/02/17</a:t>
+              <a:t>07/10/16</a:t>
             </a:fld>
             <a:endParaRPr lang="en-US" dirty="0"/>
           </a:p>
@@ -1359,7 +1358,7 @@
           <a:p>
             <a:fld id="{649FEDF0-7D14-9E44-B4F2-968D163D1479}" type="datetimeFigureOut">
               <a:rPr lang="fr-FR" smtClean="0"/>
-              <a:t>17/02/17</a:t>
+              <a:t>07/10/16</a:t>
             </a:fld>
             <a:endParaRPr lang="en-US" dirty="0"/>
           </a:p>
@@ -1781,7 +1780,7 @@
           <a:p>
             <a:fld id="{649FEDF0-7D14-9E44-B4F2-968D163D1479}" type="datetimeFigureOut">
               <a:rPr lang="fr-FR" smtClean="0"/>
-              <a:t>17/02/17</a:t>
+              <a:t>07/10/16</a:t>
             </a:fld>
             <a:endParaRPr lang="en-US" dirty="0"/>
           </a:p>
@@ -1899,7 +1898,7 @@
           <a:p>
             <a:fld id="{649FEDF0-7D14-9E44-B4F2-968D163D1479}" type="datetimeFigureOut">
               <a:rPr lang="fr-FR" smtClean="0"/>
-              <a:t>17/02/17</a:t>
+              <a:t>07/10/16</a:t>
             </a:fld>
             <a:endParaRPr lang="en-US" dirty="0"/>
           </a:p>
@@ -1994,7 +1993,7 @@
           <a:p>
             <a:fld id="{649FEDF0-7D14-9E44-B4F2-968D163D1479}" type="datetimeFigureOut">
               <a:rPr lang="fr-FR" smtClean="0"/>
-              <a:t>17/02/17</a:t>
+              <a:t>07/10/16</a:t>
             </a:fld>
             <a:endParaRPr lang="en-US" dirty="0"/>
           </a:p>
@@ -2319,7 +2318,7 @@
           <a:p>
             <a:fld id="{649FEDF0-7D14-9E44-B4F2-968D163D1479}" type="datetimeFigureOut">
               <a:rPr lang="fr-FR" smtClean="0"/>
-              <a:t>17/02/17</a:t>
+              <a:t>07/10/16</a:t>
             </a:fld>
             <a:endParaRPr lang="en-US" dirty="0"/>
           </a:p>
@@ -2572,7 +2571,7 @@
           <a:p>
             <a:fld id="{649FEDF0-7D14-9E44-B4F2-968D163D1479}" type="datetimeFigureOut">
               <a:rPr lang="fr-FR" smtClean="0"/>
-              <a:t>17/02/17</a:t>
+              <a:t>07/10/16</a:t>
             </a:fld>
             <a:endParaRPr lang="en-US" dirty="0"/>
           </a:p>
@@ -2788,7 +2787,7 @@
           <a:p>
             <a:fld id="{649FEDF0-7D14-9E44-B4F2-968D163D1479}" type="datetimeFigureOut">
               <a:rPr lang="fr-FR" smtClean="0"/>
-              <a:t>17/02/17</a:t>
+              <a:t>07/10/16</a:t>
             </a:fld>
             <a:endParaRPr lang="en-US" dirty="0"/>
           </a:p>
@@ -6395,7 +6394,45 @@
                   </a:outerShdw>
                 </a:effectLst>
               </a:rPr>
-              <a:t>Doff Virtual Reality Helmet and press Return. </a:t>
+              <a:t>Doff Virtual Reality Helmet </a:t>
+            </a:r>
+            <a:r>
+              <a:rPr lang="en-US" sz="13800" b="1" spc="-150" dirty="0" smtClean="0">
+                <a:ln w="12700">
+                  <a:noFill/>
+                  <a:prstDash val="solid"/>
+                </a:ln>
+                <a:solidFill>
+                  <a:schemeClr val="accent1"/>
+                </a:solidFill>
+                <a:effectLst>
+                  <a:outerShdw blurRad="41275" dist="20320" dir="1800000" algn="tl" rotWithShape="0">
+                    <a:srgbClr val="000000">
+                      <a:alpha val="40000"/>
+                    </a:srgbClr>
+                  </a:outerShdw>
+                </a:effectLst>
+              </a:rPr>
+              <a:t>and </a:t>
+            </a:r>
+            <a:r>
+              <a:rPr lang="en-US" sz="13800" b="1" spc="-150" dirty="0" smtClean="0">
+                <a:ln w="12700">
+                  <a:noFill/>
+                  <a:prstDash val="solid"/>
+                </a:ln>
+                <a:solidFill>
+                  <a:schemeClr val="accent1"/>
+                </a:solidFill>
+                <a:effectLst>
+                  <a:outerShdw blurRad="41275" dist="20320" dir="1800000" algn="tl" rotWithShape="0">
+                    <a:srgbClr val="000000">
+                      <a:alpha val="40000"/>
+                    </a:srgbClr>
+                  </a:outerShdw>
+                </a:effectLst>
+              </a:rPr>
+              <a:t>press Return. </a:t>
             </a:r>
             <a:endParaRPr lang="en-US" sz="13800" b="1" spc="-150" dirty="0">
               <a:ln w="12700">
@@ -6708,266 +6745,6 @@
     <p:extLst>
       <p:ext uri="{BB962C8B-B14F-4D97-AF65-F5344CB8AC3E}">
         <p14:creationId xmlns:p14="http://schemas.microsoft.com/office/powerpoint/2010/main" val="3964587204"/>
-      </p:ext>
-    </p:extLst>
-  </p:cSld>
-  <p:clrMapOvr>
-    <a:masterClrMapping/>
-  </p:clrMapOvr>
-</p:sld>
-</file>
-
-<file path=ppt/slides/slide18.xml><?xml version="1.0" encoding="utf-8"?>
-<p:sld xmlns:a="http://schemas.openxmlformats.org/drawingml/2006/main" xmlns:r="http://schemas.openxmlformats.org/officeDocument/2006/relationships" xmlns:p="http://schemas.openxmlformats.org/presentationml/2006/main">
-  <p:cSld>
-    <p:spTree>
-      <p:nvGrpSpPr>
-        <p:cNvPr id="1" name=""/>
-        <p:cNvGrpSpPr/>
-        <p:nvPr/>
-      </p:nvGrpSpPr>
-      <p:grpSpPr>
-        <a:xfrm>
-          <a:off x="0" y="0"/>
-          <a:ext cx="0" cy="0"/>
-          <a:chOff x="0" y="0"/>
-          <a:chExt cx="0" cy="0"/>
-        </a:xfrm>
-      </p:grpSpPr>
-      <p:sp>
-        <p:nvSpPr>
-          <p:cNvPr id="5" name="Bouée 4"/>
-          <p:cNvSpPr>
-            <a:spLocks noChangeAspect="1"/>
-          </p:cNvSpPr>
-          <p:nvPr/>
-        </p:nvSpPr>
-        <p:spPr>
-          <a:xfrm>
-            <a:off x="1614253" y="1610484"/>
-            <a:ext cx="15228000" cy="15228000"/>
-          </a:xfrm>
-          <a:prstGeom prst="donut">
-            <a:avLst>
-              <a:gd name="adj" fmla="val 30982"/>
-            </a:avLst>
-          </a:prstGeom>
-          <a:solidFill>
-            <a:schemeClr val="bg1"/>
-          </a:solidFill>
-          <a:ln w="76200" cmpd="sng">
-            <a:noFill/>
-          </a:ln>
-        </p:spPr>
-        <p:style>
-          <a:lnRef idx="1">
-            <a:schemeClr val="accent1"/>
-          </a:lnRef>
-          <a:fillRef idx="3">
-            <a:schemeClr val="accent1"/>
-          </a:fillRef>
-          <a:effectRef idx="2">
-            <a:schemeClr val="accent1"/>
-          </a:effectRef>
-          <a:fontRef idx="minor">
-            <a:schemeClr val="lt1"/>
-          </a:fontRef>
-        </p:style>
-        <p:txBody>
-          <a:bodyPr rtlCol="0" anchor="ctr"/>
-          <a:lstStyle/>
-          <a:p>
-            <a:pPr algn="ctr"/>
-            <a:endParaRPr lang="en-US" dirty="0">
-              <a:solidFill>
-                <a:schemeClr val="tx1"/>
-              </a:solidFill>
-            </a:endParaRPr>
-          </a:p>
-        </p:txBody>
-      </p:sp>
-      <p:sp>
-        <p:nvSpPr>
-          <p:cNvPr id="2" name="Rectangle 1"/>
-          <p:cNvSpPr>
-            <a:spLocks noChangeAspect="1"/>
-          </p:cNvSpPr>
-          <p:nvPr/>
-        </p:nvSpPr>
-        <p:spPr>
-          <a:xfrm rot="16200000">
-            <a:off x="3277028" y="3277028"/>
-            <a:ext cx="11879995" cy="11879995"/>
-          </a:xfrm>
-          <a:prstGeom prst="rect">
-            <a:avLst/>
-          </a:prstGeom>
-          <a:noFill/>
-        </p:spPr>
-        <p:txBody>
-          <a:bodyPr wrap="none" lIns="210669" tIns="105334" rIns="210669" bIns="105334">
-            <a:prstTxWarp prst="textCircle">
-              <a:avLst>
-                <a:gd name="adj" fmla="val 10946467"/>
-              </a:avLst>
-            </a:prstTxWarp>
-            <a:spAutoFit/>
-          </a:bodyPr>
-          <a:lstStyle/>
-          <a:p>
-            <a:pPr algn="ctr"/>
-            <a:r>
-              <a:rPr lang="en-US" sz="23900" b="1" spc="600" dirty="0" smtClean="0">
-                <a:ln w="12700">
-                  <a:solidFill>
-                    <a:srgbClr val="FFFFFF"/>
-                  </a:solidFill>
-                  <a:prstDash val="solid"/>
-                </a:ln>
-                <a:solidFill>
-                  <a:srgbClr val="604A7B"/>
-                </a:solidFill>
-              </a:rPr>
-              <a:t>Trial voluntarily aborted</a:t>
-            </a:r>
-            <a:r>
-              <a:rPr lang="en-US" sz="23900" b="1" spc="600" dirty="0" smtClean="0">
-                <a:ln w="12700">
-                  <a:solidFill>
-                    <a:srgbClr val="FFFFFF"/>
-                  </a:solidFill>
-                  <a:prstDash val="solid"/>
-                </a:ln>
-                <a:solidFill>
-                  <a:srgbClr val="604A7B"/>
-                </a:solidFill>
-              </a:rPr>
-              <a:t>.</a:t>
-            </a:r>
-            <a:endParaRPr lang="en-US" sz="23900" b="1" spc="600" dirty="0">
-              <a:ln w="12700">
-                <a:solidFill>
-                  <a:srgbClr val="FFFFFF"/>
-                </a:solidFill>
-                <a:prstDash val="solid"/>
-              </a:ln>
-              <a:solidFill>
-                <a:srgbClr val="604A7B"/>
-              </a:solidFill>
-            </a:endParaRPr>
-          </a:p>
-        </p:txBody>
-      </p:sp>
-      <p:sp>
-        <p:nvSpPr>
-          <p:cNvPr id="7" name="Rectangle 6"/>
-          <p:cNvSpPr>
-            <a:spLocks noChangeAspect="1"/>
-          </p:cNvSpPr>
-          <p:nvPr/>
-        </p:nvSpPr>
-        <p:spPr>
-          <a:xfrm rot="16200000">
-            <a:off x="5257022" y="5257026"/>
-            <a:ext cx="7920006" cy="7919999"/>
-          </a:xfrm>
-          <a:prstGeom prst="rect">
-            <a:avLst/>
-          </a:prstGeom>
-          <a:noFill/>
-        </p:spPr>
-        <p:txBody>
-          <a:bodyPr wrap="none" lIns="210669" tIns="105334" rIns="210669" bIns="105334">
-            <a:prstTxWarp prst="textCircle">
-              <a:avLst>
-                <a:gd name="adj" fmla="val 10916975"/>
-              </a:avLst>
-            </a:prstTxWarp>
-            <a:spAutoFit/>
-          </a:bodyPr>
-          <a:lstStyle/>
-          <a:p>
-            <a:pPr algn="ctr"/>
-            <a:r>
-              <a:rPr lang="en-US" sz="13800" b="1" spc="300" dirty="0" smtClean="0">
-                <a:ln w="12700">
-                  <a:noFill/>
-                  <a:prstDash val="solid"/>
-                </a:ln>
-                <a:solidFill>
-                  <a:schemeClr val="accent1"/>
-                </a:solidFill>
-                <a:effectLst>
-                  <a:outerShdw blurRad="41275" dist="20320" dir="1800000" algn="tl" rotWithShape="0">
-                    <a:srgbClr val="000000">
-                      <a:alpha val="40000"/>
-                    </a:srgbClr>
-                  </a:outerShdw>
-                </a:effectLst>
-              </a:rPr>
-              <a:t> Press </a:t>
-            </a:r>
-            <a:r>
-              <a:rPr lang="en-US" sz="13800" b="1" spc="300" dirty="0">
-                <a:ln w="12700">
-                  <a:noFill/>
-                  <a:prstDash val="solid"/>
-                </a:ln>
-                <a:solidFill>
-                  <a:schemeClr val="accent1"/>
-                </a:solidFill>
-                <a:effectLst>
-                  <a:outerShdw blurRad="41275" dist="20320" dir="1800000" algn="tl" rotWithShape="0">
-                    <a:srgbClr val="000000">
-                      <a:alpha val="40000"/>
-                    </a:srgbClr>
-                  </a:outerShdw>
-                </a:effectLst>
-              </a:rPr>
-              <a:t>a button to continue</a:t>
-            </a:r>
-            <a:r>
-              <a:rPr lang="en-US" sz="13800" b="1" spc="300" dirty="0" smtClean="0">
-                <a:ln w="12700">
-                  <a:noFill/>
-                  <a:prstDash val="solid"/>
-                </a:ln>
-                <a:solidFill>
-                  <a:schemeClr val="accent1"/>
-                </a:solidFill>
-                <a:effectLst>
-                  <a:outerShdw blurRad="41275" dist="20320" dir="1800000" algn="tl" rotWithShape="0">
-                    <a:srgbClr val="000000">
-                      <a:alpha val="40000"/>
-                    </a:srgbClr>
-                  </a:outerShdw>
-                </a:effectLst>
-              </a:rPr>
-              <a:t>.</a:t>
-            </a:r>
-            <a:endParaRPr lang="en-US" sz="13800" b="1" spc="300" dirty="0">
-              <a:ln w="12700">
-                <a:noFill/>
-                <a:prstDash val="solid"/>
-              </a:ln>
-              <a:solidFill>
-                <a:schemeClr val="accent1"/>
-              </a:solidFill>
-              <a:effectLst>
-                <a:outerShdw blurRad="41275" dist="20320" dir="1800000" algn="tl" rotWithShape="0">
-                  <a:srgbClr val="000000">
-                    <a:alpha val="40000"/>
-                  </a:srgbClr>
-                </a:outerShdw>
-              </a:effectLst>
-            </a:endParaRPr>
-          </a:p>
-        </p:txBody>
-      </p:sp>
-    </p:spTree>
-    <p:extLst>
-      <p:ext uri="{BB962C8B-B14F-4D97-AF65-F5344CB8AC3E}">
-        <p14:creationId xmlns:p14="http://schemas.microsoft.com/office/powerpoint/2010/main" val="3656503812"/>
       </p:ext>
     </p:extLst>
   </p:cSld>

--- a/Source Code/GraspBMPs/GraspCircularPrompts.pptx
+++ b/Source Code/GraspBMPs/GraspCircularPrompts.pptx
@@ -23,6 +23,7 @@
     <p:sldId id="282" r:id="rId17"/>
     <p:sldId id="283" r:id="rId18"/>
     <p:sldId id="284" r:id="rId19"/>
+    <p:sldId id="285" r:id="rId20"/>
   </p:sldIdLst>
   <p:sldSz cx="18434050" cy="18434050"/>
   <p:notesSz cx="6858000" cy="9144000"/>
@@ -305,7 +306,7 @@
           <a:p>
             <a:fld id="{649FEDF0-7D14-9E44-B4F2-968D163D1479}" type="datetimeFigureOut">
               <a:rPr lang="fr-FR" smtClean="0"/>
-              <a:t>17/02/17</a:t>
+              <a:t>14/09/17</a:t>
             </a:fld>
             <a:endParaRPr lang="en-US" dirty="0"/>
           </a:p>
@@ -475,7 +476,7 @@
           <a:p>
             <a:fld id="{649FEDF0-7D14-9E44-B4F2-968D163D1479}" type="datetimeFigureOut">
               <a:rPr lang="fr-FR" smtClean="0"/>
-              <a:t>17/02/17</a:t>
+              <a:t>14/09/17</a:t>
             </a:fld>
             <a:endParaRPr lang="en-US" dirty="0"/>
           </a:p>
@@ -655,7 +656,7 @@
           <a:p>
             <a:fld id="{649FEDF0-7D14-9E44-B4F2-968D163D1479}" type="datetimeFigureOut">
               <a:rPr lang="fr-FR" smtClean="0"/>
-              <a:t>17/02/17</a:t>
+              <a:t>14/09/17</a:t>
             </a:fld>
             <a:endParaRPr lang="en-US" dirty="0"/>
           </a:p>
@@ -825,7 +826,7 @@
           <a:p>
             <a:fld id="{649FEDF0-7D14-9E44-B4F2-968D163D1479}" type="datetimeFigureOut">
               <a:rPr lang="fr-FR" smtClean="0"/>
-              <a:t>17/02/17</a:t>
+              <a:t>14/09/17</a:t>
             </a:fld>
             <a:endParaRPr lang="en-US" dirty="0"/>
           </a:p>
@@ -1071,7 +1072,7 @@
           <a:p>
             <a:fld id="{649FEDF0-7D14-9E44-B4F2-968D163D1479}" type="datetimeFigureOut">
               <a:rPr lang="fr-FR" smtClean="0"/>
-              <a:t>17/02/17</a:t>
+              <a:t>14/09/17</a:t>
             </a:fld>
             <a:endParaRPr lang="en-US" dirty="0"/>
           </a:p>
@@ -1359,7 +1360,7 @@
           <a:p>
             <a:fld id="{649FEDF0-7D14-9E44-B4F2-968D163D1479}" type="datetimeFigureOut">
               <a:rPr lang="fr-FR" smtClean="0"/>
-              <a:t>17/02/17</a:t>
+              <a:t>14/09/17</a:t>
             </a:fld>
             <a:endParaRPr lang="en-US" dirty="0"/>
           </a:p>
@@ -1781,7 +1782,7 @@
           <a:p>
             <a:fld id="{649FEDF0-7D14-9E44-B4F2-968D163D1479}" type="datetimeFigureOut">
               <a:rPr lang="fr-FR" smtClean="0"/>
-              <a:t>17/02/17</a:t>
+              <a:t>14/09/17</a:t>
             </a:fld>
             <a:endParaRPr lang="en-US" dirty="0"/>
           </a:p>
@@ -1899,7 +1900,7 @@
           <a:p>
             <a:fld id="{649FEDF0-7D14-9E44-B4F2-968D163D1479}" type="datetimeFigureOut">
               <a:rPr lang="fr-FR" smtClean="0"/>
-              <a:t>17/02/17</a:t>
+              <a:t>14/09/17</a:t>
             </a:fld>
             <a:endParaRPr lang="en-US" dirty="0"/>
           </a:p>
@@ -1994,7 +1995,7 @@
           <a:p>
             <a:fld id="{649FEDF0-7D14-9E44-B4F2-968D163D1479}" type="datetimeFigureOut">
               <a:rPr lang="fr-FR" smtClean="0"/>
-              <a:t>17/02/17</a:t>
+              <a:t>14/09/17</a:t>
             </a:fld>
             <a:endParaRPr lang="en-US" dirty="0"/>
           </a:p>
@@ -2319,7 +2320,7 @@
           <a:p>
             <a:fld id="{649FEDF0-7D14-9E44-B4F2-968D163D1479}" type="datetimeFigureOut">
               <a:rPr lang="fr-FR" smtClean="0"/>
-              <a:t>17/02/17</a:t>
+              <a:t>14/09/17</a:t>
             </a:fld>
             <a:endParaRPr lang="en-US" dirty="0"/>
           </a:p>
@@ -2572,7 +2573,7 @@
           <a:p>
             <a:fld id="{649FEDF0-7D14-9E44-B4F2-968D163D1479}" type="datetimeFigureOut">
               <a:rPr lang="fr-FR" smtClean="0"/>
-              <a:t>17/02/17</a:t>
+              <a:t>14/09/17</a:t>
             </a:fld>
             <a:endParaRPr lang="en-US" dirty="0"/>
           </a:p>
@@ -2788,7 +2789,7 @@
           <a:p>
             <a:fld id="{649FEDF0-7D14-9E44-B4F2-968D163D1479}" type="datetimeFigureOut">
               <a:rPr lang="fr-FR" smtClean="0"/>
-              <a:t>17/02/17</a:t>
+              <a:t>14/09/17</a:t>
             </a:fld>
             <a:endParaRPr lang="en-US" dirty="0"/>
           </a:p>
@@ -6828,21 +6829,7 @@
                   <a:srgbClr val="604A7B"/>
                 </a:solidFill>
               </a:rPr>
-              <a:t>Trial voluntarily aborted</a:t>
-            </a:r>
-            <a:r>
-              <a:rPr lang="en-US" sz="23900" b="1" spc="600" dirty="0" smtClean="0">
-                <a:ln w="12700">
-                  <a:solidFill>
-                    <a:srgbClr val="FFFFFF"/>
-                  </a:solidFill>
-                  <a:prstDash val="solid"/>
-                </a:ln>
-                <a:solidFill>
-                  <a:srgbClr val="604A7B"/>
-                </a:solidFill>
-              </a:rPr>
-              <a:t>.</a:t>
+              <a:t>Trial voluntarily aborted.</a:t>
             </a:r>
             <a:endParaRPr lang="en-US" sz="23900" b="1" spc="600" dirty="0">
               <a:ln w="12700">
@@ -6968,6 +6955,252 @@
     <p:extLst>
       <p:ext uri="{BB962C8B-B14F-4D97-AF65-F5344CB8AC3E}">
         <p14:creationId xmlns:p14="http://schemas.microsoft.com/office/powerpoint/2010/main" val="3656503812"/>
+      </p:ext>
+    </p:extLst>
+  </p:cSld>
+  <p:clrMapOvr>
+    <a:masterClrMapping/>
+  </p:clrMapOvr>
+</p:sld>
+</file>
+
+<file path=ppt/slides/slide19.xml><?xml version="1.0" encoding="utf-8"?>
+<p:sld xmlns:a="http://schemas.openxmlformats.org/drawingml/2006/main" xmlns:r="http://schemas.openxmlformats.org/officeDocument/2006/relationships" xmlns:p="http://schemas.openxmlformats.org/presentationml/2006/main">
+  <p:cSld>
+    <p:spTree>
+      <p:nvGrpSpPr>
+        <p:cNvPr id="1" name=""/>
+        <p:cNvGrpSpPr/>
+        <p:nvPr/>
+      </p:nvGrpSpPr>
+      <p:grpSpPr>
+        <a:xfrm>
+          <a:off x="0" y="0"/>
+          <a:ext cx="0" cy="0"/>
+          <a:chOff x="0" y="0"/>
+          <a:chExt cx="0" cy="0"/>
+        </a:xfrm>
+      </p:grpSpPr>
+      <p:sp>
+        <p:nvSpPr>
+          <p:cNvPr id="5" name="Bouée 4"/>
+          <p:cNvSpPr>
+            <a:spLocks noChangeAspect="1"/>
+          </p:cNvSpPr>
+          <p:nvPr/>
+        </p:nvSpPr>
+        <p:spPr>
+          <a:xfrm>
+            <a:off x="1614253" y="1610484"/>
+            <a:ext cx="15228000" cy="15228000"/>
+          </a:xfrm>
+          <a:prstGeom prst="donut">
+            <a:avLst>
+              <a:gd name="adj" fmla="val 30982"/>
+            </a:avLst>
+          </a:prstGeom>
+          <a:solidFill>
+            <a:schemeClr val="bg1"/>
+          </a:solidFill>
+          <a:ln w="76200" cmpd="sng">
+            <a:noFill/>
+          </a:ln>
+        </p:spPr>
+        <p:style>
+          <a:lnRef idx="1">
+            <a:schemeClr val="accent1"/>
+          </a:lnRef>
+          <a:fillRef idx="3">
+            <a:schemeClr val="accent1"/>
+          </a:fillRef>
+          <a:effectRef idx="2">
+            <a:schemeClr val="accent1"/>
+          </a:effectRef>
+          <a:fontRef idx="minor">
+            <a:schemeClr val="lt1"/>
+          </a:fontRef>
+        </p:style>
+        <p:txBody>
+          <a:bodyPr rtlCol="0" anchor="ctr"/>
+          <a:lstStyle/>
+          <a:p>
+            <a:pPr algn="ctr"/>
+            <a:endParaRPr lang="en-US" dirty="0">
+              <a:solidFill>
+                <a:schemeClr val="tx1"/>
+              </a:solidFill>
+            </a:endParaRPr>
+          </a:p>
+        </p:txBody>
+      </p:sp>
+      <p:sp>
+        <p:nvSpPr>
+          <p:cNvPr id="2" name="Rectangle 1"/>
+          <p:cNvSpPr>
+            <a:spLocks noChangeAspect="1"/>
+          </p:cNvSpPr>
+          <p:nvPr/>
+        </p:nvSpPr>
+        <p:spPr>
+          <a:xfrm rot="16200000">
+            <a:off x="3277028" y="3277028"/>
+            <a:ext cx="11879995" cy="11879995"/>
+          </a:xfrm>
+          <a:prstGeom prst="rect">
+            <a:avLst/>
+          </a:prstGeom>
+          <a:noFill/>
+        </p:spPr>
+        <p:txBody>
+          <a:bodyPr wrap="none" lIns="210669" tIns="105334" rIns="210669" bIns="105334">
+            <a:prstTxWarp prst="textCircle">
+              <a:avLst>
+                <a:gd name="adj" fmla="val 10946467"/>
+              </a:avLst>
+            </a:prstTxWarp>
+            <a:spAutoFit/>
+          </a:bodyPr>
+          <a:lstStyle/>
+          <a:p>
+            <a:pPr algn="ctr"/>
+            <a:r>
+              <a:rPr lang="en-US" sz="23900" b="1" spc="600" dirty="0" smtClean="0">
+                <a:ln w="12700">
+                  <a:solidFill>
+                    <a:srgbClr val="FFFFFF"/>
+                  </a:solidFill>
+                  <a:prstDash val="solid"/>
+                </a:ln>
+                <a:solidFill>
+                  <a:schemeClr val="accent3"/>
+                </a:solidFill>
+              </a:rPr>
+              <a:t>Previous trial invalidated.</a:t>
+            </a:r>
+            <a:endParaRPr lang="en-US" sz="23900" b="1" spc="600" dirty="0">
+              <a:ln w="12700">
+                <a:solidFill>
+                  <a:srgbClr val="FFFFFF"/>
+                </a:solidFill>
+                <a:prstDash val="solid"/>
+              </a:ln>
+              <a:solidFill>
+                <a:schemeClr val="accent3"/>
+              </a:solidFill>
+            </a:endParaRPr>
+          </a:p>
+        </p:txBody>
+      </p:sp>
+      <p:sp>
+        <p:nvSpPr>
+          <p:cNvPr id="7" name="Rectangle 6"/>
+          <p:cNvSpPr>
+            <a:spLocks noChangeAspect="1"/>
+          </p:cNvSpPr>
+          <p:nvPr/>
+        </p:nvSpPr>
+        <p:spPr>
+          <a:xfrm rot="16200000">
+            <a:off x="5257022" y="5257026"/>
+            <a:ext cx="7920006" cy="7919999"/>
+          </a:xfrm>
+          <a:prstGeom prst="rect">
+            <a:avLst/>
+          </a:prstGeom>
+          <a:noFill/>
+        </p:spPr>
+        <p:txBody>
+          <a:bodyPr wrap="none" lIns="210669" tIns="105334" rIns="210669" bIns="105334">
+            <a:prstTxWarp prst="textCircle">
+              <a:avLst>
+                <a:gd name="adj" fmla="val 10916975"/>
+              </a:avLst>
+            </a:prstTxWarp>
+            <a:spAutoFit/>
+          </a:bodyPr>
+          <a:lstStyle/>
+          <a:p>
+            <a:pPr algn="ctr"/>
+            <a:r>
+              <a:rPr lang="en-US" sz="13800" b="1" spc="300" dirty="0" smtClean="0">
+                <a:ln w="12700">
+                  <a:noFill/>
+                  <a:prstDash val="solid"/>
+                </a:ln>
+                <a:solidFill>
+                  <a:schemeClr val="accent1"/>
+                </a:solidFill>
+                <a:effectLst>
+                  <a:outerShdw blurRad="41275" dist="20320" dir="1800000" algn="tl" rotWithShape="0">
+                    <a:srgbClr val="000000">
+                      <a:alpha val="40000"/>
+                    </a:srgbClr>
+                  </a:outerShdw>
+                </a:effectLst>
+              </a:rPr>
+              <a:t> Press </a:t>
+            </a:r>
+            <a:r>
+              <a:rPr lang="en-US" sz="13800" b="1" spc="300" dirty="0">
+                <a:ln w="12700">
+                  <a:noFill/>
+                  <a:prstDash val="solid"/>
+                </a:ln>
+                <a:solidFill>
+                  <a:schemeClr val="accent1"/>
+                </a:solidFill>
+                <a:effectLst>
+                  <a:outerShdw blurRad="41275" dist="20320" dir="1800000" algn="tl" rotWithShape="0">
+                    <a:srgbClr val="000000">
+                      <a:alpha val="40000"/>
+                    </a:srgbClr>
+                  </a:outerShdw>
+                </a:effectLst>
+              </a:rPr>
+              <a:t>a button to continue</a:t>
+            </a:r>
+            <a:r>
+              <a:rPr lang="en-US" sz="13800" b="1" spc="300" dirty="0" smtClean="0">
+                <a:ln w="12700">
+                  <a:noFill/>
+                  <a:prstDash val="solid"/>
+                </a:ln>
+                <a:solidFill>
+                  <a:schemeClr val="accent1"/>
+                </a:solidFill>
+                <a:effectLst>
+                  <a:outerShdw blurRad="41275" dist="20320" dir="1800000" algn="tl" rotWithShape="0">
+                    <a:srgbClr val="000000">
+                      <a:alpha val="40000"/>
+                    </a:srgbClr>
+                  </a:outerShdw>
+                </a:effectLst>
+              </a:rPr>
+              <a:t>.</a:t>
+            </a:r>
+            <a:endParaRPr lang="en-US" sz="13800" b="1" spc="300" dirty="0">
+              <a:ln w="12700">
+                <a:noFill/>
+                <a:prstDash val="solid"/>
+              </a:ln>
+              <a:solidFill>
+                <a:schemeClr val="accent1"/>
+              </a:solidFill>
+              <a:effectLst>
+                <a:outerShdw blurRad="41275" dist="20320" dir="1800000" algn="tl" rotWithShape="0">
+                  <a:srgbClr val="000000">
+                    <a:alpha val="40000"/>
+                  </a:srgbClr>
+                </a:outerShdw>
+              </a:effectLst>
+            </a:endParaRPr>
+          </a:p>
+        </p:txBody>
+      </p:sp>
+    </p:spTree>
+    <p:extLst>
+      <p:ext uri="{BB962C8B-B14F-4D97-AF65-F5344CB8AC3E}">
+        <p14:creationId xmlns:p14="http://schemas.microsoft.com/office/powerpoint/2010/main" val="2744967553"/>
       </p:ext>
     </p:extLst>
   </p:cSld>

--- a/Source Code/GraspBMPs/GraspCircularPrompts.pptx
+++ b/Source Code/GraspBMPs/GraspCircularPrompts.pptx
@@ -306,7 +306,7 @@
           <a:p>
             <a:fld id="{649FEDF0-7D14-9E44-B4F2-968D163D1479}" type="datetimeFigureOut">
               <a:rPr lang="fr-FR" smtClean="0"/>
-              <a:t>23/09/17</a:t>
+              <a:t>26/09/17</a:t>
             </a:fld>
             <a:endParaRPr lang="en-US" dirty="0"/>
           </a:p>
@@ -476,7 +476,7 @@
           <a:p>
             <a:fld id="{649FEDF0-7D14-9E44-B4F2-968D163D1479}" type="datetimeFigureOut">
               <a:rPr lang="fr-FR" smtClean="0"/>
-              <a:t>23/09/17</a:t>
+              <a:t>26/09/17</a:t>
             </a:fld>
             <a:endParaRPr lang="en-US" dirty="0"/>
           </a:p>
@@ -656,7 +656,7 @@
           <a:p>
             <a:fld id="{649FEDF0-7D14-9E44-B4F2-968D163D1479}" type="datetimeFigureOut">
               <a:rPr lang="fr-FR" smtClean="0"/>
-              <a:t>23/09/17</a:t>
+              <a:t>26/09/17</a:t>
             </a:fld>
             <a:endParaRPr lang="en-US" dirty="0"/>
           </a:p>
@@ -826,7 +826,7 @@
           <a:p>
             <a:fld id="{649FEDF0-7D14-9E44-B4F2-968D163D1479}" type="datetimeFigureOut">
               <a:rPr lang="fr-FR" smtClean="0"/>
-              <a:t>23/09/17</a:t>
+              <a:t>26/09/17</a:t>
             </a:fld>
             <a:endParaRPr lang="en-US" dirty="0"/>
           </a:p>
@@ -1072,7 +1072,7 @@
           <a:p>
             <a:fld id="{649FEDF0-7D14-9E44-B4F2-968D163D1479}" type="datetimeFigureOut">
               <a:rPr lang="fr-FR" smtClean="0"/>
-              <a:t>23/09/17</a:t>
+              <a:t>26/09/17</a:t>
             </a:fld>
             <a:endParaRPr lang="en-US" dirty="0"/>
           </a:p>
@@ -1360,7 +1360,7 @@
           <a:p>
             <a:fld id="{649FEDF0-7D14-9E44-B4F2-968D163D1479}" type="datetimeFigureOut">
               <a:rPr lang="fr-FR" smtClean="0"/>
-              <a:t>23/09/17</a:t>
+              <a:t>26/09/17</a:t>
             </a:fld>
             <a:endParaRPr lang="en-US" dirty="0"/>
           </a:p>
@@ -1782,7 +1782,7 @@
           <a:p>
             <a:fld id="{649FEDF0-7D14-9E44-B4F2-968D163D1479}" type="datetimeFigureOut">
               <a:rPr lang="fr-FR" smtClean="0"/>
-              <a:t>23/09/17</a:t>
+              <a:t>26/09/17</a:t>
             </a:fld>
             <a:endParaRPr lang="en-US" dirty="0"/>
           </a:p>
@@ -1900,7 +1900,7 @@
           <a:p>
             <a:fld id="{649FEDF0-7D14-9E44-B4F2-968D163D1479}" type="datetimeFigureOut">
               <a:rPr lang="fr-FR" smtClean="0"/>
-              <a:t>23/09/17</a:t>
+              <a:t>26/09/17</a:t>
             </a:fld>
             <a:endParaRPr lang="en-US" dirty="0"/>
           </a:p>
@@ -1995,7 +1995,7 @@
           <a:p>
             <a:fld id="{649FEDF0-7D14-9E44-B4F2-968D163D1479}" type="datetimeFigureOut">
               <a:rPr lang="fr-FR" smtClean="0"/>
-              <a:t>23/09/17</a:t>
+              <a:t>26/09/17</a:t>
             </a:fld>
             <a:endParaRPr lang="en-US" dirty="0"/>
           </a:p>
@@ -2320,7 +2320,7 @@
           <a:p>
             <a:fld id="{649FEDF0-7D14-9E44-B4F2-968D163D1479}" type="datetimeFigureOut">
               <a:rPr lang="fr-FR" smtClean="0"/>
-              <a:t>23/09/17</a:t>
+              <a:t>26/09/17</a:t>
             </a:fld>
             <a:endParaRPr lang="en-US" dirty="0"/>
           </a:p>
@@ -2573,7 +2573,7 @@
           <a:p>
             <a:fld id="{649FEDF0-7D14-9E44-B4F2-968D163D1479}" type="datetimeFigureOut">
               <a:rPr lang="fr-FR" smtClean="0"/>
-              <a:t>23/09/17</a:t>
+              <a:t>26/09/17</a:t>
             </a:fld>
             <a:endParaRPr lang="en-US" dirty="0"/>
           </a:p>
@@ -2789,7 +2789,7 @@
           <a:p>
             <a:fld id="{649FEDF0-7D14-9E44-B4F2-968D163D1479}" type="datetimeFigureOut">
               <a:rPr lang="fr-FR" smtClean="0"/>
-              <a:t>23/09/17</a:t>
+              <a:t>26/09/17</a:t>
             </a:fld>
             <a:endParaRPr lang="en-US" dirty="0"/>
           </a:p>
@@ -3448,26 +3448,7 @@
                     </a:outerShdw>
                   </a:effectLst>
                 </a:rPr>
-                <a:t> </a:t>
-              </a:r>
-              <a:r>
-                <a:rPr lang="en-US" sz="13800" b="1" spc="300" dirty="0" smtClean="0">
-                  <a:ln w="12700">
-                    <a:noFill/>
-                    <a:prstDash val="solid"/>
-                  </a:ln>
-                  <a:solidFill>
-                    <a:schemeClr val="accent1"/>
-                  </a:solidFill>
-                  <a:effectLst>
-                    <a:outerShdw blurRad="41275" dist="20320" dir="1800000" algn="tl" rotWithShape="0">
-                      <a:srgbClr val="000000">
-                        <a:alpha val="40000"/>
-                      </a:srgbClr>
-                    </a:outerShdw>
-                  </a:effectLst>
-                </a:rPr>
-                <a:t>to </a:t>
+                <a:t> to </a:t>
               </a:r>
               <a:r>
                 <a:rPr lang="en-US" sz="13800" b="1" spc="300" dirty="0">
@@ -3854,26 +3835,7 @@
                     </a:outerShdw>
                   </a:effectLst>
                 </a:rPr>
-                <a:t> </a:t>
-              </a:r>
-              <a:r>
-                <a:rPr lang="en-US" sz="13800" b="1" spc="300" dirty="0" smtClean="0">
-                  <a:ln w="12700">
-                    <a:noFill/>
-                    <a:prstDash val="solid"/>
-                  </a:ln>
-                  <a:solidFill>
-                    <a:schemeClr val="accent1"/>
-                  </a:solidFill>
-                  <a:effectLst>
-                    <a:outerShdw blurRad="41275" dist="20320" dir="1800000" algn="tl" rotWithShape="0">
-                      <a:srgbClr val="000000">
-                        <a:alpha val="40000"/>
-                      </a:srgbClr>
-                    </a:outerShdw>
-                  </a:effectLst>
-                </a:rPr>
-                <a:t>to </a:t>
+                <a:t> to </a:t>
               </a:r>
               <a:r>
                 <a:rPr lang="en-US" sz="13800" b="1" spc="300" dirty="0">
@@ -4260,26 +4222,7 @@
                     </a:outerShdw>
                   </a:effectLst>
                 </a:rPr>
-                <a:t> </a:t>
-              </a:r>
-              <a:r>
-                <a:rPr lang="en-US" sz="13800" b="1" spc="300" dirty="0" smtClean="0">
-                  <a:ln w="12700">
-                    <a:noFill/>
-                    <a:prstDash val="solid"/>
-                  </a:ln>
-                  <a:solidFill>
-                    <a:schemeClr val="accent1"/>
-                  </a:solidFill>
-                  <a:effectLst>
-                    <a:outerShdw blurRad="41275" dist="20320" dir="1800000" algn="tl" rotWithShape="0">
-                      <a:srgbClr val="000000">
-                        <a:alpha val="40000"/>
-                      </a:srgbClr>
-                    </a:outerShdw>
-                  </a:effectLst>
-                </a:rPr>
-                <a:t>to </a:t>
+                <a:t> to </a:t>
               </a:r>
               <a:r>
                 <a:rPr lang="en-US" sz="13800" b="1" spc="300" dirty="0">
@@ -4666,26 +4609,7 @@
                     </a:outerShdw>
                   </a:effectLst>
                 </a:rPr>
-                <a:t> </a:t>
-              </a:r>
-              <a:r>
-                <a:rPr lang="en-US" sz="13800" b="1" spc="300" dirty="0" smtClean="0">
-                  <a:ln w="12700">
-                    <a:noFill/>
-                    <a:prstDash val="solid"/>
-                  </a:ln>
-                  <a:solidFill>
-                    <a:schemeClr val="accent1"/>
-                  </a:solidFill>
-                  <a:effectLst>
-                    <a:outerShdw blurRad="41275" dist="20320" dir="1800000" algn="tl" rotWithShape="0">
-                      <a:srgbClr val="000000">
-                        <a:alpha val="40000"/>
-                      </a:srgbClr>
-                    </a:outerShdw>
-                  </a:effectLst>
-                </a:rPr>
-                <a:t>to </a:t>
+                <a:t> to </a:t>
               </a:r>
               <a:r>
                 <a:rPr lang="en-US" sz="13800" b="1" spc="300" dirty="0">
@@ -5072,26 +4996,7 @@
                     </a:outerShdw>
                   </a:effectLst>
                 </a:rPr>
-                <a:t> </a:t>
-              </a:r>
-              <a:r>
-                <a:rPr lang="en-US" sz="13800" b="1" spc="300" dirty="0" smtClean="0">
-                  <a:ln w="12700">
-                    <a:noFill/>
-                    <a:prstDash val="solid"/>
-                  </a:ln>
-                  <a:solidFill>
-                    <a:schemeClr val="accent1"/>
-                  </a:solidFill>
-                  <a:effectLst>
-                    <a:outerShdw blurRad="41275" dist="20320" dir="1800000" algn="tl" rotWithShape="0">
-                      <a:srgbClr val="000000">
-                        <a:alpha val="40000"/>
-                      </a:srgbClr>
-                    </a:outerShdw>
-                  </a:effectLst>
-                </a:rPr>
-                <a:t>to </a:t>
+                <a:t> to </a:t>
               </a:r>
               <a:r>
                 <a:rPr lang="en-US" sz="13800" b="1" spc="300" dirty="0">
@@ -5516,26 +5421,7 @@
                     </a:outerShdw>
                   </a:effectLst>
                 </a:rPr>
-                <a:t> </a:t>
-              </a:r>
-              <a:r>
-                <a:rPr lang="en-US" sz="13800" b="1" spc="300" dirty="0" smtClean="0">
-                  <a:ln w="12700">
-                    <a:noFill/>
-                    <a:prstDash val="solid"/>
-                  </a:ln>
-                  <a:solidFill>
-                    <a:schemeClr val="accent1"/>
-                  </a:solidFill>
-                  <a:effectLst>
-                    <a:outerShdw blurRad="41275" dist="20320" dir="1800000" algn="tl" rotWithShape="0">
-                      <a:srgbClr val="000000">
-                        <a:alpha val="40000"/>
-                      </a:srgbClr>
-                    </a:outerShdw>
-                  </a:effectLst>
-                </a:rPr>
-                <a:t>to </a:t>
+                <a:t> to </a:t>
               </a:r>
               <a:r>
                 <a:rPr lang="en-US" sz="13800" b="1" spc="300" dirty="0">
@@ -6195,7 +6081,7 @@
                   </a:schemeClr>
                 </a:solidFill>
               </a:rPr>
-              <a:t> VR appears to be working.          </a:t>
+              <a:t>VR Functional Test</a:t>
             </a:r>
             <a:endParaRPr lang="en-US" sz="23900" b="1" spc="600" dirty="0">
               <a:ln w="12700">
@@ -6260,26 +6146,7 @@
                   </a:outerShdw>
                 </a:effectLst>
               </a:rPr>
-              <a:t>Press </a:t>
-            </a:r>
-            <a:r>
-              <a:rPr lang="en-US" sz="13800" b="1" spc="-150" dirty="0" smtClean="0">
-                <a:ln w="12700">
-                  <a:noFill/>
-                  <a:prstDash val="solid"/>
-                </a:ln>
-                <a:solidFill>
-                  <a:schemeClr val="accent1"/>
-                </a:solidFill>
-                <a:effectLst>
-                  <a:outerShdw blurRad="41275" dist="20320" dir="1800000" algn="tl" rotWithShape="0">
-                    <a:srgbClr val="000000">
-                      <a:alpha val="40000"/>
-                    </a:srgbClr>
-                  </a:outerShdw>
-                </a:effectLst>
-              </a:rPr>
-              <a:t> </a:t>
+              <a:t>Press  </a:t>
             </a:r>
             <a:r>
               <a:rPr lang="en-US" sz="13800" b="1" spc="-150" dirty="0" smtClean="0">
@@ -6707,26 +6574,7 @@
                     </a:outerShdw>
                   </a:effectLst>
                 </a:rPr>
-                <a:t> </a:t>
-              </a:r>
-              <a:r>
-                <a:rPr lang="en-US" sz="13800" b="1" spc="300" dirty="0" smtClean="0">
-                  <a:ln w="12700">
-                    <a:noFill/>
-                    <a:prstDash val="solid"/>
-                  </a:ln>
-                  <a:solidFill>
-                    <a:schemeClr val="accent1"/>
-                  </a:solidFill>
-                  <a:effectLst>
-                    <a:outerShdw blurRad="41275" dist="20320" dir="1800000" algn="tl" rotWithShape="0">
-                      <a:srgbClr val="000000">
-                        <a:alpha val="40000"/>
-                      </a:srgbClr>
-                    </a:outerShdw>
-                  </a:effectLst>
-                </a:rPr>
-                <a:t>to </a:t>
+                <a:t> to </a:t>
               </a:r>
               <a:r>
                 <a:rPr lang="en-US" sz="13800" b="1" spc="300" dirty="0">
@@ -7113,26 +6961,7 @@
                     </a:outerShdw>
                   </a:effectLst>
                 </a:rPr>
-                <a:t> </a:t>
-              </a:r>
-              <a:r>
-                <a:rPr lang="en-US" sz="13800" b="1" spc="300" dirty="0" smtClean="0">
-                  <a:ln w="12700">
-                    <a:noFill/>
-                    <a:prstDash val="solid"/>
-                  </a:ln>
-                  <a:solidFill>
-                    <a:schemeClr val="accent1"/>
-                  </a:solidFill>
-                  <a:effectLst>
-                    <a:outerShdw blurRad="41275" dist="20320" dir="1800000" algn="tl" rotWithShape="0">
-                      <a:srgbClr val="000000">
-                        <a:alpha val="40000"/>
-                      </a:srgbClr>
-                    </a:outerShdw>
-                  </a:effectLst>
-                </a:rPr>
-                <a:t>to </a:t>
+                <a:t> to </a:t>
               </a:r>
               <a:r>
                 <a:rPr lang="en-US" sz="13800" b="1" spc="300" dirty="0">
@@ -7523,26 +7352,7 @@
                     </a:outerShdw>
                   </a:effectLst>
                 </a:rPr>
-                <a:t> </a:t>
-              </a:r>
-              <a:r>
-                <a:rPr lang="en-US" sz="13800" b="1" spc="300" dirty="0" smtClean="0">
-                  <a:ln w="12700">
-                    <a:noFill/>
-                    <a:prstDash val="solid"/>
-                  </a:ln>
-                  <a:solidFill>
-                    <a:schemeClr val="accent1"/>
-                  </a:solidFill>
-                  <a:effectLst>
-                    <a:outerShdw blurRad="41275" dist="20320" dir="1800000" algn="tl" rotWithShape="0">
-                      <a:srgbClr val="000000">
-                        <a:alpha val="40000"/>
-                      </a:srgbClr>
-                    </a:outerShdw>
-                  </a:effectLst>
-                </a:rPr>
-                <a:t>to </a:t>
+                <a:t> to </a:t>
               </a:r>
               <a:r>
                 <a:rPr lang="en-US" sz="13800" b="1" spc="300" dirty="0">
@@ -7878,39 +7688,7 @@
                   </a:schemeClr>
                 </a:solidFill>
               </a:rPr>
-              <a:t>Trial </a:t>
-            </a:r>
-            <a:r>
-              <a:rPr lang="en-US" sz="23900" b="1" spc="600" dirty="0" smtClean="0">
-                <a:ln w="12700">
-                  <a:solidFill>
-                    <a:srgbClr val="FFFFFF"/>
-                  </a:solidFill>
-                  <a:prstDash val="solid"/>
-                </a:ln>
-                <a:solidFill>
-                  <a:schemeClr val="accent3">
-                    <a:lumMod val="75000"/>
-                  </a:schemeClr>
-                </a:solidFill>
-              </a:rPr>
-              <a:t>block </a:t>
-            </a:r>
-            <a:r>
-              <a:rPr lang="en-US" sz="23900" b="1" spc="600" dirty="0" smtClean="0">
-                <a:ln w="12700">
-                  <a:solidFill>
-                    <a:srgbClr val="FFFFFF"/>
-                  </a:solidFill>
-                  <a:prstDash val="solid"/>
-                </a:ln>
-                <a:solidFill>
-                  <a:schemeClr val="accent3">
-                    <a:lumMod val="75000"/>
-                  </a:schemeClr>
-                </a:solidFill>
-              </a:rPr>
-              <a:t>completed.</a:t>
+              <a:t>Trial block completed.</a:t>
             </a:r>
             <a:endParaRPr lang="en-US" sz="23900" b="1" spc="600" dirty="0">
               <a:ln w="12700">
@@ -7975,26 +7753,7 @@
                   </a:outerShdw>
                 </a:effectLst>
               </a:rPr>
-              <a:t>Click </a:t>
-            </a:r>
-            <a:r>
-              <a:rPr lang="en-US" sz="13800" b="1" spc="-150" dirty="0" smtClean="0">
-                <a:ln w="12700">
-                  <a:noFill/>
-                  <a:prstDash val="solid"/>
-                </a:ln>
-                <a:solidFill>
-                  <a:schemeClr val="accent1"/>
-                </a:solidFill>
-                <a:effectLst>
-                  <a:outerShdw blurRad="41275" dist="20320" dir="1800000" algn="tl" rotWithShape="0">
-                    <a:srgbClr val="000000">
-                      <a:alpha val="40000"/>
-                    </a:srgbClr>
-                  </a:outerShdw>
-                </a:effectLst>
-              </a:rPr>
-              <a:t> </a:t>
+              <a:t>Click  </a:t>
             </a:r>
             <a:r>
               <a:rPr lang="en-US" sz="13800" b="1" spc="-150" dirty="0" smtClean="0">
@@ -8032,83 +7791,7 @@
                   </a:outerShdw>
                 </a:effectLst>
               </a:rPr>
-              <a:t> </a:t>
-            </a:r>
-            <a:r>
-              <a:rPr lang="en-US" sz="13800" b="1" spc="-150" dirty="0" smtClean="0">
-                <a:ln w="12700">
-                  <a:noFill/>
-                  <a:prstDash val="solid"/>
-                </a:ln>
-                <a:solidFill>
-                  <a:schemeClr val="accent1"/>
-                </a:solidFill>
-                <a:effectLst>
-                  <a:outerShdw blurRad="41275" dist="20320" dir="1800000" algn="tl" rotWithShape="0">
-                    <a:srgbClr val="000000">
-                      <a:alpha val="40000"/>
-                    </a:srgbClr>
-                  </a:outerShdw>
-                </a:effectLst>
-              </a:rPr>
-              <a:t>to exit.     </a:t>
-            </a:r>
-            <a:r>
-              <a:rPr lang="en-US" sz="13800" b="1" spc="-150" dirty="0" smtClean="0">
-                <a:ln w="12700">
-                  <a:noFill/>
-                  <a:prstDash val="solid"/>
-                </a:ln>
-                <a:solidFill>
-                  <a:schemeClr val="accent1"/>
-                </a:solidFill>
-                <a:effectLst>
-                  <a:outerShdw blurRad="41275" dist="20320" dir="1800000" algn="tl" rotWithShape="0">
-                    <a:srgbClr val="000000">
-                      <a:alpha val="40000"/>
-                    </a:srgbClr>
-                  </a:outerShdw>
-                </a:effectLst>
-              </a:rPr>
-              <a:t>Press and </a:t>
-            </a:r>
-            <a:r>
-              <a:rPr lang="en-US" sz="13800" b="1" spc="-150" dirty="0" smtClean="0">
-                <a:ln w="12700">
-                  <a:noFill/>
-                  <a:prstDash val="solid"/>
-                </a:ln>
-                <a:solidFill>
-                  <a:schemeClr val="accent1"/>
-                </a:solidFill>
-                <a:effectLst>
-                  <a:outerShdw blurRad="41275" dist="20320" dir="1800000" algn="tl" rotWithShape="0">
-                    <a:srgbClr val="000000">
-                      <a:alpha val="40000"/>
-                    </a:srgbClr>
-                  </a:outerShdw>
-                </a:effectLst>
-              </a:rPr>
-              <a:t>hold </a:t>
-            </a:r>
-            <a:r>
-              <a:rPr lang="en-US" sz="13800" b="1" spc="-150" dirty="0" smtClean="0">
-                <a:ln w="12700">
-                  <a:noFill/>
-                  <a:prstDash val="solid"/>
-                </a:ln>
-                <a:solidFill>
-                  <a:schemeClr val="accent1"/>
-                </a:solidFill>
-                <a:effectLst>
-                  <a:outerShdw blurRad="41275" dist="20320" dir="1800000" algn="tl" rotWithShape="0">
-                    <a:srgbClr val="000000">
-                      <a:alpha val="40000"/>
-                    </a:srgbClr>
-                  </a:outerShdw>
-                </a:effectLst>
-              </a:rPr>
-              <a:t> </a:t>
+              <a:t> to exit.     Press and hold  </a:t>
             </a:r>
             <a:r>
               <a:rPr lang="en-US" sz="13800" b="1" spc="-150" dirty="0" smtClean="0">
@@ -8146,45 +7829,7 @@
                   </a:outerShdw>
                 </a:effectLst>
               </a:rPr>
-              <a:t> </a:t>
-            </a:r>
-            <a:r>
-              <a:rPr lang="en-US" sz="13800" b="1" spc="-150" dirty="0" smtClean="0">
-                <a:ln w="12700">
-                  <a:noFill/>
-                  <a:prstDash val="solid"/>
-                </a:ln>
-                <a:solidFill>
-                  <a:schemeClr val="accent1"/>
-                </a:solidFill>
-                <a:effectLst>
-                  <a:outerShdw blurRad="41275" dist="20320" dir="1800000" algn="tl" rotWithShape="0">
-                    <a:srgbClr val="000000">
-                      <a:alpha val="40000"/>
-                    </a:srgbClr>
-                  </a:outerShdw>
-                </a:effectLst>
-              </a:rPr>
-              <a:t> </a:t>
-            </a:r>
-            <a:r>
-              <a:rPr lang="en-US" sz="13800" b="1" spc="-150" dirty="0" smtClean="0">
-                <a:ln w="12700">
-                  <a:noFill/>
-                  <a:prstDash val="solid"/>
-                </a:ln>
-                <a:solidFill>
-                  <a:schemeClr val="accent1"/>
-                </a:solidFill>
-                <a:effectLst>
-                  <a:outerShdw blurRad="41275" dist="20320" dir="1800000" algn="tl" rotWithShape="0">
-                    <a:srgbClr val="000000">
-                      <a:alpha val="40000"/>
-                    </a:srgbClr>
-                  </a:outerShdw>
-                </a:effectLst>
-              </a:rPr>
-              <a:t>to continue. </a:t>
+              <a:t>  to continue. </a:t>
             </a:r>
             <a:endParaRPr lang="en-US" sz="13800" b="1" spc="-150" dirty="0">
               <a:ln w="12700">
@@ -8955,26 +8600,7 @@
                     </a:outerShdw>
                   </a:effectLst>
                 </a:rPr>
-                <a:t> </a:t>
-              </a:r>
-              <a:r>
-                <a:rPr lang="en-US" sz="13800" b="1" spc="300" dirty="0" smtClean="0">
-                  <a:ln w="12700">
-                    <a:noFill/>
-                    <a:prstDash val="solid"/>
-                  </a:ln>
-                  <a:solidFill>
-                    <a:schemeClr val="accent1"/>
-                  </a:solidFill>
-                  <a:effectLst>
-                    <a:outerShdw blurRad="41275" dist="20320" dir="1800000" algn="tl" rotWithShape="0">
-                      <a:srgbClr val="000000">
-                        <a:alpha val="40000"/>
-                      </a:srgbClr>
-                    </a:outerShdw>
-                  </a:effectLst>
-                </a:rPr>
-                <a:t>to </a:t>
+                <a:t> to </a:t>
               </a:r>
               <a:r>
                 <a:rPr lang="en-US" sz="13800" b="1" spc="300" dirty="0">
@@ -9166,39 +8792,7 @@
                   </a:schemeClr>
                 </a:solidFill>
               </a:rPr>
-              <a:t>Time to </a:t>
-            </a:r>
-            <a:r>
-              <a:rPr lang="en-US" sz="23900" b="1" spc="-150" dirty="0" smtClean="0">
-                <a:ln w="12700">
-                  <a:solidFill>
-                    <a:srgbClr val="FFFFFF"/>
-                  </a:solidFill>
-                  <a:prstDash val="solid"/>
-                </a:ln>
-                <a:solidFill>
-                  <a:schemeClr val="accent4">
-                    <a:lumMod val="75000"/>
-                  </a:schemeClr>
-                </a:solidFill>
-              </a:rPr>
-              <a:t>lower </a:t>
-            </a:r>
-            <a:r>
-              <a:rPr lang="en-US" sz="23900" b="1" spc="-150" dirty="0" smtClean="0">
-                <a:ln w="12700">
-                  <a:solidFill>
-                    <a:srgbClr val="FFFFFF"/>
-                  </a:solidFill>
-                  <a:prstDash val="solid"/>
-                </a:ln>
-                <a:solidFill>
-                  <a:schemeClr val="accent4">
-                    <a:lumMod val="75000"/>
-                  </a:schemeClr>
-                </a:solidFill>
-              </a:rPr>
-              <a:t>hand exceeded.</a:t>
+              <a:t>Time to lower hand exceeded.</a:t>
             </a:r>
             <a:endParaRPr lang="en-US" sz="23900" b="1" spc="-150" dirty="0">
               <a:ln w="12700">
@@ -9616,26 +9210,7 @@
                     </a:outerShdw>
                   </a:effectLst>
                 </a:rPr>
-                <a:t> </a:t>
-              </a:r>
-              <a:r>
-                <a:rPr lang="en-US" sz="13800" b="1" spc="300" dirty="0" smtClean="0">
-                  <a:ln w="12700">
-                    <a:noFill/>
-                    <a:prstDash val="solid"/>
-                  </a:ln>
-                  <a:solidFill>
-                    <a:schemeClr val="accent1"/>
-                  </a:solidFill>
-                  <a:effectLst>
-                    <a:outerShdw blurRad="41275" dist="20320" dir="1800000" algn="tl" rotWithShape="0">
-                      <a:srgbClr val="000000">
-                        <a:alpha val="40000"/>
-                      </a:srgbClr>
-                    </a:outerShdw>
-                  </a:effectLst>
-                </a:rPr>
-                <a:t>to </a:t>
+                <a:t> to </a:t>
               </a:r>
               <a:r>
                 <a:rPr lang="en-US" sz="13800" b="1" spc="300" dirty="0">
@@ -10022,26 +9597,7 @@
                     </a:outerShdw>
                   </a:effectLst>
                 </a:rPr>
-                <a:t> </a:t>
-              </a:r>
-              <a:r>
-                <a:rPr lang="en-US" sz="13800" b="1" spc="300" dirty="0" smtClean="0">
-                  <a:ln w="12700">
-                    <a:noFill/>
-                    <a:prstDash val="solid"/>
-                  </a:ln>
-                  <a:solidFill>
-                    <a:schemeClr val="accent1"/>
-                  </a:solidFill>
-                  <a:effectLst>
-                    <a:outerShdw blurRad="41275" dist="20320" dir="1800000" algn="tl" rotWithShape="0">
-                      <a:srgbClr val="000000">
-                        <a:alpha val="40000"/>
-                      </a:srgbClr>
-                    </a:outerShdw>
-                  </a:effectLst>
-                </a:rPr>
-                <a:t>to </a:t>
+                <a:t> to </a:t>
               </a:r>
               <a:r>
                 <a:rPr lang="en-US" sz="13800" b="1" spc="300" dirty="0">
@@ -10484,26 +10040,7 @@
                     </a:outerShdw>
                   </a:effectLst>
                 </a:rPr>
-                <a:t> </a:t>
-              </a:r>
-              <a:r>
-                <a:rPr lang="en-US" sz="13800" b="1" spc="300" dirty="0" smtClean="0">
-                  <a:ln w="12700">
-                    <a:noFill/>
-                    <a:prstDash val="solid"/>
-                  </a:ln>
-                  <a:solidFill>
-                    <a:schemeClr val="accent1"/>
-                  </a:solidFill>
-                  <a:effectLst>
-                    <a:outerShdw blurRad="41275" dist="20320" dir="1800000" algn="tl" rotWithShape="0">
-                      <a:srgbClr val="000000">
-                        <a:alpha val="40000"/>
-                      </a:srgbClr>
-                    </a:outerShdw>
-                  </a:effectLst>
-                </a:rPr>
-                <a:t>to </a:t>
+                <a:t> to </a:t>
               </a:r>
               <a:r>
                 <a:rPr lang="en-US" sz="13800" b="1" spc="300" dirty="0">

--- a/Source Code/GraspBMPs/GraspCircularPrompts.pptx
+++ b/Source Code/GraspBMPs/GraspCircularPrompts.pptx
@@ -6225,7 +6225,7 @@
               <a:t>to </a:t>
             </a:r>
             <a:r>
-              <a:rPr lang="en-US" sz="13800" b="1" spc="-150" dirty="0" err="1" smtClean="0">
+              <a:rPr lang="en-US" sz="13800" b="1" spc="-150" dirty="0" smtClean="0">
                 <a:ln w="12700">
                   <a:noFill/>
                   <a:prstDash val="solid"/>
@@ -6241,45 +6241,7 @@
                   </a:outerShdw>
                 </a:effectLst>
               </a:rPr>
-              <a:t>cont</a:t>
-            </a:r>
-            <a:r>
-              <a:rPr lang="en-US" sz="1600" b="1" spc="-150" dirty="0" smtClean="0">
-                <a:ln w="12700">
-                  <a:noFill/>
-                  <a:prstDash val="solid"/>
-                </a:ln>
-                <a:solidFill>
-                  <a:schemeClr val="accent1"/>
-                </a:solidFill>
-                <a:effectLst>
-                  <a:outerShdw blurRad="41275" dist="20320" dir="1800000" algn="tl" rotWithShape="0">
-                    <a:srgbClr val="000000">
-                      <a:alpha val="40000"/>
-                    </a:srgbClr>
-                  </a:outerShdw>
-                </a:effectLst>
-              </a:rPr>
-              <a:t> </a:t>
-            </a:r>
-            <a:r>
-              <a:rPr lang="en-US" sz="13800" b="1" spc="-150" dirty="0" err="1" smtClean="0">
-                <a:ln w="12700">
-                  <a:noFill/>
-                  <a:prstDash val="solid"/>
-                </a:ln>
-                <a:solidFill>
-                  <a:schemeClr val="accent1"/>
-                </a:solidFill>
-                <a:effectLst>
-                  <a:outerShdw blurRad="41275" dist="20320" dir="1800000" algn="tl" rotWithShape="0">
-                    <a:srgbClr val="000000">
-                      <a:alpha val="40000"/>
-                    </a:srgbClr>
-                  </a:outerShdw>
-                </a:effectLst>
-              </a:rPr>
-              <a:t>inue</a:t>
+              <a:t>terminate</a:t>
             </a:r>
             <a:r>
               <a:rPr lang="en-US" sz="13800" b="1" spc="-150" dirty="0" smtClean="0">

--- a/Source Code/GraspBMPs/GraspCircularPrompts.pptx
+++ b/Source Code/GraspBMPs/GraspCircularPrompts.pptx
@@ -5320,7 +5320,7 @@
             <a:bodyPr wrap="none" lIns="210669" tIns="105334" rIns="210669" bIns="105334">
               <a:prstTxWarp prst="textCircle">
                 <a:avLst>
-                  <a:gd name="adj" fmla="val 10916975"/>
+                  <a:gd name="adj" fmla="val 11307874"/>
                 </a:avLst>
               </a:prstTxWarp>
               <a:spAutoFit/>
@@ -5348,7 +5348,7 @@
                 <a:t>When head is </a:t>
               </a:r>
               <a:r>
-                <a:rPr lang="en-US" sz="13800" b="1" spc="300" dirty="0" err="1" smtClean="0">
+                <a:rPr lang="en-US" sz="13800" b="1" spc="300" dirty="0" smtClean="0">
                   <a:ln w="12700">
                     <a:noFill/>
                     <a:prstDash val="solid"/>
@@ -5364,7 +5364,7 @@
                     </a:outerShdw>
                   </a:effectLst>
                 </a:rPr>
-                <a:t>straigth</a:t>
+                <a:t>straight, </a:t>
               </a:r>
               <a:r>
                 <a:rPr lang="en-US" sz="13800" b="1" spc="300" dirty="0" smtClean="0">
@@ -5383,7 +5383,7 @@
                     </a:outerShdw>
                   </a:effectLst>
                 </a:rPr>
-                <a:t>, press </a:t>
+                <a:t>press </a:t>
               </a:r>
               <a:r>
                 <a:rPr lang="en-US" sz="13800" b="1" spc="300" dirty="0" smtClean="0">
@@ -5797,7 +5797,7 @@
           <a:bodyPr wrap="none" lIns="210669" tIns="105334" rIns="210669" bIns="105334">
             <a:prstTxWarp prst="textCircle">
               <a:avLst>
-                <a:gd name="adj" fmla="val 11371993"/>
+                <a:gd name="adj" fmla="val 11768328"/>
               </a:avLst>
             </a:prstTxWarp>
             <a:spAutoFit/>
@@ -5822,7 +5822,7 @@
                   </a:outerShdw>
                 </a:effectLst>
               </a:rPr>
-              <a:t>Doff Virtual Reality Helmet and press </a:t>
+              <a:t>Press</a:t>
             </a:r>
             <a:r>
               <a:rPr lang="en-US" sz="13800" b="1" spc="-150" dirty="0" smtClean="0">
@@ -5831,7 +5831,7 @@
                   <a:prstDash val="solid"/>
                 </a:ln>
                 <a:solidFill>
-                  <a:schemeClr val="accent5"/>
+                  <a:srgbClr val="C0504D"/>
                 </a:solidFill>
                 <a:effectLst>
                   <a:outerShdw blurRad="41275" dist="20320" dir="1800000" algn="tl" rotWithShape="0">
@@ -5841,7 +5841,7 @@
                   </a:outerShdw>
                 </a:effectLst>
               </a:rPr>
-              <a:t>Return</a:t>
+              <a:t>  Select</a:t>
             </a:r>
             <a:r>
               <a:rPr lang="en-US" sz="13800" b="1" spc="-150" dirty="0" smtClean="0">
@@ -5860,7 +5860,45 @@
                   </a:outerShdw>
                 </a:effectLst>
               </a:rPr>
-              <a:t>. </a:t>
+              <a:t>  then doff </a:t>
+            </a:r>
+            <a:r>
+              <a:rPr lang="en-US" sz="13800" b="1" spc="-150" dirty="0" smtClean="0">
+                <a:ln w="12700">
+                  <a:noFill/>
+                  <a:prstDash val="solid"/>
+                </a:ln>
+                <a:solidFill>
+                  <a:schemeClr val="accent1"/>
+                </a:solidFill>
+                <a:effectLst>
+                  <a:outerShdw blurRad="41275" dist="20320" dir="1800000" algn="tl" rotWithShape="0">
+                    <a:srgbClr val="000000">
+                      <a:alpha val="40000"/>
+                    </a:srgbClr>
+                  </a:outerShdw>
+                </a:effectLst>
+              </a:rPr>
+              <a:t>Virtual Reality </a:t>
+            </a:r>
+            <a:r>
+              <a:rPr lang="en-US" sz="13800" b="1" spc="-150" dirty="0" smtClean="0">
+                <a:ln w="12700">
+                  <a:noFill/>
+                  <a:prstDash val="solid"/>
+                </a:ln>
+                <a:solidFill>
+                  <a:schemeClr val="accent1"/>
+                </a:solidFill>
+                <a:effectLst>
+                  <a:outerShdw blurRad="41275" dist="20320" dir="1800000" algn="tl" rotWithShape="0">
+                    <a:srgbClr val="000000">
+                      <a:alpha val="40000"/>
+                    </a:srgbClr>
+                  </a:outerShdw>
+                </a:effectLst>
+              </a:rPr>
+              <a:t>Helmet. </a:t>
             </a:r>
             <a:endParaRPr lang="en-US" sz="13800" b="1" spc="-150" dirty="0">
               <a:ln w="12700">
@@ -5912,14 +5950,14 @@
       </p:pic>
       <p:sp>
         <p:nvSpPr>
-          <p:cNvPr id="7" name="Ellipse 6"/>
+          <p:cNvPr id="8" name="Ellipse 7"/>
           <p:cNvSpPr/>
           <p:nvPr/>
         </p:nvSpPr>
         <p:spPr>
           <a:xfrm>
-            <a:off x="8640857" y="8922107"/>
-            <a:ext cx="1021993" cy="1021993"/>
+            <a:off x="8412657" y="6848531"/>
+            <a:ext cx="1497843" cy="1497843"/>
           </a:xfrm>
           <a:prstGeom prst="ellipse">
             <a:avLst/>
@@ -5927,10 +5965,9 @@
           <a:noFill/>
           <a:ln w="76200" cmpd="sng">
             <a:solidFill>
-              <a:srgbClr val="4BACC6"/>
+              <a:schemeClr val="accent2"/>
             </a:solidFill>
           </a:ln>
-          <a:effectLst/>
         </p:spPr>
         <p:style>
           <a:lnRef idx="1">
@@ -6155,7 +6192,7 @@
                   <a:prstDash val="solid"/>
                 </a:ln>
                 <a:solidFill>
-                  <a:srgbClr val="4BACC6"/>
+                  <a:schemeClr val="accent2"/>
                 </a:solidFill>
                 <a:effectLst>
                   <a:outerShdw blurRad="41275" dist="20320" dir="1800000" algn="tl" rotWithShape="0">
@@ -6165,16 +6202,18 @@
                   </a:outerShdw>
                 </a:effectLst>
               </a:rPr>
-              <a:t>Return</a:t>
-            </a:r>
-            <a:r>
-              <a:rPr lang="en-US" sz="13800" b="1" spc="-150" dirty="0">
+              <a:t>Select</a:t>
+            </a:r>
+            <a:r>
+              <a:rPr lang="en-US" sz="13800" b="1" spc="-150" dirty="0" smtClean="0">
                 <a:ln w="12700">
                   <a:noFill/>
                   <a:prstDash val="solid"/>
                 </a:ln>
                 <a:solidFill>
-                  <a:srgbClr val="4BACC6"/>
+                  <a:schemeClr val="accent2">
+                    <a:lumMod val="75000"/>
+                  </a:schemeClr>
                 </a:solidFill>
                 <a:effectLst>
                   <a:outerShdw blurRad="41275" dist="20320" dir="1800000" algn="tl" rotWithShape="0">
@@ -6184,26 +6223,7 @@
                   </a:outerShdw>
                 </a:effectLst>
               </a:rPr>
-              <a:t> </a:t>
-            </a:r>
-            <a:r>
-              <a:rPr lang="en-US" sz="13800" b="1" spc="-150" dirty="0" smtClean="0">
-                <a:ln w="12700">
-                  <a:noFill/>
-                  <a:prstDash val="solid"/>
-                </a:ln>
-                <a:solidFill>
-                  <a:srgbClr val="4BACC6"/>
-                </a:solidFill>
-                <a:effectLst>
-                  <a:outerShdw blurRad="41275" dist="20320" dir="1800000" algn="tl" rotWithShape="0">
-                    <a:srgbClr val="000000">
-                      <a:alpha val="40000"/>
-                    </a:srgbClr>
-                  </a:outerShdw>
-                </a:effectLst>
-              </a:rPr>
-              <a:t> </a:t>
+              <a:t>  </a:t>
             </a:r>
             <a:r>
               <a:rPr lang="en-US" sz="13800" b="1" spc="-150" dirty="0" smtClean="0">
@@ -6283,7 +6303,7 @@
       </p:sp>
       <p:pic>
         <p:nvPicPr>
-          <p:cNvPr id="6" name="Image 5" descr="OculusRemoteControl_Camera001_Beauty001.jpg5b0ba155-2aba-4e81-8c1b-dd7f1ad1d005Original.jpg"/>
+          <p:cNvPr id="8" name="Image 7" descr="OculusRemoteControl_Camera001_Beauty001.jpg5b0ba155-2aba-4e81-8c1b-dd7f1ad1d005Original.jpg"/>
           <p:cNvPicPr>
             <a:picLocks noChangeAspect="1"/>
           </p:cNvPicPr>
@@ -6312,14 +6332,14 @@
       </p:pic>
       <p:sp>
         <p:nvSpPr>
-          <p:cNvPr id="7" name="Ellipse 6"/>
+          <p:cNvPr id="9" name="Ellipse 8"/>
           <p:cNvSpPr/>
           <p:nvPr/>
         </p:nvSpPr>
         <p:spPr>
           <a:xfrm>
-            <a:off x="8640857" y="8922107"/>
-            <a:ext cx="1021993" cy="1021993"/>
+            <a:off x="8412657" y="6848531"/>
+            <a:ext cx="1497843" cy="1497843"/>
           </a:xfrm>
           <a:prstGeom prst="ellipse">
             <a:avLst/>
@@ -6327,10 +6347,9 @@
           <a:noFill/>
           <a:ln w="76200" cmpd="sng">
             <a:solidFill>
-              <a:srgbClr val="4BACC6"/>
+              <a:schemeClr val="accent2"/>
             </a:solidFill>
           </a:ln>
-          <a:effectLst/>
         </p:spPr>
         <p:style>
           <a:lnRef idx="1">

--- a/Source Code/GraspBMPs/GraspCircularPrompts.pptx
+++ b/Source Code/GraspBMPs/GraspCircularPrompts.pptx
@@ -306,7 +306,7 @@
           <a:p>
             <a:fld id="{649FEDF0-7D14-9E44-B4F2-968D163D1479}" type="datetimeFigureOut">
               <a:rPr lang="fr-FR" smtClean="0"/>
-              <a:t>26/09/17</a:t>
+              <a:t>02/11/17</a:t>
             </a:fld>
             <a:endParaRPr lang="en-US" dirty="0"/>
           </a:p>
@@ -476,7 +476,7 @@
           <a:p>
             <a:fld id="{649FEDF0-7D14-9E44-B4F2-968D163D1479}" type="datetimeFigureOut">
               <a:rPr lang="fr-FR" smtClean="0"/>
-              <a:t>26/09/17</a:t>
+              <a:t>02/11/17</a:t>
             </a:fld>
             <a:endParaRPr lang="en-US" dirty="0"/>
           </a:p>
@@ -656,7 +656,7 @@
           <a:p>
             <a:fld id="{649FEDF0-7D14-9E44-B4F2-968D163D1479}" type="datetimeFigureOut">
               <a:rPr lang="fr-FR" smtClean="0"/>
-              <a:t>26/09/17</a:t>
+              <a:t>02/11/17</a:t>
             </a:fld>
             <a:endParaRPr lang="en-US" dirty="0"/>
           </a:p>
@@ -826,7 +826,7 @@
           <a:p>
             <a:fld id="{649FEDF0-7D14-9E44-B4F2-968D163D1479}" type="datetimeFigureOut">
               <a:rPr lang="fr-FR" smtClean="0"/>
-              <a:t>26/09/17</a:t>
+              <a:t>02/11/17</a:t>
             </a:fld>
             <a:endParaRPr lang="en-US" dirty="0"/>
           </a:p>
@@ -1072,7 +1072,7 @@
           <a:p>
             <a:fld id="{649FEDF0-7D14-9E44-B4F2-968D163D1479}" type="datetimeFigureOut">
               <a:rPr lang="fr-FR" smtClean="0"/>
-              <a:t>26/09/17</a:t>
+              <a:t>02/11/17</a:t>
             </a:fld>
             <a:endParaRPr lang="en-US" dirty="0"/>
           </a:p>
@@ -1360,7 +1360,7 @@
           <a:p>
             <a:fld id="{649FEDF0-7D14-9E44-B4F2-968D163D1479}" type="datetimeFigureOut">
               <a:rPr lang="fr-FR" smtClean="0"/>
-              <a:t>26/09/17</a:t>
+              <a:t>02/11/17</a:t>
             </a:fld>
             <a:endParaRPr lang="en-US" dirty="0"/>
           </a:p>
@@ -1782,7 +1782,7 @@
           <a:p>
             <a:fld id="{649FEDF0-7D14-9E44-B4F2-968D163D1479}" type="datetimeFigureOut">
               <a:rPr lang="fr-FR" smtClean="0"/>
-              <a:t>26/09/17</a:t>
+              <a:t>02/11/17</a:t>
             </a:fld>
             <a:endParaRPr lang="en-US" dirty="0"/>
           </a:p>
@@ -1900,7 +1900,7 @@
           <a:p>
             <a:fld id="{649FEDF0-7D14-9E44-B4F2-968D163D1479}" type="datetimeFigureOut">
               <a:rPr lang="fr-FR" smtClean="0"/>
-              <a:t>26/09/17</a:t>
+              <a:t>02/11/17</a:t>
             </a:fld>
             <a:endParaRPr lang="en-US" dirty="0"/>
           </a:p>
@@ -1995,7 +1995,7 @@
           <a:p>
             <a:fld id="{649FEDF0-7D14-9E44-B4F2-968D163D1479}" type="datetimeFigureOut">
               <a:rPr lang="fr-FR" smtClean="0"/>
-              <a:t>26/09/17</a:t>
+              <a:t>02/11/17</a:t>
             </a:fld>
             <a:endParaRPr lang="en-US" dirty="0"/>
           </a:p>
@@ -2320,7 +2320,7 @@
           <a:p>
             <a:fld id="{649FEDF0-7D14-9E44-B4F2-968D163D1479}" type="datetimeFigureOut">
               <a:rPr lang="fr-FR" smtClean="0"/>
-              <a:t>26/09/17</a:t>
+              <a:t>02/11/17</a:t>
             </a:fld>
             <a:endParaRPr lang="en-US" dirty="0"/>
           </a:p>
@@ -2573,7 +2573,7 @@
           <a:p>
             <a:fld id="{649FEDF0-7D14-9E44-B4F2-968D163D1479}" type="datetimeFigureOut">
               <a:rPr lang="fr-FR" smtClean="0"/>
-              <a:t>26/09/17</a:t>
+              <a:t>02/11/17</a:t>
             </a:fld>
             <a:endParaRPr lang="en-US" dirty="0"/>
           </a:p>
@@ -2789,7 +2789,7 @@
           <a:p>
             <a:fld id="{649FEDF0-7D14-9E44-B4F2-968D163D1479}" type="datetimeFigureOut">
               <a:rPr lang="fr-FR" smtClean="0"/>
-              <a:t>26/09/17</a:t>
+              <a:t>02/11/17</a:t>
             </a:fld>
             <a:endParaRPr lang="en-US" dirty="0"/>
           </a:p>
@@ -3507,94 +3507,6 @@
             </a:p>
           </p:txBody>
         </p:sp>
-        <p:grpSp>
-          <p:nvGrpSpPr>
-            <p:cNvPr id="21" name="Grouper 20"/>
-            <p:cNvGrpSpPr/>
-            <p:nvPr/>
-          </p:nvGrpSpPr>
-          <p:grpSpPr>
-            <a:xfrm>
-              <a:off x="7630464" y="6243112"/>
-              <a:ext cx="3195578" cy="5962744"/>
-              <a:chOff x="7630464" y="6243112"/>
-              <a:chExt cx="3195578" cy="5962744"/>
-            </a:xfrm>
-          </p:grpSpPr>
-          <p:pic>
-            <p:nvPicPr>
-              <p:cNvPr id="22" name="Image 21" descr="OculusRemoteControl_Camera001_Beauty001.jpg5b0ba155-2aba-4e81-8c1b-dd7f1ad1d005Original.jpg"/>
-              <p:cNvPicPr>
-                <a:picLocks noChangeAspect="1"/>
-              </p:cNvPicPr>
-              <p:nvPr/>
-            </p:nvPicPr>
-            <p:blipFill rotWithShape="1">
-              <a:blip r:embed="rId2">
-                <a:extLst>
-                  <a:ext uri="{28A0092B-C50C-407E-A947-70E740481C1C}">
-                    <a14:useLocalDpi xmlns:a14="http://schemas.microsoft.com/office/drawing/2010/main" val="0"/>
-                  </a:ext>
-                </a:extLst>
-              </a:blip>
-              <a:srcRect l="36035" r="34996"/>
-              <a:stretch/>
-            </p:blipFill>
-            <p:spPr>
-              <a:xfrm>
-                <a:off x="7630464" y="6243112"/>
-                <a:ext cx="3195578" cy="5962744"/>
-              </a:xfrm>
-              <a:prstGeom prst="rect">
-                <a:avLst/>
-              </a:prstGeom>
-            </p:spPr>
-          </p:pic>
-          <p:sp>
-            <p:nvSpPr>
-              <p:cNvPr id="23" name="Ellipse 22"/>
-              <p:cNvSpPr/>
-              <p:nvPr/>
-            </p:nvSpPr>
-            <p:spPr>
-              <a:xfrm>
-                <a:off x="8412657" y="6848531"/>
-                <a:ext cx="1497843" cy="1497843"/>
-              </a:xfrm>
-              <a:prstGeom prst="ellipse">
-                <a:avLst/>
-              </a:prstGeom>
-              <a:noFill/>
-              <a:ln w="76200" cmpd="sng">
-                <a:solidFill>
-                  <a:schemeClr val="accent2"/>
-                </a:solidFill>
-              </a:ln>
-            </p:spPr>
-            <p:style>
-              <a:lnRef idx="1">
-                <a:schemeClr val="accent1"/>
-              </a:lnRef>
-              <a:fillRef idx="3">
-                <a:schemeClr val="accent1"/>
-              </a:fillRef>
-              <a:effectRef idx="2">
-                <a:schemeClr val="accent1"/>
-              </a:effectRef>
-              <a:fontRef idx="minor">
-                <a:schemeClr val="lt1"/>
-              </a:fontRef>
-            </p:style>
-            <p:txBody>
-              <a:bodyPr rtlCol="0" anchor="ctr"/>
-              <a:lstStyle/>
-              <a:p>
-                <a:pPr algn="ctr"/>
-                <a:endParaRPr lang="en-US"/>
-              </a:p>
-            </p:txBody>
-          </p:sp>
-        </p:grpSp>
       </p:grpSp>
       <p:sp>
         <p:nvSpPr>
@@ -3654,6 +3566,94 @@
           </a:p>
         </p:txBody>
       </p:sp>
+      <p:grpSp>
+        <p:nvGrpSpPr>
+          <p:cNvPr id="9" name="Grouper 8"/>
+          <p:cNvGrpSpPr/>
+          <p:nvPr/>
+        </p:nvGrpSpPr>
+        <p:grpSpPr>
+          <a:xfrm>
+            <a:off x="7630464" y="6243112"/>
+            <a:ext cx="3195578" cy="5962744"/>
+            <a:chOff x="7630464" y="6243112"/>
+            <a:chExt cx="3195578" cy="5962744"/>
+          </a:xfrm>
+        </p:grpSpPr>
+        <p:pic>
+          <p:nvPicPr>
+            <p:cNvPr id="10" name="Image 9" descr="OculusRemoteControl_Camera001_Beauty001.jpg5b0ba155-2aba-4e81-8c1b-dd7f1ad1d005Original.jpg"/>
+            <p:cNvPicPr>
+              <a:picLocks noChangeAspect="1"/>
+            </p:cNvPicPr>
+            <p:nvPr/>
+          </p:nvPicPr>
+          <p:blipFill rotWithShape="1">
+            <a:blip r:embed="rId2">
+              <a:extLst>
+                <a:ext uri="{28A0092B-C50C-407E-A947-70E740481C1C}">
+                  <a14:useLocalDpi xmlns:a14="http://schemas.microsoft.com/office/drawing/2010/main" val="0"/>
+                </a:ext>
+              </a:extLst>
+            </a:blip>
+            <a:srcRect l="36035" r="34996"/>
+            <a:stretch/>
+          </p:blipFill>
+          <p:spPr>
+            <a:xfrm>
+              <a:off x="7630464" y="6243112"/>
+              <a:ext cx="3195578" cy="5962744"/>
+            </a:xfrm>
+            <a:prstGeom prst="rect">
+              <a:avLst/>
+            </a:prstGeom>
+          </p:spPr>
+        </p:pic>
+        <p:sp>
+          <p:nvSpPr>
+            <p:cNvPr id="11" name="Ellipse 10"/>
+            <p:cNvSpPr/>
+            <p:nvPr/>
+          </p:nvSpPr>
+          <p:spPr>
+            <a:xfrm>
+              <a:off x="8412657" y="6848531"/>
+              <a:ext cx="1497843" cy="1497843"/>
+            </a:xfrm>
+            <a:prstGeom prst="ellipse">
+              <a:avLst/>
+            </a:prstGeom>
+            <a:noFill/>
+            <a:ln w="304800" cmpd="sng">
+              <a:solidFill>
+                <a:schemeClr val="accent2"/>
+              </a:solidFill>
+            </a:ln>
+          </p:spPr>
+          <p:style>
+            <a:lnRef idx="1">
+              <a:schemeClr val="accent1"/>
+            </a:lnRef>
+            <a:fillRef idx="3">
+              <a:schemeClr val="accent1"/>
+            </a:fillRef>
+            <a:effectRef idx="2">
+              <a:schemeClr val="accent1"/>
+            </a:effectRef>
+            <a:fontRef idx="minor">
+              <a:schemeClr val="lt1"/>
+            </a:fontRef>
+          </p:style>
+          <p:txBody>
+            <a:bodyPr rtlCol="0" anchor="ctr"/>
+            <a:lstStyle/>
+            <a:p>
+              <a:pPr algn="ctr"/>
+              <a:endParaRPr lang="en-US"/>
+            </a:p>
+          </p:txBody>
+        </p:sp>
+      </p:grpSp>
     </p:spTree>
     <p:extLst>
       <p:ext uri="{BB962C8B-B14F-4D97-AF65-F5344CB8AC3E}">
@@ -3894,94 +3894,6 @@
             </a:p>
           </p:txBody>
         </p:sp>
-        <p:grpSp>
-          <p:nvGrpSpPr>
-            <p:cNvPr id="21" name="Grouper 20"/>
-            <p:cNvGrpSpPr/>
-            <p:nvPr/>
-          </p:nvGrpSpPr>
-          <p:grpSpPr>
-            <a:xfrm>
-              <a:off x="7630464" y="6243112"/>
-              <a:ext cx="3195578" cy="5962744"/>
-              <a:chOff x="7630464" y="6243112"/>
-              <a:chExt cx="3195578" cy="5962744"/>
-            </a:xfrm>
-          </p:grpSpPr>
-          <p:pic>
-            <p:nvPicPr>
-              <p:cNvPr id="22" name="Image 21" descr="OculusRemoteControl_Camera001_Beauty001.jpg5b0ba155-2aba-4e81-8c1b-dd7f1ad1d005Original.jpg"/>
-              <p:cNvPicPr>
-                <a:picLocks noChangeAspect="1"/>
-              </p:cNvPicPr>
-              <p:nvPr/>
-            </p:nvPicPr>
-            <p:blipFill rotWithShape="1">
-              <a:blip r:embed="rId2">
-                <a:extLst>
-                  <a:ext uri="{28A0092B-C50C-407E-A947-70E740481C1C}">
-                    <a14:useLocalDpi xmlns:a14="http://schemas.microsoft.com/office/drawing/2010/main" val="0"/>
-                  </a:ext>
-                </a:extLst>
-              </a:blip>
-              <a:srcRect l="36035" r="34996"/>
-              <a:stretch/>
-            </p:blipFill>
-            <p:spPr>
-              <a:xfrm>
-                <a:off x="7630464" y="6243112"/>
-                <a:ext cx="3195578" cy="5962744"/>
-              </a:xfrm>
-              <a:prstGeom prst="rect">
-                <a:avLst/>
-              </a:prstGeom>
-            </p:spPr>
-          </p:pic>
-          <p:sp>
-            <p:nvSpPr>
-              <p:cNvPr id="23" name="Ellipse 22"/>
-              <p:cNvSpPr/>
-              <p:nvPr/>
-            </p:nvSpPr>
-            <p:spPr>
-              <a:xfrm>
-                <a:off x="8412657" y="6848531"/>
-                <a:ext cx="1497843" cy="1497843"/>
-              </a:xfrm>
-              <a:prstGeom prst="ellipse">
-                <a:avLst/>
-              </a:prstGeom>
-              <a:noFill/>
-              <a:ln w="76200" cmpd="sng">
-                <a:solidFill>
-                  <a:schemeClr val="accent2"/>
-                </a:solidFill>
-              </a:ln>
-            </p:spPr>
-            <p:style>
-              <a:lnRef idx="1">
-                <a:schemeClr val="accent1"/>
-              </a:lnRef>
-              <a:fillRef idx="3">
-                <a:schemeClr val="accent1"/>
-              </a:fillRef>
-              <a:effectRef idx="2">
-                <a:schemeClr val="accent1"/>
-              </a:effectRef>
-              <a:fontRef idx="minor">
-                <a:schemeClr val="lt1"/>
-              </a:fontRef>
-            </p:style>
-            <p:txBody>
-              <a:bodyPr rtlCol="0" anchor="ctr"/>
-              <a:lstStyle/>
-              <a:p>
-                <a:pPr algn="ctr"/>
-                <a:endParaRPr lang="en-US"/>
-              </a:p>
-            </p:txBody>
-          </p:sp>
-        </p:grpSp>
       </p:grpSp>
       <p:sp>
         <p:nvSpPr>
@@ -4041,6 +3953,94 @@
           </a:p>
         </p:txBody>
       </p:sp>
+      <p:grpSp>
+        <p:nvGrpSpPr>
+          <p:cNvPr id="9" name="Grouper 8"/>
+          <p:cNvGrpSpPr/>
+          <p:nvPr/>
+        </p:nvGrpSpPr>
+        <p:grpSpPr>
+          <a:xfrm>
+            <a:off x="7630464" y="6243112"/>
+            <a:ext cx="3195578" cy="5962744"/>
+            <a:chOff x="7630464" y="6243112"/>
+            <a:chExt cx="3195578" cy="5962744"/>
+          </a:xfrm>
+        </p:grpSpPr>
+        <p:pic>
+          <p:nvPicPr>
+            <p:cNvPr id="10" name="Image 9" descr="OculusRemoteControl_Camera001_Beauty001.jpg5b0ba155-2aba-4e81-8c1b-dd7f1ad1d005Original.jpg"/>
+            <p:cNvPicPr>
+              <a:picLocks noChangeAspect="1"/>
+            </p:cNvPicPr>
+            <p:nvPr/>
+          </p:nvPicPr>
+          <p:blipFill rotWithShape="1">
+            <a:blip r:embed="rId2">
+              <a:extLst>
+                <a:ext uri="{28A0092B-C50C-407E-A947-70E740481C1C}">
+                  <a14:useLocalDpi xmlns:a14="http://schemas.microsoft.com/office/drawing/2010/main" val="0"/>
+                </a:ext>
+              </a:extLst>
+            </a:blip>
+            <a:srcRect l="36035" r="34996"/>
+            <a:stretch/>
+          </p:blipFill>
+          <p:spPr>
+            <a:xfrm>
+              <a:off x="7630464" y="6243112"/>
+              <a:ext cx="3195578" cy="5962744"/>
+            </a:xfrm>
+            <a:prstGeom prst="rect">
+              <a:avLst/>
+            </a:prstGeom>
+          </p:spPr>
+        </p:pic>
+        <p:sp>
+          <p:nvSpPr>
+            <p:cNvPr id="11" name="Ellipse 10"/>
+            <p:cNvSpPr/>
+            <p:nvPr/>
+          </p:nvSpPr>
+          <p:spPr>
+            <a:xfrm>
+              <a:off x="8412657" y="6848531"/>
+              <a:ext cx="1497843" cy="1497843"/>
+            </a:xfrm>
+            <a:prstGeom prst="ellipse">
+              <a:avLst/>
+            </a:prstGeom>
+            <a:noFill/>
+            <a:ln w="304800" cmpd="sng">
+              <a:solidFill>
+                <a:schemeClr val="accent2"/>
+              </a:solidFill>
+            </a:ln>
+          </p:spPr>
+          <p:style>
+            <a:lnRef idx="1">
+              <a:schemeClr val="accent1"/>
+            </a:lnRef>
+            <a:fillRef idx="3">
+              <a:schemeClr val="accent1"/>
+            </a:fillRef>
+            <a:effectRef idx="2">
+              <a:schemeClr val="accent1"/>
+            </a:effectRef>
+            <a:fontRef idx="minor">
+              <a:schemeClr val="lt1"/>
+            </a:fontRef>
+          </p:style>
+          <p:txBody>
+            <a:bodyPr rtlCol="0" anchor="ctr"/>
+            <a:lstStyle/>
+            <a:p>
+              <a:pPr algn="ctr"/>
+              <a:endParaRPr lang="en-US"/>
+            </a:p>
+          </p:txBody>
+        </p:sp>
+      </p:grpSp>
     </p:spTree>
     <p:extLst>
       <p:ext uri="{BB962C8B-B14F-4D97-AF65-F5344CB8AC3E}">
@@ -4281,94 +4281,6 @@
             </a:p>
           </p:txBody>
         </p:sp>
-        <p:grpSp>
-          <p:nvGrpSpPr>
-            <p:cNvPr id="21" name="Grouper 20"/>
-            <p:cNvGrpSpPr/>
-            <p:nvPr/>
-          </p:nvGrpSpPr>
-          <p:grpSpPr>
-            <a:xfrm>
-              <a:off x="7630464" y="6243112"/>
-              <a:ext cx="3195578" cy="5962744"/>
-              <a:chOff x="7630464" y="6243112"/>
-              <a:chExt cx="3195578" cy="5962744"/>
-            </a:xfrm>
-          </p:grpSpPr>
-          <p:pic>
-            <p:nvPicPr>
-              <p:cNvPr id="22" name="Image 21" descr="OculusRemoteControl_Camera001_Beauty001.jpg5b0ba155-2aba-4e81-8c1b-dd7f1ad1d005Original.jpg"/>
-              <p:cNvPicPr>
-                <a:picLocks noChangeAspect="1"/>
-              </p:cNvPicPr>
-              <p:nvPr/>
-            </p:nvPicPr>
-            <p:blipFill rotWithShape="1">
-              <a:blip r:embed="rId2">
-                <a:extLst>
-                  <a:ext uri="{28A0092B-C50C-407E-A947-70E740481C1C}">
-                    <a14:useLocalDpi xmlns:a14="http://schemas.microsoft.com/office/drawing/2010/main" val="0"/>
-                  </a:ext>
-                </a:extLst>
-              </a:blip>
-              <a:srcRect l="36035" r="34996"/>
-              <a:stretch/>
-            </p:blipFill>
-            <p:spPr>
-              <a:xfrm>
-                <a:off x="7630464" y="6243112"/>
-                <a:ext cx="3195578" cy="5962744"/>
-              </a:xfrm>
-              <a:prstGeom prst="rect">
-                <a:avLst/>
-              </a:prstGeom>
-            </p:spPr>
-          </p:pic>
-          <p:sp>
-            <p:nvSpPr>
-              <p:cNvPr id="23" name="Ellipse 22"/>
-              <p:cNvSpPr/>
-              <p:nvPr/>
-            </p:nvSpPr>
-            <p:spPr>
-              <a:xfrm>
-                <a:off x="8412657" y="6848531"/>
-                <a:ext cx="1497843" cy="1497843"/>
-              </a:xfrm>
-              <a:prstGeom prst="ellipse">
-                <a:avLst/>
-              </a:prstGeom>
-              <a:noFill/>
-              <a:ln w="76200" cmpd="sng">
-                <a:solidFill>
-                  <a:schemeClr val="accent2"/>
-                </a:solidFill>
-              </a:ln>
-            </p:spPr>
-            <p:style>
-              <a:lnRef idx="1">
-                <a:schemeClr val="accent1"/>
-              </a:lnRef>
-              <a:fillRef idx="3">
-                <a:schemeClr val="accent1"/>
-              </a:fillRef>
-              <a:effectRef idx="2">
-                <a:schemeClr val="accent1"/>
-              </a:effectRef>
-              <a:fontRef idx="minor">
-                <a:schemeClr val="lt1"/>
-              </a:fontRef>
-            </p:style>
-            <p:txBody>
-              <a:bodyPr rtlCol="0" anchor="ctr"/>
-              <a:lstStyle/>
-              <a:p>
-                <a:pPr algn="ctr"/>
-                <a:endParaRPr lang="en-US"/>
-              </a:p>
-            </p:txBody>
-          </p:sp>
-        </p:grpSp>
       </p:grpSp>
       <p:sp>
         <p:nvSpPr>
@@ -4428,6 +4340,94 @@
           </a:p>
         </p:txBody>
       </p:sp>
+      <p:grpSp>
+        <p:nvGrpSpPr>
+          <p:cNvPr id="9" name="Grouper 8"/>
+          <p:cNvGrpSpPr/>
+          <p:nvPr/>
+        </p:nvGrpSpPr>
+        <p:grpSpPr>
+          <a:xfrm>
+            <a:off x="7630464" y="6243112"/>
+            <a:ext cx="3195578" cy="5962744"/>
+            <a:chOff x="7630464" y="6243112"/>
+            <a:chExt cx="3195578" cy="5962744"/>
+          </a:xfrm>
+        </p:grpSpPr>
+        <p:pic>
+          <p:nvPicPr>
+            <p:cNvPr id="10" name="Image 9" descr="OculusRemoteControl_Camera001_Beauty001.jpg5b0ba155-2aba-4e81-8c1b-dd7f1ad1d005Original.jpg"/>
+            <p:cNvPicPr>
+              <a:picLocks noChangeAspect="1"/>
+            </p:cNvPicPr>
+            <p:nvPr/>
+          </p:nvPicPr>
+          <p:blipFill rotWithShape="1">
+            <a:blip r:embed="rId2">
+              <a:extLst>
+                <a:ext uri="{28A0092B-C50C-407E-A947-70E740481C1C}">
+                  <a14:useLocalDpi xmlns:a14="http://schemas.microsoft.com/office/drawing/2010/main" val="0"/>
+                </a:ext>
+              </a:extLst>
+            </a:blip>
+            <a:srcRect l="36035" r="34996"/>
+            <a:stretch/>
+          </p:blipFill>
+          <p:spPr>
+            <a:xfrm>
+              <a:off x="7630464" y="6243112"/>
+              <a:ext cx="3195578" cy="5962744"/>
+            </a:xfrm>
+            <a:prstGeom prst="rect">
+              <a:avLst/>
+            </a:prstGeom>
+          </p:spPr>
+        </p:pic>
+        <p:sp>
+          <p:nvSpPr>
+            <p:cNvPr id="11" name="Ellipse 10"/>
+            <p:cNvSpPr/>
+            <p:nvPr/>
+          </p:nvSpPr>
+          <p:spPr>
+            <a:xfrm>
+              <a:off x="8412657" y="6848531"/>
+              <a:ext cx="1497843" cy="1497843"/>
+            </a:xfrm>
+            <a:prstGeom prst="ellipse">
+              <a:avLst/>
+            </a:prstGeom>
+            <a:noFill/>
+            <a:ln w="304800" cmpd="sng">
+              <a:solidFill>
+                <a:schemeClr val="accent2"/>
+              </a:solidFill>
+            </a:ln>
+          </p:spPr>
+          <p:style>
+            <a:lnRef idx="1">
+              <a:schemeClr val="accent1"/>
+            </a:lnRef>
+            <a:fillRef idx="3">
+              <a:schemeClr val="accent1"/>
+            </a:fillRef>
+            <a:effectRef idx="2">
+              <a:schemeClr val="accent1"/>
+            </a:effectRef>
+            <a:fontRef idx="minor">
+              <a:schemeClr val="lt1"/>
+            </a:fontRef>
+          </p:style>
+          <p:txBody>
+            <a:bodyPr rtlCol="0" anchor="ctr"/>
+            <a:lstStyle/>
+            <a:p>
+              <a:pPr algn="ctr"/>
+              <a:endParaRPr lang="en-US"/>
+            </a:p>
+          </p:txBody>
+        </p:sp>
+      </p:grpSp>
     </p:spTree>
     <p:extLst>
       <p:ext uri="{BB962C8B-B14F-4D97-AF65-F5344CB8AC3E}">
@@ -4668,94 +4668,6 @@
             </a:p>
           </p:txBody>
         </p:sp>
-        <p:grpSp>
-          <p:nvGrpSpPr>
-            <p:cNvPr id="10" name="Grouper 9"/>
-            <p:cNvGrpSpPr/>
-            <p:nvPr/>
-          </p:nvGrpSpPr>
-          <p:grpSpPr>
-            <a:xfrm>
-              <a:off x="7630464" y="6243112"/>
-              <a:ext cx="3195578" cy="5962744"/>
-              <a:chOff x="7630464" y="6243112"/>
-              <a:chExt cx="3195578" cy="5962744"/>
-            </a:xfrm>
-          </p:grpSpPr>
-          <p:pic>
-            <p:nvPicPr>
-              <p:cNvPr id="11" name="Image 10" descr="OculusRemoteControl_Camera001_Beauty001.jpg5b0ba155-2aba-4e81-8c1b-dd7f1ad1d005Original.jpg"/>
-              <p:cNvPicPr>
-                <a:picLocks noChangeAspect="1"/>
-              </p:cNvPicPr>
-              <p:nvPr/>
-            </p:nvPicPr>
-            <p:blipFill rotWithShape="1">
-              <a:blip r:embed="rId2">
-                <a:extLst>
-                  <a:ext uri="{28A0092B-C50C-407E-A947-70E740481C1C}">
-                    <a14:useLocalDpi xmlns:a14="http://schemas.microsoft.com/office/drawing/2010/main" val="0"/>
-                  </a:ext>
-                </a:extLst>
-              </a:blip>
-              <a:srcRect l="36035" r="34996"/>
-              <a:stretch/>
-            </p:blipFill>
-            <p:spPr>
-              <a:xfrm>
-                <a:off x="7630464" y="6243112"/>
-                <a:ext cx="3195578" cy="5962744"/>
-              </a:xfrm>
-              <a:prstGeom prst="rect">
-                <a:avLst/>
-              </a:prstGeom>
-            </p:spPr>
-          </p:pic>
-          <p:sp>
-            <p:nvSpPr>
-              <p:cNvPr id="12" name="Ellipse 11"/>
-              <p:cNvSpPr/>
-              <p:nvPr/>
-            </p:nvSpPr>
-            <p:spPr>
-              <a:xfrm>
-                <a:off x="8412657" y="6848531"/>
-                <a:ext cx="1497843" cy="1497843"/>
-              </a:xfrm>
-              <a:prstGeom prst="ellipse">
-                <a:avLst/>
-              </a:prstGeom>
-              <a:noFill/>
-              <a:ln w="76200" cmpd="sng">
-                <a:solidFill>
-                  <a:schemeClr val="accent2"/>
-                </a:solidFill>
-              </a:ln>
-            </p:spPr>
-            <p:style>
-              <a:lnRef idx="1">
-                <a:schemeClr val="accent1"/>
-              </a:lnRef>
-              <a:fillRef idx="3">
-                <a:schemeClr val="accent1"/>
-              </a:fillRef>
-              <a:effectRef idx="2">
-                <a:schemeClr val="accent1"/>
-              </a:effectRef>
-              <a:fontRef idx="minor">
-                <a:schemeClr val="lt1"/>
-              </a:fontRef>
-            </p:style>
-            <p:txBody>
-              <a:bodyPr rtlCol="0" anchor="ctr"/>
-              <a:lstStyle/>
-              <a:p>
-                <a:pPr algn="ctr"/>
-                <a:endParaRPr lang="en-US"/>
-              </a:p>
-            </p:txBody>
-          </p:sp>
-        </p:grpSp>
       </p:grpSp>
       <p:sp>
         <p:nvSpPr>
@@ -4815,6 +4727,94 @@
           </a:p>
         </p:txBody>
       </p:sp>
+      <p:grpSp>
+        <p:nvGrpSpPr>
+          <p:cNvPr id="13" name="Grouper 12"/>
+          <p:cNvGrpSpPr/>
+          <p:nvPr/>
+        </p:nvGrpSpPr>
+        <p:grpSpPr>
+          <a:xfrm>
+            <a:off x="7630464" y="6243112"/>
+            <a:ext cx="3195578" cy="5962744"/>
+            <a:chOff x="7630464" y="6243112"/>
+            <a:chExt cx="3195578" cy="5962744"/>
+          </a:xfrm>
+        </p:grpSpPr>
+        <p:pic>
+          <p:nvPicPr>
+            <p:cNvPr id="14" name="Image 13" descr="OculusRemoteControl_Camera001_Beauty001.jpg5b0ba155-2aba-4e81-8c1b-dd7f1ad1d005Original.jpg"/>
+            <p:cNvPicPr>
+              <a:picLocks noChangeAspect="1"/>
+            </p:cNvPicPr>
+            <p:nvPr/>
+          </p:nvPicPr>
+          <p:blipFill rotWithShape="1">
+            <a:blip r:embed="rId2">
+              <a:extLst>
+                <a:ext uri="{28A0092B-C50C-407E-A947-70E740481C1C}">
+                  <a14:useLocalDpi xmlns:a14="http://schemas.microsoft.com/office/drawing/2010/main" val="0"/>
+                </a:ext>
+              </a:extLst>
+            </a:blip>
+            <a:srcRect l="36035" r="34996"/>
+            <a:stretch/>
+          </p:blipFill>
+          <p:spPr>
+            <a:xfrm>
+              <a:off x="7630464" y="6243112"/>
+              <a:ext cx="3195578" cy="5962744"/>
+            </a:xfrm>
+            <a:prstGeom prst="rect">
+              <a:avLst/>
+            </a:prstGeom>
+          </p:spPr>
+        </p:pic>
+        <p:sp>
+          <p:nvSpPr>
+            <p:cNvPr id="15" name="Ellipse 14"/>
+            <p:cNvSpPr/>
+            <p:nvPr/>
+          </p:nvSpPr>
+          <p:spPr>
+            <a:xfrm>
+              <a:off x="8412657" y="6848531"/>
+              <a:ext cx="1497843" cy="1497843"/>
+            </a:xfrm>
+            <a:prstGeom prst="ellipse">
+              <a:avLst/>
+            </a:prstGeom>
+            <a:noFill/>
+            <a:ln w="304800" cmpd="sng">
+              <a:solidFill>
+                <a:schemeClr val="accent2"/>
+              </a:solidFill>
+            </a:ln>
+          </p:spPr>
+          <p:style>
+            <a:lnRef idx="1">
+              <a:schemeClr val="accent1"/>
+            </a:lnRef>
+            <a:fillRef idx="3">
+              <a:schemeClr val="accent1"/>
+            </a:fillRef>
+            <a:effectRef idx="2">
+              <a:schemeClr val="accent1"/>
+            </a:effectRef>
+            <a:fontRef idx="minor">
+              <a:schemeClr val="lt1"/>
+            </a:fontRef>
+          </p:style>
+          <p:txBody>
+            <a:bodyPr rtlCol="0" anchor="ctr"/>
+            <a:lstStyle/>
+            <a:p>
+              <a:pPr algn="ctr"/>
+              <a:endParaRPr lang="en-US"/>
+            </a:p>
+          </p:txBody>
+        </p:sp>
+      </p:grpSp>
     </p:spTree>
     <p:extLst>
       <p:ext uri="{BB962C8B-B14F-4D97-AF65-F5344CB8AC3E}">
@@ -5055,94 +5055,6 @@
             </a:p>
           </p:txBody>
         </p:sp>
-        <p:grpSp>
-          <p:nvGrpSpPr>
-            <p:cNvPr id="10" name="Grouper 9"/>
-            <p:cNvGrpSpPr/>
-            <p:nvPr/>
-          </p:nvGrpSpPr>
-          <p:grpSpPr>
-            <a:xfrm>
-              <a:off x="7630464" y="6243112"/>
-              <a:ext cx="3195578" cy="5962744"/>
-              <a:chOff x="7630464" y="6243112"/>
-              <a:chExt cx="3195578" cy="5962744"/>
-            </a:xfrm>
-          </p:grpSpPr>
-          <p:pic>
-            <p:nvPicPr>
-              <p:cNvPr id="11" name="Image 10" descr="OculusRemoteControl_Camera001_Beauty001.jpg5b0ba155-2aba-4e81-8c1b-dd7f1ad1d005Original.jpg"/>
-              <p:cNvPicPr>
-                <a:picLocks noChangeAspect="1"/>
-              </p:cNvPicPr>
-              <p:nvPr/>
-            </p:nvPicPr>
-            <p:blipFill rotWithShape="1">
-              <a:blip r:embed="rId2">
-                <a:extLst>
-                  <a:ext uri="{28A0092B-C50C-407E-A947-70E740481C1C}">
-                    <a14:useLocalDpi xmlns:a14="http://schemas.microsoft.com/office/drawing/2010/main" val="0"/>
-                  </a:ext>
-                </a:extLst>
-              </a:blip>
-              <a:srcRect l="36035" r="34996"/>
-              <a:stretch/>
-            </p:blipFill>
-            <p:spPr>
-              <a:xfrm>
-                <a:off x="7630464" y="6243112"/>
-                <a:ext cx="3195578" cy="5962744"/>
-              </a:xfrm>
-              <a:prstGeom prst="rect">
-                <a:avLst/>
-              </a:prstGeom>
-            </p:spPr>
-          </p:pic>
-          <p:sp>
-            <p:nvSpPr>
-              <p:cNvPr id="12" name="Ellipse 11"/>
-              <p:cNvSpPr/>
-              <p:nvPr/>
-            </p:nvSpPr>
-            <p:spPr>
-              <a:xfrm>
-                <a:off x="8412657" y="6848531"/>
-                <a:ext cx="1497843" cy="1497843"/>
-              </a:xfrm>
-              <a:prstGeom prst="ellipse">
-                <a:avLst/>
-              </a:prstGeom>
-              <a:noFill/>
-              <a:ln w="76200" cmpd="sng">
-                <a:solidFill>
-                  <a:schemeClr val="accent2"/>
-                </a:solidFill>
-              </a:ln>
-            </p:spPr>
-            <p:style>
-              <a:lnRef idx="1">
-                <a:schemeClr val="accent1"/>
-              </a:lnRef>
-              <a:fillRef idx="3">
-                <a:schemeClr val="accent1"/>
-              </a:fillRef>
-              <a:effectRef idx="2">
-                <a:schemeClr val="accent1"/>
-              </a:effectRef>
-              <a:fontRef idx="minor">
-                <a:schemeClr val="lt1"/>
-              </a:fontRef>
-            </p:style>
-            <p:txBody>
-              <a:bodyPr rtlCol="0" anchor="ctr"/>
-              <a:lstStyle/>
-              <a:p>
-                <a:pPr algn="ctr"/>
-                <a:endParaRPr lang="en-US"/>
-              </a:p>
-            </p:txBody>
-          </p:sp>
-        </p:grpSp>
       </p:grpSp>
       <p:sp>
         <p:nvSpPr>
@@ -5202,6 +5114,94 @@
           </a:p>
         </p:txBody>
       </p:sp>
+      <p:grpSp>
+        <p:nvGrpSpPr>
+          <p:cNvPr id="13" name="Grouper 12"/>
+          <p:cNvGrpSpPr/>
+          <p:nvPr/>
+        </p:nvGrpSpPr>
+        <p:grpSpPr>
+          <a:xfrm>
+            <a:off x="7630464" y="6243112"/>
+            <a:ext cx="3195578" cy="5962744"/>
+            <a:chOff x="7630464" y="6243112"/>
+            <a:chExt cx="3195578" cy="5962744"/>
+          </a:xfrm>
+        </p:grpSpPr>
+        <p:pic>
+          <p:nvPicPr>
+            <p:cNvPr id="14" name="Image 13" descr="OculusRemoteControl_Camera001_Beauty001.jpg5b0ba155-2aba-4e81-8c1b-dd7f1ad1d005Original.jpg"/>
+            <p:cNvPicPr>
+              <a:picLocks noChangeAspect="1"/>
+            </p:cNvPicPr>
+            <p:nvPr/>
+          </p:nvPicPr>
+          <p:blipFill rotWithShape="1">
+            <a:blip r:embed="rId2">
+              <a:extLst>
+                <a:ext uri="{28A0092B-C50C-407E-A947-70E740481C1C}">
+                  <a14:useLocalDpi xmlns:a14="http://schemas.microsoft.com/office/drawing/2010/main" val="0"/>
+                </a:ext>
+              </a:extLst>
+            </a:blip>
+            <a:srcRect l="36035" r="34996"/>
+            <a:stretch/>
+          </p:blipFill>
+          <p:spPr>
+            <a:xfrm>
+              <a:off x="7630464" y="6243112"/>
+              <a:ext cx="3195578" cy="5962744"/>
+            </a:xfrm>
+            <a:prstGeom prst="rect">
+              <a:avLst/>
+            </a:prstGeom>
+          </p:spPr>
+        </p:pic>
+        <p:sp>
+          <p:nvSpPr>
+            <p:cNvPr id="15" name="Ellipse 14"/>
+            <p:cNvSpPr/>
+            <p:nvPr/>
+          </p:nvSpPr>
+          <p:spPr>
+            <a:xfrm>
+              <a:off x="8412657" y="6848531"/>
+              <a:ext cx="1497843" cy="1497843"/>
+            </a:xfrm>
+            <a:prstGeom prst="ellipse">
+              <a:avLst/>
+            </a:prstGeom>
+            <a:noFill/>
+            <a:ln w="304800" cmpd="sng">
+              <a:solidFill>
+                <a:schemeClr val="accent2"/>
+              </a:solidFill>
+            </a:ln>
+          </p:spPr>
+          <p:style>
+            <a:lnRef idx="1">
+              <a:schemeClr val="accent1"/>
+            </a:lnRef>
+            <a:fillRef idx="3">
+              <a:schemeClr val="accent1"/>
+            </a:fillRef>
+            <a:effectRef idx="2">
+              <a:schemeClr val="accent1"/>
+            </a:effectRef>
+            <a:fontRef idx="minor">
+              <a:schemeClr val="lt1"/>
+            </a:fontRef>
+          </p:style>
+          <p:txBody>
+            <a:bodyPr rtlCol="0" anchor="ctr"/>
+            <a:lstStyle/>
+            <a:p>
+              <a:pPr algn="ctr"/>
+              <a:endParaRPr lang="en-US"/>
+            </a:p>
+          </p:txBody>
+        </p:sp>
+      </p:grpSp>
     </p:spTree>
     <p:extLst>
       <p:ext uri="{BB962C8B-B14F-4D97-AF65-F5344CB8AC3E}">
@@ -5345,45 +5345,7 @@
                     </a:outerShdw>
                   </a:effectLst>
                 </a:rPr>
-                <a:t>When head is </a:t>
-              </a:r>
-              <a:r>
-                <a:rPr lang="en-US" sz="13800" b="1" spc="300" dirty="0" smtClean="0">
-                  <a:ln w="12700">
-                    <a:noFill/>
-                    <a:prstDash val="solid"/>
-                  </a:ln>
-                  <a:solidFill>
-                    <a:schemeClr val="accent1"/>
-                  </a:solidFill>
-                  <a:effectLst>
-                    <a:outerShdw blurRad="41275" dist="20320" dir="1800000" algn="tl" rotWithShape="0">
-                      <a:srgbClr val="000000">
-                        <a:alpha val="40000"/>
-                      </a:srgbClr>
-                    </a:outerShdw>
-                  </a:effectLst>
-                </a:rPr>
-                <a:t>straight, </a:t>
-              </a:r>
-              <a:r>
-                <a:rPr lang="en-US" sz="13800" b="1" spc="300" dirty="0" smtClean="0">
-                  <a:ln w="12700">
-                    <a:noFill/>
-                    <a:prstDash val="solid"/>
-                  </a:ln>
-                  <a:solidFill>
-                    <a:schemeClr val="accent1"/>
-                  </a:solidFill>
-                  <a:effectLst>
-                    <a:outerShdw blurRad="41275" dist="20320" dir="1800000" algn="tl" rotWithShape="0">
-                      <a:srgbClr val="000000">
-                        <a:alpha val="40000"/>
-                      </a:srgbClr>
-                    </a:outerShdw>
-                  </a:effectLst>
-                </a:rPr>
-                <a:t>press </a:t>
+                <a:t>When head is straight, press </a:t>
               </a:r>
               <a:r>
                 <a:rPr lang="en-US" sz="13800" b="1" spc="300" dirty="0" smtClean="0">
@@ -5480,94 +5442,6 @@
             </a:p>
           </p:txBody>
         </p:sp>
-        <p:grpSp>
-          <p:nvGrpSpPr>
-            <p:cNvPr id="10" name="Grouper 9"/>
-            <p:cNvGrpSpPr/>
-            <p:nvPr/>
-          </p:nvGrpSpPr>
-          <p:grpSpPr>
-            <a:xfrm>
-              <a:off x="7630464" y="6243112"/>
-              <a:ext cx="3195578" cy="5962744"/>
-              <a:chOff x="7630464" y="6243112"/>
-              <a:chExt cx="3195578" cy="5962744"/>
-            </a:xfrm>
-          </p:grpSpPr>
-          <p:pic>
-            <p:nvPicPr>
-              <p:cNvPr id="11" name="Image 10" descr="OculusRemoteControl_Camera001_Beauty001.jpg5b0ba155-2aba-4e81-8c1b-dd7f1ad1d005Original.jpg"/>
-              <p:cNvPicPr>
-                <a:picLocks noChangeAspect="1"/>
-              </p:cNvPicPr>
-              <p:nvPr/>
-            </p:nvPicPr>
-            <p:blipFill rotWithShape="1">
-              <a:blip r:embed="rId2">
-                <a:extLst>
-                  <a:ext uri="{28A0092B-C50C-407E-A947-70E740481C1C}">
-                    <a14:useLocalDpi xmlns:a14="http://schemas.microsoft.com/office/drawing/2010/main" val="0"/>
-                  </a:ext>
-                </a:extLst>
-              </a:blip>
-              <a:srcRect l="36035" r="34996"/>
-              <a:stretch/>
-            </p:blipFill>
-            <p:spPr>
-              <a:xfrm>
-                <a:off x="7630464" y="6243112"/>
-                <a:ext cx="3195578" cy="5962744"/>
-              </a:xfrm>
-              <a:prstGeom prst="rect">
-                <a:avLst/>
-              </a:prstGeom>
-            </p:spPr>
-          </p:pic>
-          <p:sp>
-            <p:nvSpPr>
-              <p:cNvPr id="12" name="Ellipse 11"/>
-              <p:cNvSpPr/>
-              <p:nvPr/>
-            </p:nvSpPr>
-            <p:spPr>
-              <a:xfrm>
-                <a:off x="8412657" y="6848531"/>
-                <a:ext cx="1497843" cy="1497843"/>
-              </a:xfrm>
-              <a:prstGeom prst="ellipse">
-                <a:avLst/>
-              </a:prstGeom>
-              <a:noFill/>
-              <a:ln w="76200" cmpd="sng">
-                <a:solidFill>
-                  <a:schemeClr val="accent2"/>
-                </a:solidFill>
-              </a:ln>
-            </p:spPr>
-            <p:style>
-              <a:lnRef idx="1">
-                <a:schemeClr val="accent1"/>
-              </a:lnRef>
-              <a:fillRef idx="3">
-                <a:schemeClr val="accent1"/>
-              </a:fillRef>
-              <a:effectRef idx="2">
-                <a:schemeClr val="accent1"/>
-              </a:effectRef>
-              <a:fontRef idx="minor">
-                <a:schemeClr val="lt1"/>
-              </a:fontRef>
-            </p:style>
-            <p:txBody>
-              <a:bodyPr rtlCol="0" anchor="ctr"/>
-              <a:lstStyle/>
-              <a:p>
-                <a:pPr algn="ctr"/>
-                <a:endParaRPr lang="en-US"/>
-              </a:p>
-            </p:txBody>
-          </p:sp>
-        </p:grpSp>
       </p:grpSp>
       <p:sp>
         <p:nvSpPr>
@@ -5631,6 +5505,94 @@
           </a:p>
         </p:txBody>
       </p:sp>
+      <p:grpSp>
+        <p:nvGrpSpPr>
+          <p:cNvPr id="13" name="Grouper 12"/>
+          <p:cNvGrpSpPr/>
+          <p:nvPr/>
+        </p:nvGrpSpPr>
+        <p:grpSpPr>
+          <a:xfrm>
+            <a:off x="7630464" y="6243112"/>
+            <a:ext cx="3195578" cy="5962744"/>
+            <a:chOff x="7630464" y="6243112"/>
+            <a:chExt cx="3195578" cy="5962744"/>
+          </a:xfrm>
+        </p:grpSpPr>
+        <p:pic>
+          <p:nvPicPr>
+            <p:cNvPr id="14" name="Image 13" descr="OculusRemoteControl_Camera001_Beauty001.jpg5b0ba155-2aba-4e81-8c1b-dd7f1ad1d005Original.jpg"/>
+            <p:cNvPicPr>
+              <a:picLocks noChangeAspect="1"/>
+            </p:cNvPicPr>
+            <p:nvPr/>
+          </p:nvPicPr>
+          <p:blipFill rotWithShape="1">
+            <a:blip r:embed="rId2">
+              <a:extLst>
+                <a:ext uri="{28A0092B-C50C-407E-A947-70E740481C1C}">
+                  <a14:useLocalDpi xmlns:a14="http://schemas.microsoft.com/office/drawing/2010/main" val="0"/>
+                </a:ext>
+              </a:extLst>
+            </a:blip>
+            <a:srcRect l="36035" r="34996"/>
+            <a:stretch/>
+          </p:blipFill>
+          <p:spPr>
+            <a:xfrm>
+              <a:off x="7630464" y="6243112"/>
+              <a:ext cx="3195578" cy="5962744"/>
+            </a:xfrm>
+            <a:prstGeom prst="rect">
+              <a:avLst/>
+            </a:prstGeom>
+          </p:spPr>
+        </p:pic>
+        <p:sp>
+          <p:nvSpPr>
+            <p:cNvPr id="15" name="Ellipse 14"/>
+            <p:cNvSpPr/>
+            <p:nvPr/>
+          </p:nvSpPr>
+          <p:spPr>
+            <a:xfrm>
+              <a:off x="8412657" y="6848531"/>
+              <a:ext cx="1497843" cy="1497843"/>
+            </a:xfrm>
+            <a:prstGeom prst="ellipse">
+              <a:avLst/>
+            </a:prstGeom>
+            <a:noFill/>
+            <a:ln w="304800" cmpd="sng">
+              <a:solidFill>
+                <a:schemeClr val="accent2"/>
+              </a:solidFill>
+            </a:ln>
+          </p:spPr>
+          <p:style>
+            <a:lnRef idx="1">
+              <a:schemeClr val="accent1"/>
+            </a:lnRef>
+            <a:fillRef idx="3">
+              <a:schemeClr val="accent1"/>
+            </a:fillRef>
+            <a:effectRef idx="2">
+              <a:schemeClr val="accent1"/>
+            </a:effectRef>
+            <a:fontRef idx="minor">
+              <a:schemeClr val="lt1"/>
+            </a:fontRef>
+          </p:style>
+          <p:txBody>
+            <a:bodyPr rtlCol="0" anchor="ctr"/>
+            <a:lstStyle/>
+            <a:p>
+              <a:pPr algn="ctr"/>
+              <a:endParaRPr lang="en-US"/>
+            </a:p>
+          </p:txBody>
+        </p:sp>
+      </p:grpSp>
     </p:spTree>
     <p:extLst>
       <p:ext uri="{BB962C8B-B14F-4D97-AF65-F5344CB8AC3E}">
@@ -5860,45 +5822,7 @@
                   </a:outerShdw>
                 </a:effectLst>
               </a:rPr>
-              <a:t>  then doff </a:t>
-            </a:r>
-            <a:r>
-              <a:rPr lang="en-US" sz="13800" b="1" spc="-150" dirty="0" smtClean="0">
-                <a:ln w="12700">
-                  <a:noFill/>
-                  <a:prstDash val="solid"/>
-                </a:ln>
-                <a:solidFill>
-                  <a:schemeClr val="accent1"/>
-                </a:solidFill>
-                <a:effectLst>
-                  <a:outerShdw blurRad="41275" dist="20320" dir="1800000" algn="tl" rotWithShape="0">
-                    <a:srgbClr val="000000">
-                      <a:alpha val="40000"/>
-                    </a:srgbClr>
-                  </a:outerShdw>
-                </a:effectLst>
-              </a:rPr>
-              <a:t>Virtual Reality </a:t>
-            </a:r>
-            <a:r>
-              <a:rPr lang="en-US" sz="13800" b="1" spc="-150" dirty="0" smtClean="0">
-                <a:ln w="12700">
-                  <a:noFill/>
-                  <a:prstDash val="solid"/>
-                </a:ln>
-                <a:solidFill>
-                  <a:schemeClr val="accent1"/>
-                </a:solidFill>
-                <a:effectLst>
-                  <a:outerShdw blurRad="41275" dist="20320" dir="1800000" algn="tl" rotWithShape="0">
-                    <a:srgbClr val="000000">
-                      <a:alpha val="40000"/>
-                    </a:srgbClr>
-                  </a:outerShdw>
-                </a:effectLst>
-              </a:rPr>
-              <a:t>Helmet. </a:t>
+              <a:t>  then doff Virtual Reality Helmet. </a:t>
             </a:r>
             <a:endParaRPr lang="en-US" sz="13800" b="1" spc="-150" dirty="0">
               <a:ln w="12700">
@@ -5919,79 +5843,94 @@
           </a:p>
         </p:txBody>
       </p:sp>
-      <p:pic>
-        <p:nvPicPr>
-          <p:cNvPr id="6" name="Image 5" descr="OculusRemoteControl_Camera001_Beauty001.jpg5b0ba155-2aba-4e81-8c1b-dd7f1ad1d005Original.jpg"/>
-          <p:cNvPicPr>
-            <a:picLocks noChangeAspect="1"/>
-          </p:cNvPicPr>
+      <p:grpSp>
+        <p:nvGrpSpPr>
+          <p:cNvPr id="7" name="Grouper 6"/>
+          <p:cNvGrpSpPr/>
           <p:nvPr/>
-        </p:nvPicPr>
-        <p:blipFill rotWithShape="1">
-          <a:blip r:embed="rId2">
-            <a:extLst>
-              <a:ext uri="{28A0092B-C50C-407E-A947-70E740481C1C}">
-                <a14:useLocalDpi xmlns:a14="http://schemas.microsoft.com/office/drawing/2010/main" val="0"/>
-              </a:ext>
-            </a:extLst>
-          </a:blip>
-          <a:srcRect l="36035" r="34996"/>
-          <a:stretch/>
-        </p:blipFill>
-        <p:spPr>
+        </p:nvGrpSpPr>
+        <p:grpSpPr>
           <a:xfrm>
             <a:off x="7630464" y="6243112"/>
             <a:ext cx="3195578" cy="5962744"/>
+            <a:chOff x="7630464" y="6243112"/>
+            <a:chExt cx="3195578" cy="5962744"/>
           </a:xfrm>
-          <a:prstGeom prst="rect">
-            <a:avLst/>
-          </a:prstGeom>
-        </p:spPr>
-      </p:pic>
-      <p:sp>
-        <p:nvSpPr>
-          <p:cNvPr id="8" name="Ellipse 7"/>
-          <p:cNvSpPr/>
-          <p:nvPr/>
-        </p:nvSpPr>
-        <p:spPr>
-          <a:xfrm>
-            <a:off x="8412657" y="6848531"/>
-            <a:ext cx="1497843" cy="1497843"/>
-          </a:xfrm>
-          <a:prstGeom prst="ellipse">
-            <a:avLst/>
-          </a:prstGeom>
-          <a:noFill/>
-          <a:ln w="76200" cmpd="sng">
-            <a:solidFill>
-              <a:schemeClr val="accent2"/>
-            </a:solidFill>
-          </a:ln>
-        </p:spPr>
-        <p:style>
-          <a:lnRef idx="1">
-            <a:schemeClr val="accent1"/>
-          </a:lnRef>
-          <a:fillRef idx="3">
-            <a:schemeClr val="accent1"/>
-          </a:fillRef>
-          <a:effectRef idx="2">
-            <a:schemeClr val="accent1"/>
-          </a:effectRef>
-          <a:fontRef idx="minor">
-            <a:schemeClr val="lt1"/>
-          </a:fontRef>
-        </p:style>
-        <p:txBody>
-          <a:bodyPr rtlCol="0" anchor="ctr"/>
-          <a:lstStyle/>
-          <a:p>
-            <a:pPr algn="ctr"/>
-            <a:endParaRPr lang="en-US"/>
-          </a:p>
-        </p:txBody>
-      </p:sp>
+        </p:grpSpPr>
+        <p:pic>
+          <p:nvPicPr>
+            <p:cNvPr id="9" name="Image 8" descr="OculusRemoteControl_Camera001_Beauty001.jpg5b0ba155-2aba-4e81-8c1b-dd7f1ad1d005Original.jpg"/>
+            <p:cNvPicPr>
+              <a:picLocks noChangeAspect="1"/>
+            </p:cNvPicPr>
+            <p:nvPr/>
+          </p:nvPicPr>
+          <p:blipFill rotWithShape="1">
+            <a:blip r:embed="rId2">
+              <a:extLst>
+                <a:ext uri="{28A0092B-C50C-407E-A947-70E740481C1C}">
+                  <a14:useLocalDpi xmlns:a14="http://schemas.microsoft.com/office/drawing/2010/main" val="0"/>
+                </a:ext>
+              </a:extLst>
+            </a:blip>
+            <a:srcRect l="36035" r="34996"/>
+            <a:stretch/>
+          </p:blipFill>
+          <p:spPr>
+            <a:xfrm>
+              <a:off x="7630464" y="6243112"/>
+              <a:ext cx="3195578" cy="5962744"/>
+            </a:xfrm>
+            <a:prstGeom prst="rect">
+              <a:avLst/>
+            </a:prstGeom>
+          </p:spPr>
+        </p:pic>
+        <p:sp>
+          <p:nvSpPr>
+            <p:cNvPr id="10" name="Ellipse 9"/>
+            <p:cNvSpPr/>
+            <p:nvPr/>
+          </p:nvSpPr>
+          <p:spPr>
+            <a:xfrm>
+              <a:off x="8412657" y="6848531"/>
+              <a:ext cx="1497843" cy="1497843"/>
+            </a:xfrm>
+            <a:prstGeom prst="ellipse">
+              <a:avLst/>
+            </a:prstGeom>
+            <a:noFill/>
+            <a:ln w="304800" cmpd="sng">
+              <a:solidFill>
+                <a:schemeClr val="accent2"/>
+              </a:solidFill>
+            </a:ln>
+          </p:spPr>
+          <p:style>
+            <a:lnRef idx="1">
+              <a:schemeClr val="accent1"/>
+            </a:lnRef>
+            <a:fillRef idx="3">
+              <a:schemeClr val="accent1"/>
+            </a:fillRef>
+            <a:effectRef idx="2">
+              <a:schemeClr val="accent1"/>
+            </a:effectRef>
+            <a:fontRef idx="minor">
+              <a:schemeClr val="lt1"/>
+            </a:fontRef>
+          </p:style>
+          <p:txBody>
+            <a:bodyPr rtlCol="0" anchor="ctr"/>
+            <a:lstStyle/>
+            <a:p>
+              <a:pPr algn="ctr"/>
+              <a:endParaRPr lang="en-US"/>
+            </a:p>
+          </p:txBody>
+        </p:sp>
+      </p:grpSp>
     </p:spTree>
     <p:extLst>
       <p:ext uri="{BB962C8B-B14F-4D97-AF65-F5344CB8AC3E}">
@@ -6242,45 +6181,7 @@
                   </a:outerShdw>
                 </a:effectLst>
               </a:rPr>
-              <a:t>to </a:t>
-            </a:r>
-            <a:r>
-              <a:rPr lang="en-US" sz="13800" b="1" spc="-150" dirty="0" smtClean="0">
-                <a:ln w="12700">
-                  <a:noFill/>
-                  <a:prstDash val="solid"/>
-                </a:ln>
-                <a:solidFill>
-                  <a:schemeClr val="accent1"/>
-                </a:solidFill>
-                <a:effectLst>
-                  <a:outerShdw blurRad="41275" dist="20320" dir="1800000" algn="tl" rotWithShape="0">
-                    <a:srgbClr val="000000">
-                      <a:alpha val="40000"/>
-                    </a:srgbClr>
-                  </a:outerShdw>
-                </a:effectLst>
-              </a:rPr>
-              <a:t>terminate</a:t>
-            </a:r>
-            <a:r>
-              <a:rPr lang="en-US" sz="13800" b="1" spc="-150" dirty="0" smtClean="0">
-                <a:ln w="12700">
-                  <a:noFill/>
-                  <a:prstDash val="solid"/>
-                </a:ln>
-                <a:solidFill>
-                  <a:schemeClr val="accent1"/>
-                </a:solidFill>
-                <a:effectLst>
-                  <a:outerShdw blurRad="41275" dist="20320" dir="1800000" algn="tl" rotWithShape="0">
-                    <a:srgbClr val="000000">
-                      <a:alpha val="40000"/>
-                    </a:srgbClr>
-                  </a:outerShdw>
-                </a:effectLst>
-              </a:rPr>
-              <a:t>. </a:t>
+              <a:t>to terminate. </a:t>
             </a:r>
             <a:endParaRPr lang="en-US" sz="13800" b="1" spc="-150" dirty="0">
               <a:ln w="12700">
@@ -6301,79 +6202,94 @@
           </a:p>
         </p:txBody>
       </p:sp>
-      <p:pic>
-        <p:nvPicPr>
-          <p:cNvPr id="8" name="Image 7" descr="OculusRemoteControl_Camera001_Beauty001.jpg5b0ba155-2aba-4e81-8c1b-dd7f1ad1d005Original.jpg"/>
-          <p:cNvPicPr>
-            <a:picLocks noChangeAspect="1"/>
-          </p:cNvPicPr>
+      <p:grpSp>
+        <p:nvGrpSpPr>
+          <p:cNvPr id="7" name="Grouper 6"/>
+          <p:cNvGrpSpPr/>
           <p:nvPr/>
-        </p:nvPicPr>
-        <p:blipFill rotWithShape="1">
-          <a:blip r:embed="rId2">
-            <a:extLst>
-              <a:ext uri="{28A0092B-C50C-407E-A947-70E740481C1C}">
-                <a14:useLocalDpi xmlns:a14="http://schemas.microsoft.com/office/drawing/2010/main" val="0"/>
-              </a:ext>
-            </a:extLst>
-          </a:blip>
-          <a:srcRect l="36035" r="34996"/>
-          <a:stretch/>
-        </p:blipFill>
-        <p:spPr>
+        </p:nvGrpSpPr>
+        <p:grpSpPr>
           <a:xfrm>
             <a:off x="7630464" y="6243112"/>
             <a:ext cx="3195578" cy="5962744"/>
+            <a:chOff x="7630464" y="6243112"/>
+            <a:chExt cx="3195578" cy="5962744"/>
           </a:xfrm>
-          <a:prstGeom prst="rect">
-            <a:avLst/>
-          </a:prstGeom>
-        </p:spPr>
-      </p:pic>
-      <p:sp>
-        <p:nvSpPr>
-          <p:cNvPr id="9" name="Ellipse 8"/>
-          <p:cNvSpPr/>
-          <p:nvPr/>
-        </p:nvSpPr>
-        <p:spPr>
-          <a:xfrm>
-            <a:off x="8412657" y="6848531"/>
-            <a:ext cx="1497843" cy="1497843"/>
-          </a:xfrm>
-          <a:prstGeom prst="ellipse">
-            <a:avLst/>
-          </a:prstGeom>
-          <a:noFill/>
-          <a:ln w="76200" cmpd="sng">
-            <a:solidFill>
-              <a:schemeClr val="accent2"/>
-            </a:solidFill>
-          </a:ln>
-        </p:spPr>
-        <p:style>
-          <a:lnRef idx="1">
-            <a:schemeClr val="accent1"/>
-          </a:lnRef>
-          <a:fillRef idx="3">
-            <a:schemeClr val="accent1"/>
-          </a:fillRef>
-          <a:effectRef idx="2">
-            <a:schemeClr val="accent1"/>
-          </a:effectRef>
-          <a:fontRef idx="minor">
-            <a:schemeClr val="lt1"/>
-          </a:fontRef>
-        </p:style>
-        <p:txBody>
-          <a:bodyPr rtlCol="0" anchor="ctr"/>
-          <a:lstStyle/>
-          <a:p>
-            <a:pPr algn="ctr"/>
-            <a:endParaRPr lang="en-US"/>
-          </a:p>
-        </p:txBody>
-      </p:sp>
+        </p:grpSpPr>
+        <p:pic>
+          <p:nvPicPr>
+            <p:cNvPr id="10" name="Image 9" descr="OculusRemoteControl_Camera001_Beauty001.jpg5b0ba155-2aba-4e81-8c1b-dd7f1ad1d005Original.jpg"/>
+            <p:cNvPicPr>
+              <a:picLocks noChangeAspect="1"/>
+            </p:cNvPicPr>
+            <p:nvPr/>
+          </p:nvPicPr>
+          <p:blipFill rotWithShape="1">
+            <a:blip r:embed="rId2">
+              <a:extLst>
+                <a:ext uri="{28A0092B-C50C-407E-A947-70E740481C1C}">
+                  <a14:useLocalDpi xmlns:a14="http://schemas.microsoft.com/office/drawing/2010/main" val="0"/>
+                </a:ext>
+              </a:extLst>
+            </a:blip>
+            <a:srcRect l="36035" r="34996"/>
+            <a:stretch/>
+          </p:blipFill>
+          <p:spPr>
+            <a:xfrm>
+              <a:off x="7630464" y="6243112"/>
+              <a:ext cx="3195578" cy="5962744"/>
+            </a:xfrm>
+            <a:prstGeom prst="rect">
+              <a:avLst/>
+            </a:prstGeom>
+          </p:spPr>
+        </p:pic>
+        <p:sp>
+          <p:nvSpPr>
+            <p:cNvPr id="11" name="Ellipse 10"/>
+            <p:cNvSpPr/>
+            <p:nvPr/>
+          </p:nvSpPr>
+          <p:spPr>
+            <a:xfrm>
+              <a:off x="8412657" y="6848531"/>
+              <a:ext cx="1497843" cy="1497843"/>
+            </a:xfrm>
+            <a:prstGeom prst="ellipse">
+              <a:avLst/>
+            </a:prstGeom>
+            <a:noFill/>
+            <a:ln w="304800" cmpd="sng">
+              <a:solidFill>
+                <a:schemeClr val="accent2"/>
+              </a:solidFill>
+            </a:ln>
+          </p:spPr>
+          <p:style>
+            <a:lnRef idx="1">
+              <a:schemeClr val="accent1"/>
+            </a:lnRef>
+            <a:fillRef idx="3">
+              <a:schemeClr val="accent1"/>
+            </a:fillRef>
+            <a:effectRef idx="2">
+              <a:schemeClr val="accent1"/>
+            </a:effectRef>
+            <a:fontRef idx="minor">
+              <a:schemeClr val="lt1"/>
+            </a:fontRef>
+          </p:style>
+          <p:txBody>
+            <a:bodyPr rtlCol="0" anchor="ctr"/>
+            <a:lstStyle/>
+            <a:p>
+              <a:pPr algn="ctr"/>
+              <a:endParaRPr lang="en-US"/>
+            </a:p>
+          </p:txBody>
+        </p:sp>
+      </p:grpSp>
     </p:spTree>
     <p:extLst>
       <p:ext uri="{BB962C8B-B14F-4D97-AF65-F5344CB8AC3E}">
@@ -6614,94 +6530,6 @@
             </a:p>
           </p:txBody>
         </p:sp>
-        <p:grpSp>
-          <p:nvGrpSpPr>
-            <p:cNvPr id="10" name="Grouper 9"/>
-            <p:cNvGrpSpPr/>
-            <p:nvPr/>
-          </p:nvGrpSpPr>
-          <p:grpSpPr>
-            <a:xfrm>
-              <a:off x="7630464" y="6243112"/>
-              <a:ext cx="3195578" cy="5962744"/>
-              <a:chOff x="7630464" y="6243112"/>
-              <a:chExt cx="3195578" cy="5962744"/>
-            </a:xfrm>
-          </p:grpSpPr>
-          <p:pic>
-            <p:nvPicPr>
-              <p:cNvPr id="11" name="Image 10" descr="OculusRemoteControl_Camera001_Beauty001.jpg5b0ba155-2aba-4e81-8c1b-dd7f1ad1d005Original.jpg"/>
-              <p:cNvPicPr>
-                <a:picLocks noChangeAspect="1"/>
-              </p:cNvPicPr>
-              <p:nvPr/>
-            </p:nvPicPr>
-            <p:blipFill rotWithShape="1">
-              <a:blip r:embed="rId2">
-                <a:extLst>
-                  <a:ext uri="{28A0092B-C50C-407E-A947-70E740481C1C}">
-                    <a14:useLocalDpi xmlns:a14="http://schemas.microsoft.com/office/drawing/2010/main" val="0"/>
-                  </a:ext>
-                </a:extLst>
-              </a:blip>
-              <a:srcRect l="36035" r="34996"/>
-              <a:stretch/>
-            </p:blipFill>
-            <p:spPr>
-              <a:xfrm>
-                <a:off x="7630464" y="6243112"/>
-                <a:ext cx="3195578" cy="5962744"/>
-              </a:xfrm>
-              <a:prstGeom prst="rect">
-                <a:avLst/>
-              </a:prstGeom>
-            </p:spPr>
-          </p:pic>
-          <p:sp>
-            <p:nvSpPr>
-              <p:cNvPr id="12" name="Ellipse 11"/>
-              <p:cNvSpPr/>
-              <p:nvPr/>
-            </p:nvSpPr>
-            <p:spPr>
-              <a:xfrm>
-                <a:off x="8412657" y="6848531"/>
-                <a:ext cx="1497843" cy="1497843"/>
-              </a:xfrm>
-              <a:prstGeom prst="ellipse">
-                <a:avLst/>
-              </a:prstGeom>
-              <a:noFill/>
-              <a:ln w="76200" cmpd="sng">
-                <a:solidFill>
-                  <a:schemeClr val="accent2"/>
-                </a:solidFill>
-              </a:ln>
-            </p:spPr>
-            <p:style>
-              <a:lnRef idx="1">
-                <a:schemeClr val="accent1"/>
-              </a:lnRef>
-              <a:fillRef idx="3">
-                <a:schemeClr val="accent1"/>
-              </a:fillRef>
-              <a:effectRef idx="2">
-                <a:schemeClr val="accent1"/>
-              </a:effectRef>
-              <a:fontRef idx="minor">
-                <a:schemeClr val="lt1"/>
-              </a:fontRef>
-            </p:style>
-            <p:txBody>
-              <a:bodyPr rtlCol="0" anchor="ctr"/>
-              <a:lstStyle/>
-              <a:p>
-                <a:pPr algn="ctr"/>
-                <a:endParaRPr lang="en-US"/>
-              </a:p>
-            </p:txBody>
-          </p:sp>
-        </p:grpSp>
       </p:grpSp>
       <p:sp>
         <p:nvSpPr>
@@ -6761,6 +6589,94 @@
           </a:p>
         </p:txBody>
       </p:sp>
+      <p:grpSp>
+        <p:nvGrpSpPr>
+          <p:cNvPr id="13" name="Grouper 12"/>
+          <p:cNvGrpSpPr/>
+          <p:nvPr/>
+        </p:nvGrpSpPr>
+        <p:grpSpPr>
+          <a:xfrm>
+            <a:off x="7630464" y="6243112"/>
+            <a:ext cx="3195578" cy="5962744"/>
+            <a:chOff x="7630464" y="6243112"/>
+            <a:chExt cx="3195578" cy="5962744"/>
+          </a:xfrm>
+        </p:grpSpPr>
+        <p:pic>
+          <p:nvPicPr>
+            <p:cNvPr id="14" name="Image 13" descr="OculusRemoteControl_Camera001_Beauty001.jpg5b0ba155-2aba-4e81-8c1b-dd7f1ad1d005Original.jpg"/>
+            <p:cNvPicPr>
+              <a:picLocks noChangeAspect="1"/>
+            </p:cNvPicPr>
+            <p:nvPr/>
+          </p:nvPicPr>
+          <p:blipFill rotWithShape="1">
+            <a:blip r:embed="rId2">
+              <a:extLst>
+                <a:ext uri="{28A0092B-C50C-407E-A947-70E740481C1C}">
+                  <a14:useLocalDpi xmlns:a14="http://schemas.microsoft.com/office/drawing/2010/main" val="0"/>
+                </a:ext>
+              </a:extLst>
+            </a:blip>
+            <a:srcRect l="36035" r="34996"/>
+            <a:stretch/>
+          </p:blipFill>
+          <p:spPr>
+            <a:xfrm>
+              <a:off x="7630464" y="6243112"/>
+              <a:ext cx="3195578" cy="5962744"/>
+            </a:xfrm>
+            <a:prstGeom prst="rect">
+              <a:avLst/>
+            </a:prstGeom>
+          </p:spPr>
+        </p:pic>
+        <p:sp>
+          <p:nvSpPr>
+            <p:cNvPr id="15" name="Ellipse 14"/>
+            <p:cNvSpPr/>
+            <p:nvPr/>
+          </p:nvSpPr>
+          <p:spPr>
+            <a:xfrm>
+              <a:off x="8412657" y="6848531"/>
+              <a:ext cx="1497843" cy="1497843"/>
+            </a:xfrm>
+            <a:prstGeom prst="ellipse">
+              <a:avLst/>
+            </a:prstGeom>
+            <a:noFill/>
+            <a:ln w="304800" cmpd="sng">
+              <a:solidFill>
+                <a:schemeClr val="accent2"/>
+              </a:solidFill>
+            </a:ln>
+          </p:spPr>
+          <p:style>
+            <a:lnRef idx="1">
+              <a:schemeClr val="accent1"/>
+            </a:lnRef>
+            <a:fillRef idx="3">
+              <a:schemeClr val="accent1"/>
+            </a:fillRef>
+            <a:effectRef idx="2">
+              <a:schemeClr val="accent1"/>
+            </a:effectRef>
+            <a:fontRef idx="minor">
+              <a:schemeClr val="lt1"/>
+            </a:fontRef>
+          </p:style>
+          <p:txBody>
+            <a:bodyPr rtlCol="0" anchor="ctr"/>
+            <a:lstStyle/>
+            <a:p>
+              <a:pPr algn="ctr"/>
+              <a:endParaRPr lang="en-US"/>
+            </a:p>
+          </p:txBody>
+        </p:sp>
+      </p:grpSp>
     </p:spTree>
     <p:extLst>
       <p:ext uri="{BB962C8B-B14F-4D97-AF65-F5344CB8AC3E}">
@@ -7001,94 +6917,6 @@
             </a:p>
           </p:txBody>
         </p:sp>
-        <p:grpSp>
-          <p:nvGrpSpPr>
-            <p:cNvPr id="10" name="Grouper 9"/>
-            <p:cNvGrpSpPr/>
-            <p:nvPr/>
-          </p:nvGrpSpPr>
-          <p:grpSpPr>
-            <a:xfrm>
-              <a:off x="7630464" y="6243112"/>
-              <a:ext cx="3195578" cy="5962744"/>
-              <a:chOff x="7630464" y="6243112"/>
-              <a:chExt cx="3195578" cy="5962744"/>
-            </a:xfrm>
-          </p:grpSpPr>
-          <p:pic>
-            <p:nvPicPr>
-              <p:cNvPr id="11" name="Image 10" descr="OculusRemoteControl_Camera001_Beauty001.jpg5b0ba155-2aba-4e81-8c1b-dd7f1ad1d005Original.jpg"/>
-              <p:cNvPicPr>
-                <a:picLocks noChangeAspect="1"/>
-              </p:cNvPicPr>
-              <p:nvPr/>
-            </p:nvPicPr>
-            <p:blipFill rotWithShape="1">
-              <a:blip r:embed="rId2">
-                <a:extLst>
-                  <a:ext uri="{28A0092B-C50C-407E-A947-70E740481C1C}">
-                    <a14:useLocalDpi xmlns:a14="http://schemas.microsoft.com/office/drawing/2010/main" val="0"/>
-                  </a:ext>
-                </a:extLst>
-              </a:blip>
-              <a:srcRect l="36035" r="34996"/>
-              <a:stretch/>
-            </p:blipFill>
-            <p:spPr>
-              <a:xfrm>
-                <a:off x="7630464" y="6243112"/>
-                <a:ext cx="3195578" cy="5962744"/>
-              </a:xfrm>
-              <a:prstGeom prst="rect">
-                <a:avLst/>
-              </a:prstGeom>
-            </p:spPr>
-          </p:pic>
-          <p:sp>
-            <p:nvSpPr>
-              <p:cNvPr id="12" name="Ellipse 11"/>
-              <p:cNvSpPr/>
-              <p:nvPr/>
-            </p:nvSpPr>
-            <p:spPr>
-              <a:xfrm>
-                <a:off x="8412657" y="6848531"/>
-                <a:ext cx="1497843" cy="1497843"/>
-              </a:xfrm>
-              <a:prstGeom prst="ellipse">
-                <a:avLst/>
-              </a:prstGeom>
-              <a:noFill/>
-              <a:ln w="76200" cmpd="sng">
-                <a:solidFill>
-                  <a:schemeClr val="accent2"/>
-                </a:solidFill>
-              </a:ln>
-            </p:spPr>
-            <p:style>
-              <a:lnRef idx="1">
-                <a:schemeClr val="accent1"/>
-              </a:lnRef>
-              <a:fillRef idx="3">
-                <a:schemeClr val="accent1"/>
-              </a:fillRef>
-              <a:effectRef idx="2">
-                <a:schemeClr val="accent1"/>
-              </a:effectRef>
-              <a:fontRef idx="minor">
-                <a:schemeClr val="lt1"/>
-              </a:fontRef>
-            </p:style>
-            <p:txBody>
-              <a:bodyPr rtlCol="0" anchor="ctr"/>
-              <a:lstStyle/>
-              <a:p>
-                <a:pPr algn="ctr"/>
-                <a:endParaRPr lang="en-US"/>
-              </a:p>
-            </p:txBody>
-          </p:sp>
-        </p:grpSp>
       </p:grpSp>
       <p:sp>
         <p:nvSpPr>
@@ -7152,6 +6980,94 @@
           </a:p>
         </p:txBody>
       </p:sp>
+      <p:grpSp>
+        <p:nvGrpSpPr>
+          <p:cNvPr id="13" name="Grouper 12"/>
+          <p:cNvGrpSpPr/>
+          <p:nvPr/>
+        </p:nvGrpSpPr>
+        <p:grpSpPr>
+          <a:xfrm>
+            <a:off x="7630464" y="6243112"/>
+            <a:ext cx="3195578" cy="5962744"/>
+            <a:chOff x="7630464" y="6243112"/>
+            <a:chExt cx="3195578" cy="5962744"/>
+          </a:xfrm>
+        </p:grpSpPr>
+        <p:pic>
+          <p:nvPicPr>
+            <p:cNvPr id="14" name="Image 13" descr="OculusRemoteControl_Camera001_Beauty001.jpg5b0ba155-2aba-4e81-8c1b-dd7f1ad1d005Original.jpg"/>
+            <p:cNvPicPr>
+              <a:picLocks noChangeAspect="1"/>
+            </p:cNvPicPr>
+            <p:nvPr/>
+          </p:nvPicPr>
+          <p:blipFill rotWithShape="1">
+            <a:blip r:embed="rId2">
+              <a:extLst>
+                <a:ext uri="{28A0092B-C50C-407E-A947-70E740481C1C}">
+                  <a14:useLocalDpi xmlns:a14="http://schemas.microsoft.com/office/drawing/2010/main" val="0"/>
+                </a:ext>
+              </a:extLst>
+            </a:blip>
+            <a:srcRect l="36035" r="34996"/>
+            <a:stretch/>
+          </p:blipFill>
+          <p:spPr>
+            <a:xfrm>
+              <a:off x="7630464" y="6243112"/>
+              <a:ext cx="3195578" cy="5962744"/>
+            </a:xfrm>
+            <a:prstGeom prst="rect">
+              <a:avLst/>
+            </a:prstGeom>
+          </p:spPr>
+        </p:pic>
+        <p:sp>
+          <p:nvSpPr>
+            <p:cNvPr id="15" name="Ellipse 14"/>
+            <p:cNvSpPr/>
+            <p:nvPr/>
+          </p:nvSpPr>
+          <p:spPr>
+            <a:xfrm>
+              <a:off x="8412657" y="6848531"/>
+              <a:ext cx="1497843" cy="1497843"/>
+            </a:xfrm>
+            <a:prstGeom prst="ellipse">
+              <a:avLst/>
+            </a:prstGeom>
+            <a:noFill/>
+            <a:ln w="304800" cmpd="sng">
+              <a:solidFill>
+                <a:schemeClr val="accent2"/>
+              </a:solidFill>
+            </a:ln>
+          </p:spPr>
+          <p:style>
+            <a:lnRef idx="1">
+              <a:schemeClr val="accent1"/>
+            </a:lnRef>
+            <a:fillRef idx="3">
+              <a:schemeClr val="accent1"/>
+            </a:fillRef>
+            <a:effectRef idx="2">
+              <a:schemeClr val="accent1"/>
+            </a:effectRef>
+            <a:fontRef idx="minor">
+              <a:schemeClr val="lt1"/>
+            </a:fontRef>
+          </p:style>
+          <p:txBody>
+            <a:bodyPr rtlCol="0" anchor="ctr"/>
+            <a:lstStyle/>
+            <a:p>
+              <a:pPr algn="ctr"/>
+              <a:endParaRPr lang="en-US"/>
+            </a:p>
+          </p:txBody>
+        </p:sp>
+      </p:grpSp>
     </p:spTree>
     <p:extLst>
       <p:ext uri="{BB962C8B-B14F-4D97-AF65-F5344CB8AC3E}">
@@ -7182,198 +7098,90 @@
           <a:chExt cx="0" cy="0"/>
         </a:xfrm>
       </p:grpSpPr>
-      <p:grpSp>
-        <p:nvGrpSpPr>
-          <p:cNvPr id="4" name="Grouper 3"/>
-          <p:cNvGrpSpPr/>
+      <p:sp>
+        <p:nvSpPr>
+          <p:cNvPr id="5" name="Bouée 4"/>
+          <p:cNvSpPr>
+            <a:spLocks noChangeAspect="1"/>
+          </p:cNvSpPr>
           <p:nvPr/>
-        </p:nvGrpSpPr>
-        <p:grpSpPr>
+        </p:nvSpPr>
+        <p:spPr>
           <a:xfrm>
             <a:off x="1614253" y="1610484"/>
             <a:ext cx="15228000" cy="15228000"/>
-            <a:chOff x="1614253" y="1610484"/>
-            <a:chExt cx="15228000" cy="15228000"/>
           </a:xfrm>
-        </p:grpSpPr>
-        <p:sp>
-          <p:nvSpPr>
-            <p:cNvPr id="5" name="Bouée 4"/>
-            <p:cNvSpPr>
-              <a:spLocks noChangeAspect="1"/>
-            </p:cNvSpPr>
-            <p:nvPr/>
-          </p:nvSpPr>
-          <p:spPr>
-            <a:xfrm>
-              <a:off x="1614253" y="1610484"/>
-              <a:ext cx="15228000" cy="15228000"/>
-            </a:xfrm>
-            <a:prstGeom prst="donut">
+          <a:prstGeom prst="donut">
+            <a:avLst>
+              <a:gd name="adj" fmla="val 48697"/>
+            </a:avLst>
+          </a:prstGeom>
+          <a:solidFill>
+            <a:schemeClr val="bg1"/>
+          </a:solidFill>
+          <a:ln w="76200" cmpd="sng">
+            <a:noFill/>
+          </a:ln>
+        </p:spPr>
+        <p:style>
+          <a:lnRef idx="1">
+            <a:schemeClr val="accent1"/>
+          </a:lnRef>
+          <a:fillRef idx="3">
+            <a:schemeClr val="accent1"/>
+          </a:fillRef>
+          <a:effectRef idx="2">
+            <a:schemeClr val="accent1"/>
+          </a:effectRef>
+          <a:fontRef idx="minor">
+            <a:schemeClr val="lt1"/>
+          </a:fontRef>
+        </p:style>
+        <p:txBody>
+          <a:bodyPr rtlCol="0" anchor="ctr"/>
+          <a:lstStyle/>
+          <a:p>
+            <a:pPr algn="ctr"/>
+            <a:endParaRPr lang="en-US">
+              <a:solidFill>
+                <a:schemeClr val="tx1"/>
+              </a:solidFill>
+            </a:endParaRPr>
+          </a:p>
+        </p:txBody>
+      </p:sp>
+      <p:sp>
+        <p:nvSpPr>
+          <p:cNvPr id="10" name="Rectangle 9"/>
+          <p:cNvSpPr>
+            <a:spLocks noChangeAspect="1"/>
+          </p:cNvSpPr>
+          <p:nvPr/>
+        </p:nvSpPr>
+        <p:spPr>
+          <a:xfrm rot="16200000">
+            <a:off x="5257022" y="5257026"/>
+            <a:ext cx="7920006" cy="7919999"/>
+          </a:xfrm>
+          <a:prstGeom prst="rect">
+            <a:avLst/>
+          </a:prstGeom>
+          <a:noFill/>
+        </p:spPr>
+        <p:txBody>
+          <a:bodyPr wrap="none" lIns="210669" tIns="105334" rIns="210669" bIns="105334">
+            <a:prstTxWarp prst="textCircle">
               <a:avLst>
-                <a:gd name="adj" fmla="val 48697"/>
+                <a:gd name="adj" fmla="val 10916975"/>
               </a:avLst>
-            </a:prstGeom>
-            <a:solidFill>
-              <a:schemeClr val="bg1"/>
-            </a:solidFill>
-            <a:ln w="76200" cmpd="sng">
-              <a:noFill/>
-            </a:ln>
-          </p:spPr>
-          <p:style>
-            <a:lnRef idx="1">
-              <a:schemeClr val="accent1"/>
-            </a:lnRef>
-            <a:fillRef idx="3">
-              <a:schemeClr val="accent1"/>
-            </a:fillRef>
-            <a:effectRef idx="2">
-              <a:schemeClr val="accent1"/>
-            </a:effectRef>
-            <a:fontRef idx="minor">
-              <a:schemeClr val="lt1"/>
-            </a:fontRef>
-          </p:style>
-          <p:txBody>
-            <a:bodyPr rtlCol="0" anchor="ctr"/>
-            <a:lstStyle/>
-            <a:p>
-              <a:pPr algn="ctr"/>
-              <a:endParaRPr lang="en-US">
-                <a:solidFill>
-                  <a:schemeClr val="tx1"/>
-                </a:solidFill>
-              </a:endParaRPr>
-            </a:p>
-          </p:txBody>
-        </p:sp>
-        <p:sp>
-          <p:nvSpPr>
-            <p:cNvPr id="10" name="Rectangle 9"/>
-            <p:cNvSpPr>
-              <a:spLocks noChangeAspect="1"/>
-            </p:cNvSpPr>
-            <p:nvPr/>
-          </p:nvSpPr>
-          <p:spPr>
-            <a:xfrm rot="16200000">
-              <a:off x="5257022" y="5257026"/>
-              <a:ext cx="7920006" cy="7919999"/>
-            </a:xfrm>
-            <a:prstGeom prst="rect">
-              <a:avLst/>
-            </a:prstGeom>
-            <a:noFill/>
-          </p:spPr>
-          <p:txBody>
-            <a:bodyPr wrap="none" lIns="210669" tIns="105334" rIns="210669" bIns="105334">
-              <a:prstTxWarp prst="textCircle">
-                <a:avLst>
-                  <a:gd name="adj" fmla="val 10916975"/>
-                </a:avLst>
-              </a:prstTxWarp>
-              <a:spAutoFit/>
-            </a:bodyPr>
-            <a:lstStyle/>
-            <a:p>
-              <a:pPr algn="ctr"/>
-              <a:r>
-                <a:rPr lang="en-US" sz="13800" b="1" spc="300" dirty="0" smtClean="0">
-                  <a:ln w="12700">
-                    <a:noFill/>
-                    <a:prstDash val="solid"/>
-                  </a:ln>
-                  <a:solidFill>
-                    <a:schemeClr val="accent1"/>
-                  </a:solidFill>
-                  <a:effectLst>
-                    <a:outerShdw blurRad="41275" dist="20320" dir="1800000" algn="tl" rotWithShape="0">
-                      <a:srgbClr val="000000">
-                        <a:alpha val="40000"/>
-                      </a:srgbClr>
-                    </a:outerShdw>
-                  </a:effectLst>
-                </a:rPr>
-                <a:t> Press </a:t>
-              </a:r>
-              <a:r>
-                <a:rPr lang="en-US" sz="13800" b="1" spc="300" dirty="0" smtClean="0">
-                  <a:ln w="12700">
-                    <a:noFill/>
-                    <a:prstDash val="solid"/>
-                  </a:ln>
-                  <a:solidFill>
-                    <a:srgbClr val="C0504D"/>
-                  </a:solidFill>
-                  <a:effectLst>
-                    <a:outerShdw blurRad="41275" dist="20320" dir="1800000" algn="tl" rotWithShape="0">
-                      <a:srgbClr val="000000">
-                        <a:alpha val="40000"/>
-                      </a:srgbClr>
-                    </a:outerShdw>
-                  </a:effectLst>
-                </a:rPr>
-                <a:t>Select</a:t>
-              </a:r>
-              <a:r>
-                <a:rPr lang="en-US" sz="13800" b="1" spc="300" dirty="0" smtClean="0">
-                  <a:ln w="12700">
-                    <a:noFill/>
-                    <a:prstDash val="solid"/>
-                  </a:ln>
-                  <a:solidFill>
-                    <a:schemeClr val="accent1"/>
-                  </a:solidFill>
-                  <a:effectLst>
-                    <a:outerShdw blurRad="41275" dist="20320" dir="1800000" algn="tl" rotWithShape="0">
-                      <a:srgbClr val="000000">
-                        <a:alpha val="40000"/>
-                      </a:srgbClr>
-                    </a:outerShdw>
-                  </a:effectLst>
-                </a:rPr>
-                <a:t> to </a:t>
-              </a:r>
-              <a:r>
-                <a:rPr lang="en-US" sz="13800" b="1" spc="300" dirty="0">
-                  <a:ln w="12700">
-                    <a:noFill/>
-                    <a:prstDash val="solid"/>
-                  </a:ln>
-                  <a:solidFill>
-                    <a:schemeClr val="accent1"/>
-                  </a:solidFill>
-                  <a:effectLst>
-                    <a:outerShdw blurRad="41275" dist="20320" dir="1800000" algn="tl" rotWithShape="0">
-                      <a:srgbClr val="000000">
-                        <a:alpha val="40000"/>
-                      </a:srgbClr>
-                    </a:outerShdw>
-                  </a:effectLst>
-                </a:rPr>
-                <a:t>continue</a:t>
-              </a:r>
-              <a:r>
-                <a:rPr lang="en-US" sz="13800" b="1" spc="300" dirty="0" smtClean="0">
-                  <a:ln w="12700">
-                    <a:noFill/>
-                    <a:prstDash val="solid"/>
-                  </a:ln>
-                  <a:solidFill>
-                    <a:schemeClr val="accent1"/>
-                  </a:solidFill>
-                  <a:effectLst>
-                    <a:outerShdw blurRad="41275" dist="20320" dir="1800000" algn="tl" rotWithShape="0">
-                      <a:srgbClr val="000000">
-                        <a:alpha val="40000"/>
-                      </a:srgbClr>
-                    </a:outerShdw>
-                  </a:effectLst>
-                </a:rPr>
-                <a:t>.</a:t>
-              </a:r>
-              <a:endParaRPr lang="en-US" sz="13800" b="1" spc="300" dirty="0">
+            </a:prstTxWarp>
+            <a:spAutoFit/>
+          </a:bodyPr>
+          <a:lstStyle/>
+          <a:p>
+            <a:pPr algn="ctr"/>
+            <a:r>
+              <a:rPr lang="en-US" sz="13800" b="1" spc="300" dirty="0" smtClean="0">
                 <a:ln w="12700">
                   <a:noFill/>
                   <a:prstDash val="solid"/>
@@ -7388,99 +7196,104 @@
                     </a:srgbClr>
                   </a:outerShdw>
                 </a:effectLst>
-              </a:endParaRPr>
-            </a:p>
-          </p:txBody>
-        </p:sp>
-        <p:grpSp>
-          <p:nvGrpSpPr>
-            <p:cNvPr id="11" name="Grouper 10"/>
-            <p:cNvGrpSpPr/>
-            <p:nvPr/>
-          </p:nvGrpSpPr>
-          <p:grpSpPr>
-            <a:xfrm>
-              <a:off x="7630464" y="6243112"/>
-              <a:ext cx="3195578" cy="5962744"/>
-              <a:chOff x="7630464" y="6243112"/>
-              <a:chExt cx="3195578" cy="5962744"/>
-            </a:xfrm>
-          </p:grpSpPr>
-          <p:pic>
-            <p:nvPicPr>
-              <p:cNvPr id="12" name="Image 11" descr="OculusRemoteControl_Camera001_Beauty001.jpg5b0ba155-2aba-4e81-8c1b-dd7f1ad1d005Original.jpg"/>
-              <p:cNvPicPr>
-                <a:picLocks noChangeAspect="1"/>
-              </p:cNvPicPr>
-              <p:nvPr/>
-            </p:nvPicPr>
-            <p:blipFill rotWithShape="1">
-              <a:blip r:embed="rId2">
-                <a:extLst>
-                  <a:ext uri="{28A0092B-C50C-407E-A947-70E740481C1C}">
-                    <a14:useLocalDpi xmlns:a14="http://schemas.microsoft.com/office/drawing/2010/main" val="0"/>
-                  </a:ext>
-                </a:extLst>
-              </a:blip>
-              <a:srcRect l="36035" r="34996"/>
-              <a:stretch/>
-            </p:blipFill>
-            <p:spPr>
-              <a:xfrm>
-                <a:off x="7630464" y="6243112"/>
-                <a:ext cx="3195578" cy="5962744"/>
-              </a:xfrm>
-              <a:prstGeom prst="rect">
-                <a:avLst/>
-              </a:prstGeom>
-            </p:spPr>
-          </p:pic>
-          <p:sp>
-            <p:nvSpPr>
-              <p:cNvPr id="13" name="Ellipse 12"/>
-              <p:cNvSpPr/>
-              <p:nvPr/>
-            </p:nvSpPr>
-            <p:spPr>
-              <a:xfrm>
-                <a:off x="8412657" y="6848531"/>
-                <a:ext cx="1497843" cy="1497843"/>
-              </a:xfrm>
-              <a:prstGeom prst="ellipse">
-                <a:avLst/>
-              </a:prstGeom>
-              <a:noFill/>
-              <a:ln w="76200" cmpd="sng">
-                <a:solidFill>
-                  <a:schemeClr val="accent2"/>
-                </a:solidFill>
+              </a:rPr>
+              <a:t> Press </a:t>
+            </a:r>
+            <a:r>
+              <a:rPr lang="en-US" sz="13800" b="1" spc="300" dirty="0" smtClean="0">
+                <a:ln w="12700">
+                  <a:noFill/>
+                  <a:prstDash val="solid"/>
+                </a:ln>
+                <a:solidFill>
+                  <a:srgbClr val="C0504D"/>
+                </a:solidFill>
+                <a:effectLst>
+                  <a:outerShdw blurRad="41275" dist="20320" dir="1800000" algn="tl" rotWithShape="0">
+                    <a:srgbClr val="000000">
+                      <a:alpha val="40000"/>
+                    </a:srgbClr>
+                  </a:outerShdw>
+                </a:effectLst>
+              </a:rPr>
+              <a:t>Select</a:t>
+            </a:r>
+            <a:r>
+              <a:rPr lang="en-US" sz="13800" b="1" spc="300" dirty="0" smtClean="0">
+                <a:ln w="12700">
+                  <a:noFill/>
+                  <a:prstDash val="solid"/>
+                </a:ln>
+                <a:solidFill>
+                  <a:schemeClr val="accent1"/>
+                </a:solidFill>
+                <a:effectLst>
+                  <a:outerShdw blurRad="41275" dist="20320" dir="1800000" algn="tl" rotWithShape="0">
+                    <a:srgbClr val="000000">
+                      <a:alpha val="40000"/>
+                    </a:srgbClr>
+                  </a:outerShdw>
+                </a:effectLst>
+              </a:rPr>
+              <a:t> to </a:t>
+            </a:r>
+            <a:r>
+              <a:rPr lang="en-US" sz="13800" b="1" spc="300" dirty="0">
+                <a:ln w="12700">
+                  <a:noFill/>
+                  <a:prstDash val="solid"/>
+                </a:ln>
+                <a:solidFill>
+                  <a:schemeClr val="accent1"/>
+                </a:solidFill>
+                <a:effectLst>
+                  <a:outerShdw blurRad="41275" dist="20320" dir="1800000" algn="tl" rotWithShape="0">
+                    <a:srgbClr val="000000">
+                      <a:alpha val="40000"/>
+                    </a:srgbClr>
+                  </a:outerShdw>
+                </a:effectLst>
+              </a:rPr>
+              <a:t>continue</a:t>
+            </a:r>
+            <a:r>
+              <a:rPr lang="en-US" sz="13800" b="1" spc="300" dirty="0" smtClean="0">
+                <a:ln w="12700">
+                  <a:noFill/>
+                  <a:prstDash val="solid"/>
+                </a:ln>
+                <a:solidFill>
+                  <a:schemeClr val="accent1"/>
+                </a:solidFill>
+                <a:effectLst>
+                  <a:outerShdw blurRad="41275" dist="20320" dir="1800000" algn="tl" rotWithShape="0">
+                    <a:srgbClr val="000000">
+                      <a:alpha val="40000"/>
+                    </a:srgbClr>
+                  </a:outerShdw>
+                </a:effectLst>
+              </a:rPr>
+              <a:t>.</a:t>
+            </a:r>
+            <a:endParaRPr lang="en-US" sz="13800" b="1" spc="300" dirty="0">
+              <a:ln w="12700">
+                <a:noFill/>
+                <a:prstDash val="solid"/>
               </a:ln>
-            </p:spPr>
-            <p:style>
-              <a:lnRef idx="1">
+              <a:solidFill>
                 <a:schemeClr val="accent1"/>
-              </a:lnRef>
-              <a:fillRef idx="3">
-                <a:schemeClr val="accent1"/>
-              </a:fillRef>
-              <a:effectRef idx="2">
-                <a:schemeClr val="accent1"/>
-              </a:effectRef>
-              <a:fontRef idx="minor">
-                <a:schemeClr val="lt1"/>
-              </a:fontRef>
-            </p:style>
-            <p:txBody>
-              <a:bodyPr rtlCol="0" anchor="ctr"/>
-              <a:lstStyle/>
-              <a:p>
-                <a:pPr algn="ctr"/>
-                <a:endParaRPr lang="en-US"/>
-              </a:p>
-            </p:txBody>
-          </p:sp>
-        </p:grpSp>
-      </p:grpSp>
+              </a:solidFill>
+              <a:effectLst>
+                <a:outerShdw blurRad="41275" dist="20320" dir="1800000" algn="tl" rotWithShape="0">
+                  <a:srgbClr val="000000">
+                    <a:alpha val="40000"/>
+                  </a:srgbClr>
+                </a:outerShdw>
+              </a:effectLst>
+            </a:endParaRPr>
+          </a:p>
+        </p:txBody>
+      </p:sp>
       <p:sp>
         <p:nvSpPr>
           <p:cNvPr id="9" name="Rectangle 8"/>
@@ -7543,6 +7356,94 @@
           </a:p>
         </p:txBody>
       </p:sp>
+      <p:grpSp>
+        <p:nvGrpSpPr>
+          <p:cNvPr id="15" name="Grouper 14"/>
+          <p:cNvGrpSpPr/>
+          <p:nvPr/>
+        </p:nvGrpSpPr>
+        <p:grpSpPr>
+          <a:xfrm>
+            <a:off x="7630464" y="6243112"/>
+            <a:ext cx="3195578" cy="5962744"/>
+            <a:chOff x="7630464" y="6243112"/>
+            <a:chExt cx="3195578" cy="5962744"/>
+          </a:xfrm>
+        </p:grpSpPr>
+        <p:pic>
+          <p:nvPicPr>
+            <p:cNvPr id="16" name="Image 15" descr="OculusRemoteControl_Camera001_Beauty001.jpg5b0ba155-2aba-4e81-8c1b-dd7f1ad1d005Original.jpg"/>
+            <p:cNvPicPr>
+              <a:picLocks noChangeAspect="1"/>
+            </p:cNvPicPr>
+            <p:nvPr/>
+          </p:nvPicPr>
+          <p:blipFill rotWithShape="1">
+            <a:blip r:embed="rId2">
+              <a:extLst>
+                <a:ext uri="{28A0092B-C50C-407E-A947-70E740481C1C}">
+                  <a14:useLocalDpi xmlns:a14="http://schemas.microsoft.com/office/drawing/2010/main" val="0"/>
+                </a:ext>
+              </a:extLst>
+            </a:blip>
+            <a:srcRect l="36035" r="34996"/>
+            <a:stretch/>
+          </p:blipFill>
+          <p:spPr>
+            <a:xfrm>
+              <a:off x="7630464" y="6243112"/>
+              <a:ext cx="3195578" cy="5962744"/>
+            </a:xfrm>
+            <a:prstGeom prst="rect">
+              <a:avLst/>
+            </a:prstGeom>
+          </p:spPr>
+        </p:pic>
+        <p:sp>
+          <p:nvSpPr>
+            <p:cNvPr id="17" name="Ellipse 16"/>
+            <p:cNvSpPr/>
+            <p:nvPr/>
+          </p:nvSpPr>
+          <p:spPr>
+            <a:xfrm>
+              <a:off x="8412657" y="6848531"/>
+              <a:ext cx="1497843" cy="1497843"/>
+            </a:xfrm>
+            <a:prstGeom prst="ellipse">
+              <a:avLst/>
+            </a:prstGeom>
+            <a:noFill/>
+            <a:ln w="304800" cmpd="sng">
+              <a:solidFill>
+                <a:schemeClr val="accent2"/>
+              </a:solidFill>
+            </a:ln>
+          </p:spPr>
+          <p:style>
+            <a:lnRef idx="1">
+              <a:schemeClr val="accent1"/>
+            </a:lnRef>
+            <a:fillRef idx="3">
+              <a:schemeClr val="accent1"/>
+            </a:fillRef>
+            <a:effectRef idx="2">
+              <a:schemeClr val="accent1"/>
+            </a:effectRef>
+            <a:fontRef idx="minor">
+              <a:schemeClr val="lt1"/>
+            </a:fontRef>
+          </p:style>
+          <p:txBody>
+            <a:bodyPr rtlCol="0" anchor="ctr"/>
+            <a:lstStyle/>
+            <a:p>
+              <a:pPr algn="ctr"/>
+              <a:endParaRPr lang="en-US"/>
+            </a:p>
+          </p:txBody>
+        </p:sp>
+      </p:grpSp>
     </p:spTree>
     <p:extLst>
       <p:ext uri="{BB962C8B-B14F-4D97-AF65-F5344CB8AC3E}">
@@ -7889,7 +7790,7 @@
               <a:avLst/>
             </a:prstGeom>
             <a:noFill/>
-            <a:ln w="76200" cmpd="sng">
+            <a:ln w="203200" cmpd="sng">
               <a:solidFill>
                 <a:schemeClr val="accent2"/>
               </a:solidFill>
@@ -7937,7 +7838,7 @@
               <a:gd name="adj1" fmla="val 50000"/>
             </a:avLst>
           </a:prstGeom>
-          <a:ln w="76200" cmpd="sng">
+          <a:ln w="203200" cmpd="sng">
             <a:solidFill>
               <a:schemeClr val="accent2"/>
             </a:solidFill>
@@ -8025,7 +7926,7 @@
           <a:prstGeom prst="bentConnector3">
             <a:avLst/>
           </a:prstGeom>
-          <a:ln w="76200" cmpd="sng">
+          <a:ln w="203200" cmpd="sng">
             <a:solidFill>
               <a:srgbClr val="4BACC6"/>
             </a:solidFill>
@@ -8062,7 +7963,7 @@
             <a:avLst/>
           </a:prstGeom>
           <a:noFill/>
-          <a:ln w="76200" cmpd="sng">
+          <a:ln w="203200" cmpd="sng">
             <a:solidFill>
               <a:srgbClr val="4BACC6"/>
             </a:solidFill>
@@ -8640,94 +8541,6 @@
             </a:p>
           </p:txBody>
         </p:sp>
-        <p:grpSp>
-          <p:nvGrpSpPr>
-            <p:cNvPr id="21" name="Grouper 20"/>
-            <p:cNvGrpSpPr/>
-            <p:nvPr/>
-          </p:nvGrpSpPr>
-          <p:grpSpPr>
-            <a:xfrm>
-              <a:off x="7630464" y="6243112"/>
-              <a:ext cx="3195578" cy="5962744"/>
-              <a:chOff x="7630464" y="6243112"/>
-              <a:chExt cx="3195578" cy="5962744"/>
-            </a:xfrm>
-          </p:grpSpPr>
-          <p:pic>
-            <p:nvPicPr>
-              <p:cNvPr id="22" name="Image 21" descr="OculusRemoteControl_Camera001_Beauty001.jpg5b0ba155-2aba-4e81-8c1b-dd7f1ad1d005Original.jpg"/>
-              <p:cNvPicPr>
-                <a:picLocks noChangeAspect="1"/>
-              </p:cNvPicPr>
-              <p:nvPr/>
-            </p:nvPicPr>
-            <p:blipFill rotWithShape="1">
-              <a:blip r:embed="rId2">
-                <a:extLst>
-                  <a:ext uri="{28A0092B-C50C-407E-A947-70E740481C1C}">
-                    <a14:useLocalDpi xmlns:a14="http://schemas.microsoft.com/office/drawing/2010/main" val="0"/>
-                  </a:ext>
-                </a:extLst>
-              </a:blip>
-              <a:srcRect l="36035" r="34996"/>
-              <a:stretch/>
-            </p:blipFill>
-            <p:spPr>
-              <a:xfrm>
-                <a:off x="7630464" y="6243112"/>
-                <a:ext cx="3195578" cy="5962744"/>
-              </a:xfrm>
-              <a:prstGeom prst="rect">
-                <a:avLst/>
-              </a:prstGeom>
-            </p:spPr>
-          </p:pic>
-          <p:sp>
-            <p:nvSpPr>
-              <p:cNvPr id="23" name="Ellipse 22"/>
-              <p:cNvSpPr/>
-              <p:nvPr/>
-            </p:nvSpPr>
-            <p:spPr>
-              <a:xfrm>
-                <a:off x="8412657" y="6848531"/>
-                <a:ext cx="1497843" cy="1497843"/>
-              </a:xfrm>
-              <a:prstGeom prst="ellipse">
-                <a:avLst/>
-              </a:prstGeom>
-              <a:noFill/>
-              <a:ln w="76200" cmpd="sng">
-                <a:solidFill>
-                  <a:schemeClr val="accent2"/>
-                </a:solidFill>
-              </a:ln>
-            </p:spPr>
-            <p:style>
-              <a:lnRef idx="1">
-                <a:schemeClr val="accent1"/>
-              </a:lnRef>
-              <a:fillRef idx="3">
-                <a:schemeClr val="accent1"/>
-              </a:fillRef>
-              <a:effectRef idx="2">
-                <a:schemeClr val="accent1"/>
-              </a:effectRef>
-              <a:fontRef idx="minor">
-                <a:schemeClr val="lt1"/>
-              </a:fontRef>
-            </p:style>
-            <p:txBody>
-              <a:bodyPr rtlCol="0" anchor="ctr"/>
-              <a:lstStyle/>
-              <a:p>
-                <a:pPr algn="ctr"/>
-                <a:endParaRPr lang="en-US"/>
-              </a:p>
-            </p:txBody>
-          </p:sp>
-        </p:grpSp>
       </p:grpSp>
       <p:sp>
         <p:nvSpPr>
@@ -8791,6 +8604,94 @@
           </a:p>
         </p:txBody>
       </p:sp>
+      <p:grpSp>
+        <p:nvGrpSpPr>
+          <p:cNvPr id="11" name="Grouper 10"/>
+          <p:cNvGrpSpPr/>
+          <p:nvPr/>
+        </p:nvGrpSpPr>
+        <p:grpSpPr>
+          <a:xfrm>
+            <a:off x="7630464" y="6243112"/>
+            <a:ext cx="3195578" cy="5962744"/>
+            <a:chOff x="7630464" y="6243112"/>
+            <a:chExt cx="3195578" cy="5962744"/>
+          </a:xfrm>
+        </p:grpSpPr>
+        <p:pic>
+          <p:nvPicPr>
+            <p:cNvPr id="12" name="Image 11" descr="OculusRemoteControl_Camera001_Beauty001.jpg5b0ba155-2aba-4e81-8c1b-dd7f1ad1d005Original.jpg"/>
+            <p:cNvPicPr>
+              <a:picLocks noChangeAspect="1"/>
+            </p:cNvPicPr>
+            <p:nvPr/>
+          </p:nvPicPr>
+          <p:blipFill rotWithShape="1">
+            <a:blip r:embed="rId2">
+              <a:extLst>
+                <a:ext uri="{28A0092B-C50C-407E-A947-70E740481C1C}">
+                  <a14:useLocalDpi xmlns:a14="http://schemas.microsoft.com/office/drawing/2010/main" val="0"/>
+                </a:ext>
+              </a:extLst>
+            </a:blip>
+            <a:srcRect l="36035" r="34996"/>
+            <a:stretch/>
+          </p:blipFill>
+          <p:spPr>
+            <a:xfrm>
+              <a:off x="7630464" y="6243112"/>
+              <a:ext cx="3195578" cy="5962744"/>
+            </a:xfrm>
+            <a:prstGeom prst="rect">
+              <a:avLst/>
+            </a:prstGeom>
+          </p:spPr>
+        </p:pic>
+        <p:sp>
+          <p:nvSpPr>
+            <p:cNvPr id="13" name="Ellipse 12"/>
+            <p:cNvSpPr/>
+            <p:nvPr/>
+          </p:nvSpPr>
+          <p:spPr>
+            <a:xfrm>
+              <a:off x="8412657" y="6848531"/>
+              <a:ext cx="1497843" cy="1497843"/>
+            </a:xfrm>
+            <a:prstGeom prst="ellipse">
+              <a:avLst/>
+            </a:prstGeom>
+            <a:noFill/>
+            <a:ln w="304800" cmpd="sng">
+              <a:solidFill>
+                <a:schemeClr val="accent2"/>
+              </a:solidFill>
+            </a:ln>
+          </p:spPr>
+          <p:style>
+            <a:lnRef idx="1">
+              <a:schemeClr val="accent1"/>
+            </a:lnRef>
+            <a:fillRef idx="3">
+              <a:schemeClr val="accent1"/>
+            </a:fillRef>
+            <a:effectRef idx="2">
+              <a:schemeClr val="accent1"/>
+            </a:effectRef>
+            <a:fontRef idx="minor">
+              <a:schemeClr val="lt1"/>
+            </a:fontRef>
+          </p:style>
+          <p:txBody>
+            <a:bodyPr rtlCol="0" anchor="ctr"/>
+            <a:lstStyle/>
+            <a:p>
+              <a:pPr algn="ctr"/>
+              <a:endParaRPr lang="en-US"/>
+            </a:p>
+          </p:txBody>
+        </p:sp>
+      </p:grpSp>
     </p:spTree>
     <p:extLst>
       <p:ext uri="{BB962C8B-B14F-4D97-AF65-F5344CB8AC3E}">
@@ -8948,7 +8849,35 @@
                   <a:srgbClr val="77933C"/>
                 </a:solidFill>
               </a:rPr>
-              <a:t>Raise hand and aim at target.</a:t>
+              <a:t>Raise hand and </a:t>
+            </a:r>
+            <a:r>
+              <a:rPr lang="en-US" sz="23900" b="1" spc="-300" dirty="0" smtClean="0">
+                <a:ln w="12700">
+                  <a:solidFill>
+                    <a:srgbClr val="FFFFFF"/>
+                  </a:solidFill>
+                  <a:prstDash val="solid"/>
+                </a:ln>
+                <a:solidFill>
+                  <a:srgbClr val="77933C"/>
+                </a:solidFill>
+              </a:rPr>
+              <a:t>point down tunnel</a:t>
+            </a:r>
+            <a:r>
+              <a:rPr lang="en-US" sz="23900" b="1" spc="-300" dirty="0" smtClean="0">
+                <a:ln w="12700">
+                  <a:solidFill>
+                    <a:srgbClr val="FFFFFF"/>
+                  </a:solidFill>
+                  <a:prstDash val="solid"/>
+                </a:ln>
+                <a:solidFill>
+                  <a:srgbClr val="77933C"/>
+                </a:solidFill>
+              </a:rPr>
+              <a:t>.</a:t>
             </a:r>
             <a:endParaRPr lang="en-US" sz="23900" b="1" spc="-300" dirty="0">
               <a:ln w="12700">
@@ -9250,94 +9179,6 @@
             </a:p>
           </p:txBody>
         </p:sp>
-        <p:grpSp>
-          <p:nvGrpSpPr>
-            <p:cNvPr id="21" name="Grouper 20"/>
-            <p:cNvGrpSpPr/>
-            <p:nvPr/>
-          </p:nvGrpSpPr>
-          <p:grpSpPr>
-            <a:xfrm>
-              <a:off x="7630464" y="6243112"/>
-              <a:ext cx="3195578" cy="5962744"/>
-              <a:chOff x="7630464" y="6243112"/>
-              <a:chExt cx="3195578" cy="5962744"/>
-            </a:xfrm>
-          </p:grpSpPr>
-          <p:pic>
-            <p:nvPicPr>
-              <p:cNvPr id="22" name="Image 21" descr="OculusRemoteControl_Camera001_Beauty001.jpg5b0ba155-2aba-4e81-8c1b-dd7f1ad1d005Original.jpg"/>
-              <p:cNvPicPr>
-                <a:picLocks noChangeAspect="1"/>
-              </p:cNvPicPr>
-              <p:nvPr/>
-            </p:nvPicPr>
-            <p:blipFill rotWithShape="1">
-              <a:blip r:embed="rId2">
-                <a:extLst>
-                  <a:ext uri="{28A0092B-C50C-407E-A947-70E740481C1C}">
-                    <a14:useLocalDpi xmlns:a14="http://schemas.microsoft.com/office/drawing/2010/main" val="0"/>
-                  </a:ext>
-                </a:extLst>
-              </a:blip>
-              <a:srcRect l="36035" r="34996"/>
-              <a:stretch/>
-            </p:blipFill>
-            <p:spPr>
-              <a:xfrm>
-                <a:off x="7630464" y="6243112"/>
-                <a:ext cx="3195578" cy="5962744"/>
-              </a:xfrm>
-              <a:prstGeom prst="rect">
-                <a:avLst/>
-              </a:prstGeom>
-            </p:spPr>
-          </p:pic>
-          <p:sp>
-            <p:nvSpPr>
-              <p:cNvPr id="23" name="Ellipse 22"/>
-              <p:cNvSpPr/>
-              <p:nvPr/>
-            </p:nvSpPr>
-            <p:spPr>
-              <a:xfrm>
-                <a:off x="8412657" y="6848531"/>
-                <a:ext cx="1497843" cy="1497843"/>
-              </a:xfrm>
-              <a:prstGeom prst="ellipse">
-                <a:avLst/>
-              </a:prstGeom>
-              <a:noFill/>
-              <a:ln w="76200" cmpd="sng">
-                <a:solidFill>
-                  <a:schemeClr val="accent2"/>
-                </a:solidFill>
-              </a:ln>
-            </p:spPr>
-            <p:style>
-              <a:lnRef idx="1">
-                <a:schemeClr val="accent1"/>
-              </a:lnRef>
-              <a:fillRef idx="3">
-                <a:schemeClr val="accent1"/>
-              </a:fillRef>
-              <a:effectRef idx="2">
-                <a:schemeClr val="accent1"/>
-              </a:effectRef>
-              <a:fontRef idx="minor">
-                <a:schemeClr val="lt1"/>
-              </a:fontRef>
-            </p:style>
-            <p:txBody>
-              <a:bodyPr rtlCol="0" anchor="ctr"/>
-              <a:lstStyle/>
-              <a:p>
-                <a:pPr algn="ctr"/>
-                <a:endParaRPr lang="en-US"/>
-              </a:p>
-            </p:txBody>
-          </p:sp>
-        </p:grpSp>
       </p:grpSp>
       <p:sp>
         <p:nvSpPr>
@@ -9397,6 +9238,94 @@
           </a:p>
         </p:txBody>
       </p:sp>
+      <p:grpSp>
+        <p:nvGrpSpPr>
+          <p:cNvPr id="10" name="Grouper 9"/>
+          <p:cNvGrpSpPr/>
+          <p:nvPr/>
+        </p:nvGrpSpPr>
+        <p:grpSpPr>
+          <a:xfrm>
+            <a:off x="7630464" y="6243112"/>
+            <a:ext cx="3195578" cy="5962744"/>
+            <a:chOff x="7630464" y="6243112"/>
+            <a:chExt cx="3195578" cy="5962744"/>
+          </a:xfrm>
+        </p:grpSpPr>
+        <p:pic>
+          <p:nvPicPr>
+            <p:cNvPr id="11" name="Image 10" descr="OculusRemoteControl_Camera001_Beauty001.jpg5b0ba155-2aba-4e81-8c1b-dd7f1ad1d005Original.jpg"/>
+            <p:cNvPicPr>
+              <a:picLocks noChangeAspect="1"/>
+            </p:cNvPicPr>
+            <p:nvPr/>
+          </p:nvPicPr>
+          <p:blipFill rotWithShape="1">
+            <a:blip r:embed="rId2">
+              <a:extLst>
+                <a:ext uri="{28A0092B-C50C-407E-A947-70E740481C1C}">
+                  <a14:useLocalDpi xmlns:a14="http://schemas.microsoft.com/office/drawing/2010/main" val="0"/>
+                </a:ext>
+              </a:extLst>
+            </a:blip>
+            <a:srcRect l="36035" r="34996"/>
+            <a:stretch/>
+          </p:blipFill>
+          <p:spPr>
+            <a:xfrm>
+              <a:off x="7630464" y="6243112"/>
+              <a:ext cx="3195578" cy="5962744"/>
+            </a:xfrm>
+            <a:prstGeom prst="rect">
+              <a:avLst/>
+            </a:prstGeom>
+          </p:spPr>
+        </p:pic>
+        <p:sp>
+          <p:nvSpPr>
+            <p:cNvPr id="12" name="Ellipse 11"/>
+            <p:cNvSpPr/>
+            <p:nvPr/>
+          </p:nvSpPr>
+          <p:spPr>
+            <a:xfrm>
+              <a:off x="8412657" y="6848531"/>
+              <a:ext cx="1497843" cy="1497843"/>
+            </a:xfrm>
+            <a:prstGeom prst="ellipse">
+              <a:avLst/>
+            </a:prstGeom>
+            <a:noFill/>
+            <a:ln w="304800" cmpd="sng">
+              <a:solidFill>
+                <a:schemeClr val="accent2"/>
+              </a:solidFill>
+            </a:ln>
+          </p:spPr>
+          <p:style>
+            <a:lnRef idx="1">
+              <a:schemeClr val="accent1"/>
+            </a:lnRef>
+            <a:fillRef idx="3">
+              <a:schemeClr val="accent1"/>
+            </a:fillRef>
+            <a:effectRef idx="2">
+              <a:schemeClr val="accent1"/>
+            </a:effectRef>
+            <a:fontRef idx="minor">
+              <a:schemeClr val="lt1"/>
+            </a:fontRef>
+          </p:style>
+          <p:txBody>
+            <a:bodyPr rtlCol="0" anchor="ctr"/>
+            <a:lstStyle/>
+            <a:p>
+              <a:pPr algn="ctr"/>
+              <a:endParaRPr lang="en-US"/>
+            </a:p>
+          </p:txBody>
+        </p:sp>
+      </p:grpSp>
     </p:spTree>
     <p:extLst>
       <p:ext uri="{BB962C8B-B14F-4D97-AF65-F5344CB8AC3E}">
@@ -9637,94 +9566,6 @@
             </a:p>
           </p:txBody>
         </p:sp>
-        <p:grpSp>
-          <p:nvGrpSpPr>
-            <p:cNvPr id="9" name="Grouper 8"/>
-            <p:cNvGrpSpPr/>
-            <p:nvPr/>
-          </p:nvGrpSpPr>
-          <p:grpSpPr>
-            <a:xfrm>
-              <a:off x="7630464" y="6243112"/>
-              <a:ext cx="3195578" cy="5962744"/>
-              <a:chOff x="7630464" y="6243112"/>
-              <a:chExt cx="3195578" cy="5962744"/>
-            </a:xfrm>
-          </p:grpSpPr>
-          <p:pic>
-            <p:nvPicPr>
-              <p:cNvPr id="10" name="Image 9" descr="OculusRemoteControl_Camera001_Beauty001.jpg5b0ba155-2aba-4e81-8c1b-dd7f1ad1d005Original.jpg"/>
-              <p:cNvPicPr>
-                <a:picLocks noChangeAspect="1"/>
-              </p:cNvPicPr>
-              <p:nvPr/>
-            </p:nvPicPr>
-            <p:blipFill rotWithShape="1">
-              <a:blip r:embed="rId2">
-                <a:extLst>
-                  <a:ext uri="{28A0092B-C50C-407E-A947-70E740481C1C}">
-                    <a14:useLocalDpi xmlns:a14="http://schemas.microsoft.com/office/drawing/2010/main" val="0"/>
-                  </a:ext>
-                </a:extLst>
-              </a:blip>
-              <a:srcRect l="36035" r="34996"/>
-              <a:stretch/>
-            </p:blipFill>
-            <p:spPr>
-              <a:xfrm>
-                <a:off x="7630464" y="6243112"/>
-                <a:ext cx="3195578" cy="5962744"/>
-              </a:xfrm>
-              <a:prstGeom prst="rect">
-                <a:avLst/>
-              </a:prstGeom>
-            </p:spPr>
-          </p:pic>
-          <p:sp>
-            <p:nvSpPr>
-              <p:cNvPr id="11" name="Ellipse 10"/>
-              <p:cNvSpPr/>
-              <p:nvPr/>
-            </p:nvSpPr>
-            <p:spPr>
-              <a:xfrm>
-                <a:off x="8412657" y="6848531"/>
-                <a:ext cx="1497843" cy="1497843"/>
-              </a:xfrm>
-              <a:prstGeom prst="ellipse">
-                <a:avLst/>
-              </a:prstGeom>
-              <a:noFill/>
-              <a:ln w="76200" cmpd="sng">
-                <a:solidFill>
-                  <a:schemeClr val="accent2"/>
-                </a:solidFill>
-              </a:ln>
-            </p:spPr>
-            <p:style>
-              <a:lnRef idx="1">
-                <a:schemeClr val="accent1"/>
-              </a:lnRef>
-              <a:fillRef idx="3">
-                <a:schemeClr val="accent1"/>
-              </a:fillRef>
-              <a:effectRef idx="2">
-                <a:schemeClr val="accent1"/>
-              </a:effectRef>
-              <a:fontRef idx="minor">
-                <a:schemeClr val="lt1"/>
-              </a:fontRef>
-            </p:style>
-            <p:txBody>
-              <a:bodyPr rtlCol="0" anchor="ctr"/>
-              <a:lstStyle/>
-              <a:p>
-                <a:pPr algn="ctr"/>
-                <a:endParaRPr lang="en-US"/>
-              </a:p>
-            </p:txBody>
-          </p:sp>
-        </p:grpSp>
       </p:grpSp>
       <p:sp>
         <p:nvSpPr>
@@ -9840,6 +9681,94 @@
           </a:p>
         </p:txBody>
       </p:sp>
+      <p:grpSp>
+        <p:nvGrpSpPr>
+          <p:cNvPr id="12" name="Grouper 11"/>
+          <p:cNvGrpSpPr/>
+          <p:nvPr/>
+        </p:nvGrpSpPr>
+        <p:grpSpPr>
+          <a:xfrm>
+            <a:off x="7630464" y="6243112"/>
+            <a:ext cx="3195578" cy="5962744"/>
+            <a:chOff x="7630464" y="6243112"/>
+            <a:chExt cx="3195578" cy="5962744"/>
+          </a:xfrm>
+        </p:grpSpPr>
+        <p:pic>
+          <p:nvPicPr>
+            <p:cNvPr id="13" name="Image 12" descr="OculusRemoteControl_Camera001_Beauty001.jpg5b0ba155-2aba-4e81-8c1b-dd7f1ad1d005Original.jpg"/>
+            <p:cNvPicPr>
+              <a:picLocks noChangeAspect="1"/>
+            </p:cNvPicPr>
+            <p:nvPr/>
+          </p:nvPicPr>
+          <p:blipFill rotWithShape="1">
+            <a:blip r:embed="rId2">
+              <a:extLst>
+                <a:ext uri="{28A0092B-C50C-407E-A947-70E740481C1C}">
+                  <a14:useLocalDpi xmlns:a14="http://schemas.microsoft.com/office/drawing/2010/main" val="0"/>
+                </a:ext>
+              </a:extLst>
+            </a:blip>
+            <a:srcRect l="36035" r="34996"/>
+            <a:stretch/>
+          </p:blipFill>
+          <p:spPr>
+            <a:xfrm>
+              <a:off x="7630464" y="6243112"/>
+              <a:ext cx="3195578" cy="5962744"/>
+            </a:xfrm>
+            <a:prstGeom prst="rect">
+              <a:avLst/>
+            </a:prstGeom>
+          </p:spPr>
+        </p:pic>
+        <p:sp>
+          <p:nvSpPr>
+            <p:cNvPr id="14" name="Ellipse 13"/>
+            <p:cNvSpPr/>
+            <p:nvPr/>
+          </p:nvSpPr>
+          <p:spPr>
+            <a:xfrm>
+              <a:off x="8412657" y="6848531"/>
+              <a:ext cx="1497843" cy="1497843"/>
+            </a:xfrm>
+            <a:prstGeom prst="ellipse">
+              <a:avLst/>
+            </a:prstGeom>
+            <a:noFill/>
+            <a:ln w="304800" cmpd="sng">
+              <a:solidFill>
+                <a:schemeClr val="accent2"/>
+              </a:solidFill>
+            </a:ln>
+          </p:spPr>
+          <p:style>
+            <a:lnRef idx="1">
+              <a:schemeClr val="accent1"/>
+            </a:lnRef>
+            <a:fillRef idx="3">
+              <a:schemeClr val="accent1"/>
+            </a:fillRef>
+            <a:effectRef idx="2">
+              <a:schemeClr val="accent1"/>
+            </a:effectRef>
+            <a:fontRef idx="minor">
+              <a:schemeClr val="lt1"/>
+            </a:fontRef>
+          </p:style>
+          <p:txBody>
+            <a:bodyPr rtlCol="0" anchor="ctr"/>
+            <a:lstStyle/>
+            <a:p>
+              <a:pPr algn="ctr"/>
+              <a:endParaRPr lang="en-US"/>
+            </a:p>
+          </p:txBody>
+        </p:sp>
+      </p:grpSp>
     </p:spTree>
     <p:extLst>
       <p:ext uri="{BB962C8B-B14F-4D97-AF65-F5344CB8AC3E}">
@@ -10080,94 +10009,6 @@
             </a:p>
           </p:txBody>
         </p:sp>
-        <p:grpSp>
-          <p:nvGrpSpPr>
-            <p:cNvPr id="21" name="Grouper 20"/>
-            <p:cNvGrpSpPr/>
-            <p:nvPr/>
-          </p:nvGrpSpPr>
-          <p:grpSpPr>
-            <a:xfrm>
-              <a:off x="7630464" y="6243112"/>
-              <a:ext cx="3195578" cy="5962744"/>
-              <a:chOff x="7630464" y="6243112"/>
-              <a:chExt cx="3195578" cy="5962744"/>
-            </a:xfrm>
-          </p:grpSpPr>
-          <p:pic>
-            <p:nvPicPr>
-              <p:cNvPr id="22" name="Image 21" descr="OculusRemoteControl_Camera001_Beauty001.jpg5b0ba155-2aba-4e81-8c1b-dd7f1ad1d005Original.jpg"/>
-              <p:cNvPicPr>
-                <a:picLocks noChangeAspect="1"/>
-              </p:cNvPicPr>
-              <p:nvPr/>
-            </p:nvPicPr>
-            <p:blipFill rotWithShape="1">
-              <a:blip r:embed="rId2">
-                <a:extLst>
-                  <a:ext uri="{28A0092B-C50C-407E-A947-70E740481C1C}">
-                    <a14:useLocalDpi xmlns:a14="http://schemas.microsoft.com/office/drawing/2010/main" val="0"/>
-                  </a:ext>
-                </a:extLst>
-              </a:blip>
-              <a:srcRect l="36035" r="34996"/>
-              <a:stretch/>
-            </p:blipFill>
-            <p:spPr>
-              <a:xfrm>
-                <a:off x="7630464" y="6243112"/>
-                <a:ext cx="3195578" cy="5962744"/>
-              </a:xfrm>
-              <a:prstGeom prst="rect">
-                <a:avLst/>
-              </a:prstGeom>
-            </p:spPr>
-          </p:pic>
-          <p:sp>
-            <p:nvSpPr>
-              <p:cNvPr id="23" name="Ellipse 22"/>
-              <p:cNvSpPr/>
-              <p:nvPr/>
-            </p:nvSpPr>
-            <p:spPr>
-              <a:xfrm>
-                <a:off x="8412657" y="6848531"/>
-                <a:ext cx="1497843" cy="1497843"/>
-              </a:xfrm>
-              <a:prstGeom prst="ellipse">
-                <a:avLst/>
-              </a:prstGeom>
-              <a:noFill/>
-              <a:ln w="76200" cmpd="sng">
-                <a:solidFill>
-                  <a:schemeClr val="accent2"/>
-                </a:solidFill>
-              </a:ln>
-            </p:spPr>
-            <p:style>
-              <a:lnRef idx="1">
-                <a:schemeClr val="accent1"/>
-              </a:lnRef>
-              <a:fillRef idx="3">
-                <a:schemeClr val="accent1"/>
-              </a:fillRef>
-              <a:effectRef idx="2">
-                <a:schemeClr val="accent1"/>
-              </a:effectRef>
-              <a:fontRef idx="minor">
-                <a:schemeClr val="lt1"/>
-              </a:fontRef>
-            </p:style>
-            <p:txBody>
-              <a:bodyPr rtlCol="0" anchor="ctr"/>
-              <a:lstStyle/>
-              <a:p>
-                <a:pPr algn="ctr"/>
-                <a:endParaRPr lang="en-US"/>
-              </a:p>
-            </p:txBody>
-          </p:sp>
-        </p:grpSp>
       </p:grpSp>
       <p:sp>
         <p:nvSpPr>
@@ -10283,6 +10124,94 @@
           </a:p>
         </p:txBody>
       </p:sp>
+      <p:grpSp>
+        <p:nvGrpSpPr>
+          <p:cNvPr id="9" name="Grouper 8"/>
+          <p:cNvGrpSpPr/>
+          <p:nvPr/>
+        </p:nvGrpSpPr>
+        <p:grpSpPr>
+          <a:xfrm>
+            <a:off x="7630464" y="6243112"/>
+            <a:ext cx="3195578" cy="5962744"/>
+            <a:chOff x="7630464" y="6243112"/>
+            <a:chExt cx="3195578" cy="5962744"/>
+          </a:xfrm>
+        </p:grpSpPr>
+        <p:pic>
+          <p:nvPicPr>
+            <p:cNvPr id="10" name="Image 9" descr="OculusRemoteControl_Camera001_Beauty001.jpg5b0ba155-2aba-4e81-8c1b-dd7f1ad1d005Original.jpg"/>
+            <p:cNvPicPr>
+              <a:picLocks noChangeAspect="1"/>
+            </p:cNvPicPr>
+            <p:nvPr/>
+          </p:nvPicPr>
+          <p:blipFill rotWithShape="1">
+            <a:blip r:embed="rId2">
+              <a:extLst>
+                <a:ext uri="{28A0092B-C50C-407E-A947-70E740481C1C}">
+                  <a14:useLocalDpi xmlns:a14="http://schemas.microsoft.com/office/drawing/2010/main" val="0"/>
+                </a:ext>
+              </a:extLst>
+            </a:blip>
+            <a:srcRect l="36035" r="34996"/>
+            <a:stretch/>
+          </p:blipFill>
+          <p:spPr>
+            <a:xfrm>
+              <a:off x="7630464" y="6243112"/>
+              <a:ext cx="3195578" cy="5962744"/>
+            </a:xfrm>
+            <a:prstGeom prst="rect">
+              <a:avLst/>
+            </a:prstGeom>
+          </p:spPr>
+        </p:pic>
+        <p:sp>
+          <p:nvSpPr>
+            <p:cNvPr id="11" name="Ellipse 10"/>
+            <p:cNvSpPr/>
+            <p:nvPr/>
+          </p:nvSpPr>
+          <p:spPr>
+            <a:xfrm>
+              <a:off x="8412657" y="6848531"/>
+              <a:ext cx="1497843" cy="1497843"/>
+            </a:xfrm>
+            <a:prstGeom prst="ellipse">
+              <a:avLst/>
+            </a:prstGeom>
+            <a:noFill/>
+            <a:ln w="304800" cmpd="sng">
+              <a:solidFill>
+                <a:schemeClr val="accent2"/>
+              </a:solidFill>
+            </a:ln>
+          </p:spPr>
+          <p:style>
+            <a:lnRef idx="1">
+              <a:schemeClr val="accent1"/>
+            </a:lnRef>
+            <a:fillRef idx="3">
+              <a:schemeClr val="accent1"/>
+            </a:fillRef>
+            <a:effectRef idx="2">
+              <a:schemeClr val="accent1"/>
+            </a:effectRef>
+            <a:fontRef idx="minor">
+              <a:schemeClr val="lt1"/>
+            </a:fontRef>
+          </p:style>
+          <p:txBody>
+            <a:bodyPr rtlCol="0" anchor="ctr"/>
+            <a:lstStyle/>
+            <a:p>
+              <a:pPr algn="ctr"/>
+              <a:endParaRPr lang="en-US"/>
+            </a:p>
+          </p:txBody>
+        </p:sp>
+      </p:grpSp>
     </p:spTree>
     <p:extLst>
       <p:ext uri="{BB962C8B-B14F-4D97-AF65-F5344CB8AC3E}">

--- a/Source Code/GraspBMPs/GraspCircularPrompts.pptx
+++ b/Source Code/GraspBMPs/GraspCircularPrompts.pptx
@@ -7913,14 +7913,13 @@
         <p:nvCxnSpPr>
           <p:cNvPr id="28" name="Connecteur en angle 27"/>
           <p:cNvCxnSpPr>
-            <a:stCxn id="25" idx="2"/>
             <a:endCxn id="8" idx="6"/>
           </p:cNvCxnSpPr>
           <p:nvPr/>
         </p:nvCxnSpPr>
         <p:spPr>
           <a:xfrm rot="10800000">
-            <a:off x="9662851" y="9433105"/>
+            <a:off x="9662851" y="9400543"/>
             <a:ext cx="2685633" cy="2299"/>
           </a:xfrm>
           <a:prstGeom prst="bentConnector3">
@@ -7956,7 +7955,7 @@
         </p:nvSpPr>
         <p:spPr>
           <a:xfrm>
-            <a:off x="8640857" y="8922107"/>
+            <a:off x="8640857" y="8889545"/>
             <a:ext cx="1021993" cy="1021993"/>
           </a:xfrm>
           <a:prstGeom prst="ellipse">
@@ -8001,7 +8000,7 @@
         </p:nvSpPr>
         <p:spPr>
           <a:xfrm>
-            <a:off x="12348483" y="9346503"/>
+            <a:off x="12348483" y="9308403"/>
             <a:ext cx="152400" cy="177800"/>
           </a:xfrm>
           <a:prstGeom prst="ellipse">
@@ -8040,6 +8039,139 @@
           </a:p>
         </p:txBody>
       </p:sp>
+      <p:grpSp>
+        <p:nvGrpSpPr>
+          <p:cNvPr id="12" name="Grouper 11"/>
+          <p:cNvGrpSpPr/>
+          <p:nvPr/>
+        </p:nvGrpSpPr>
+        <p:grpSpPr>
+          <a:xfrm>
+            <a:off x="8858346" y="10103856"/>
+            <a:ext cx="628554" cy="348243"/>
+            <a:chOff x="15694788" y="1031875"/>
+            <a:chExt cx="1465282" cy="704850"/>
+          </a:xfrm>
+        </p:grpSpPr>
+        <p:sp>
+          <p:nvSpPr>
+            <p:cNvPr id="4" name="Rectangle à coins arrondis 3"/>
+            <p:cNvSpPr/>
+            <p:nvPr/>
+          </p:nvSpPr>
+          <p:spPr>
+            <a:xfrm>
+              <a:off x="15694788" y="1083766"/>
+              <a:ext cx="1465282" cy="601068"/>
+            </a:xfrm>
+            <a:prstGeom prst="roundRect">
+              <a:avLst>
+                <a:gd name="adj" fmla="val 50000"/>
+              </a:avLst>
+            </a:prstGeom>
+            <a:noFill/>
+            <a:ln w="38100" cmpd="sng">
+              <a:solidFill>
+                <a:schemeClr val="bg1">
+                  <a:lumMod val="75000"/>
+                </a:schemeClr>
+              </a:solidFill>
+            </a:ln>
+          </p:spPr>
+          <p:style>
+            <a:lnRef idx="1">
+              <a:schemeClr val="accent1"/>
+            </a:lnRef>
+            <a:fillRef idx="3">
+              <a:schemeClr val="accent1"/>
+            </a:fillRef>
+            <a:effectRef idx="2">
+              <a:schemeClr val="accent1"/>
+            </a:effectRef>
+            <a:fontRef idx="minor">
+              <a:schemeClr val="lt1"/>
+            </a:fontRef>
+          </p:style>
+          <p:txBody>
+            <a:bodyPr rtlCol="0" anchor="ctr"/>
+            <a:lstStyle/>
+            <a:p>
+              <a:pPr algn="ctr"/>
+              <a:endParaRPr lang="en-US"/>
+            </a:p>
+          </p:txBody>
+        </p:sp>
+        <p:cxnSp>
+          <p:nvCxnSpPr>
+            <p:cNvPr id="10" name="Connecteur droit 9"/>
+            <p:cNvCxnSpPr/>
+            <p:nvPr/>
+          </p:nvCxnSpPr>
+          <p:spPr>
+            <a:xfrm>
+              <a:off x="15903554" y="1031875"/>
+              <a:ext cx="1047750" cy="704850"/>
+            </a:xfrm>
+            <a:prstGeom prst="line">
+              <a:avLst/>
+            </a:prstGeom>
+            <a:ln w="57150" cmpd="sng">
+              <a:solidFill>
+                <a:srgbClr val="660066"/>
+              </a:solidFill>
+            </a:ln>
+          </p:spPr>
+          <p:style>
+            <a:lnRef idx="2">
+              <a:schemeClr val="accent1"/>
+            </a:lnRef>
+            <a:fillRef idx="0">
+              <a:schemeClr val="accent1"/>
+            </a:fillRef>
+            <a:effectRef idx="1">
+              <a:schemeClr val="accent1"/>
+            </a:effectRef>
+            <a:fontRef idx="minor">
+              <a:schemeClr val="tx1"/>
+            </a:fontRef>
+          </p:style>
+        </p:cxnSp>
+        <p:cxnSp>
+          <p:nvCxnSpPr>
+            <p:cNvPr id="16" name="Connecteur droit 15"/>
+            <p:cNvCxnSpPr/>
+            <p:nvPr/>
+          </p:nvCxnSpPr>
+          <p:spPr>
+            <a:xfrm flipH="1">
+              <a:off x="15903554" y="1031875"/>
+              <a:ext cx="1047750" cy="704850"/>
+            </a:xfrm>
+            <a:prstGeom prst="line">
+              <a:avLst/>
+            </a:prstGeom>
+            <a:ln w="57150" cmpd="sng">
+              <a:solidFill>
+                <a:srgbClr val="660066"/>
+              </a:solidFill>
+            </a:ln>
+          </p:spPr>
+          <p:style>
+            <a:lnRef idx="2">
+              <a:schemeClr val="accent1"/>
+            </a:lnRef>
+            <a:fillRef idx="0">
+              <a:schemeClr val="accent1"/>
+            </a:fillRef>
+            <a:effectRef idx="1">
+              <a:schemeClr val="accent1"/>
+            </a:effectRef>
+            <a:fontRef idx="minor">
+              <a:schemeClr val="tx1"/>
+            </a:fontRef>
+          </p:style>
+        </p:cxnSp>
+      </p:grpSp>
     </p:spTree>
     <p:extLst>
       <p:ext uri="{BB962C8B-B14F-4D97-AF65-F5344CB8AC3E}">
@@ -8849,35 +8981,7 @@
                   <a:srgbClr val="77933C"/>
                 </a:solidFill>
               </a:rPr>
-              <a:t>Raise hand and </a:t>
-            </a:r>
-            <a:r>
-              <a:rPr lang="en-US" sz="23900" b="1" spc="-300" dirty="0" smtClean="0">
-                <a:ln w="12700">
-                  <a:solidFill>
-                    <a:srgbClr val="FFFFFF"/>
-                  </a:solidFill>
-                  <a:prstDash val="solid"/>
-                </a:ln>
-                <a:solidFill>
-                  <a:srgbClr val="77933C"/>
-                </a:solidFill>
-              </a:rPr>
-              <a:t>point down tunnel</a:t>
-            </a:r>
-            <a:r>
-              <a:rPr lang="en-US" sz="23900" b="1" spc="-300" dirty="0" smtClean="0">
-                <a:ln w="12700">
-                  <a:solidFill>
-                    <a:srgbClr val="FFFFFF"/>
-                  </a:solidFill>
-                  <a:prstDash val="solid"/>
-                </a:ln>
-                <a:solidFill>
-                  <a:srgbClr val="77933C"/>
-                </a:solidFill>
-              </a:rPr>
-              <a:t>.</a:t>
+              <a:t>Raise hand and point down tunnel.</a:t>
             </a:r>
             <a:endParaRPr lang="en-US" sz="23900" b="1" spc="-300" dirty="0">
               <a:ln w="12700">
